--- a/Parth viva presentation.pptx
+++ b/Parth viva presentation.pptx
@@ -168,7 +168,7 @@
           <a:noFill/>
           <a:extLst>
             <a:ext uri="{909E8E84-426E-40dd-AFC4-6F175D3DCCD1}">
-              <a14:hiddenFill xmlns="" xmlns:a14="http://schemas.microsoft.com/office/drawing/2010/main">
+              <a14:hiddenFill xmlns:a14="http://schemas.microsoft.com/office/drawing/2010/main" xmlns="">
                 <a:solidFill>
                   <a:srgbClr val="FFFFFF"/>
                 </a:solidFill>
@@ -228,7 +228,7 @@
             </a:ln>
             <a:extLst>
               <a:ext uri="{91240B29-F687-4f45-9708-019B960494DF}">
-                <a14:hiddenLine xmlns="" xmlns:a14="http://schemas.microsoft.com/office/drawing/2010/main" w="9525">
+                <a14:hiddenLine xmlns:a14="http://schemas.microsoft.com/office/drawing/2010/main" xmlns="" w="9525">
                   <a:solidFill>
                     <a:srgbClr val="000000"/>
                   </a:solidFill>
@@ -318,7 +318,7 @@
             </a:ln>
             <a:extLst>
               <a:ext uri="{91240B29-F687-4f45-9708-019B960494DF}">
-                <a14:hiddenLine xmlns="" xmlns:a14="http://schemas.microsoft.com/office/drawing/2010/main" w="9525">
+                <a14:hiddenLine xmlns:a14="http://schemas.microsoft.com/office/drawing/2010/main" xmlns="" w="9525">
                   <a:solidFill>
                     <a:srgbClr val="000000"/>
                   </a:solidFill>
@@ -408,7 +408,7 @@
             </a:ln>
             <a:extLst>
               <a:ext uri="{91240B29-F687-4f45-9708-019B960494DF}">
-                <a14:hiddenLine xmlns="" xmlns:a14="http://schemas.microsoft.com/office/drawing/2010/main" w="9525">
+                <a14:hiddenLine xmlns:a14="http://schemas.microsoft.com/office/drawing/2010/main" xmlns="" w="9525">
                   <a:solidFill>
                     <a:srgbClr val="000000"/>
                   </a:solidFill>
@@ -442,7 +442,7 @@
             </a:ln>
             <a:extLst>
               <a:ext uri="{91240B29-F687-4f45-9708-019B960494DF}">
-                <a14:hiddenLine xmlns="" xmlns:a14="http://schemas.microsoft.com/office/drawing/2010/main" w="9525">
+                <a14:hiddenLine xmlns:a14="http://schemas.microsoft.com/office/drawing/2010/main" xmlns="" w="9525">
                   <a:solidFill>
                     <a:srgbClr val="000000"/>
                   </a:solidFill>
@@ -532,7 +532,7 @@
             </a:ln>
             <a:extLst>
               <a:ext uri="{91240B29-F687-4f45-9708-019B960494DF}">
-                <a14:hiddenLine xmlns="" xmlns:a14="http://schemas.microsoft.com/office/drawing/2010/main" w="9525">
+                <a14:hiddenLine xmlns:a14="http://schemas.microsoft.com/office/drawing/2010/main" xmlns="" w="9525">
                   <a:solidFill>
                     <a:srgbClr val="000000"/>
                   </a:solidFill>
@@ -594,7 +594,7 @@
             </a:ln>
             <a:extLst>
               <a:ext uri="{91240B29-F687-4f45-9708-019B960494DF}">
-                <a14:hiddenLine xmlns="" xmlns:a14="http://schemas.microsoft.com/office/drawing/2010/main" w="9525">
+                <a14:hiddenLine xmlns:a14="http://schemas.microsoft.com/office/drawing/2010/main" xmlns="" w="9525">
                   <a:solidFill>
                     <a:srgbClr val="000000"/>
                   </a:solidFill>
@@ -656,7 +656,7 @@
             </a:ln>
             <a:extLst>
               <a:ext uri="{91240B29-F687-4f45-9708-019B960494DF}">
-                <a14:hiddenLine xmlns="" xmlns:a14="http://schemas.microsoft.com/office/drawing/2010/main" w="9525">
+                <a14:hiddenLine xmlns:a14="http://schemas.microsoft.com/office/drawing/2010/main" xmlns="" w="9525">
                   <a:solidFill>
                     <a:srgbClr val="000000"/>
                   </a:solidFill>
@@ -746,7 +746,7 @@
             </a:ln>
             <a:extLst>
               <a:ext uri="{91240B29-F687-4f45-9708-019B960494DF}">
-                <a14:hiddenLine xmlns="" xmlns:a14="http://schemas.microsoft.com/office/drawing/2010/main" w="9525">
+                <a14:hiddenLine xmlns:a14="http://schemas.microsoft.com/office/drawing/2010/main" xmlns="" w="9525">
                   <a:solidFill>
                     <a:srgbClr val="000000"/>
                   </a:solidFill>
@@ -808,7 +808,7 @@
             </a:ln>
             <a:extLst>
               <a:ext uri="{91240B29-F687-4f45-9708-019B960494DF}">
-                <a14:hiddenLine xmlns="" xmlns:a14="http://schemas.microsoft.com/office/drawing/2010/main" w="9525">
+                <a14:hiddenLine xmlns:a14="http://schemas.microsoft.com/office/drawing/2010/main" xmlns="" w="9525">
                   <a:solidFill>
                     <a:srgbClr val="000000"/>
                   </a:solidFill>
@@ -870,7 +870,7 @@
             </a:ln>
             <a:extLst>
               <a:ext uri="{91240B29-F687-4f45-9708-019B960494DF}">
-                <a14:hiddenLine xmlns="" xmlns:a14="http://schemas.microsoft.com/office/drawing/2010/main" w="9525">
+                <a14:hiddenLine xmlns:a14="http://schemas.microsoft.com/office/drawing/2010/main" xmlns="" w="9525">
                   <a:solidFill>
                     <a:srgbClr val="000000"/>
                   </a:solidFill>
@@ -960,7 +960,7 @@
             </a:ln>
             <a:extLst>
               <a:ext uri="{91240B29-F687-4f45-9708-019B960494DF}">
-                <a14:hiddenLine xmlns="" xmlns:a14="http://schemas.microsoft.com/office/drawing/2010/main" w="9525">
+                <a14:hiddenLine xmlns:a14="http://schemas.microsoft.com/office/drawing/2010/main" xmlns="" w="9525">
                   <a:solidFill>
                     <a:srgbClr val="000000"/>
                   </a:solidFill>
@@ -1050,7 +1050,7 @@
             </a:ln>
             <a:extLst>
               <a:ext uri="{91240B29-F687-4f45-9708-019B960494DF}">
-                <a14:hiddenLine xmlns="" xmlns:a14="http://schemas.microsoft.com/office/drawing/2010/main" w="9525">
+                <a14:hiddenLine xmlns:a14="http://schemas.microsoft.com/office/drawing/2010/main" xmlns="" w="9525">
                   <a:solidFill>
                     <a:srgbClr val="000000"/>
                   </a:solidFill>
@@ -1112,7 +1112,7 @@
             </a:ln>
             <a:extLst>
               <a:ext uri="{91240B29-F687-4f45-9708-019B960494DF}">
-                <a14:hiddenLine xmlns="" xmlns:a14="http://schemas.microsoft.com/office/drawing/2010/main" w="9525">
+                <a14:hiddenLine xmlns:a14="http://schemas.microsoft.com/office/drawing/2010/main" xmlns="" w="9525">
                   <a:solidFill>
                     <a:srgbClr val="000000"/>
                   </a:solidFill>
@@ -1222,7 +1222,7 @@
             </a:ln>
             <a:extLst>
               <a:ext uri="{91240B29-F687-4f45-9708-019B960494DF}">
-                <a14:hiddenLine xmlns="" xmlns:a14="http://schemas.microsoft.com/office/drawing/2010/main" w="9525">
+                <a14:hiddenLine xmlns:a14="http://schemas.microsoft.com/office/drawing/2010/main" xmlns="" w="9525">
                   <a:solidFill>
                     <a:srgbClr val="000000"/>
                   </a:solidFill>
@@ -1284,7 +1284,7 @@
             </a:ln>
             <a:extLst>
               <a:ext uri="{91240B29-F687-4f45-9708-019B960494DF}">
-                <a14:hiddenLine xmlns="" xmlns:a14="http://schemas.microsoft.com/office/drawing/2010/main" w="9525">
+                <a14:hiddenLine xmlns:a14="http://schemas.microsoft.com/office/drawing/2010/main" xmlns="" w="9525">
                   <a:solidFill>
                     <a:srgbClr val="000000"/>
                   </a:solidFill>
@@ -1374,7 +1374,7 @@
             </a:ln>
             <a:extLst>
               <a:ext uri="{91240B29-F687-4f45-9708-019B960494DF}">
-                <a14:hiddenLine xmlns="" xmlns:a14="http://schemas.microsoft.com/office/drawing/2010/main" w="9525">
+                <a14:hiddenLine xmlns:a14="http://schemas.microsoft.com/office/drawing/2010/main" xmlns="" w="9525">
                   <a:solidFill>
                     <a:srgbClr val="000000"/>
                   </a:solidFill>
@@ -1464,7 +1464,7 @@
             </a:ln>
             <a:extLst>
               <a:ext uri="{91240B29-F687-4f45-9708-019B960494DF}">
-                <a14:hiddenLine xmlns="" xmlns:a14="http://schemas.microsoft.com/office/drawing/2010/main" w="9525">
+                <a14:hiddenLine xmlns:a14="http://schemas.microsoft.com/office/drawing/2010/main" xmlns="" w="9525">
                   <a:solidFill>
                     <a:srgbClr val="000000"/>
                   </a:solidFill>
@@ -1526,7 +1526,7 @@
             </a:ln>
             <a:extLst>
               <a:ext uri="{91240B29-F687-4f45-9708-019B960494DF}">
-                <a14:hiddenLine xmlns="" xmlns:a14="http://schemas.microsoft.com/office/drawing/2010/main" w="9525">
+                <a14:hiddenLine xmlns:a14="http://schemas.microsoft.com/office/drawing/2010/main" xmlns="" w="9525">
                   <a:solidFill>
                     <a:srgbClr val="000000"/>
                   </a:solidFill>
@@ -1616,7 +1616,7 @@
             </a:ln>
             <a:extLst>
               <a:ext uri="{91240B29-F687-4f45-9708-019B960494DF}">
-                <a14:hiddenLine xmlns="" xmlns:a14="http://schemas.microsoft.com/office/drawing/2010/main" w="9525">
+                <a14:hiddenLine xmlns:a14="http://schemas.microsoft.com/office/drawing/2010/main" xmlns="" w="9525">
                   <a:solidFill>
                     <a:srgbClr val="000000"/>
                   </a:solidFill>
@@ -1706,7 +1706,7 @@
             </a:ln>
             <a:extLst>
               <a:ext uri="{91240B29-F687-4f45-9708-019B960494DF}">
-                <a14:hiddenLine xmlns="" xmlns:a14="http://schemas.microsoft.com/office/drawing/2010/main" w="9525">
+                <a14:hiddenLine xmlns:a14="http://schemas.microsoft.com/office/drawing/2010/main" xmlns="" w="9525">
                   <a:solidFill>
                     <a:srgbClr val="000000"/>
                   </a:solidFill>
@@ -1762,7 +1762,7 @@
             </a:ln>
             <a:extLst>
               <a:ext uri="{91240B29-F687-4f45-9708-019B960494DF}">
-                <a14:hiddenLine xmlns="" xmlns:a14="http://schemas.microsoft.com/office/drawing/2010/main" w="9525">
+                <a14:hiddenLine xmlns:a14="http://schemas.microsoft.com/office/drawing/2010/main" xmlns="" w="9525">
                   <a:solidFill>
                     <a:srgbClr val="000000"/>
                   </a:solidFill>
@@ -1852,7 +1852,7 @@
             </a:ln>
             <a:extLst>
               <a:ext uri="{91240B29-F687-4f45-9708-019B960494DF}">
-                <a14:hiddenLine xmlns="" xmlns:a14="http://schemas.microsoft.com/office/drawing/2010/main" w="9525">
+                <a14:hiddenLine xmlns:a14="http://schemas.microsoft.com/office/drawing/2010/main" xmlns="" w="9525">
                   <a:solidFill>
                     <a:srgbClr val="000000"/>
                   </a:solidFill>
@@ -1908,7 +1908,7 @@
             </a:ln>
             <a:extLst>
               <a:ext uri="{91240B29-F687-4f45-9708-019B960494DF}">
-                <a14:hiddenLine xmlns="" xmlns:a14="http://schemas.microsoft.com/office/drawing/2010/main" w="9525">
+                <a14:hiddenLine xmlns:a14="http://schemas.microsoft.com/office/drawing/2010/main" xmlns="" w="9525">
                   <a:solidFill>
                     <a:srgbClr val="000000"/>
                   </a:solidFill>
@@ -1998,7 +1998,7 @@
             </a:ln>
             <a:extLst>
               <a:ext uri="{91240B29-F687-4f45-9708-019B960494DF}">
-                <a14:hiddenLine xmlns="" xmlns:a14="http://schemas.microsoft.com/office/drawing/2010/main" w="9525">
+                <a14:hiddenLine xmlns:a14="http://schemas.microsoft.com/office/drawing/2010/main" xmlns="" w="9525">
                   <a:solidFill>
                     <a:srgbClr val="000000"/>
                   </a:solidFill>
@@ -2066,7 +2066,7 @@
             </a:ln>
             <a:extLst>
               <a:ext uri="{91240B29-F687-4f45-9708-019B960494DF}">
-                <a14:hiddenLine xmlns="" xmlns:a14="http://schemas.microsoft.com/office/drawing/2010/main" w="9525">
+                <a14:hiddenLine xmlns:a14="http://schemas.microsoft.com/office/drawing/2010/main" xmlns="" w="9525">
                   <a:solidFill>
                     <a:srgbClr val="000000"/>
                   </a:solidFill>
@@ -2156,7 +2156,7 @@
             </a:ln>
             <a:extLst>
               <a:ext uri="{91240B29-F687-4f45-9708-019B960494DF}">
-                <a14:hiddenLine xmlns="" xmlns:a14="http://schemas.microsoft.com/office/drawing/2010/main" w="9525">
+                <a14:hiddenLine xmlns:a14="http://schemas.microsoft.com/office/drawing/2010/main" xmlns="" w="9525">
                   <a:solidFill>
                     <a:srgbClr val="000000"/>
                   </a:solidFill>
@@ -2224,7 +2224,7 @@
             </a:ln>
             <a:extLst>
               <a:ext uri="{91240B29-F687-4f45-9708-019B960494DF}">
-                <a14:hiddenLine xmlns="" xmlns:a14="http://schemas.microsoft.com/office/drawing/2010/main" w="9525">
+                <a14:hiddenLine xmlns:a14="http://schemas.microsoft.com/office/drawing/2010/main" xmlns="" w="9525">
                   <a:solidFill>
                     <a:srgbClr val="000000"/>
                   </a:solidFill>
@@ -2314,7 +2314,7 @@
             </a:ln>
             <a:extLst>
               <a:ext uri="{91240B29-F687-4f45-9708-019B960494DF}">
-                <a14:hiddenLine xmlns="" xmlns:a14="http://schemas.microsoft.com/office/drawing/2010/main" w="9525">
+                <a14:hiddenLine xmlns:a14="http://schemas.microsoft.com/office/drawing/2010/main" xmlns="" w="9525">
                   <a:solidFill>
                     <a:srgbClr val="000000"/>
                   </a:solidFill>
@@ -2348,7 +2348,7 @@
             </a:ln>
             <a:extLst>
               <a:ext uri="{91240B29-F687-4f45-9708-019B960494DF}">
-                <a14:hiddenLine xmlns="" xmlns:a14="http://schemas.microsoft.com/office/drawing/2010/main" w="9525">
+                <a14:hiddenLine xmlns:a14="http://schemas.microsoft.com/office/drawing/2010/main" xmlns="" w="9525">
                   <a:solidFill>
                     <a:srgbClr val="000000"/>
                   </a:solidFill>
@@ -2438,7 +2438,7 @@
             </a:ln>
             <a:extLst>
               <a:ext uri="{91240B29-F687-4f45-9708-019B960494DF}">
-                <a14:hiddenLine xmlns="" xmlns:a14="http://schemas.microsoft.com/office/drawing/2010/main" w="9525">
+                <a14:hiddenLine xmlns:a14="http://schemas.microsoft.com/office/drawing/2010/main" xmlns="" w="9525">
                   <a:solidFill>
                     <a:srgbClr val="000000"/>
                   </a:solidFill>
@@ -2500,7 +2500,7 @@
             </a:ln>
             <a:extLst>
               <a:ext uri="{91240B29-F687-4f45-9708-019B960494DF}">
-                <a14:hiddenLine xmlns="" xmlns:a14="http://schemas.microsoft.com/office/drawing/2010/main" w="9525">
+                <a14:hiddenLine xmlns:a14="http://schemas.microsoft.com/office/drawing/2010/main" xmlns="" w="9525">
                   <a:solidFill>
                     <a:srgbClr val="000000"/>
                   </a:solidFill>
@@ -2562,7 +2562,7 @@
             </a:ln>
             <a:extLst>
               <a:ext uri="{91240B29-F687-4f45-9708-019B960494DF}">
-                <a14:hiddenLine xmlns="" xmlns:a14="http://schemas.microsoft.com/office/drawing/2010/main" w="9525">
+                <a14:hiddenLine xmlns:a14="http://schemas.microsoft.com/office/drawing/2010/main" xmlns="" w="9525">
                   <a:solidFill>
                     <a:srgbClr val="000000"/>
                   </a:solidFill>
@@ -2652,7 +2652,7 @@
             </a:ln>
             <a:extLst>
               <a:ext uri="{91240B29-F687-4f45-9708-019B960494DF}">
-                <a14:hiddenLine xmlns="" xmlns:a14="http://schemas.microsoft.com/office/drawing/2010/main" w="9525">
+                <a14:hiddenLine xmlns:a14="http://schemas.microsoft.com/office/drawing/2010/main" xmlns="" w="9525">
                   <a:solidFill>
                     <a:srgbClr val="000000"/>
                   </a:solidFill>
@@ -2720,7 +2720,7 @@
             </a:ln>
             <a:extLst>
               <a:ext uri="{91240B29-F687-4f45-9708-019B960494DF}">
-                <a14:hiddenLine xmlns="" xmlns:a14="http://schemas.microsoft.com/office/drawing/2010/main" w="9525">
+                <a14:hiddenLine xmlns:a14="http://schemas.microsoft.com/office/drawing/2010/main" xmlns="" w="9525">
                   <a:solidFill>
                     <a:srgbClr val="000000"/>
                   </a:solidFill>
@@ -2782,7 +2782,7 @@
             </a:ln>
             <a:extLst>
               <a:ext uri="{91240B29-F687-4f45-9708-019B960494DF}">
-                <a14:hiddenLine xmlns="" xmlns:a14="http://schemas.microsoft.com/office/drawing/2010/main" w="9525">
+                <a14:hiddenLine xmlns:a14="http://schemas.microsoft.com/office/drawing/2010/main" xmlns="" w="9525">
                   <a:solidFill>
                     <a:srgbClr val="000000"/>
                   </a:solidFill>
@@ -2872,7 +2872,7 @@
             </a:ln>
             <a:extLst>
               <a:ext uri="{91240B29-F687-4f45-9708-019B960494DF}">
-                <a14:hiddenLine xmlns="" xmlns:a14="http://schemas.microsoft.com/office/drawing/2010/main" w="9525">
+                <a14:hiddenLine xmlns:a14="http://schemas.microsoft.com/office/drawing/2010/main" xmlns="" w="9525">
                   <a:solidFill>
                     <a:srgbClr val="000000"/>
                   </a:solidFill>
@@ -2934,7 +2934,7 @@
             </a:ln>
             <a:extLst>
               <a:ext uri="{91240B29-F687-4f45-9708-019B960494DF}">
-                <a14:hiddenLine xmlns="" xmlns:a14="http://schemas.microsoft.com/office/drawing/2010/main" w="9525">
+                <a14:hiddenLine xmlns:a14="http://schemas.microsoft.com/office/drawing/2010/main" xmlns="" w="9525">
                   <a:solidFill>
                     <a:srgbClr val="000000"/>
                   </a:solidFill>
@@ -3024,7 +3024,7 @@
             </a:ln>
             <a:extLst>
               <a:ext uri="{91240B29-F687-4f45-9708-019B960494DF}">
-                <a14:hiddenLine xmlns="" xmlns:a14="http://schemas.microsoft.com/office/drawing/2010/main" w="9525">
+                <a14:hiddenLine xmlns:a14="http://schemas.microsoft.com/office/drawing/2010/main" xmlns="" w="9525">
                   <a:solidFill>
                     <a:srgbClr val="000000"/>
                   </a:solidFill>
@@ -3086,7 +3086,7 @@
             </a:ln>
             <a:extLst>
               <a:ext uri="{91240B29-F687-4f45-9708-019B960494DF}">
-                <a14:hiddenLine xmlns="" xmlns:a14="http://schemas.microsoft.com/office/drawing/2010/main" w="9525">
+                <a14:hiddenLine xmlns:a14="http://schemas.microsoft.com/office/drawing/2010/main" xmlns="" w="9525">
                   <a:solidFill>
                     <a:srgbClr val="000000"/>
                   </a:solidFill>
@@ -3176,7 +3176,7 @@
             </a:ln>
             <a:extLst>
               <a:ext uri="{91240B29-F687-4f45-9708-019B960494DF}">
-                <a14:hiddenLine xmlns="" xmlns:a14="http://schemas.microsoft.com/office/drawing/2010/main" w="9525">
+                <a14:hiddenLine xmlns:a14="http://schemas.microsoft.com/office/drawing/2010/main" xmlns="" w="9525">
                   <a:solidFill>
                     <a:srgbClr val="000000"/>
                   </a:solidFill>
@@ -3210,7 +3210,7 @@
             </a:ln>
             <a:extLst>
               <a:ext uri="{91240B29-F687-4f45-9708-019B960494DF}">
-                <a14:hiddenLine xmlns="" xmlns:a14="http://schemas.microsoft.com/office/drawing/2010/main" w="9525">
+                <a14:hiddenLine xmlns:a14="http://schemas.microsoft.com/office/drawing/2010/main" xmlns="" w="9525">
                   <a:solidFill>
                     <a:srgbClr val="000000"/>
                   </a:solidFill>
@@ -3275,7 +3275,7 @@
             </a:ln>
             <a:extLst>
               <a:ext uri="{91240B29-F687-4f45-9708-019B960494DF}">
-                <a14:hiddenLine xmlns="" xmlns:a14="http://schemas.microsoft.com/office/drawing/2010/main" w="9525">
+                <a14:hiddenLine xmlns:a14="http://schemas.microsoft.com/office/drawing/2010/main" xmlns="" w="9525">
                   <a:solidFill>
                     <a:srgbClr val="000000"/>
                   </a:solidFill>
@@ -3365,7 +3365,7 @@
             </a:ln>
             <a:extLst>
               <a:ext uri="{91240B29-F687-4f45-9708-019B960494DF}">
-                <a14:hiddenLine xmlns="" xmlns:a14="http://schemas.microsoft.com/office/drawing/2010/main" w="9525">
+                <a14:hiddenLine xmlns:a14="http://schemas.microsoft.com/office/drawing/2010/main" xmlns="" w="9525">
                   <a:solidFill>
                     <a:srgbClr val="000000"/>
                   </a:solidFill>
@@ -3427,7 +3427,7 @@
             </a:ln>
             <a:extLst>
               <a:ext uri="{91240B29-F687-4f45-9708-019B960494DF}">
-                <a14:hiddenLine xmlns="" xmlns:a14="http://schemas.microsoft.com/office/drawing/2010/main" w="9525">
+                <a14:hiddenLine xmlns:a14="http://schemas.microsoft.com/office/drawing/2010/main" xmlns="" w="9525">
                   <a:solidFill>
                     <a:srgbClr val="000000"/>
                   </a:solidFill>
@@ -3517,7 +3517,7 @@
             </a:ln>
             <a:extLst>
               <a:ext uri="{91240B29-F687-4f45-9708-019B960494DF}">
-                <a14:hiddenLine xmlns="" xmlns:a14="http://schemas.microsoft.com/office/drawing/2010/main" w="9525">
+                <a14:hiddenLine xmlns:a14="http://schemas.microsoft.com/office/drawing/2010/main" xmlns="" w="9525">
                   <a:solidFill>
                     <a:srgbClr val="000000"/>
                   </a:solidFill>
@@ -3607,7 +3607,7 @@
             </a:ln>
             <a:extLst>
               <a:ext uri="{91240B29-F687-4f45-9708-019B960494DF}">
-                <a14:hiddenLine xmlns="" xmlns:a14="http://schemas.microsoft.com/office/drawing/2010/main" w="9525">
+                <a14:hiddenLine xmlns:a14="http://schemas.microsoft.com/office/drawing/2010/main" xmlns="" w="9525">
                   <a:solidFill>
                     <a:srgbClr val="000000"/>
                   </a:solidFill>
@@ -3672,7 +3672,7 @@
             </a:ln>
             <a:extLst>
               <a:ext uri="{91240B29-F687-4f45-9708-019B960494DF}">
-                <a14:hiddenLine xmlns="" xmlns:a14="http://schemas.microsoft.com/office/drawing/2010/main" w="9525">
+                <a14:hiddenLine xmlns:a14="http://schemas.microsoft.com/office/drawing/2010/main" xmlns="" w="9525">
                   <a:solidFill>
                     <a:srgbClr val="000000"/>
                   </a:solidFill>
@@ -3734,7 +3734,7 @@
             </a:ln>
             <a:extLst>
               <a:ext uri="{91240B29-F687-4f45-9708-019B960494DF}">
-                <a14:hiddenLine xmlns="" xmlns:a14="http://schemas.microsoft.com/office/drawing/2010/main" w="9525">
+                <a14:hiddenLine xmlns:a14="http://schemas.microsoft.com/office/drawing/2010/main" xmlns="" w="9525">
                   <a:solidFill>
                     <a:srgbClr val="000000"/>
                   </a:solidFill>
@@ -3824,7 +3824,7 @@
             </a:ln>
             <a:extLst>
               <a:ext uri="{91240B29-F687-4f45-9708-019B960494DF}">
-                <a14:hiddenLine xmlns="" xmlns:a14="http://schemas.microsoft.com/office/drawing/2010/main" w="9525">
+                <a14:hiddenLine xmlns:a14="http://schemas.microsoft.com/office/drawing/2010/main" xmlns="" w="9525">
                   <a:solidFill>
                     <a:srgbClr val="000000"/>
                   </a:solidFill>
@@ -3914,7 +3914,7 @@
             </a:ln>
             <a:extLst>
               <a:ext uri="{91240B29-F687-4f45-9708-019B960494DF}">
-                <a14:hiddenLine xmlns="" xmlns:a14="http://schemas.microsoft.com/office/drawing/2010/main" w="9525">
+                <a14:hiddenLine xmlns:a14="http://schemas.microsoft.com/office/drawing/2010/main" xmlns="" w="9525">
                   <a:solidFill>
                     <a:srgbClr val="000000"/>
                   </a:solidFill>
@@ -3976,7 +3976,7 @@
             </a:ln>
             <a:extLst>
               <a:ext uri="{91240B29-F687-4f45-9708-019B960494DF}">
-                <a14:hiddenLine xmlns="" xmlns:a14="http://schemas.microsoft.com/office/drawing/2010/main" w="9525">
+                <a14:hiddenLine xmlns:a14="http://schemas.microsoft.com/office/drawing/2010/main" xmlns="" w="9525">
                   <a:solidFill>
                     <a:srgbClr val="000000"/>
                   </a:solidFill>
@@ -4096,7 +4096,7 @@
             </a:ln>
             <a:extLst>
               <a:ext uri="{91240B29-F687-4f45-9708-019B960494DF}">
-                <a14:hiddenLine xmlns="" xmlns:a14="http://schemas.microsoft.com/office/drawing/2010/main" w="9525">
+                <a14:hiddenLine xmlns:a14="http://schemas.microsoft.com/office/drawing/2010/main" xmlns="" w="9525">
                   <a:solidFill>
                     <a:srgbClr val="000000"/>
                   </a:solidFill>
@@ -4164,7 +4164,7 @@
             </a:ln>
             <a:extLst>
               <a:ext uri="{91240B29-F687-4f45-9708-019B960494DF}">
-                <a14:hiddenLine xmlns="" xmlns:a14="http://schemas.microsoft.com/office/drawing/2010/main" w="9525">
+                <a14:hiddenLine xmlns:a14="http://schemas.microsoft.com/office/drawing/2010/main" xmlns="" w="9525">
                   <a:solidFill>
                     <a:srgbClr val="000000"/>
                   </a:solidFill>
@@ -4254,7 +4254,7 @@
             </a:ln>
             <a:extLst>
               <a:ext uri="{91240B29-F687-4f45-9708-019B960494DF}">
-                <a14:hiddenLine xmlns="" xmlns:a14="http://schemas.microsoft.com/office/drawing/2010/main" w="9525">
+                <a14:hiddenLine xmlns:a14="http://schemas.microsoft.com/office/drawing/2010/main" xmlns="" w="9525">
                   <a:solidFill>
                     <a:srgbClr val="000000"/>
                   </a:solidFill>
@@ -9061,7 +9061,7 @@
           <a:noFill/>
           <a:extLst>
             <a:ext uri="{909E8E84-426E-40dd-AFC4-6F175D3DCCD1}">
-              <a14:hiddenFill xmlns="" xmlns:a14="http://schemas.microsoft.com/office/drawing/2010/main">
+              <a14:hiddenFill xmlns:a14="http://schemas.microsoft.com/office/drawing/2010/main" xmlns="">
                 <a:solidFill>
                   <a:srgbClr val="FFFFFF"/>
                 </a:solidFill>
@@ -9135,7 +9135,7 @@
               </a:ln>
               <a:extLst>
                 <a:ext uri="{91240B29-F687-4f45-9708-019B960494DF}">
-                  <a14:hiddenLine xmlns="" xmlns:a14="http://schemas.microsoft.com/office/drawing/2010/main" w="9525">
+                  <a14:hiddenLine xmlns:a14="http://schemas.microsoft.com/office/drawing/2010/main" xmlns="" w="9525">
                     <a:solidFill>
                       <a:srgbClr val="000000"/>
                     </a:solidFill>
@@ -9225,7 +9225,7 @@
               </a:ln>
               <a:extLst>
                 <a:ext uri="{91240B29-F687-4f45-9708-019B960494DF}">
-                  <a14:hiddenLine xmlns="" xmlns:a14="http://schemas.microsoft.com/office/drawing/2010/main" w="9525">
+                  <a14:hiddenLine xmlns:a14="http://schemas.microsoft.com/office/drawing/2010/main" xmlns="" w="9525">
                     <a:solidFill>
                       <a:srgbClr val="000000"/>
                     </a:solidFill>
@@ -9315,7 +9315,7 @@
               </a:ln>
               <a:extLst>
                 <a:ext uri="{91240B29-F687-4f45-9708-019B960494DF}">
-                  <a14:hiddenLine xmlns="" xmlns:a14="http://schemas.microsoft.com/office/drawing/2010/main" w="9525">
+                  <a14:hiddenLine xmlns:a14="http://schemas.microsoft.com/office/drawing/2010/main" xmlns="" w="9525">
                     <a:solidFill>
                       <a:srgbClr val="000000"/>
                     </a:solidFill>
@@ -9377,7 +9377,7 @@
               </a:ln>
               <a:extLst>
                 <a:ext uri="{91240B29-F687-4f45-9708-019B960494DF}">
-                  <a14:hiddenLine xmlns="" xmlns:a14="http://schemas.microsoft.com/office/drawing/2010/main" w="9525">
+                  <a14:hiddenLine xmlns:a14="http://schemas.microsoft.com/office/drawing/2010/main" xmlns="" w="9525">
                     <a:solidFill>
                       <a:srgbClr val="000000"/>
                     </a:solidFill>
@@ -9467,7 +9467,7 @@
               </a:ln>
               <a:extLst>
                 <a:ext uri="{91240B29-F687-4f45-9708-019B960494DF}">
-                  <a14:hiddenLine xmlns="" xmlns:a14="http://schemas.microsoft.com/office/drawing/2010/main" w="9525">
+                  <a14:hiddenLine xmlns:a14="http://schemas.microsoft.com/office/drawing/2010/main" xmlns="" w="9525">
                     <a:solidFill>
                       <a:srgbClr val="000000"/>
                     </a:solidFill>
@@ -9529,7 +9529,7 @@
               </a:ln>
               <a:extLst>
                 <a:ext uri="{91240B29-F687-4f45-9708-019B960494DF}">
-                  <a14:hiddenLine xmlns="" xmlns:a14="http://schemas.microsoft.com/office/drawing/2010/main" w="9525">
+                  <a14:hiddenLine xmlns:a14="http://schemas.microsoft.com/office/drawing/2010/main" xmlns="" w="9525">
                     <a:solidFill>
                       <a:srgbClr val="000000"/>
                     </a:solidFill>
@@ -9591,7 +9591,7 @@
               </a:ln>
               <a:extLst>
                 <a:ext uri="{91240B29-F687-4f45-9708-019B960494DF}">
-                  <a14:hiddenLine xmlns="" xmlns:a14="http://schemas.microsoft.com/office/drawing/2010/main" w="9525">
+                  <a14:hiddenLine xmlns:a14="http://schemas.microsoft.com/office/drawing/2010/main" xmlns="" w="9525">
                     <a:solidFill>
                       <a:srgbClr val="000000"/>
                     </a:solidFill>
@@ -9681,7 +9681,7 @@
               </a:ln>
               <a:extLst>
                 <a:ext uri="{91240B29-F687-4f45-9708-019B960494DF}">
-                  <a14:hiddenLine xmlns="" xmlns:a14="http://schemas.microsoft.com/office/drawing/2010/main" w="9525">
+                  <a14:hiddenLine xmlns:a14="http://schemas.microsoft.com/office/drawing/2010/main" xmlns="" w="9525">
                     <a:solidFill>
                       <a:srgbClr val="000000"/>
                     </a:solidFill>
@@ -9771,7 +9771,7 @@
               </a:ln>
               <a:extLst>
                 <a:ext uri="{91240B29-F687-4f45-9708-019B960494DF}">
-                  <a14:hiddenLine xmlns="" xmlns:a14="http://schemas.microsoft.com/office/drawing/2010/main" w="9525">
+                  <a14:hiddenLine xmlns:a14="http://schemas.microsoft.com/office/drawing/2010/main" xmlns="" w="9525">
                     <a:solidFill>
                       <a:srgbClr val="000000"/>
                     </a:solidFill>
@@ -9833,7 +9833,7 @@
               </a:ln>
               <a:extLst>
                 <a:ext uri="{91240B29-F687-4f45-9708-019B960494DF}">
-                  <a14:hiddenLine xmlns="" xmlns:a14="http://schemas.microsoft.com/office/drawing/2010/main" w="9525">
+                  <a14:hiddenLine xmlns:a14="http://schemas.microsoft.com/office/drawing/2010/main" xmlns="" w="9525">
                     <a:solidFill>
                       <a:srgbClr val="000000"/>
                     </a:solidFill>
@@ -9943,7 +9943,7 @@
               </a:ln>
               <a:extLst>
                 <a:ext uri="{91240B29-F687-4f45-9708-019B960494DF}">
-                  <a14:hiddenLine xmlns="" xmlns:a14="http://schemas.microsoft.com/office/drawing/2010/main" w="9525">
+                  <a14:hiddenLine xmlns:a14="http://schemas.microsoft.com/office/drawing/2010/main" xmlns="" w="9525">
                     <a:solidFill>
                       <a:srgbClr val="000000"/>
                     </a:solidFill>
@@ -10027,7 +10027,7 @@
               </a:ln>
               <a:extLst>
                 <a:ext uri="{91240B29-F687-4f45-9708-019B960494DF}">
-                  <a14:hiddenLine xmlns="" xmlns:a14="http://schemas.microsoft.com/office/drawing/2010/main" w="9525">
+                  <a14:hiddenLine xmlns:a14="http://schemas.microsoft.com/office/drawing/2010/main" xmlns="" w="9525">
                     <a:solidFill>
                       <a:srgbClr val="000000"/>
                     </a:solidFill>
@@ -10089,7 +10089,7 @@
               </a:ln>
               <a:extLst>
                 <a:ext uri="{91240B29-F687-4f45-9708-019B960494DF}">
-                  <a14:hiddenLine xmlns="" xmlns:a14="http://schemas.microsoft.com/office/drawing/2010/main" w="9525">
+                  <a14:hiddenLine xmlns:a14="http://schemas.microsoft.com/office/drawing/2010/main" xmlns="" w="9525">
                     <a:solidFill>
                       <a:srgbClr val="000000"/>
                     </a:solidFill>
@@ -10151,7 +10151,7 @@
               </a:ln>
               <a:extLst>
                 <a:ext uri="{91240B29-F687-4f45-9708-019B960494DF}">
-                  <a14:hiddenLine xmlns="" xmlns:a14="http://schemas.microsoft.com/office/drawing/2010/main" w="9525">
+                  <a14:hiddenLine xmlns:a14="http://schemas.microsoft.com/office/drawing/2010/main" xmlns="" w="9525">
                     <a:solidFill>
                       <a:srgbClr val="000000"/>
                     </a:solidFill>
@@ -10241,7 +10241,7 @@
               </a:ln>
               <a:extLst>
                 <a:ext uri="{91240B29-F687-4f45-9708-019B960494DF}">
-                  <a14:hiddenLine xmlns="" xmlns:a14="http://schemas.microsoft.com/office/drawing/2010/main" w="9525">
+                  <a14:hiddenLine xmlns:a14="http://schemas.microsoft.com/office/drawing/2010/main" xmlns="" w="9525">
                     <a:solidFill>
                       <a:srgbClr val="000000"/>
                     </a:solidFill>
@@ -10275,7 +10275,7 @@
               </a:ln>
               <a:extLst>
                 <a:ext uri="{91240B29-F687-4f45-9708-019B960494DF}">
-                  <a14:hiddenLine xmlns="" xmlns:a14="http://schemas.microsoft.com/office/drawing/2010/main" w="9525">
+                  <a14:hiddenLine xmlns:a14="http://schemas.microsoft.com/office/drawing/2010/main" xmlns="" w="9525">
                     <a:solidFill>
                       <a:srgbClr val="000000"/>
                     </a:solidFill>
@@ -10340,7 +10340,7 @@
               </a:ln>
               <a:extLst>
                 <a:ext uri="{91240B29-F687-4f45-9708-019B960494DF}">
-                  <a14:hiddenLine xmlns="" xmlns:a14="http://schemas.microsoft.com/office/drawing/2010/main" w="9525">
+                  <a14:hiddenLine xmlns:a14="http://schemas.microsoft.com/office/drawing/2010/main" xmlns="" w="9525">
                     <a:solidFill>
                       <a:srgbClr val="000000"/>
                     </a:solidFill>
@@ -10430,7 +10430,7 @@
               </a:ln>
               <a:extLst>
                 <a:ext uri="{91240B29-F687-4f45-9708-019B960494DF}">
-                  <a14:hiddenLine xmlns="" xmlns:a14="http://schemas.microsoft.com/office/drawing/2010/main" w="9525">
+                  <a14:hiddenLine xmlns:a14="http://schemas.microsoft.com/office/drawing/2010/main" xmlns="" w="9525">
                     <a:solidFill>
                       <a:srgbClr val="000000"/>
                     </a:solidFill>
@@ -10492,7 +10492,7 @@
               </a:ln>
               <a:extLst>
                 <a:ext uri="{91240B29-F687-4f45-9708-019B960494DF}">
-                  <a14:hiddenLine xmlns="" xmlns:a14="http://schemas.microsoft.com/office/drawing/2010/main" w="9525">
+                  <a14:hiddenLine xmlns:a14="http://schemas.microsoft.com/office/drawing/2010/main" xmlns="" w="9525">
                     <a:solidFill>
                       <a:srgbClr val="000000"/>
                     </a:solidFill>
@@ -10582,7 +10582,7 @@
               </a:ln>
               <a:extLst>
                 <a:ext uri="{91240B29-F687-4f45-9708-019B960494DF}">
-                  <a14:hiddenLine xmlns="" xmlns:a14="http://schemas.microsoft.com/office/drawing/2010/main" w="9525">
+                  <a14:hiddenLine xmlns:a14="http://schemas.microsoft.com/office/drawing/2010/main" xmlns="" w="9525">
                     <a:solidFill>
                       <a:srgbClr val="000000"/>
                     </a:solidFill>
@@ -10647,7 +10647,7 @@
               </a:ln>
               <a:extLst>
                 <a:ext uri="{91240B29-F687-4f45-9708-019B960494DF}">
-                  <a14:hiddenLine xmlns="" xmlns:a14="http://schemas.microsoft.com/office/drawing/2010/main" w="9525">
+                  <a14:hiddenLine xmlns:a14="http://schemas.microsoft.com/office/drawing/2010/main" xmlns="" w="9525">
                     <a:solidFill>
                       <a:srgbClr val="000000"/>
                     </a:solidFill>
@@ -10709,7 +10709,7 @@
               </a:ln>
               <a:extLst>
                 <a:ext uri="{91240B29-F687-4f45-9708-019B960494DF}">
-                  <a14:hiddenLine xmlns="" xmlns:a14="http://schemas.microsoft.com/office/drawing/2010/main" w="9525">
+                  <a14:hiddenLine xmlns:a14="http://schemas.microsoft.com/office/drawing/2010/main" xmlns="" w="9525">
                     <a:solidFill>
                       <a:srgbClr val="000000"/>
                     </a:solidFill>
@@ -10799,7 +10799,7 @@
               </a:ln>
               <a:extLst>
                 <a:ext uri="{91240B29-F687-4f45-9708-019B960494DF}">
-                  <a14:hiddenLine xmlns="" xmlns:a14="http://schemas.microsoft.com/office/drawing/2010/main" w="9525">
+                  <a14:hiddenLine xmlns:a14="http://schemas.microsoft.com/office/drawing/2010/main" xmlns="" w="9525">
                     <a:solidFill>
                       <a:srgbClr val="000000"/>
                     </a:solidFill>
@@ -10889,7 +10889,7 @@
               </a:ln>
               <a:extLst>
                 <a:ext uri="{91240B29-F687-4f45-9708-019B960494DF}">
-                  <a14:hiddenLine xmlns="" xmlns:a14="http://schemas.microsoft.com/office/drawing/2010/main" w="9525">
+                  <a14:hiddenLine xmlns:a14="http://schemas.microsoft.com/office/drawing/2010/main" xmlns="" w="9525">
                     <a:solidFill>
                       <a:srgbClr val="000000"/>
                     </a:solidFill>
@@ -10954,7 +10954,7 @@
               </a:ln>
               <a:extLst>
                 <a:ext uri="{91240B29-F687-4f45-9708-019B960494DF}">
-                  <a14:hiddenLine xmlns="" xmlns:a14="http://schemas.microsoft.com/office/drawing/2010/main" w="9525">
+                  <a14:hiddenLine xmlns:a14="http://schemas.microsoft.com/office/drawing/2010/main" xmlns="" w="9525">
                     <a:solidFill>
                       <a:srgbClr val="000000"/>
                     </a:solidFill>
@@ -11074,7 +11074,7 @@
               </a:ln>
               <a:extLst>
                 <a:ext uri="{91240B29-F687-4f45-9708-019B960494DF}">
-                  <a14:hiddenLine xmlns="" xmlns:a14="http://schemas.microsoft.com/office/drawing/2010/main" w="9525">
+                  <a14:hiddenLine xmlns:a14="http://schemas.microsoft.com/office/drawing/2010/main" xmlns="" w="9525">
                     <a:solidFill>
                       <a:srgbClr val="000000"/>
                     </a:solidFill>
@@ -11172,7 +11172,7 @@
               </a:ln>
               <a:extLst>
                 <a:ext uri="{91240B29-F687-4f45-9708-019B960494DF}">
-                  <a14:hiddenLine xmlns="" xmlns:a14="http://schemas.microsoft.com/office/drawing/2010/main" w="9525">
+                  <a14:hiddenLine xmlns:a14="http://schemas.microsoft.com/office/drawing/2010/main" xmlns="" w="9525">
                     <a:solidFill>
                       <a:srgbClr val="000000"/>
                     </a:solidFill>
@@ -11287,7 +11287,7 @@
               </a:ln>
               <a:extLst>
                 <a:ext uri="{91240B29-F687-4f45-9708-019B960494DF}">
-                  <a14:hiddenLine xmlns="" xmlns:a14="http://schemas.microsoft.com/office/drawing/2010/main" w="9525">
+                  <a14:hiddenLine xmlns:a14="http://schemas.microsoft.com/office/drawing/2010/main" xmlns="" w="9525">
                     <a:solidFill>
                       <a:srgbClr val="000000"/>
                     </a:solidFill>
@@ -11377,7 +11377,7 @@
               </a:ln>
               <a:extLst>
                 <a:ext uri="{91240B29-F687-4f45-9708-019B960494DF}">
-                  <a14:hiddenLine xmlns="" xmlns:a14="http://schemas.microsoft.com/office/drawing/2010/main" w="9525">
+                  <a14:hiddenLine xmlns:a14="http://schemas.microsoft.com/office/drawing/2010/main" xmlns="" w="9525">
                     <a:solidFill>
                       <a:srgbClr val="000000"/>
                     </a:solidFill>
@@ -11442,7 +11442,7 @@
               </a:ln>
               <a:extLst>
                 <a:ext uri="{91240B29-F687-4f45-9708-019B960494DF}">
-                  <a14:hiddenLine xmlns="" xmlns:a14="http://schemas.microsoft.com/office/drawing/2010/main" w="9525">
+                  <a14:hiddenLine xmlns:a14="http://schemas.microsoft.com/office/drawing/2010/main" xmlns="" w="9525">
                     <a:solidFill>
                       <a:srgbClr val="000000"/>
                     </a:solidFill>
@@ -11532,7 +11532,7 @@
               </a:ln>
               <a:extLst>
                 <a:ext uri="{91240B29-F687-4f45-9708-019B960494DF}">
-                  <a14:hiddenLine xmlns="" xmlns:a14="http://schemas.microsoft.com/office/drawing/2010/main" w="9525">
+                  <a14:hiddenLine xmlns:a14="http://schemas.microsoft.com/office/drawing/2010/main" xmlns="" w="9525">
                     <a:solidFill>
                       <a:srgbClr val="000000"/>
                     </a:solidFill>
@@ -11600,7 +11600,7 @@
               </a:ln>
               <a:extLst>
                 <a:ext uri="{91240B29-F687-4f45-9708-019B960494DF}">
-                  <a14:hiddenLine xmlns="" xmlns:a14="http://schemas.microsoft.com/office/drawing/2010/main" w="9525">
+                  <a14:hiddenLine xmlns:a14="http://schemas.microsoft.com/office/drawing/2010/main" xmlns="" w="9525">
                     <a:solidFill>
                       <a:srgbClr val="000000"/>
                     </a:solidFill>
@@ -11690,7 +11690,7 @@
               </a:ln>
               <a:extLst>
                 <a:ext uri="{91240B29-F687-4f45-9708-019B960494DF}">
-                  <a14:hiddenLine xmlns="" xmlns:a14="http://schemas.microsoft.com/office/drawing/2010/main" w="9525">
+                  <a14:hiddenLine xmlns:a14="http://schemas.microsoft.com/office/drawing/2010/main" xmlns="" w="9525">
                     <a:solidFill>
                       <a:srgbClr val="000000"/>
                     </a:solidFill>
@@ -11758,7 +11758,7 @@
               </a:ln>
               <a:extLst>
                 <a:ext uri="{91240B29-F687-4f45-9708-019B960494DF}">
-                  <a14:hiddenLine xmlns="" xmlns:a14="http://schemas.microsoft.com/office/drawing/2010/main" w="9525">
+                  <a14:hiddenLine xmlns:a14="http://schemas.microsoft.com/office/drawing/2010/main" xmlns="" w="9525">
                     <a:solidFill>
                       <a:srgbClr val="000000"/>
                     </a:solidFill>
@@ -11848,7 +11848,7 @@
               </a:ln>
               <a:extLst>
                 <a:ext uri="{91240B29-F687-4f45-9708-019B960494DF}">
-                  <a14:hiddenLine xmlns="" xmlns:a14="http://schemas.microsoft.com/office/drawing/2010/main" w="9525">
+                  <a14:hiddenLine xmlns:a14="http://schemas.microsoft.com/office/drawing/2010/main" xmlns="" w="9525">
                     <a:solidFill>
                       <a:srgbClr val="000000"/>
                     </a:solidFill>
@@ -11882,7 +11882,7 @@
               </a:ln>
               <a:extLst>
                 <a:ext uri="{91240B29-F687-4f45-9708-019B960494DF}">
-                  <a14:hiddenLine xmlns="" xmlns:a14="http://schemas.microsoft.com/office/drawing/2010/main" w="9525">
+                  <a14:hiddenLine xmlns:a14="http://schemas.microsoft.com/office/drawing/2010/main" xmlns="" w="9525">
                     <a:solidFill>
                       <a:srgbClr val="000000"/>
                     </a:solidFill>
@@ -12750,6 +12750,30 @@
 <file path=ppt/slides/slide4.xml><?xml version="1.0" encoding="utf-8"?>
 <p:sld xmlns:a="http://schemas.openxmlformats.org/drawingml/2006/main" xmlns:r="http://schemas.openxmlformats.org/officeDocument/2006/relationships" xmlns:p="http://schemas.openxmlformats.org/presentationml/2006/main">
   <p:cSld>
+    <p:bg>
+      <p:bgPr>
+        <a:blipFill>
+          <a:blip r:embed="rId2">
+            <a:duotone>
+              <a:schemeClr val="bg2">
+                <a:shade val="88000"/>
+                <a:hueMod val="106000"/>
+                <a:satMod val="140000"/>
+                <a:lumMod val="54000"/>
+              </a:schemeClr>
+              <a:schemeClr val="bg2">
+                <a:tint val="98000"/>
+                <a:hueMod val="90000"/>
+                <a:satMod val="150000"/>
+                <a:lumMod val="160000"/>
+              </a:schemeClr>
+            </a:duotone>
+          </a:blip>
+          <a:stretch/>
+        </a:blipFill>
+        <a:effectLst/>
+      </p:bgPr>
+    </p:bg>
     <p:spTree>
       <p:nvGrpSpPr>
         <p:cNvPr id="1" name=""/>
@@ -12782,21 +12806,19 @@
         </p:nvSpPr>
         <p:spPr>
           <a:xfrm>
-            <a:off x="1141413" y="376618"/>
-            <a:ext cx="9905998" cy="1478570"/>
+            <a:off x="6569957" y="618518"/>
+            <a:ext cx="4747088" cy="1478570"/>
           </a:xfrm>
         </p:spPr>
         <p:txBody>
-          <a:bodyPr/>
+          <a:bodyPr>
+            <a:normAutofit/>
+          </a:bodyPr>
           <a:lstStyle/>
           <a:p>
             <a:r>
-              <a:rPr lang="en-GB" dirty="0"/>
-              <a:t>Huffman </a:t>
-            </a:r>
-            <a:r>
-              <a:rPr lang="en-GB" dirty="0" err="1"/>
-              <a:t>enCoding</a:t>
+              <a:rPr lang="en-GB"/>
+              <a:t>Huffman enCoding</a:t>
             </a:r>
             <a:endParaRPr lang="en-GB" dirty="0"/>
           </a:p>
@@ -12804,35 +12826,90 @@
       </p:sp>
       <p:sp>
         <p:nvSpPr>
-          <p:cNvPr id="3" name="Content Placeholder 2">
+          <p:cNvPr id="73" name="Round Diagonal Corner Rectangle 9">
             <a:extLst>
               <a:ext uri="{FF2B5EF4-FFF2-40B4-BE49-F238E27FC236}">
-                <a16:creationId xmlns:a16="http://schemas.microsoft.com/office/drawing/2014/main" id="{DE20419A-F660-4A2E-AFD1-01F8E2A403CF}"/>
+                <a16:creationId xmlns:a16="http://schemas.microsoft.com/office/drawing/2014/main" id="{A3D1FEF8-5149-4AC1-8D77-B256637FB797}"/>
+              </a:ext>
+              <a:ext uri="{C183D7F6-B498-43B3-948B-1728B52AA6E4}">
+                <adec:decorative xmlns:adec="http://schemas.microsoft.com/office/drawing/2017/decorative" val="1"/>
               </a:ext>
             </a:extLst>
           </p:cNvPr>
           <p:cNvSpPr>
-            <a:spLocks noGrp="1"/>
+            <a:spLocks noGrp="1" noRot="1" noChangeAspect="1" noMove="1" noResize="1" noEditPoints="1" noAdjustHandles="1" noChangeArrowheads="1" noChangeShapeType="1" noTextEdit="1"/>
           </p:cNvSpPr>
           <p:nvPr>
-            <p:ph idx="1"/>
+            <p:extLst>
+              <p:ext uri="{386F3935-93C4-4BCD-93E2-E3B085C9AB24}">
+                <p16:designElem xmlns:p16="http://schemas.microsoft.com/office/powerpoint/2015/main" val="1"/>
+              </p:ext>
+            </p:extLst>
           </p:nvPr>
         </p:nvSpPr>
-        <p:spPr/>
+        <p:spPr>
+          <a:xfrm>
+            <a:off x="798950" y="808057"/>
+            <a:ext cx="5286376" cy="5234394"/>
+          </a:xfrm>
+          <a:prstGeom prst="round2DiagRect">
+            <a:avLst>
+              <a:gd name="adj1" fmla="val 7418"/>
+              <a:gd name="adj2" fmla="val 0"/>
+            </a:avLst>
+          </a:prstGeom>
+          <a:solidFill>
+            <a:srgbClr val="FFFFFF"/>
+          </a:solidFill>
+          <a:ln w="19050" cap="sq">
+            <a:solidFill>
+              <a:schemeClr val="tx2">
+                <a:lumMod val="60000"/>
+                <a:lumOff val="40000"/>
+                <a:alpha val="60000"/>
+              </a:schemeClr>
+            </a:solidFill>
+            <a:miter lim="800000"/>
+          </a:ln>
+          <a:effectLst>
+            <a:outerShdw blurRad="88900" dist="38100" dir="5400000" algn="t" rotWithShape="0">
+              <a:prstClr val="black">
+                <a:alpha val="40000"/>
+              </a:prstClr>
+            </a:outerShdw>
+          </a:effectLst>
+        </p:spPr>
+        <p:style>
+          <a:lnRef idx="2">
+            <a:schemeClr val="accent1">
+              <a:shade val="50000"/>
+            </a:schemeClr>
+          </a:lnRef>
+          <a:fillRef idx="1">
+            <a:schemeClr val="accent1"/>
+          </a:fillRef>
+          <a:effectRef idx="0">
+            <a:schemeClr val="accent1"/>
+          </a:effectRef>
+          <a:fontRef idx="minor">
+            <a:schemeClr val="lt1"/>
+          </a:fontRef>
+        </p:style>
         <p:txBody>
-          <a:bodyPr/>
+          <a:bodyPr rtlCol="0" anchor="ctr"/>
           <a:lstStyle/>
           <a:p>
-            <a:endParaRPr lang="en-GB" dirty="0"/>
+            <a:pPr algn="ctr"/>
+            <a:endParaRPr lang="en-US"/>
           </a:p>
         </p:txBody>
       </p:sp>
       <p:pic>
         <p:nvPicPr>
-          <p:cNvPr id="2050" name="Picture 2">
+          <p:cNvPr id="1028" name="Picture 4">
             <a:extLst>
               <a:ext uri="{FF2B5EF4-FFF2-40B4-BE49-F238E27FC236}">
-                <a16:creationId xmlns:a16="http://schemas.microsoft.com/office/drawing/2014/main" id="{783DA378-9346-44CD-8D1A-72C037DBFD24}"/>
+                <a16:creationId xmlns:a16="http://schemas.microsoft.com/office/drawing/2014/main" id="{5259CFED-301B-4929-A283-A6E7017717B8}"/>
               </a:ext>
             </a:extLst>
           </p:cNvPr>
@@ -12842,22 +12919,21 @@
           <p:nvPr/>
         </p:nvPicPr>
         <p:blipFill>
-          <a:blip r:embed="rId2">
+          <a:blip r:embed="rId3">
             <a:extLst>
               <a:ext uri="{28A0092B-C50C-407E-A947-70E740481C1C}">
                 <a14:useLocalDpi xmlns:a14="http://schemas.microsoft.com/office/drawing/2010/main" val="0"/>
               </a:ext>
             </a:extLst>
           </a:blip>
-          <a:srcRect/>
           <a:stretch>
             <a:fillRect/>
           </a:stretch>
         </p:blipFill>
         <p:spPr bwMode="auto">
           <a:xfrm>
-            <a:off x="5985588" y="1470172"/>
-            <a:ext cx="5810056" cy="3343275"/>
+            <a:off x="787157" y="1173464"/>
+            <a:ext cx="5286375" cy="2154198"/>
           </a:xfrm>
           <a:prstGeom prst="rect">
             <a:avLst/>
@@ -12876,10 +12952,10 @@
       </p:pic>
       <p:pic>
         <p:nvPicPr>
-          <p:cNvPr id="2052" name="Picture 4">
+          <p:cNvPr id="1026" name="Picture 2">
             <a:extLst>
               <a:ext uri="{FF2B5EF4-FFF2-40B4-BE49-F238E27FC236}">
-                <a16:creationId xmlns:a16="http://schemas.microsoft.com/office/drawing/2014/main" id="{222407B6-286C-4EEB-91FE-E25B4F96D2B5}"/>
+                <a16:creationId xmlns:a16="http://schemas.microsoft.com/office/drawing/2014/main" id="{D278D38B-346A-4CDF-B165-0BA69A876CB7}"/>
               </a:ext>
             </a:extLst>
           </p:cNvPr>
@@ -12889,22 +12965,21 @@
           <p:nvPr/>
         </p:nvPicPr>
         <p:blipFill>
-          <a:blip r:embed="rId3">
+          <a:blip r:embed="rId4">
             <a:extLst>
               <a:ext uri="{28A0092B-C50C-407E-A947-70E740481C1C}">
                 <a14:useLocalDpi xmlns:a14="http://schemas.microsoft.com/office/drawing/2010/main" val="0"/>
               </a:ext>
             </a:extLst>
           </a:blip>
-          <a:srcRect/>
           <a:stretch>
             <a:fillRect/>
           </a:stretch>
         </p:blipFill>
         <p:spPr bwMode="auto">
           <a:xfrm>
-            <a:off x="102637" y="1470171"/>
-            <a:ext cx="5551714" cy="3343275"/>
+            <a:off x="787157" y="3539645"/>
+            <a:ext cx="5286375" cy="2154198"/>
           </a:xfrm>
           <a:prstGeom prst="rect">
             <a:avLst/>
@@ -12921,6 +12996,55 @@
           </a:extLst>
         </p:spPr>
       </p:pic>
+      <p:sp>
+        <p:nvSpPr>
+          <p:cNvPr id="3" name="Content Placeholder 2">
+            <a:extLst>
+              <a:ext uri="{FF2B5EF4-FFF2-40B4-BE49-F238E27FC236}">
+                <a16:creationId xmlns:a16="http://schemas.microsoft.com/office/drawing/2014/main" id="{DE20419A-F660-4A2E-AFD1-01F8E2A403CF}"/>
+              </a:ext>
+            </a:extLst>
+          </p:cNvPr>
+          <p:cNvSpPr>
+            <a:spLocks noGrp="1"/>
+          </p:cNvSpPr>
+          <p:nvPr>
+            <p:ph idx="1"/>
+          </p:nvPr>
+        </p:nvSpPr>
+        <p:spPr>
+          <a:xfrm>
+            <a:off x="6569957" y="2249487"/>
+            <a:ext cx="4747087" cy="3541714"/>
+          </a:xfrm>
+        </p:spPr>
+        <p:txBody>
+          <a:bodyPr>
+            <a:normAutofit/>
+          </a:bodyPr>
+          <a:lstStyle/>
+          <a:p>
+            <a:pPr>
+              <a:buFont typeface="Wingdings" panose="05000000000000000000" pitchFamily="2" charset="2"/>
+              <a:buChar char="Ø"/>
+            </a:pPr>
+            <a:r>
+              <a:rPr lang="en-GB" dirty="0"/>
+              <a:t>Compression ratio centred around 85% for 50 readings and 95% for 350 readings</a:t>
+            </a:r>
+          </a:p>
+          <a:p>
+            <a:pPr>
+              <a:buFont typeface="Wingdings" panose="05000000000000000000" pitchFamily="2" charset="2"/>
+              <a:buChar char="Ø"/>
+            </a:pPr>
+            <a:r>
+              <a:rPr lang="en-GB" dirty="0"/>
+              <a:t>Despite its widespread usage, Huffman cannot be used for our set of time series data</a:t>
+            </a:r>
+          </a:p>
+        </p:txBody>
+      </p:sp>
     </p:spTree>
     <p:extLst>
       <p:ext uri="{BB962C8B-B14F-4D97-AF65-F5344CB8AC3E}">
@@ -13004,12 +13128,62 @@
             <p:ph idx="1"/>
           </p:nvPr>
         </p:nvSpPr>
-        <p:spPr/>
+        <p:spPr>
+          <a:xfrm>
+            <a:off x="773768" y="1811142"/>
+            <a:ext cx="9905999" cy="3541714"/>
+          </a:xfrm>
+        </p:spPr>
         <p:txBody>
           <a:bodyPr/>
           <a:lstStyle/>
           <a:p>
-            <a:endParaRPr lang="en-GB"/>
+            <a:pPr>
+              <a:buFont typeface="Wingdings" panose="05000000000000000000" pitchFamily="2" charset="2"/>
+              <a:buChar char="Ø"/>
+            </a:pPr>
+            <a:endParaRPr lang="en-GB" dirty="0"/>
+          </a:p>
+          <a:p>
+            <a:pPr>
+              <a:buFont typeface="Wingdings" panose="05000000000000000000" pitchFamily="2" charset="2"/>
+              <a:buChar char="Ø"/>
+            </a:pPr>
+            <a:endParaRPr lang="en-GB" dirty="0"/>
+          </a:p>
+          <a:p>
+            <a:pPr>
+              <a:buFont typeface="Wingdings" panose="05000000000000000000" pitchFamily="2" charset="2"/>
+              <a:buChar char="Ø"/>
+            </a:pPr>
+            <a:endParaRPr lang="en-GB" dirty="0"/>
+          </a:p>
+          <a:p>
+            <a:pPr>
+              <a:buFont typeface="Wingdings" panose="05000000000000000000" pitchFamily="2" charset="2"/>
+              <a:buChar char="Ø"/>
+            </a:pPr>
+            <a:endParaRPr lang="en-GB" dirty="0"/>
+          </a:p>
+          <a:p>
+            <a:pPr>
+              <a:buFont typeface="Wingdings" panose="05000000000000000000" pitchFamily="2" charset="2"/>
+              <a:buChar char="Ø"/>
+            </a:pPr>
+            <a:r>
+              <a:rPr lang="en-GB" dirty="0"/>
+              <a:t>Optimal M value inconsistent across axes</a:t>
+            </a:r>
+          </a:p>
+          <a:p>
+            <a:pPr>
+              <a:buFont typeface="Wingdings" panose="05000000000000000000" pitchFamily="2" charset="2"/>
+              <a:buChar char="Ø"/>
+            </a:pPr>
+            <a:r>
+              <a:rPr lang="en-GB" dirty="0"/>
+              <a:t>Provides compression ratio of 31%</a:t>
+            </a:r>
           </a:p>
         </p:txBody>
       </p:sp>
@@ -13034,7 +13208,7 @@
         </p:blipFill>
         <p:spPr>
           <a:xfrm>
-            <a:off x="816290" y="1583515"/>
+            <a:off x="835863" y="1588233"/>
             <a:ext cx="2729060" cy="2436829"/>
           </a:xfrm>
           <a:prstGeom prst="rect">
@@ -13069,7 +13243,7 @@
         </p:blipFill>
         <p:spPr bwMode="auto">
           <a:xfrm>
-            <a:off x="6019766" y="1458034"/>
+            <a:off x="5988433" y="0"/>
             <a:ext cx="4718420" cy="2321902"/>
           </a:xfrm>
           <a:prstGeom prst="rect">
@@ -13114,7 +13288,7 @@
         </p:blipFill>
         <p:spPr bwMode="auto">
           <a:xfrm>
-            <a:off x="691600" y="4020344"/>
+            <a:off x="5988433" y="2248100"/>
             <a:ext cx="4718420" cy="2322285"/>
           </a:xfrm>
           <a:prstGeom prst="rect">
@@ -13159,7 +13333,7 @@
         </p:blipFill>
         <p:spPr bwMode="auto">
           <a:xfrm>
-            <a:off x="6094411" y="4104319"/>
+            <a:off x="5988433" y="4570385"/>
             <a:ext cx="4718420" cy="2321902"/>
           </a:xfrm>
           <a:prstGeom prst="rect">
@@ -13198,7 +13372,7 @@
         </p:blipFill>
         <p:spPr>
           <a:xfrm>
-            <a:off x="4035072" y="1583515"/>
+            <a:off x="3972619" y="1597659"/>
             <a:ext cx="1494972" cy="2436829"/>
           </a:xfrm>
           <a:prstGeom prst="rect">

--- a/Parth viva presentation.pptx
+++ b/Parth viva presentation.pptx
@@ -168,7 +168,7 @@
           <a:noFill/>
           <a:extLst>
             <a:ext uri="{909E8E84-426E-40dd-AFC4-6F175D3DCCD1}">
-              <a14:hiddenFill xmlns:a14="http://schemas.microsoft.com/office/drawing/2010/main" xmlns="">
+              <a14:hiddenFill xmlns="" xmlns:a14="http://schemas.microsoft.com/office/drawing/2010/main">
                 <a:solidFill>
                   <a:srgbClr val="FFFFFF"/>
                 </a:solidFill>
@@ -228,7 +228,7 @@
             </a:ln>
             <a:extLst>
               <a:ext uri="{91240B29-F687-4f45-9708-019B960494DF}">
-                <a14:hiddenLine xmlns:a14="http://schemas.microsoft.com/office/drawing/2010/main" xmlns="" w="9525">
+                <a14:hiddenLine xmlns="" xmlns:a14="http://schemas.microsoft.com/office/drawing/2010/main" w="9525">
                   <a:solidFill>
                     <a:srgbClr val="000000"/>
                   </a:solidFill>
@@ -318,7 +318,7 @@
             </a:ln>
             <a:extLst>
               <a:ext uri="{91240B29-F687-4f45-9708-019B960494DF}">
-                <a14:hiddenLine xmlns:a14="http://schemas.microsoft.com/office/drawing/2010/main" xmlns="" w="9525">
+                <a14:hiddenLine xmlns="" xmlns:a14="http://schemas.microsoft.com/office/drawing/2010/main" w="9525">
                   <a:solidFill>
                     <a:srgbClr val="000000"/>
                   </a:solidFill>
@@ -408,7 +408,7 @@
             </a:ln>
             <a:extLst>
               <a:ext uri="{91240B29-F687-4f45-9708-019B960494DF}">
-                <a14:hiddenLine xmlns:a14="http://schemas.microsoft.com/office/drawing/2010/main" xmlns="" w="9525">
+                <a14:hiddenLine xmlns="" xmlns:a14="http://schemas.microsoft.com/office/drawing/2010/main" w="9525">
                   <a:solidFill>
                     <a:srgbClr val="000000"/>
                   </a:solidFill>
@@ -442,7 +442,7 @@
             </a:ln>
             <a:extLst>
               <a:ext uri="{91240B29-F687-4f45-9708-019B960494DF}">
-                <a14:hiddenLine xmlns:a14="http://schemas.microsoft.com/office/drawing/2010/main" xmlns="" w="9525">
+                <a14:hiddenLine xmlns="" xmlns:a14="http://schemas.microsoft.com/office/drawing/2010/main" w="9525">
                   <a:solidFill>
                     <a:srgbClr val="000000"/>
                   </a:solidFill>
@@ -532,7 +532,7 @@
             </a:ln>
             <a:extLst>
               <a:ext uri="{91240B29-F687-4f45-9708-019B960494DF}">
-                <a14:hiddenLine xmlns:a14="http://schemas.microsoft.com/office/drawing/2010/main" xmlns="" w="9525">
+                <a14:hiddenLine xmlns="" xmlns:a14="http://schemas.microsoft.com/office/drawing/2010/main" w="9525">
                   <a:solidFill>
                     <a:srgbClr val="000000"/>
                   </a:solidFill>
@@ -594,7 +594,7 @@
             </a:ln>
             <a:extLst>
               <a:ext uri="{91240B29-F687-4f45-9708-019B960494DF}">
-                <a14:hiddenLine xmlns:a14="http://schemas.microsoft.com/office/drawing/2010/main" xmlns="" w="9525">
+                <a14:hiddenLine xmlns="" xmlns:a14="http://schemas.microsoft.com/office/drawing/2010/main" w="9525">
                   <a:solidFill>
                     <a:srgbClr val="000000"/>
                   </a:solidFill>
@@ -656,7 +656,7 @@
             </a:ln>
             <a:extLst>
               <a:ext uri="{91240B29-F687-4f45-9708-019B960494DF}">
-                <a14:hiddenLine xmlns:a14="http://schemas.microsoft.com/office/drawing/2010/main" xmlns="" w="9525">
+                <a14:hiddenLine xmlns="" xmlns:a14="http://schemas.microsoft.com/office/drawing/2010/main" w="9525">
                   <a:solidFill>
                     <a:srgbClr val="000000"/>
                   </a:solidFill>
@@ -746,7 +746,7 @@
             </a:ln>
             <a:extLst>
               <a:ext uri="{91240B29-F687-4f45-9708-019B960494DF}">
-                <a14:hiddenLine xmlns:a14="http://schemas.microsoft.com/office/drawing/2010/main" xmlns="" w="9525">
+                <a14:hiddenLine xmlns="" xmlns:a14="http://schemas.microsoft.com/office/drawing/2010/main" w="9525">
                   <a:solidFill>
                     <a:srgbClr val="000000"/>
                   </a:solidFill>
@@ -808,7 +808,7 @@
             </a:ln>
             <a:extLst>
               <a:ext uri="{91240B29-F687-4f45-9708-019B960494DF}">
-                <a14:hiddenLine xmlns:a14="http://schemas.microsoft.com/office/drawing/2010/main" xmlns="" w="9525">
+                <a14:hiddenLine xmlns="" xmlns:a14="http://schemas.microsoft.com/office/drawing/2010/main" w="9525">
                   <a:solidFill>
                     <a:srgbClr val="000000"/>
                   </a:solidFill>
@@ -870,7 +870,7 @@
             </a:ln>
             <a:extLst>
               <a:ext uri="{91240B29-F687-4f45-9708-019B960494DF}">
-                <a14:hiddenLine xmlns:a14="http://schemas.microsoft.com/office/drawing/2010/main" xmlns="" w="9525">
+                <a14:hiddenLine xmlns="" xmlns:a14="http://schemas.microsoft.com/office/drawing/2010/main" w="9525">
                   <a:solidFill>
                     <a:srgbClr val="000000"/>
                   </a:solidFill>
@@ -960,7 +960,7 @@
             </a:ln>
             <a:extLst>
               <a:ext uri="{91240B29-F687-4f45-9708-019B960494DF}">
-                <a14:hiddenLine xmlns:a14="http://schemas.microsoft.com/office/drawing/2010/main" xmlns="" w="9525">
+                <a14:hiddenLine xmlns="" xmlns:a14="http://schemas.microsoft.com/office/drawing/2010/main" w="9525">
                   <a:solidFill>
                     <a:srgbClr val="000000"/>
                   </a:solidFill>
@@ -1050,7 +1050,7 @@
             </a:ln>
             <a:extLst>
               <a:ext uri="{91240B29-F687-4f45-9708-019B960494DF}">
-                <a14:hiddenLine xmlns:a14="http://schemas.microsoft.com/office/drawing/2010/main" xmlns="" w="9525">
+                <a14:hiddenLine xmlns="" xmlns:a14="http://schemas.microsoft.com/office/drawing/2010/main" w="9525">
                   <a:solidFill>
                     <a:srgbClr val="000000"/>
                   </a:solidFill>
@@ -1112,7 +1112,7 @@
             </a:ln>
             <a:extLst>
               <a:ext uri="{91240B29-F687-4f45-9708-019B960494DF}">
-                <a14:hiddenLine xmlns:a14="http://schemas.microsoft.com/office/drawing/2010/main" xmlns="" w="9525">
+                <a14:hiddenLine xmlns="" xmlns:a14="http://schemas.microsoft.com/office/drawing/2010/main" w="9525">
                   <a:solidFill>
                     <a:srgbClr val="000000"/>
                   </a:solidFill>
@@ -1222,7 +1222,7 @@
             </a:ln>
             <a:extLst>
               <a:ext uri="{91240B29-F687-4f45-9708-019B960494DF}">
-                <a14:hiddenLine xmlns:a14="http://schemas.microsoft.com/office/drawing/2010/main" xmlns="" w="9525">
+                <a14:hiddenLine xmlns="" xmlns:a14="http://schemas.microsoft.com/office/drawing/2010/main" w="9525">
                   <a:solidFill>
                     <a:srgbClr val="000000"/>
                   </a:solidFill>
@@ -1284,7 +1284,7 @@
             </a:ln>
             <a:extLst>
               <a:ext uri="{91240B29-F687-4f45-9708-019B960494DF}">
-                <a14:hiddenLine xmlns:a14="http://schemas.microsoft.com/office/drawing/2010/main" xmlns="" w="9525">
+                <a14:hiddenLine xmlns="" xmlns:a14="http://schemas.microsoft.com/office/drawing/2010/main" w="9525">
                   <a:solidFill>
                     <a:srgbClr val="000000"/>
                   </a:solidFill>
@@ -1374,7 +1374,7 @@
             </a:ln>
             <a:extLst>
               <a:ext uri="{91240B29-F687-4f45-9708-019B960494DF}">
-                <a14:hiddenLine xmlns:a14="http://schemas.microsoft.com/office/drawing/2010/main" xmlns="" w="9525">
+                <a14:hiddenLine xmlns="" xmlns:a14="http://schemas.microsoft.com/office/drawing/2010/main" w="9525">
                   <a:solidFill>
                     <a:srgbClr val="000000"/>
                   </a:solidFill>
@@ -1464,7 +1464,7 @@
             </a:ln>
             <a:extLst>
               <a:ext uri="{91240B29-F687-4f45-9708-019B960494DF}">
-                <a14:hiddenLine xmlns:a14="http://schemas.microsoft.com/office/drawing/2010/main" xmlns="" w="9525">
+                <a14:hiddenLine xmlns="" xmlns:a14="http://schemas.microsoft.com/office/drawing/2010/main" w="9525">
                   <a:solidFill>
                     <a:srgbClr val="000000"/>
                   </a:solidFill>
@@ -1526,7 +1526,7 @@
             </a:ln>
             <a:extLst>
               <a:ext uri="{91240B29-F687-4f45-9708-019B960494DF}">
-                <a14:hiddenLine xmlns:a14="http://schemas.microsoft.com/office/drawing/2010/main" xmlns="" w="9525">
+                <a14:hiddenLine xmlns="" xmlns:a14="http://schemas.microsoft.com/office/drawing/2010/main" w="9525">
                   <a:solidFill>
                     <a:srgbClr val="000000"/>
                   </a:solidFill>
@@ -1616,7 +1616,7 @@
             </a:ln>
             <a:extLst>
               <a:ext uri="{91240B29-F687-4f45-9708-019B960494DF}">
-                <a14:hiddenLine xmlns:a14="http://schemas.microsoft.com/office/drawing/2010/main" xmlns="" w="9525">
+                <a14:hiddenLine xmlns="" xmlns:a14="http://schemas.microsoft.com/office/drawing/2010/main" w="9525">
                   <a:solidFill>
                     <a:srgbClr val="000000"/>
                   </a:solidFill>
@@ -1706,7 +1706,7 @@
             </a:ln>
             <a:extLst>
               <a:ext uri="{91240B29-F687-4f45-9708-019B960494DF}">
-                <a14:hiddenLine xmlns:a14="http://schemas.microsoft.com/office/drawing/2010/main" xmlns="" w="9525">
+                <a14:hiddenLine xmlns="" xmlns:a14="http://schemas.microsoft.com/office/drawing/2010/main" w="9525">
                   <a:solidFill>
                     <a:srgbClr val="000000"/>
                   </a:solidFill>
@@ -1762,7 +1762,7 @@
             </a:ln>
             <a:extLst>
               <a:ext uri="{91240B29-F687-4f45-9708-019B960494DF}">
-                <a14:hiddenLine xmlns:a14="http://schemas.microsoft.com/office/drawing/2010/main" xmlns="" w="9525">
+                <a14:hiddenLine xmlns="" xmlns:a14="http://schemas.microsoft.com/office/drawing/2010/main" w="9525">
                   <a:solidFill>
                     <a:srgbClr val="000000"/>
                   </a:solidFill>
@@ -1852,7 +1852,7 @@
             </a:ln>
             <a:extLst>
               <a:ext uri="{91240B29-F687-4f45-9708-019B960494DF}">
-                <a14:hiddenLine xmlns:a14="http://schemas.microsoft.com/office/drawing/2010/main" xmlns="" w="9525">
+                <a14:hiddenLine xmlns="" xmlns:a14="http://schemas.microsoft.com/office/drawing/2010/main" w="9525">
                   <a:solidFill>
                     <a:srgbClr val="000000"/>
                   </a:solidFill>
@@ -1908,7 +1908,7 @@
             </a:ln>
             <a:extLst>
               <a:ext uri="{91240B29-F687-4f45-9708-019B960494DF}">
-                <a14:hiddenLine xmlns:a14="http://schemas.microsoft.com/office/drawing/2010/main" xmlns="" w="9525">
+                <a14:hiddenLine xmlns="" xmlns:a14="http://schemas.microsoft.com/office/drawing/2010/main" w="9525">
                   <a:solidFill>
                     <a:srgbClr val="000000"/>
                   </a:solidFill>
@@ -1998,7 +1998,7 @@
             </a:ln>
             <a:extLst>
               <a:ext uri="{91240B29-F687-4f45-9708-019B960494DF}">
-                <a14:hiddenLine xmlns:a14="http://schemas.microsoft.com/office/drawing/2010/main" xmlns="" w="9525">
+                <a14:hiddenLine xmlns="" xmlns:a14="http://schemas.microsoft.com/office/drawing/2010/main" w="9525">
                   <a:solidFill>
                     <a:srgbClr val="000000"/>
                   </a:solidFill>
@@ -2066,7 +2066,7 @@
             </a:ln>
             <a:extLst>
               <a:ext uri="{91240B29-F687-4f45-9708-019B960494DF}">
-                <a14:hiddenLine xmlns:a14="http://schemas.microsoft.com/office/drawing/2010/main" xmlns="" w="9525">
+                <a14:hiddenLine xmlns="" xmlns:a14="http://schemas.microsoft.com/office/drawing/2010/main" w="9525">
                   <a:solidFill>
                     <a:srgbClr val="000000"/>
                   </a:solidFill>
@@ -2156,7 +2156,7 @@
             </a:ln>
             <a:extLst>
               <a:ext uri="{91240B29-F687-4f45-9708-019B960494DF}">
-                <a14:hiddenLine xmlns:a14="http://schemas.microsoft.com/office/drawing/2010/main" xmlns="" w="9525">
+                <a14:hiddenLine xmlns="" xmlns:a14="http://schemas.microsoft.com/office/drawing/2010/main" w="9525">
                   <a:solidFill>
                     <a:srgbClr val="000000"/>
                   </a:solidFill>
@@ -2224,7 +2224,7 @@
             </a:ln>
             <a:extLst>
               <a:ext uri="{91240B29-F687-4f45-9708-019B960494DF}">
-                <a14:hiddenLine xmlns:a14="http://schemas.microsoft.com/office/drawing/2010/main" xmlns="" w="9525">
+                <a14:hiddenLine xmlns="" xmlns:a14="http://schemas.microsoft.com/office/drawing/2010/main" w="9525">
                   <a:solidFill>
                     <a:srgbClr val="000000"/>
                   </a:solidFill>
@@ -2314,7 +2314,7 @@
             </a:ln>
             <a:extLst>
               <a:ext uri="{91240B29-F687-4f45-9708-019B960494DF}">
-                <a14:hiddenLine xmlns:a14="http://schemas.microsoft.com/office/drawing/2010/main" xmlns="" w="9525">
+                <a14:hiddenLine xmlns="" xmlns:a14="http://schemas.microsoft.com/office/drawing/2010/main" w="9525">
                   <a:solidFill>
                     <a:srgbClr val="000000"/>
                   </a:solidFill>
@@ -2348,7 +2348,7 @@
             </a:ln>
             <a:extLst>
               <a:ext uri="{91240B29-F687-4f45-9708-019B960494DF}">
-                <a14:hiddenLine xmlns:a14="http://schemas.microsoft.com/office/drawing/2010/main" xmlns="" w="9525">
+                <a14:hiddenLine xmlns="" xmlns:a14="http://schemas.microsoft.com/office/drawing/2010/main" w="9525">
                   <a:solidFill>
                     <a:srgbClr val="000000"/>
                   </a:solidFill>
@@ -2438,7 +2438,7 @@
             </a:ln>
             <a:extLst>
               <a:ext uri="{91240B29-F687-4f45-9708-019B960494DF}">
-                <a14:hiddenLine xmlns:a14="http://schemas.microsoft.com/office/drawing/2010/main" xmlns="" w="9525">
+                <a14:hiddenLine xmlns="" xmlns:a14="http://schemas.microsoft.com/office/drawing/2010/main" w="9525">
                   <a:solidFill>
                     <a:srgbClr val="000000"/>
                   </a:solidFill>
@@ -2500,7 +2500,7 @@
             </a:ln>
             <a:extLst>
               <a:ext uri="{91240B29-F687-4f45-9708-019B960494DF}">
-                <a14:hiddenLine xmlns:a14="http://schemas.microsoft.com/office/drawing/2010/main" xmlns="" w="9525">
+                <a14:hiddenLine xmlns="" xmlns:a14="http://schemas.microsoft.com/office/drawing/2010/main" w="9525">
                   <a:solidFill>
                     <a:srgbClr val="000000"/>
                   </a:solidFill>
@@ -2562,7 +2562,7 @@
             </a:ln>
             <a:extLst>
               <a:ext uri="{91240B29-F687-4f45-9708-019B960494DF}">
-                <a14:hiddenLine xmlns:a14="http://schemas.microsoft.com/office/drawing/2010/main" xmlns="" w="9525">
+                <a14:hiddenLine xmlns="" xmlns:a14="http://schemas.microsoft.com/office/drawing/2010/main" w="9525">
                   <a:solidFill>
                     <a:srgbClr val="000000"/>
                   </a:solidFill>
@@ -2652,7 +2652,7 @@
             </a:ln>
             <a:extLst>
               <a:ext uri="{91240B29-F687-4f45-9708-019B960494DF}">
-                <a14:hiddenLine xmlns:a14="http://schemas.microsoft.com/office/drawing/2010/main" xmlns="" w="9525">
+                <a14:hiddenLine xmlns="" xmlns:a14="http://schemas.microsoft.com/office/drawing/2010/main" w="9525">
                   <a:solidFill>
                     <a:srgbClr val="000000"/>
                   </a:solidFill>
@@ -2720,7 +2720,7 @@
             </a:ln>
             <a:extLst>
               <a:ext uri="{91240B29-F687-4f45-9708-019B960494DF}">
-                <a14:hiddenLine xmlns:a14="http://schemas.microsoft.com/office/drawing/2010/main" xmlns="" w="9525">
+                <a14:hiddenLine xmlns="" xmlns:a14="http://schemas.microsoft.com/office/drawing/2010/main" w="9525">
                   <a:solidFill>
                     <a:srgbClr val="000000"/>
                   </a:solidFill>
@@ -2782,7 +2782,7 @@
             </a:ln>
             <a:extLst>
               <a:ext uri="{91240B29-F687-4f45-9708-019B960494DF}">
-                <a14:hiddenLine xmlns:a14="http://schemas.microsoft.com/office/drawing/2010/main" xmlns="" w="9525">
+                <a14:hiddenLine xmlns="" xmlns:a14="http://schemas.microsoft.com/office/drawing/2010/main" w="9525">
                   <a:solidFill>
                     <a:srgbClr val="000000"/>
                   </a:solidFill>
@@ -2872,7 +2872,7 @@
             </a:ln>
             <a:extLst>
               <a:ext uri="{91240B29-F687-4f45-9708-019B960494DF}">
-                <a14:hiddenLine xmlns:a14="http://schemas.microsoft.com/office/drawing/2010/main" xmlns="" w="9525">
+                <a14:hiddenLine xmlns="" xmlns:a14="http://schemas.microsoft.com/office/drawing/2010/main" w="9525">
                   <a:solidFill>
                     <a:srgbClr val="000000"/>
                   </a:solidFill>
@@ -2934,7 +2934,7 @@
             </a:ln>
             <a:extLst>
               <a:ext uri="{91240B29-F687-4f45-9708-019B960494DF}">
-                <a14:hiddenLine xmlns:a14="http://schemas.microsoft.com/office/drawing/2010/main" xmlns="" w="9525">
+                <a14:hiddenLine xmlns="" xmlns:a14="http://schemas.microsoft.com/office/drawing/2010/main" w="9525">
                   <a:solidFill>
                     <a:srgbClr val="000000"/>
                   </a:solidFill>
@@ -3024,7 +3024,7 @@
             </a:ln>
             <a:extLst>
               <a:ext uri="{91240B29-F687-4f45-9708-019B960494DF}">
-                <a14:hiddenLine xmlns:a14="http://schemas.microsoft.com/office/drawing/2010/main" xmlns="" w="9525">
+                <a14:hiddenLine xmlns="" xmlns:a14="http://schemas.microsoft.com/office/drawing/2010/main" w="9525">
                   <a:solidFill>
                     <a:srgbClr val="000000"/>
                   </a:solidFill>
@@ -3086,7 +3086,7 @@
             </a:ln>
             <a:extLst>
               <a:ext uri="{91240B29-F687-4f45-9708-019B960494DF}">
-                <a14:hiddenLine xmlns:a14="http://schemas.microsoft.com/office/drawing/2010/main" xmlns="" w="9525">
+                <a14:hiddenLine xmlns="" xmlns:a14="http://schemas.microsoft.com/office/drawing/2010/main" w="9525">
                   <a:solidFill>
                     <a:srgbClr val="000000"/>
                   </a:solidFill>
@@ -3176,7 +3176,7 @@
             </a:ln>
             <a:extLst>
               <a:ext uri="{91240B29-F687-4f45-9708-019B960494DF}">
-                <a14:hiddenLine xmlns:a14="http://schemas.microsoft.com/office/drawing/2010/main" xmlns="" w="9525">
+                <a14:hiddenLine xmlns="" xmlns:a14="http://schemas.microsoft.com/office/drawing/2010/main" w="9525">
                   <a:solidFill>
                     <a:srgbClr val="000000"/>
                   </a:solidFill>
@@ -3210,7 +3210,7 @@
             </a:ln>
             <a:extLst>
               <a:ext uri="{91240B29-F687-4f45-9708-019B960494DF}">
-                <a14:hiddenLine xmlns:a14="http://schemas.microsoft.com/office/drawing/2010/main" xmlns="" w="9525">
+                <a14:hiddenLine xmlns="" xmlns:a14="http://schemas.microsoft.com/office/drawing/2010/main" w="9525">
                   <a:solidFill>
                     <a:srgbClr val="000000"/>
                   </a:solidFill>
@@ -3275,7 +3275,7 @@
             </a:ln>
             <a:extLst>
               <a:ext uri="{91240B29-F687-4f45-9708-019B960494DF}">
-                <a14:hiddenLine xmlns:a14="http://schemas.microsoft.com/office/drawing/2010/main" xmlns="" w="9525">
+                <a14:hiddenLine xmlns="" xmlns:a14="http://schemas.microsoft.com/office/drawing/2010/main" w="9525">
                   <a:solidFill>
                     <a:srgbClr val="000000"/>
                   </a:solidFill>
@@ -3365,7 +3365,7 @@
             </a:ln>
             <a:extLst>
               <a:ext uri="{91240B29-F687-4f45-9708-019B960494DF}">
-                <a14:hiddenLine xmlns:a14="http://schemas.microsoft.com/office/drawing/2010/main" xmlns="" w="9525">
+                <a14:hiddenLine xmlns="" xmlns:a14="http://schemas.microsoft.com/office/drawing/2010/main" w="9525">
                   <a:solidFill>
                     <a:srgbClr val="000000"/>
                   </a:solidFill>
@@ -3427,7 +3427,7 @@
             </a:ln>
             <a:extLst>
               <a:ext uri="{91240B29-F687-4f45-9708-019B960494DF}">
-                <a14:hiddenLine xmlns:a14="http://schemas.microsoft.com/office/drawing/2010/main" xmlns="" w="9525">
+                <a14:hiddenLine xmlns="" xmlns:a14="http://schemas.microsoft.com/office/drawing/2010/main" w="9525">
                   <a:solidFill>
                     <a:srgbClr val="000000"/>
                   </a:solidFill>
@@ -3517,7 +3517,7 @@
             </a:ln>
             <a:extLst>
               <a:ext uri="{91240B29-F687-4f45-9708-019B960494DF}">
-                <a14:hiddenLine xmlns:a14="http://schemas.microsoft.com/office/drawing/2010/main" xmlns="" w="9525">
+                <a14:hiddenLine xmlns="" xmlns:a14="http://schemas.microsoft.com/office/drawing/2010/main" w="9525">
                   <a:solidFill>
                     <a:srgbClr val="000000"/>
                   </a:solidFill>
@@ -3607,7 +3607,7 @@
             </a:ln>
             <a:extLst>
               <a:ext uri="{91240B29-F687-4f45-9708-019B960494DF}">
-                <a14:hiddenLine xmlns:a14="http://schemas.microsoft.com/office/drawing/2010/main" xmlns="" w="9525">
+                <a14:hiddenLine xmlns="" xmlns:a14="http://schemas.microsoft.com/office/drawing/2010/main" w="9525">
                   <a:solidFill>
                     <a:srgbClr val="000000"/>
                   </a:solidFill>
@@ -3672,7 +3672,7 @@
             </a:ln>
             <a:extLst>
               <a:ext uri="{91240B29-F687-4f45-9708-019B960494DF}">
-                <a14:hiddenLine xmlns:a14="http://schemas.microsoft.com/office/drawing/2010/main" xmlns="" w="9525">
+                <a14:hiddenLine xmlns="" xmlns:a14="http://schemas.microsoft.com/office/drawing/2010/main" w="9525">
                   <a:solidFill>
                     <a:srgbClr val="000000"/>
                   </a:solidFill>
@@ -3734,7 +3734,7 @@
             </a:ln>
             <a:extLst>
               <a:ext uri="{91240B29-F687-4f45-9708-019B960494DF}">
-                <a14:hiddenLine xmlns:a14="http://schemas.microsoft.com/office/drawing/2010/main" xmlns="" w="9525">
+                <a14:hiddenLine xmlns="" xmlns:a14="http://schemas.microsoft.com/office/drawing/2010/main" w="9525">
                   <a:solidFill>
                     <a:srgbClr val="000000"/>
                   </a:solidFill>
@@ -3824,7 +3824,7 @@
             </a:ln>
             <a:extLst>
               <a:ext uri="{91240B29-F687-4f45-9708-019B960494DF}">
-                <a14:hiddenLine xmlns:a14="http://schemas.microsoft.com/office/drawing/2010/main" xmlns="" w="9525">
+                <a14:hiddenLine xmlns="" xmlns:a14="http://schemas.microsoft.com/office/drawing/2010/main" w="9525">
                   <a:solidFill>
                     <a:srgbClr val="000000"/>
                   </a:solidFill>
@@ -3914,7 +3914,7 @@
             </a:ln>
             <a:extLst>
               <a:ext uri="{91240B29-F687-4f45-9708-019B960494DF}">
-                <a14:hiddenLine xmlns:a14="http://schemas.microsoft.com/office/drawing/2010/main" xmlns="" w="9525">
+                <a14:hiddenLine xmlns="" xmlns:a14="http://schemas.microsoft.com/office/drawing/2010/main" w="9525">
                   <a:solidFill>
                     <a:srgbClr val="000000"/>
                   </a:solidFill>
@@ -3976,7 +3976,7 @@
             </a:ln>
             <a:extLst>
               <a:ext uri="{91240B29-F687-4f45-9708-019B960494DF}">
-                <a14:hiddenLine xmlns:a14="http://schemas.microsoft.com/office/drawing/2010/main" xmlns="" w="9525">
+                <a14:hiddenLine xmlns="" xmlns:a14="http://schemas.microsoft.com/office/drawing/2010/main" w="9525">
                   <a:solidFill>
                     <a:srgbClr val="000000"/>
                   </a:solidFill>
@@ -4096,7 +4096,7 @@
             </a:ln>
             <a:extLst>
               <a:ext uri="{91240B29-F687-4f45-9708-019B960494DF}">
-                <a14:hiddenLine xmlns:a14="http://schemas.microsoft.com/office/drawing/2010/main" xmlns="" w="9525">
+                <a14:hiddenLine xmlns="" xmlns:a14="http://schemas.microsoft.com/office/drawing/2010/main" w="9525">
                   <a:solidFill>
                     <a:srgbClr val="000000"/>
                   </a:solidFill>
@@ -4164,7 +4164,7 @@
             </a:ln>
             <a:extLst>
               <a:ext uri="{91240B29-F687-4f45-9708-019B960494DF}">
-                <a14:hiddenLine xmlns:a14="http://schemas.microsoft.com/office/drawing/2010/main" xmlns="" w="9525">
+                <a14:hiddenLine xmlns="" xmlns:a14="http://schemas.microsoft.com/office/drawing/2010/main" w="9525">
                   <a:solidFill>
                     <a:srgbClr val="000000"/>
                   </a:solidFill>
@@ -4254,7 +4254,7 @@
             </a:ln>
             <a:extLst>
               <a:ext uri="{91240B29-F687-4f45-9708-019B960494DF}">
-                <a14:hiddenLine xmlns:a14="http://schemas.microsoft.com/office/drawing/2010/main" xmlns="" w="9525">
+                <a14:hiddenLine xmlns="" xmlns:a14="http://schemas.microsoft.com/office/drawing/2010/main" w="9525">
                   <a:solidFill>
                     <a:srgbClr val="000000"/>
                   </a:solidFill>
@@ -4394,7 +4394,7 @@
           <a:p>
             <a:fld id="{72C3057E-6F7F-48D3-BE23-2D60489F3EB6}" type="datetimeFigureOut">
               <a:rPr lang="en-GB" smtClean="0"/>
-              <a:t>02/12/2019</a:t>
+              <a:t>05/12/2019</a:t>
             </a:fld>
             <a:endParaRPr lang="en-GB"/>
           </a:p>
@@ -4661,7 +4661,7 @@
           <a:p>
             <a:fld id="{72C3057E-6F7F-48D3-BE23-2D60489F3EB6}" type="datetimeFigureOut">
               <a:rPr lang="en-GB" smtClean="0"/>
-              <a:t>02/12/2019</a:t>
+              <a:t>05/12/2019</a:t>
             </a:fld>
             <a:endParaRPr lang="en-GB"/>
           </a:p>
@@ -4857,7 +4857,7 @@
           <a:p>
             <a:fld id="{72C3057E-6F7F-48D3-BE23-2D60489F3EB6}" type="datetimeFigureOut">
               <a:rPr lang="en-GB" smtClean="0"/>
-              <a:t>02/12/2019</a:t>
+              <a:t>05/12/2019</a:t>
             </a:fld>
             <a:endParaRPr lang="en-GB"/>
           </a:p>
@@ -5120,7 +5120,7 @@
           <a:p>
             <a:fld id="{72C3057E-6F7F-48D3-BE23-2D60489F3EB6}" type="datetimeFigureOut">
               <a:rPr lang="en-GB" smtClean="0"/>
-              <a:t>02/12/2019</a:t>
+              <a:t>05/12/2019</a:t>
             </a:fld>
             <a:endParaRPr lang="en-GB"/>
           </a:p>
@@ -5554,7 +5554,7 @@
           <a:p>
             <a:fld id="{72C3057E-6F7F-48D3-BE23-2D60489F3EB6}" type="datetimeFigureOut">
               <a:rPr lang="en-GB" smtClean="0"/>
-              <a:t>02/12/2019</a:t>
+              <a:t>05/12/2019</a:t>
             </a:fld>
             <a:endParaRPr lang="en-GB"/>
           </a:p>
@@ -6100,7 +6100,7 @@
           <a:p>
             <a:fld id="{72C3057E-6F7F-48D3-BE23-2D60489F3EB6}" type="datetimeFigureOut">
               <a:rPr lang="en-GB" smtClean="0"/>
-              <a:t>02/12/2019</a:t>
+              <a:t>05/12/2019</a:t>
             </a:fld>
             <a:endParaRPr lang="en-GB"/>
           </a:p>
@@ -6820,7 +6820,7 @@
           <a:p>
             <a:fld id="{72C3057E-6F7F-48D3-BE23-2D60489F3EB6}" type="datetimeFigureOut">
               <a:rPr lang="en-GB" smtClean="0"/>
-              <a:t>02/12/2019</a:t>
+              <a:t>05/12/2019</a:t>
             </a:fld>
             <a:endParaRPr lang="en-GB"/>
           </a:p>
@@ -6990,7 +6990,7 @@
           <a:p>
             <a:fld id="{72C3057E-6F7F-48D3-BE23-2D60489F3EB6}" type="datetimeFigureOut">
               <a:rPr lang="en-GB" smtClean="0"/>
-              <a:t>02/12/2019</a:t>
+              <a:t>05/12/2019</a:t>
             </a:fld>
             <a:endParaRPr lang="en-GB"/>
           </a:p>
@@ -7170,7 +7170,7 @@
           <a:p>
             <a:fld id="{72C3057E-6F7F-48D3-BE23-2D60489F3EB6}" type="datetimeFigureOut">
               <a:rPr lang="en-GB" smtClean="0"/>
-              <a:t>02/12/2019</a:t>
+              <a:t>05/12/2019</a:t>
             </a:fld>
             <a:endParaRPr lang="en-GB"/>
           </a:p>
@@ -7340,7 +7340,7 @@
           <a:p>
             <a:fld id="{72C3057E-6F7F-48D3-BE23-2D60489F3EB6}" type="datetimeFigureOut">
               <a:rPr lang="en-GB" smtClean="0"/>
-              <a:t>02/12/2019</a:t>
+              <a:t>05/12/2019</a:t>
             </a:fld>
             <a:endParaRPr lang="en-GB"/>
           </a:p>
@@ -7590,7 +7590,7 @@
           <a:p>
             <a:fld id="{72C3057E-6F7F-48D3-BE23-2D60489F3EB6}" type="datetimeFigureOut">
               <a:rPr lang="en-GB" smtClean="0"/>
-              <a:t>02/12/2019</a:t>
+              <a:t>05/12/2019</a:t>
             </a:fld>
             <a:endParaRPr lang="en-GB"/>
           </a:p>
@@ -7822,7 +7822,7 @@
           <a:p>
             <a:fld id="{72C3057E-6F7F-48D3-BE23-2D60489F3EB6}" type="datetimeFigureOut">
               <a:rPr lang="en-GB" smtClean="0"/>
-              <a:t>02/12/2019</a:t>
+              <a:t>05/12/2019</a:t>
             </a:fld>
             <a:endParaRPr lang="en-GB"/>
           </a:p>
@@ -8203,7 +8203,7 @@
           <a:p>
             <a:fld id="{72C3057E-6F7F-48D3-BE23-2D60489F3EB6}" type="datetimeFigureOut">
               <a:rPr lang="en-GB" smtClean="0"/>
-              <a:t>02/12/2019</a:t>
+              <a:t>05/12/2019</a:t>
             </a:fld>
             <a:endParaRPr lang="en-GB"/>
           </a:p>
@@ -8321,7 +8321,7 @@
           <a:p>
             <a:fld id="{72C3057E-6F7F-48D3-BE23-2D60489F3EB6}" type="datetimeFigureOut">
               <a:rPr lang="en-GB" smtClean="0"/>
-              <a:t>02/12/2019</a:t>
+              <a:t>05/12/2019</a:t>
             </a:fld>
             <a:endParaRPr lang="en-GB"/>
           </a:p>
@@ -8416,7 +8416,7 @@
           <a:p>
             <a:fld id="{72C3057E-6F7F-48D3-BE23-2D60489F3EB6}" type="datetimeFigureOut">
               <a:rPr lang="en-GB" smtClean="0"/>
-              <a:t>02/12/2019</a:t>
+              <a:t>05/12/2019</a:t>
             </a:fld>
             <a:endParaRPr lang="en-GB"/>
           </a:p>
@@ -8665,7 +8665,7 @@
           <a:p>
             <a:fld id="{72C3057E-6F7F-48D3-BE23-2D60489F3EB6}" type="datetimeFigureOut">
               <a:rPr lang="en-GB" smtClean="0"/>
-              <a:t>02/12/2019</a:t>
+              <a:t>05/12/2019</a:t>
             </a:fld>
             <a:endParaRPr lang="en-GB"/>
           </a:p>
@@ -8945,7 +8945,7 @@
           <a:p>
             <a:fld id="{72C3057E-6F7F-48D3-BE23-2D60489F3EB6}" type="datetimeFigureOut">
               <a:rPr lang="en-GB" smtClean="0"/>
-              <a:t>02/12/2019</a:t>
+              <a:t>05/12/2019</a:t>
             </a:fld>
             <a:endParaRPr lang="en-GB"/>
           </a:p>
@@ -9061,7 +9061,7 @@
           <a:noFill/>
           <a:extLst>
             <a:ext uri="{909E8E84-426E-40dd-AFC4-6F175D3DCCD1}">
-              <a14:hiddenFill xmlns:a14="http://schemas.microsoft.com/office/drawing/2010/main" xmlns="">
+              <a14:hiddenFill xmlns="" xmlns:a14="http://schemas.microsoft.com/office/drawing/2010/main">
                 <a:solidFill>
                   <a:srgbClr val="FFFFFF"/>
                 </a:solidFill>
@@ -9135,7 +9135,7 @@
               </a:ln>
               <a:extLst>
                 <a:ext uri="{91240B29-F687-4f45-9708-019B960494DF}">
-                  <a14:hiddenLine xmlns:a14="http://schemas.microsoft.com/office/drawing/2010/main" xmlns="" w="9525">
+                  <a14:hiddenLine xmlns="" xmlns:a14="http://schemas.microsoft.com/office/drawing/2010/main" w="9525">
                     <a:solidFill>
                       <a:srgbClr val="000000"/>
                     </a:solidFill>
@@ -9225,7 +9225,7 @@
               </a:ln>
               <a:extLst>
                 <a:ext uri="{91240B29-F687-4f45-9708-019B960494DF}">
-                  <a14:hiddenLine xmlns:a14="http://schemas.microsoft.com/office/drawing/2010/main" xmlns="" w="9525">
+                  <a14:hiddenLine xmlns="" xmlns:a14="http://schemas.microsoft.com/office/drawing/2010/main" w="9525">
                     <a:solidFill>
                       <a:srgbClr val="000000"/>
                     </a:solidFill>
@@ -9315,7 +9315,7 @@
               </a:ln>
               <a:extLst>
                 <a:ext uri="{91240B29-F687-4f45-9708-019B960494DF}">
-                  <a14:hiddenLine xmlns:a14="http://schemas.microsoft.com/office/drawing/2010/main" xmlns="" w="9525">
+                  <a14:hiddenLine xmlns="" xmlns:a14="http://schemas.microsoft.com/office/drawing/2010/main" w="9525">
                     <a:solidFill>
                       <a:srgbClr val="000000"/>
                     </a:solidFill>
@@ -9377,7 +9377,7 @@
               </a:ln>
               <a:extLst>
                 <a:ext uri="{91240B29-F687-4f45-9708-019B960494DF}">
-                  <a14:hiddenLine xmlns:a14="http://schemas.microsoft.com/office/drawing/2010/main" xmlns="" w="9525">
+                  <a14:hiddenLine xmlns="" xmlns:a14="http://schemas.microsoft.com/office/drawing/2010/main" w="9525">
                     <a:solidFill>
                       <a:srgbClr val="000000"/>
                     </a:solidFill>
@@ -9467,7 +9467,7 @@
               </a:ln>
               <a:extLst>
                 <a:ext uri="{91240B29-F687-4f45-9708-019B960494DF}">
-                  <a14:hiddenLine xmlns:a14="http://schemas.microsoft.com/office/drawing/2010/main" xmlns="" w="9525">
+                  <a14:hiddenLine xmlns="" xmlns:a14="http://schemas.microsoft.com/office/drawing/2010/main" w="9525">
                     <a:solidFill>
                       <a:srgbClr val="000000"/>
                     </a:solidFill>
@@ -9529,7 +9529,7 @@
               </a:ln>
               <a:extLst>
                 <a:ext uri="{91240B29-F687-4f45-9708-019B960494DF}">
-                  <a14:hiddenLine xmlns:a14="http://schemas.microsoft.com/office/drawing/2010/main" xmlns="" w="9525">
+                  <a14:hiddenLine xmlns="" xmlns:a14="http://schemas.microsoft.com/office/drawing/2010/main" w="9525">
                     <a:solidFill>
                       <a:srgbClr val="000000"/>
                     </a:solidFill>
@@ -9591,7 +9591,7 @@
               </a:ln>
               <a:extLst>
                 <a:ext uri="{91240B29-F687-4f45-9708-019B960494DF}">
-                  <a14:hiddenLine xmlns:a14="http://schemas.microsoft.com/office/drawing/2010/main" xmlns="" w="9525">
+                  <a14:hiddenLine xmlns="" xmlns:a14="http://schemas.microsoft.com/office/drawing/2010/main" w="9525">
                     <a:solidFill>
                       <a:srgbClr val="000000"/>
                     </a:solidFill>
@@ -9681,7 +9681,7 @@
               </a:ln>
               <a:extLst>
                 <a:ext uri="{91240B29-F687-4f45-9708-019B960494DF}">
-                  <a14:hiddenLine xmlns:a14="http://schemas.microsoft.com/office/drawing/2010/main" xmlns="" w="9525">
+                  <a14:hiddenLine xmlns="" xmlns:a14="http://schemas.microsoft.com/office/drawing/2010/main" w="9525">
                     <a:solidFill>
                       <a:srgbClr val="000000"/>
                     </a:solidFill>
@@ -9771,7 +9771,7 @@
               </a:ln>
               <a:extLst>
                 <a:ext uri="{91240B29-F687-4f45-9708-019B960494DF}">
-                  <a14:hiddenLine xmlns:a14="http://schemas.microsoft.com/office/drawing/2010/main" xmlns="" w="9525">
+                  <a14:hiddenLine xmlns="" xmlns:a14="http://schemas.microsoft.com/office/drawing/2010/main" w="9525">
                     <a:solidFill>
                       <a:srgbClr val="000000"/>
                     </a:solidFill>
@@ -9833,7 +9833,7 @@
               </a:ln>
               <a:extLst>
                 <a:ext uri="{91240B29-F687-4f45-9708-019B960494DF}">
-                  <a14:hiddenLine xmlns:a14="http://schemas.microsoft.com/office/drawing/2010/main" xmlns="" w="9525">
+                  <a14:hiddenLine xmlns="" xmlns:a14="http://schemas.microsoft.com/office/drawing/2010/main" w="9525">
                     <a:solidFill>
                       <a:srgbClr val="000000"/>
                     </a:solidFill>
@@ -9943,7 +9943,7 @@
               </a:ln>
               <a:extLst>
                 <a:ext uri="{91240B29-F687-4f45-9708-019B960494DF}">
-                  <a14:hiddenLine xmlns:a14="http://schemas.microsoft.com/office/drawing/2010/main" xmlns="" w="9525">
+                  <a14:hiddenLine xmlns="" xmlns:a14="http://schemas.microsoft.com/office/drawing/2010/main" w="9525">
                     <a:solidFill>
                       <a:srgbClr val="000000"/>
                     </a:solidFill>
@@ -10027,7 +10027,7 @@
               </a:ln>
               <a:extLst>
                 <a:ext uri="{91240B29-F687-4f45-9708-019B960494DF}">
-                  <a14:hiddenLine xmlns:a14="http://schemas.microsoft.com/office/drawing/2010/main" xmlns="" w="9525">
+                  <a14:hiddenLine xmlns="" xmlns:a14="http://schemas.microsoft.com/office/drawing/2010/main" w="9525">
                     <a:solidFill>
                       <a:srgbClr val="000000"/>
                     </a:solidFill>
@@ -10089,7 +10089,7 @@
               </a:ln>
               <a:extLst>
                 <a:ext uri="{91240B29-F687-4f45-9708-019B960494DF}">
-                  <a14:hiddenLine xmlns:a14="http://schemas.microsoft.com/office/drawing/2010/main" xmlns="" w="9525">
+                  <a14:hiddenLine xmlns="" xmlns:a14="http://schemas.microsoft.com/office/drawing/2010/main" w="9525">
                     <a:solidFill>
                       <a:srgbClr val="000000"/>
                     </a:solidFill>
@@ -10151,7 +10151,7 @@
               </a:ln>
               <a:extLst>
                 <a:ext uri="{91240B29-F687-4f45-9708-019B960494DF}">
-                  <a14:hiddenLine xmlns:a14="http://schemas.microsoft.com/office/drawing/2010/main" xmlns="" w="9525">
+                  <a14:hiddenLine xmlns="" xmlns:a14="http://schemas.microsoft.com/office/drawing/2010/main" w="9525">
                     <a:solidFill>
                       <a:srgbClr val="000000"/>
                     </a:solidFill>
@@ -10241,7 +10241,7 @@
               </a:ln>
               <a:extLst>
                 <a:ext uri="{91240B29-F687-4f45-9708-019B960494DF}">
-                  <a14:hiddenLine xmlns:a14="http://schemas.microsoft.com/office/drawing/2010/main" xmlns="" w="9525">
+                  <a14:hiddenLine xmlns="" xmlns:a14="http://schemas.microsoft.com/office/drawing/2010/main" w="9525">
                     <a:solidFill>
                       <a:srgbClr val="000000"/>
                     </a:solidFill>
@@ -10275,7 +10275,7 @@
               </a:ln>
               <a:extLst>
                 <a:ext uri="{91240B29-F687-4f45-9708-019B960494DF}">
-                  <a14:hiddenLine xmlns:a14="http://schemas.microsoft.com/office/drawing/2010/main" xmlns="" w="9525">
+                  <a14:hiddenLine xmlns="" xmlns:a14="http://schemas.microsoft.com/office/drawing/2010/main" w="9525">
                     <a:solidFill>
                       <a:srgbClr val="000000"/>
                     </a:solidFill>
@@ -10340,7 +10340,7 @@
               </a:ln>
               <a:extLst>
                 <a:ext uri="{91240B29-F687-4f45-9708-019B960494DF}">
-                  <a14:hiddenLine xmlns:a14="http://schemas.microsoft.com/office/drawing/2010/main" xmlns="" w="9525">
+                  <a14:hiddenLine xmlns="" xmlns:a14="http://schemas.microsoft.com/office/drawing/2010/main" w="9525">
                     <a:solidFill>
                       <a:srgbClr val="000000"/>
                     </a:solidFill>
@@ -10430,7 +10430,7 @@
               </a:ln>
               <a:extLst>
                 <a:ext uri="{91240B29-F687-4f45-9708-019B960494DF}">
-                  <a14:hiddenLine xmlns:a14="http://schemas.microsoft.com/office/drawing/2010/main" xmlns="" w="9525">
+                  <a14:hiddenLine xmlns="" xmlns:a14="http://schemas.microsoft.com/office/drawing/2010/main" w="9525">
                     <a:solidFill>
                       <a:srgbClr val="000000"/>
                     </a:solidFill>
@@ -10492,7 +10492,7 @@
               </a:ln>
               <a:extLst>
                 <a:ext uri="{91240B29-F687-4f45-9708-019B960494DF}">
-                  <a14:hiddenLine xmlns:a14="http://schemas.microsoft.com/office/drawing/2010/main" xmlns="" w="9525">
+                  <a14:hiddenLine xmlns="" xmlns:a14="http://schemas.microsoft.com/office/drawing/2010/main" w="9525">
                     <a:solidFill>
                       <a:srgbClr val="000000"/>
                     </a:solidFill>
@@ -10582,7 +10582,7 @@
               </a:ln>
               <a:extLst>
                 <a:ext uri="{91240B29-F687-4f45-9708-019B960494DF}">
-                  <a14:hiddenLine xmlns:a14="http://schemas.microsoft.com/office/drawing/2010/main" xmlns="" w="9525">
+                  <a14:hiddenLine xmlns="" xmlns:a14="http://schemas.microsoft.com/office/drawing/2010/main" w="9525">
                     <a:solidFill>
                       <a:srgbClr val="000000"/>
                     </a:solidFill>
@@ -10647,7 +10647,7 @@
               </a:ln>
               <a:extLst>
                 <a:ext uri="{91240B29-F687-4f45-9708-019B960494DF}">
-                  <a14:hiddenLine xmlns:a14="http://schemas.microsoft.com/office/drawing/2010/main" xmlns="" w="9525">
+                  <a14:hiddenLine xmlns="" xmlns:a14="http://schemas.microsoft.com/office/drawing/2010/main" w="9525">
                     <a:solidFill>
                       <a:srgbClr val="000000"/>
                     </a:solidFill>
@@ -10709,7 +10709,7 @@
               </a:ln>
               <a:extLst>
                 <a:ext uri="{91240B29-F687-4f45-9708-019B960494DF}">
-                  <a14:hiddenLine xmlns:a14="http://schemas.microsoft.com/office/drawing/2010/main" xmlns="" w="9525">
+                  <a14:hiddenLine xmlns="" xmlns:a14="http://schemas.microsoft.com/office/drawing/2010/main" w="9525">
                     <a:solidFill>
                       <a:srgbClr val="000000"/>
                     </a:solidFill>
@@ -10799,7 +10799,7 @@
               </a:ln>
               <a:extLst>
                 <a:ext uri="{91240B29-F687-4f45-9708-019B960494DF}">
-                  <a14:hiddenLine xmlns:a14="http://schemas.microsoft.com/office/drawing/2010/main" xmlns="" w="9525">
+                  <a14:hiddenLine xmlns="" xmlns:a14="http://schemas.microsoft.com/office/drawing/2010/main" w="9525">
                     <a:solidFill>
                       <a:srgbClr val="000000"/>
                     </a:solidFill>
@@ -10889,7 +10889,7 @@
               </a:ln>
               <a:extLst>
                 <a:ext uri="{91240B29-F687-4f45-9708-019B960494DF}">
-                  <a14:hiddenLine xmlns:a14="http://schemas.microsoft.com/office/drawing/2010/main" xmlns="" w="9525">
+                  <a14:hiddenLine xmlns="" xmlns:a14="http://schemas.microsoft.com/office/drawing/2010/main" w="9525">
                     <a:solidFill>
                       <a:srgbClr val="000000"/>
                     </a:solidFill>
@@ -10954,7 +10954,7 @@
               </a:ln>
               <a:extLst>
                 <a:ext uri="{91240B29-F687-4f45-9708-019B960494DF}">
-                  <a14:hiddenLine xmlns:a14="http://schemas.microsoft.com/office/drawing/2010/main" xmlns="" w="9525">
+                  <a14:hiddenLine xmlns="" xmlns:a14="http://schemas.microsoft.com/office/drawing/2010/main" w="9525">
                     <a:solidFill>
                       <a:srgbClr val="000000"/>
                     </a:solidFill>
@@ -11074,7 +11074,7 @@
               </a:ln>
               <a:extLst>
                 <a:ext uri="{91240B29-F687-4f45-9708-019B960494DF}">
-                  <a14:hiddenLine xmlns:a14="http://schemas.microsoft.com/office/drawing/2010/main" xmlns="" w="9525">
+                  <a14:hiddenLine xmlns="" xmlns:a14="http://schemas.microsoft.com/office/drawing/2010/main" w="9525">
                     <a:solidFill>
                       <a:srgbClr val="000000"/>
                     </a:solidFill>
@@ -11172,7 +11172,7 @@
               </a:ln>
               <a:extLst>
                 <a:ext uri="{91240B29-F687-4f45-9708-019B960494DF}">
-                  <a14:hiddenLine xmlns:a14="http://schemas.microsoft.com/office/drawing/2010/main" xmlns="" w="9525">
+                  <a14:hiddenLine xmlns="" xmlns:a14="http://schemas.microsoft.com/office/drawing/2010/main" w="9525">
                     <a:solidFill>
                       <a:srgbClr val="000000"/>
                     </a:solidFill>
@@ -11287,7 +11287,7 @@
               </a:ln>
               <a:extLst>
                 <a:ext uri="{91240B29-F687-4f45-9708-019B960494DF}">
-                  <a14:hiddenLine xmlns:a14="http://schemas.microsoft.com/office/drawing/2010/main" xmlns="" w="9525">
+                  <a14:hiddenLine xmlns="" xmlns:a14="http://schemas.microsoft.com/office/drawing/2010/main" w="9525">
                     <a:solidFill>
                       <a:srgbClr val="000000"/>
                     </a:solidFill>
@@ -11377,7 +11377,7 @@
               </a:ln>
               <a:extLst>
                 <a:ext uri="{91240B29-F687-4f45-9708-019B960494DF}">
-                  <a14:hiddenLine xmlns:a14="http://schemas.microsoft.com/office/drawing/2010/main" xmlns="" w="9525">
+                  <a14:hiddenLine xmlns="" xmlns:a14="http://schemas.microsoft.com/office/drawing/2010/main" w="9525">
                     <a:solidFill>
                       <a:srgbClr val="000000"/>
                     </a:solidFill>
@@ -11442,7 +11442,7 @@
               </a:ln>
               <a:extLst>
                 <a:ext uri="{91240B29-F687-4f45-9708-019B960494DF}">
-                  <a14:hiddenLine xmlns:a14="http://schemas.microsoft.com/office/drawing/2010/main" xmlns="" w="9525">
+                  <a14:hiddenLine xmlns="" xmlns:a14="http://schemas.microsoft.com/office/drawing/2010/main" w="9525">
                     <a:solidFill>
                       <a:srgbClr val="000000"/>
                     </a:solidFill>
@@ -11532,7 +11532,7 @@
               </a:ln>
               <a:extLst>
                 <a:ext uri="{91240B29-F687-4f45-9708-019B960494DF}">
-                  <a14:hiddenLine xmlns:a14="http://schemas.microsoft.com/office/drawing/2010/main" xmlns="" w="9525">
+                  <a14:hiddenLine xmlns="" xmlns:a14="http://schemas.microsoft.com/office/drawing/2010/main" w="9525">
                     <a:solidFill>
                       <a:srgbClr val="000000"/>
                     </a:solidFill>
@@ -11600,7 +11600,7 @@
               </a:ln>
               <a:extLst>
                 <a:ext uri="{91240B29-F687-4f45-9708-019B960494DF}">
-                  <a14:hiddenLine xmlns:a14="http://schemas.microsoft.com/office/drawing/2010/main" xmlns="" w="9525">
+                  <a14:hiddenLine xmlns="" xmlns:a14="http://schemas.microsoft.com/office/drawing/2010/main" w="9525">
                     <a:solidFill>
                       <a:srgbClr val="000000"/>
                     </a:solidFill>
@@ -11690,7 +11690,7 @@
               </a:ln>
               <a:extLst>
                 <a:ext uri="{91240B29-F687-4f45-9708-019B960494DF}">
-                  <a14:hiddenLine xmlns:a14="http://schemas.microsoft.com/office/drawing/2010/main" xmlns="" w="9525">
+                  <a14:hiddenLine xmlns="" xmlns:a14="http://schemas.microsoft.com/office/drawing/2010/main" w="9525">
                     <a:solidFill>
                       <a:srgbClr val="000000"/>
                     </a:solidFill>
@@ -11758,7 +11758,7 @@
               </a:ln>
               <a:extLst>
                 <a:ext uri="{91240B29-F687-4f45-9708-019B960494DF}">
-                  <a14:hiddenLine xmlns:a14="http://schemas.microsoft.com/office/drawing/2010/main" xmlns="" w="9525">
+                  <a14:hiddenLine xmlns="" xmlns:a14="http://schemas.microsoft.com/office/drawing/2010/main" w="9525">
                     <a:solidFill>
                       <a:srgbClr val="000000"/>
                     </a:solidFill>
@@ -11848,7 +11848,7 @@
               </a:ln>
               <a:extLst>
                 <a:ext uri="{91240B29-F687-4f45-9708-019B960494DF}">
-                  <a14:hiddenLine xmlns:a14="http://schemas.microsoft.com/office/drawing/2010/main" xmlns="" w="9525">
+                  <a14:hiddenLine xmlns="" xmlns:a14="http://schemas.microsoft.com/office/drawing/2010/main" w="9525">
                     <a:solidFill>
                       <a:srgbClr val="000000"/>
                     </a:solidFill>
@@ -11882,7 +11882,7 @@
               </a:ln>
               <a:extLst>
                 <a:ext uri="{91240B29-F687-4f45-9708-019B960494DF}">
-                  <a14:hiddenLine xmlns:a14="http://schemas.microsoft.com/office/drawing/2010/main" xmlns="" w="9525">
+                  <a14:hiddenLine xmlns="" xmlns:a14="http://schemas.microsoft.com/office/drawing/2010/main" w="9525">
                     <a:solidFill>
                       <a:srgbClr val="000000"/>
                     </a:solidFill>
@@ -12022,7 +12022,7 @@
           <a:p>
             <a:fld id="{72C3057E-6F7F-48D3-BE23-2D60489F3EB6}" type="datetimeFigureOut">
               <a:rPr lang="en-GB" smtClean="0"/>
-              <a:t>02/12/2019</a:t>
+              <a:t>05/12/2019</a:t>
             </a:fld>
             <a:endParaRPr lang="en-GB"/>
           </a:p>
@@ -12734,6 +12734,53 @@
           </a:p>
         </p:txBody>
       </p:sp>
+      <p:pic>
+        <p:nvPicPr>
+          <p:cNvPr id="1028" name="Picture 4">
+            <a:extLst>
+              <a:ext uri="{FF2B5EF4-FFF2-40B4-BE49-F238E27FC236}">
+                <a16:creationId xmlns:a16="http://schemas.microsoft.com/office/drawing/2014/main" id="{F24BCD75-2B73-431D-AF6D-DEEEE923BE9E}"/>
+              </a:ext>
+            </a:extLst>
+          </p:cNvPr>
+          <p:cNvPicPr>
+            <a:picLocks noChangeAspect="1" noChangeArrowheads="1"/>
+          </p:cNvPicPr>
+          <p:nvPr/>
+        </p:nvPicPr>
+        <p:blipFill>
+          <a:blip r:embed="rId2">
+            <a:extLst>
+              <a:ext uri="{28A0092B-C50C-407E-A947-70E740481C1C}">
+                <a14:useLocalDpi xmlns:a14="http://schemas.microsoft.com/office/drawing/2010/main" val="0"/>
+              </a:ext>
+            </a:extLst>
+          </a:blip>
+          <a:srcRect/>
+          <a:stretch>
+            <a:fillRect/>
+          </a:stretch>
+        </p:blipFill>
+        <p:spPr bwMode="auto">
+          <a:xfrm>
+            <a:off x="999241" y="1415930"/>
+            <a:ext cx="9467654" cy="4776974"/>
+          </a:xfrm>
+          <a:prstGeom prst="rect">
+            <a:avLst/>
+          </a:prstGeom>
+          <a:noFill/>
+          <a:extLst>
+            <a:ext uri="{909E8E84-426E-40DD-AFC4-6F175D3DCCD1}">
+              <a14:hiddenFill xmlns:a14="http://schemas.microsoft.com/office/drawing/2010/main">
+                <a:solidFill>
+                  <a:srgbClr val="FFFFFF"/>
+                </a:solidFill>
+              </a14:hiddenFill>
+            </a:ext>
+          </a:extLst>
+        </p:spPr>
+      </p:pic>
     </p:spTree>
     <p:extLst>
       <p:ext uri="{BB962C8B-B14F-4D97-AF65-F5344CB8AC3E}">

--- a/Parth viva presentation.pptx
+++ b/Parth viva presentation.pptx
@@ -168,7 +168,7 @@
           <a:noFill/>
           <a:extLst>
             <a:ext uri="{909E8E84-426E-40dd-AFC4-6F175D3DCCD1}">
-              <a14:hiddenFill xmlns="" xmlns:a14="http://schemas.microsoft.com/office/drawing/2010/main">
+              <a14:hiddenFill xmlns:a14="http://schemas.microsoft.com/office/drawing/2010/main" xmlns="">
                 <a:solidFill>
                   <a:srgbClr val="FFFFFF"/>
                 </a:solidFill>
@@ -228,7 +228,7 @@
             </a:ln>
             <a:extLst>
               <a:ext uri="{91240B29-F687-4f45-9708-019B960494DF}">
-                <a14:hiddenLine xmlns="" xmlns:a14="http://schemas.microsoft.com/office/drawing/2010/main" w="9525">
+                <a14:hiddenLine xmlns:a14="http://schemas.microsoft.com/office/drawing/2010/main" xmlns="" w="9525">
                   <a:solidFill>
                     <a:srgbClr val="000000"/>
                   </a:solidFill>
@@ -318,7 +318,7 @@
             </a:ln>
             <a:extLst>
               <a:ext uri="{91240B29-F687-4f45-9708-019B960494DF}">
-                <a14:hiddenLine xmlns="" xmlns:a14="http://schemas.microsoft.com/office/drawing/2010/main" w="9525">
+                <a14:hiddenLine xmlns:a14="http://schemas.microsoft.com/office/drawing/2010/main" xmlns="" w="9525">
                   <a:solidFill>
                     <a:srgbClr val="000000"/>
                   </a:solidFill>
@@ -408,7 +408,7 @@
             </a:ln>
             <a:extLst>
               <a:ext uri="{91240B29-F687-4f45-9708-019B960494DF}">
-                <a14:hiddenLine xmlns="" xmlns:a14="http://schemas.microsoft.com/office/drawing/2010/main" w="9525">
+                <a14:hiddenLine xmlns:a14="http://schemas.microsoft.com/office/drawing/2010/main" xmlns="" w="9525">
                   <a:solidFill>
                     <a:srgbClr val="000000"/>
                   </a:solidFill>
@@ -442,7 +442,7 @@
             </a:ln>
             <a:extLst>
               <a:ext uri="{91240B29-F687-4f45-9708-019B960494DF}">
-                <a14:hiddenLine xmlns="" xmlns:a14="http://schemas.microsoft.com/office/drawing/2010/main" w="9525">
+                <a14:hiddenLine xmlns:a14="http://schemas.microsoft.com/office/drawing/2010/main" xmlns="" w="9525">
                   <a:solidFill>
                     <a:srgbClr val="000000"/>
                   </a:solidFill>
@@ -532,7 +532,7 @@
             </a:ln>
             <a:extLst>
               <a:ext uri="{91240B29-F687-4f45-9708-019B960494DF}">
-                <a14:hiddenLine xmlns="" xmlns:a14="http://schemas.microsoft.com/office/drawing/2010/main" w="9525">
+                <a14:hiddenLine xmlns:a14="http://schemas.microsoft.com/office/drawing/2010/main" xmlns="" w="9525">
                   <a:solidFill>
                     <a:srgbClr val="000000"/>
                   </a:solidFill>
@@ -594,7 +594,7 @@
             </a:ln>
             <a:extLst>
               <a:ext uri="{91240B29-F687-4f45-9708-019B960494DF}">
-                <a14:hiddenLine xmlns="" xmlns:a14="http://schemas.microsoft.com/office/drawing/2010/main" w="9525">
+                <a14:hiddenLine xmlns:a14="http://schemas.microsoft.com/office/drawing/2010/main" xmlns="" w="9525">
                   <a:solidFill>
                     <a:srgbClr val="000000"/>
                   </a:solidFill>
@@ -656,7 +656,7 @@
             </a:ln>
             <a:extLst>
               <a:ext uri="{91240B29-F687-4f45-9708-019B960494DF}">
-                <a14:hiddenLine xmlns="" xmlns:a14="http://schemas.microsoft.com/office/drawing/2010/main" w="9525">
+                <a14:hiddenLine xmlns:a14="http://schemas.microsoft.com/office/drawing/2010/main" xmlns="" w="9525">
                   <a:solidFill>
                     <a:srgbClr val="000000"/>
                   </a:solidFill>
@@ -746,7 +746,7 @@
             </a:ln>
             <a:extLst>
               <a:ext uri="{91240B29-F687-4f45-9708-019B960494DF}">
-                <a14:hiddenLine xmlns="" xmlns:a14="http://schemas.microsoft.com/office/drawing/2010/main" w="9525">
+                <a14:hiddenLine xmlns:a14="http://schemas.microsoft.com/office/drawing/2010/main" xmlns="" w="9525">
                   <a:solidFill>
                     <a:srgbClr val="000000"/>
                   </a:solidFill>
@@ -808,7 +808,7 @@
             </a:ln>
             <a:extLst>
               <a:ext uri="{91240B29-F687-4f45-9708-019B960494DF}">
-                <a14:hiddenLine xmlns="" xmlns:a14="http://schemas.microsoft.com/office/drawing/2010/main" w="9525">
+                <a14:hiddenLine xmlns:a14="http://schemas.microsoft.com/office/drawing/2010/main" xmlns="" w="9525">
                   <a:solidFill>
                     <a:srgbClr val="000000"/>
                   </a:solidFill>
@@ -870,7 +870,7 @@
             </a:ln>
             <a:extLst>
               <a:ext uri="{91240B29-F687-4f45-9708-019B960494DF}">
-                <a14:hiddenLine xmlns="" xmlns:a14="http://schemas.microsoft.com/office/drawing/2010/main" w="9525">
+                <a14:hiddenLine xmlns:a14="http://schemas.microsoft.com/office/drawing/2010/main" xmlns="" w="9525">
                   <a:solidFill>
                     <a:srgbClr val="000000"/>
                   </a:solidFill>
@@ -960,7 +960,7 @@
             </a:ln>
             <a:extLst>
               <a:ext uri="{91240B29-F687-4f45-9708-019B960494DF}">
-                <a14:hiddenLine xmlns="" xmlns:a14="http://schemas.microsoft.com/office/drawing/2010/main" w="9525">
+                <a14:hiddenLine xmlns:a14="http://schemas.microsoft.com/office/drawing/2010/main" xmlns="" w="9525">
                   <a:solidFill>
                     <a:srgbClr val="000000"/>
                   </a:solidFill>
@@ -1050,7 +1050,7 @@
             </a:ln>
             <a:extLst>
               <a:ext uri="{91240B29-F687-4f45-9708-019B960494DF}">
-                <a14:hiddenLine xmlns="" xmlns:a14="http://schemas.microsoft.com/office/drawing/2010/main" w="9525">
+                <a14:hiddenLine xmlns:a14="http://schemas.microsoft.com/office/drawing/2010/main" xmlns="" w="9525">
                   <a:solidFill>
                     <a:srgbClr val="000000"/>
                   </a:solidFill>
@@ -1112,7 +1112,7 @@
             </a:ln>
             <a:extLst>
               <a:ext uri="{91240B29-F687-4f45-9708-019B960494DF}">
-                <a14:hiddenLine xmlns="" xmlns:a14="http://schemas.microsoft.com/office/drawing/2010/main" w="9525">
+                <a14:hiddenLine xmlns:a14="http://schemas.microsoft.com/office/drawing/2010/main" xmlns="" w="9525">
                   <a:solidFill>
                     <a:srgbClr val="000000"/>
                   </a:solidFill>
@@ -1222,7 +1222,7 @@
             </a:ln>
             <a:extLst>
               <a:ext uri="{91240B29-F687-4f45-9708-019B960494DF}">
-                <a14:hiddenLine xmlns="" xmlns:a14="http://schemas.microsoft.com/office/drawing/2010/main" w="9525">
+                <a14:hiddenLine xmlns:a14="http://schemas.microsoft.com/office/drawing/2010/main" xmlns="" w="9525">
                   <a:solidFill>
                     <a:srgbClr val="000000"/>
                   </a:solidFill>
@@ -1284,7 +1284,7 @@
             </a:ln>
             <a:extLst>
               <a:ext uri="{91240B29-F687-4f45-9708-019B960494DF}">
-                <a14:hiddenLine xmlns="" xmlns:a14="http://schemas.microsoft.com/office/drawing/2010/main" w="9525">
+                <a14:hiddenLine xmlns:a14="http://schemas.microsoft.com/office/drawing/2010/main" xmlns="" w="9525">
                   <a:solidFill>
                     <a:srgbClr val="000000"/>
                   </a:solidFill>
@@ -1374,7 +1374,7 @@
             </a:ln>
             <a:extLst>
               <a:ext uri="{91240B29-F687-4f45-9708-019B960494DF}">
-                <a14:hiddenLine xmlns="" xmlns:a14="http://schemas.microsoft.com/office/drawing/2010/main" w="9525">
+                <a14:hiddenLine xmlns:a14="http://schemas.microsoft.com/office/drawing/2010/main" xmlns="" w="9525">
                   <a:solidFill>
                     <a:srgbClr val="000000"/>
                   </a:solidFill>
@@ -1464,7 +1464,7 @@
             </a:ln>
             <a:extLst>
               <a:ext uri="{91240B29-F687-4f45-9708-019B960494DF}">
-                <a14:hiddenLine xmlns="" xmlns:a14="http://schemas.microsoft.com/office/drawing/2010/main" w="9525">
+                <a14:hiddenLine xmlns:a14="http://schemas.microsoft.com/office/drawing/2010/main" xmlns="" w="9525">
                   <a:solidFill>
                     <a:srgbClr val="000000"/>
                   </a:solidFill>
@@ -1526,7 +1526,7 @@
             </a:ln>
             <a:extLst>
               <a:ext uri="{91240B29-F687-4f45-9708-019B960494DF}">
-                <a14:hiddenLine xmlns="" xmlns:a14="http://schemas.microsoft.com/office/drawing/2010/main" w="9525">
+                <a14:hiddenLine xmlns:a14="http://schemas.microsoft.com/office/drawing/2010/main" xmlns="" w="9525">
                   <a:solidFill>
                     <a:srgbClr val="000000"/>
                   </a:solidFill>
@@ -1616,7 +1616,7 @@
             </a:ln>
             <a:extLst>
               <a:ext uri="{91240B29-F687-4f45-9708-019B960494DF}">
-                <a14:hiddenLine xmlns="" xmlns:a14="http://schemas.microsoft.com/office/drawing/2010/main" w="9525">
+                <a14:hiddenLine xmlns:a14="http://schemas.microsoft.com/office/drawing/2010/main" xmlns="" w="9525">
                   <a:solidFill>
                     <a:srgbClr val="000000"/>
                   </a:solidFill>
@@ -1706,7 +1706,7 @@
             </a:ln>
             <a:extLst>
               <a:ext uri="{91240B29-F687-4f45-9708-019B960494DF}">
-                <a14:hiddenLine xmlns="" xmlns:a14="http://schemas.microsoft.com/office/drawing/2010/main" w="9525">
+                <a14:hiddenLine xmlns:a14="http://schemas.microsoft.com/office/drawing/2010/main" xmlns="" w="9525">
                   <a:solidFill>
                     <a:srgbClr val="000000"/>
                   </a:solidFill>
@@ -1762,7 +1762,7 @@
             </a:ln>
             <a:extLst>
               <a:ext uri="{91240B29-F687-4f45-9708-019B960494DF}">
-                <a14:hiddenLine xmlns="" xmlns:a14="http://schemas.microsoft.com/office/drawing/2010/main" w="9525">
+                <a14:hiddenLine xmlns:a14="http://schemas.microsoft.com/office/drawing/2010/main" xmlns="" w="9525">
                   <a:solidFill>
                     <a:srgbClr val="000000"/>
                   </a:solidFill>
@@ -1852,7 +1852,7 @@
             </a:ln>
             <a:extLst>
               <a:ext uri="{91240B29-F687-4f45-9708-019B960494DF}">
-                <a14:hiddenLine xmlns="" xmlns:a14="http://schemas.microsoft.com/office/drawing/2010/main" w="9525">
+                <a14:hiddenLine xmlns:a14="http://schemas.microsoft.com/office/drawing/2010/main" xmlns="" w="9525">
                   <a:solidFill>
                     <a:srgbClr val="000000"/>
                   </a:solidFill>
@@ -1908,7 +1908,7 @@
             </a:ln>
             <a:extLst>
               <a:ext uri="{91240B29-F687-4f45-9708-019B960494DF}">
-                <a14:hiddenLine xmlns="" xmlns:a14="http://schemas.microsoft.com/office/drawing/2010/main" w="9525">
+                <a14:hiddenLine xmlns:a14="http://schemas.microsoft.com/office/drawing/2010/main" xmlns="" w="9525">
                   <a:solidFill>
                     <a:srgbClr val="000000"/>
                   </a:solidFill>
@@ -1998,7 +1998,7 @@
             </a:ln>
             <a:extLst>
               <a:ext uri="{91240B29-F687-4f45-9708-019B960494DF}">
-                <a14:hiddenLine xmlns="" xmlns:a14="http://schemas.microsoft.com/office/drawing/2010/main" w="9525">
+                <a14:hiddenLine xmlns:a14="http://schemas.microsoft.com/office/drawing/2010/main" xmlns="" w="9525">
                   <a:solidFill>
                     <a:srgbClr val="000000"/>
                   </a:solidFill>
@@ -2066,7 +2066,7 @@
             </a:ln>
             <a:extLst>
               <a:ext uri="{91240B29-F687-4f45-9708-019B960494DF}">
-                <a14:hiddenLine xmlns="" xmlns:a14="http://schemas.microsoft.com/office/drawing/2010/main" w="9525">
+                <a14:hiddenLine xmlns:a14="http://schemas.microsoft.com/office/drawing/2010/main" xmlns="" w="9525">
                   <a:solidFill>
                     <a:srgbClr val="000000"/>
                   </a:solidFill>
@@ -2156,7 +2156,7 @@
             </a:ln>
             <a:extLst>
               <a:ext uri="{91240B29-F687-4f45-9708-019B960494DF}">
-                <a14:hiddenLine xmlns="" xmlns:a14="http://schemas.microsoft.com/office/drawing/2010/main" w="9525">
+                <a14:hiddenLine xmlns:a14="http://schemas.microsoft.com/office/drawing/2010/main" xmlns="" w="9525">
                   <a:solidFill>
                     <a:srgbClr val="000000"/>
                   </a:solidFill>
@@ -2224,7 +2224,7 @@
             </a:ln>
             <a:extLst>
               <a:ext uri="{91240B29-F687-4f45-9708-019B960494DF}">
-                <a14:hiddenLine xmlns="" xmlns:a14="http://schemas.microsoft.com/office/drawing/2010/main" w="9525">
+                <a14:hiddenLine xmlns:a14="http://schemas.microsoft.com/office/drawing/2010/main" xmlns="" w="9525">
                   <a:solidFill>
                     <a:srgbClr val="000000"/>
                   </a:solidFill>
@@ -2314,7 +2314,7 @@
             </a:ln>
             <a:extLst>
               <a:ext uri="{91240B29-F687-4f45-9708-019B960494DF}">
-                <a14:hiddenLine xmlns="" xmlns:a14="http://schemas.microsoft.com/office/drawing/2010/main" w="9525">
+                <a14:hiddenLine xmlns:a14="http://schemas.microsoft.com/office/drawing/2010/main" xmlns="" w="9525">
                   <a:solidFill>
                     <a:srgbClr val="000000"/>
                   </a:solidFill>
@@ -2348,7 +2348,7 @@
             </a:ln>
             <a:extLst>
               <a:ext uri="{91240B29-F687-4f45-9708-019B960494DF}">
-                <a14:hiddenLine xmlns="" xmlns:a14="http://schemas.microsoft.com/office/drawing/2010/main" w="9525">
+                <a14:hiddenLine xmlns:a14="http://schemas.microsoft.com/office/drawing/2010/main" xmlns="" w="9525">
                   <a:solidFill>
                     <a:srgbClr val="000000"/>
                   </a:solidFill>
@@ -2438,7 +2438,7 @@
             </a:ln>
             <a:extLst>
               <a:ext uri="{91240B29-F687-4f45-9708-019B960494DF}">
-                <a14:hiddenLine xmlns="" xmlns:a14="http://schemas.microsoft.com/office/drawing/2010/main" w="9525">
+                <a14:hiddenLine xmlns:a14="http://schemas.microsoft.com/office/drawing/2010/main" xmlns="" w="9525">
                   <a:solidFill>
                     <a:srgbClr val="000000"/>
                   </a:solidFill>
@@ -2500,7 +2500,7 @@
             </a:ln>
             <a:extLst>
               <a:ext uri="{91240B29-F687-4f45-9708-019B960494DF}">
-                <a14:hiddenLine xmlns="" xmlns:a14="http://schemas.microsoft.com/office/drawing/2010/main" w="9525">
+                <a14:hiddenLine xmlns:a14="http://schemas.microsoft.com/office/drawing/2010/main" xmlns="" w="9525">
                   <a:solidFill>
                     <a:srgbClr val="000000"/>
                   </a:solidFill>
@@ -2562,7 +2562,7 @@
             </a:ln>
             <a:extLst>
               <a:ext uri="{91240B29-F687-4f45-9708-019B960494DF}">
-                <a14:hiddenLine xmlns="" xmlns:a14="http://schemas.microsoft.com/office/drawing/2010/main" w="9525">
+                <a14:hiddenLine xmlns:a14="http://schemas.microsoft.com/office/drawing/2010/main" xmlns="" w="9525">
                   <a:solidFill>
                     <a:srgbClr val="000000"/>
                   </a:solidFill>
@@ -2652,7 +2652,7 @@
             </a:ln>
             <a:extLst>
               <a:ext uri="{91240B29-F687-4f45-9708-019B960494DF}">
-                <a14:hiddenLine xmlns="" xmlns:a14="http://schemas.microsoft.com/office/drawing/2010/main" w="9525">
+                <a14:hiddenLine xmlns:a14="http://schemas.microsoft.com/office/drawing/2010/main" xmlns="" w="9525">
                   <a:solidFill>
                     <a:srgbClr val="000000"/>
                   </a:solidFill>
@@ -2720,7 +2720,7 @@
             </a:ln>
             <a:extLst>
               <a:ext uri="{91240B29-F687-4f45-9708-019B960494DF}">
-                <a14:hiddenLine xmlns="" xmlns:a14="http://schemas.microsoft.com/office/drawing/2010/main" w="9525">
+                <a14:hiddenLine xmlns:a14="http://schemas.microsoft.com/office/drawing/2010/main" xmlns="" w="9525">
                   <a:solidFill>
                     <a:srgbClr val="000000"/>
                   </a:solidFill>
@@ -2782,7 +2782,7 @@
             </a:ln>
             <a:extLst>
               <a:ext uri="{91240B29-F687-4f45-9708-019B960494DF}">
-                <a14:hiddenLine xmlns="" xmlns:a14="http://schemas.microsoft.com/office/drawing/2010/main" w="9525">
+                <a14:hiddenLine xmlns:a14="http://schemas.microsoft.com/office/drawing/2010/main" xmlns="" w="9525">
                   <a:solidFill>
                     <a:srgbClr val="000000"/>
                   </a:solidFill>
@@ -2872,7 +2872,7 @@
             </a:ln>
             <a:extLst>
               <a:ext uri="{91240B29-F687-4f45-9708-019B960494DF}">
-                <a14:hiddenLine xmlns="" xmlns:a14="http://schemas.microsoft.com/office/drawing/2010/main" w="9525">
+                <a14:hiddenLine xmlns:a14="http://schemas.microsoft.com/office/drawing/2010/main" xmlns="" w="9525">
                   <a:solidFill>
                     <a:srgbClr val="000000"/>
                   </a:solidFill>
@@ -2934,7 +2934,7 @@
             </a:ln>
             <a:extLst>
               <a:ext uri="{91240B29-F687-4f45-9708-019B960494DF}">
-                <a14:hiddenLine xmlns="" xmlns:a14="http://schemas.microsoft.com/office/drawing/2010/main" w="9525">
+                <a14:hiddenLine xmlns:a14="http://schemas.microsoft.com/office/drawing/2010/main" xmlns="" w="9525">
                   <a:solidFill>
                     <a:srgbClr val="000000"/>
                   </a:solidFill>
@@ -3024,7 +3024,7 @@
             </a:ln>
             <a:extLst>
               <a:ext uri="{91240B29-F687-4f45-9708-019B960494DF}">
-                <a14:hiddenLine xmlns="" xmlns:a14="http://schemas.microsoft.com/office/drawing/2010/main" w="9525">
+                <a14:hiddenLine xmlns:a14="http://schemas.microsoft.com/office/drawing/2010/main" xmlns="" w="9525">
                   <a:solidFill>
                     <a:srgbClr val="000000"/>
                   </a:solidFill>
@@ -3086,7 +3086,7 @@
             </a:ln>
             <a:extLst>
               <a:ext uri="{91240B29-F687-4f45-9708-019B960494DF}">
-                <a14:hiddenLine xmlns="" xmlns:a14="http://schemas.microsoft.com/office/drawing/2010/main" w="9525">
+                <a14:hiddenLine xmlns:a14="http://schemas.microsoft.com/office/drawing/2010/main" xmlns="" w="9525">
                   <a:solidFill>
                     <a:srgbClr val="000000"/>
                   </a:solidFill>
@@ -3176,7 +3176,7 @@
             </a:ln>
             <a:extLst>
               <a:ext uri="{91240B29-F687-4f45-9708-019B960494DF}">
-                <a14:hiddenLine xmlns="" xmlns:a14="http://schemas.microsoft.com/office/drawing/2010/main" w="9525">
+                <a14:hiddenLine xmlns:a14="http://schemas.microsoft.com/office/drawing/2010/main" xmlns="" w="9525">
                   <a:solidFill>
                     <a:srgbClr val="000000"/>
                   </a:solidFill>
@@ -3210,7 +3210,7 @@
             </a:ln>
             <a:extLst>
               <a:ext uri="{91240B29-F687-4f45-9708-019B960494DF}">
-                <a14:hiddenLine xmlns="" xmlns:a14="http://schemas.microsoft.com/office/drawing/2010/main" w="9525">
+                <a14:hiddenLine xmlns:a14="http://schemas.microsoft.com/office/drawing/2010/main" xmlns="" w="9525">
                   <a:solidFill>
                     <a:srgbClr val="000000"/>
                   </a:solidFill>
@@ -3275,7 +3275,7 @@
             </a:ln>
             <a:extLst>
               <a:ext uri="{91240B29-F687-4f45-9708-019B960494DF}">
-                <a14:hiddenLine xmlns="" xmlns:a14="http://schemas.microsoft.com/office/drawing/2010/main" w="9525">
+                <a14:hiddenLine xmlns:a14="http://schemas.microsoft.com/office/drawing/2010/main" xmlns="" w="9525">
                   <a:solidFill>
                     <a:srgbClr val="000000"/>
                   </a:solidFill>
@@ -3365,7 +3365,7 @@
             </a:ln>
             <a:extLst>
               <a:ext uri="{91240B29-F687-4f45-9708-019B960494DF}">
-                <a14:hiddenLine xmlns="" xmlns:a14="http://schemas.microsoft.com/office/drawing/2010/main" w="9525">
+                <a14:hiddenLine xmlns:a14="http://schemas.microsoft.com/office/drawing/2010/main" xmlns="" w="9525">
                   <a:solidFill>
                     <a:srgbClr val="000000"/>
                   </a:solidFill>
@@ -3427,7 +3427,7 @@
             </a:ln>
             <a:extLst>
               <a:ext uri="{91240B29-F687-4f45-9708-019B960494DF}">
-                <a14:hiddenLine xmlns="" xmlns:a14="http://schemas.microsoft.com/office/drawing/2010/main" w="9525">
+                <a14:hiddenLine xmlns:a14="http://schemas.microsoft.com/office/drawing/2010/main" xmlns="" w="9525">
                   <a:solidFill>
                     <a:srgbClr val="000000"/>
                   </a:solidFill>
@@ -3517,7 +3517,7 @@
             </a:ln>
             <a:extLst>
               <a:ext uri="{91240B29-F687-4f45-9708-019B960494DF}">
-                <a14:hiddenLine xmlns="" xmlns:a14="http://schemas.microsoft.com/office/drawing/2010/main" w="9525">
+                <a14:hiddenLine xmlns:a14="http://schemas.microsoft.com/office/drawing/2010/main" xmlns="" w="9525">
                   <a:solidFill>
                     <a:srgbClr val="000000"/>
                   </a:solidFill>
@@ -3607,7 +3607,7 @@
             </a:ln>
             <a:extLst>
               <a:ext uri="{91240B29-F687-4f45-9708-019B960494DF}">
-                <a14:hiddenLine xmlns="" xmlns:a14="http://schemas.microsoft.com/office/drawing/2010/main" w="9525">
+                <a14:hiddenLine xmlns:a14="http://schemas.microsoft.com/office/drawing/2010/main" xmlns="" w="9525">
                   <a:solidFill>
                     <a:srgbClr val="000000"/>
                   </a:solidFill>
@@ -3672,7 +3672,7 @@
             </a:ln>
             <a:extLst>
               <a:ext uri="{91240B29-F687-4f45-9708-019B960494DF}">
-                <a14:hiddenLine xmlns="" xmlns:a14="http://schemas.microsoft.com/office/drawing/2010/main" w="9525">
+                <a14:hiddenLine xmlns:a14="http://schemas.microsoft.com/office/drawing/2010/main" xmlns="" w="9525">
                   <a:solidFill>
                     <a:srgbClr val="000000"/>
                   </a:solidFill>
@@ -3734,7 +3734,7 @@
             </a:ln>
             <a:extLst>
               <a:ext uri="{91240B29-F687-4f45-9708-019B960494DF}">
-                <a14:hiddenLine xmlns="" xmlns:a14="http://schemas.microsoft.com/office/drawing/2010/main" w="9525">
+                <a14:hiddenLine xmlns:a14="http://schemas.microsoft.com/office/drawing/2010/main" xmlns="" w="9525">
                   <a:solidFill>
                     <a:srgbClr val="000000"/>
                   </a:solidFill>
@@ -3824,7 +3824,7 @@
             </a:ln>
             <a:extLst>
               <a:ext uri="{91240B29-F687-4f45-9708-019B960494DF}">
-                <a14:hiddenLine xmlns="" xmlns:a14="http://schemas.microsoft.com/office/drawing/2010/main" w="9525">
+                <a14:hiddenLine xmlns:a14="http://schemas.microsoft.com/office/drawing/2010/main" xmlns="" w="9525">
                   <a:solidFill>
                     <a:srgbClr val="000000"/>
                   </a:solidFill>
@@ -3914,7 +3914,7 @@
             </a:ln>
             <a:extLst>
               <a:ext uri="{91240B29-F687-4f45-9708-019B960494DF}">
-                <a14:hiddenLine xmlns="" xmlns:a14="http://schemas.microsoft.com/office/drawing/2010/main" w="9525">
+                <a14:hiddenLine xmlns:a14="http://schemas.microsoft.com/office/drawing/2010/main" xmlns="" w="9525">
                   <a:solidFill>
                     <a:srgbClr val="000000"/>
                   </a:solidFill>
@@ -3976,7 +3976,7 @@
             </a:ln>
             <a:extLst>
               <a:ext uri="{91240B29-F687-4f45-9708-019B960494DF}">
-                <a14:hiddenLine xmlns="" xmlns:a14="http://schemas.microsoft.com/office/drawing/2010/main" w="9525">
+                <a14:hiddenLine xmlns:a14="http://schemas.microsoft.com/office/drawing/2010/main" xmlns="" w="9525">
                   <a:solidFill>
                     <a:srgbClr val="000000"/>
                   </a:solidFill>
@@ -4096,7 +4096,7 @@
             </a:ln>
             <a:extLst>
               <a:ext uri="{91240B29-F687-4f45-9708-019B960494DF}">
-                <a14:hiddenLine xmlns="" xmlns:a14="http://schemas.microsoft.com/office/drawing/2010/main" w="9525">
+                <a14:hiddenLine xmlns:a14="http://schemas.microsoft.com/office/drawing/2010/main" xmlns="" w="9525">
                   <a:solidFill>
                     <a:srgbClr val="000000"/>
                   </a:solidFill>
@@ -4164,7 +4164,7 @@
             </a:ln>
             <a:extLst>
               <a:ext uri="{91240B29-F687-4f45-9708-019B960494DF}">
-                <a14:hiddenLine xmlns="" xmlns:a14="http://schemas.microsoft.com/office/drawing/2010/main" w="9525">
+                <a14:hiddenLine xmlns:a14="http://schemas.microsoft.com/office/drawing/2010/main" xmlns="" w="9525">
                   <a:solidFill>
                     <a:srgbClr val="000000"/>
                   </a:solidFill>
@@ -4254,7 +4254,7 @@
             </a:ln>
             <a:extLst>
               <a:ext uri="{91240B29-F687-4f45-9708-019B960494DF}">
-                <a14:hiddenLine xmlns="" xmlns:a14="http://schemas.microsoft.com/office/drawing/2010/main" w="9525">
+                <a14:hiddenLine xmlns:a14="http://schemas.microsoft.com/office/drawing/2010/main" xmlns="" w="9525">
                   <a:solidFill>
                     <a:srgbClr val="000000"/>
                   </a:solidFill>
@@ -9061,7 +9061,7 @@
           <a:noFill/>
           <a:extLst>
             <a:ext uri="{909E8E84-426E-40dd-AFC4-6F175D3DCCD1}">
-              <a14:hiddenFill xmlns="" xmlns:a14="http://schemas.microsoft.com/office/drawing/2010/main">
+              <a14:hiddenFill xmlns:a14="http://schemas.microsoft.com/office/drawing/2010/main" xmlns="">
                 <a:solidFill>
                   <a:srgbClr val="FFFFFF"/>
                 </a:solidFill>
@@ -9135,7 +9135,7 @@
               </a:ln>
               <a:extLst>
                 <a:ext uri="{91240B29-F687-4f45-9708-019B960494DF}">
-                  <a14:hiddenLine xmlns="" xmlns:a14="http://schemas.microsoft.com/office/drawing/2010/main" w="9525">
+                  <a14:hiddenLine xmlns:a14="http://schemas.microsoft.com/office/drawing/2010/main" xmlns="" w="9525">
                     <a:solidFill>
                       <a:srgbClr val="000000"/>
                     </a:solidFill>
@@ -9225,7 +9225,7 @@
               </a:ln>
               <a:extLst>
                 <a:ext uri="{91240B29-F687-4f45-9708-019B960494DF}">
-                  <a14:hiddenLine xmlns="" xmlns:a14="http://schemas.microsoft.com/office/drawing/2010/main" w="9525">
+                  <a14:hiddenLine xmlns:a14="http://schemas.microsoft.com/office/drawing/2010/main" xmlns="" w="9525">
                     <a:solidFill>
                       <a:srgbClr val="000000"/>
                     </a:solidFill>
@@ -9315,7 +9315,7 @@
               </a:ln>
               <a:extLst>
                 <a:ext uri="{91240B29-F687-4f45-9708-019B960494DF}">
-                  <a14:hiddenLine xmlns="" xmlns:a14="http://schemas.microsoft.com/office/drawing/2010/main" w="9525">
+                  <a14:hiddenLine xmlns:a14="http://schemas.microsoft.com/office/drawing/2010/main" xmlns="" w="9525">
                     <a:solidFill>
                       <a:srgbClr val="000000"/>
                     </a:solidFill>
@@ -9377,7 +9377,7 @@
               </a:ln>
               <a:extLst>
                 <a:ext uri="{91240B29-F687-4f45-9708-019B960494DF}">
-                  <a14:hiddenLine xmlns="" xmlns:a14="http://schemas.microsoft.com/office/drawing/2010/main" w="9525">
+                  <a14:hiddenLine xmlns:a14="http://schemas.microsoft.com/office/drawing/2010/main" xmlns="" w="9525">
                     <a:solidFill>
                       <a:srgbClr val="000000"/>
                     </a:solidFill>
@@ -9467,7 +9467,7 @@
               </a:ln>
               <a:extLst>
                 <a:ext uri="{91240B29-F687-4f45-9708-019B960494DF}">
-                  <a14:hiddenLine xmlns="" xmlns:a14="http://schemas.microsoft.com/office/drawing/2010/main" w="9525">
+                  <a14:hiddenLine xmlns:a14="http://schemas.microsoft.com/office/drawing/2010/main" xmlns="" w="9525">
                     <a:solidFill>
                       <a:srgbClr val="000000"/>
                     </a:solidFill>
@@ -9529,7 +9529,7 @@
               </a:ln>
               <a:extLst>
                 <a:ext uri="{91240B29-F687-4f45-9708-019B960494DF}">
-                  <a14:hiddenLine xmlns="" xmlns:a14="http://schemas.microsoft.com/office/drawing/2010/main" w="9525">
+                  <a14:hiddenLine xmlns:a14="http://schemas.microsoft.com/office/drawing/2010/main" xmlns="" w="9525">
                     <a:solidFill>
                       <a:srgbClr val="000000"/>
                     </a:solidFill>
@@ -9591,7 +9591,7 @@
               </a:ln>
               <a:extLst>
                 <a:ext uri="{91240B29-F687-4f45-9708-019B960494DF}">
-                  <a14:hiddenLine xmlns="" xmlns:a14="http://schemas.microsoft.com/office/drawing/2010/main" w="9525">
+                  <a14:hiddenLine xmlns:a14="http://schemas.microsoft.com/office/drawing/2010/main" xmlns="" w="9525">
                     <a:solidFill>
                       <a:srgbClr val="000000"/>
                     </a:solidFill>
@@ -9681,7 +9681,7 @@
               </a:ln>
               <a:extLst>
                 <a:ext uri="{91240B29-F687-4f45-9708-019B960494DF}">
-                  <a14:hiddenLine xmlns="" xmlns:a14="http://schemas.microsoft.com/office/drawing/2010/main" w="9525">
+                  <a14:hiddenLine xmlns:a14="http://schemas.microsoft.com/office/drawing/2010/main" xmlns="" w="9525">
                     <a:solidFill>
                       <a:srgbClr val="000000"/>
                     </a:solidFill>
@@ -9771,7 +9771,7 @@
               </a:ln>
               <a:extLst>
                 <a:ext uri="{91240B29-F687-4f45-9708-019B960494DF}">
-                  <a14:hiddenLine xmlns="" xmlns:a14="http://schemas.microsoft.com/office/drawing/2010/main" w="9525">
+                  <a14:hiddenLine xmlns:a14="http://schemas.microsoft.com/office/drawing/2010/main" xmlns="" w="9525">
                     <a:solidFill>
                       <a:srgbClr val="000000"/>
                     </a:solidFill>
@@ -9833,7 +9833,7 @@
               </a:ln>
               <a:extLst>
                 <a:ext uri="{91240B29-F687-4f45-9708-019B960494DF}">
-                  <a14:hiddenLine xmlns="" xmlns:a14="http://schemas.microsoft.com/office/drawing/2010/main" w="9525">
+                  <a14:hiddenLine xmlns:a14="http://schemas.microsoft.com/office/drawing/2010/main" xmlns="" w="9525">
                     <a:solidFill>
                       <a:srgbClr val="000000"/>
                     </a:solidFill>
@@ -9943,7 +9943,7 @@
               </a:ln>
               <a:extLst>
                 <a:ext uri="{91240B29-F687-4f45-9708-019B960494DF}">
-                  <a14:hiddenLine xmlns="" xmlns:a14="http://schemas.microsoft.com/office/drawing/2010/main" w="9525">
+                  <a14:hiddenLine xmlns:a14="http://schemas.microsoft.com/office/drawing/2010/main" xmlns="" w="9525">
                     <a:solidFill>
                       <a:srgbClr val="000000"/>
                     </a:solidFill>
@@ -10027,7 +10027,7 @@
               </a:ln>
               <a:extLst>
                 <a:ext uri="{91240B29-F687-4f45-9708-019B960494DF}">
-                  <a14:hiddenLine xmlns="" xmlns:a14="http://schemas.microsoft.com/office/drawing/2010/main" w="9525">
+                  <a14:hiddenLine xmlns:a14="http://schemas.microsoft.com/office/drawing/2010/main" xmlns="" w="9525">
                     <a:solidFill>
                       <a:srgbClr val="000000"/>
                     </a:solidFill>
@@ -10089,7 +10089,7 @@
               </a:ln>
               <a:extLst>
                 <a:ext uri="{91240B29-F687-4f45-9708-019B960494DF}">
-                  <a14:hiddenLine xmlns="" xmlns:a14="http://schemas.microsoft.com/office/drawing/2010/main" w="9525">
+                  <a14:hiddenLine xmlns:a14="http://schemas.microsoft.com/office/drawing/2010/main" xmlns="" w="9525">
                     <a:solidFill>
                       <a:srgbClr val="000000"/>
                     </a:solidFill>
@@ -10151,7 +10151,7 @@
               </a:ln>
               <a:extLst>
                 <a:ext uri="{91240B29-F687-4f45-9708-019B960494DF}">
-                  <a14:hiddenLine xmlns="" xmlns:a14="http://schemas.microsoft.com/office/drawing/2010/main" w="9525">
+                  <a14:hiddenLine xmlns:a14="http://schemas.microsoft.com/office/drawing/2010/main" xmlns="" w="9525">
                     <a:solidFill>
                       <a:srgbClr val="000000"/>
                     </a:solidFill>
@@ -10241,7 +10241,7 @@
               </a:ln>
               <a:extLst>
                 <a:ext uri="{91240B29-F687-4f45-9708-019B960494DF}">
-                  <a14:hiddenLine xmlns="" xmlns:a14="http://schemas.microsoft.com/office/drawing/2010/main" w="9525">
+                  <a14:hiddenLine xmlns:a14="http://schemas.microsoft.com/office/drawing/2010/main" xmlns="" w="9525">
                     <a:solidFill>
                       <a:srgbClr val="000000"/>
                     </a:solidFill>
@@ -10275,7 +10275,7 @@
               </a:ln>
               <a:extLst>
                 <a:ext uri="{91240B29-F687-4f45-9708-019B960494DF}">
-                  <a14:hiddenLine xmlns="" xmlns:a14="http://schemas.microsoft.com/office/drawing/2010/main" w="9525">
+                  <a14:hiddenLine xmlns:a14="http://schemas.microsoft.com/office/drawing/2010/main" xmlns="" w="9525">
                     <a:solidFill>
                       <a:srgbClr val="000000"/>
                     </a:solidFill>
@@ -10340,7 +10340,7 @@
               </a:ln>
               <a:extLst>
                 <a:ext uri="{91240B29-F687-4f45-9708-019B960494DF}">
-                  <a14:hiddenLine xmlns="" xmlns:a14="http://schemas.microsoft.com/office/drawing/2010/main" w="9525">
+                  <a14:hiddenLine xmlns:a14="http://schemas.microsoft.com/office/drawing/2010/main" xmlns="" w="9525">
                     <a:solidFill>
                       <a:srgbClr val="000000"/>
                     </a:solidFill>
@@ -10430,7 +10430,7 @@
               </a:ln>
               <a:extLst>
                 <a:ext uri="{91240B29-F687-4f45-9708-019B960494DF}">
-                  <a14:hiddenLine xmlns="" xmlns:a14="http://schemas.microsoft.com/office/drawing/2010/main" w="9525">
+                  <a14:hiddenLine xmlns:a14="http://schemas.microsoft.com/office/drawing/2010/main" xmlns="" w="9525">
                     <a:solidFill>
                       <a:srgbClr val="000000"/>
                     </a:solidFill>
@@ -10492,7 +10492,7 @@
               </a:ln>
               <a:extLst>
                 <a:ext uri="{91240B29-F687-4f45-9708-019B960494DF}">
-                  <a14:hiddenLine xmlns="" xmlns:a14="http://schemas.microsoft.com/office/drawing/2010/main" w="9525">
+                  <a14:hiddenLine xmlns:a14="http://schemas.microsoft.com/office/drawing/2010/main" xmlns="" w="9525">
                     <a:solidFill>
                       <a:srgbClr val="000000"/>
                     </a:solidFill>
@@ -10582,7 +10582,7 @@
               </a:ln>
               <a:extLst>
                 <a:ext uri="{91240B29-F687-4f45-9708-019B960494DF}">
-                  <a14:hiddenLine xmlns="" xmlns:a14="http://schemas.microsoft.com/office/drawing/2010/main" w="9525">
+                  <a14:hiddenLine xmlns:a14="http://schemas.microsoft.com/office/drawing/2010/main" xmlns="" w="9525">
                     <a:solidFill>
                       <a:srgbClr val="000000"/>
                     </a:solidFill>
@@ -10647,7 +10647,7 @@
               </a:ln>
               <a:extLst>
                 <a:ext uri="{91240B29-F687-4f45-9708-019B960494DF}">
-                  <a14:hiddenLine xmlns="" xmlns:a14="http://schemas.microsoft.com/office/drawing/2010/main" w="9525">
+                  <a14:hiddenLine xmlns:a14="http://schemas.microsoft.com/office/drawing/2010/main" xmlns="" w="9525">
                     <a:solidFill>
                       <a:srgbClr val="000000"/>
                     </a:solidFill>
@@ -10709,7 +10709,7 @@
               </a:ln>
               <a:extLst>
                 <a:ext uri="{91240B29-F687-4f45-9708-019B960494DF}">
-                  <a14:hiddenLine xmlns="" xmlns:a14="http://schemas.microsoft.com/office/drawing/2010/main" w="9525">
+                  <a14:hiddenLine xmlns:a14="http://schemas.microsoft.com/office/drawing/2010/main" xmlns="" w="9525">
                     <a:solidFill>
                       <a:srgbClr val="000000"/>
                     </a:solidFill>
@@ -10799,7 +10799,7 @@
               </a:ln>
               <a:extLst>
                 <a:ext uri="{91240B29-F687-4f45-9708-019B960494DF}">
-                  <a14:hiddenLine xmlns="" xmlns:a14="http://schemas.microsoft.com/office/drawing/2010/main" w="9525">
+                  <a14:hiddenLine xmlns:a14="http://schemas.microsoft.com/office/drawing/2010/main" xmlns="" w="9525">
                     <a:solidFill>
                       <a:srgbClr val="000000"/>
                     </a:solidFill>
@@ -10889,7 +10889,7 @@
               </a:ln>
               <a:extLst>
                 <a:ext uri="{91240B29-F687-4f45-9708-019B960494DF}">
-                  <a14:hiddenLine xmlns="" xmlns:a14="http://schemas.microsoft.com/office/drawing/2010/main" w="9525">
+                  <a14:hiddenLine xmlns:a14="http://schemas.microsoft.com/office/drawing/2010/main" xmlns="" w="9525">
                     <a:solidFill>
                       <a:srgbClr val="000000"/>
                     </a:solidFill>
@@ -10954,7 +10954,7 @@
               </a:ln>
               <a:extLst>
                 <a:ext uri="{91240B29-F687-4f45-9708-019B960494DF}">
-                  <a14:hiddenLine xmlns="" xmlns:a14="http://schemas.microsoft.com/office/drawing/2010/main" w="9525">
+                  <a14:hiddenLine xmlns:a14="http://schemas.microsoft.com/office/drawing/2010/main" xmlns="" w="9525">
                     <a:solidFill>
                       <a:srgbClr val="000000"/>
                     </a:solidFill>
@@ -11074,7 +11074,7 @@
               </a:ln>
               <a:extLst>
                 <a:ext uri="{91240B29-F687-4f45-9708-019B960494DF}">
-                  <a14:hiddenLine xmlns="" xmlns:a14="http://schemas.microsoft.com/office/drawing/2010/main" w="9525">
+                  <a14:hiddenLine xmlns:a14="http://schemas.microsoft.com/office/drawing/2010/main" xmlns="" w="9525">
                     <a:solidFill>
                       <a:srgbClr val="000000"/>
                     </a:solidFill>
@@ -11172,7 +11172,7 @@
               </a:ln>
               <a:extLst>
                 <a:ext uri="{91240B29-F687-4f45-9708-019B960494DF}">
-                  <a14:hiddenLine xmlns="" xmlns:a14="http://schemas.microsoft.com/office/drawing/2010/main" w="9525">
+                  <a14:hiddenLine xmlns:a14="http://schemas.microsoft.com/office/drawing/2010/main" xmlns="" w="9525">
                     <a:solidFill>
                       <a:srgbClr val="000000"/>
                     </a:solidFill>
@@ -11287,7 +11287,7 @@
               </a:ln>
               <a:extLst>
                 <a:ext uri="{91240B29-F687-4f45-9708-019B960494DF}">
-                  <a14:hiddenLine xmlns="" xmlns:a14="http://schemas.microsoft.com/office/drawing/2010/main" w="9525">
+                  <a14:hiddenLine xmlns:a14="http://schemas.microsoft.com/office/drawing/2010/main" xmlns="" w="9525">
                     <a:solidFill>
                       <a:srgbClr val="000000"/>
                     </a:solidFill>
@@ -11377,7 +11377,7 @@
               </a:ln>
               <a:extLst>
                 <a:ext uri="{91240B29-F687-4f45-9708-019B960494DF}">
-                  <a14:hiddenLine xmlns="" xmlns:a14="http://schemas.microsoft.com/office/drawing/2010/main" w="9525">
+                  <a14:hiddenLine xmlns:a14="http://schemas.microsoft.com/office/drawing/2010/main" xmlns="" w="9525">
                     <a:solidFill>
                       <a:srgbClr val="000000"/>
                     </a:solidFill>
@@ -11442,7 +11442,7 @@
               </a:ln>
               <a:extLst>
                 <a:ext uri="{91240B29-F687-4f45-9708-019B960494DF}">
-                  <a14:hiddenLine xmlns="" xmlns:a14="http://schemas.microsoft.com/office/drawing/2010/main" w="9525">
+                  <a14:hiddenLine xmlns:a14="http://schemas.microsoft.com/office/drawing/2010/main" xmlns="" w="9525">
                     <a:solidFill>
                       <a:srgbClr val="000000"/>
                     </a:solidFill>
@@ -11532,7 +11532,7 @@
               </a:ln>
               <a:extLst>
                 <a:ext uri="{91240B29-F687-4f45-9708-019B960494DF}">
-                  <a14:hiddenLine xmlns="" xmlns:a14="http://schemas.microsoft.com/office/drawing/2010/main" w="9525">
+                  <a14:hiddenLine xmlns:a14="http://schemas.microsoft.com/office/drawing/2010/main" xmlns="" w="9525">
                     <a:solidFill>
                       <a:srgbClr val="000000"/>
                     </a:solidFill>
@@ -11600,7 +11600,7 @@
               </a:ln>
               <a:extLst>
                 <a:ext uri="{91240B29-F687-4f45-9708-019B960494DF}">
-                  <a14:hiddenLine xmlns="" xmlns:a14="http://schemas.microsoft.com/office/drawing/2010/main" w="9525">
+                  <a14:hiddenLine xmlns:a14="http://schemas.microsoft.com/office/drawing/2010/main" xmlns="" w="9525">
                     <a:solidFill>
                       <a:srgbClr val="000000"/>
                     </a:solidFill>
@@ -11690,7 +11690,7 @@
               </a:ln>
               <a:extLst>
                 <a:ext uri="{91240B29-F687-4f45-9708-019B960494DF}">
-                  <a14:hiddenLine xmlns="" xmlns:a14="http://schemas.microsoft.com/office/drawing/2010/main" w="9525">
+                  <a14:hiddenLine xmlns:a14="http://schemas.microsoft.com/office/drawing/2010/main" xmlns="" w="9525">
                     <a:solidFill>
                       <a:srgbClr val="000000"/>
                     </a:solidFill>
@@ -11758,7 +11758,7 @@
               </a:ln>
               <a:extLst>
                 <a:ext uri="{91240B29-F687-4f45-9708-019B960494DF}">
-                  <a14:hiddenLine xmlns="" xmlns:a14="http://schemas.microsoft.com/office/drawing/2010/main" w="9525">
+                  <a14:hiddenLine xmlns:a14="http://schemas.microsoft.com/office/drawing/2010/main" xmlns="" w="9525">
                     <a:solidFill>
                       <a:srgbClr val="000000"/>
                     </a:solidFill>
@@ -11848,7 +11848,7 @@
               </a:ln>
               <a:extLst>
                 <a:ext uri="{91240B29-F687-4f45-9708-019B960494DF}">
-                  <a14:hiddenLine xmlns="" xmlns:a14="http://schemas.microsoft.com/office/drawing/2010/main" w="9525">
+                  <a14:hiddenLine xmlns:a14="http://schemas.microsoft.com/office/drawing/2010/main" xmlns="" w="9525">
                     <a:solidFill>
                       <a:srgbClr val="000000"/>
                     </a:solidFill>
@@ -11882,7 +11882,7 @@
               </a:ln>
               <a:extLst>
                 <a:ext uri="{91240B29-F687-4f45-9708-019B960494DF}">
-                  <a14:hiddenLine xmlns="" xmlns:a14="http://schemas.microsoft.com/office/drawing/2010/main" w="9525">
+                  <a14:hiddenLine xmlns:a14="http://schemas.microsoft.com/office/drawing/2010/main" xmlns="" w="9525">
                     <a:solidFill>
                       <a:srgbClr val="000000"/>
                     </a:solidFill>
@@ -13646,6 +13646,21 @@
               <a:t>Any Questions?</a:t>
             </a:r>
           </a:p>
+          <a:p>
+            <a:pPr marL="0" indent="0">
+              <a:buNone/>
+            </a:pPr>
+            <a:endParaRPr lang="en-GB" dirty="0"/>
+          </a:p>
+          <a:p>
+            <a:pPr marL="0" indent="0">
+              <a:buNone/>
+            </a:pPr>
+            <a:r>
+              <a:rPr lang="en-GB" dirty="0"/>
+              <a:t>Simplify slides, less graphs, explain algorithms with diagrams not words</a:t>
+            </a:r>
+          </a:p>
         </p:txBody>
       </p:sp>
     </p:spTree>

--- a/Parth viva presentation.pptx
+++ b/Parth viva presentation.pptx
@@ -8,10 +8,11 @@
     <p:sldId id="256" r:id="rId2"/>
     <p:sldId id="257" r:id="rId3"/>
     <p:sldId id="258" r:id="rId4"/>
-    <p:sldId id="259" r:id="rId5"/>
+    <p:sldId id="263" r:id="rId5"/>
     <p:sldId id="260" r:id="rId6"/>
     <p:sldId id="261" r:id="rId7"/>
     <p:sldId id="262" r:id="rId8"/>
+    <p:sldId id="264" r:id="rId9"/>
   </p:sldIdLst>
   <p:sldSz cx="12192000" cy="6858000"/>
   <p:notesSz cx="6858000" cy="9144000"/>
@@ -168,7 +169,7 @@
           <a:noFill/>
           <a:extLst>
             <a:ext uri="{909E8E84-426E-40dd-AFC4-6F175D3DCCD1}">
-              <a14:hiddenFill xmlns:a14="http://schemas.microsoft.com/office/drawing/2010/main" xmlns="">
+              <a14:hiddenFill xmlns="" xmlns:a14="http://schemas.microsoft.com/office/drawing/2010/main">
                 <a:solidFill>
                   <a:srgbClr val="FFFFFF"/>
                 </a:solidFill>
@@ -228,7 +229,7 @@
             </a:ln>
             <a:extLst>
               <a:ext uri="{91240B29-F687-4f45-9708-019B960494DF}">
-                <a14:hiddenLine xmlns:a14="http://schemas.microsoft.com/office/drawing/2010/main" xmlns="" w="9525">
+                <a14:hiddenLine xmlns="" xmlns:a14="http://schemas.microsoft.com/office/drawing/2010/main" w="9525">
                   <a:solidFill>
                     <a:srgbClr val="000000"/>
                   </a:solidFill>
@@ -318,7 +319,7 @@
             </a:ln>
             <a:extLst>
               <a:ext uri="{91240B29-F687-4f45-9708-019B960494DF}">
-                <a14:hiddenLine xmlns:a14="http://schemas.microsoft.com/office/drawing/2010/main" xmlns="" w="9525">
+                <a14:hiddenLine xmlns="" xmlns:a14="http://schemas.microsoft.com/office/drawing/2010/main" w="9525">
                   <a:solidFill>
                     <a:srgbClr val="000000"/>
                   </a:solidFill>
@@ -408,7 +409,7 @@
             </a:ln>
             <a:extLst>
               <a:ext uri="{91240B29-F687-4f45-9708-019B960494DF}">
-                <a14:hiddenLine xmlns:a14="http://schemas.microsoft.com/office/drawing/2010/main" xmlns="" w="9525">
+                <a14:hiddenLine xmlns="" xmlns:a14="http://schemas.microsoft.com/office/drawing/2010/main" w="9525">
                   <a:solidFill>
                     <a:srgbClr val="000000"/>
                   </a:solidFill>
@@ -442,7 +443,7 @@
             </a:ln>
             <a:extLst>
               <a:ext uri="{91240B29-F687-4f45-9708-019B960494DF}">
-                <a14:hiddenLine xmlns:a14="http://schemas.microsoft.com/office/drawing/2010/main" xmlns="" w="9525">
+                <a14:hiddenLine xmlns="" xmlns:a14="http://schemas.microsoft.com/office/drawing/2010/main" w="9525">
                   <a:solidFill>
                     <a:srgbClr val="000000"/>
                   </a:solidFill>
@@ -532,7 +533,7 @@
             </a:ln>
             <a:extLst>
               <a:ext uri="{91240B29-F687-4f45-9708-019B960494DF}">
-                <a14:hiddenLine xmlns:a14="http://schemas.microsoft.com/office/drawing/2010/main" xmlns="" w="9525">
+                <a14:hiddenLine xmlns="" xmlns:a14="http://schemas.microsoft.com/office/drawing/2010/main" w="9525">
                   <a:solidFill>
                     <a:srgbClr val="000000"/>
                   </a:solidFill>
@@ -594,7 +595,7 @@
             </a:ln>
             <a:extLst>
               <a:ext uri="{91240B29-F687-4f45-9708-019B960494DF}">
-                <a14:hiddenLine xmlns:a14="http://schemas.microsoft.com/office/drawing/2010/main" xmlns="" w="9525">
+                <a14:hiddenLine xmlns="" xmlns:a14="http://schemas.microsoft.com/office/drawing/2010/main" w="9525">
                   <a:solidFill>
                     <a:srgbClr val="000000"/>
                   </a:solidFill>
@@ -656,7 +657,7 @@
             </a:ln>
             <a:extLst>
               <a:ext uri="{91240B29-F687-4f45-9708-019B960494DF}">
-                <a14:hiddenLine xmlns:a14="http://schemas.microsoft.com/office/drawing/2010/main" xmlns="" w="9525">
+                <a14:hiddenLine xmlns="" xmlns:a14="http://schemas.microsoft.com/office/drawing/2010/main" w="9525">
                   <a:solidFill>
                     <a:srgbClr val="000000"/>
                   </a:solidFill>
@@ -746,7 +747,7 @@
             </a:ln>
             <a:extLst>
               <a:ext uri="{91240B29-F687-4f45-9708-019B960494DF}">
-                <a14:hiddenLine xmlns:a14="http://schemas.microsoft.com/office/drawing/2010/main" xmlns="" w="9525">
+                <a14:hiddenLine xmlns="" xmlns:a14="http://schemas.microsoft.com/office/drawing/2010/main" w="9525">
                   <a:solidFill>
                     <a:srgbClr val="000000"/>
                   </a:solidFill>
@@ -808,7 +809,7 @@
             </a:ln>
             <a:extLst>
               <a:ext uri="{91240B29-F687-4f45-9708-019B960494DF}">
-                <a14:hiddenLine xmlns:a14="http://schemas.microsoft.com/office/drawing/2010/main" xmlns="" w="9525">
+                <a14:hiddenLine xmlns="" xmlns:a14="http://schemas.microsoft.com/office/drawing/2010/main" w="9525">
                   <a:solidFill>
                     <a:srgbClr val="000000"/>
                   </a:solidFill>
@@ -870,7 +871,7 @@
             </a:ln>
             <a:extLst>
               <a:ext uri="{91240B29-F687-4f45-9708-019B960494DF}">
-                <a14:hiddenLine xmlns:a14="http://schemas.microsoft.com/office/drawing/2010/main" xmlns="" w="9525">
+                <a14:hiddenLine xmlns="" xmlns:a14="http://schemas.microsoft.com/office/drawing/2010/main" w="9525">
                   <a:solidFill>
                     <a:srgbClr val="000000"/>
                   </a:solidFill>
@@ -960,7 +961,7 @@
             </a:ln>
             <a:extLst>
               <a:ext uri="{91240B29-F687-4f45-9708-019B960494DF}">
-                <a14:hiddenLine xmlns:a14="http://schemas.microsoft.com/office/drawing/2010/main" xmlns="" w="9525">
+                <a14:hiddenLine xmlns="" xmlns:a14="http://schemas.microsoft.com/office/drawing/2010/main" w="9525">
                   <a:solidFill>
                     <a:srgbClr val="000000"/>
                   </a:solidFill>
@@ -1050,7 +1051,7 @@
             </a:ln>
             <a:extLst>
               <a:ext uri="{91240B29-F687-4f45-9708-019B960494DF}">
-                <a14:hiddenLine xmlns:a14="http://schemas.microsoft.com/office/drawing/2010/main" xmlns="" w="9525">
+                <a14:hiddenLine xmlns="" xmlns:a14="http://schemas.microsoft.com/office/drawing/2010/main" w="9525">
                   <a:solidFill>
                     <a:srgbClr val="000000"/>
                   </a:solidFill>
@@ -1112,7 +1113,7 @@
             </a:ln>
             <a:extLst>
               <a:ext uri="{91240B29-F687-4f45-9708-019B960494DF}">
-                <a14:hiddenLine xmlns:a14="http://schemas.microsoft.com/office/drawing/2010/main" xmlns="" w="9525">
+                <a14:hiddenLine xmlns="" xmlns:a14="http://schemas.microsoft.com/office/drawing/2010/main" w="9525">
                   <a:solidFill>
                     <a:srgbClr val="000000"/>
                   </a:solidFill>
@@ -1222,7 +1223,7 @@
             </a:ln>
             <a:extLst>
               <a:ext uri="{91240B29-F687-4f45-9708-019B960494DF}">
-                <a14:hiddenLine xmlns:a14="http://schemas.microsoft.com/office/drawing/2010/main" xmlns="" w="9525">
+                <a14:hiddenLine xmlns="" xmlns:a14="http://schemas.microsoft.com/office/drawing/2010/main" w="9525">
                   <a:solidFill>
                     <a:srgbClr val="000000"/>
                   </a:solidFill>
@@ -1284,7 +1285,7 @@
             </a:ln>
             <a:extLst>
               <a:ext uri="{91240B29-F687-4f45-9708-019B960494DF}">
-                <a14:hiddenLine xmlns:a14="http://schemas.microsoft.com/office/drawing/2010/main" xmlns="" w="9525">
+                <a14:hiddenLine xmlns="" xmlns:a14="http://schemas.microsoft.com/office/drawing/2010/main" w="9525">
                   <a:solidFill>
                     <a:srgbClr val="000000"/>
                   </a:solidFill>
@@ -1374,7 +1375,7 @@
             </a:ln>
             <a:extLst>
               <a:ext uri="{91240B29-F687-4f45-9708-019B960494DF}">
-                <a14:hiddenLine xmlns:a14="http://schemas.microsoft.com/office/drawing/2010/main" xmlns="" w="9525">
+                <a14:hiddenLine xmlns="" xmlns:a14="http://schemas.microsoft.com/office/drawing/2010/main" w="9525">
                   <a:solidFill>
                     <a:srgbClr val="000000"/>
                   </a:solidFill>
@@ -1464,7 +1465,7 @@
             </a:ln>
             <a:extLst>
               <a:ext uri="{91240B29-F687-4f45-9708-019B960494DF}">
-                <a14:hiddenLine xmlns:a14="http://schemas.microsoft.com/office/drawing/2010/main" xmlns="" w="9525">
+                <a14:hiddenLine xmlns="" xmlns:a14="http://schemas.microsoft.com/office/drawing/2010/main" w="9525">
                   <a:solidFill>
                     <a:srgbClr val="000000"/>
                   </a:solidFill>
@@ -1526,7 +1527,7 @@
             </a:ln>
             <a:extLst>
               <a:ext uri="{91240B29-F687-4f45-9708-019B960494DF}">
-                <a14:hiddenLine xmlns:a14="http://schemas.microsoft.com/office/drawing/2010/main" xmlns="" w="9525">
+                <a14:hiddenLine xmlns="" xmlns:a14="http://schemas.microsoft.com/office/drawing/2010/main" w="9525">
                   <a:solidFill>
                     <a:srgbClr val="000000"/>
                   </a:solidFill>
@@ -1616,7 +1617,7 @@
             </a:ln>
             <a:extLst>
               <a:ext uri="{91240B29-F687-4f45-9708-019B960494DF}">
-                <a14:hiddenLine xmlns:a14="http://schemas.microsoft.com/office/drawing/2010/main" xmlns="" w="9525">
+                <a14:hiddenLine xmlns="" xmlns:a14="http://schemas.microsoft.com/office/drawing/2010/main" w="9525">
                   <a:solidFill>
                     <a:srgbClr val="000000"/>
                   </a:solidFill>
@@ -1706,7 +1707,7 @@
             </a:ln>
             <a:extLst>
               <a:ext uri="{91240B29-F687-4f45-9708-019B960494DF}">
-                <a14:hiddenLine xmlns:a14="http://schemas.microsoft.com/office/drawing/2010/main" xmlns="" w="9525">
+                <a14:hiddenLine xmlns="" xmlns:a14="http://schemas.microsoft.com/office/drawing/2010/main" w="9525">
                   <a:solidFill>
                     <a:srgbClr val="000000"/>
                   </a:solidFill>
@@ -1762,7 +1763,7 @@
             </a:ln>
             <a:extLst>
               <a:ext uri="{91240B29-F687-4f45-9708-019B960494DF}">
-                <a14:hiddenLine xmlns:a14="http://schemas.microsoft.com/office/drawing/2010/main" xmlns="" w="9525">
+                <a14:hiddenLine xmlns="" xmlns:a14="http://schemas.microsoft.com/office/drawing/2010/main" w="9525">
                   <a:solidFill>
                     <a:srgbClr val="000000"/>
                   </a:solidFill>
@@ -1852,7 +1853,7 @@
             </a:ln>
             <a:extLst>
               <a:ext uri="{91240B29-F687-4f45-9708-019B960494DF}">
-                <a14:hiddenLine xmlns:a14="http://schemas.microsoft.com/office/drawing/2010/main" xmlns="" w="9525">
+                <a14:hiddenLine xmlns="" xmlns:a14="http://schemas.microsoft.com/office/drawing/2010/main" w="9525">
                   <a:solidFill>
                     <a:srgbClr val="000000"/>
                   </a:solidFill>
@@ -1908,7 +1909,7 @@
             </a:ln>
             <a:extLst>
               <a:ext uri="{91240B29-F687-4f45-9708-019B960494DF}">
-                <a14:hiddenLine xmlns:a14="http://schemas.microsoft.com/office/drawing/2010/main" xmlns="" w="9525">
+                <a14:hiddenLine xmlns="" xmlns:a14="http://schemas.microsoft.com/office/drawing/2010/main" w="9525">
                   <a:solidFill>
                     <a:srgbClr val="000000"/>
                   </a:solidFill>
@@ -1998,7 +1999,7 @@
             </a:ln>
             <a:extLst>
               <a:ext uri="{91240B29-F687-4f45-9708-019B960494DF}">
-                <a14:hiddenLine xmlns:a14="http://schemas.microsoft.com/office/drawing/2010/main" xmlns="" w="9525">
+                <a14:hiddenLine xmlns="" xmlns:a14="http://schemas.microsoft.com/office/drawing/2010/main" w="9525">
                   <a:solidFill>
                     <a:srgbClr val="000000"/>
                   </a:solidFill>
@@ -2066,7 +2067,7 @@
             </a:ln>
             <a:extLst>
               <a:ext uri="{91240B29-F687-4f45-9708-019B960494DF}">
-                <a14:hiddenLine xmlns:a14="http://schemas.microsoft.com/office/drawing/2010/main" xmlns="" w="9525">
+                <a14:hiddenLine xmlns="" xmlns:a14="http://schemas.microsoft.com/office/drawing/2010/main" w="9525">
                   <a:solidFill>
                     <a:srgbClr val="000000"/>
                   </a:solidFill>
@@ -2156,7 +2157,7 @@
             </a:ln>
             <a:extLst>
               <a:ext uri="{91240B29-F687-4f45-9708-019B960494DF}">
-                <a14:hiddenLine xmlns:a14="http://schemas.microsoft.com/office/drawing/2010/main" xmlns="" w="9525">
+                <a14:hiddenLine xmlns="" xmlns:a14="http://schemas.microsoft.com/office/drawing/2010/main" w="9525">
                   <a:solidFill>
                     <a:srgbClr val="000000"/>
                   </a:solidFill>
@@ -2224,7 +2225,7 @@
             </a:ln>
             <a:extLst>
               <a:ext uri="{91240B29-F687-4f45-9708-019B960494DF}">
-                <a14:hiddenLine xmlns:a14="http://schemas.microsoft.com/office/drawing/2010/main" xmlns="" w="9525">
+                <a14:hiddenLine xmlns="" xmlns:a14="http://schemas.microsoft.com/office/drawing/2010/main" w="9525">
                   <a:solidFill>
                     <a:srgbClr val="000000"/>
                   </a:solidFill>
@@ -2314,7 +2315,7 @@
             </a:ln>
             <a:extLst>
               <a:ext uri="{91240B29-F687-4f45-9708-019B960494DF}">
-                <a14:hiddenLine xmlns:a14="http://schemas.microsoft.com/office/drawing/2010/main" xmlns="" w="9525">
+                <a14:hiddenLine xmlns="" xmlns:a14="http://schemas.microsoft.com/office/drawing/2010/main" w="9525">
                   <a:solidFill>
                     <a:srgbClr val="000000"/>
                   </a:solidFill>
@@ -2348,7 +2349,7 @@
             </a:ln>
             <a:extLst>
               <a:ext uri="{91240B29-F687-4f45-9708-019B960494DF}">
-                <a14:hiddenLine xmlns:a14="http://schemas.microsoft.com/office/drawing/2010/main" xmlns="" w="9525">
+                <a14:hiddenLine xmlns="" xmlns:a14="http://schemas.microsoft.com/office/drawing/2010/main" w="9525">
                   <a:solidFill>
                     <a:srgbClr val="000000"/>
                   </a:solidFill>
@@ -2438,7 +2439,7 @@
             </a:ln>
             <a:extLst>
               <a:ext uri="{91240B29-F687-4f45-9708-019B960494DF}">
-                <a14:hiddenLine xmlns:a14="http://schemas.microsoft.com/office/drawing/2010/main" xmlns="" w="9525">
+                <a14:hiddenLine xmlns="" xmlns:a14="http://schemas.microsoft.com/office/drawing/2010/main" w="9525">
                   <a:solidFill>
                     <a:srgbClr val="000000"/>
                   </a:solidFill>
@@ -2500,7 +2501,7 @@
             </a:ln>
             <a:extLst>
               <a:ext uri="{91240B29-F687-4f45-9708-019B960494DF}">
-                <a14:hiddenLine xmlns:a14="http://schemas.microsoft.com/office/drawing/2010/main" xmlns="" w="9525">
+                <a14:hiddenLine xmlns="" xmlns:a14="http://schemas.microsoft.com/office/drawing/2010/main" w="9525">
                   <a:solidFill>
                     <a:srgbClr val="000000"/>
                   </a:solidFill>
@@ -2562,7 +2563,7 @@
             </a:ln>
             <a:extLst>
               <a:ext uri="{91240B29-F687-4f45-9708-019B960494DF}">
-                <a14:hiddenLine xmlns:a14="http://schemas.microsoft.com/office/drawing/2010/main" xmlns="" w="9525">
+                <a14:hiddenLine xmlns="" xmlns:a14="http://schemas.microsoft.com/office/drawing/2010/main" w="9525">
                   <a:solidFill>
                     <a:srgbClr val="000000"/>
                   </a:solidFill>
@@ -2652,7 +2653,7 @@
             </a:ln>
             <a:extLst>
               <a:ext uri="{91240B29-F687-4f45-9708-019B960494DF}">
-                <a14:hiddenLine xmlns:a14="http://schemas.microsoft.com/office/drawing/2010/main" xmlns="" w="9525">
+                <a14:hiddenLine xmlns="" xmlns:a14="http://schemas.microsoft.com/office/drawing/2010/main" w="9525">
                   <a:solidFill>
                     <a:srgbClr val="000000"/>
                   </a:solidFill>
@@ -2720,7 +2721,7 @@
             </a:ln>
             <a:extLst>
               <a:ext uri="{91240B29-F687-4f45-9708-019B960494DF}">
-                <a14:hiddenLine xmlns:a14="http://schemas.microsoft.com/office/drawing/2010/main" xmlns="" w="9525">
+                <a14:hiddenLine xmlns="" xmlns:a14="http://schemas.microsoft.com/office/drawing/2010/main" w="9525">
                   <a:solidFill>
                     <a:srgbClr val="000000"/>
                   </a:solidFill>
@@ -2782,7 +2783,7 @@
             </a:ln>
             <a:extLst>
               <a:ext uri="{91240B29-F687-4f45-9708-019B960494DF}">
-                <a14:hiddenLine xmlns:a14="http://schemas.microsoft.com/office/drawing/2010/main" xmlns="" w="9525">
+                <a14:hiddenLine xmlns="" xmlns:a14="http://schemas.microsoft.com/office/drawing/2010/main" w="9525">
                   <a:solidFill>
                     <a:srgbClr val="000000"/>
                   </a:solidFill>
@@ -2872,7 +2873,7 @@
             </a:ln>
             <a:extLst>
               <a:ext uri="{91240B29-F687-4f45-9708-019B960494DF}">
-                <a14:hiddenLine xmlns:a14="http://schemas.microsoft.com/office/drawing/2010/main" xmlns="" w="9525">
+                <a14:hiddenLine xmlns="" xmlns:a14="http://schemas.microsoft.com/office/drawing/2010/main" w="9525">
                   <a:solidFill>
                     <a:srgbClr val="000000"/>
                   </a:solidFill>
@@ -2934,7 +2935,7 @@
             </a:ln>
             <a:extLst>
               <a:ext uri="{91240B29-F687-4f45-9708-019B960494DF}">
-                <a14:hiddenLine xmlns:a14="http://schemas.microsoft.com/office/drawing/2010/main" xmlns="" w="9525">
+                <a14:hiddenLine xmlns="" xmlns:a14="http://schemas.microsoft.com/office/drawing/2010/main" w="9525">
                   <a:solidFill>
                     <a:srgbClr val="000000"/>
                   </a:solidFill>
@@ -3024,7 +3025,7 @@
             </a:ln>
             <a:extLst>
               <a:ext uri="{91240B29-F687-4f45-9708-019B960494DF}">
-                <a14:hiddenLine xmlns:a14="http://schemas.microsoft.com/office/drawing/2010/main" xmlns="" w="9525">
+                <a14:hiddenLine xmlns="" xmlns:a14="http://schemas.microsoft.com/office/drawing/2010/main" w="9525">
                   <a:solidFill>
                     <a:srgbClr val="000000"/>
                   </a:solidFill>
@@ -3086,7 +3087,7 @@
             </a:ln>
             <a:extLst>
               <a:ext uri="{91240B29-F687-4f45-9708-019B960494DF}">
-                <a14:hiddenLine xmlns:a14="http://schemas.microsoft.com/office/drawing/2010/main" xmlns="" w="9525">
+                <a14:hiddenLine xmlns="" xmlns:a14="http://schemas.microsoft.com/office/drawing/2010/main" w="9525">
                   <a:solidFill>
                     <a:srgbClr val="000000"/>
                   </a:solidFill>
@@ -3176,7 +3177,7 @@
             </a:ln>
             <a:extLst>
               <a:ext uri="{91240B29-F687-4f45-9708-019B960494DF}">
-                <a14:hiddenLine xmlns:a14="http://schemas.microsoft.com/office/drawing/2010/main" xmlns="" w="9525">
+                <a14:hiddenLine xmlns="" xmlns:a14="http://schemas.microsoft.com/office/drawing/2010/main" w="9525">
                   <a:solidFill>
                     <a:srgbClr val="000000"/>
                   </a:solidFill>
@@ -3210,7 +3211,7 @@
             </a:ln>
             <a:extLst>
               <a:ext uri="{91240B29-F687-4f45-9708-019B960494DF}">
-                <a14:hiddenLine xmlns:a14="http://schemas.microsoft.com/office/drawing/2010/main" xmlns="" w="9525">
+                <a14:hiddenLine xmlns="" xmlns:a14="http://schemas.microsoft.com/office/drawing/2010/main" w="9525">
                   <a:solidFill>
                     <a:srgbClr val="000000"/>
                   </a:solidFill>
@@ -3275,7 +3276,7 @@
             </a:ln>
             <a:extLst>
               <a:ext uri="{91240B29-F687-4f45-9708-019B960494DF}">
-                <a14:hiddenLine xmlns:a14="http://schemas.microsoft.com/office/drawing/2010/main" xmlns="" w="9525">
+                <a14:hiddenLine xmlns="" xmlns:a14="http://schemas.microsoft.com/office/drawing/2010/main" w="9525">
                   <a:solidFill>
                     <a:srgbClr val="000000"/>
                   </a:solidFill>
@@ -3365,7 +3366,7 @@
             </a:ln>
             <a:extLst>
               <a:ext uri="{91240B29-F687-4f45-9708-019B960494DF}">
-                <a14:hiddenLine xmlns:a14="http://schemas.microsoft.com/office/drawing/2010/main" xmlns="" w="9525">
+                <a14:hiddenLine xmlns="" xmlns:a14="http://schemas.microsoft.com/office/drawing/2010/main" w="9525">
                   <a:solidFill>
                     <a:srgbClr val="000000"/>
                   </a:solidFill>
@@ -3427,7 +3428,7 @@
             </a:ln>
             <a:extLst>
               <a:ext uri="{91240B29-F687-4f45-9708-019B960494DF}">
-                <a14:hiddenLine xmlns:a14="http://schemas.microsoft.com/office/drawing/2010/main" xmlns="" w="9525">
+                <a14:hiddenLine xmlns="" xmlns:a14="http://schemas.microsoft.com/office/drawing/2010/main" w="9525">
                   <a:solidFill>
                     <a:srgbClr val="000000"/>
                   </a:solidFill>
@@ -3517,7 +3518,7 @@
             </a:ln>
             <a:extLst>
               <a:ext uri="{91240B29-F687-4f45-9708-019B960494DF}">
-                <a14:hiddenLine xmlns:a14="http://schemas.microsoft.com/office/drawing/2010/main" xmlns="" w="9525">
+                <a14:hiddenLine xmlns="" xmlns:a14="http://schemas.microsoft.com/office/drawing/2010/main" w="9525">
                   <a:solidFill>
                     <a:srgbClr val="000000"/>
                   </a:solidFill>
@@ -3607,7 +3608,7 @@
             </a:ln>
             <a:extLst>
               <a:ext uri="{91240B29-F687-4f45-9708-019B960494DF}">
-                <a14:hiddenLine xmlns:a14="http://schemas.microsoft.com/office/drawing/2010/main" xmlns="" w="9525">
+                <a14:hiddenLine xmlns="" xmlns:a14="http://schemas.microsoft.com/office/drawing/2010/main" w="9525">
                   <a:solidFill>
                     <a:srgbClr val="000000"/>
                   </a:solidFill>
@@ -3672,7 +3673,7 @@
             </a:ln>
             <a:extLst>
               <a:ext uri="{91240B29-F687-4f45-9708-019B960494DF}">
-                <a14:hiddenLine xmlns:a14="http://schemas.microsoft.com/office/drawing/2010/main" xmlns="" w="9525">
+                <a14:hiddenLine xmlns="" xmlns:a14="http://schemas.microsoft.com/office/drawing/2010/main" w="9525">
                   <a:solidFill>
                     <a:srgbClr val="000000"/>
                   </a:solidFill>
@@ -3734,7 +3735,7 @@
             </a:ln>
             <a:extLst>
               <a:ext uri="{91240B29-F687-4f45-9708-019B960494DF}">
-                <a14:hiddenLine xmlns:a14="http://schemas.microsoft.com/office/drawing/2010/main" xmlns="" w="9525">
+                <a14:hiddenLine xmlns="" xmlns:a14="http://schemas.microsoft.com/office/drawing/2010/main" w="9525">
                   <a:solidFill>
                     <a:srgbClr val="000000"/>
                   </a:solidFill>
@@ -3824,7 +3825,7 @@
             </a:ln>
             <a:extLst>
               <a:ext uri="{91240B29-F687-4f45-9708-019B960494DF}">
-                <a14:hiddenLine xmlns:a14="http://schemas.microsoft.com/office/drawing/2010/main" xmlns="" w="9525">
+                <a14:hiddenLine xmlns="" xmlns:a14="http://schemas.microsoft.com/office/drawing/2010/main" w="9525">
                   <a:solidFill>
                     <a:srgbClr val="000000"/>
                   </a:solidFill>
@@ -3914,7 +3915,7 @@
             </a:ln>
             <a:extLst>
               <a:ext uri="{91240B29-F687-4f45-9708-019B960494DF}">
-                <a14:hiddenLine xmlns:a14="http://schemas.microsoft.com/office/drawing/2010/main" xmlns="" w="9525">
+                <a14:hiddenLine xmlns="" xmlns:a14="http://schemas.microsoft.com/office/drawing/2010/main" w="9525">
                   <a:solidFill>
                     <a:srgbClr val="000000"/>
                   </a:solidFill>
@@ -3976,7 +3977,7 @@
             </a:ln>
             <a:extLst>
               <a:ext uri="{91240B29-F687-4f45-9708-019B960494DF}">
-                <a14:hiddenLine xmlns:a14="http://schemas.microsoft.com/office/drawing/2010/main" xmlns="" w="9525">
+                <a14:hiddenLine xmlns="" xmlns:a14="http://schemas.microsoft.com/office/drawing/2010/main" w="9525">
                   <a:solidFill>
                     <a:srgbClr val="000000"/>
                   </a:solidFill>
@@ -4096,7 +4097,7 @@
             </a:ln>
             <a:extLst>
               <a:ext uri="{91240B29-F687-4f45-9708-019B960494DF}">
-                <a14:hiddenLine xmlns:a14="http://schemas.microsoft.com/office/drawing/2010/main" xmlns="" w="9525">
+                <a14:hiddenLine xmlns="" xmlns:a14="http://schemas.microsoft.com/office/drawing/2010/main" w="9525">
                   <a:solidFill>
                     <a:srgbClr val="000000"/>
                   </a:solidFill>
@@ -4164,7 +4165,7 @@
             </a:ln>
             <a:extLst>
               <a:ext uri="{91240B29-F687-4f45-9708-019B960494DF}">
-                <a14:hiddenLine xmlns:a14="http://schemas.microsoft.com/office/drawing/2010/main" xmlns="" w="9525">
+                <a14:hiddenLine xmlns="" xmlns:a14="http://schemas.microsoft.com/office/drawing/2010/main" w="9525">
                   <a:solidFill>
                     <a:srgbClr val="000000"/>
                   </a:solidFill>
@@ -4254,7 +4255,7 @@
             </a:ln>
             <a:extLst>
               <a:ext uri="{91240B29-F687-4f45-9708-019B960494DF}">
-                <a14:hiddenLine xmlns:a14="http://schemas.microsoft.com/office/drawing/2010/main" xmlns="" w="9525">
+                <a14:hiddenLine xmlns="" xmlns:a14="http://schemas.microsoft.com/office/drawing/2010/main" w="9525">
                   <a:solidFill>
                     <a:srgbClr val="000000"/>
                   </a:solidFill>
@@ -4394,7 +4395,7 @@
           <a:p>
             <a:fld id="{72C3057E-6F7F-48D3-BE23-2D60489F3EB6}" type="datetimeFigureOut">
               <a:rPr lang="en-GB" smtClean="0"/>
-              <a:t>05/12/2019</a:t>
+              <a:t>06/12/2019</a:t>
             </a:fld>
             <a:endParaRPr lang="en-GB"/>
           </a:p>
@@ -4661,7 +4662,7 @@
           <a:p>
             <a:fld id="{72C3057E-6F7F-48D3-BE23-2D60489F3EB6}" type="datetimeFigureOut">
               <a:rPr lang="en-GB" smtClean="0"/>
-              <a:t>05/12/2019</a:t>
+              <a:t>06/12/2019</a:t>
             </a:fld>
             <a:endParaRPr lang="en-GB"/>
           </a:p>
@@ -4857,7 +4858,7 @@
           <a:p>
             <a:fld id="{72C3057E-6F7F-48D3-BE23-2D60489F3EB6}" type="datetimeFigureOut">
               <a:rPr lang="en-GB" smtClean="0"/>
-              <a:t>05/12/2019</a:t>
+              <a:t>06/12/2019</a:t>
             </a:fld>
             <a:endParaRPr lang="en-GB"/>
           </a:p>
@@ -5120,7 +5121,7 @@
           <a:p>
             <a:fld id="{72C3057E-6F7F-48D3-BE23-2D60489F3EB6}" type="datetimeFigureOut">
               <a:rPr lang="en-GB" smtClean="0"/>
-              <a:t>05/12/2019</a:t>
+              <a:t>06/12/2019</a:t>
             </a:fld>
             <a:endParaRPr lang="en-GB"/>
           </a:p>
@@ -5554,7 +5555,7 @@
           <a:p>
             <a:fld id="{72C3057E-6F7F-48D3-BE23-2D60489F3EB6}" type="datetimeFigureOut">
               <a:rPr lang="en-GB" smtClean="0"/>
-              <a:t>05/12/2019</a:t>
+              <a:t>06/12/2019</a:t>
             </a:fld>
             <a:endParaRPr lang="en-GB"/>
           </a:p>
@@ -6100,7 +6101,7 @@
           <a:p>
             <a:fld id="{72C3057E-6F7F-48D3-BE23-2D60489F3EB6}" type="datetimeFigureOut">
               <a:rPr lang="en-GB" smtClean="0"/>
-              <a:t>05/12/2019</a:t>
+              <a:t>06/12/2019</a:t>
             </a:fld>
             <a:endParaRPr lang="en-GB"/>
           </a:p>
@@ -6820,7 +6821,7 @@
           <a:p>
             <a:fld id="{72C3057E-6F7F-48D3-BE23-2D60489F3EB6}" type="datetimeFigureOut">
               <a:rPr lang="en-GB" smtClean="0"/>
-              <a:t>05/12/2019</a:t>
+              <a:t>06/12/2019</a:t>
             </a:fld>
             <a:endParaRPr lang="en-GB"/>
           </a:p>
@@ -6990,7 +6991,7 @@
           <a:p>
             <a:fld id="{72C3057E-6F7F-48D3-BE23-2D60489F3EB6}" type="datetimeFigureOut">
               <a:rPr lang="en-GB" smtClean="0"/>
-              <a:t>05/12/2019</a:t>
+              <a:t>06/12/2019</a:t>
             </a:fld>
             <a:endParaRPr lang="en-GB"/>
           </a:p>
@@ -7170,7 +7171,7 @@
           <a:p>
             <a:fld id="{72C3057E-6F7F-48D3-BE23-2D60489F3EB6}" type="datetimeFigureOut">
               <a:rPr lang="en-GB" smtClean="0"/>
-              <a:t>05/12/2019</a:t>
+              <a:t>06/12/2019</a:t>
             </a:fld>
             <a:endParaRPr lang="en-GB"/>
           </a:p>
@@ -7340,7 +7341,7 @@
           <a:p>
             <a:fld id="{72C3057E-6F7F-48D3-BE23-2D60489F3EB6}" type="datetimeFigureOut">
               <a:rPr lang="en-GB" smtClean="0"/>
-              <a:t>05/12/2019</a:t>
+              <a:t>06/12/2019</a:t>
             </a:fld>
             <a:endParaRPr lang="en-GB"/>
           </a:p>
@@ -7590,7 +7591,7 @@
           <a:p>
             <a:fld id="{72C3057E-6F7F-48D3-BE23-2D60489F3EB6}" type="datetimeFigureOut">
               <a:rPr lang="en-GB" smtClean="0"/>
-              <a:t>05/12/2019</a:t>
+              <a:t>06/12/2019</a:t>
             </a:fld>
             <a:endParaRPr lang="en-GB"/>
           </a:p>
@@ -7822,7 +7823,7 @@
           <a:p>
             <a:fld id="{72C3057E-6F7F-48D3-BE23-2D60489F3EB6}" type="datetimeFigureOut">
               <a:rPr lang="en-GB" smtClean="0"/>
-              <a:t>05/12/2019</a:t>
+              <a:t>06/12/2019</a:t>
             </a:fld>
             <a:endParaRPr lang="en-GB"/>
           </a:p>
@@ -8203,7 +8204,7 @@
           <a:p>
             <a:fld id="{72C3057E-6F7F-48D3-BE23-2D60489F3EB6}" type="datetimeFigureOut">
               <a:rPr lang="en-GB" smtClean="0"/>
-              <a:t>05/12/2019</a:t>
+              <a:t>06/12/2019</a:t>
             </a:fld>
             <a:endParaRPr lang="en-GB"/>
           </a:p>
@@ -8321,7 +8322,7 @@
           <a:p>
             <a:fld id="{72C3057E-6F7F-48D3-BE23-2D60489F3EB6}" type="datetimeFigureOut">
               <a:rPr lang="en-GB" smtClean="0"/>
-              <a:t>05/12/2019</a:t>
+              <a:t>06/12/2019</a:t>
             </a:fld>
             <a:endParaRPr lang="en-GB"/>
           </a:p>
@@ -8416,7 +8417,7 @@
           <a:p>
             <a:fld id="{72C3057E-6F7F-48D3-BE23-2D60489F3EB6}" type="datetimeFigureOut">
               <a:rPr lang="en-GB" smtClean="0"/>
-              <a:t>05/12/2019</a:t>
+              <a:t>06/12/2019</a:t>
             </a:fld>
             <a:endParaRPr lang="en-GB"/>
           </a:p>
@@ -8665,7 +8666,7 @@
           <a:p>
             <a:fld id="{72C3057E-6F7F-48D3-BE23-2D60489F3EB6}" type="datetimeFigureOut">
               <a:rPr lang="en-GB" smtClean="0"/>
-              <a:t>05/12/2019</a:t>
+              <a:t>06/12/2019</a:t>
             </a:fld>
             <a:endParaRPr lang="en-GB"/>
           </a:p>
@@ -8945,7 +8946,7 @@
           <a:p>
             <a:fld id="{72C3057E-6F7F-48D3-BE23-2D60489F3EB6}" type="datetimeFigureOut">
               <a:rPr lang="en-GB" smtClean="0"/>
-              <a:t>05/12/2019</a:t>
+              <a:t>06/12/2019</a:t>
             </a:fld>
             <a:endParaRPr lang="en-GB"/>
           </a:p>
@@ -9061,7 +9062,7 @@
           <a:noFill/>
           <a:extLst>
             <a:ext uri="{909E8E84-426E-40dd-AFC4-6F175D3DCCD1}">
-              <a14:hiddenFill xmlns:a14="http://schemas.microsoft.com/office/drawing/2010/main" xmlns="">
+              <a14:hiddenFill xmlns="" xmlns:a14="http://schemas.microsoft.com/office/drawing/2010/main">
                 <a:solidFill>
                   <a:srgbClr val="FFFFFF"/>
                 </a:solidFill>
@@ -9135,7 +9136,7 @@
               </a:ln>
               <a:extLst>
                 <a:ext uri="{91240B29-F687-4f45-9708-019B960494DF}">
-                  <a14:hiddenLine xmlns:a14="http://schemas.microsoft.com/office/drawing/2010/main" xmlns="" w="9525">
+                  <a14:hiddenLine xmlns="" xmlns:a14="http://schemas.microsoft.com/office/drawing/2010/main" w="9525">
                     <a:solidFill>
                       <a:srgbClr val="000000"/>
                     </a:solidFill>
@@ -9225,7 +9226,7 @@
               </a:ln>
               <a:extLst>
                 <a:ext uri="{91240B29-F687-4f45-9708-019B960494DF}">
-                  <a14:hiddenLine xmlns:a14="http://schemas.microsoft.com/office/drawing/2010/main" xmlns="" w="9525">
+                  <a14:hiddenLine xmlns="" xmlns:a14="http://schemas.microsoft.com/office/drawing/2010/main" w="9525">
                     <a:solidFill>
                       <a:srgbClr val="000000"/>
                     </a:solidFill>
@@ -9315,7 +9316,7 @@
               </a:ln>
               <a:extLst>
                 <a:ext uri="{91240B29-F687-4f45-9708-019B960494DF}">
-                  <a14:hiddenLine xmlns:a14="http://schemas.microsoft.com/office/drawing/2010/main" xmlns="" w="9525">
+                  <a14:hiddenLine xmlns="" xmlns:a14="http://schemas.microsoft.com/office/drawing/2010/main" w="9525">
                     <a:solidFill>
                       <a:srgbClr val="000000"/>
                     </a:solidFill>
@@ -9377,7 +9378,7 @@
               </a:ln>
               <a:extLst>
                 <a:ext uri="{91240B29-F687-4f45-9708-019B960494DF}">
-                  <a14:hiddenLine xmlns:a14="http://schemas.microsoft.com/office/drawing/2010/main" xmlns="" w="9525">
+                  <a14:hiddenLine xmlns="" xmlns:a14="http://schemas.microsoft.com/office/drawing/2010/main" w="9525">
                     <a:solidFill>
                       <a:srgbClr val="000000"/>
                     </a:solidFill>
@@ -9467,7 +9468,7 @@
               </a:ln>
               <a:extLst>
                 <a:ext uri="{91240B29-F687-4f45-9708-019B960494DF}">
-                  <a14:hiddenLine xmlns:a14="http://schemas.microsoft.com/office/drawing/2010/main" xmlns="" w="9525">
+                  <a14:hiddenLine xmlns="" xmlns:a14="http://schemas.microsoft.com/office/drawing/2010/main" w="9525">
                     <a:solidFill>
                       <a:srgbClr val="000000"/>
                     </a:solidFill>
@@ -9529,7 +9530,7 @@
               </a:ln>
               <a:extLst>
                 <a:ext uri="{91240B29-F687-4f45-9708-019B960494DF}">
-                  <a14:hiddenLine xmlns:a14="http://schemas.microsoft.com/office/drawing/2010/main" xmlns="" w="9525">
+                  <a14:hiddenLine xmlns="" xmlns:a14="http://schemas.microsoft.com/office/drawing/2010/main" w="9525">
                     <a:solidFill>
                       <a:srgbClr val="000000"/>
                     </a:solidFill>
@@ -9591,7 +9592,7 @@
               </a:ln>
               <a:extLst>
                 <a:ext uri="{91240B29-F687-4f45-9708-019B960494DF}">
-                  <a14:hiddenLine xmlns:a14="http://schemas.microsoft.com/office/drawing/2010/main" xmlns="" w="9525">
+                  <a14:hiddenLine xmlns="" xmlns:a14="http://schemas.microsoft.com/office/drawing/2010/main" w="9525">
                     <a:solidFill>
                       <a:srgbClr val="000000"/>
                     </a:solidFill>
@@ -9681,7 +9682,7 @@
               </a:ln>
               <a:extLst>
                 <a:ext uri="{91240B29-F687-4f45-9708-019B960494DF}">
-                  <a14:hiddenLine xmlns:a14="http://schemas.microsoft.com/office/drawing/2010/main" xmlns="" w="9525">
+                  <a14:hiddenLine xmlns="" xmlns:a14="http://schemas.microsoft.com/office/drawing/2010/main" w="9525">
                     <a:solidFill>
                       <a:srgbClr val="000000"/>
                     </a:solidFill>
@@ -9771,7 +9772,7 @@
               </a:ln>
               <a:extLst>
                 <a:ext uri="{91240B29-F687-4f45-9708-019B960494DF}">
-                  <a14:hiddenLine xmlns:a14="http://schemas.microsoft.com/office/drawing/2010/main" xmlns="" w="9525">
+                  <a14:hiddenLine xmlns="" xmlns:a14="http://schemas.microsoft.com/office/drawing/2010/main" w="9525">
                     <a:solidFill>
                       <a:srgbClr val="000000"/>
                     </a:solidFill>
@@ -9833,7 +9834,7 @@
               </a:ln>
               <a:extLst>
                 <a:ext uri="{91240B29-F687-4f45-9708-019B960494DF}">
-                  <a14:hiddenLine xmlns:a14="http://schemas.microsoft.com/office/drawing/2010/main" xmlns="" w="9525">
+                  <a14:hiddenLine xmlns="" xmlns:a14="http://schemas.microsoft.com/office/drawing/2010/main" w="9525">
                     <a:solidFill>
                       <a:srgbClr val="000000"/>
                     </a:solidFill>
@@ -9943,7 +9944,7 @@
               </a:ln>
               <a:extLst>
                 <a:ext uri="{91240B29-F687-4f45-9708-019B960494DF}">
-                  <a14:hiddenLine xmlns:a14="http://schemas.microsoft.com/office/drawing/2010/main" xmlns="" w="9525">
+                  <a14:hiddenLine xmlns="" xmlns:a14="http://schemas.microsoft.com/office/drawing/2010/main" w="9525">
                     <a:solidFill>
                       <a:srgbClr val="000000"/>
                     </a:solidFill>
@@ -10027,7 +10028,7 @@
               </a:ln>
               <a:extLst>
                 <a:ext uri="{91240B29-F687-4f45-9708-019B960494DF}">
-                  <a14:hiddenLine xmlns:a14="http://schemas.microsoft.com/office/drawing/2010/main" xmlns="" w="9525">
+                  <a14:hiddenLine xmlns="" xmlns:a14="http://schemas.microsoft.com/office/drawing/2010/main" w="9525">
                     <a:solidFill>
                       <a:srgbClr val="000000"/>
                     </a:solidFill>
@@ -10089,7 +10090,7 @@
               </a:ln>
               <a:extLst>
                 <a:ext uri="{91240B29-F687-4f45-9708-019B960494DF}">
-                  <a14:hiddenLine xmlns:a14="http://schemas.microsoft.com/office/drawing/2010/main" xmlns="" w="9525">
+                  <a14:hiddenLine xmlns="" xmlns:a14="http://schemas.microsoft.com/office/drawing/2010/main" w="9525">
                     <a:solidFill>
                       <a:srgbClr val="000000"/>
                     </a:solidFill>
@@ -10151,7 +10152,7 @@
               </a:ln>
               <a:extLst>
                 <a:ext uri="{91240B29-F687-4f45-9708-019B960494DF}">
-                  <a14:hiddenLine xmlns:a14="http://schemas.microsoft.com/office/drawing/2010/main" xmlns="" w="9525">
+                  <a14:hiddenLine xmlns="" xmlns:a14="http://schemas.microsoft.com/office/drawing/2010/main" w="9525">
                     <a:solidFill>
                       <a:srgbClr val="000000"/>
                     </a:solidFill>
@@ -10241,7 +10242,7 @@
               </a:ln>
               <a:extLst>
                 <a:ext uri="{91240B29-F687-4f45-9708-019B960494DF}">
-                  <a14:hiddenLine xmlns:a14="http://schemas.microsoft.com/office/drawing/2010/main" xmlns="" w="9525">
+                  <a14:hiddenLine xmlns="" xmlns:a14="http://schemas.microsoft.com/office/drawing/2010/main" w="9525">
                     <a:solidFill>
                       <a:srgbClr val="000000"/>
                     </a:solidFill>
@@ -10275,7 +10276,7 @@
               </a:ln>
               <a:extLst>
                 <a:ext uri="{91240B29-F687-4f45-9708-019B960494DF}">
-                  <a14:hiddenLine xmlns:a14="http://schemas.microsoft.com/office/drawing/2010/main" xmlns="" w="9525">
+                  <a14:hiddenLine xmlns="" xmlns:a14="http://schemas.microsoft.com/office/drawing/2010/main" w="9525">
                     <a:solidFill>
                       <a:srgbClr val="000000"/>
                     </a:solidFill>
@@ -10340,7 +10341,7 @@
               </a:ln>
               <a:extLst>
                 <a:ext uri="{91240B29-F687-4f45-9708-019B960494DF}">
-                  <a14:hiddenLine xmlns:a14="http://schemas.microsoft.com/office/drawing/2010/main" xmlns="" w="9525">
+                  <a14:hiddenLine xmlns="" xmlns:a14="http://schemas.microsoft.com/office/drawing/2010/main" w="9525">
                     <a:solidFill>
                       <a:srgbClr val="000000"/>
                     </a:solidFill>
@@ -10430,7 +10431,7 @@
               </a:ln>
               <a:extLst>
                 <a:ext uri="{91240B29-F687-4f45-9708-019B960494DF}">
-                  <a14:hiddenLine xmlns:a14="http://schemas.microsoft.com/office/drawing/2010/main" xmlns="" w="9525">
+                  <a14:hiddenLine xmlns="" xmlns:a14="http://schemas.microsoft.com/office/drawing/2010/main" w="9525">
                     <a:solidFill>
                       <a:srgbClr val="000000"/>
                     </a:solidFill>
@@ -10492,7 +10493,7 @@
               </a:ln>
               <a:extLst>
                 <a:ext uri="{91240B29-F687-4f45-9708-019B960494DF}">
-                  <a14:hiddenLine xmlns:a14="http://schemas.microsoft.com/office/drawing/2010/main" xmlns="" w="9525">
+                  <a14:hiddenLine xmlns="" xmlns:a14="http://schemas.microsoft.com/office/drawing/2010/main" w="9525">
                     <a:solidFill>
                       <a:srgbClr val="000000"/>
                     </a:solidFill>
@@ -10582,7 +10583,7 @@
               </a:ln>
               <a:extLst>
                 <a:ext uri="{91240B29-F687-4f45-9708-019B960494DF}">
-                  <a14:hiddenLine xmlns:a14="http://schemas.microsoft.com/office/drawing/2010/main" xmlns="" w="9525">
+                  <a14:hiddenLine xmlns="" xmlns:a14="http://schemas.microsoft.com/office/drawing/2010/main" w="9525">
                     <a:solidFill>
                       <a:srgbClr val="000000"/>
                     </a:solidFill>
@@ -10647,7 +10648,7 @@
               </a:ln>
               <a:extLst>
                 <a:ext uri="{91240B29-F687-4f45-9708-019B960494DF}">
-                  <a14:hiddenLine xmlns:a14="http://schemas.microsoft.com/office/drawing/2010/main" xmlns="" w="9525">
+                  <a14:hiddenLine xmlns="" xmlns:a14="http://schemas.microsoft.com/office/drawing/2010/main" w="9525">
                     <a:solidFill>
                       <a:srgbClr val="000000"/>
                     </a:solidFill>
@@ -10709,7 +10710,7 @@
               </a:ln>
               <a:extLst>
                 <a:ext uri="{91240B29-F687-4f45-9708-019B960494DF}">
-                  <a14:hiddenLine xmlns:a14="http://schemas.microsoft.com/office/drawing/2010/main" xmlns="" w="9525">
+                  <a14:hiddenLine xmlns="" xmlns:a14="http://schemas.microsoft.com/office/drawing/2010/main" w="9525">
                     <a:solidFill>
                       <a:srgbClr val="000000"/>
                     </a:solidFill>
@@ -10799,7 +10800,7 @@
               </a:ln>
               <a:extLst>
                 <a:ext uri="{91240B29-F687-4f45-9708-019B960494DF}">
-                  <a14:hiddenLine xmlns:a14="http://schemas.microsoft.com/office/drawing/2010/main" xmlns="" w="9525">
+                  <a14:hiddenLine xmlns="" xmlns:a14="http://schemas.microsoft.com/office/drawing/2010/main" w="9525">
                     <a:solidFill>
                       <a:srgbClr val="000000"/>
                     </a:solidFill>
@@ -10889,7 +10890,7 @@
               </a:ln>
               <a:extLst>
                 <a:ext uri="{91240B29-F687-4f45-9708-019B960494DF}">
-                  <a14:hiddenLine xmlns:a14="http://schemas.microsoft.com/office/drawing/2010/main" xmlns="" w="9525">
+                  <a14:hiddenLine xmlns="" xmlns:a14="http://schemas.microsoft.com/office/drawing/2010/main" w="9525">
                     <a:solidFill>
                       <a:srgbClr val="000000"/>
                     </a:solidFill>
@@ -10954,7 +10955,7 @@
               </a:ln>
               <a:extLst>
                 <a:ext uri="{91240B29-F687-4f45-9708-019B960494DF}">
-                  <a14:hiddenLine xmlns:a14="http://schemas.microsoft.com/office/drawing/2010/main" xmlns="" w="9525">
+                  <a14:hiddenLine xmlns="" xmlns:a14="http://schemas.microsoft.com/office/drawing/2010/main" w="9525">
                     <a:solidFill>
                       <a:srgbClr val="000000"/>
                     </a:solidFill>
@@ -11074,7 +11075,7 @@
               </a:ln>
               <a:extLst>
                 <a:ext uri="{91240B29-F687-4f45-9708-019B960494DF}">
-                  <a14:hiddenLine xmlns:a14="http://schemas.microsoft.com/office/drawing/2010/main" xmlns="" w="9525">
+                  <a14:hiddenLine xmlns="" xmlns:a14="http://schemas.microsoft.com/office/drawing/2010/main" w="9525">
                     <a:solidFill>
                       <a:srgbClr val="000000"/>
                     </a:solidFill>
@@ -11172,7 +11173,7 @@
               </a:ln>
               <a:extLst>
                 <a:ext uri="{91240B29-F687-4f45-9708-019B960494DF}">
-                  <a14:hiddenLine xmlns:a14="http://schemas.microsoft.com/office/drawing/2010/main" xmlns="" w="9525">
+                  <a14:hiddenLine xmlns="" xmlns:a14="http://schemas.microsoft.com/office/drawing/2010/main" w="9525">
                     <a:solidFill>
                       <a:srgbClr val="000000"/>
                     </a:solidFill>
@@ -11287,7 +11288,7 @@
               </a:ln>
               <a:extLst>
                 <a:ext uri="{91240B29-F687-4f45-9708-019B960494DF}">
-                  <a14:hiddenLine xmlns:a14="http://schemas.microsoft.com/office/drawing/2010/main" xmlns="" w="9525">
+                  <a14:hiddenLine xmlns="" xmlns:a14="http://schemas.microsoft.com/office/drawing/2010/main" w="9525">
                     <a:solidFill>
                       <a:srgbClr val="000000"/>
                     </a:solidFill>
@@ -11377,7 +11378,7 @@
               </a:ln>
               <a:extLst>
                 <a:ext uri="{91240B29-F687-4f45-9708-019B960494DF}">
-                  <a14:hiddenLine xmlns:a14="http://schemas.microsoft.com/office/drawing/2010/main" xmlns="" w="9525">
+                  <a14:hiddenLine xmlns="" xmlns:a14="http://schemas.microsoft.com/office/drawing/2010/main" w="9525">
                     <a:solidFill>
                       <a:srgbClr val="000000"/>
                     </a:solidFill>
@@ -11442,7 +11443,7 @@
               </a:ln>
               <a:extLst>
                 <a:ext uri="{91240B29-F687-4f45-9708-019B960494DF}">
-                  <a14:hiddenLine xmlns:a14="http://schemas.microsoft.com/office/drawing/2010/main" xmlns="" w="9525">
+                  <a14:hiddenLine xmlns="" xmlns:a14="http://schemas.microsoft.com/office/drawing/2010/main" w="9525">
                     <a:solidFill>
                       <a:srgbClr val="000000"/>
                     </a:solidFill>
@@ -11532,7 +11533,7 @@
               </a:ln>
               <a:extLst>
                 <a:ext uri="{91240B29-F687-4f45-9708-019B960494DF}">
-                  <a14:hiddenLine xmlns:a14="http://schemas.microsoft.com/office/drawing/2010/main" xmlns="" w="9525">
+                  <a14:hiddenLine xmlns="" xmlns:a14="http://schemas.microsoft.com/office/drawing/2010/main" w="9525">
                     <a:solidFill>
                       <a:srgbClr val="000000"/>
                     </a:solidFill>
@@ -11600,7 +11601,7 @@
               </a:ln>
               <a:extLst>
                 <a:ext uri="{91240B29-F687-4f45-9708-019B960494DF}">
-                  <a14:hiddenLine xmlns:a14="http://schemas.microsoft.com/office/drawing/2010/main" xmlns="" w="9525">
+                  <a14:hiddenLine xmlns="" xmlns:a14="http://schemas.microsoft.com/office/drawing/2010/main" w="9525">
                     <a:solidFill>
                       <a:srgbClr val="000000"/>
                     </a:solidFill>
@@ -11690,7 +11691,7 @@
               </a:ln>
               <a:extLst>
                 <a:ext uri="{91240B29-F687-4f45-9708-019B960494DF}">
-                  <a14:hiddenLine xmlns:a14="http://schemas.microsoft.com/office/drawing/2010/main" xmlns="" w="9525">
+                  <a14:hiddenLine xmlns="" xmlns:a14="http://schemas.microsoft.com/office/drawing/2010/main" w="9525">
                     <a:solidFill>
                       <a:srgbClr val="000000"/>
                     </a:solidFill>
@@ -11758,7 +11759,7 @@
               </a:ln>
               <a:extLst>
                 <a:ext uri="{91240B29-F687-4f45-9708-019B960494DF}">
-                  <a14:hiddenLine xmlns:a14="http://schemas.microsoft.com/office/drawing/2010/main" xmlns="" w="9525">
+                  <a14:hiddenLine xmlns="" xmlns:a14="http://schemas.microsoft.com/office/drawing/2010/main" w="9525">
                     <a:solidFill>
                       <a:srgbClr val="000000"/>
                     </a:solidFill>
@@ -11848,7 +11849,7 @@
               </a:ln>
               <a:extLst>
                 <a:ext uri="{91240B29-F687-4f45-9708-019B960494DF}">
-                  <a14:hiddenLine xmlns:a14="http://schemas.microsoft.com/office/drawing/2010/main" xmlns="" w="9525">
+                  <a14:hiddenLine xmlns="" xmlns:a14="http://schemas.microsoft.com/office/drawing/2010/main" w="9525">
                     <a:solidFill>
                       <a:srgbClr val="000000"/>
                     </a:solidFill>
@@ -11882,7 +11883,7 @@
               </a:ln>
               <a:extLst>
                 <a:ext uri="{91240B29-F687-4f45-9708-019B960494DF}">
-                  <a14:hiddenLine xmlns:a14="http://schemas.microsoft.com/office/drawing/2010/main" xmlns="" w="9525">
+                  <a14:hiddenLine xmlns="" xmlns:a14="http://schemas.microsoft.com/office/drawing/2010/main" w="9525">
                     <a:solidFill>
                       <a:srgbClr val="000000"/>
                     </a:solidFill>
@@ -12022,7 +12023,7 @@
           <a:p>
             <a:fld id="{72C3057E-6F7F-48D3-BE23-2D60489F3EB6}" type="datetimeFigureOut">
               <a:rPr lang="en-GB" smtClean="0"/>
-              <a:t>05/12/2019</a:t>
+              <a:t>06/12/2019</a:t>
             </a:fld>
             <a:endParaRPr lang="en-GB"/>
           </a:p>
@@ -12797,30 +12798,6 @@
 <file path=ppt/slides/slide4.xml><?xml version="1.0" encoding="utf-8"?>
 <p:sld xmlns:a="http://schemas.openxmlformats.org/drawingml/2006/main" xmlns:r="http://schemas.openxmlformats.org/officeDocument/2006/relationships" xmlns:p="http://schemas.openxmlformats.org/presentationml/2006/main">
   <p:cSld>
-    <p:bg>
-      <p:bgPr>
-        <a:blipFill>
-          <a:blip r:embed="rId2">
-            <a:duotone>
-              <a:schemeClr val="bg2">
-                <a:shade val="88000"/>
-                <a:hueMod val="106000"/>
-                <a:satMod val="140000"/>
-                <a:lumMod val="54000"/>
-              </a:schemeClr>
-              <a:schemeClr val="bg2">
-                <a:tint val="98000"/>
-                <a:hueMod val="90000"/>
-                <a:satMod val="150000"/>
-                <a:lumMod val="160000"/>
-              </a:schemeClr>
-            </a:duotone>
-          </a:blip>
-          <a:stretch/>
-        </a:blipFill>
-        <a:effectLst/>
-      </p:bgPr>
-    </p:bg>
     <p:spTree>
       <p:nvGrpSpPr>
         <p:cNvPr id="1" name=""/>
@@ -12840,7 +12817,7 @@
           <p:cNvPr id="2" name="Title 1">
             <a:extLst>
               <a:ext uri="{FF2B5EF4-FFF2-40B4-BE49-F238E27FC236}">
-                <a16:creationId xmlns:a16="http://schemas.microsoft.com/office/drawing/2014/main" id="{ADB8B134-7998-42C2-8FB7-B3DB055F3FD6}"/>
+                <a16:creationId xmlns:a16="http://schemas.microsoft.com/office/drawing/2014/main" id="{BF04A687-9117-4174-A991-C3E7641FAAEA}"/>
               </a:ext>
             </a:extLst>
           </p:cNvPr>
@@ -12853,110 +12830,52 @@
         </p:nvSpPr>
         <p:spPr>
           <a:xfrm>
-            <a:off x="6569957" y="618518"/>
-            <a:ext cx="4747088" cy="1478570"/>
+            <a:off x="1141413" y="385268"/>
+            <a:ext cx="9905998" cy="1478570"/>
           </a:xfrm>
         </p:spPr>
         <p:txBody>
-          <a:bodyPr>
-            <a:normAutofit/>
-          </a:bodyPr>
+          <a:bodyPr/>
           <a:lstStyle/>
           <a:p>
             <a:r>
-              <a:rPr lang="en-GB"/>
-              <a:t>Huffman enCoding</a:t>
+              <a:rPr lang="en-GB" dirty="0"/>
+              <a:t>Huffman encoding</a:t>
             </a:r>
-            <a:endParaRPr lang="en-GB" dirty="0"/>
           </a:p>
         </p:txBody>
       </p:sp>
       <p:sp>
         <p:nvSpPr>
-          <p:cNvPr id="73" name="Round Diagonal Corner Rectangle 9">
+          <p:cNvPr id="3" name="Content Placeholder 2">
             <a:extLst>
               <a:ext uri="{FF2B5EF4-FFF2-40B4-BE49-F238E27FC236}">
-                <a16:creationId xmlns:a16="http://schemas.microsoft.com/office/drawing/2014/main" id="{A3D1FEF8-5149-4AC1-8D77-B256637FB797}"/>
-              </a:ext>
-              <a:ext uri="{C183D7F6-B498-43B3-948B-1728B52AA6E4}">
-                <adec:decorative xmlns:adec="http://schemas.microsoft.com/office/drawing/2017/decorative" val="1"/>
+                <a16:creationId xmlns:a16="http://schemas.microsoft.com/office/drawing/2014/main" id="{36808C61-79B9-429B-8D52-45F368CB03D5}"/>
               </a:ext>
             </a:extLst>
           </p:cNvPr>
           <p:cNvSpPr>
-            <a:spLocks noGrp="1" noRot="1" noChangeAspect="1" noMove="1" noResize="1" noEditPoints="1" noAdjustHandles="1" noChangeArrowheads="1" noChangeShapeType="1" noTextEdit="1"/>
+            <a:spLocks noGrp="1"/>
           </p:cNvSpPr>
           <p:nvPr>
-            <p:extLst>
-              <p:ext uri="{386F3935-93C4-4BCD-93E2-E3B085C9AB24}">
-                <p16:designElem xmlns:p16="http://schemas.microsoft.com/office/powerpoint/2015/main" val="1"/>
-              </p:ext>
-            </p:extLst>
+            <p:ph idx="1"/>
           </p:nvPr>
         </p:nvSpPr>
-        <p:spPr>
-          <a:xfrm>
-            <a:off x="798950" y="808057"/>
-            <a:ext cx="5286376" cy="5234394"/>
-          </a:xfrm>
-          <a:prstGeom prst="round2DiagRect">
-            <a:avLst>
-              <a:gd name="adj1" fmla="val 7418"/>
-              <a:gd name="adj2" fmla="val 0"/>
-            </a:avLst>
-          </a:prstGeom>
-          <a:solidFill>
-            <a:srgbClr val="FFFFFF"/>
-          </a:solidFill>
-          <a:ln w="19050" cap="sq">
-            <a:solidFill>
-              <a:schemeClr val="tx2">
-                <a:lumMod val="60000"/>
-                <a:lumOff val="40000"/>
-                <a:alpha val="60000"/>
-              </a:schemeClr>
-            </a:solidFill>
-            <a:miter lim="800000"/>
-          </a:ln>
-          <a:effectLst>
-            <a:outerShdw blurRad="88900" dist="38100" dir="5400000" algn="t" rotWithShape="0">
-              <a:prstClr val="black">
-                <a:alpha val="40000"/>
-              </a:prstClr>
-            </a:outerShdw>
-          </a:effectLst>
-        </p:spPr>
-        <p:style>
-          <a:lnRef idx="2">
-            <a:schemeClr val="accent1">
-              <a:shade val="50000"/>
-            </a:schemeClr>
-          </a:lnRef>
-          <a:fillRef idx="1">
-            <a:schemeClr val="accent1"/>
-          </a:fillRef>
-          <a:effectRef idx="0">
-            <a:schemeClr val="accent1"/>
-          </a:effectRef>
-          <a:fontRef idx="minor">
-            <a:schemeClr val="lt1"/>
-          </a:fontRef>
-        </p:style>
+        <p:spPr/>
         <p:txBody>
-          <a:bodyPr rtlCol="0" anchor="ctr"/>
+          <a:bodyPr/>
           <a:lstStyle/>
           <a:p>
-            <a:pPr algn="ctr"/>
-            <a:endParaRPr lang="en-US"/>
+            <a:endParaRPr lang="en-GB" dirty="0"/>
           </a:p>
         </p:txBody>
       </p:sp>
       <p:pic>
         <p:nvPicPr>
-          <p:cNvPr id="1028" name="Picture 4">
+          <p:cNvPr id="4" name="Picture 2">
             <a:extLst>
               <a:ext uri="{FF2B5EF4-FFF2-40B4-BE49-F238E27FC236}">
-                <a16:creationId xmlns:a16="http://schemas.microsoft.com/office/drawing/2014/main" id="{5259CFED-301B-4929-A283-A6E7017717B8}"/>
+                <a16:creationId xmlns:a16="http://schemas.microsoft.com/office/drawing/2014/main" id="{6C820C96-9ABA-4BDE-BEF9-A2CA0774D6C0}"/>
               </a:ext>
             </a:extLst>
           </p:cNvPr>
@@ -12965,22 +12884,21 @@
           </p:cNvPicPr>
           <p:nvPr/>
         </p:nvPicPr>
-        <p:blipFill>
-          <a:blip r:embed="rId3">
+        <p:blipFill rotWithShape="1">
+          <a:blip r:embed="rId2">
             <a:extLst>
               <a:ext uri="{28A0092B-C50C-407E-A947-70E740481C1C}">
                 <a14:useLocalDpi xmlns:a14="http://schemas.microsoft.com/office/drawing/2010/main" val="0"/>
               </a:ext>
             </a:extLst>
           </a:blip>
-          <a:stretch>
-            <a:fillRect/>
-          </a:stretch>
+          <a:srcRect r="33421"/>
+          <a:stretch/>
         </p:blipFill>
         <p:spPr bwMode="auto">
           <a:xfrm>
-            <a:off x="787157" y="1173464"/>
-            <a:ext cx="5286375" cy="2154198"/>
+            <a:off x="626329" y="3641103"/>
+            <a:ext cx="5689631" cy="3216897"/>
           </a:xfrm>
           <a:prstGeom prst="rect">
             <a:avLst/>
@@ -12999,103 +12917,66 @@
       </p:pic>
       <p:pic>
         <p:nvPicPr>
-          <p:cNvPr id="1026" name="Picture 2">
+          <p:cNvPr id="5" name="Picture 4">
             <a:extLst>
               <a:ext uri="{FF2B5EF4-FFF2-40B4-BE49-F238E27FC236}">
-                <a16:creationId xmlns:a16="http://schemas.microsoft.com/office/drawing/2014/main" id="{D278D38B-346A-4CDF-B165-0BA69A876CB7}"/>
+                <a16:creationId xmlns:a16="http://schemas.microsoft.com/office/drawing/2014/main" id="{AA4EA590-AE22-49B3-8758-B8DD78B64655}"/>
               </a:ext>
             </a:extLst>
           </p:cNvPr>
           <p:cNvPicPr>
-            <a:picLocks noChangeAspect="1" noChangeArrowheads="1"/>
+            <a:picLocks noChangeAspect="1"/>
           </p:cNvPicPr>
           <p:nvPr/>
         </p:nvPicPr>
-        <p:blipFill>
-          <a:blip r:embed="rId4">
-            <a:extLst>
-              <a:ext uri="{28A0092B-C50C-407E-A947-70E740481C1C}">
-                <a14:useLocalDpi xmlns:a14="http://schemas.microsoft.com/office/drawing/2010/main" val="0"/>
-              </a:ext>
-            </a:extLst>
-          </a:blip>
-          <a:stretch>
-            <a:fillRect/>
-          </a:stretch>
+        <p:blipFill rotWithShape="1">
+          <a:blip r:embed="rId3"/>
+          <a:srcRect l="29227" t="47285" r="40657" b="26117"/>
+          <a:stretch/>
         </p:blipFill>
-        <p:spPr bwMode="auto">
+        <p:spPr>
           <a:xfrm>
-            <a:off x="787157" y="3539645"/>
-            <a:ext cx="5286375" cy="2154198"/>
+            <a:off x="1503575" y="1487884"/>
+            <a:ext cx="3671740" cy="1824087"/>
           </a:xfrm>
           <a:prstGeom prst="rect">
             <a:avLst/>
           </a:prstGeom>
-          <a:noFill/>
-          <a:extLst>
-            <a:ext uri="{909E8E84-426E-40DD-AFC4-6F175D3DCCD1}">
-              <a14:hiddenFill xmlns:a14="http://schemas.microsoft.com/office/drawing/2010/main">
-                <a:solidFill>
-                  <a:srgbClr val="FFFFFF"/>
-                </a:solidFill>
-              </a14:hiddenFill>
-            </a:ext>
-          </a:extLst>
         </p:spPr>
       </p:pic>
-      <p:sp>
-        <p:nvSpPr>
-          <p:cNvPr id="3" name="Content Placeholder 2">
+      <p:pic>
+        <p:nvPicPr>
+          <p:cNvPr id="6" name="Picture 5">
             <a:extLst>
               <a:ext uri="{FF2B5EF4-FFF2-40B4-BE49-F238E27FC236}">
-                <a16:creationId xmlns:a16="http://schemas.microsoft.com/office/drawing/2014/main" id="{DE20419A-F660-4A2E-AFD1-01F8E2A403CF}"/>
+                <a16:creationId xmlns:a16="http://schemas.microsoft.com/office/drawing/2014/main" id="{2D696CA1-9F76-41E5-A6EC-7C9BE553B79D}"/>
               </a:ext>
             </a:extLst>
           </p:cNvPr>
-          <p:cNvSpPr>
-            <a:spLocks noGrp="1"/>
-          </p:cNvSpPr>
-          <p:nvPr>
-            <p:ph idx="1"/>
-          </p:nvPr>
-        </p:nvSpPr>
+          <p:cNvPicPr>
+            <a:picLocks noChangeAspect="1"/>
+          </p:cNvPicPr>
+          <p:nvPr/>
+        </p:nvPicPr>
+        <p:blipFill rotWithShape="1">
+          <a:blip r:embed="rId4"/>
+          <a:srcRect l="29381" t="35258" r="32848" b="13099"/>
+          <a:stretch/>
+        </p:blipFill>
         <p:spPr>
           <a:xfrm>
-            <a:off x="6569957" y="2249487"/>
-            <a:ext cx="4747087" cy="3541714"/>
+            <a:off x="6678122" y="1066799"/>
+            <a:ext cx="4604993" cy="3541715"/>
           </a:xfrm>
+          <a:prstGeom prst="rect">
+            <a:avLst/>
+          </a:prstGeom>
         </p:spPr>
-        <p:txBody>
-          <a:bodyPr>
-            <a:normAutofit/>
-          </a:bodyPr>
-          <a:lstStyle/>
-          <a:p>
-            <a:pPr>
-              <a:buFont typeface="Wingdings" panose="05000000000000000000" pitchFamily="2" charset="2"/>
-              <a:buChar char="Ø"/>
-            </a:pPr>
-            <a:r>
-              <a:rPr lang="en-GB" dirty="0"/>
-              <a:t>Compression ratio centred around 85% for 50 readings and 95% for 350 readings</a:t>
-            </a:r>
-          </a:p>
-          <a:p>
-            <a:pPr>
-              <a:buFont typeface="Wingdings" panose="05000000000000000000" pitchFamily="2" charset="2"/>
-              <a:buChar char="Ø"/>
-            </a:pPr>
-            <a:r>
-              <a:rPr lang="en-GB" dirty="0"/>
-              <a:t>Despite its widespread usage, Huffman cannot be used for our set of time series data</a:t>
-            </a:r>
-          </a:p>
-        </p:txBody>
-      </p:sp>
+      </p:pic>
     </p:spTree>
     <p:extLst>
       <p:ext uri="{BB962C8B-B14F-4D97-AF65-F5344CB8AC3E}">
-        <p14:creationId xmlns:p14="http://schemas.microsoft.com/office/powerpoint/2010/main" val="2158541264"/>
+        <p14:creationId xmlns:p14="http://schemas.microsoft.com/office/powerpoint/2010/main" val="3707204851"/>
       </p:ext>
     </p:extLst>
   </p:cSld>
@@ -13177,40 +13058,49 @@
         </p:nvSpPr>
         <p:spPr>
           <a:xfrm>
-            <a:off x="773768" y="1811142"/>
+            <a:off x="773768" y="2916819"/>
             <a:ext cx="9905999" cy="3541714"/>
           </a:xfrm>
         </p:spPr>
         <p:txBody>
-          <a:bodyPr/>
+          <a:bodyPr>
+            <a:normAutofit/>
+          </a:bodyPr>
           <a:lstStyle/>
           <a:p>
             <a:pPr>
               <a:buFont typeface="Wingdings" panose="05000000000000000000" pitchFamily="2" charset="2"/>
               <a:buChar char="Ø"/>
             </a:pPr>
-            <a:endParaRPr lang="en-GB" dirty="0"/>
+            <a:endParaRPr lang="en-GB" sz="2000" dirty="0"/>
           </a:p>
           <a:p>
             <a:pPr>
               <a:buFont typeface="Wingdings" panose="05000000000000000000" pitchFamily="2" charset="2"/>
               <a:buChar char="Ø"/>
             </a:pPr>
-            <a:endParaRPr lang="en-GB" dirty="0"/>
+            <a:endParaRPr lang="en-GB" sz="2000" dirty="0"/>
           </a:p>
           <a:p>
             <a:pPr>
               <a:buFont typeface="Wingdings" panose="05000000000000000000" pitchFamily="2" charset="2"/>
               <a:buChar char="Ø"/>
             </a:pPr>
-            <a:endParaRPr lang="en-GB" dirty="0"/>
+            <a:endParaRPr lang="en-GB" sz="2000" dirty="0"/>
           </a:p>
           <a:p>
             <a:pPr>
               <a:buFont typeface="Wingdings" panose="05000000000000000000" pitchFamily="2" charset="2"/>
               <a:buChar char="Ø"/>
             </a:pPr>
-            <a:endParaRPr lang="en-GB" dirty="0"/>
+            <a:endParaRPr lang="en-GB" sz="2000" dirty="0"/>
+          </a:p>
+          <a:p>
+            <a:pPr>
+              <a:buFont typeface="Wingdings" panose="05000000000000000000" pitchFamily="2" charset="2"/>
+              <a:buChar char="Ø"/>
+            </a:pPr>
+            <a:endParaRPr lang="en-GB" sz="2000" dirty="0"/>
           </a:p>
           <a:p>
             <a:pPr>
@@ -13218,7 +13108,7 @@
               <a:buChar char="Ø"/>
             </a:pPr>
             <a:r>
-              <a:rPr lang="en-GB" dirty="0"/>
+              <a:rPr lang="en-GB" sz="2000" dirty="0"/>
               <a:t>Optimal M value inconsistent across axes</a:t>
             </a:r>
           </a:p>
@@ -13228,41 +13118,12 @@
               <a:buChar char="Ø"/>
             </a:pPr>
             <a:r>
-              <a:rPr lang="en-GB" dirty="0"/>
+              <a:rPr lang="en-GB" sz="2000" dirty="0"/>
               <a:t>Provides compression ratio of 31%</a:t>
             </a:r>
           </a:p>
         </p:txBody>
       </p:sp>
-      <p:pic>
-        <p:nvPicPr>
-          <p:cNvPr id="4" name="Picture 3">
-            <a:extLst>
-              <a:ext uri="{FF2B5EF4-FFF2-40B4-BE49-F238E27FC236}">
-                <a16:creationId xmlns:a16="http://schemas.microsoft.com/office/drawing/2014/main" id="{A259EB87-B87D-48FE-81FC-7A76563AED80}"/>
-              </a:ext>
-            </a:extLst>
-          </p:cNvPr>
-          <p:cNvPicPr>
-            <a:picLocks noChangeAspect="1"/>
-          </p:cNvPicPr>
-          <p:nvPr/>
-        </p:nvPicPr>
-        <p:blipFill rotWithShape="1">
-          <a:blip r:embed="rId2"/>
-          <a:srcRect l="24162" t="29142" r="53454" b="35326"/>
-          <a:stretch/>
-        </p:blipFill>
-        <p:spPr>
-          <a:xfrm>
-            <a:off x="835863" y="1588233"/>
-            <a:ext cx="2729060" cy="2436829"/>
-          </a:xfrm>
-          <a:prstGeom prst="rect">
-            <a:avLst/>
-          </a:prstGeom>
-        </p:spPr>
-      </p:pic>
       <p:pic>
         <p:nvPicPr>
           <p:cNvPr id="7" name="Picture 2">
@@ -13278,7 +13139,7 @@
           <p:nvPr/>
         </p:nvPicPr>
         <p:blipFill rotWithShape="1">
-          <a:blip r:embed="rId3">
+          <a:blip r:embed="rId2">
             <a:extLst>
               <a:ext uri="{28A0092B-C50C-407E-A947-70E740481C1C}">
                 <a14:useLocalDpi xmlns:a14="http://schemas.microsoft.com/office/drawing/2010/main" val="0"/>
@@ -13290,7 +13151,7 @@
         </p:blipFill>
         <p:spPr bwMode="auto">
           <a:xfrm>
-            <a:off x="5988433" y="0"/>
+            <a:off x="7042792" y="0"/>
             <a:ext cx="4718420" cy="2321902"/>
           </a:xfrm>
           <a:prstGeom prst="rect">
@@ -13323,7 +13184,7 @@
           <p:nvPr/>
         </p:nvPicPr>
         <p:blipFill rotWithShape="1">
-          <a:blip r:embed="rId3">
+          <a:blip r:embed="rId2">
             <a:extLst>
               <a:ext uri="{28A0092B-C50C-407E-A947-70E740481C1C}">
                 <a14:useLocalDpi xmlns:a14="http://schemas.microsoft.com/office/drawing/2010/main" val="0"/>
@@ -13335,7 +13196,7 @@
         </p:blipFill>
         <p:spPr bwMode="auto">
           <a:xfrm>
-            <a:off x="5988433" y="2248100"/>
+            <a:off x="7042792" y="2248100"/>
             <a:ext cx="4718420" cy="2322285"/>
           </a:xfrm>
           <a:prstGeom prst="rect">
@@ -13368,7 +13229,7 @@
           <p:nvPr/>
         </p:nvPicPr>
         <p:blipFill rotWithShape="1">
-          <a:blip r:embed="rId3">
+          <a:blip r:embed="rId2">
             <a:extLst>
               <a:ext uri="{28A0092B-C50C-407E-A947-70E740481C1C}">
                 <a14:useLocalDpi xmlns:a14="http://schemas.microsoft.com/office/drawing/2010/main" val="0"/>
@@ -13380,7 +13241,7 @@
         </p:blipFill>
         <p:spPr bwMode="auto">
           <a:xfrm>
-            <a:off x="5988433" y="4570385"/>
+            <a:off x="7042792" y="4570385"/>
             <a:ext cx="4718420" cy="2321902"/>
           </a:xfrm>
           <a:prstGeom prst="rect">
@@ -13398,35 +13259,2038 @@
           </a:extLst>
         </p:spPr>
       </p:pic>
-      <p:pic>
-        <p:nvPicPr>
-          <p:cNvPr id="5" name="Picture 4">
+      <p:grpSp>
+        <p:nvGrpSpPr>
+          <p:cNvPr id="79" name="Group 78">
             <a:extLst>
               <a:ext uri="{FF2B5EF4-FFF2-40B4-BE49-F238E27FC236}">
-                <a16:creationId xmlns:a16="http://schemas.microsoft.com/office/drawing/2014/main" id="{4DE50E66-BFEA-48DF-AE3B-D9EC29F1F71C}"/>
+                <a16:creationId xmlns:a16="http://schemas.microsoft.com/office/drawing/2014/main" id="{BDD62F2C-3C05-4918-BCD2-1347E915A6F5}"/>
               </a:ext>
             </a:extLst>
           </p:cNvPr>
-          <p:cNvPicPr>
-            <a:picLocks noChangeAspect="1"/>
-          </p:cNvPicPr>
+          <p:cNvGrpSpPr/>
           <p:nvPr/>
-        </p:nvPicPr>
-        <p:blipFill rotWithShape="1">
-          <a:blip r:embed="rId4"/>
-          <a:srcRect l="24405" t="33603" r="63333" b="30864"/>
-          <a:stretch/>
-        </p:blipFill>
-        <p:spPr>
+        </p:nvGrpSpPr>
+        <p:grpSpPr>
           <a:xfrm>
-            <a:off x="3972619" y="1597659"/>
-            <a:ext cx="1494972" cy="2436829"/>
+            <a:off x="430788" y="3381512"/>
+            <a:ext cx="6263926" cy="1919555"/>
+            <a:chOff x="1003707" y="498886"/>
+            <a:chExt cx="5265012" cy="1919555"/>
           </a:xfrm>
-          <a:prstGeom prst="rect">
-            <a:avLst/>
-          </a:prstGeom>
-        </p:spPr>
-      </p:pic>
+        </p:grpSpPr>
+        <p:sp>
+          <p:nvSpPr>
+            <p:cNvPr id="80" name="Rectangle 79">
+              <a:extLst>
+                <a:ext uri="{FF2B5EF4-FFF2-40B4-BE49-F238E27FC236}">
+                  <a16:creationId xmlns:a16="http://schemas.microsoft.com/office/drawing/2014/main" id="{2C465D66-3667-4304-8B9D-FE1D44AC7F8C}"/>
+                </a:ext>
+              </a:extLst>
+            </p:cNvPr>
+            <p:cNvSpPr/>
+            <p:nvPr/>
+          </p:nvSpPr>
+          <p:spPr>
+            <a:xfrm>
+              <a:off x="1135891" y="1564647"/>
+              <a:ext cx="566088" cy="362809"/>
+            </a:xfrm>
+            <a:prstGeom prst="rect">
+              <a:avLst/>
+            </a:prstGeom>
+          </p:spPr>
+          <p:style>
+            <a:lnRef idx="2">
+              <a:schemeClr val="accent1">
+                <a:shade val="50000"/>
+              </a:schemeClr>
+            </a:lnRef>
+            <a:fillRef idx="1">
+              <a:schemeClr val="accent1"/>
+            </a:fillRef>
+            <a:effectRef idx="0">
+              <a:schemeClr val="accent1"/>
+            </a:effectRef>
+            <a:fontRef idx="minor">
+              <a:schemeClr val="lt1"/>
+            </a:fontRef>
+          </p:style>
+          <p:txBody>
+            <a:bodyPr rtlCol="0" anchor="ctr"/>
+            <a:lstStyle/>
+            <a:p>
+              <a:pPr algn="ctr"/>
+              <a:r>
+                <a:rPr lang="en-GB" sz="1400" dirty="0"/>
+                <a:t>14</a:t>
+              </a:r>
+            </a:p>
+          </p:txBody>
+        </p:sp>
+        <p:sp>
+          <p:nvSpPr>
+            <p:cNvPr id="81" name="Rectangle 80">
+              <a:extLst>
+                <a:ext uri="{FF2B5EF4-FFF2-40B4-BE49-F238E27FC236}">
+                  <a16:creationId xmlns:a16="http://schemas.microsoft.com/office/drawing/2014/main" id="{8F16B56C-1FBC-410C-BCDD-D17077D7E92E}"/>
+                </a:ext>
+              </a:extLst>
+            </p:cNvPr>
+            <p:cNvSpPr/>
+            <p:nvPr/>
+          </p:nvSpPr>
+          <p:spPr>
+            <a:xfrm>
+              <a:off x="1898683" y="2055632"/>
+              <a:ext cx="1052901" cy="362809"/>
+            </a:xfrm>
+            <a:prstGeom prst="rect">
+              <a:avLst/>
+            </a:prstGeom>
+          </p:spPr>
+          <p:style>
+            <a:lnRef idx="2">
+              <a:schemeClr val="accent1">
+                <a:shade val="50000"/>
+              </a:schemeClr>
+            </a:lnRef>
+            <a:fillRef idx="1">
+              <a:schemeClr val="accent1"/>
+            </a:fillRef>
+            <a:effectRef idx="0">
+              <a:schemeClr val="accent1"/>
+            </a:effectRef>
+            <a:fontRef idx="minor">
+              <a:schemeClr val="lt1"/>
+            </a:fontRef>
+          </p:style>
+          <p:txBody>
+            <a:bodyPr rtlCol="0" anchor="ctr"/>
+            <a:lstStyle/>
+            <a:p>
+              <a:pPr algn="ctr"/>
+              <a:r>
+                <a:rPr lang="en-GB" sz="1200" dirty="0"/>
+                <a:t>q=2</a:t>
+              </a:r>
+            </a:p>
+          </p:txBody>
+        </p:sp>
+        <p:sp>
+          <p:nvSpPr>
+            <p:cNvPr id="82" name="Rectangle 81">
+              <a:extLst>
+                <a:ext uri="{FF2B5EF4-FFF2-40B4-BE49-F238E27FC236}">
+                  <a16:creationId xmlns:a16="http://schemas.microsoft.com/office/drawing/2014/main" id="{8C3E7A8F-FD83-48DC-B334-80752D5DE630}"/>
+                </a:ext>
+              </a:extLst>
+            </p:cNvPr>
+            <p:cNvSpPr/>
+            <p:nvPr/>
+          </p:nvSpPr>
+          <p:spPr>
+            <a:xfrm>
+              <a:off x="1898683" y="995491"/>
+              <a:ext cx="1052901" cy="362809"/>
+            </a:xfrm>
+            <a:prstGeom prst="rect">
+              <a:avLst/>
+            </a:prstGeom>
+          </p:spPr>
+          <p:style>
+            <a:lnRef idx="2">
+              <a:schemeClr val="accent1">
+                <a:shade val="50000"/>
+              </a:schemeClr>
+            </a:lnRef>
+            <a:fillRef idx="1">
+              <a:schemeClr val="accent1"/>
+            </a:fillRef>
+            <a:effectRef idx="0">
+              <a:schemeClr val="accent1"/>
+            </a:effectRef>
+            <a:fontRef idx="minor">
+              <a:schemeClr val="lt1"/>
+            </a:fontRef>
+          </p:style>
+          <p:txBody>
+            <a:bodyPr rtlCol="0" anchor="ctr"/>
+            <a:lstStyle/>
+            <a:p>
+              <a:pPr algn="ctr"/>
+              <a:r>
+                <a:rPr lang="en-GB" sz="1200" dirty="0"/>
+                <a:t>r=4</a:t>
+              </a:r>
+            </a:p>
+          </p:txBody>
+        </p:sp>
+        <p:sp>
+          <p:nvSpPr>
+            <p:cNvPr id="83" name="Rectangle 82">
+              <a:extLst>
+                <a:ext uri="{FF2B5EF4-FFF2-40B4-BE49-F238E27FC236}">
+                  <a16:creationId xmlns:a16="http://schemas.microsoft.com/office/drawing/2014/main" id="{F48BE280-E016-4D06-9C3D-083A50DBB63E}"/>
+                </a:ext>
+              </a:extLst>
+            </p:cNvPr>
+            <p:cNvSpPr/>
+            <p:nvPr/>
+          </p:nvSpPr>
+          <p:spPr>
+            <a:xfrm>
+              <a:off x="3163042" y="995490"/>
+              <a:ext cx="1052901" cy="362809"/>
+            </a:xfrm>
+            <a:prstGeom prst="rect">
+              <a:avLst/>
+            </a:prstGeom>
+          </p:spPr>
+          <p:style>
+            <a:lnRef idx="2">
+              <a:schemeClr val="accent1">
+                <a:shade val="50000"/>
+              </a:schemeClr>
+            </a:lnRef>
+            <a:fillRef idx="1">
+              <a:schemeClr val="accent1"/>
+            </a:fillRef>
+            <a:effectRef idx="0">
+              <a:schemeClr val="accent1"/>
+            </a:effectRef>
+            <a:fontRef idx="minor">
+              <a:schemeClr val="lt1"/>
+            </a:fontRef>
+          </p:style>
+          <p:txBody>
+            <a:bodyPr rtlCol="0" anchor="ctr"/>
+            <a:lstStyle/>
+            <a:p>
+              <a:pPr algn="ctr"/>
+              <a:r>
+                <a:rPr lang="en-GB" sz="1200" dirty="0"/>
+                <a:t>If r&lt;3</a:t>
+              </a:r>
+            </a:p>
+          </p:txBody>
+        </p:sp>
+        <p:sp>
+          <p:nvSpPr>
+            <p:cNvPr id="84" name="Rectangle 83">
+              <a:extLst>
+                <a:ext uri="{FF2B5EF4-FFF2-40B4-BE49-F238E27FC236}">
+                  <a16:creationId xmlns:a16="http://schemas.microsoft.com/office/drawing/2014/main" id="{553A3FE6-367C-4A10-926E-8D12FD5A06A1}"/>
+                </a:ext>
+              </a:extLst>
+            </p:cNvPr>
+            <p:cNvSpPr/>
+            <p:nvPr/>
+          </p:nvSpPr>
+          <p:spPr>
+            <a:xfrm>
+              <a:off x="3163043" y="2055631"/>
+              <a:ext cx="1052901" cy="362809"/>
+            </a:xfrm>
+            <a:prstGeom prst="rect">
+              <a:avLst/>
+            </a:prstGeom>
+          </p:spPr>
+          <p:style>
+            <a:lnRef idx="2">
+              <a:schemeClr val="accent1">
+                <a:shade val="50000"/>
+              </a:schemeClr>
+            </a:lnRef>
+            <a:fillRef idx="1">
+              <a:schemeClr val="accent1"/>
+            </a:fillRef>
+            <a:effectRef idx="0">
+              <a:schemeClr val="accent1"/>
+            </a:effectRef>
+            <a:fontRef idx="minor">
+              <a:schemeClr val="lt1"/>
+            </a:fontRef>
+          </p:style>
+          <p:txBody>
+            <a:bodyPr rtlCol="0" anchor="ctr"/>
+            <a:lstStyle/>
+            <a:p>
+              <a:pPr algn="ctr"/>
+              <a:r>
+                <a:rPr lang="en-GB" sz="1200" dirty="0"/>
+                <a:t>110</a:t>
+              </a:r>
+            </a:p>
+          </p:txBody>
+        </p:sp>
+        <p:sp>
+          <p:nvSpPr>
+            <p:cNvPr id="85" name="Rectangle 84">
+              <a:extLst>
+                <a:ext uri="{FF2B5EF4-FFF2-40B4-BE49-F238E27FC236}">
+                  <a16:creationId xmlns:a16="http://schemas.microsoft.com/office/drawing/2014/main" id="{3B115EE8-121F-4717-B095-E5E51DE09CA9}"/>
+                </a:ext>
+              </a:extLst>
+            </p:cNvPr>
+            <p:cNvSpPr/>
+            <p:nvPr/>
+          </p:nvSpPr>
+          <p:spPr>
+            <a:xfrm>
+              <a:off x="1898683" y="498886"/>
+              <a:ext cx="1052901" cy="362809"/>
+            </a:xfrm>
+            <a:prstGeom prst="rect">
+              <a:avLst/>
+            </a:prstGeom>
+          </p:spPr>
+          <p:style>
+            <a:lnRef idx="2">
+              <a:schemeClr val="accent1">
+                <a:shade val="50000"/>
+              </a:schemeClr>
+            </a:lnRef>
+            <a:fillRef idx="1">
+              <a:schemeClr val="accent1"/>
+            </a:fillRef>
+            <a:effectRef idx="0">
+              <a:schemeClr val="accent1"/>
+            </a:effectRef>
+            <a:fontRef idx="minor">
+              <a:schemeClr val="lt1"/>
+            </a:fontRef>
+          </p:style>
+          <p:txBody>
+            <a:bodyPr rtlCol="0" anchor="ctr"/>
+            <a:lstStyle/>
+            <a:p>
+              <a:pPr algn="ctr"/>
+              <a:r>
+                <a:rPr lang="en-GB" sz="1200" dirty="0"/>
+                <a:t>b=3</a:t>
+              </a:r>
+            </a:p>
+          </p:txBody>
+        </p:sp>
+        <p:sp>
+          <p:nvSpPr>
+            <p:cNvPr id="86" name="Rectangle 85">
+              <a:extLst>
+                <a:ext uri="{FF2B5EF4-FFF2-40B4-BE49-F238E27FC236}">
+                  <a16:creationId xmlns:a16="http://schemas.microsoft.com/office/drawing/2014/main" id="{6BB6F04D-860D-483F-97EE-044424570361}"/>
+                </a:ext>
+              </a:extLst>
+            </p:cNvPr>
+            <p:cNvSpPr/>
+            <p:nvPr/>
+          </p:nvSpPr>
+          <p:spPr>
+            <a:xfrm>
+              <a:off x="3163041" y="1578642"/>
+              <a:ext cx="1052901" cy="362809"/>
+            </a:xfrm>
+            <a:prstGeom prst="rect">
+              <a:avLst/>
+            </a:prstGeom>
+          </p:spPr>
+          <p:style>
+            <a:lnRef idx="2">
+              <a:schemeClr val="accent1">
+                <a:shade val="50000"/>
+              </a:schemeClr>
+            </a:lnRef>
+            <a:fillRef idx="1">
+              <a:schemeClr val="accent1"/>
+            </a:fillRef>
+            <a:effectRef idx="0">
+              <a:schemeClr val="accent1"/>
+            </a:effectRef>
+            <a:fontRef idx="minor">
+              <a:schemeClr val="lt1"/>
+            </a:fontRef>
+          </p:style>
+          <p:txBody>
+            <a:bodyPr rtlCol="0" anchor="ctr"/>
+            <a:lstStyle/>
+            <a:p>
+              <a:pPr algn="ctr"/>
+              <a:r>
+                <a:rPr lang="en-GB" sz="1200" dirty="0"/>
+                <a:t>Else</a:t>
+              </a:r>
+            </a:p>
+          </p:txBody>
+        </p:sp>
+        <p:sp>
+          <p:nvSpPr>
+            <p:cNvPr id="87" name="Rectangle 86">
+              <a:extLst>
+                <a:ext uri="{FF2B5EF4-FFF2-40B4-BE49-F238E27FC236}">
+                  <a16:creationId xmlns:a16="http://schemas.microsoft.com/office/drawing/2014/main" id="{D2842818-FEB0-4D12-9B51-1FEE61E3A66B}"/>
+                </a:ext>
+              </a:extLst>
+            </p:cNvPr>
+            <p:cNvSpPr/>
+            <p:nvPr/>
+          </p:nvSpPr>
+          <p:spPr>
+            <a:xfrm>
+              <a:off x="4446059" y="995489"/>
+              <a:ext cx="1052901" cy="362809"/>
+            </a:xfrm>
+            <a:prstGeom prst="rect">
+              <a:avLst/>
+            </a:prstGeom>
+          </p:spPr>
+          <p:style>
+            <a:lnRef idx="2">
+              <a:schemeClr val="accent1">
+                <a:shade val="50000"/>
+              </a:schemeClr>
+            </a:lnRef>
+            <a:fillRef idx="1">
+              <a:schemeClr val="accent1"/>
+            </a:fillRef>
+            <a:effectRef idx="0">
+              <a:schemeClr val="accent1"/>
+            </a:effectRef>
+            <a:fontRef idx="minor">
+              <a:schemeClr val="lt1"/>
+            </a:fontRef>
+          </p:style>
+          <p:txBody>
+            <a:bodyPr rtlCol="0" anchor="ctr"/>
+            <a:lstStyle/>
+            <a:p>
+              <a:pPr algn="ctr"/>
+              <a:r>
+                <a:rPr lang="en-GB" sz="1200" dirty="0"/>
+                <a:t>2 bits</a:t>
+              </a:r>
+            </a:p>
+          </p:txBody>
+        </p:sp>
+        <p:sp>
+          <p:nvSpPr>
+            <p:cNvPr id="88" name="Rectangle 87">
+              <a:extLst>
+                <a:ext uri="{FF2B5EF4-FFF2-40B4-BE49-F238E27FC236}">
+                  <a16:creationId xmlns:a16="http://schemas.microsoft.com/office/drawing/2014/main" id="{CEEFB3C7-EC04-4ACF-A7CD-8EF0F3132150}"/>
+                </a:ext>
+              </a:extLst>
+            </p:cNvPr>
+            <p:cNvSpPr/>
+            <p:nvPr/>
+          </p:nvSpPr>
+          <p:spPr>
+            <a:xfrm>
+              <a:off x="4446058" y="1580959"/>
+              <a:ext cx="1052901" cy="362809"/>
+            </a:xfrm>
+            <a:prstGeom prst="rect">
+              <a:avLst/>
+            </a:prstGeom>
+          </p:spPr>
+          <p:style>
+            <a:lnRef idx="2">
+              <a:schemeClr val="accent1">
+                <a:shade val="50000"/>
+              </a:schemeClr>
+            </a:lnRef>
+            <a:fillRef idx="1">
+              <a:schemeClr val="accent1"/>
+            </a:fillRef>
+            <a:effectRef idx="0">
+              <a:schemeClr val="accent1"/>
+            </a:effectRef>
+            <a:fontRef idx="minor">
+              <a:schemeClr val="lt1"/>
+            </a:fontRef>
+          </p:style>
+          <p:txBody>
+            <a:bodyPr rtlCol="0" anchor="ctr"/>
+            <a:lstStyle/>
+            <a:p>
+              <a:pPr algn="ctr"/>
+              <a:r>
+                <a:rPr lang="en-GB" sz="1200" dirty="0"/>
+                <a:t>3 bits for 4+3 (111)</a:t>
+              </a:r>
+            </a:p>
+          </p:txBody>
+        </p:sp>
+        <p:cxnSp>
+          <p:nvCxnSpPr>
+            <p:cNvPr id="89" name="Straight Arrow Connector 88">
+              <a:extLst>
+                <a:ext uri="{FF2B5EF4-FFF2-40B4-BE49-F238E27FC236}">
+                  <a16:creationId xmlns:a16="http://schemas.microsoft.com/office/drawing/2014/main" id="{9AFDFB8A-3197-4A86-8F81-F6A16A8382A1}"/>
+                </a:ext>
+              </a:extLst>
+            </p:cNvPr>
+            <p:cNvCxnSpPr>
+              <a:cxnSpLocks/>
+              <a:stCxn id="80" idx="3"/>
+              <a:endCxn id="81" idx="1"/>
+            </p:cNvCxnSpPr>
+            <p:nvPr/>
+          </p:nvCxnSpPr>
+          <p:spPr>
+            <a:xfrm>
+              <a:off x="1701979" y="1746052"/>
+              <a:ext cx="196704" cy="490985"/>
+            </a:xfrm>
+            <a:prstGeom prst="straightConnector1">
+              <a:avLst/>
+            </a:prstGeom>
+            <a:ln w="38100">
+              <a:tailEnd type="triangle"/>
+            </a:ln>
+          </p:spPr>
+          <p:style>
+            <a:lnRef idx="1">
+              <a:schemeClr val="accent1"/>
+            </a:lnRef>
+            <a:fillRef idx="0">
+              <a:schemeClr val="accent1"/>
+            </a:fillRef>
+            <a:effectRef idx="0">
+              <a:schemeClr val="accent1"/>
+            </a:effectRef>
+            <a:fontRef idx="minor">
+              <a:schemeClr val="tx1"/>
+            </a:fontRef>
+          </p:style>
+        </p:cxnSp>
+        <p:cxnSp>
+          <p:nvCxnSpPr>
+            <p:cNvPr id="90" name="Straight Arrow Connector 89">
+              <a:extLst>
+                <a:ext uri="{FF2B5EF4-FFF2-40B4-BE49-F238E27FC236}">
+                  <a16:creationId xmlns:a16="http://schemas.microsoft.com/office/drawing/2014/main" id="{22854B53-1117-42E1-BD48-72F6D1D2837E}"/>
+                </a:ext>
+              </a:extLst>
+            </p:cNvPr>
+            <p:cNvCxnSpPr>
+              <a:cxnSpLocks/>
+              <a:stCxn id="80" idx="3"/>
+              <a:endCxn id="82" idx="1"/>
+            </p:cNvCxnSpPr>
+            <p:nvPr/>
+          </p:nvCxnSpPr>
+          <p:spPr>
+            <a:xfrm flipV="1">
+              <a:off x="1701979" y="1176896"/>
+              <a:ext cx="196704" cy="569156"/>
+            </a:xfrm>
+            <a:prstGeom prst="straightConnector1">
+              <a:avLst/>
+            </a:prstGeom>
+            <a:ln w="38100">
+              <a:tailEnd type="triangle"/>
+            </a:ln>
+          </p:spPr>
+          <p:style>
+            <a:lnRef idx="1">
+              <a:schemeClr val="accent1"/>
+            </a:lnRef>
+            <a:fillRef idx="0">
+              <a:schemeClr val="accent1"/>
+            </a:fillRef>
+            <a:effectRef idx="0">
+              <a:schemeClr val="accent1"/>
+            </a:effectRef>
+            <a:fontRef idx="minor">
+              <a:schemeClr val="tx1"/>
+            </a:fontRef>
+          </p:style>
+        </p:cxnSp>
+        <p:cxnSp>
+          <p:nvCxnSpPr>
+            <p:cNvPr id="91" name="Straight Arrow Connector 90">
+              <a:extLst>
+                <a:ext uri="{FF2B5EF4-FFF2-40B4-BE49-F238E27FC236}">
+                  <a16:creationId xmlns:a16="http://schemas.microsoft.com/office/drawing/2014/main" id="{BC94DC8C-929E-441C-8C78-9B349CAD5ADE}"/>
+                </a:ext>
+              </a:extLst>
+            </p:cNvPr>
+            <p:cNvCxnSpPr>
+              <a:cxnSpLocks/>
+              <a:stCxn id="81" idx="3"/>
+              <a:endCxn id="84" idx="1"/>
+            </p:cNvCxnSpPr>
+            <p:nvPr/>
+          </p:nvCxnSpPr>
+          <p:spPr>
+            <a:xfrm flipV="1">
+              <a:off x="2951584" y="2237036"/>
+              <a:ext cx="211459" cy="1"/>
+            </a:xfrm>
+            <a:prstGeom prst="straightConnector1">
+              <a:avLst/>
+            </a:prstGeom>
+            <a:ln w="38100">
+              <a:tailEnd type="triangle"/>
+            </a:ln>
+          </p:spPr>
+          <p:style>
+            <a:lnRef idx="1">
+              <a:schemeClr val="accent1"/>
+            </a:lnRef>
+            <a:fillRef idx="0">
+              <a:schemeClr val="accent1"/>
+            </a:fillRef>
+            <a:effectRef idx="0">
+              <a:schemeClr val="accent1"/>
+            </a:effectRef>
+            <a:fontRef idx="minor">
+              <a:schemeClr val="tx1"/>
+            </a:fontRef>
+          </p:style>
+        </p:cxnSp>
+        <p:cxnSp>
+          <p:nvCxnSpPr>
+            <p:cNvPr id="92" name="Straight Arrow Connector 91">
+              <a:extLst>
+                <a:ext uri="{FF2B5EF4-FFF2-40B4-BE49-F238E27FC236}">
+                  <a16:creationId xmlns:a16="http://schemas.microsoft.com/office/drawing/2014/main" id="{0CD132D1-6930-4147-B278-4005CDAE6A1D}"/>
+                </a:ext>
+              </a:extLst>
+            </p:cNvPr>
+            <p:cNvCxnSpPr>
+              <a:cxnSpLocks/>
+              <a:stCxn id="82" idx="3"/>
+              <a:endCxn id="83" idx="1"/>
+            </p:cNvCxnSpPr>
+            <p:nvPr/>
+          </p:nvCxnSpPr>
+          <p:spPr>
+            <a:xfrm flipV="1">
+              <a:off x="2951584" y="1176895"/>
+              <a:ext cx="211458" cy="1"/>
+            </a:xfrm>
+            <a:prstGeom prst="straightConnector1">
+              <a:avLst/>
+            </a:prstGeom>
+            <a:ln w="38100">
+              <a:tailEnd type="triangle"/>
+            </a:ln>
+          </p:spPr>
+          <p:style>
+            <a:lnRef idx="1">
+              <a:schemeClr val="accent1"/>
+            </a:lnRef>
+            <a:fillRef idx="0">
+              <a:schemeClr val="accent1"/>
+            </a:fillRef>
+            <a:effectRef idx="0">
+              <a:schemeClr val="accent1"/>
+            </a:effectRef>
+            <a:fontRef idx="minor">
+              <a:schemeClr val="tx1"/>
+            </a:fontRef>
+          </p:style>
+        </p:cxnSp>
+        <p:cxnSp>
+          <p:nvCxnSpPr>
+            <p:cNvPr id="93" name="Straight Arrow Connector 92">
+              <a:extLst>
+                <a:ext uri="{FF2B5EF4-FFF2-40B4-BE49-F238E27FC236}">
+                  <a16:creationId xmlns:a16="http://schemas.microsoft.com/office/drawing/2014/main" id="{63424A7B-0201-4FC5-9336-77660B68B71D}"/>
+                </a:ext>
+              </a:extLst>
+            </p:cNvPr>
+            <p:cNvCxnSpPr>
+              <a:cxnSpLocks/>
+              <a:stCxn id="83" idx="3"/>
+              <a:endCxn id="87" idx="1"/>
+            </p:cNvCxnSpPr>
+            <p:nvPr/>
+          </p:nvCxnSpPr>
+          <p:spPr>
+            <a:xfrm flipV="1">
+              <a:off x="4215943" y="1176894"/>
+              <a:ext cx="230116" cy="1"/>
+            </a:xfrm>
+            <a:prstGeom prst="straightConnector1">
+              <a:avLst/>
+            </a:prstGeom>
+            <a:ln w="38100">
+              <a:tailEnd type="triangle"/>
+            </a:ln>
+          </p:spPr>
+          <p:style>
+            <a:lnRef idx="1">
+              <a:schemeClr val="accent1"/>
+            </a:lnRef>
+            <a:fillRef idx="0">
+              <a:schemeClr val="accent1"/>
+            </a:fillRef>
+            <a:effectRef idx="0">
+              <a:schemeClr val="accent1"/>
+            </a:effectRef>
+            <a:fontRef idx="minor">
+              <a:schemeClr val="tx1"/>
+            </a:fontRef>
+          </p:style>
+        </p:cxnSp>
+        <p:cxnSp>
+          <p:nvCxnSpPr>
+            <p:cNvPr id="94" name="Straight Arrow Connector 93">
+              <a:extLst>
+                <a:ext uri="{FF2B5EF4-FFF2-40B4-BE49-F238E27FC236}">
+                  <a16:creationId xmlns:a16="http://schemas.microsoft.com/office/drawing/2014/main" id="{F7AB2369-5521-47EA-9826-139ED3076D47}"/>
+                </a:ext>
+              </a:extLst>
+            </p:cNvPr>
+            <p:cNvCxnSpPr>
+              <a:cxnSpLocks/>
+              <a:stCxn id="83" idx="2"/>
+              <a:endCxn id="86" idx="0"/>
+            </p:cNvCxnSpPr>
+            <p:nvPr/>
+          </p:nvCxnSpPr>
+          <p:spPr>
+            <a:xfrm flipH="1">
+              <a:off x="3689492" y="1358299"/>
+              <a:ext cx="1" cy="220343"/>
+            </a:xfrm>
+            <a:prstGeom prst="straightConnector1">
+              <a:avLst/>
+            </a:prstGeom>
+            <a:ln w="38100">
+              <a:tailEnd type="triangle"/>
+            </a:ln>
+          </p:spPr>
+          <p:style>
+            <a:lnRef idx="1">
+              <a:schemeClr val="accent1"/>
+            </a:lnRef>
+            <a:fillRef idx="0">
+              <a:schemeClr val="accent1"/>
+            </a:fillRef>
+            <a:effectRef idx="0">
+              <a:schemeClr val="accent1"/>
+            </a:effectRef>
+            <a:fontRef idx="minor">
+              <a:schemeClr val="tx1"/>
+            </a:fontRef>
+          </p:style>
+        </p:cxnSp>
+        <p:cxnSp>
+          <p:nvCxnSpPr>
+            <p:cNvPr id="95" name="Straight Arrow Connector 94">
+              <a:extLst>
+                <a:ext uri="{FF2B5EF4-FFF2-40B4-BE49-F238E27FC236}">
+                  <a16:creationId xmlns:a16="http://schemas.microsoft.com/office/drawing/2014/main" id="{19C56AB1-41B4-425C-A886-C733B668388C}"/>
+                </a:ext>
+              </a:extLst>
+            </p:cNvPr>
+            <p:cNvCxnSpPr>
+              <a:cxnSpLocks/>
+              <a:stCxn id="86" idx="3"/>
+              <a:endCxn id="88" idx="1"/>
+            </p:cNvCxnSpPr>
+            <p:nvPr/>
+          </p:nvCxnSpPr>
+          <p:spPr>
+            <a:xfrm>
+              <a:off x="4215942" y="1760047"/>
+              <a:ext cx="230116" cy="2317"/>
+            </a:xfrm>
+            <a:prstGeom prst="straightConnector1">
+              <a:avLst/>
+            </a:prstGeom>
+            <a:ln w="38100">
+              <a:tailEnd type="triangle"/>
+            </a:ln>
+          </p:spPr>
+          <p:style>
+            <a:lnRef idx="1">
+              <a:schemeClr val="accent1"/>
+            </a:lnRef>
+            <a:fillRef idx="0">
+              <a:schemeClr val="accent1"/>
+            </a:fillRef>
+            <a:effectRef idx="0">
+              <a:schemeClr val="accent1"/>
+            </a:effectRef>
+            <a:fontRef idx="minor">
+              <a:schemeClr val="tx1"/>
+            </a:fontRef>
+          </p:style>
+        </p:cxnSp>
+        <p:sp>
+          <p:nvSpPr>
+            <p:cNvPr id="96" name="Rectangle 95">
+              <a:extLst>
+                <a:ext uri="{FF2B5EF4-FFF2-40B4-BE49-F238E27FC236}">
+                  <a16:creationId xmlns:a16="http://schemas.microsoft.com/office/drawing/2014/main" id="{8AD3C4C1-FFF3-4759-A173-953423300B23}"/>
+                </a:ext>
+              </a:extLst>
+            </p:cNvPr>
+            <p:cNvSpPr/>
+            <p:nvPr/>
+          </p:nvSpPr>
+          <p:spPr>
+            <a:xfrm>
+              <a:off x="5215818" y="2055631"/>
+              <a:ext cx="1052901" cy="362809"/>
+            </a:xfrm>
+            <a:prstGeom prst="rect">
+              <a:avLst/>
+            </a:prstGeom>
+          </p:spPr>
+          <p:style>
+            <a:lnRef idx="2">
+              <a:schemeClr val="accent1">
+                <a:shade val="50000"/>
+              </a:schemeClr>
+            </a:lnRef>
+            <a:fillRef idx="1">
+              <a:schemeClr val="accent1"/>
+            </a:fillRef>
+            <a:effectRef idx="0">
+              <a:schemeClr val="accent1"/>
+            </a:effectRef>
+            <a:fontRef idx="minor">
+              <a:schemeClr val="lt1"/>
+            </a:fontRef>
+          </p:style>
+          <p:txBody>
+            <a:bodyPr rtlCol="0" anchor="ctr"/>
+            <a:lstStyle/>
+            <a:p>
+              <a:pPr algn="ctr"/>
+              <a:r>
+                <a:rPr lang="en-GB" sz="1200" dirty="0"/>
+                <a:t>110111</a:t>
+              </a:r>
+            </a:p>
+          </p:txBody>
+        </p:sp>
+        <p:cxnSp>
+          <p:nvCxnSpPr>
+            <p:cNvPr id="97" name="Straight Arrow Connector 96">
+              <a:extLst>
+                <a:ext uri="{FF2B5EF4-FFF2-40B4-BE49-F238E27FC236}">
+                  <a16:creationId xmlns:a16="http://schemas.microsoft.com/office/drawing/2014/main" id="{C3D404AB-2233-44AE-91AE-8FECD3604166}"/>
+                </a:ext>
+              </a:extLst>
+            </p:cNvPr>
+            <p:cNvCxnSpPr>
+              <a:cxnSpLocks/>
+              <a:endCxn id="96" idx="0"/>
+            </p:cNvCxnSpPr>
+            <p:nvPr/>
+          </p:nvCxnSpPr>
+          <p:spPr>
+            <a:xfrm>
+              <a:off x="5742269" y="1410707"/>
+              <a:ext cx="0" cy="644924"/>
+            </a:xfrm>
+            <a:prstGeom prst="straightConnector1">
+              <a:avLst/>
+            </a:prstGeom>
+            <a:ln w="38100">
+              <a:tailEnd type="triangle"/>
+            </a:ln>
+          </p:spPr>
+          <p:style>
+            <a:lnRef idx="1">
+              <a:schemeClr val="accent1"/>
+            </a:lnRef>
+            <a:fillRef idx="0">
+              <a:schemeClr val="accent1"/>
+            </a:fillRef>
+            <a:effectRef idx="0">
+              <a:schemeClr val="accent1"/>
+            </a:effectRef>
+            <a:fontRef idx="minor">
+              <a:schemeClr val="tx1"/>
+            </a:fontRef>
+          </p:style>
+        </p:cxnSp>
+        <p:cxnSp>
+          <p:nvCxnSpPr>
+            <p:cNvPr id="98" name="Straight Arrow Connector 97">
+              <a:extLst>
+                <a:ext uri="{FF2B5EF4-FFF2-40B4-BE49-F238E27FC236}">
+                  <a16:creationId xmlns:a16="http://schemas.microsoft.com/office/drawing/2014/main" id="{CF693E3A-D460-40FA-9F9A-F885A6FC1D6F}"/>
+                </a:ext>
+              </a:extLst>
+            </p:cNvPr>
+            <p:cNvCxnSpPr>
+              <a:cxnSpLocks/>
+              <a:stCxn id="84" idx="3"/>
+              <a:endCxn id="96" idx="1"/>
+            </p:cNvCxnSpPr>
+            <p:nvPr/>
+          </p:nvCxnSpPr>
+          <p:spPr>
+            <a:xfrm>
+              <a:off x="4215944" y="2237036"/>
+              <a:ext cx="999874" cy="0"/>
+            </a:xfrm>
+            <a:prstGeom prst="straightConnector1">
+              <a:avLst/>
+            </a:prstGeom>
+            <a:ln w="38100">
+              <a:tailEnd type="triangle"/>
+            </a:ln>
+          </p:spPr>
+          <p:style>
+            <a:lnRef idx="1">
+              <a:schemeClr val="accent1"/>
+            </a:lnRef>
+            <a:fillRef idx="0">
+              <a:schemeClr val="accent1"/>
+            </a:fillRef>
+            <a:effectRef idx="0">
+              <a:schemeClr val="accent1"/>
+            </a:effectRef>
+            <a:fontRef idx="minor">
+              <a:schemeClr val="tx1"/>
+            </a:fontRef>
+          </p:style>
+        </p:cxnSp>
+        <p:cxnSp>
+          <p:nvCxnSpPr>
+            <p:cNvPr id="99" name="Straight Connector 98">
+              <a:extLst>
+                <a:ext uri="{FF2B5EF4-FFF2-40B4-BE49-F238E27FC236}">
+                  <a16:creationId xmlns:a16="http://schemas.microsoft.com/office/drawing/2014/main" id="{6C35186A-8F4F-48FB-B8DE-FAFA877B8CC1}"/>
+                </a:ext>
+              </a:extLst>
+            </p:cNvPr>
+            <p:cNvCxnSpPr>
+              <a:cxnSpLocks/>
+              <a:stCxn id="87" idx="3"/>
+            </p:cNvCxnSpPr>
+            <p:nvPr/>
+          </p:nvCxnSpPr>
+          <p:spPr>
+            <a:xfrm>
+              <a:off x="5498960" y="1176894"/>
+              <a:ext cx="247979" cy="233813"/>
+            </a:xfrm>
+            <a:prstGeom prst="line">
+              <a:avLst/>
+            </a:prstGeom>
+            <a:ln w="38100"/>
+          </p:spPr>
+          <p:style>
+            <a:lnRef idx="1">
+              <a:schemeClr val="accent1"/>
+            </a:lnRef>
+            <a:fillRef idx="0">
+              <a:schemeClr val="accent1"/>
+            </a:fillRef>
+            <a:effectRef idx="0">
+              <a:schemeClr val="accent1"/>
+            </a:effectRef>
+            <a:fontRef idx="minor">
+              <a:schemeClr val="tx1"/>
+            </a:fontRef>
+          </p:style>
+        </p:cxnSp>
+        <p:cxnSp>
+          <p:nvCxnSpPr>
+            <p:cNvPr id="100" name="Straight Connector 99">
+              <a:extLst>
+                <a:ext uri="{FF2B5EF4-FFF2-40B4-BE49-F238E27FC236}">
+                  <a16:creationId xmlns:a16="http://schemas.microsoft.com/office/drawing/2014/main" id="{A9025A7F-10BF-4AE4-8291-5555D9A49E76}"/>
+                </a:ext>
+              </a:extLst>
+            </p:cNvPr>
+            <p:cNvCxnSpPr>
+              <a:cxnSpLocks/>
+              <a:stCxn id="88" idx="3"/>
+            </p:cNvCxnSpPr>
+            <p:nvPr/>
+          </p:nvCxnSpPr>
+          <p:spPr>
+            <a:xfrm flipV="1">
+              <a:off x="5498959" y="1410707"/>
+              <a:ext cx="256490" cy="351657"/>
+            </a:xfrm>
+            <a:prstGeom prst="line">
+              <a:avLst/>
+            </a:prstGeom>
+            <a:ln w="38100"/>
+          </p:spPr>
+          <p:style>
+            <a:lnRef idx="1">
+              <a:schemeClr val="accent1"/>
+            </a:lnRef>
+            <a:fillRef idx="0">
+              <a:schemeClr val="accent1"/>
+            </a:fillRef>
+            <a:effectRef idx="0">
+              <a:schemeClr val="accent1"/>
+            </a:effectRef>
+            <a:fontRef idx="minor">
+              <a:schemeClr val="tx1"/>
+            </a:fontRef>
+          </p:style>
+        </p:cxnSp>
+        <p:sp>
+          <p:nvSpPr>
+            <p:cNvPr id="101" name="Rectangle 100">
+              <a:extLst>
+                <a:ext uri="{FF2B5EF4-FFF2-40B4-BE49-F238E27FC236}">
+                  <a16:creationId xmlns:a16="http://schemas.microsoft.com/office/drawing/2014/main" id="{765A83C5-77CD-4918-BA97-C0011FC4A03A}"/>
+                </a:ext>
+              </a:extLst>
+            </p:cNvPr>
+            <p:cNvSpPr/>
+            <p:nvPr/>
+          </p:nvSpPr>
+          <p:spPr>
+            <a:xfrm>
+              <a:off x="1003707" y="501782"/>
+              <a:ext cx="566088" cy="362809"/>
+            </a:xfrm>
+            <a:prstGeom prst="rect">
+              <a:avLst/>
+            </a:prstGeom>
+          </p:spPr>
+          <p:style>
+            <a:lnRef idx="2">
+              <a:schemeClr val="accent1">
+                <a:shade val="50000"/>
+              </a:schemeClr>
+            </a:lnRef>
+            <a:fillRef idx="1">
+              <a:schemeClr val="accent1"/>
+            </a:fillRef>
+            <a:effectRef idx="0">
+              <a:schemeClr val="accent1"/>
+            </a:effectRef>
+            <a:fontRef idx="minor">
+              <a:schemeClr val="lt1"/>
+            </a:fontRef>
+          </p:style>
+          <p:txBody>
+            <a:bodyPr rtlCol="0" anchor="ctr"/>
+            <a:lstStyle/>
+            <a:p>
+              <a:pPr algn="ctr"/>
+              <a:r>
+                <a:rPr lang="en-GB" sz="1400" dirty="0"/>
+                <a:t>M=5</a:t>
+              </a:r>
+            </a:p>
+          </p:txBody>
+        </p:sp>
+      </p:grpSp>
+      <p:grpSp>
+        <p:nvGrpSpPr>
+          <p:cNvPr id="124" name="Group 123">
+            <a:extLst>
+              <a:ext uri="{FF2B5EF4-FFF2-40B4-BE49-F238E27FC236}">
+                <a16:creationId xmlns:a16="http://schemas.microsoft.com/office/drawing/2014/main" id="{D26FEBD8-4B5A-404F-9312-F623170FEB92}"/>
+              </a:ext>
+            </a:extLst>
+          </p:cNvPr>
+          <p:cNvGrpSpPr/>
+          <p:nvPr/>
+        </p:nvGrpSpPr>
+        <p:grpSpPr>
+          <a:xfrm>
+            <a:off x="430690" y="1381224"/>
+            <a:ext cx="6140423" cy="1683561"/>
+            <a:chOff x="1003707" y="3398929"/>
+            <a:chExt cx="6140423" cy="1683561"/>
+          </a:xfrm>
+        </p:grpSpPr>
+        <p:sp>
+          <p:nvSpPr>
+            <p:cNvPr id="125" name="Rectangle 124">
+              <a:extLst>
+                <a:ext uri="{FF2B5EF4-FFF2-40B4-BE49-F238E27FC236}">
+                  <a16:creationId xmlns:a16="http://schemas.microsoft.com/office/drawing/2014/main" id="{A1670663-ED6C-410D-B6C5-866263ED56CB}"/>
+                </a:ext>
+              </a:extLst>
+            </p:cNvPr>
+            <p:cNvSpPr/>
+            <p:nvPr/>
+          </p:nvSpPr>
+          <p:spPr>
+            <a:xfrm>
+              <a:off x="1003707" y="4343400"/>
+              <a:ext cx="677213" cy="294755"/>
+            </a:xfrm>
+            <a:prstGeom prst="rect">
+              <a:avLst/>
+            </a:prstGeom>
+          </p:spPr>
+          <p:style>
+            <a:lnRef idx="2">
+              <a:schemeClr val="accent1">
+                <a:shade val="50000"/>
+              </a:schemeClr>
+            </a:lnRef>
+            <a:fillRef idx="1">
+              <a:schemeClr val="accent1"/>
+            </a:fillRef>
+            <a:effectRef idx="0">
+              <a:schemeClr val="accent1"/>
+            </a:effectRef>
+            <a:fontRef idx="minor">
+              <a:schemeClr val="lt1"/>
+            </a:fontRef>
+          </p:style>
+          <p:txBody>
+            <a:bodyPr rtlCol="0" anchor="ctr"/>
+            <a:lstStyle/>
+            <a:p>
+              <a:pPr algn="ctr"/>
+              <a:r>
+                <a:rPr lang="en-GB" sz="1400" dirty="0"/>
+                <a:t>N</a:t>
+              </a:r>
+            </a:p>
+          </p:txBody>
+        </p:sp>
+        <p:sp>
+          <p:nvSpPr>
+            <p:cNvPr id="126" name="Rectangle 125">
+              <a:extLst>
+                <a:ext uri="{FF2B5EF4-FFF2-40B4-BE49-F238E27FC236}">
+                  <a16:creationId xmlns:a16="http://schemas.microsoft.com/office/drawing/2014/main" id="{2A86799A-8F49-4834-8F14-E3A3E605D5D2}"/>
+                </a:ext>
+              </a:extLst>
+            </p:cNvPr>
+            <p:cNvSpPr/>
+            <p:nvPr/>
+          </p:nvSpPr>
+          <p:spPr>
+            <a:xfrm>
+              <a:off x="1916237" y="4787735"/>
+              <a:ext cx="1259590" cy="294755"/>
+            </a:xfrm>
+            <a:prstGeom prst="rect">
+              <a:avLst/>
+            </a:prstGeom>
+          </p:spPr>
+          <p:style>
+            <a:lnRef idx="2">
+              <a:schemeClr val="accent1">
+                <a:shade val="50000"/>
+              </a:schemeClr>
+            </a:lnRef>
+            <a:fillRef idx="1">
+              <a:schemeClr val="accent1"/>
+            </a:fillRef>
+            <a:effectRef idx="0">
+              <a:schemeClr val="accent1"/>
+            </a:effectRef>
+            <a:fontRef idx="minor">
+              <a:schemeClr val="lt1"/>
+            </a:fontRef>
+          </p:style>
+          <p:txBody>
+            <a:bodyPr rtlCol="0" anchor="ctr"/>
+            <a:lstStyle/>
+            <a:p>
+              <a:pPr algn="ctr"/>
+              <a:r>
+                <a:rPr lang="en-GB" sz="1200" dirty="0"/>
+                <a:t>q=floor(N/M)</a:t>
+              </a:r>
+            </a:p>
+          </p:txBody>
+        </p:sp>
+        <p:sp>
+          <p:nvSpPr>
+            <p:cNvPr id="127" name="Rectangle 126">
+              <a:extLst>
+                <a:ext uri="{FF2B5EF4-FFF2-40B4-BE49-F238E27FC236}">
+                  <a16:creationId xmlns:a16="http://schemas.microsoft.com/office/drawing/2014/main" id="{A8901B80-FCD7-4D82-B46F-263558E4FB3C}"/>
+                </a:ext>
+              </a:extLst>
+            </p:cNvPr>
+            <p:cNvSpPr/>
+            <p:nvPr/>
+          </p:nvSpPr>
+          <p:spPr>
+            <a:xfrm>
+              <a:off x="1916237" y="3862879"/>
+              <a:ext cx="1259590" cy="294755"/>
+            </a:xfrm>
+            <a:prstGeom prst="rect">
+              <a:avLst/>
+            </a:prstGeom>
+          </p:spPr>
+          <p:style>
+            <a:lnRef idx="2">
+              <a:schemeClr val="accent1">
+                <a:shade val="50000"/>
+              </a:schemeClr>
+            </a:lnRef>
+            <a:fillRef idx="1">
+              <a:schemeClr val="accent1"/>
+            </a:fillRef>
+            <a:effectRef idx="0">
+              <a:schemeClr val="accent1"/>
+            </a:effectRef>
+            <a:fontRef idx="minor">
+              <a:schemeClr val="lt1"/>
+            </a:fontRef>
+          </p:style>
+          <p:txBody>
+            <a:bodyPr rtlCol="0" anchor="ctr"/>
+            <a:lstStyle/>
+            <a:p>
+              <a:pPr algn="ctr"/>
+              <a:r>
+                <a:rPr lang="en-GB" sz="1200" dirty="0"/>
+                <a:t>r=N-</a:t>
+              </a:r>
+              <a:r>
+                <a:rPr lang="en-GB" sz="1200" dirty="0" err="1"/>
+                <a:t>qM</a:t>
+              </a:r>
+              <a:endParaRPr lang="en-GB" sz="1200" dirty="0"/>
+            </a:p>
+          </p:txBody>
+        </p:sp>
+        <p:sp>
+          <p:nvSpPr>
+            <p:cNvPr id="128" name="Rectangle 127">
+              <a:extLst>
+                <a:ext uri="{FF2B5EF4-FFF2-40B4-BE49-F238E27FC236}">
+                  <a16:creationId xmlns:a16="http://schemas.microsoft.com/office/drawing/2014/main" id="{3F9977DF-627A-43E3-A0B3-31EBF83C0AC4}"/>
+                </a:ext>
+              </a:extLst>
+            </p:cNvPr>
+            <p:cNvSpPr/>
+            <p:nvPr/>
+          </p:nvSpPr>
+          <p:spPr>
+            <a:xfrm>
+              <a:off x="3428796" y="3862878"/>
+              <a:ext cx="1259590" cy="294755"/>
+            </a:xfrm>
+            <a:prstGeom prst="rect">
+              <a:avLst/>
+            </a:prstGeom>
+          </p:spPr>
+          <p:style>
+            <a:lnRef idx="2">
+              <a:schemeClr val="accent1">
+                <a:shade val="50000"/>
+              </a:schemeClr>
+            </a:lnRef>
+            <a:fillRef idx="1">
+              <a:schemeClr val="accent1"/>
+            </a:fillRef>
+            <a:effectRef idx="0">
+              <a:schemeClr val="accent1"/>
+            </a:effectRef>
+            <a:fontRef idx="minor">
+              <a:schemeClr val="lt1"/>
+            </a:fontRef>
+          </p:style>
+          <p:txBody>
+            <a:bodyPr rtlCol="0" anchor="ctr"/>
+            <a:lstStyle/>
+            <a:p>
+              <a:pPr algn="ctr"/>
+              <a:r>
+                <a:rPr lang="en-GB" sz="1200" dirty="0"/>
+                <a:t>If r&lt;2</a:t>
+              </a:r>
+              <a:r>
+                <a:rPr lang="en-GB" sz="1200" baseline="30000" dirty="0"/>
+                <a:t>b</a:t>
+              </a:r>
+              <a:r>
+                <a:rPr lang="en-GB" sz="1200" dirty="0"/>
+                <a:t>-M</a:t>
+              </a:r>
+            </a:p>
+          </p:txBody>
+        </p:sp>
+        <p:sp>
+          <p:nvSpPr>
+            <p:cNvPr id="129" name="Rectangle 128">
+              <a:extLst>
+                <a:ext uri="{FF2B5EF4-FFF2-40B4-BE49-F238E27FC236}">
+                  <a16:creationId xmlns:a16="http://schemas.microsoft.com/office/drawing/2014/main" id="{734FD3E9-66BC-4ABA-9A75-8BCF608359A0}"/>
+                </a:ext>
+              </a:extLst>
+            </p:cNvPr>
+            <p:cNvSpPr/>
+            <p:nvPr/>
+          </p:nvSpPr>
+          <p:spPr>
+            <a:xfrm>
+              <a:off x="3428797" y="4787734"/>
+              <a:ext cx="1259590" cy="294755"/>
+            </a:xfrm>
+            <a:prstGeom prst="rect">
+              <a:avLst/>
+            </a:prstGeom>
+          </p:spPr>
+          <p:style>
+            <a:lnRef idx="2">
+              <a:schemeClr val="accent1">
+                <a:shade val="50000"/>
+              </a:schemeClr>
+            </a:lnRef>
+            <a:fillRef idx="1">
+              <a:schemeClr val="accent1"/>
+            </a:fillRef>
+            <a:effectRef idx="0">
+              <a:schemeClr val="accent1"/>
+            </a:effectRef>
+            <a:fontRef idx="minor">
+              <a:schemeClr val="lt1"/>
+            </a:fontRef>
+          </p:style>
+          <p:txBody>
+            <a:bodyPr rtlCol="0" anchor="ctr"/>
+            <a:lstStyle/>
+            <a:p>
+              <a:pPr algn="ctr"/>
+              <a:r>
+                <a:rPr lang="en-GB" sz="1200" dirty="0"/>
+                <a:t>Unary code</a:t>
+              </a:r>
+            </a:p>
+          </p:txBody>
+        </p:sp>
+        <p:sp>
+          <p:nvSpPr>
+            <p:cNvPr id="130" name="Rectangle 129">
+              <a:extLst>
+                <a:ext uri="{FF2B5EF4-FFF2-40B4-BE49-F238E27FC236}">
+                  <a16:creationId xmlns:a16="http://schemas.microsoft.com/office/drawing/2014/main" id="{7F79FDDE-04FF-408D-BEA8-FAFDE6007861}"/>
+                </a:ext>
+              </a:extLst>
+            </p:cNvPr>
+            <p:cNvSpPr/>
+            <p:nvPr/>
+          </p:nvSpPr>
+          <p:spPr>
+            <a:xfrm>
+              <a:off x="1916237" y="3398929"/>
+              <a:ext cx="1259590" cy="294755"/>
+            </a:xfrm>
+            <a:prstGeom prst="rect">
+              <a:avLst/>
+            </a:prstGeom>
+          </p:spPr>
+          <p:style>
+            <a:lnRef idx="2">
+              <a:schemeClr val="accent1">
+                <a:shade val="50000"/>
+              </a:schemeClr>
+            </a:lnRef>
+            <a:fillRef idx="1">
+              <a:schemeClr val="accent1"/>
+            </a:fillRef>
+            <a:effectRef idx="0">
+              <a:schemeClr val="accent1"/>
+            </a:effectRef>
+            <a:fontRef idx="minor">
+              <a:schemeClr val="lt1"/>
+            </a:fontRef>
+          </p:style>
+          <p:txBody>
+            <a:bodyPr rtlCol="0" anchor="ctr"/>
+            <a:lstStyle/>
+            <a:p>
+              <a:pPr algn="ctr"/>
+              <a:r>
+                <a:rPr lang="en-GB" sz="1200" dirty="0"/>
+                <a:t>b=ceil(log</a:t>
+              </a:r>
+              <a:r>
+                <a:rPr lang="en-GB" sz="1200" baseline="-25000" dirty="0"/>
+                <a:t>2</a:t>
+              </a:r>
+              <a:r>
+                <a:rPr lang="en-GB" sz="1200" dirty="0"/>
+                <a:t>M)</a:t>
+              </a:r>
+            </a:p>
+          </p:txBody>
+        </p:sp>
+        <p:sp>
+          <p:nvSpPr>
+            <p:cNvPr id="131" name="Rectangle 130">
+              <a:extLst>
+                <a:ext uri="{FF2B5EF4-FFF2-40B4-BE49-F238E27FC236}">
+                  <a16:creationId xmlns:a16="http://schemas.microsoft.com/office/drawing/2014/main" id="{3A2C2A92-A108-4E6E-A125-17C6454FA785}"/>
+                </a:ext>
+              </a:extLst>
+            </p:cNvPr>
+            <p:cNvSpPr/>
+            <p:nvPr/>
+          </p:nvSpPr>
+          <p:spPr>
+            <a:xfrm>
+              <a:off x="3428795" y="4357395"/>
+              <a:ext cx="1259590" cy="294755"/>
+            </a:xfrm>
+            <a:prstGeom prst="rect">
+              <a:avLst/>
+            </a:prstGeom>
+          </p:spPr>
+          <p:style>
+            <a:lnRef idx="2">
+              <a:schemeClr val="accent1">
+                <a:shade val="50000"/>
+              </a:schemeClr>
+            </a:lnRef>
+            <a:fillRef idx="1">
+              <a:schemeClr val="accent1"/>
+            </a:fillRef>
+            <a:effectRef idx="0">
+              <a:schemeClr val="accent1"/>
+            </a:effectRef>
+            <a:fontRef idx="minor">
+              <a:schemeClr val="lt1"/>
+            </a:fontRef>
+          </p:style>
+          <p:txBody>
+            <a:bodyPr rtlCol="0" anchor="ctr"/>
+            <a:lstStyle/>
+            <a:p>
+              <a:pPr algn="ctr"/>
+              <a:r>
+                <a:rPr lang="en-GB" sz="1200" dirty="0"/>
+                <a:t>Else</a:t>
+              </a:r>
+            </a:p>
+          </p:txBody>
+        </p:sp>
+        <p:sp>
+          <p:nvSpPr>
+            <p:cNvPr id="132" name="Rectangle 131">
+              <a:extLst>
+                <a:ext uri="{FF2B5EF4-FFF2-40B4-BE49-F238E27FC236}">
+                  <a16:creationId xmlns:a16="http://schemas.microsoft.com/office/drawing/2014/main" id="{5C0C5D44-B938-410B-8F11-E477E79392A6}"/>
+                </a:ext>
+              </a:extLst>
+            </p:cNvPr>
+            <p:cNvSpPr/>
+            <p:nvPr/>
+          </p:nvSpPr>
+          <p:spPr>
+            <a:xfrm>
+              <a:off x="4963676" y="3862877"/>
+              <a:ext cx="1259590" cy="294755"/>
+            </a:xfrm>
+            <a:prstGeom prst="rect">
+              <a:avLst/>
+            </a:prstGeom>
+          </p:spPr>
+          <p:style>
+            <a:lnRef idx="2">
+              <a:schemeClr val="accent1">
+                <a:shade val="50000"/>
+              </a:schemeClr>
+            </a:lnRef>
+            <a:fillRef idx="1">
+              <a:schemeClr val="accent1"/>
+            </a:fillRef>
+            <a:effectRef idx="0">
+              <a:schemeClr val="accent1"/>
+            </a:effectRef>
+            <a:fontRef idx="minor">
+              <a:schemeClr val="lt1"/>
+            </a:fontRef>
+          </p:style>
+          <p:txBody>
+            <a:bodyPr rtlCol="0" anchor="ctr"/>
+            <a:lstStyle/>
+            <a:p>
+              <a:pPr algn="ctr"/>
+              <a:r>
+                <a:rPr lang="en-GB" sz="1200" dirty="0"/>
+                <a:t>b-1 bits for r</a:t>
+              </a:r>
+            </a:p>
+          </p:txBody>
+        </p:sp>
+        <p:sp>
+          <p:nvSpPr>
+            <p:cNvPr id="133" name="Rectangle 132">
+              <a:extLst>
+                <a:ext uri="{FF2B5EF4-FFF2-40B4-BE49-F238E27FC236}">
+                  <a16:creationId xmlns:a16="http://schemas.microsoft.com/office/drawing/2014/main" id="{FC98665C-E1E4-4127-8FFC-158697AB72CB}"/>
+                </a:ext>
+              </a:extLst>
+            </p:cNvPr>
+            <p:cNvSpPr/>
+            <p:nvPr/>
+          </p:nvSpPr>
+          <p:spPr>
+            <a:xfrm>
+              <a:off x="4963674" y="4359712"/>
+              <a:ext cx="1259590" cy="294755"/>
+            </a:xfrm>
+            <a:prstGeom prst="rect">
+              <a:avLst/>
+            </a:prstGeom>
+          </p:spPr>
+          <p:style>
+            <a:lnRef idx="2">
+              <a:schemeClr val="accent1">
+                <a:shade val="50000"/>
+              </a:schemeClr>
+            </a:lnRef>
+            <a:fillRef idx="1">
+              <a:schemeClr val="accent1"/>
+            </a:fillRef>
+            <a:effectRef idx="0">
+              <a:schemeClr val="accent1"/>
+            </a:effectRef>
+            <a:fontRef idx="minor">
+              <a:schemeClr val="lt1"/>
+            </a:fontRef>
+          </p:style>
+          <p:txBody>
+            <a:bodyPr rtlCol="0" anchor="ctr"/>
+            <a:lstStyle/>
+            <a:p>
+              <a:pPr algn="ctr"/>
+              <a:r>
+                <a:rPr lang="en-GB" sz="1200" dirty="0"/>
+                <a:t>b bits for r+2</a:t>
+              </a:r>
+              <a:r>
+                <a:rPr lang="en-GB" sz="1200" baseline="30000" dirty="0"/>
+                <a:t>b</a:t>
+              </a:r>
+              <a:r>
+                <a:rPr lang="en-GB" sz="1200" dirty="0"/>
+                <a:t>-M</a:t>
+              </a:r>
+            </a:p>
+          </p:txBody>
+        </p:sp>
+        <p:cxnSp>
+          <p:nvCxnSpPr>
+            <p:cNvPr id="134" name="Straight Arrow Connector 133">
+              <a:extLst>
+                <a:ext uri="{FF2B5EF4-FFF2-40B4-BE49-F238E27FC236}">
+                  <a16:creationId xmlns:a16="http://schemas.microsoft.com/office/drawing/2014/main" id="{320D7C5E-5320-4012-AEDB-9B2FCF6B6C31}"/>
+                </a:ext>
+              </a:extLst>
+            </p:cNvPr>
+            <p:cNvCxnSpPr>
+              <a:cxnSpLocks/>
+              <a:stCxn id="125" idx="3"/>
+              <a:endCxn id="126" idx="1"/>
+            </p:cNvCxnSpPr>
+            <p:nvPr/>
+          </p:nvCxnSpPr>
+          <p:spPr>
+            <a:xfrm>
+              <a:off x="1680920" y="4490778"/>
+              <a:ext cx="235317" cy="444335"/>
+            </a:xfrm>
+            <a:prstGeom prst="straightConnector1">
+              <a:avLst/>
+            </a:prstGeom>
+            <a:ln w="38100">
+              <a:tailEnd type="triangle"/>
+            </a:ln>
+          </p:spPr>
+          <p:style>
+            <a:lnRef idx="1">
+              <a:schemeClr val="accent1"/>
+            </a:lnRef>
+            <a:fillRef idx="0">
+              <a:schemeClr val="accent1"/>
+            </a:fillRef>
+            <a:effectRef idx="0">
+              <a:schemeClr val="accent1"/>
+            </a:effectRef>
+            <a:fontRef idx="minor">
+              <a:schemeClr val="tx1"/>
+            </a:fontRef>
+          </p:style>
+        </p:cxnSp>
+        <p:cxnSp>
+          <p:nvCxnSpPr>
+            <p:cNvPr id="135" name="Straight Arrow Connector 134">
+              <a:extLst>
+                <a:ext uri="{FF2B5EF4-FFF2-40B4-BE49-F238E27FC236}">
+                  <a16:creationId xmlns:a16="http://schemas.microsoft.com/office/drawing/2014/main" id="{DE627B95-8CAF-4A4F-A7A7-9CB2D8D7D540}"/>
+                </a:ext>
+              </a:extLst>
+            </p:cNvPr>
+            <p:cNvCxnSpPr>
+              <a:cxnSpLocks/>
+              <a:stCxn id="125" idx="3"/>
+              <a:endCxn id="127" idx="1"/>
+            </p:cNvCxnSpPr>
+            <p:nvPr/>
+          </p:nvCxnSpPr>
+          <p:spPr>
+            <a:xfrm flipV="1">
+              <a:off x="1680920" y="4010257"/>
+              <a:ext cx="235317" cy="480521"/>
+            </a:xfrm>
+            <a:prstGeom prst="straightConnector1">
+              <a:avLst/>
+            </a:prstGeom>
+            <a:ln w="38100">
+              <a:tailEnd type="triangle"/>
+            </a:ln>
+          </p:spPr>
+          <p:style>
+            <a:lnRef idx="1">
+              <a:schemeClr val="accent1"/>
+            </a:lnRef>
+            <a:fillRef idx="0">
+              <a:schemeClr val="accent1"/>
+            </a:fillRef>
+            <a:effectRef idx="0">
+              <a:schemeClr val="accent1"/>
+            </a:effectRef>
+            <a:fontRef idx="minor">
+              <a:schemeClr val="tx1"/>
+            </a:fontRef>
+          </p:style>
+        </p:cxnSp>
+        <p:cxnSp>
+          <p:nvCxnSpPr>
+            <p:cNvPr id="136" name="Straight Arrow Connector 135">
+              <a:extLst>
+                <a:ext uri="{FF2B5EF4-FFF2-40B4-BE49-F238E27FC236}">
+                  <a16:creationId xmlns:a16="http://schemas.microsoft.com/office/drawing/2014/main" id="{B1D14F41-C81F-4C07-8ECB-E1DF9AC5A8A3}"/>
+                </a:ext>
+              </a:extLst>
+            </p:cNvPr>
+            <p:cNvCxnSpPr>
+              <a:cxnSpLocks/>
+              <a:stCxn id="126" idx="3"/>
+              <a:endCxn id="129" idx="1"/>
+            </p:cNvCxnSpPr>
+            <p:nvPr/>
+          </p:nvCxnSpPr>
+          <p:spPr>
+            <a:xfrm flipV="1">
+              <a:off x="3175827" y="4935112"/>
+              <a:ext cx="252970" cy="1"/>
+            </a:xfrm>
+            <a:prstGeom prst="straightConnector1">
+              <a:avLst/>
+            </a:prstGeom>
+            <a:ln w="38100">
+              <a:tailEnd type="triangle"/>
+            </a:ln>
+          </p:spPr>
+          <p:style>
+            <a:lnRef idx="1">
+              <a:schemeClr val="accent1"/>
+            </a:lnRef>
+            <a:fillRef idx="0">
+              <a:schemeClr val="accent1"/>
+            </a:fillRef>
+            <a:effectRef idx="0">
+              <a:schemeClr val="accent1"/>
+            </a:effectRef>
+            <a:fontRef idx="minor">
+              <a:schemeClr val="tx1"/>
+            </a:fontRef>
+          </p:style>
+        </p:cxnSp>
+        <p:cxnSp>
+          <p:nvCxnSpPr>
+            <p:cNvPr id="137" name="Straight Arrow Connector 136">
+              <a:extLst>
+                <a:ext uri="{FF2B5EF4-FFF2-40B4-BE49-F238E27FC236}">
+                  <a16:creationId xmlns:a16="http://schemas.microsoft.com/office/drawing/2014/main" id="{4C92EB58-1333-469A-825E-86786D6DA8A8}"/>
+                </a:ext>
+              </a:extLst>
+            </p:cNvPr>
+            <p:cNvCxnSpPr>
+              <a:cxnSpLocks/>
+              <a:stCxn id="127" idx="3"/>
+              <a:endCxn id="128" idx="1"/>
+            </p:cNvCxnSpPr>
+            <p:nvPr/>
+          </p:nvCxnSpPr>
+          <p:spPr>
+            <a:xfrm flipV="1">
+              <a:off x="3175827" y="4010256"/>
+              <a:ext cx="252969" cy="1"/>
+            </a:xfrm>
+            <a:prstGeom prst="straightConnector1">
+              <a:avLst/>
+            </a:prstGeom>
+            <a:ln w="38100">
+              <a:tailEnd type="triangle"/>
+            </a:ln>
+          </p:spPr>
+          <p:style>
+            <a:lnRef idx="1">
+              <a:schemeClr val="accent1"/>
+            </a:lnRef>
+            <a:fillRef idx="0">
+              <a:schemeClr val="accent1"/>
+            </a:fillRef>
+            <a:effectRef idx="0">
+              <a:schemeClr val="accent1"/>
+            </a:effectRef>
+            <a:fontRef idx="minor">
+              <a:schemeClr val="tx1"/>
+            </a:fontRef>
+          </p:style>
+        </p:cxnSp>
+        <p:cxnSp>
+          <p:nvCxnSpPr>
+            <p:cNvPr id="138" name="Straight Arrow Connector 137">
+              <a:extLst>
+                <a:ext uri="{FF2B5EF4-FFF2-40B4-BE49-F238E27FC236}">
+                  <a16:creationId xmlns:a16="http://schemas.microsoft.com/office/drawing/2014/main" id="{903C680A-A8C7-484D-B515-E472AAB8BDEC}"/>
+                </a:ext>
+              </a:extLst>
+            </p:cNvPr>
+            <p:cNvCxnSpPr>
+              <a:cxnSpLocks/>
+              <a:stCxn id="128" idx="3"/>
+              <a:endCxn id="132" idx="1"/>
+            </p:cNvCxnSpPr>
+            <p:nvPr/>
+          </p:nvCxnSpPr>
+          <p:spPr>
+            <a:xfrm flipV="1">
+              <a:off x="4688386" y="4010255"/>
+              <a:ext cx="275290" cy="1"/>
+            </a:xfrm>
+            <a:prstGeom prst="straightConnector1">
+              <a:avLst/>
+            </a:prstGeom>
+            <a:ln w="38100">
+              <a:tailEnd type="triangle"/>
+            </a:ln>
+          </p:spPr>
+          <p:style>
+            <a:lnRef idx="1">
+              <a:schemeClr val="accent1"/>
+            </a:lnRef>
+            <a:fillRef idx="0">
+              <a:schemeClr val="accent1"/>
+            </a:fillRef>
+            <a:effectRef idx="0">
+              <a:schemeClr val="accent1"/>
+            </a:effectRef>
+            <a:fontRef idx="minor">
+              <a:schemeClr val="tx1"/>
+            </a:fontRef>
+          </p:style>
+        </p:cxnSp>
+        <p:cxnSp>
+          <p:nvCxnSpPr>
+            <p:cNvPr id="139" name="Straight Arrow Connector 138">
+              <a:extLst>
+                <a:ext uri="{FF2B5EF4-FFF2-40B4-BE49-F238E27FC236}">
+                  <a16:creationId xmlns:a16="http://schemas.microsoft.com/office/drawing/2014/main" id="{A64CA893-6EE8-4F2E-BC64-B38DE5A223F0}"/>
+                </a:ext>
+              </a:extLst>
+            </p:cNvPr>
+            <p:cNvCxnSpPr>
+              <a:cxnSpLocks/>
+              <a:stCxn id="128" idx="2"/>
+              <a:endCxn id="131" idx="0"/>
+            </p:cNvCxnSpPr>
+            <p:nvPr/>
+          </p:nvCxnSpPr>
+          <p:spPr>
+            <a:xfrm flipH="1">
+              <a:off x="4058590" y="4157633"/>
+              <a:ext cx="1" cy="199762"/>
+            </a:xfrm>
+            <a:prstGeom prst="straightConnector1">
+              <a:avLst/>
+            </a:prstGeom>
+            <a:ln w="38100">
+              <a:tailEnd type="triangle"/>
+            </a:ln>
+          </p:spPr>
+          <p:style>
+            <a:lnRef idx="1">
+              <a:schemeClr val="accent1"/>
+            </a:lnRef>
+            <a:fillRef idx="0">
+              <a:schemeClr val="accent1"/>
+            </a:fillRef>
+            <a:effectRef idx="0">
+              <a:schemeClr val="accent1"/>
+            </a:effectRef>
+            <a:fontRef idx="minor">
+              <a:schemeClr val="tx1"/>
+            </a:fontRef>
+          </p:style>
+        </p:cxnSp>
+        <p:cxnSp>
+          <p:nvCxnSpPr>
+            <p:cNvPr id="140" name="Straight Arrow Connector 139">
+              <a:extLst>
+                <a:ext uri="{FF2B5EF4-FFF2-40B4-BE49-F238E27FC236}">
+                  <a16:creationId xmlns:a16="http://schemas.microsoft.com/office/drawing/2014/main" id="{FF6F448C-D200-4F90-8B84-E52357DEA7AD}"/>
+                </a:ext>
+              </a:extLst>
+            </p:cNvPr>
+            <p:cNvCxnSpPr>
+              <a:cxnSpLocks/>
+              <a:stCxn id="131" idx="3"/>
+              <a:endCxn id="133" idx="1"/>
+            </p:cNvCxnSpPr>
+            <p:nvPr/>
+          </p:nvCxnSpPr>
+          <p:spPr>
+            <a:xfrm>
+              <a:off x="4688385" y="4504773"/>
+              <a:ext cx="275289" cy="2317"/>
+            </a:xfrm>
+            <a:prstGeom prst="straightConnector1">
+              <a:avLst/>
+            </a:prstGeom>
+            <a:ln w="38100">
+              <a:tailEnd type="triangle"/>
+            </a:ln>
+          </p:spPr>
+          <p:style>
+            <a:lnRef idx="1">
+              <a:schemeClr val="accent1"/>
+            </a:lnRef>
+            <a:fillRef idx="0">
+              <a:schemeClr val="accent1"/>
+            </a:fillRef>
+            <a:effectRef idx="0">
+              <a:schemeClr val="accent1"/>
+            </a:effectRef>
+            <a:fontRef idx="minor">
+              <a:schemeClr val="tx1"/>
+            </a:fontRef>
+          </p:style>
+        </p:cxnSp>
+        <p:sp>
+          <p:nvSpPr>
+            <p:cNvPr id="141" name="Rectangle 140">
+              <a:extLst>
+                <a:ext uri="{FF2B5EF4-FFF2-40B4-BE49-F238E27FC236}">
+                  <a16:creationId xmlns:a16="http://schemas.microsoft.com/office/drawing/2014/main" id="{5177EBA2-D43D-4FF3-9178-C3B95FB6B40F}"/>
+                </a:ext>
+              </a:extLst>
+            </p:cNvPr>
+            <p:cNvSpPr/>
+            <p:nvPr/>
+          </p:nvSpPr>
+          <p:spPr>
+            <a:xfrm>
+              <a:off x="5884540" y="4787734"/>
+              <a:ext cx="1259590" cy="294755"/>
+            </a:xfrm>
+            <a:prstGeom prst="rect">
+              <a:avLst/>
+            </a:prstGeom>
+          </p:spPr>
+          <p:style>
+            <a:lnRef idx="2">
+              <a:schemeClr val="accent1">
+                <a:shade val="50000"/>
+              </a:schemeClr>
+            </a:lnRef>
+            <a:fillRef idx="1">
+              <a:schemeClr val="accent1"/>
+            </a:fillRef>
+            <a:effectRef idx="0">
+              <a:schemeClr val="accent1"/>
+            </a:effectRef>
+            <a:fontRef idx="minor">
+              <a:schemeClr val="lt1"/>
+            </a:fontRef>
+          </p:style>
+          <p:txBody>
+            <a:bodyPr rtlCol="0" anchor="ctr"/>
+            <a:lstStyle/>
+            <a:p>
+              <a:pPr algn="ctr"/>
+              <a:r>
+                <a:rPr lang="en-GB" sz="1200" dirty="0"/>
+                <a:t>Full Binary Form</a:t>
+              </a:r>
+            </a:p>
+          </p:txBody>
+        </p:sp>
+        <p:cxnSp>
+          <p:nvCxnSpPr>
+            <p:cNvPr id="142" name="Straight Arrow Connector 141">
+              <a:extLst>
+                <a:ext uri="{FF2B5EF4-FFF2-40B4-BE49-F238E27FC236}">
+                  <a16:creationId xmlns:a16="http://schemas.microsoft.com/office/drawing/2014/main" id="{21B1D4E6-4BC7-44F5-975D-CF82C15A9F3D}"/>
+                </a:ext>
+              </a:extLst>
+            </p:cNvPr>
+            <p:cNvCxnSpPr>
+              <a:cxnSpLocks/>
+              <a:endCxn id="141" idx="0"/>
+            </p:cNvCxnSpPr>
+            <p:nvPr/>
+          </p:nvCxnSpPr>
+          <p:spPr>
+            <a:xfrm flipH="1">
+              <a:off x="6514335" y="4210041"/>
+              <a:ext cx="15767" cy="577693"/>
+            </a:xfrm>
+            <a:prstGeom prst="straightConnector1">
+              <a:avLst/>
+            </a:prstGeom>
+            <a:ln w="38100">
+              <a:tailEnd type="triangle"/>
+            </a:ln>
+          </p:spPr>
+          <p:style>
+            <a:lnRef idx="1">
+              <a:schemeClr val="accent1"/>
+            </a:lnRef>
+            <a:fillRef idx="0">
+              <a:schemeClr val="accent1"/>
+            </a:fillRef>
+            <a:effectRef idx="0">
+              <a:schemeClr val="accent1"/>
+            </a:effectRef>
+            <a:fontRef idx="minor">
+              <a:schemeClr val="tx1"/>
+            </a:fontRef>
+          </p:style>
+        </p:cxnSp>
+        <p:cxnSp>
+          <p:nvCxnSpPr>
+            <p:cNvPr id="143" name="Straight Arrow Connector 142">
+              <a:extLst>
+                <a:ext uri="{FF2B5EF4-FFF2-40B4-BE49-F238E27FC236}">
+                  <a16:creationId xmlns:a16="http://schemas.microsoft.com/office/drawing/2014/main" id="{DD3FAB5E-3559-424D-B4D7-455891B8DDB4}"/>
+                </a:ext>
+              </a:extLst>
+            </p:cNvPr>
+            <p:cNvCxnSpPr>
+              <a:cxnSpLocks/>
+              <a:stCxn id="129" idx="3"/>
+              <a:endCxn id="141" idx="1"/>
+            </p:cNvCxnSpPr>
+            <p:nvPr/>
+          </p:nvCxnSpPr>
+          <p:spPr>
+            <a:xfrm>
+              <a:off x="4688387" y="4935112"/>
+              <a:ext cx="1196153" cy="0"/>
+            </a:xfrm>
+            <a:prstGeom prst="straightConnector1">
+              <a:avLst/>
+            </a:prstGeom>
+            <a:ln w="38100">
+              <a:tailEnd type="triangle"/>
+            </a:ln>
+          </p:spPr>
+          <p:style>
+            <a:lnRef idx="1">
+              <a:schemeClr val="accent1"/>
+            </a:lnRef>
+            <a:fillRef idx="0">
+              <a:schemeClr val="accent1"/>
+            </a:fillRef>
+            <a:effectRef idx="0">
+              <a:schemeClr val="accent1"/>
+            </a:effectRef>
+            <a:fontRef idx="minor">
+              <a:schemeClr val="tx1"/>
+            </a:fontRef>
+          </p:style>
+        </p:cxnSp>
+        <p:cxnSp>
+          <p:nvCxnSpPr>
+            <p:cNvPr id="144" name="Straight Connector 143">
+              <a:extLst>
+                <a:ext uri="{FF2B5EF4-FFF2-40B4-BE49-F238E27FC236}">
+                  <a16:creationId xmlns:a16="http://schemas.microsoft.com/office/drawing/2014/main" id="{AB2D90B9-6171-4D73-B51F-44471CE57065}"/>
+                </a:ext>
+              </a:extLst>
+            </p:cNvPr>
+            <p:cNvCxnSpPr>
+              <a:cxnSpLocks/>
+              <a:stCxn id="132" idx="3"/>
+            </p:cNvCxnSpPr>
+            <p:nvPr/>
+          </p:nvCxnSpPr>
+          <p:spPr>
+            <a:xfrm>
+              <a:off x="6223266" y="4010255"/>
+              <a:ext cx="298952" cy="216190"/>
+            </a:xfrm>
+            <a:prstGeom prst="line">
+              <a:avLst/>
+            </a:prstGeom>
+            <a:ln w="38100"/>
+          </p:spPr>
+          <p:style>
+            <a:lnRef idx="1">
+              <a:schemeClr val="accent1"/>
+            </a:lnRef>
+            <a:fillRef idx="0">
+              <a:schemeClr val="accent1"/>
+            </a:fillRef>
+            <a:effectRef idx="0">
+              <a:schemeClr val="accent1"/>
+            </a:effectRef>
+            <a:fontRef idx="minor">
+              <a:schemeClr val="tx1"/>
+            </a:fontRef>
+          </p:style>
+        </p:cxnSp>
+        <p:cxnSp>
+          <p:nvCxnSpPr>
+            <p:cNvPr id="145" name="Straight Connector 144">
+              <a:extLst>
+                <a:ext uri="{FF2B5EF4-FFF2-40B4-BE49-F238E27FC236}">
+                  <a16:creationId xmlns:a16="http://schemas.microsoft.com/office/drawing/2014/main" id="{F1A3B0B6-A784-4E0E-A724-1E78B22F239F}"/>
+                </a:ext>
+              </a:extLst>
+            </p:cNvPr>
+            <p:cNvCxnSpPr>
+              <a:cxnSpLocks/>
+              <a:stCxn id="133" idx="3"/>
+            </p:cNvCxnSpPr>
+            <p:nvPr/>
+          </p:nvCxnSpPr>
+          <p:spPr>
+            <a:xfrm flipV="1">
+              <a:off x="6223264" y="4226445"/>
+              <a:ext cx="284836" cy="280645"/>
+            </a:xfrm>
+            <a:prstGeom prst="line">
+              <a:avLst/>
+            </a:prstGeom>
+            <a:ln w="38100"/>
+          </p:spPr>
+          <p:style>
+            <a:lnRef idx="1">
+              <a:schemeClr val="accent1"/>
+            </a:lnRef>
+            <a:fillRef idx="0">
+              <a:schemeClr val="accent1"/>
+            </a:fillRef>
+            <a:effectRef idx="0">
+              <a:schemeClr val="accent1"/>
+            </a:effectRef>
+            <a:fontRef idx="minor">
+              <a:schemeClr val="tx1"/>
+            </a:fontRef>
+          </p:style>
+        </p:cxnSp>
+      </p:grpSp>
     </p:spTree>
     <p:extLst>
       <p:ext uri="{BB962C8B-B14F-4D97-AF65-F5344CB8AC3E}">
@@ -13667,6 +15531,3166 @@
     <p:extLst>
       <p:ext uri="{BB962C8B-B14F-4D97-AF65-F5344CB8AC3E}">
         <p14:creationId xmlns:p14="http://schemas.microsoft.com/office/powerpoint/2010/main" val="3895595985"/>
+      </p:ext>
+    </p:extLst>
+  </p:cSld>
+  <p:clrMapOvr>
+    <a:masterClrMapping/>
+  </p:clrMapOvr>
+</p:sld>
+</file>
+
+<file path=ppt/slides/slide8.xml><?xml version="1.0" encoding="utf-8"?>
+<p:sld xmlns:a="http://schemas.openxmlformats.org/drawingml/2006/main" xmlns:r="http://schemas.openxmlformats.org/officeDocument/2006/relationships" xmlns:p="http://schemas.openxmlformats.org/presentationml/2006/main">
+  <p:cSld>
+    <p:spTree>
+      <p:nvGrpSpPr>
+        <p:cNvPr id="1" name=""/>
+        <p:cNvGrpSpPr/>
+        <p:nvPr/>
+      </p:nvGrpSpPr>
+      <p:grpSpPr>
+        <a:xfrm>
+          <a:off x="0" y="0"/>
+          <a:ext cx="0" cy="0"/>
+          <a:chOff x="0" y="0"/>
+          <a:chExt cx="0" cy="0"/>
+        </a:xfrm>
+      </p:grpSpPr>
+      <p:graphicFrame>
+        <p:nvGraphicFramePr>
+          <p:cNvPr id="137" name="Table 7">
+            <a:extLst>
+              <a:ext uri="{FF2B5EF4-FFF2-40B4-BE49-F238E27FC236}">
+                <a16:creationId xmlns:a16="http://schemas.microsoft.com/office/drawing/2014/main" id="{CD1ED27D-3D93-4103-86DC-4F5C0C529483}"/>
+              </a:ext>
+            </a:extLst>
+          </p:cNvPr>
+          <p:cNvGraphicFramePr>
+            <a:graphicFrameLocks noGrp="1"/>
+          </p:cNvGraphicFramePr>
+          <p:nvPr>
+            <p:extLst>
+              <p:ext uri="{D42A27DB-BD31-4B8C-83A1-F6EECF244321}">
+                <p14:modId xmlns:p14="http://schemas.microsoft.com/office/powerpoint/2010/main" val="2762913378"/>
+              </p:ext>
+            </p:extLst>
+          </p:nvPr>
+        </p:nvGraphicFramePr>
+        <p:xfrm>
+          <a:off x="7307419" y="267758"/>
+          <a:ext cx="4701079" cy="3354873"/>
+        </p:xfrm>
+        <a:graphic>
+          <a:graphicData uri="http://schemas.openxmlformats.org/drawingml/2006/table">
+            <a:tbl>
+              <a:tblPr firstRow="1" bandRow="1">
+                <a:tableStyleId>{5C22544A-7EE6-4342-B048-85BDC9FD1C3A}</a:tableStyleId>
+              </a:tblPr>
+              <a:tblGrid>
+                <a:gridCol w="809171">
+                  <a:extLst>
+                    <a:ext uri="{9D8B030D-6E8A-4147-A177-3AD203B41FA5}">
+                      <a16:colId xmlns:a16="http://schemas.microsoft.com/office/drawing/2014/main" val="1352383155"/>
+                    </a:ext>
+                  </a:extLst>
+                </a:gridCol>
+                <a:gridCol w="975049">
+                  <a:extLst>
+                    <a:ext uri="{9D8B030D-6E8A-4147-A177-3AD203B41FA5}">
+                      <a16:colId xmlns:a16="http://schemas.microsoft.com/office/drawing/2014/main" val="2605147057"/>
+                    </a:ext>
+                  </a:extLst>
+                </a:gridCol>
+                <a:gridCol w="607524">
+                  <a:extLst>
+                    <a:ext uri="{9D8B030D-6E8A-4147-A177-3AD203B41FA5}">
+                      <a16:colId xmlns:a16="http://schemas.microsoft.com/office/drawing/2014/main" val="4115757501"/>
+                    </a:ext>
+                  </a:extLst>
+                </a:gridCol>
+                <a:gridCol w="867747">
+                  <a:extLst>
+                    <a:ext uri="{9D8B030D-6E8A-4147-A177-3AD203B41FA5}">
+                      <a16:colId xmlns:a16="http://schemas.microsoft.com/office/drawing/2014/main" val="463401848"/>
+                    </a:ext>
+                  </a:extLst>
+                </a:gridCol>
+                <a:gridCol w="611156">
+                  <a:extLst>
+                    <a:ext uri="{9D8B030D-6E8A-4147-A177-3AD203B41FA5}">
+                      <a16:colId xmlns:a16="http://schemas.microsoft.com/office/drawing/2014/main" val="3077452370"/>
+                    </a:ext>
+                  </a:extLst>
+                </a:gridCol>
+                <a:gridCol w="830432">
+                  <a:extLst>
+                    <a:ext uri="{9D8B030D-6E8A-4147-A177-3AD203B41FA5}">
+                      <a16:colId xmlns:a16="http://schemas.microsoft.com/office/drawing/2014/main" val="3858137317"/>
+                    </a:ext>
+                  </a:extLst>
+                </a:gridCol>
+              </a:tblGrid>
+              <a:tr h="307496">
+                <a:tc>
+                  <a:txBody>
+                    <a:bodyPr/>
+                    <a:lstStyle/>
+                    <a:p>
+                      <a:r>
+                        <a:rPr lang="en-GB" sz="1200" dirty="0"/>
+                        <a:t>N (M=3)</a:t>
+                      </a:r>
+                    </a:p>
+                  </a:txBody>
+                  <a:tcPr/>
+                </a:tc>
+                <a:tc>
+                  <a:txBody>
+                    <a:bodyPr/>
+                    <a:lstStyle/>
+                    <a:p>
+                      <a:r>
+                        <a:rPr lang="en-GB" sz="1200" dirty="0"/>
+                        <a:t>Floor Value</a:t>
+                      </a:r>
+                    </a:p>
+                  </a:txBody>
+                  <a:tcPr/>
+                </a:tc>
+                <a:tc>
+                  <a:txBody>
+                    <a:bodyPr/>
+                    <a:lstStyle/>
+                    <a:p>
+                      <a:r>
+                        <a:rPr lang="en-GB" sz="1200" dirty="0"/>
+                        <a:t>Unary</a:t>
+                      </a:r>
+                    </a:p>
+                  </a:txBody>
+                  <a:tcPr/>
+                </a:tc>
+                <a:tc>
+                  <a:txBody>
+                    <a:bodyPr/>
+                    <a:lstStyle/>
+                    <a:p>
+                      <a:r>
+                        <a:rPr lang="en-GB" sz="1200" dirty="0"/>
+                        <a:t>Remainder</a:t>
+                      </a:r>
+                    </a:p>
+                  </a:txBody>
+                  <a:tcPr/>
+                </a:tc>
+                <a:tc>
+                  <a:txBody>
+                    <a:bodyPr/>
+                    <a:lstStyle/>
+                    <a:p>
+                      <a:r>
+                        <a:rPr lang="en-GB" sz="1200" dirty="0"/>
+                        <a:t>Binary</a:t>
+                      </a:r>
+                    </a:p>
+                  </a:txBody>
+                  <a:tcPr/>
+                </a:tc>
+                <a:tc>
+                  <a:txBody>
+                    <a:bodyPr/>
+                    <a:lstStyle/>
+                    <a:p>
+                      <a:r>
+                        <a:rPr lang="en-GB" sz="1200" dirty="0"/>
+                        <a:t>Combined</a:t>
+                      </a:r>
+                    </a:p>
+                  </a:txBody>
+                  <a:tcPr/>
+                </a:tc>
+                <a:extLst>
+                  <a:ext uri="{0D108BD9-81ED-4DB2-BD59-A6C34878D82A}">
+                    <a16:rowId xmlns:a16="http://schemas.microsoft.com/office/drawing/2014/main" val="768856819"/>
+                  </a:ext>
+                </a:extLst>
+              </a:tr>
+              <a:tr h="270587">
+                <a:tc>
+                  <a:txBody>
+                    <a:bodyPr/>
+                    <a:lstStyle/>
+                    <a:p>
+                      <a:r>
+                        <a:rPr lang="en-GB" sz="1200" dirty="0"/>
+                        <a:t>0</a:t>
+                      </a:r>
+                    </a:p>
+                  </a:txBody>
+                  <a:tcPr/>
+                </a:tc>
+                <a:tc>
+                  <a:txBody>
+                    <a:bodyPr/>
+                    <a:lstStyle/>
+                    <a:p>
+                      <a:r>
+                        <a:rPr lang="en-GB" sz="1200" dirty="0"/>
+                        <a:t>0</a:t>
+                      </a:r>
+                    </a:p>
+                  </a:txBody>
+                  <a:tcPr/>
+                </a:tc>
+                <a:tc>
+                  <a:txBody>
+                    <a:bodyPr/>
+                    <a:lstStyle/>
+                    <a:p>
+                      <a:r>
+                        <a:rPr lang="en-GB" sz="1200" dirty="0"/>
+                        <a:t>0</a:t>
+                      </a:r>
+                    </a:p>
+                  </a:txBody>
+                  <a:tcPr/>
+                </a:tc>
+                <a:tc>
+                  <a:txBody>
+                    <a:bodyPr/>
+                    <a:lstStyle/>
+                    <a:p>
+                      <a:r>
+                        <a:rPr lang="en-GB" sz="1200" dirty="0"/>
+                        <a:t>0</a:t>
+                      </a:r>
+                    </a:p>
+                  </a:txBody>
+                  <a:tcPr/>
+                </a:tc>
+                <a:tc>
+                  <a:txBody>
+                    <a:bodyPr/>
+                    <a:lstStyle/>
+                    <a:p>
+                      <a:r>
+                        <a:rPr lang="en-GB" sz="1200" dirty="0"/>
+                        <a:t>0</a:t>
+                      </a:r>
+                    </a:p>
+                  </a:txBody>
+                  <a:tcPr/>
+                </a:tc>
+                <a:tc>
+                  <a:txBody>
+                    <a:bodyPr/>
+                    <a:lstStyle/>
+                    <a:p>
+                      <a:r>
+                        <a:rPr lang="en-GB" sz="1200" dirty="0"/>
+                        <a:t>00</a:t>
+                      </a:r>
+                    </a:p>
+                  </a:txBody>
+                  <a:tcPr/>
+                </a:tc>
+                <a:extLst>
+                  <a:ext uri="{0D108BD9-81ED-4DB2-BD59-A6C34878D82A}">
+                    <a16:rowId xmlns:a16="http://schemas.microsoft.com/office/drawing/2014/main" val="2190376633"/>
+                  </a:ext>
+                </a:extLst>
+              </a:tr>
+              <a:tr h="252859">
+                <a:tc>
+                  <a:txBody>
+                    <a:bodyPr/>
+                    <a:lstStyle/>
+                    <a:p>
+                      <a:r>
+                        <a:rPr lang="en-GB" sz="1200" dirty="0"/>
+                        <a:t>1</a:t>
+                      </a:r>
+                    </a:p>
+                  </a:txBody>
+                  <a:tcPr/>
+                </a:tc>
+                <a:tc>
+                  <a:txBody>
+                    <a:bodyPr/>
+                    <a:lstStyle/>
+                    <a:p>
+                      <a:r>
+                        <a:rPr lang="en-GB" sz="1200" dirty="0"/>
+                        <a:t>0</a:t>
+                      </a:r>
+                    </a:p>
+                  </a:txBody>
+                  <a:tcPr/>
+                </a:tc>
+                <a:tc>
+                  <a:txBody>
+                    <a:bodyPr/>
+                    <a:lstStyle/>
+                    <a:p>
+                      <a:r>
+                        <a:rPr lang="en-GB" sz="1200" dirty="0"/>
+                        <a:t>0</a:t>
+                      </a:r>
+                    </a:p>
+                  </a:txBody>
+                  <a:tcPr/>
+                </a:tc>
+                <a:tc>
+                  <a:txBody>
+                    <a:bodyPr/>
+                    <a:lstStyle/>
+                    <a:p>
+                      <a:r>
+                        <a:rPr lang="en-GB" sz="1200" dirty="0"/>
+                        <a:t>1</a:t>
+                      </a:r>
+                    </a:p>
+                  </a:txBody>
+                  <a:tcPr/>
+                </a:tc>
+                <a:tc>
+                  <a:txBody>
+                    <a:bodyPr/>
+                    <a:lstStyle/>
+                    <a:p>
+                      <a:r>
+                        <a:rPr lang="en-GB" sz="1200" dirty="0"/>
+                        <a:t>01</a:t>
+                      </a:r>
+                    </a:p>
+                  </a:txBody>
+                  <a:tcPr/>
+                </a:tc>
+                <a:tc>
+                  <a:txBody>
+                    <a:bodyPr/>
+                    <a:lstStyle/>
+                    <a:p>
+                      <a:r>
+                        <a:rPr lang="en-GB" sz="1200" dirty="0"/>
+                        <a:t>001</a:t>
+                      </a:r>
+                    </a:p>
+                  </a:txBody>
+                  <a:tcPr/>
+                </a:tc>
+                <a:extLst>
+                  <a:ext uri="{0D108BD9-81ED-4DB2-BD59-A6C34878D82A}">
+                    <a16:rowId xmlns:a16="http://schemas.microsoft.com/office/drawing/2014/main" val="2244899658"/>
+                  </a:ext>
+                </a:extLst>
+              </a:tr>
+              <a:tr h="272453">
+                <a:tc>
+                  <a:txBody>
+                    <a:bodyPr/>
+                    <a:lstStyle/>
+                    <a:p>
+                      <a:r>
+                        <a:rPr lang="en-GB" sz="1200" dirty="0"/>
+                        <a:t>2</a:t>
+                      </a:r>
+                    </a:p>
+                  </a:txBody>
+                  <a:tcPr/>
+                </a:tc>
+                <a:tc>
+                  <a:txBody>
+                    <a:bodyPr/>
+                    <a:lstStyle/>
+                    <a:p>
+                      <a:r>
+                        <a:rPr lang="en-GB" sz="1200" dirty="0"/>
+                        <a:t>0</a:t>
+                      </a:r>
+                    </a:p>
+                  </a:txBody>
+                  <a:tcPr/>
+                </a:tc>
+                <a:tc>
+                  <a:txBody>
+                    <a:bodyPr/>
+                    <a:lstStyle/>
+                    <a:p>
+                      <a:r>
+                        <a:rPr lang="en-GB" sz="1200" dirty="0"/>
+                        <a:t>0</a:t>
+                      </a:r>
+                    </a:p>
+                  </a:txBody>
+                  <a:tcPr/>
+                </a:tc>
+                <a:tc>
+                  <a:txBody>
+                    <a:bodyPr/>
+                    <a:lstStyle/>
+                    <a:p>
+                      <a:r>
+                        <a:rPr lang="en-GB" sz="1200" dirty="0"/>
+                        <a:t>2</a:t>
+                      </a:r>
+                    </a:p>
+                  </a:txBody>
+                  <a:tcPr/>
+                </a:tc>
+                <a:tc>
+                  <a:txBody>
+                    <a:bodyPr/>
+                    <a:lstStyle/>
+                    <a:p>
+                      <a:r>
+                        <a:rPr lang="en-GB" sz="1200" dirty="0"/>
+                        <a:t>10</a:t>
+                      </a:r>
+                    </a:p>
+                  </a:txBody>
+                  <a:tcPr/>
+                </a:tc>
+                <a:tc>
+                  <a:txBody>
+                    <a:bodyPr/>
+                    <a:lstStyle/>
+                    <a:p>
+                      <a:r>
+                        <a:rPr lang="en-GB" sz="1200" dirty="0"/>
+                        <a:t>010</a:t>
+                      </a:r>
+                    </a:p>
+                  </a:txBody>
+                  <a:tcPr/>
+                </a:tc>
+                <a:extLst>
+                  <a:ext uri="{0D108BD9-81ED-4DB2-BD59-A6C34878D82A}">
+                    <a16:rowId xmlns:a16="http://schemas.microsoft.com/office/drawing/2014/main" val="2161011963"/>
+                  </a:ext>
+                </a:extLst>
+              </a:tr>
+              <a:tr h="301378">
+                <a:tc>
+                  <a:txBody>
+                    <a:bodyPr/>
+                    <a:lstStyle/>
+                    <a:p>
+                      <a:r>
+                        <a:rPr lang="en-GB" sz="1200" dirty="0"/>
+                        <a:t>3</a:t>
+                      </a:r>
+                    </a:p>
+                  </a:txBody>
+                  <a:tcPr/>
+                </a:tc>
+                <a:tc>
+                  <a:txBody>
+                    <a:bodyPr/>
+                    <a:lstStyle/>
+                    <a:p>
+                      <a:r>
+                        <a:rPr lang="en-GB" sz="1200" dirty="0"/>
+                        <a:t>1</a:t>
+                      </a:r>
+                    </a:p>
+                  </a:txBody>
+                  <a:tcPr/>
+                </a:tc>
+                <a:tc>
+                  <a:txBody>
+                    <a:bodyPr/>
+                    <a:lstStyle/>
+                    <a:p>
+                      <a:r>
+                        <a:rPr lang="en-GB" sz="1200" dirty="0"/>
+                        <a:t>10</a:t>
+                      </a:r>
+                    </a:p>
+                  </a:txBody>
+                  <a:tcPr/>
+                </a:tc>
+                <a:tc>
+                  <a:txBody>
+                    <a:bodyPr/>
+                    <a:lstStyle/>
+                    <a:p>
+                      <a:r>
+                        <a:rPr lang="en-GB" sz="1200" dirty="0"/>
+                        <a:t>0</a:t>
+                      </a:r>
+                    </a:p>
+                  </a:txBody>
+                  <a:tcPr/>
+                </a:tc>
+                <a:tc>
+                  <a:txBody>
+                    <a:bodyPr/>
+                    <a:lstStyle/>
+                    <a:p>
+                      <a:r>
+                        <a:rPr lang="en-GB" sz="1200" dirty="0"/>
+                        <a:t>0</a:t>
+                      </a:r>
+                    </a:p>
+                  </a:txBody>
+                  <a:tcPr/>
+                </a:tc>
+                <a:tc>
+                  <a:txBody>
+                    <a:bodyPr/>
+                    <a:lstStyle/>
+                    <a:p>
+                      <a:r>
+                        <a:rPr lang="en-GB" sz="1200" dirty="0"/>
+                        <a:t>100</a:t>
+                      </a:r>
+                    </a:p>
+                  </a:txBody>
+                  <a:tcPr/>
+                </a:tc>
+                <a:extLst>
+                  <a:ext uri="{0D108BD9-81ED-4DB2-BD59-A6C34878D82A}">
+                    <a16:rowId xmlns:a16="http://schemas.microsoft.com/office/drawing/2014/main" val="3075315668"/>
+                  </a:ext>
+                </a:extLst>
+              </a:tr>
+              <a:tr h="270588">
+                <a:tc>
+                  <a:txBody>
+                    <a:bodyPr/>
+                    <a:lstStyle/>
+                    <a:p>
+                      <a:r>
+                        <a:rPr lang="en-GB" sz="1200" dirty="0"/>
+                        <a:t>4</a:t>
+                      </a:r>
+                    </a:p>
+                  </a:txBody>
+                  <a:tcPr/>
+                </a:tc>
+                <a:tc>
+                  <a:txBody>
+                    <a:bodyPr/>
+                    <a:lstStyle/>
+                    <a:p>
+                      <a:r>
+                        <a:rPr lang="en-GB" sz="1200" dirty="0"/>
+                        <a:t>1</a:t>
+                      </a:r>
+                    </a:p>
+                  </a:txBody>
+                  <a:tcPr/>
+                </a:tc>
+                <a:tc>
+                  <a:txBody>
+                    <a:bodyPr/>
+                    <a:lstStyle/>
+                    <a:p>
+                      <a:r>
+                        <a:rPr lang="en-GB" sz="1200" dirty="0"/>
+                        <a:t>10</a:t>
+                      </a:r>
+                    </a:p>
+                  </a:txBody>
+                  <a:tcPr/>
+                </a:tc>
+                <a:tc>
+                  <a:txBody>
+                    <a:bodyPr/>
+                    <a:lstStyle/>
+                    <a:p>
+                      <a:r>
+                        <a:rPr lang="en-GB" sz="1200" dirty="0"/>
+                        <a:t>1</a:t>
+                      </a:r>
+                    </a:p>
+                  </a:txBody>
+                  <a:tcPr/>
+                </a:tc>
+                <a:tc>
+                  <a:txBody>
+                    <a:bodyPr/>
+                    <a:lstStyle/>
+                    <a:p>
+                      <a:r>
+                        <a:rPr lang="en-GB" sz="1200" dirty="0"/>
+                        <a:t>01</a:t>
+                      </a:r>
+                    </a:p>
+                  </a:txBody>
+                  <a:tcPr/>
+                </a:tc>
+                <a:tc>
+                  <a:txBody>
+                    <a:bodyPr/>
+                    <a:lstStyle/>
+                    <a:p>
+                      <a:r>
+                        <a:rPr lang="en-GB" sz="1200" dirty="0"/>
+                        <a:t>1001</a:t>
+                      </a:r>
+                    </a:p>
+                  </a:txBody>
+                  <a:tcPr/>
+                </a:tc>
+                <a:extLst>
+                  <a:ext uri="{0D108BD9-81ED-4DB2-BD59-A6C34878D82A}">
+                    <a16:rowId xmlns:a16="http://schemas.microsoft.com/office/drawing/2014/main" val="2365493202"/>
+                  </a:ext>
+                </a:extLst>
+              </a:tr>
+              <a:tr h="276186">
+                <a:tc>
+                  <a:txBody>
+                    <a:bodyPr/>
+                    <a:lstStyle/>
+                    <a:p>
+                      <a:r>
+                        <a:rPr lang="en-GB" sz="1200" dirty="0"/>
+                        <a:t>5</a:t>
+                      </a:r>
+                    </a:p>
+                  </a:txBody>
+                  <a:tcPr/>
+                </a:tc>
+                <a:tc>
+                  <a:txBody>
+                    <a:bodyPr/>
+                    <a:lstStyle/>
+                    <a:p>
+                      <a:r>
+                        <a:rPr lang="en-GB" sz="1200" dirty="0"/>
+                        <a:t>1</a:t>
+                      </a:r>
+                    </a:p>
+                  </a:txBody>
+                  <a:tcPr/>
+                </a:tc>
+                <a:tc>
+                  <a:txBody>
+                    <a:bodyPr/>
+                    <a:lstStyle/>
+                    <a:p>
+                      <a:r>
+                        <a:rPr lang="en-GB" sz="1200" dirty="0"/>
+                        <a:t>10</a:t>
+                      </a:r>
+                    </a:p>
+                  </a:txBody>
+                  <a:tcPr/>
+                </a:tc>
+                <a:tc>
+                  <a:txBody>
+                    <a:bodyPr/>
+                    <a:lstStyle/>
+                    <a:p>
+                      <a:r>
+                        <a:rPr lang="en-GB" sz="1200" dirty="0"/>
+                        <a:t>2</a:t>
+                      </a:r>
+                    </a:p>
+                  </a:txBody>
+                  <a:tcPr/>
+                </a:tc>
+                <a:tc>
+                  <a:txBody>
+                    <a:bodyPr/>
+                    <a:lstStyle/>
+                    <a:p>
+                      <a:r>
+                        <a:rPr lang="en-GB" sz="1200" dirty="0"/>
+                        <a:t>10</a:t>
+                      </a:r>
+                    </a:p>
+                  </a:txBody>
+                  <a:tcPr/>
+                </a:tc>
+                <a:tc>
+                  <a:txBody>
+                    <a:bodyPr/>
+                    <a:lstStyle/>
+                    <a:p>
+                      <a:r>
+                        <a:rPr lang="en-GB" sz="1200" dirty="0"/>
+                        <a:t>1010</a:t>
+                      </a:r>
+                    </a:p>
+                  </a:txBody>
+                  <a:tcPr/>
+                </a:tc>
+                <a:extLst>
+                  <a:ext uri="{0D108BD9-81ED-4DB2-BD59-A6C34878D82A}">
+                    <a16:rowId xmlns:a16="http://schemas.microsoft.com/office/drawing/2014/main" val="2658021619"/>
+                  </a:ext>
+                </a:extLst>
+              </a:tr>
+              <a:tr h="275253">
+                <a:tc>
+                  <a:txBody>
+                    <a:bodyPr/>
+                    <a:lstStyle/>
+                    <a:p>
+                      <a:r>
+                        <a:rPr lang="en-GB" sz="1200" dirty="0"/>
+                        <a:t>6</a:t>
+                      </a:r>
+                    </a:p>
+                  </a:txBody>
+                  <a:tcPr/>
+                </a:tc>
+                <a:tc>
+                  <a:txBody>
+                    <a:bodyPr/>
+                    <a:lstStyle/>
+                    <a:p>
+                      <a:r>
+                        <a:rPr lang="en-GB" sz="1200" dirty="0"/>
+                        <a:t>2</a:t>
+                      </a:r>
+                    </a:p>
+                  </a:txBody>
+                  <a:tcPr/>
+                </a:tc>
+                <a:tc>
+                  <a:txBody>
+                    <a:bodyPr/>
+                    <a:lstStyle/>
+                    <a:p>
+                      <a:r>
+                        <a:rPr lang="en-GB" sz="1200" dirty="0"/>
+                        <a:t>110</a:t>
+                      </a:r>
+                    </a:p>
+                  </a:txBody>
+                  <a:tcPr/>
+                </a:tc>
+                <a:tc>
+                  <a:txBody>
+                    <a:bodyPr/>
+                    <a:lstStyle/>
+                    <a:p>
+                      <a:r>
+                        <a:rPr lang="en-GB" sz="1200" dirty="0"/>
+                        <a:t>0</a:t>
+                      </a:r>
+                    </a:p>
+                  </a:txBody>
+                  <a:tcPr/>
+                </a:tc>
+                <a:tc>
+                  <a:txBody>
+                    <a:bodyPr/>
+                    <a:lstStyle/>
+                    <a:p>
+                      <a:r>
+                        <a:rPr lang="en-GB" sz="1200" dirty="0"/>
+                        <a:t>0</a:t>
+                      </a:r>
+                    </a:p>
+                  </a:txBody>
+                  <a:tcPr/>
+                </a:tc>
+                <a:tc>
+                  <a:txBody>
+                    <a:bodyPr/>
+                    <a:lstStyle/>
+                    <a:p>
+                      <a:r>
+                        <a:rPr lang="en-GB" sz="1200" dirty="0"/>
+                        <a:t>1100</a:t>
+                      </a:r>
+                    </a:p>
+                  </a:txBody>
+                  <a:tcPr/>
+                </a:tc>
+                <a:extLst>
+                  <a:ext uri="{0D108BD9-81ED-4DB2-BD59-A6C34878D82A}">
+                    <a16:rowId xmlns:a16="http://schemas.microsoft.com/office/drawing/2014/main" val="2634383746"/>
+                  </a:ext>
+                </a:extLst>
+              </a:tr>
+              <a:tr h="265923">
+                <a:tc>
+                  <a:txBody>
+                    <a:bodyPr/>
+                    <a:lstStyle/>
+                    <a:p>
+                      <a:r>
+                        <a:rPr lang="en-GB" sz="1200" dirty="0"/>
+                        <a:t>7</a:t>
+                      </a:r>
+                    </a:p>
+                  </a:txBody>
+                  <a:tcPr/>
+                </a:tc>
+                <a:tc>
+                  <a:txBody>
+                    <a:bodyPr/>
+                    <a:lstStyle/>
+                    <a:p>
+                      <a:r>
+                        <a:rPr lang="en-GB" sz="1200" dirty="0"/>
+                        <a:t>2</a:t>
+                      </a:r>
+                    </a:p>
+                  </a:txBody>
+                  <a:tcPr/>
+                </a:tc>
+                <a:tc>
+                  <a:txBody>
+                    <a:bodyPr/>
+                    <a:lstStyle/>
+                    <a:p>
+                      <a:r>
+                        <a:rPr lang="en-GB" sz="1200" dirty="0"/>
+                        <a:t>110</a:t>
+                      </a:r>
+                    </a:p>
+                  </a:txBody>
+                  <a:tcPr/>
+                </a:tc>
+                <a:tc>
+                  <a:txBody>
+                    <a:bodyPr/>
+                    <a:lstStyle/>
+                    <a:p>
+                      <a:r>
+                        <a:rPr lang="en-GB" sz="1200" dirty="0"/>
+                        <a:t>1</a:t>
+                      </a:r>
+                    </a:p>
+                  </a:txBody>
+                  <a:tcPr/>
+                </a:tc>
+                <a:tc>
+                  <a:txBody>
+                    <a:bodyPr/>
+                    <a:lstStyle/>
+                    <a:p>
+                      <a:r>
+                        <a:rPr lang="en-GB" sz="1200" dirty="0"/>
+                        <a:t>01</a:t>
+                      </a:r>
+                    </a:p>
+                  </a:txBody>
+                  <a:tcPr/>
+                </a:tc>
+                <a:tc>
+                  <a:txBody>
+                    <a:bodyPr/>
+                    <a:lstStyle/>
+                    <a:p>
+                      <a:r>
+                        <a:rPr lang="en-GB" sz="1200" dirty="0"/>
+                        <a:t>11001</a:t>
+                      </a:r>
+                    </a:p>
+                  </a:txBody>
+                  <a:tcPr/>
+                </a:tc>
+                <a:extLst>
+                  <a:ext uri="{0D108BD9-81ED-4DB2-BD59-A6C34878D82A}">
+                    <a16:rowId xmlns:a16="http://schemas.microsoft.com/office/drawing/2014/main" val="4189339954"/>
+                  </a:ext>
+                </a:extLst>
+              </a:tr>
+              <a:tr h="265923">
+                <a:tc>
+                  <a:txBody>
+                    <a:bodyPr/>
+                    <a:lstStyle/>
+                    <a:p>
+                      <a:r>
+                        <a:rPr lang="en-GB" sz="1200" dirty="0"/>
+                        <a:t>8</a:t>
+                      </a:r>
+                    </a:p>
+                  </a:txBody>
+                  <a:tcPr/>
+                </a:tc>
+                <a:tc>
+                  <a:txBody>
+                    <a:bodyPr/>
+                    <a:lstStyle/>
+                    <a:p>
+                      <a:r>
+                        <a:rPr lang="en-GB" sz="1200" dirty="0"/>
+                        <a:t>2</a:t>
+                      </a:r>
+                    </a:p>
+                  </a:txBody>
+                  <a:tcPr/>
+                </a:tc>
+                <a:tc>
+                  <a:txBody>
+                    <a:bodyPr/>
+                    <a:lstStyle/>
+                    <a:p>
+                      <a:r>
+                        <a:rPr lang="en-GB" sz="1200" dirty="0"/>
+                        <a:t>110</a:t>
+                      </a:r>
+                    </a:p>
+                  </a:txBody>
+                  <a:tcPr/>
+                </a:tc>
+                <a:tc>
+                  <a:txBody>
+                    <a:bodyPr/>
+                    <a:lstStyle/>
+                    <a:p>
+                      <a:r>
+                        <a:rPr lang="en-GB" sz="1200" dirty="0"/>
+                        <a:t>2</a:t>
+                      </a:r>
+                    </a:p>
+                  </a:txBody>
+                  <a:tcPr/>
+                </a:tc>
+                <a:tc>
+                  <a:txBody>
+                    <a:bodyPr/>
+                    <a:lstStyle/>
+                    <a:p>
+                      <a:r>
+                        <a:rPr lang="en-GB" sz="1200" dirty="0"/>
+                        <a:t>10</a:t>
+                      </a:r>
+                    </a:p>
+                  </a:txBody>
+                  <a:tcPr/>
+                </a:tc>
+                <a:tc>
+                  <a:txBody>
+                    <a:bodyPr/>
+                    <a:lstStyle/>
+                    <a:p>
+                      <a:r>
+                        <a:rPr lang="en-GB" sz="1200" dirty="0"/>
+                        <a:t>11010</a:t>
+                      </a:r>
+                    </a:p>
+                  </a:txBody>
+                  <a:tcPr/>
+                </a:tc>
+                <a:extLst>
+                  <a:ext uri="{0D108BD9-81ED-4DB2-BD59-A6C34878D82A}">
+                    <a16:rowId xmlns:a16="http://schemas.microsoft.com/office/drawing/2014/main" val="48395827"/>
+                  </a:ext>
+                </a:extLst>
+              </a:tr>
+              <a:tr h="265923">
+                <a:tc>
+                  <a:txBody>
+                    <a:bodyPr/>
+                    <a:lstStyle/>
+                    <a:p>
+                      <a:r>
+                        <a:rPr lang="en-GB" sz="1200" dirty="0"/>
+                        <a:t>9</a:t>
+                      </a:r>
+                    </a:p>
+                  </a:txBody>
+                  <a:tcPr/>
+                </a:tc>
+                <a:tc>
+                  <a:txBody>
+                    <a:bodyPr/>
+                    <a:lstStyle/>
+                    <a:p>
+                      <a:r>
+                        <a:rPr lang="en-GB" sz="1200" dirty="0"/>
+                        <a:t>3</a:t>
+                      </a:r>
+                    </a:p>
+                  </a:txBody>
+                  <a:tcPr/>
+                </a:tc>
+                <a:tc>
+                  <a:txBody>
+                    <a:bodyPr/>
+                    <a:lstStyle/>
+                    <a:p>
+                      <a:r>
+                        <a:rPr lang="en-GB" sz="1200" dirty="0"/>
+                        <a:t>1110</a:t>
+                      </a:r>
+                    </a:p>
+                  </a:txBody>
+                  <a:tcPr/>
+                </a:tc>
+                <a:tc>
+                  <a:txBody>
+                    <a:bodyPr/>
+                    <a:lstStyle/>
+                    <a:p>
+                      <a:r>
+                        <a:rPr lang="en-GB" sz="1200" dirty="0"/>
+                        <a:t>0</a:t>
+                      </a:r>
+                    </a:p>
+                  </a:txBody>
+                  <a:tcPr/>
+                </a:tc>
+                <a:tc>
+                  <a:txBody>
+                    <a:bodyPr/>
+                    <a:lstStyle/>
+                    <a:p>
+                      <a:r>
+                        <a:rPr lang="en-GB" sz="1200" dirty="0"/>
+                        <a:t>0</a:t>
+                      </a:r>
+                    </a:p>
+                  </a:txBody>
+                  <a:tcPr/>
+                </a:tc>
+                <a:tc>
+                  <a:txBody>
+                    <a:bodyPr/>
+                    <a:lstStyle/>
+                    <a:p>
+                      <a:r>
+                        <a:rPr lang="en-GB" sz="1200" dirty="0"/>
+                        <a:t>11100</a:t>
+                      </a:r>
+                    </a:p>
+                  </a:txBody>
+                  <a:tcPr/>
+                </a:tc>
+                <a:extLst>
+                  <a:ext uri="{0D108BD9-81ED-4DB2-BD59-A6C34878D82A}">
+                    <a16:rowId xmlns:a16="http://schemas.microsoft.com/office/drawing/2014/main" val="2297037616"/>
+                  </a:ext>
+                </a:extLst>
+              </a:tr>
+              <a:tr h="265923">
+                <a:tc>
+                  <a:txBody>
+                    <a:bodyPr/>
+                    <a:lstStyle/>
+                    <a:p>
+                      <a:r>
+                        <a:rPr lang="en-GB" sz="1200" dirty="0"/>
+                        <a:t>10</a:t>
+                      </a:r>
+                    </a:p>
+                  </a:txBody>
+                  <a:tcPr/>
+                </a:tc>
+                <a:tc>
+                  <a:txBody>
+                    <a:bodyPr/>
+                    <a:lstStyle/>
+                    <a:p>
+                      <a:r>
+                        <a:rPr lang="en-GB" sz="1200" dirty="0"/>
+                        <a:t>3</a:t>
+                      </a:r>
+                    </a:p>
+                  </a:txBody>
+                  <a:tcPr/>
+                </a:tc>
+                <a:tc>
+                  <a:txBody>
+                    <a:bodyPr/>
+                    <a:lstStyle/>
+                    <a:p>
+                      <a:r>
+                        <a:rPr lang="en-GB" sz="1200" dirty="0"/>
+                        <a:t>1110</a:t>
+                      </a:r>
+                    </a:p>
+                  </a:txBody>
+                  <a:tcPr/>
+                </a:tc>
+                <a:tc>
+                  <a:txBody>
+                    <a:bodyPr/>
+                    <a:lstStyle/>
+                    <a:p>
+                      <a:r>
+                        <a:rPr lang="en-GB" sz="1200" dirty="0"/>
+                        <a:t>1</a:t>
+                      </a:r>
+                    </a:p>
+                  </a:txBody>
+                  <a:tcPr/>
+                </a:tc>
+                <a:tc>
+                  <a:txBody>
+                    <a:bodyPr/>
+                    <a:lstStyle/>
+                    <a:p>
+                      <a:r>
+                        <a:rPr lang="en-GB" sz="1200" dirty="0"/>
+                        <a:t>01</a:t>
+                      </a:r>
+                    </a:p>
+                  </a:txBody>
+                  <a:tcPr/>
+                </a:tc>
+                <a:tc>
+                  <a:txBody>
+                    <a:bodyPr/>
+                    <a:lstStyle/>
+                    <a:p>
+                      <a:r>
+                        <a:rPr lang="en-GB" sz="1200" dirty="0"/>
+                        <a:t>111001</a:t>
+                      </a:r>
+                    </a:p>
+                  </a:txBody>
+                  <a:tcPr/>
+                </a:tc>
+                <a:extLst>
+                  <a:ext uri="{0D108BD9-81ED-4DB2-BD59-A6C34878D82A}">
+                    <a16:rowId xmlns:a16="http://schemas.microsoft.com/office/drawing/2014/main" val="1780812391"/>
+                  </a:ext>
+                </a:extLst>
+              </a:tr>
+            </a:tbl>
+          </a:graphicData>
+        </a:graphic>
+      </p:graphicFrame>
+      <p:grpSp>
+        <p:nvGrpSpPr>
+          <p:cNvPr id="161" name="Group 160">
+            <a:extLst>
+              <a:ext uri="{FF2B5EF4-FFF2-40B4-BE49-F238E27FC236}">
+                <a16:creationId xmlns:a16="http://schemas.microsoft.com/office/drawing/2014/main" id="{5AEE2254-33A9-4A6D-A830-4F3350F3B3CD}"/>
+              </a:ext>
+            </a:extLst>
+          </p:cNvPr>
+          <p:cNvGrpSpPr/>
+          <p:nvPr/>
+        </p:nvGrpSpPr>
+        <p:grpSpPr>
+          <a:xfrm>
+            <a:off x="1003707" y="498886"/>
+            <a:ext cx="5265012" cy="1919555"/>
+            <a:chOff x="1003707" y="498886"/>
+            <a:chExt cx="5265012" cy="1919555"/>
+          </a:xfrm>
+        </p:grpSpPr>
+        <p:sp>
+          <p:nvSpPr>
+            <p:cNvPr id="139" name="Rectangle 138">
+              <a:extLst>
+                <a:ext uri="{FF2B5EF4-FFF2-40B4-BE49-F238E27FC236}">
+                  <a16:creationId xmlns:a16="http://schemas.microsoft.com/office/drawing/2014/main" id="{5563BB94-0D10-45BC-A783-D56286CF2440}"/>
+                </a:ext>
+              </a:extLst>
+            </p:cNvPr>
+            <p:cNvSpPr/>
+            <p:nvPr/>
+          </p:nvSpPr>
+          <p:spPr>
+            <a:xfrm>
+              <a:off x="1135891" y="1564647"/>
+              <a:ext cx="566088" cy="362809"/>
+            </a:xfrm>
+            <a:prstGeom prst="rect">
+              <a:avLst/>
+            </a:prstGeom>
+          </p:spPr>
+          <p:style>
+            <a:lnRef idx="2">
+              <a:schemeClr val="accent1">
+                <a:shade val="50000"/>
+              </a:schemeClr>
+            </a:lnRef>
+            <a:fillRef idx="1">
+              <a:schemeClr val="accent1"/>
+            </a:fillRef>
+            <a:effectRef idx="0">
+              <a:schemeClr val="accent1"/>
+            </a:effectRef>
+            <a:fontRef idx="minor">
+              <a:schemeClr val="lt1"/>
+            </a:fontRef>
+          </p:style>
+          <p:txBody>
+            <a:bodyPr rtlCol="0" anchor="ctr"/>
+            <a:lstStyle/>
+            <a:p>
+              <a:pPr algn="ctr"/>
+              <a:r>
+                <a:rPr lang="en-GB" sz="1400" dirty="0"/>
+                <a:t>14</a:t>
+              </a:r>
+            </a:p>
+          </p:txBody>
+        </p:sp>
+        <p:sp>
+          <p:nvSpPr>
+            <p:cNvPr id="140" name="Rectangle 139">
+              <a:extLst>
+                <a:ext uri="{FF2B5EF4-FFF2-40B4-BE49-F238E27FC236}">
+                  <a16:creationId xmlns:a16="http://schemas.microsoft.com/office/drawing/2014/main" id="{045A18C7-A097-4796-B602-16F2F3A599B4}"/>
+                </a:ext>
+              </a:extLst>
+            </p:cNvPr>
+            <p:cNvSpPr/>
+            <p:nvPr/>
+          </p:nvSpPr>
+          <p:spPr>
+            <a:xfrm>
+              <a:off x="1898683" y="2055632"/>
+              <a:ext cx="1052901" cy="362809"/>
+            </a:xfrm>
+            <a:prstGeom prst="rect">
+              <a:avLst/>
+            </a:prstGeom>
+          </p:spPr>
+          <p:style>
+            <a:lnRef idx="2">
+              <a:schemeClr val="accent1">
+                <a:shade val="50000"/>
+              </a:schemeClr>
+            </a:lnRef>
+            <a:fillRef idx="1">
+              <a:schemeClr val="accent1"/>
+            </a:fillRef>
+            <a:effectRef idx="0">
+              <a:schemeClr val="accent1"/>
+            </a:effectRef>
+            <a:fontRef idx="minor">
+              <a:schemeClr val="lt1"/>
+            </a:fontRef>
+          </p:style>
+          <p:txBody>
+            <a:bodyPr rtlCol="0" anchor="ctr"/>
+            <a:lstStyle/>
+            <a:p>
+              <a:pPr algn="ctr"/>
+              <a:r>
+                <a:rPr lang="en-GB" sz="1200" dirty="0"/>
+                <a:t>q=2</a:t>
+              </a:r>
+            </a:p>
+          </p:txBody>
+        </p:sp>
+        <p:sp>
+          <p:nvSpPr>
+            <p:cNvPr id="141" name="Rectangle 140">
+              <a:extLst>
+                <a:ext uri="{FF2B5EF4-FFF2-40B4-BE49-F238E27FC236}">
+                  <a16:creationId xmlns:a16="http://schemas.microsoft.com/office/drawing/2014/main" id="{34358196-1319-4413-A030-5F828261F028}"/>
+                </a:ext>
+              </a:extLst>
+            </p:cNvPr>
+            <p:cNvSpPr/>
+            <p:nvPr/>
+          </p:nvSpPr>
+          <p:spPr>
+            <a:xfrm>
+              <a:off x="1898683" y="995491"/>
+              <a:ext cx="1052901" cy="362809"/>
+            </a:xfrm>
+            <a:prstGeom prst="rect">
+              <a:avLst/>
+            </a:prstGeom>
+          </p:spPr>
+          <p:style>
+            <a:lnRef idx="2">
+              <a:schemeClr val="accent1">
+                <a:shade val="50000"/>
+              </a:schemeClr>
+            </a:lnRef>
+            <a:fillRef idx="1">
+              <a:schemeClr val="accent1"/>
+            </a:fillRef>
+            <a:effectRef idx="0">
+              <a:schemeClr val="accent1"/>
+            </a:effectRef>
+            <a:fontRef idx="minor">
+              <a:schemeClr val="lt1"/>
+            </a:fontRef>
+          </p:style>
+          <p:txBody>
+            <a:bodyPr rtlCol="0" anchor="ctr"/>
+            <a:lstStyle/>
+            <a:p>
+              <a:pPr algn="ctr"/>
+              <a:r>
+                <a:rPr lang="en-GB" sz="1200" dirty="0"/>
+                <a:t>r=4</a:t>
+              </a:r>
+            </a:p>
+          </p:txBody>
+        </p:sp>
+        <p:sp>
+          <p:nvSpPr>
+            <p:cNvPr id="142" name="Rectangle 141">
+              <a:extLst>
+                <a:ext uri="{FF2B5EF4-FFF2-40B4-BE49-F238E27FC236}">
+                  <a16:creationId xmlns:a16="http://schemas.microsoft.com/office/drawing/2014/main" id="{6C98D8FD-0563-4C8B-BCBC-D2407A1DC7C9}"/>
+                </a:ext>
+              </a:extLst>
+            </p:cNvPr>
+            <p:cNvSpPr/>
+            <p:nvPr/>
+          </p:nvSpPr>
+          <p:spPr>
+            <a:xfrm>
+              <a:off x="3163042" y="995490"/>
+              <a:ext cx="1052901" cy="362809"/>
+            </a:xfrm>
+            <a:prstGeom prst="rect">
+              <a:avLst/>
+            </a:prstGeom>
+          </p:spPr>
+          <p:style>
+            <a:lnRef idx="2">
+              <a:schemeClr val="accent1">
+                <a:shade val="50000"/>
+              </a:schemeClr>
+            </a:lnRef>
+            <a:fillRef idx="1">
+              <a:schemeClr val="accent1"/>
+            </a:fillRef>
+            <a:effectRef idx="0">
+              <a:schemeClr val="accent1"/>
+            </a:effectRef>
+            <a:fontRef idx="minor">
+              <a:schemeClr val="lt1"/>
+            </a:fontRef>
+          </p:style>
+          <p:txBody>
+            <a:bodyPr rtlCol="0" anchor="ctr"/>
+            <a:lstStyle/>
+            <a:p>
+              <a:pPr algn="ctr"/>
+              <a:r>
+                <a:rPr lang="en-GB" sz="1200" dirty="0"/>
+                <a:t>If r&lt;3</a:t>
+              </a:r>
+            </a:p>
+          </p:txBody>
+        </p:sp>
+        <p:sp>
+          <p:nvSpPr>
+            <p:cNvPr id="143" name="Rectangle 142">
+              <a:extLst>
+                <a:ext uri="{FF2B5EF4-FFF2-40B4-BE49-F238E27FC236}">
+                  <a16:creationId xmlns:a16="http://schemas.microsoft.com/office/drawing/2014/main" id="{63095134-E308-4DF6-B631-037B896D17EA}"/>
+                </a:ext>
+              </a:extLst>
+            </p:cNvPr>
+            <p:cNvSpPr/>
+            <p:nvPr/>
+          </p:nvSpPr>
+          <p:spPr>
+            <a:xfrm>
+              <a:off x="3163043" y="2055631"/>
+              <a:ext cx="1052901" cy="362809"/>
+            </a:xfrm>
+            <a:prstGeom prst="rect">
+              <a:avLst/>
+            </a:prstGeom>
+          </p:spPr>
+          <p:style>
+            <a:lnRef idx="2">
+              <a:schemeClr val="accent1">
+                <a:shade val="50000"/>
+              </a:schemeClr>
+            </a:lnRef>
+            <a:fillRef idx="1">
+              <a:schemeClr val="accent1"/>
+            </a:fillRef>
+            <a:effectRef idx="0">
+              <a:schemeClr val="accent1"/>
+            </a:effectRef>
+            <a:fontRef idx="minor">
+              <a:schemeClr val="lt1"/>
+            </a:fontRef>
+          </p:style>
+          <p:txBody>
+            <a:bodyPr rtlCol="0" anchor="ctr"/>
+            <a:lstStyle/>
+            <a:p>
+              <a:pPr algn="ctr"/>
+              <a:r>
+                <a:rPr lang="en-GB" sz="1200" dirty="0"/>
+                <a:t>110</a:t>
+              </a:r>
+            </a:p>
+          </p:txBody>
+        </p:sp>
+        <p:sp>
+          <p:nvSpPr>
+            <p:cNvPr id="144" name="Rectangle 143">
+              <a:extLst>
+                <a:ext uri="{FF2B5EF4-FFF2-40B4-BE49-F238E27FC236}">
+                  <a16:creationId xmlns:a16="http://schemas.microsoft.com/office/drawing/2014/main" id="{7EFA191C-F052-449C-9A9F-2C9824CDC141}"/>
+                </a:ext>
+              </a:extLst>
+            </p:cNvPr>
+            <p:cNvSpPr/>
+            <p:nvPr/>
+          </p:nvSpPr>
+          <p:spPr>
+            <a:xfrm>
+              <a:off x="1898683" y="498886"/>
+              <a:ext cx="1052901" cy="362809"/>
+            </a:xfrm>
+            <a:prstGeom prst="rect">
+              <a:avLst/>
+            </a:prstGeom>
+          </p:spPr>
+          <p:style>
+            <a:lnRef idx="2">
+              <a:schemeClr val="accent1">
+                <a:shade val="50000"/>
+              </a:schemeClr>
+            </a:lnRef>
+            <a:fillRef idx="1">
+              <a:schemeClr val="accent1"/>
+            </a:fillRef>
+            <a:effectRef idx="0">
+              <a:schemeClr val="accent1"/>
+            </a:effectRef>
+            <a:fontRef idx="minor">
+              <a:schemeClr val="lt1"/>
+            </a:fontRef>
+          </p:style>
+          <p:txBody>
+            <a:bodyPr rtlCol="0" anchor="ctr"/>
+            <a:lstStyle/>
+            <a:p>
+              <a:pPr algn="ctr"/>
+              <a:r>
+                <a:rPr lang="en-GB" sz="1200" dirty="0"/>
+                <a:t>b=3</a:t>
+              </a:r>
+            </a:p>
+          </p:txBody>
+        </p:sp>
+        <p:sp>
+          <p:nvSpPr>
+            <p:cNvPr id="145" name="Rectangle 144">
+              <a:extLst>
+                <a:ext uri="{FF2B5EF4-FFF2-40B4-BE49-F238E27FC236}">
+                  <a16:creationId xmlns:a16="http://schemas.microsoft.com/office/drawing/2014/main" id="{AB31C369-8DBF-42B9-8494-5B06BCCA499D}"/>
+                </a:ext>
+              </a:extLst>
+            </p:cNvPr>
+            <p:cNvSpPr/>
+            <p:nvPr/>
+          </p:nvSpPr>
+          <p:spPr>
+            <a:xfrm>
+              <a:off x="3163041" y="1578642"/>
+              <a:ext cx="1052901" cy="362809"/>
+            </a:xfrm>
+            <a:prstGeom prst="rect">
+              <a:avLst/>
+            </a:prstGeom>
+          </p:spPr>
+          <p:style>
+            <a:lnRef idx="2">
+              <a:schemeClr val="accent1">
+                <a:shade val="50000"/>
+              </a:schemeClr>
+            </a:lnRef>
+            <a:fillRef idx="1">
+              <a:schemeClr val="accent1"/>
+            </a:fillRef>
+            <a:effectRef idx="0">
+              <a:schemeClr val="accent1"/>
+            </a:effectRef>
+            <a:fontRef idx="minor">
+              <a:schemeClr val="lt1"/>
+            </a:fontRef>
+          </p:style>
+          <p:txBody>
+            <a:bodyPr rtlCol="0" anchor="ctr"/>
+            <a:lstStyle/>
+            <a:p>
+              <a:pPr algn="ctr"/>
+              <a:r>
+                <a:rPr lang="en-GB" sz="1200" dirty="0"/>
+                <a:t>Else</a:t>
+              </a:r>
+            </a:p>
+          </p:txBody>
+        </p:sp>
+        <p:sp>
+          <p:nvSpPr>
+            <p:cNvPr id="146" name="Rectangle 145">
+              <a:extLst>
+                <a:ext uri="{FF2B5EF4-FFF2-40B4-BE49-F238E27FC236}">
+                  <a16:creationId xmlns:a16="http://schemas.microsoft.com/office/drawing/2014/main" id="{B49E1109-2725-431A-AF99-F7CEAA29D434}"/>
+                </a:ext>
+              </a:extLst>
+            </p:cNvPr>
+            <p:cNvSpPr/>
+            <p:nvPr/>
+          </p:nvSpPr>
+          <p:spPr>
+            <a:xfrm>
+              <a:off x="4446059" y="995489"/>
+              <a:ext cx="1052901" cy="362809"/>
+            </a:xfrm>
+            <a:prstGeom prst="rect">
+              <a:avLst/>
+            </a:prstGeom>
+          </p:spPr>
+          <p:style>
+            <a:lnRef idx="2">
+              <a:schemeClr val="accent1">
+                <a:shade val="50000"/>
+              </a:schemeClr>
+            </a:lnRef>
+            <a:fillRef idx="1">
+              <a:schemeClr val="accent1"/>
+            </a:fillRef>
+            <a:effectRef idx="0">
+              <a:schemeClr val="accent1"/>
+            </a:effectRef>
+            <a:fontRef idx="minor">
+              <a:schemeClr val="lt1"/>
+            </a:fontRef>
+          </p:style>
+          <p:txBody>
+            <a:bodyPr rtlCol="0" anchor="ctr"/>
+            <a:lstStyle/>
+            <a:p>
+              <a:pPr algn="ctr"/>
+              <a:r>
+                <a:rPr lang="en-GB" sz="1200" dirty="0"/>
+                <a:t>2 bits</a:t>
+              </a:r>
+            </a:p>
+          </p:txBody>
+        </p:sp>
+        <p:sp>
+          <p:nvSpPr>
+            <p:cNvPr id="147" name="Rectangle 146">
+              <a:extLst>
+                <a:ext uri="{FF2B5EF4-FFF2-40B4-BE49-F238E27FC236}">
+                  <a16:creationId xmlns:a16="http://schemas.microsoft.com/office/drawing/2014/main" id="{C8C92D6F-BBD3-46C0-AEE7-4D1FF94B00F1}"/>
+                </a:ext>
+              </a:extLst>
+            </p:cNvPr>
+            <p:cNvSpPr/>
+            <p:nvPr/>
+          </p:nvSpPr>
+          <p:spPr>
+            <a:xfrm>
+              <a:off x="4446058" y="1580959"/>
+              <a:ext cx="1052901" cy="362809"/>
+            </a:xfrm>
+            <a:prstGeom prst="rect">
+              <a:avLst/>
+            </a:prstGeom>
+          </p:spPr>
+          <p:style>
+            <a:lnRef idx="2">
+              <a:schemeClr val="accent1">
+                <a:shade val="50000"/>
+              </a:schemeClr>
+            </a:lnRef>
+            <a:fillRef idx="1">
+              <a:schemeClr val="accent1"/>
+            </a:fillRef>
+            <a:effectRef idx="0">
+              <a:schemeClr val="accent1"/>
+            </a:effectRef>
+            <a:fontRef idx="minor">
+              <a:schemeClr val="lt1"/>
+            </a:fontRef>
+          </p:style>
+          <p:txBody>
+            <a:bodyPr rtlCol="0" anchor="ctr"/>
+            <a:lstStyle/>
+            <a:p>
+              <a:pPr algn="ctr"/>
+              <a:r>
+                <a:rPr lang="en-GB" sz="1200" dirty="0"/>
+                <a:t>3 bits for 4+3 (111)</a:t>
+              </a:r>
+            </a:p>
+          </p:txBody>
+        </p:sp>
+        <p:cxnSp>
+          <p:nvCxnSpPr>
+            <p:cNvPr id="148" name="Straight Arrow Connector 147">
+              <a:extLst>
+                <a:ext uri="{FF2B5EF4-FFF2-40B4-BE49-F238E27FC236}">
+                  <a16:creationId xmlns:a16="http://schemas.microsoft.com/office/drawing/2014/main" id="{ADFF35A9-C507-467D-A7D5-84977704D015}"/>
+                </a:ext>
+              </a:extLst>
+            </p:cNvPr>
+            <p:cNvCxnSpPr>
+              <a:cxnSpLocks/>
+              <a:stCxn id="139" idx="3"/>
+              <a:endCxn id="140" idx="1"/>
+            </p:cNvCxnSpPr>
+            <p:nvPr/>
+          </p:nvCxnSpPr>
+          <p:spPr>
+            <a:xfrm>
+              <a:off x="1701979" y="1746052"/>
+              <a:ext cx="196704" cy="490985"/>
+            </a:xfrm>
+            <a:prstGeom prst="straightConnector1">
+              <a:avLst/>
+            </a:prstGeom>
+            <a:ln w="38100">
+              <a:tailEnd type="triangle"/>
+            </a:ln>
+          </p:spPr>
+          <p:style>
+            <a:lnRef idx="1">
+              <a:schemeClr val="accent1"/>
+            </a:lnRef>
+            <a:fillRef idx="0">
+              <a:schemeClr val="accent1"/>
+            </a:fillRef>
+            <a:effectRef idx="0">
+              <a:schemeClr val="accent1"/>
+            </a:effectRef>
+            <a:fontRef idx="minor">
+              <a:schemeClr val="tx1"/>
+            </a:fontRef>
+          </p:style>
+        </p:cxnSp>
+        <p:cxnSp>
+          <p:nvCxnSpPr>
+            <p:cNvPr id="149" name="Straight Arrow Connector 148">
+              <a:extLst>
+                <a:ext uri="{FF2B5EF4-FFF2-40B4-BE49-F238E27FC236}">
+                  <a16:creationId xmlns:a16="http://schemas.microsoft.com/office/drawing/2014/main" id="{18661586-B174-4875-87D0-09F27AF8687B}"/>
+                </a:ext>
+              </a:extLst>
+            </p:cNvPr>
+            <p:cNvCxnSpPr>
+              <a:cxnSpLocks/>
+              <a:stCxn id="139" idx="3"/>
+              <a:endCxn id="141" idx="1"/>
+            </p:cNvCxnSpPr>
+            <p:nvPr/>
+          </p:nvCxnSpPr>
+          <p:spPr>
+            <a:xfrm flipV="1">
+              <a:off x="1701979" y="1176896"/>
+              <a:ext cx="196704" cy="569156"/>
+            </a:xfrm>
+            <a:prstGeom prst="straightConnector1">
+              <a:avLst/>
+            </a:prstGeom>
+            <a:ln w="38100">
+              <a:tailEnd type="triangle"/>
+            </a:ln>
+          </p:spPr>
+          <p:style>
+            <a:lnRef idx="1">
+              <a:schemeClr val="accent1"/>
+            </a:lnRef>
+            <a:fillRef idx="0">
+              <a:schemeClr val="accent1"/>
+            </a:fillRef>
+            <a:effectRef idx="0">
+              <a:schemeClr val="accent1"/>
+            </a:effectRef>
+            <a:fontRef idx="minor">
+              <a:schemeClr val="tx1"/>
+            </a:fontRef>
+          </p:style>
+        </p:cxnSp>
+        <p:cxnSp>
+          <p:nvCxnSpPr>
+            <p:cNvPr id="150" name="Straight Arrow Connector 149">
+              <a:extLst>
+                <a:ext uri="{FF2B5EF4-FFF2-40B4-BE49-F238E27FC236}">
+                  <a16:creationId xmlns:a16="http://schemas.microsoft.com/office/drawing/2014/main" id="{D3DD7C2E-9A33-4D3C-8D55-B9917D4190A1}"/>
+                </a:ext>
+              </a:extLst>
+            </p:cNvPr>
+            <p:cNvCxnSpPr>
+              <a:cxnSpLocks/>
+              <a:stCxn id="140" idx="3"/>
+              <a:endCxn id="143" idx="1"/>
+            </p:cNvCxnSpPr>
+            <p:nvPr/>
+          </p:nvCxnSpPr>
+          <p:spPr>
+            <a:xfrm flipV="1">
+              <a:off x="2951584" y="2237036"/>
+              <a:ext cx="211459" cy="1"/>
+            </a:xfrm>
+            <a:prstGeom prst="straightConnector1">
+              <a:avLst/>
+            </a:prstGeom>
+            <a:ln w="38100">
+              <a:tailEnd type="triangle"/>
+            </a:ln>
+          </p:spPr>
+          <p:style>
+            <a:lnRef idx="1">
+              <a:schemeClr val="accent1"/>
+            </a:lnRef>
+            <a:fillRef idx="0">
+              <a:schemeClr val="accent1"/>
+            </a:fillRef>
+            <a:effectRef idx="0">
+              <a:schemeClr val="accent1"/>
+            </a:effectRef>
+            <a:fontRef idx="minor">
+              <a:schemeClr val="tx1"/>
+            </a:fontRef>
+          </p:style>
+        </p:cxnSp>
+        <p:cxnSp>
+          <p:nvCxnSpPr>
+            <p:cNvPr id="151" name="Straight Arrow Connector 150">
+              <a:extLst>
+                <a:ext uri="{FF2B5EF4-FFF2-40B4-BE49-F238E27FC236}">
+                  <a16:creationId xmlns:a16="http://schemas.microsoft.com/office/drawing/2014/main" id="{3828C86D-D1E7-4474-B2CA-72806973A664}"/>
+                </a:ext>
+              </a:extLst>
+            </p:cNvPr>
+            <p:cNvCxnSpPr>
+              <a:cxnSpLocks/>
+              <a:stCxn id="141" idx="3"/>
+              <a:endCxn id="142" idx="1"/>
+            </p:cNvCxnSpPr>
+            <p:nvPr/>
+          </p:nvCxnSpPr>
+          <p:spPr>
+            <a:xfrm flipV="1">
+              <a:off x="2951584" y="1176895"/>
+              <a:ext cx="211458" cy="1"/>
+            </a:xfrm>
+            <a:prstGeom prst="straightConnector1">
+              <a:avLst/>
+            </a:prstGeom>
+            <a:ln w="38100">
+              <a:tailEnd type="triangle"/>
+            </a:ln>
+          </p:spPr>
+          <p:style>
+            <a:lnRef idx="1">
+              <a:schemeClr val="accent1"/>
+            </a:lnRef>
+            <a:fillRef idx="0">
+              <a:schemeClr val="accent1"/>
+            </a:fillRef>
+            <a:effectRef idx="0">
+              <a:schemeClr val="accent1"/>
+            </a:effectRef>
+            <a:fontRef idx="minor">
+              <a:schemeClr val="tx1"/>
+            </a:fontRef>
+          </p:style>
+        </p:cxnSp>
+        <p:cxnSp>
+          <p:nvCxnSpPr>
+            <p:cNvPr id="152" name="Straight Arrow Connector 151">
+              <a:extLst>
+                <a:ext uri="{FF2B5EF4-FFF2-40B4-BE49-F238E27FC236}">
+                  <a16:creationId xmlns:a16="http://schemas.microsoft.com/office/drawing/2014/main" id="{C5AEA3C0-2504-4D0E-944B-BD5E68B0845F}"/>
+                </a:ext>
+              </a:extLst>
+            </p:cNvPr>
+            <p:cNvCxnSpPr>
+              <a:cxnSpLocks/>
+              <a:stCxn id="142" idx="3"/>
+              <a:endCxn id="146" idx="1"/>
+            </p:cNvCxnSpPr>
+            <p:nvPr/>
+          </p:nvCxnSpPr>
+          <p:spPr>
+            <a:xfrm flipV="1">
+              <a:off x="4215943" y="1176894"/>
+              <a:ext cx="230116" cy="1"/>
+            </a:xfrm>
+            <a:prstGeom prst="straightConnector1">
+              <a:avLst/>
+            </a:prstGeom>
+            <a:ln w="38100">
+              <a:tailEnd type="triangle"/>
+            </a:ln>
+          </p:spPr>
+          <p:style>
+            <a:lnRef idx="1">
+              <a:schemeClr val="accent1"/>
+            </a:lnRef>
+            <a:fillRef idx="0">
+              <a:schemeClr val="accent1"/>
+            </a:fillRef>
+            <a:effectRef idx="0">
+              <a:schemeClr val="accent1"/>
+            </a:effectRef>
+            <a:fontRef idx="minor">
+              <a:schemeClr val="tx1"/>
+            </a:fontRef>
+          </p:style>
+        </p:cxnSp>
+        <p:cxnSp>
+          <p:nvCxnSpPr>
+            <p:cNvPr id="153" name="Straight Arrow Connector 152">
+              <a:extLst>
+                <a:ext uri="{FF2B5EF4-FFF2-40B4-BE49-F238E27FC236}">
+                  <a16:creationId xmlns:a16="http://schemas.microsoft.com/office/drawing/2014/main" id="{EE945065-4923-4D43-9F23-995672DEE2B6}"/>
+                </a:ext>
+              </a:extLst>
+            </p:cNvPr>
+            <p:cNvCxnSpPr>
+              <a:cxnSpLocks/>
+              <a:stCxn id="142" idx="2"/>
+              <a:endCxn id="145" idx="0"/>
+            </p:cNvCxnSpPr>
+            <p:nvPr/>
+          </p:nvCxnSpPr>
+          <p:spPr>
+            <a:xfrm flipH="1">
+              <a:off x="3689492" y="1358299"/>
+              <a:ext cx="1" cy="220343"/>
+            </a:xfrm>
+            <a:prstGeom prst="straightConnector1">
+              <a:avLst/>
+            </a:prstGeom>
+            <a:ln w="38100">
+              <a:tailEnd type="triangle"/>
+            </a:ln>
+          </p:spPr>
+          <p:style>
+            <a:lnRef idx="1">
+              <a:schemeClr val="accent1"/>
+            </a:lnRef>
+            <a:fillRef idx="0">
+              <a:schemeClr val="accent1"/>
+            </a:fillRef>
+            <a:effectRef idx="0">
+              <a:schemeClr val="accent1"/>
+            </a:effectRef>
+            <a:fontRef idx="minor">
+              <a:schemeClr val="tx1"/>
+            </a:fontRef>
+          </p:style>
+        </p:cxnSp>
+        <p:cxnSp>
+          <p:nvCxnSpPr>
+            <p:cNvPr id="154" name="Straight Arrow Connector 153">
+              <a:extLst>
+                <a:ext uri="{FF2B5EF4-FFF2-40B4-BE49-F238E27FC236}">
+                  <a16:creationId xmlns:a16="http://schemas.microsoft.com/office/drawing/2014/main" id="{184136B6-F595-43F6-BB20-2CC544BAEF52}"/>
+                </a:ext>
+              </a:extLst>
+            </p:cNvPr>
+            <p:cNvCxnSpPr>
+              <a:cxnSpLocks/>
+              <a:stCxn id="145" idx="3"/>
+              <a:endCxn id="147" idx="1"/>
+            </p:cNvCxnSpPr>
+            <p:nvPr/>
+          </p:nvCxnSpPr>
+          <p:spPr>
+            <a:xfrm>
+              <a:off x="4215942" y="1760047"/>
+              <a:ext cx="230116" cy="2317"/>
+            </a:xfrm>
+            <a:prstGeom prst="straightConnector1">
+              <a:avLst/>
+            </a:prstGeom>
+            <a:ln w="38100">
+              <a:tailEnd type="triangle"/>
+            </a:ln>
+          </p:spPr>
+          <p:style>
+            <a:lnRef idx="1">
+              <a:schemeClr val="accent1"/>
+            </a:lnRef>
+            <a:fillRef idx="0">
+              <a:schemeClr val="accent1"/>
+            </a:fillRef>
+            <a:effectRef idx="0">
+              <a:schemeClr val="accent1"/>
+            </a:effectRef>
+            <a:fontRef idx="minor">
+              <a:schemeClr val="tx1"/>
+            </a:fontRef>
+          </p:style>
+        </p:cxnSp>
+        <p:sp>
+          <p:nvSpPr>
+            <p:cNvPr id="155" name="Rectangle 154">
+              <a:extLst>
+                <a:ext uri="{FF2B5EF4-FFF2-40B4-BE49-F238E27FC236}">
+                  <a16:creationId xmlns:a16="http://schemas.microsoft.com/office/drawing/2014/main" id="{E641EDCE-5DA9-4903-B792-A9DD7499D1C4}"/>
+                </a:ext>
+              </a:extLst>
+            </p:cNvPr>
+            <p:cNvSpPr/>
+            <p:nvPr/>
+          </p:nvSpPr>
+          <p:spPr>
+            <a:xfrm>
+              <a:off x="5215818" y="2055631"/>
+              <a:ext cx="1052901" cy="362809"/>
+            </a:xfrm>
+            <a:prstGeom prst="rect">
+              <a:avLst/>
+            </a:prstGeom>
+          </p:spPr>
+          <p:style>
+            <a:lnRef idx="2">
+              <a:schemeClr val="accent1">
+                <a:shade val="50000"/>
+              </a:schemeClr>
+            </a:lnRef>
+            <a:fillRef idx="1">
+              <a:schemeClr val="accent1"/>
+            </a:fillRef>
+            <a:effectRef idx="0">
+              <a:schemeClr val="accent1"/>
+            </a:effectRef>
+            <a:fontRef idx="minor">
+              <a:schemeClr val="lt1"/>
+            </a:fontRef>
+          </p:style>
+          <p:txBody>
+            <a:bodyPr rtlCol="0" anchor="ctr"/>
+            <a:lstStyle/>
+            <a:p>
+              <a:pPr algn="ctr"/>
+              <a:r>
+                <a:rPr lang="en-GB" sz="1200" dirty="0"/>
+                <a:t>110111</a:t>
+              </a:r>
+            </a:p>
+          </p:txBody>
+        </p:sp>
+        <p:cxnSp>
+          <p:nvCxnSpPr>
+            <p:cNvPr id="156" name="Straight Arrow Connector 155">
+              <a:extLst>
+                <a:ext uri="{FF2B5EF4-FFF2-40B4-BE49-F238E27FC236}">
+                  <a16:creationId xmlns:a16="http://schemas.microsoft.com/office/drawing/2014/main" id="{1151D5B0-886C-47C5-9EF5-EFF5F24236F8}"/>
+                </a:ext>
+              </a:extLst>
+            </p:cNvPr>
+            <p:cNvCxnSpPr>
+              <a:cxnSpLocks/>
+              <a:endCxn id="155" idx="0"/>
+            </p:cNvCxnSpPr>
+            <p:nvPr/>
+          </p:nvCxnSpPr>
+          <p:spPr>
+            <a:xfrm>
+              <a:off x="5742269" y="1410707"/>
+              <a:ext cx="0" cy="644924"/>
+            </a:xfrm>
+            <a:prstGeom prst="straightConnector1">
+              <a:avLst/>
+            </a:prstGeom>
+            <a:ln w="38100">
+              <a:tailEnd type="triangle"/>
+            </a:ln>
+          </p:spPr>
+          <p:style>
+            <a:lnRef idx="1">
+              <a:schemeClr val="accent1"/>
+            </a:lnRef>
+            <a:fillRef idx="0">
+              <a:schemeClr val="accent1"/>
+            </a:fillRef>
+            <a:effectRef idx="0">
+              <a:schemeClr val="accent1"/>
+            </a:effectRef>
+            <a:fontRef idx="minor">
+              <a:schemeClr val="tx1"/>
+            </a:fontRef>
+          </p:style>
+        </p:cxnSp>
+        <p:cxnSp>
+          <p:nvCxnSpPr>
+            <p:cNvPr id="157" name="Straight Arrow Connector 156">
+              <a:extLst>
+                <a:ext uri="{FF2B5EF4-FFF2-40B4-BE49-F238E27FC236}">
+                  <a16:creationId xmlns:a16="http://schemas.microsoft.com/office/drawing/2014/main" id="{734C6498-8ADC-4B66-9675-767FA7F44BC1}"/>
+                </a:ext>
+              </a:extLst>
+            </p:cNvPr>
+            <p:cNvCxnSpPr>
+              <a:cxnSpLocks/>
+              <a:stCxn id="143" idx="3"/>
+              <a:endCxn id="155" idx="1"/>
+            </p:cNvCxnSpPr>
+            <p:nvPr/>
+          </p:nvCxnSpPr>
+          <p:spPr>
+            <a:xfrm>
+              <a:off x="4215944" y="2237036"/>
+              <a:ext cx="999874" cy="0"/>
+            </a:xfrm>
+            <a:prstGeom prst="straightConnector1">
+              <a:avLst/>
+            </a:prstGeom>
+            <a:ln w="38100">
+              <a:tailEnd type="triangle"/>
+            </a:ln>
+          </p:spPr>
+          <p:style>
+            <a:lnRef idx="1">
+              <a:schemeClr val="accent1"/>
+            </a:lnRef>
+            <a:fillRef idx="0">
+              <a:schemeClr val="accent1"/>
+            </a:fillRef>
+            <a:effectRef idx="0">
+              <a:schemeClr val="accent1"/>
+            </a:effectRef>
+            <a:fontRef idx="minor">
+              <a:schemeClr val="tx1"/>
+            </a:fontRef>
+          </p:style>
+        </p:cxnSp>
+        <p:cxnSp>
+          <p:nvCxnSpPr>
+            <p:cNvPr id="158" name="Straight Connector 157">
+              <a:extLst>
+                <a:ext uri="{FF2B5EF4-FFF2-40B4-BE49-F238E27FC236}">
+                  <a16:creationId xmlns:a16="http://schemas.microsoft.com/office/drawing/2014/main" id="{99825400-7ACE-42D0-8B02-41E9DC3AB022}"/>
+                </a:ext>
+              </a:extLst>
+            </p:cNvPr>
+            <p:cNvCxnSpPr>
+              <a:cxnSpLocks/>
+              <a:stCxn id="146" idx="3"/>
+            </p:cNvCxnSpPr>
+            <p:nvPr/>
+          </p:nvCxnSpPr>
+          <p:spPr>
+            <a:xfrm>
+              <a:off x="5498960" y="1176894"/>
+              <a:ext cx="247979" cy="233813"/>
+            </a:xfrm>
+            <a:prstGeom prst="line">
+              <a:avLst/>
+            </a:prstGeom>
+            <a:ln w="38100"/>
+          </p:spPr>
+          <p:style>
+            <a:lnRef idx="1">
+              <a:schemeClr val="accent1"/>
+            </a:lnRef>
+            <a:fillRef idx="0">
+              <a:schemeClr val="accent1"/>
+            </a:fillRef>
+            <a:effectRef idx="0">
+              <a:schemeClr val="accent1"/>
+            </a:effectRef>
+            <a:fontRef idx="minor">
+              <a:schemeClr val="tx1"/>
+            </a:fontRef>
+          </p:style>
+        </p:cxnSp>
+        <p:cxnSp>
+          <p:nvCxnSpPr>
+            <p:cNvPr id="159" name="Straight Connector 158">
+              <a:extLst>
+                <a:ext uri="{FF2B5EF4-FFF2-40B4-BE49-F238E27FC236}">
+                  <a16:creationId xmlns:a16="http://schemas.microsoft.com/office/drawing/2014/main" id="{EE6F0BB6-C97D-47BA-99A2-6DF5843945D5}"/>
+                </a:ext>
+              </a:extLst>
+            </p:cNvPr>
+            <p:cNvCxnSpPr>
+              <a:cxnSpLocks/>
+              <a:stCxn id="147" idx="3"/>
+            </p:cNvCxnSpPr>
+            <p:nvPr/>
+          </p:nvCxnSpPr>
+          <p:spPr>
+            <a:xfrm flipV="1">
+              <a:off x="5498959" y="1410707"/>
+              <a:ext cx="256490" cy="351657"/>
+            </a:xfrm>
+            <a:prstGeom prst="line">
+              <a:avLst/>
+            </a:prstGeom>
+            <a:ln w="38100"/>
+          </p:spPr>
+          <p:style>
+            <a:lnRef idx="1">
+              <a:schemeClr val="accent1"/>
+            </a:lnRef>
+            <a:fillRef idx="0">
+              <a:schemeClr val="accent1"/>
+            </a:fillRef>
+            <a:effectRef idx="0">
+              <a:schemeClr val="accent1"/>
+            </a:effectRef>
+            <a:fontRef idx="minor">
+              <a:schemeClr val="tx1"/>
+            </a:fontRef>
+          </p:style>
+        </p:cxnSp>
+        <p:sp>
+          <p:nvSpPr>
+            <p:cNvPr id="160" name="Rectangle 159">
+              <a:extLst>
+                <a:ext uri="{FF2B5EF4-FFF2-40B4-BE49-F238E27FC236}">
+                  <a16:creationId xmlns:a16="http://schemas.microsoft.com/office/drawing/2014/main" id="{517A506A-FE73-41C0-8E30-76A25D6A0F5F}"/>
+                </a:ext>
+              </a:extLst>
+            </p:cNvPr>
+            <p:cNvSpPr/>
+            <p:nvPr/>
+          </p:nvSpPr>
+          <p:spPr>
+            <a:xfrm>
+              <a:off x="1003707" y="501782"/>
+              <a:ext cx="566088" cy="362809"/>
+            </a:xfrm>
+            <a:prstGeom prst="rect">
+              <a:avLst/>
+            </a:prstGeom>
+          </p:spPr>
+          <p:style>
+            <a:lnRef idx="2">
+              <a:schemeClr val="accent1">
+                <a:shade val="50000"/>
+              </a:schemeClr>
+            </a:lnRef>
+            <a:fillRef idx="1">
+              <a:schemeClr val="accent1"/>
+            </a:fillRef>
+            <a:effectRef idx="0">
+              <a:schemeClr val="accent1"/>
+            </a:effectRef>
+            <a:fontRef idx="minor">
+              <a:schemeClr val="lt1"/>
+            </a:fontRef>
+          </p:style>
+          <p:txBody>
+            <a:bodyPr rtlCol="0" anchor="ctr"/>
+            <a:lstStyle/>
+            <a:p>
+              <a:pPr algn="ctr"/>
+              <a:r>
+                <a:rPr lang="en-GB" sz="1400" dirty="0"/>
+                <a:t>M=5</a:t>
+              </a:r>
+            </a:p>
+          </p:txBody>
+        </p:sp>
+      </p:grpSp>
+      <p:grpSp>
+        <p:nvGrpSpPr>
+          <p:cNvPr id="188" name="Group 187">
+            <a:extLst>
+              <a:ext uri="{FF2B5EF4-FFF2-40B4-BE49-F238E27FC236}">
+                <a16:creationId xmlns:a16="http://schemas.microsoft.com/office/drawing/2014/main" id="{59F47D76-0668-4403-87CB-BF288F6CF604}"/>
+              </a:ext>
+            </a:extLst>
+          </p:cNvPr>
+          <p:cNvGrpSpPr/>
+          <p:nvPr/>
+        </p:nvGrpSpPr>
+        <p:grpSpPr>
+          <a:xfrm>
+            <a:off x="1003707" y="3398929"/>
+            <a:ext cx="6140423" cy="1683561"/>
+            <a:chOff x="1003707" y="3398929"/>
+            <a:chExt cx="6140423" cy="1683561"/>
+          </a:xfrm>
+        </p:grpSpPr>
+        <p:sp>
+          <p:nvSpPr>
+            <p:cNvPr id="163" name="Rectangle 162">
+              <a:extLst>
+                <a:ext uri="{FF2B5EF4-FFF2-40B4-BE49-F238E27FC236}">
+                  <a16:creationId xmlns:a16="http://schemas.microsoft.com/office/drawing/2014/main" id="{F2943A71-95C4-473A-B714-B2BD879603F2}"/>
+                </a:ext>
+              </a:extLst>
+            </p:cNvPr>
+            <p:cNvSpPr/>
+            <p:nvPr/>
+          </p:nvSpPr>
+          <p:spPr>
+            <a:xfrm>
+              <a:off x="1003707" y="4343400"/>
+              <a:ext cx="677213" cy="294755"/>
+            </a:xfrm>
+            <a:prstGeom prst="rect">
+              <a:avLst/>
+            </a:prstGeom>
+          </p:spPr>
+          <p:style>
+            <a:lnRef idx="2">
+              <a:schemeClr val="accent1">
+                <a:shade val="50000"/>
+              </a:schemeClr>
+            </a:lnRef>
+            <a:fillRef idx="1">
+              <a:schemeClr val="accent1"/>
+            </a:fillRef>
+            <a:effectRef idx="0">
+              <a:schemeClr val="accent1"/>
+            </a:effectRef>
+            <a:fontRef idx="minor">
+              <a:schemeClr val="lt1"/>
+            </a:fontRef>
+          </p:style>
+          <p:txBody>
+            <a:bodyPr rtlCol="0" anchor="ctr"/>
+            <a:lstStyle/>
+            <a:p>
+              <a:pPr algn="ctr"/>
+              <a:r>
+                <a:rPr lang="en-GB" sz="1400" dirty="0"/>
+                <a:t>N</a:t>
+              </a:r>
+            </a:p>
+          </p:txBody>
+        </p:sp>
+        <p:sp>
+          <p:nvSpPr>
+            <p:cNvPr id="164" name="Rectangle 163">
+              <a:extLst>
+                <a:ext uri="{FF2B5EF4-FFF2-40B4-BE49-F238E27FC236}">
+                  <a16:creationId xmlns:a16="http://schemas.microsoft.com/office/drawing/2014/main" id="{AA093257-A950-4666-8EC5-5B4E15C9CC16}"/>
+                </a:ext>
+              </a:extLst>
+            </p:cNvPr>
+            <p:cNvSpPr/>
+            <p:nvPr/>
+          </p:nvSpPr>
+          <p:spPr>
+            <a:xfrm>
+              <a:off x="1916237" y="4787735"/>
+              <a:ext cx="1259590" cy="294755"/>
+            </a:xfrm>
+            <a:prstGeom prst="rect">
+              <a:avLst/>
+            </a:prstGeom>
+          </p:spPr>
+          <p:style>
+            <a:lnRef idx="2">
+              <a:schemeClr val="accent1">
+                <a:shade val="50000"/>
+              </a:schemeClr>
+            </a:lnRef>
+            <a:fillRef idx="1">
+              <a:schemeClr val="accent1"/>
+            </a:fillRef>
+            <a:effectRef idx="0">
+              <a:schemeClr val="accent1"/>
+            </a:effectRef>
+            <a:fontRef idx="minor">
+              <a:schemeClr val="lt1"/>
+            </a:fontRef>
+          </p:style>
+          <p:txBody>
+            <a:bodyPr rtlCol="0" anchor="ctr"/>
+            <a:lstStyle/>
+            <a:p>
+              <a:pPr algn="ctr"/>
+              <a:r>
+                <a:rPr lang="en-GB" sz="1200" dirty="0"/>
+                <a:t>q=floor(N/M)</a:t>
+              </a:r>
+            </a:p>
+          </p:txBody>
+        </p:sp>
+        <p:sp>
+          <p:nvSpPr>
+            <p:cNvPr id="165" name="Rectangle 164">
+              <a:extLst>
+                <a:ext uri="{FF2B5EF4-FFF2-40B4-BE49-F238E27FC236}">
+                  <a16:creationId xmlns:a16="http://schemas.microsoft.com/office/drawing/2014/main" id="{C4B8C1A7-3BC4-4A1B-B442-AA4BF889856E}"/>
+                </a:ext>
+              </a:extLst>
+            </p:cNvPr>
+            <p:cNvSpPr/>
+            <p:nvPr/>
+          </p:nvSpPr>
+          <p:spPr>
+            <a:xfrm>
+              <a:off x="1916237" y="3862879"/>
+              <a:ext cx="1259590" cy="294755"/>
+            </a:xfrm>
+            <a:prstGeom prst="rect">
+              <a:avLst/>
+            </a:prstGeom>
+          </p:spPr>
+          <p:style>
+            <a:lnRef idx="2">
+              <a:schemeClr val="accent1">
+                <a:shade val="50000"/>
+              </a:schemeClr>
+            </a:lnRef>
+            <a:fillRef idx="1">
+              <a:schemeClr val="accent1"/>
+            </a:fillRef>
+            <a:effectRef idx="0">
+              <a:schemeClr val="accent1"/>
+            </a:effectRef>
+            <a:fontRef idx="minor">
+              <a:schemeClr val="lt1"/>
+            </a:fontRef>
+          </p:style>
+          <p:txBody>
+            <a:bodyPr rtlCol="0" anchor="ctr"/>
+            <a:lstStyle/>
+            <a:p>
+              <a:pPr algn="ctr"/>
+              <a:r>
+                <a:rPr lang="en-GB" sz="1200" dirty="0"/>
+                <a:t>r=N-</a:t>
+              </a:r>
+              <a:r>
+                <a:rPr lang="en-GB" sz="1200" dirty="0" err="1"/>
+                <a:t>qM</a:t>
+              </a:r>
+              <a:endParaRPr lang="en-GB" sz="1200" dirty="0"/>
+            </a:p>
+          </p:txBody>
+        </p:sp>
+        <p:sp>
+          <p:nvSpPr>
+            <p:cNvPr id="166" name="Rectangle 165">
+              <a:extLst>
+                <a:ext uri="{FF2B5EF4-FFF2-40B4-BE49-F238E27FC236}">
+                  <a16:creationId xmlns:a16="http://schemas.microsoft.com/office/drawing/2014/main" id="{0C255725-D464-4E14-B5C9-13BCBD070D67}"/>
+                </a:ext>
+              </a:extLst>
+            </p:cNvPr>
+            <p:cNvSpPr/>
+            <p:nvPr/>
+          </p:nvSpPr>
+          <p:spPr>
+            <a:xfrm>
+              <a:off x="3428796" y="3862878"/>
+              <a:ext cx="1259590" cy="294755"/>
+            </a:xfrm>
+            <a:prstGeom prst="rect">
+              <a:avLst/>
+            </a:prstGeom>
+          </p:spPr>
+          <p:style>
+            <a:lnRef idx="2">
+              <a:schemeClr val="accent1">
+                <a:shade val="50000"/>
+              </a:schemeClr>
+            </a:lnRef>
+            <a:fillRef idx="1">
+              <a:schemeClr val="accent1"/>
+            </a:fillRef>
+            <a:effectRef idx="0">
+              <a:schemeClr val="accent1"/>
+            </a:effectRef>
+            <a:fontRef idx="minor">
+              <a:schemeClr val="lt1"/>
+            </a:fontRef>
+          </p:style>
+          <p:txBody>
+            <a:bodyPr rtlCol="0" anchor="ctr"/>
+            <a:lstStyle/>
+            <a:p>
+              <a:pPr algn="ctr"/>
+              <a:r>
+                <a:rPr lang="en-GB" sz="1200" dirty="0"/>
+                <a:t>If r&lt;2</a:t>
+              </a:r>
+              <a:r>
+                <a:rPr lang="en-GB" sz="1200" baseline="30000" dirty="0"/>
+                <a:t>b</a:t>
+              </a:r>
+              <a:r>
+                <a:rPr lang="en-GB" sz="1200" dirty="0"/>
+                <a:t>-M</a:t>
+              </a:r>
+            </a:p>
+          </p:txBody>
+        </p:sp>
+        <p:sp>
+          <p:nvSpPr>
+            <p:cNvPr id="167" name="Rectangle 166">
+              <a:extLst>
+                <a:ext uri="{FF2B5EF4-FFF2-40B4-BE49-F238E27FC236}">
+                  <a16:creationId xmlns:a16="http://schemas.microsoft.com/office/drawing/2014/main" id="{7089D6D5-43C0-4F67-B90C-4EB66CEB3C1C}"/>
+                </a:ext>
+              </a:extLst>
+            </p:cNvPr>
+            <p:cNvSpPr/>
+            <p:nvPr/>
+          </p:nvSpPr>
+          <p:spPr>
+            <a:xfrm>
+              <a:off x="3428797" y="4787734"/>
+              <a:ext cx="1259590" cy="294755"/>
+            </a:xfrm>
+            <a:prstGeom prst="rect">
+              <a:avLst/>
+            </a:prstGeom>
+          </p:spPr>
+          <p:style>
+            <a:lnRef idx="2">
+              <a:schemeClr val="accent1">
+                <a:shade val="50000"/>
+              </a:schemeClr>
+            </a:lnRef>
+            <a:fillRef idx="1">
+              <a:schemeClr val="accent1"/>
+            </a:fillRef>
+            <a:effectRef idx="0">
+              <a:schemeClr val="accent1"/>
+            </a:effectRef>
+            <a:fontRef idx="minor">
+              <a:schemeClr val="lt1"/>
+            </a:fontRef>
+          </p:style>
+          <p:txBody>
+            <a:bodyPr rtlCol="0" anchor="ctr"/>
+            <a:lstStyle/>
+            <a:p>
+              <a:pPr algn="ctr"/>
+              <a:r>
+                <a:rPr lang="en-GB" sz="1200" dirty="0"/>
+                <a:t>Unary code</a:t>
+              </a:r>
+            </a:p>
+          </p:txBody>
+        </p:sp>
+        <p:sp>
+          <p:nvSpPr>
+            <p:cNvPr id="168" name="Rectangle 167">
+              <a:extLst>
+                <a:ext uri="{FF2B5EF4-FFF2-40B4-BE49-F238E27FC236}">
+                  <a16:creationId xmlns:a16="http://schemas.microsoft.com/office/drawing/2014/main" id="{B682FCBF-5B6A-457D-A594-70B825A165E3}"/>
+                </a:ext>
+              </a:extLst>
+            </p:cNvPr>
+            <p:cNvSpPr/>
+            <p:nvPr/>
+          </p:nvSpPr>
+          <p:spPr>
+            <a:xfrm>
+              <a:off x="1916237" y="3398929"/>
+              <a:ext cx="1259590" cy="294755"/>
+            </a:xfrm>
+            <a:prstGeom prst="rect">
+              <a:avLst/>
+            </a:prstGeom>
+          </p:spPr>
+          <p:style>
+            <a:lnRef idx="2">
+              <a:schemeClr val="accent1">
+                <a:shade val="50000"/>
+              </a:schemeClr>
+            </a:lnRef>
+            <a:fillRef idx="1">
+              <a:schemeClr val="accent1"/>
+            </a:fillRef>
+            <a:effectRef idx="0">
+              <a:schemeClr val="accent1"/>
+            </a:effectRef>
+            <a:fontRef idx="minor">
+              <a:schemeClr val="lt1"/>
+            </a:fontRef>
+          </p:style>
+          <p:txBody>
+            <a:bodyPr rtlCol="0" anchor="ctr"/>
+            <a:lstStyle/>
+            <a:p>
+              <a:pPr algn="ctr"/>
+              <a:r>
+                <a:rPr lang="en-GB" sz="1200" dirty="0"/>
+                <a:t>b=ceil(log</a:t>
+              </a:r>
+              <a:r>
+                <a:rPr lang="en-GB" sz="1200" baseline="-25000" dirty="0"/>
+                <a:t>2</a:t>
+              </a:r>
+              <a:r>
+                <a:rPr lang="en-GB" sz="1200" dirty="0"/>
+                <a:t>M)</a:t>
+              </a:r>
+            </a:p>
+          </p:txBody>
+        </p:sp>
+        <p:sp>
+          <p:nvSpPr>
+            <p:cNvPr id="169" name="Rectangle 168">
+              <a:extLst>
+                <a:ext uri="{FF2B5EF4-FFF2-40B4-BE49-F238E27FC236}">
+                  <a16:creationId xmlns:a16="http://schemas.microsoft.com/office/drawing/2014/main" id="{99FDEA26-67AE-4916-A4B7-F251BE2CB3DA}"/>
+                </a:ext>
+              </a:extLst>
+            </p:cNvPr>
+            <p:cNvSpPr/>
+            <p:nvPr/>
+          </p:nvSpPr>
+          <p:spPr>
+            <a:xfrm>
+              <a:off x="3428795" y="4357395"/>
+              <a:ext cx="1259590" cy="294755"/>
+            </a:xfrm>
+            <a:prstGeom prst="rect">
+              <a:avLst/>
+            </a:prstGeom>
+          </p:spPr>
+          <p:style>
+            <a:lnRef idx="2">
+              <a:schemeClr val="accent1">
+                <a:shade val="50000"/>
+              </a:schemeClr>
+            </a:lnRef>
+            <a:fillRef idx="1">
+              <a:schemeClr val="accent1"/>
+            </a:fillRef>
+            <a:effectRef idx="0">
+              <a:schemeClr val="accent1"/>
+            </a:effectRef>
+            <a:fontRef idx="minor">
+              <a:schemeClr val="lt1"/>
+            </a:fontRef>
+          </p:style>
+          <p:txBody>
+            <a:bodyPr rtlCol="0" anchor="ctr"/>
+            <a:lstStyle/>
+            <a:p>
+              <a:pPr algn="ctr"/>
+              <a:r>
+                <a:rPr lang="en-GB" sz="1200" dirty="0"/>
+                <a:t>Else</a:t>
+              </a:r>
+            </a:p>
+          </p:txBody>
+        </p:sp>
+        <p:sp>
+          <p:nvSpPr>
+            <p:cNvPr id="170" name="Rectangle 169">
+              <a:extLst>
+                <a:ext uri="{FF2B5EF4-FFF2-40B4-BE49-F238E27FC236}">
+                  <a16:creationId xmlns:a16="http://schemas.microsoft.com/office/drawing/2014/main" id="{35D2B7D4-868F-4411-AB5D-704E7321BAFA}"/>
+                </a:ext>
+              </a:extLst>
+            </p:cNvPr>
+            <p:cNvSpPr/>
+            <p:nvPr/>
+          </p:nvSpPr>
+          <p:spPr>
+            <a:xfrm>
+              <a:off x="4963676" y="3862877"/>
+              <a:ext cx="1259590" cy="294755"/>
+            </a:xfrm>
+            <a:prstGeom prst="rect">
+              <a:avLst/>
+            </a:prstGeom>
+          </p:spPr>
+          <p:style>
+            <a:lnRef idx="2">
+              <a:schemeClr val="accent1">
+                <a:shade val="50000"/>
+              </a:schemeClr>
+            </a:lnRef>
+            <a:fillRef idx="1">
+              <a:schemeClr val="accent1"/>
+            </a:fillRef>
+            <a:effectRef idx="0">
+              <a:schemeClr val="accent1"/>
+            </a:effectRef>
+            <a:fontRef idx="minor">
+              <a:schemeClr val="lt1"/>
+            </a:fontRef>
+          </p:style>
+          <p:txBody>
+            <a:bodyPr rtlCol="0" anchor="ctr"/>
+            <a:lstStyle/>
+            <a:p>
+              <a:pPr algn="ctr"/>
+              <a:r>
+                <a:rPr lang="en-GB" sz="1200" dirty="0"/>
+                <a:t>b-1 bits for r</a:t>
+              </a:r>
+            </a:p>
+          </p:txBody>
+        </p:sp>
+        <p:sp>
+          <p:nvSpPr>
+            <p:cNvPr id="171" name="Rectangle 170">
+              <a:extLst>
+                <a:ext uri="{FF2B5EF4-FFF2-40B4-BE49-F238E27FC236}">
+                  <a16:creationId xmlns:a16="http://schemas.microsoft.com/office/drawing/2014/main" id="{EAC67153-1EE9-4E6D-BE95-60350E81C03A}"/>
+                </a:ext>
+              </a:extLst>
+            </p:cNvPr>
+            <p:cNvSpPr/>
+            <p:nvPr/>
+          </p:nvSpPr>
+          <p:spPr>
+            <a:xfrm>
+              <a:off x="4963674" y="4359712"/>
+              <a:ext cx="1259590" cy="294755"/>
+            </a:xfrm>
+            <a:prstGeom prst="rect">
+              <a:avLst/>
+            </a:prstGeom>
+          </p:spPr>
+          <p:style>
+            <a:lnRef idx="2">
+              <a:schemeClr val="accent1">
+                <a:shade val="50000"/>
+              </a:schemeClr>
+            </a:lnRef>
+            <a:fillRef idx="1">
+              <a:schemeClr val="accent1"/>
+            </a:fillRef>
+            <a:effectRef idx="0">
+              <a:schemeClr val="accent1"/>
+            </a:effectRef>
+            <a:fontRef idx="minor">
+              <a:schemeClr val="lt1"/>
+            </a:fontRef>
+          </p:style>
+          <p:txBody>
+            <a:bodyPr rtlCol="0" anchor="ctr"/>
+            <a:lstStyle/>
+            <a:p>
+              <a:pPr algn="ctr"/>
+              <a:r>
+                <a:rPr lang="en-GB" sz="1200" dirty="0"/>
+                <a:t>b bits for r+2</a:t>
+              </a:r>
+              <a:r>
+                <a:rPr lang="en-GB" sz="1200" baseline="30000" dirty="0"/>
+                <a:t>b</a:t>
+              </a:r>
+              <a:r>
+                <a:rPr lang="en-GB" sz="1200" dirty="0"/>
+                <a:t>-M</a:t>
+              </a:r>
+            </a:p>
+          </p:txBody>
+        </p:sp>
+        <p:cxnSp>
+          <p:nvCxnSpPr>
+            <p:cNvPr id="172" name="Straight Arrow Connector 171">
+              <a:extLst>
+                <a:ext uri="{FF2B5EF4-FFF2-40B4-BE49-F238E27FC236}">
+                  <a16:creationId xmlns:a16="http://schemas.microsoft.com/office/drawing/2014/main" id="{544491EF-98C7-485C-AF3D-FC723CE76F04}"/>
+                </a:ext>
+              </a:extLst>
+            </p:cNvPr>
+            <p:cNvCxnSpPr>
+              <a:cxnSpLocks/>
+              <a:stCxn id="163" idx="3"/>
+              <a:endCxn id="164" idx="1"/>
+            </p:cNvCxnSpPr>
+            <p:nvPr/>
+          </p:nvCxnSpPr>
+          <p:spPr>
+            <a:xfrm>
+              <a:off x="1680920" y="4490778"/>
+              <a:ext cx="235317" cy="444335"/>
+            </a:xfrm>
+            <a:prstGeom prst="straightConnector1">
+              <a:avLst/>
+            </a:prstGeom>
+            <a:ln w="38100">
+              <a:tailEnd type="triangle"/>
+            </a:ln>
+          </p:spPr>
+          <p:style>
+            <a:lnRef idx="1">
+              <a:schemeClr val="accent1"/>
+            </a:lnRef>
+            <a:fillRef idx="0">
+              <a:schemeClr val="accent1"/>
+            </a:fillRef>
+            <a:effectRef idx="0">
+              <a:schemeClr val="accent1"/>
+            </a:effectRef>
+            <a:fontRef idx="minor">
+              <a:schemeClr val="tx1"/>
+            </a:fontRef>
+          </p:style>
+        </p:cxnSp>
+        <p:cxnSp>
+          <p:nvCxnSpPr>
+            <p:cNvPr id="173" name="Straight Arrow Connector 172">
+              <a:extLst>
+                <a:ext uri="{FF2B5EF4-FFF2-40B4-BE49-F238E27FC236}">
+                  <a16:creationId xmlns:a16="http://schemas.microsoft.com/office/drawing/2014/main" id="{66D97A5C-0864-4F8D-8CAF-C914B2CF4282}"/>
+                </a:ext>
+              </a:extLst>
+            </p:cNvPr>
+            <p:cNvCxnSpPr>
+              <a:cxnSpLocks/>
+              <a:stCxn id="163" idx="3"/>
+              <a:endCxn id="165" idx="1"/>
+            </p:cNvCxnSpPr>
+            <p:nvPr/>
+          </p:nvCxnSpPr>
+          <p:spPr>
+            <a:xfrm flipV="1">
+              <a:off x="1680920" y="4010257"/>
+              <a:ext cx="235317" cy="480521"/>
+            </a:xfrm>
+            <a:prstGeom prst="straightConnector1">
+              <a:avLst/>
+            </a:prstGeom>
+            <a:ln w="38100">
+              <a:tailEnd type="triangle"/>
+            </a:ln>
+          </p:spPr>
+          <p:style>
+            <a:lnRef idx="1">
+              <a:schemeClr val="accent1"/>
+            </a:lnRef>
+            <a:fillRef idx="0">
+              <a:schemeClr val="accent1"/>
+            </a:fillRef>
+            <a:effectRef idx="0">
+              <a:schemeClr val="accent1"/>
+            </a:effectRef>
+            <a:fontRef idx="minor">
+              <a:schemeClr val="tx1"/>
+            </a:fontRef>
+          </p:style>
+        </p:cxnSp>
+        <p:cxnSp>
+          <p:nvCxnSpPr>
+            <p:cNvPr id="174" name="Straight Arrow Connector 173">
+              <a:extLst>
+                <a:ext uri="{FF2B5EF4-FFF2-40B4-BE49-F238E27FC236}">
+                  <a16:creationId xmlns:a16="http://schemas.microsoft.com/office/drawing/2014/main" id="{A531DB8A-41C0-499F-A5F8-8FF3FB5DE01D}"/>
+                </a:ext>
+              </a:extLst>
+            </p:cNvPr>
+            <p:cNvCxnSpPr>
+              <a:cxnSpLocks/>
+              <a:stCxn id="164" idx="3"/>
+              <a:endCxn id="167" idx="1"/>
+            </p:cNvCxnSpPr>
+            <p:nvPr/>
+          </p:nvCxnSpPr>
+          <p:spPr>
+            <a:xfrm flipV="1">
+              <a:off x="3175827" y="4935112"/>
+              <a:ext cx="252970" cy="1"/>
+            </a:xfrm>
+            <a:prstGeom prst="straightConnector1">
+              <a:avLst/>
+            </a:prstGeom>
+            <a:ln w="38100">
+              <a:tailEnd type="triangle"/>
+            </a:ln>
+          </p:spPr>
+          <p:style>
+            <a:lnRef idx="1">
+              <a:schemeClr val="accent1"/>
+            </a:lnRef>
+            <a:fillRef idx="0">
+              <a:schemeClr val="accent1"/>
+            </a:fillRef>
+            <a:effectRef idx="0">
+              <a:schemeClr val="accent1"/>
+            </a:effectRef>
+            <a:fontRef idx="minor">
+              <a:schemeClr val="tx1"/>
+            </a:fontRef>
+          </p:style>
+        </p:cxnSp>
+        <p:cxnSp>
+          <p:nvCxnSpPr>
+            <p:cNvPr id="175" name="Straight Arrow Connector 174">
+              <a:extLst>
+                <a:ext uri="{FF2B5EF4-FFF2-40B4-BE49-F238E27FC236}">
+                  <a16:creationId xmlns:a16="http://schemas.microsoft.com/office/drawing/2014/main" id="{C12D6AC4-82D5-44B8-A441-4CFDA2D1A3F2}"/>
+                </a:ext>
+              </a:extLst>
+            </p:cNvPr>
+            <p:cNvCxnSpPr>
+              <a:cxnSpLocks/>
+              <a:stCxn id="165" idx="3"/>
+              <a:endCxn id="166" idx="1"/>
+            </p:cNvCxnSpPr>
+            <p:nvPr/>
+          </p:nvCxnSpPr>
+          <p:spPr>
+            <a:xfrm flipV="1">
+              <a:off x="3175827" y="4010256"/>
+              <a:ext cx="252969" cy="1"/>
+            </a:xfrm>
+            <a:prstGeom prst="straightConnector1">
+              <a:avLst/>
+            </a:prstGeom>
+            <a:ln w="38100">
+              <a:tailEnd type="triangle"/>
+            </a:ln>
+          </p:spPr>
+          <p:style>
+            <a:lnRef idx="1">
+              <a:schemeClr val="accent1"/>
+            </a:lnRef>
+            <a:fillRef idx="0">
+              <a:schemeClr val="accent1"/>
+            </a:fillRef>
+            <a:effectRef idx="0">
+              <a:schemeClr val="accent1"/>
+            </a:effectRef>
+            <a:fontRef idx="minor">
+              <a:schemeClr val="tx1"/>
+            </a:fontRef>
+          </p:style>
+        </p:cxnSp>
+        <p:cxnSp>
+          <p:nvCxnSpPr>
+            <p:cNvPr id="176" name="Straight Arrow Connector 175">
+              <a:extLst>
+                <a:ext uri="{FF2B5EF4-FFF2-40B4-BE49-F238E27FC236}">
+                  <a16:creationId xmlns:a16="http://schemas.microsoft.com/office/drawing/2014/main" id="{CD637B5C-5308-4482-95E2-1499048D31E0}"/>
+                </a:ext>
+              </a:extLst>
+            </p:cNvPr>
+            <p:cNvCxnSpPr>
+              <a:cxnSpLocks/>
+              <a:stCxn id="166" idx="3"/>
+              <a:endCxn id="170" idx="1"/>
+            </p:cNvCxnSpPr>
+            <p:nvPr/>
+          </p:nvCxnSpPr>
+          <p:spPr>
+            <a:xfrm flipV="1">
+              <a:off x="4688386" y="4010255"/>
+              <a:ext cx="275290" cy="1"/>
+            </a:xfrm>
+            <a:prstGeom prst="straightConnector1">
+              <a:avLst/>
+            </a:prstGeom>
+            <a:ln w="38100">
+              <a:tailEnd type="triangle"/>
+            </a:ln>
+          </p:spPr>
+          <p:style>
+            <a:lnRef idx="1">
+              <a:schemeClr val="accent1"/>
+            </a:lnRef>
+            <a:fillRef idx="0">
+              <a:schemeClr val="accent1"/>
+            </a:fillRef>
+            <a:effectRef idx="0">
+              <a:schemeClr val="accent1"/>
+            </a:effectRef>
+            <a:fontRef idx="minor">
+              <a:schemeClr val="tx1"/>
+            </a:fontRef>
+          </p:style>
+        </p:cxnSp>
+        <p:cxnSp>
+          <p:nvCxnSpPr>
+            <p:cNvPr id="177" name="Straight Arrow Connector 176">
+              <a:extLst>
+                <a:ext uri="{FF2B5EF4-FFF2-40B4-BE49-F238E27FC236}">
+                  <a16:creationId xmlns:a16="http://schemas.microsoft.com/office/drawing/2014/main" id="{FE45F232-C45E-42AB-AF4B-BA86655578E2}"/>
+                </a:ext>
+              </a:extLst>
+            </p:cNvPr>
+            <p:cNvCxnSpPr>
+              <a:cxnSpLocks/>
+              <a:stCxn id="166" idx="2"/>
+              <a:endCxn id="169" idx="0"/>
+            </p:cNvCxnSpPr>
+            <p:nvPr/>
+          </p:nvCxnSpPr>
+          <p:spPr>
+            <a:xfrm flipH="1">
+              <a:off x="4058590" y="4157633"/>
+              <a:ext cx="1" cy="199762"/>
+            </a:xfrm>
+            <a:prstGeom prst="straightConnector1">
+              <a:avLst/>
+            </a:prstGeom>
+            <a:ln w="38100">
+              <a:tailEnd type="triangle"/>
+            </a:ln>
+          </p:spPr>
+          <p:style>
+            <a:lnRef idx="1">
+              <a:schemeClr val="accent1"/>
+            </a:lnRef>
+            <a:fillRef idx="0">
+              <a:schemeClr val="accent1"/>
+            </a:fillRef>
+            <a:effectRef idx="0">
+              <a:schemeClr val="accent1"/>
+            </a:effectRef>
+            <a:fontRef idx="minor">
+              <a:schemeClr val="tx1"/>
+            </a:fontRef>
+          </p:style>
+        </p:cxnSp>
+        <p:cxnSp>
+          <p:nvCxnSpPr>
+            <p:cNvPr id="178" name="Straight Arrow Connector 177">
+              <a:extLst>
+                <a:ext uri="{FF2B5EF4-FFF2-40B4-BE49-F238E27FC236}">
+                  <a16:creationId xmlns:a16="http://schemas.microsoft.com/office/drawing/2014/main" id="{DAF84FAB-7769-4CA6-B058-2ECB4B75B245}"/>
+                </a:ext>
+              </a:extLst>
+            </p:cNvPr>
+            <p:cNvCxnSpPr>
+              <a:cxnSpLocks/>
+              <a:stCxn id="169" idx="3"/>
+              <a:endCxn id="171" idx="1"/>
+            </p:cNvCxnSpPr>
+            <p:nvPr/>
+          </p:nvCxnSpPr>
+          <p:spPr>
+            <a:xfrm>
+              <a:off x="4688385" y="4504773"/>
+              <a:ext cx="275289" cy="2317"/>
+            </a:xfrm>
+            <a:prstGeom prst="straightConnector1">
+              <a:avLst/>
+            </a:prstGeom>
+            <a:ln w="38100">
+              <a:tailEnd type="triangle"/>
+            </a:ln>
+          </p:spPr>
+          <p:style>
+            <a:lnRef idx="1">
+              <a:schemeClr val="accent1"/>
+            </a:lnRef>
+            <a:fillRef idx="0">
+              <a:schemeClr val="accent1"/>
+            </a:fillRef>
+            <a:effectRef idx="0">
+              <a:schemeClr val="accent1"/>
+            </a:effectRef>
+            <a:fontRef idx="minor">
+              <a:schemeClr val="tx1"/>
+            </a:fontRef>
+          </p:style>
+        </p:cxnSp>
+        <p:sp>
+          <p:nvSpPr>
+            <p:cNvPr id="179" name="Rectangle 178">
+              <a:extLst>
+                <a:ext uri="{FF2B5EF4-FFF2-40B4-BE49-F238E27FC236}">
+                  <a16:creationId xmlns:a16="http://schemas.microsoft.com/office/drawing/2014/main" id="{5334E271-97CA-413B-B852-A9E7F2D74332}"/>
+                </a:ext>
+              </a:extLst>
+            </p:cNvPr>
+            <p:cNvSpPr/>
+            <p:nvPr/>
+          </p:nvSpPr>
+          <p:spPr>
+            <a:xfrm>
+              <a:off x="5884540" y="4787734"/>
+              <a:ext cx="1259590" cy="294755"/>
+            </a:xfrm>
+            <a:prstGeom prst="rect">
+              <a:avLst/>
+            </a:prstGeom>
+          </p:spPr>
+          <p:style>
+            <a:lnRef idx="2">
+              <a:schemeClr val="accent1">
+                <a:shade val="50000"/>
+              </a:schemeClr>
+            </a:lnRef>
+            <a:fillRef idx="1">
+              <a:schemeClr val="accent1"/>
+            </a:fillRef>
+            <a:effectRef idx="0">
+              <a:schemeClr val="accent1"/>
+            </a:effectRef>
+            <a:fontRef idx="minor">
+              <a:schemeClr val="lt1"/>
+            </a:fontRef>
+          </p:style>
+          <p:txBody>
+            <a:bodyPr rtlCol="0" anchor="ctr"/>
+            <a:lstStyle/>
+            <a:p>
+              <a:pPr algn="ctr"/>
+              <a:r>
+                <a:rPr lang="en-GB" sz="1200" dirty="0"/>
+                <a:t>Full Binary Form</a:t>
+              </a:r>
+            </a:p>
+          </p:txBody>
+        </p:sp>
+        <p:cxnSp>
+          <p:nvCxnSpPr>
+            <p:cNvPr id="180" name="Straight Arrow Connector 179">
+              <a:extLst>
+                <a:ext uri="{FF2B5EF4-FFF2-40B4-BE49-F238E27FC236}">
+                  <a16:creationId xmlns:a16="http://schemas.microsoft.com/office/drawing/2014/main" id="{2DD27A41-F10E-4671-8E0C-A211BF0C2D9A}"/>
+                </a:ext>
+              </a:extLst>
+            </p:cNvPr>
+            <p:cNvCxnSpPr>
+              <a:cxnSpLocks/>
+              <a:endCxn id="179" idx="0"/>
+            </p:cNvCxnSpPr>
+            <p:nvPr/>
+          </p:nvCxnSpPr>
+          <p:spPr>
+            <a:xfrm flipH="1">
+              <a:off x="6514335" y="4210041"/>
+              <a:ext cx="15767" cy="577693"/>
+            </a:xfrm>
+            <a:prstGeom prst="straightConnector1">
+              <a:avLst/>
+            </a:prstGeom>
+            <a:ln w="38100">
+              <a:tailEnd type="triangle"/>
+            </a:ln>
+          </p:spPr>
+          <p:style>
+            <a:lnRef idx="1">
+              <a:schemeClr val="accent1"/>
+            </a:lnRef>
+            <a:fillRef idx="0">
+              <a:schemeClr val="accent1"/>
+            </a:fillRef>
+            <a:effectRef idx="0">
+              <a:schemeClr val="accent1"/>
+            </a:effectRef>
+            <a:fontRef idx="minor">
+              <a:schemeClr val="tx1"/>
+            </a:fontRef>
+          </p:style>
+        </p:cxnSp>
+        <p:cxnSp>
+          <p:nvCxnSpPr>
+            <p:cNvPr id="181" name="Straight Arrow Connector 180">
+              <a:extLst>
+                <a:ext uri="{FF2B5EF4-FFF2-40B4-BE49-F238E27FC236}">
+                  <a16:creationId xmlns:a16="http://schemas.microsoft.com/office/drawing/2014/main" id="{4FAA88E5-2706-4576-A38C-FA311BA251E4}"/>
+                </a:ext>
+              </a:extLst>
+            </p:cNvPr>
+            <p:cNvCxnSpPr>
+              <a:cxnSpLocks/>
+              <a:stCxn id="167" idx="3"/>
+              <a:endCxn id="179" idx="1"/>
+            </p:cNvCxnSpPr>
+            <p:nvPr/>
+          </p:nvCxnSpPr>
+          <p:spPr>
+            <a:xfrm>
+              <a:off x="4688387" y="4935112"/>
+              <a:ext cx="1196153" cy="0"/>
+            </a:xfrm>
+            <a:prstGeom prst="straightConnector1">
+              <a:avLst/>
+            </a:prstGeom>
+            <a:ln w="38100">
+              <a:tailEnd type="triangle"/>
+            </a:ln>
+          </p:spPr>
+          <p:style>
+            <a:lnRef idx="1">
+              <a:schemeClr val="accent1"/>
+            </a:lnRef>
+            <a:fillRef idx="0">
+              <a:schemeClr val="accent1"/>
+            </a:fillRef>
+            <a:effectRef idx="0">
+              <a:schemeClr val="accent1"/>
+            </a:effectRef>
+            <a:fontRef idx="minor">
+              <a:schemeClr val="tx1"/>
+            </a:fontRef>
+          </p:style>
+        </p:cxnSp>
+        <p:cxnSp>
+          <p:nvCxnSpPr>
+            <p:cNvPr id="182" name="Straight Connector 181">
+              <a:extLst>
+                <a:ext uri="{FF2B5EF4-FFF2-40B4-BE49-F238E27FC236}">
+                  <a16:creationId xmlns:a16="http://schemas.microsoft.com/office/drawing/2014/main" id="{E53C56A9-B48E-4FDB-8058-5AC62BC06A49}"/>
+                </a:ext>
+              </a:extLst>
+            </p:cNvPr>
+            <p:cNvCxnSpPr>
+              <a:cxnSpLocks/>
+              <a:stCxn id="170" idx="3"/>
+            </p:cNvCxnSpPr>
+            <p:nvPr/>
+          </p:nvCxnSpPr>
+          <p:spPr>
+            <a:xfrm>
+              <a:off x="6223266" y="4010255"/>
+              <a:ext cx="298952" cy="216190"/>
+            </a:xfrm>
+            <a:prstGeom prst="line">
+              <a:avLst/>
+            </a:prstGeom>
+            <a:ln w="38100"/>
+          </p:spPr>
+          <p:style>
+            <a:lnRef idx="1">
+              <a:schemeClr val="accent1"/>
+            </a:lnRef>
+            <a:fillRef idx="0">
+              <a:schemeClr val="accent1"/>
+            </a:fillRef>
+            <a:effectRef idx="0">
+              <a:schemeClr val="accent1"/>
+            </a:effectRef>
+            <a:fontRef idx="minor">
+              <a:schemeClr val="tx1"/>
+            </a:fontRef>
+          </p:style>
+        </p:cxnSp>
+        <p:cxnSp>
+          <p:nvCxnSpPr>
+            <p:cNvPr id="183" name="Straight Connector 182">
+              <a:extLst>
+                <a:ext uri="{FF2B5EF4-FFF2-40B4-BE49-F238E27FC236}">
+                  <a16:creationId xmlns:a16="http://schemas.microsoft.com/office/drawing/2014/main" id="{C6D790FB-43E2-461C-BD1D-DA18F7B60877}"/>
+                </a:ext>
+              </a:extLst>
+            </p:cNvPr>
+            <p:cNvCxnSpPr>
+              <a:cxnSpLocks/>
+              <a:stCxn id="171" idx="3"/>
+            </p:cNvCxnSpPr>
+            <p:nvPr/>
+          </p:nvCxnSpPr>
+          <p:spPr>
+            <a:xfrm flipV="1">
+              <a:off x="6223264" y="4226445"/>
+              <a:ext cx="284836" cy="280645"/>
+            </a:xfrm>
+            <a:prstGeom prst="line">
+              <a:avLst/>
+            </a:prstGeom>
+            <a:ln w="38100"/>
+          </p:spPr>
+          <p:style>
+            <a:lnRef idx="1">
+              <a:schemeClr val="accent1"/>
+            </a:lnRef>
+            <a:fillRef idx="0">
+              <a:schemeClr val="accent1"/>
+            </a:fillRef>
+            <a:effectRef idx="0">
+              <a:schemeClr val="accent1"/>
+            </a:effectRef>
+            <a:fontRef idx="minor">
+              <a:schemeClr val="tx1"/>
+            </a:fontRef>
+          </p:style>
+        </p:cxnSp>
+      </p:grpSp>
+    </p:spTree>
+    <p:extLst>
+      <p:ext uri="{BB962C8B-B14F-4D97-AF65-F5344CB8AC3E}">
+        <p14:creationId xmlns:p14="http://schemas.microsoft.com/office/powerpoint/2010/main" val="1932729741"/>
       </p:ext>
     </p:extLst>
   </p:cSld>

--- a/Parth viva presentation.pptx
+++ b/Parth viva presentation.pptx
@@ -7,12 +7,13 @@
   <p:sldIdLst>
     <p:sldId id="256" r:id="rId2"/>
     <p:sldId id="257" r:id="rId3"/>
-    <p:sldId id="258" r:id="rId4"/>
-    <p:sldId id="263" r:id="rId5"/>
-    <p:sldId id="260" r:id="rId6"/>
-    <p:sldId id="261" r:id="rId7"/>
-    <p:sldId id="262" r:id="rId8"/>
-    <p:sldId id="264" r:id="rId9"/>
+    <p:sldId id="265" r:id="rId4"/>
+    <p:sldId id="258" r:id="rId5"/>
+    <p:sldId id="263" r:id="rId6"/>
+    <p:sldId id="260" r:id="rId7"/>
+    <p:sldId id="261" r:id="rId8"/>
+    <p:sldId id="262" r:id="rId9"/>
+    <p:sldId id="264" r:id="rId10"/>
   </p:sldIdLst>
   <p:sldSz cx="12192000" cy="6858000"/>
   <p:notesSz cx="6858000" cy="9144000"/>
@@ -169,7 +170,7 @@
           <a:noFill/>
           <a:extLst>
             <a:ext uri="{909E8E84-426E-40dd-AFC4-6F175D3DCCD1}">
-              <a14:hiddenFill xmlns="" xmlns:a14="http://schemas.microsoft.com/office/drawing/2010/main">
+              <a14:hiddenFill xmlns:a14="http://schemas.microsoft.com/office/drawing/2010/main" xmlns="">
                 <a:solidFill>
                   <a:srgbClr val="FFFFFF"/>
                 </a:solidFill>
@@ -229,7 +230,7 @@
             </a:ln>
             <a:extLst>
               <a:ext uri="{91240B29-F687-4f45-9708-019B960494DF}">
-                <a14:hiddenLine xmlns="" xmlns:a14="http://schemas.microsoft.com/office/drawing/2010/main" w="9525">
+                <a14:hiddenLine xmlns:a14="http://schemas.microsoft.com/office/drawing/2010/main" xmlns="" w="9525">
                   <a:solidFill>
                     <a:srgbClr val="000000"/>
                   </a:solidFill>
@@ -319,7 +320,7 @@
             </a:ln>
             <a:extLst>
               <a:ext uri="{91240B29-F687-4f45-9708-019B960494DF}">
-                <a14:hiddenLine xmlns="" xmlns:a14="http://schemas.microsoft.com/office/drawing/2010/main" w="9525">
+                <a14:hiddenLine xmlns:a14="http://schemas.microsoft.com/office/drawing/2010/main" xmlns="" w="9525">
                   <a:solidFill>
                     <a:srgbClr val="000000"/>
                   </a:solidFill>
@@ -409,7 +410,7 @@
             </a:ln>
             <a:extLst>
               <a:ext uri="{91240B29-F687-4f45-9708-019B960494DF}">
-                <a14:hiddenLine xmlns="" xmlns:a14="http://schemas.microsoft.com/office/drawing/2010/main" w="9525">
+                <a14:hiddenLine xmlns:a14="http://schemas.microsoft.com/office/drawing/2010/main" xmlns="" w="9525">
                   <a:solidFill>
                     <a:srgbClr val="000000"/>
                   </a:solidFill>
@@ -443,7 +444,7 @@
             </a:ln>
             <a:extLst>
               <a:ext uri="{91240B29-F687-4f45-9708-019B960494DF}">
-                <a14:hiddenLine xmlns="" xmlns:a14="http://schemas.microsoft.com/office/drawing/2010/main" w="9525">
+                <a14:hiddenLine xmlns:a14="http://schemas.microsoft.com/office/drawing/2010/main" xmlns="" w="9525">
                   <a:solidFill>
                     <a:srgbClr val="000000"/>
                   </a:solidFill>
@@ -533,7 +534,7 @@
             </a:ln>
             <a:extLst>
               <a:ext uri="{91240B29-F687-4f45-9708-019B960494DF}">
-                <a14:hiddenLine xmlns="" xmlns:a14="http://schemas.microsoft.com/office/drawing/2010/main" w="9525">
+                <a14:hiddenLine xmlns:a14="http://schemas.microsoft.com/office/drawing/2010/main" xmlns="" w="9525">
                   <a:solidFill>
                     <a:srgbClr val="000000"/>
                   </a:solidFill>
@@ -595,7 +596,7 @@
             </a:ln>
             <a:extLst>
               <a:ext uri="{91240B29-F687-4f45-9708-019B960494DF}">
-                <a14:hiddenLine xmlns="" xmlns:a14="http://schemas.microsoft.com/office/drawing/2010/main" w="9525">
+                <a14:hiddenLine xmlns:a14="http://schemas.microsoft.com/office/drawing/2010/main" xmlns="" w="9525">
                   <a:solidFill>
                     <a:srgbClr val="000000"/>
                   </a:solidFill>
@@ -657,7 +658,7 @@
             </a:ln>
             <a:extLst>
               <a:ext uri="{91240B29-F687-4f45-9708-019B960494DF}">
-                <a14:hiddenLine xmlns="" xmlns:a14="http://schemas.microsoft.com/office/drawing/2010/main" w="9525">
+                <a14:hiddenLine xmlns:a14="http://schemas.microsoft.com/office/drawing/2010/main" xmlns="" w="9525">
                   <a:solidFill>
                     <a:srgbClr val="000000"/>
                   </a:solidFill>
@@ -747,7 +748,7 @@
             </a:ln>
             <a:extLst>
               <a:ext uri="{91240B29-F687-4f45-9708-019B960494DF}">
-                <a14:hiddenLine xmlns="" xmlns:a14="http://schemas.microsoft.com/office/drawing/2010/main" w="9525">
+                <a14:hiddenLine xmlns:a14="http://schemas.microsoft.com/office/drawing/2010/main" xmlns="" w="9525">
                   <a:solidFill>
                     <a:srgbClr val="000000"/>
                   </a:solidFill>
@@ -809,7 +810,7 @@
             </a:ln>
             <a:extLst>
               <a:ext uri="{91240B29-F687-4f45-9708-019B960494DF}">
-                <a14:hiddenLine xmlns="" xmlns:a14="http://schemas.microsoft.com/office/drawing/2010/main" w="9525">
+                <a14:hiddenLine xmlns:a14="http://schemas.microsoft.com/office/drawing/2010/main" xmlns="" w="9525">
                   <a:solidFill>
                     <a:srgbClr val="000000"/>
                   </a:solidFill>
@@ -871,7 +872,7 @@
             </a:ln>
             <a:extLst>
               <a:ext uri="{91240B29-F687-4f45-9708-019B960494DF}">
-                <a14:hiddenLine xmlns="" xmlns:a14="http://schemas.microsoft.com/office/drawing/2010/main" w="9525">
+                <a14:hiddenLine xmlns:a14="http://schemas.microsoft.com/office/drawing/2010/main" xmlns="" w="9525">
                   <a:solidFill>
                     <a:srgbClr val="000000"/>
                   </a:solidFill>
@@ -961,7 +962,7 @@
             </a:ln>
             <a:extLst>
               <a:ext uri="{91240B29-F687-4f45-9708-019B960494DF}">
-                <a14:hiddenLine xmlns="" xmlns:a14="http://schemas.microsoft.com/office/drawing/2010/main" w="9525">
+                <a14:hiddenLine xmlns:a14="http://schemas.microsoft.com/office/drawing/2010/main" xmlns="" w="9525">
                   <a:solidFill>
                     <a:srgbClr val="000000"/>
                   </a:solidFill>
@@ -1051,7 +1052,7 @@
             </a:ln>
             <a:extLst>
               <a:ext uri="{91240B29-F687-4f45-9708-019B960494DF}">
-                <a14:hiddenLine xmlns="" xmlns:a14="http://schemas.microsoft.com/office/drawing/2010/main" w="9525">
+                <a14:hiddenLine xmlns:a14="http://schemas.microsoft.com/office/drawing/2010/main" xmlns="" w="9525">
                   <a:solidFill>
                     <a:srgbClr val="000000"/>
                   </a:solidFill>
@@ -1113,7 +1114,7 @@
             </a:ln>
             <a:extLst>
               <a:ext uri="{91240B29-F687-4f45-9708-019B960494DF}">
-                <a14:hiddenLine xmlns="" xmlns:a14="http://schemas.microsoft.com/office/drawing/2010/main" w="9525">
+                <a14:hiddenLine xmlns:a14="http://schemas.microsoft.com/office/drawing/2010/main" xmlns="" w="9525">
                   <a:solidFill>
                     <a:srgbClr val="000000"/>
                   </a:solidFill>
@@ -1223,7 +1224,7 @@
             </a:ln>
             <a:extLst>
               <a:ext uri="{91240B29-F687-4f45-9708-019B960494DF}">
-                <a14:hiddenLine xmlns="" xmlns:a14="http://schemas.microsoft.com/office/drawing/2010/main" w="9525">
+                <a14:hiddenLine xmlns:a14="http://schemas.microsoft.com/office/drawing/2010/main" xmlns="" w="9525">
                   <a:solidFill>
                     <a:srgbClr val="000000"/>
                   </a:solidFill>
@@ -1285,7 +1286,7 @@
             </a:ln>
             <a:extLst>
               <a:ext uri="{91240B29-F687-4f45-9708-019B960494DF}">
-                <a14:hiddenLine xmlns="" xmlns:a14="http://schemas.microsoft.com/office/drawing/2010/main" w="9525">
+                <a14:hiddenLine xmlns:a14="http://schemas.microsoft.com/office/drawing/2010/main" xmlns="" w="9525">
                   <a:solidFill>
                     <a:srgbClr val="000000"/>
                   </a:solidFill>
@@ -1375,7 +1376,7 @@
             </a:ln>
             <a:extLst>
               <a:ext uri="{91240B29-F687-4f45-9708-019B960494DF}">
-                <a14:hiddenLine xmlns="" xmlns:a14="http://schemas.microsoft.com/office/drawing/2010/main" w="9525">
+                <a14:hiddenLine xmlns:a14="http://schemas.microsoft.com/office/drawing/2010/main" xmlns="" w="9525">
                   <a:solidFill>
                     <a:srgbClr val="000000"/>
                   </a:solidFill>
@@ -1465,7 +1466,7 @@
             </a:ln>
             <a:extLst>
               <a:ext uri="{91240B29-F687-4f45-9708-019B960494DF}">
-                <a14:hiddenLine xmlns="" xmlns:a14="http://schemas.microsoft.com/office/drawing/2010/main" w="9525">
+                <a14:hiddenLine xmlns:a14="http://schemas.microsoft.com/office/drawing/2010/main" xmlns="" w="9525">
                   <a:solidFill>
                     <a:srgbClr val="000000"/>
                   </a:solidFill>
@@ -1527,7 +1528,7 @@
             </a:ln>
             <a:extLst>
               <a:ext uri="{91240B29-F687-4f45-9708-019B960494DF}">
-                <a14:hiddenLine xmlns="" xmlns:a14="http://schemas.microsoft.com/office/drawing/2010/main" w="9525">
+                <a14:hiddenLine xmlns:a14="http://schemas.microsoft.com/office/drawing/2010/main" xmlns="" w="9525">
                   <a:solidFill>
                     <a:srgbClr val="000000"/>
                   </a:solidFill>
@@ -1617,7 +1618,7 @@
             </a:ln>
             <a:extLst>
               <a:ext uri="{91240B29-F687-4f45-9708-019B960494DF}">
-                <a14:hiddenLine xmlns="" xmlns:a14="http://schemas.microsoft.com/office/drawing/2010/main" w="9525">
+                <a14:hiddenLine xmlns:a14="http://schemas.microsoft.com/office/drawing/2010/main" xmlns="" w="9525">
                   <a:solidFill>
                     <a:srgbClr val="000000"/>
                   </a:solidFill>
@@ -1707,7 +1708,7 @@
             </a:ln>
             <a:extLst>
               <a:ext uri="{91240B29-F687-4f45-9708-019B960494DF}">
-                <a14:hiddenLine xmlns="" xmlns:a14="http://schemas.microsoft.com/office/drawing/2010/main" w="9525">
+                <a14:hiddenLine xmlns:a14="http://schemas.microsoft.com/office/drawing/2010/main" xmlns="" w="9525">
                   <a:solidFill>
                     <a:srgbClr val="000000"/>
                   </a:solidFill>
@@ -1763,7 +1764,7 @@
             </a:ln>
             <a:extLst>
               <a:ext uri="{91240B29-F687-4f45-9708-019B960494DF}">
-                <a14:hiddenLine xmlns="" xmlns:a14="http://schemas.microsoft.com/office/drawing/2010/main" w="9525">
+                <a14:hiddenLine xmlns:a14="http://schemas.microsoft.com/office/drawing/2010/main" xmlns="" w="9525">
                   <a:solidFill>
                     <a:srgbClr val="000000"/>
                   </a:solidFill>
@@ -1853,7 +1854,7 @@
             </a:ln>
             <a:extLst>
               <a:ext uri="{91240B29-F687-4f45-9708-019B960494DF}">
-                <a14:hiddenLine xmlns="" xmlns:a14="http://schemas.microsoft.com/office/drawing/2010/main" w="9525">
+                <a14:hiddenLine xmlns:a14="http://schemas.microsoft.com/office/drawing/2010/main" xmlns="" w="9525">
                   <a:solidFill>
                     <a:srgbClr val="000000"/>
                   </a:solidFill>
@@ -1909,7 +1910,7 @@
             </a:ln>
             <a:extLst>
               <a:ext uri="{91240B29-F687-4f45-9708-019B960494DF}">
-                <a14:hiddenLine xmlns="" xmlns:a14="http://schemas.microsoft.com/office/drawing/2010/main" w="9525">
+                <a14:hiddenLine xmlns:a14="http://schemas.microsoft.com/office/drawing/2010/main" xmlns="" w="9525">
                   <a:solidFill>
                     <a:srgbClr val="000000"/>
                   </a:solidFill>
@@ -1999,7 +2000,7 @@
             </a:ln>
             <a:extLst>
               <a:ext uri="{91240B29-F687-4f45-9708-019B960494DF}">
-                <a14:hiddenLine xmlns="" xmlns:a14="http://schemas.microsoft.com/office/drawing/2010/main" w="9525">
+                <a14:hiddenLine xmlns:a14="http://schemas.microsoft.com/office/drawing/2010/main" xmlns="" w="9525">
                   <a:solidFill>
                     <a:srgbClr val="000000"/>
                   </a:solidFill>
@@ -2067,7 +2068,7 @@
             </a:ln>
             <a:extLst>
               <a:ext uri="{91240B29-F687-4f45-9708-019B960494DF}">
-                <a14:hiddenLine xmlns="" xmlns:a14="http://schemas.microsoft.com/office/drawing/2010/main" w="9525">
+                <a14:hiddenLine xmlns:a14="http://schemas.microsoft.com/office/drawing/2010/main" xmlns="" w="9525">
                   <a:solidFill>
                     <a:srgbClr val="000000"/>
                   </a:solidFill>
@@ -2157,7 +2158,7 @@
             </a:ln>
             <a:extLst>
               <a:ext uri="{91240B29-F687-4f45-9708-019B960494DF}">
-                <a14:hiddenLine xmlns="" xmlns:a14="http://schemas.microsoft.com/office/drawing/2010/main" w="9525">
+                <a14:hiddenLine xmlns:a14="http://schemas.microsoft.com/office/drawing/2010/main" xmlns="" w="9525">
                   <a:solidFill>
                     <a:srgbClr val="000000"/>
                   </a:solidFill>
@@ -2225,7 +2226,7 @@
             </a:ln>
             <a:extLst>
               <a:ext uri="{91240B29-F687-4f45-9708-019B960494DF}">
-                <a14:hiddenLine xmlns="" xmlns:a14="http://schemas.microsoft.com/office/drawing/2010/main" w="9525">
+                <a14:hiddenLine xmlns:a14="http://schemas.microsoft.com/office/drawing/2010/main" xmlns="" w="9525">
                   <a:solidFill>
                     <a:srgbClr val="000000"/>
                   </a:solidFill>
@@ -2315,7 +2316,7 @@
             </a:ln>
             <a:extLst>
               <a:ext uri="{91240B29-F687-4f45-9708-019B960494DF}">
-                <a14:hiddenLine xmlns="" xmlns:a14="http://schemas.microsoft.com/office/drawing/2010/main" w="9525">
+                <a14:hiddenLine xmlns:a14="http://schemas.microsoft.com/office/drawing/2010/main" xmlns="" w="9525">
                   <a:solidFill>
                     <a:srgbClr val="000000"/>
                   </a:solidFill>
@@ -2349,7 +2350,7 @@
             </a:ln>
             <a:extLst>
               <a:ext uri="{91240B29-F687-4f45-9708-019B960494DF}">
-                <a14:hiddenLine xmlns="" xmlns:a14="http://schemas.microsoft.com/office/drawing/2010/main" w="9525">
+                <a14:hiddenLine xmlns:a14="http://schemas.microsoft.com/office/drawing/2010/main" xmlns="" w="9525">
                   <a:solidFill>
                     <a:srgbClr val="000000"/>
                   </a:solidFill>
@@ -2439,7 +2440,7 @@
             </a:ln>
             <a:extLst>
               <a:ext uri="{91240B29-F687-4f45-9708-019B960494DF}">
-                <a14:hiddenLine xmlns="" xmlns:a14="http://schemas.microsoft.com/office/drawing/2010/main" w="9525">
+                <a14:hiddenLine xmlns:a14="http://schemas.microsoft.com/office/drawing/2010/main" xmlns="" w="9525">
                   <a:solidFill>
                     <a:srgbClr val="000000"/>
                   </a:solidFill>
@@ -2501,7 +2502,7 @@
             </a:ln>
             <a:extLst>
               <a:ext uri="{91240B29-F687-4f45-9708-019B960494DF}">
-                <a14:hiddenLine xmlns="" xmlns:a14="http://schemas.microsoft.com/office/drawing/2010/main" w="9525">
+                <a14:hiddenLine xmlns:a14="http://schemas.microsoft.com/office/drawing/2010/main" xmlns="" w="9525">
                   <a:solidFill>
                     <a:srgbClr val="000000"/>
                   </a:solidFill>
@@ -2563,7 +2564,7 @@
             </a:ln>
             <a:extLst>
               <a:ext uri="{91240B29-F687-4f45-9708-019B960494DF}">
-                <a14:hiddenLine xmlns="" xmlns:a14="http://schemas.microsoft.com/office/drawing/2010/main" w="9525">
+                <a14:hiddenLine xmlns:a14="http://schemas.microsoft.com/office/drawing/2010/main" xmlns="" w="9525">
                   <a:solidFill>
                     <a:srgbClr val="000000"/>
                   </a:solidFill>
@@ -2653,7 +2654,7 @@
             </a:ln>
             <a:extLst>
               <a:ext uri="{91240B29-F687-4f45-9708-019B960494DF}">
-                <a14:hiddenLine xmlns="" xmlns:a14="http://schemas.microsoft.com/office/drawing/2010/main" w="9525">
+                <a14:hiddenLine xmlns:a14="http://schemas.microsoft.com/office/drawing/2010/main" xmlns="" w="9525">
                   <a:solidFill>
                     <a:srgbClr val="000000"/>
                   </a:solidFill>
@@ -2721,7 +2722,7 @@
             </a:ln>
             <a:extLst>
               <a:ext uri="{91240B29-F687-4f45-9708-019B960494DF}">
-                <a14:hiddenLine xmlns="" xmlns:a14="http://schemas.microsoft.com/office/drawing/2010/main" w="9525">
+                <a14:hiddenLine xmlns:a14="http://schemas.microsoft.com/office/drawing/2010/main" xmlns="" w="9525">
                   <a:solidFill>
                     <a:srgbClr val="000000"/>
                   </a:solidFill>
@@ -2783,7 +2784,7 @@
             </a:ln>
             <a:extLst>
               <a:ext uri="{91240B29-F687-4f45-9708-019B960494DF}">
-                <a14:hiddenLine xmlns="" xmlns:a14="http://schemas.microsoft.com/office/drawing/2010/main" w="9525">
+                <a14:hiddenLine xmlns:a14="http://schemas.microsoft.com/office/drawing/2010/main" xmlns="" w="9525">
                   <a:solidFill>
                     <a:srgbClr val="000000"/>
                   </a:solidFill>
@@ -2873,7 +2874,7 @@
             </a:ln>
             <a:extLst>
               <a:ext uri="{91240B29-F687-4f45-9708-019B960494DF}">
-                <a14:hiddenLine xmlns="" xmlns:a14="http://schemas.microsoft.com/office/drawing/2010/main" w="9525">
+                <a14:hiddenLine xmlns:a14="http://schemas.microsoft.com/office/drawing/2010/main" xmlns="" w="9525">
                   <a:solidFill>
                     <a:srgbClr val="000000"/>
                   </a:solidFill>
@@ -2935,7 +2936,7 @@
             </a:ln>
             <a:extLst>
               <a:ext uri="{91240B29-F687-4f45-9708-019B960494DF}">
-                <a14:hiddenLine xmlns="" xmlns:a14="http://schemas.microsoft.com/office/drawing/2010/main" w="9525">
+                <a14:hiddenLine xmlns:a14="http://schemas.microsoft.com/office/drawing/2010/main" xmlns="" w="9525">
                   <a:solidFill>
                     <a:srgbClr val="000000"/>
                   </a:solidFill>
@@ -3025,7 +3026,7 @@
             </a:ln>
             <a:extLst>
               <a:ext uri="{91240B29-F687-4f45-9708-019B960494DF}">
-                <a14:hiddenLine xmlns="" xmlns:a14="http://schemas.microsoft.com/office/drawing/2010/main" w="9525">
+                <a14:hiddenLine xmlns:a14="http://schemas.microsoft.com/office/drawing/2010/main" xmlns="" w="9525">
                   <a:solidFill>
                     <a:srgbClr val="000000"/>
                   </a:solidFill>
@@ -3087,7 +3088,7 @@
             </a:ln>
             <a:extLst>
               <a:ext uri="{91240B29-F687-4f45-9708-019B960494DF}">
-                <a14:hiddenLine xmlns="" xmlns:a14="http://schemas.microsoft.com/office/drawing/2010/main" w="9525">
+                <a14:hiddenLine xmlns:a14="http://schemas.microsoft.com/office/drawing/2010/main" xmlns="" w="9525">
                   <a:solidFill>
                     <a:srgbClr val="000000"/>
                   </a:solidFill>
@@ -3177,7 +3178,7 @@
             </a:ln>
             <a:extLst>
               <a:ext uri="{91240B29-F687-4f45-9708-019B960494DF}">
-                <a14:hiddenLine xmlns="" xmlns:a14="http://schemas.microsoft.com/office/drawing/2010/main" w="9525">
+                <a14:hiddenLine xmlns:a14="http://schemas.microsoft.com/office/drawing/2010/main" xmlns="" w="9525">
                   <a:solidFill>
                     <a:srgbClr val="000000"/>
                   </a:solidFill>
@@ -3211,7 +3212,7 @@
             </a:ln>
             <a:extLst>
               <a:ext uri="{91240B29-F687-4f45-9708-019B960494DF}">
-                <a14:hiddenLine xmlns="" xmlns:a14="http://schemas.microsoft.com/office/drawing/2010/main" w="9525">
+                <a14:hiddenLine xmlns:a14="http://schemas.microsoft.com/office/drawing/2010/main" xmlns="" w="9525">
                   <a:solidFill>
                     <a:srgbClr val="000000"/>
                   </a:solidFill>
@@ -3276,7 +3277,7 @@
             </a:ln>
             <a:extLst>
               <a:ext uri="{91240B29-F687-4f45-9708-019B960494DF}">
-                <a14:hiddenLine xmlns="" xmlns:a14="http://schemas.microsoft.com/office/drawing/2010/main" w="9525">
+                <a14:hiddenLine xmlns:a14="http://schemas.microsoft.com/office/drawing/2010/main" xmlns="" w="9525">
                   <a:solidFill>
                     <a:srgbClr val="000000"/>
                   </a:solidFill>
@@ -3366,7 +3367,7 @@
             </a:ln>
             <a:extLst>
               <a:ext uri="{91240B29-F687-4f45-9708-019B960494DF}">
-                <a14:hiddenLine xmlns="" xmlns:a14="http://schemas.microsoft.com/office/drawing/2010/main" w="9525">
+                <a14:hiddenLine xmlns:a14="http://schemas.microsoft.com/office/drawing/2010/main" xmlns="" w="9525">
                   <a:solidFill>
                     <a:srgbClr val="000000"/>
                   </a:solidFill>
@@ -3428,7 +3429,7 @@
             </a:ln>
             <a:extLst>
               <a:ext uri="{91240B29-F687-4f45-9708-019B960494DF}">
-                <a14:hiddenLine xmlns="" xmlns:a14="http://schemas.microsoft.com/office/drawing/2010/main" w="9525">
+                <a14:hiddenLine xmlns:a14="http://schemas.microsoft.com/office/drawing/2010/main" xmlns="" w="9525">
                   <a:solidFill>
                     <a:srgbClr val="000000"/>
                   </a:solidFill>
@@ -3518,7 +3519,7 @@
             </a:ln>
             <a:extLst>
               <a:ext uri="{91240B29-F687-4f45-9708-019B960494DF}">
-                <a14:hiddenLine xmlns="" xmlns:a14="http://schemas.microsoft.com/office/drawing/2010/main" w="9525">
+                <a14:hiddenLine xmlns:a14="http://schemas.microsoft.com/office/drawing/2010/main" xmlns="" w="9525">
                   <a:solidFill>
                     <a:srgbClr val="000000"/>
                   </a:solidFill>
@@ -3608,7 +3609,7 @@
             </a:ln>
             <a:extLst>
               <a:ext uri="{91240B29-F687-4f45-9708-019B960494DF}">
-                <a14:hiddenLine xmlns="" xmlns:a14="http://schemas.microsoft.com/office/drawing/2010/main" w="9525">
+                <a14:hiddenLine xmlns:a14="http://schemas.microsoft.com/office/drawing/2010/main" xmlns="" w="9525">
                   <a:solidFill>
                     <a:srgbClr val="000000"/>
                   </a:solidFill>
@@ -3673,7 +3674,7 @@
             </a:ln>
             <a:extLst>
               <a:ext uri="{91240B29-F687-4f45-9708-019B960494DF}">
-                <a14:hiddenLine xmlns="" xmlns:a14="http://schemas.microsoft.com/office/drawing/2010/main" w="9525">
+                <a14:hiddenLine xmlns:a14="http://schemas.microsoft.com/office/drawing/2010/main" xmlns="" w="9525">
                   <a:solidFill>
                     <a:srgbClr val="000000"/>
                   </a:solidFill>
@@ -3735,7 +3736,7 @@
             </a:ln>
             <a:extLst>
               <a:ext uri="{91240B29-F687-4f45-9708-019B960494DF}">
-                <a14:hiddenLine xmlns="" xmlns:a14="http://schemas.microsoft.com/office/drawing/2010/main" w="9525">
+                <a14:hiddenLine xmlns:a14="http://schemas.microsoft.com/office/drawing/2010/main" xmlns="" w="9525">
                   <a:solidFill>
                     <a:srgbClr val="000000"/>
                   </a:solidFill>
@@ -3825,7 +3826,7 @@
             </a:ln>
             <a:extLst>
               <a:ext uri="{91240B29-F687-4f45-9708-019B960494DF}">
-                <a14:hiddenLine xmlns="" xmlns:a14="http://schemas.microsoft.com/office/drawing/2010/main" w="9525">
+                <a14:hiddenLine xmlns:a14="http://schemas.microsoft.com/office/drawing/2010/main" xmlns="" w="9525">
                   <a:solidFill>
                     <a:srgbClr val="000000"/>
                   </a:solidFill>
@@ -3915,7 +3916,7 @@
             </a:ln>
             <a:extLst>
               <a:ext uri="{91240B29-F687-4f45-9708-019B960494DF}">
-                <a14:hiddenLine xmlns="" xmlns:a14="http://schemas.microsoft.com/office/drawing/2010/main" w="9525">
+                <a14:hiddenLine xmlns:a14="http://schemas.microsoft.com/office/drawing/2010/main" xmlns="" w="9525">
                   <a:solidFill>
                     <a:srgbClr val="000000"/>
                   </a:solidFill>
@@ -3977,7 +3978,7 @@
             </a:ln>
             <a:extLst>
               <a:ext uri="{91240B29-F687-4f45-9708-019B960494DF}">
-                <a14:hiddenLine xmlns="" xmlns:a14="http://schemas.microsoft.com/office/drawing/2010/main" w="9525">
+                <a14:hiddenLine xmlns:a14="http://schemas.microsoft.com/office/drawing/2010/main" xmlns="" w="9525">
                   <a:solidFill>
                     <a:srgbClr val="000000"/>
                   </a:solidFill>
@@ -4097,7 +4098,7 @@
             </a:ln>
             <a:extLst>
               <a:ext uri="{91240B29-F687-4f45-9708-019B960494DF}">
-                <a14:hiddenLine xmlns="" xmlns:a14="http://schemas.microsoft.com/office/drawing/2010/main" w="9525">
+                <a14:hiddenLine xmlns:a14="http://schemas.microsoft.com/office/drawing/2010/main" xmlns="" w="9525">
                   <a:solidFill>
                     <a:srgbClr val="000000"/>
                   </a:solidFill>
@@ -4165,7 +4166,7 @@
             </a:ln>
             <a:extLst>
               <a:ext uri="{91240B29-F687-4f45-9708-019B960494DF}">
-                <a14:hiddenLine xmlns="" xmlns:a14="http://schemas.microsoft.com/office/drawing/2010/main" w="9525">
+                <a14:hiddenLine xmlns:a14="http://schemas.microsoft.com/office/drawing/2010/main" xmlns="" w="9525">
                   <a:solidFill>
                     <a:srgbClr val="000000"/>
                   </a:solidFill>
@@ -4255,7 +4256,7 @@
             </a:ln>
             <a:extLst>
               <a:ext uri="{91240B29-F687-4f45-9708-019B960494DF}">
-                <a14:hiddenLine xmlns="" xmlns:a14="http://schemas.microsoft.com/office/drawing/2010/main" w="9525">
+                <a14:hiddenLine xmlns:a14="http://schemas.microsoft.com/office/drawing/2010/main" xmlns="" w="9525">
                   <a:solidFill>
                     <a:srgbClr val="000000"/>
                   </a:solidFill>
@@ -4395,7 +4396,7 @@
           <a:p>
             <a:fld id="{72C3057E-6F7F-48D3-BE23-2D60489F3EB6}" type="datetimeFigureOut">
               <a:rPr lang="en-GB" smtClean="0"/>
-              <a:t>06/12/2019</a:t>
+              <a:t>09/12/2019</a:t>
             </a:fld>
             <a:endParaRPr lang="en-GB"/>
           </a:p>
@@ -4662,7 +4663,7 @@
           <a:p>
             <a:fld id="{72C3057E-6F7F-48D3-BE23-2D60489F3EB6}" type="datetimeFigureOut">
               <a:rPr lang="en-GB" smtClean="0"/>
-              <a:t>06/12/2019</a:t>
+              <a:t>09/12/2019</a:t>
             </a:fld>
             <a:endParaRPr lang="en-GB"/>
           </a:p>
@@ -4858,7 +4859,7 @@
           <a:p>
             <a:fld id="{72C3057E-6F7F-48D3-BE23-2D60489F3EB6}" type="datetimeFigureOut">
               <a:rPr lang="en-GB" smtClean="0"/>
-              <a:t>06/12/2019</a:t>
+              <a:t>09/12/2019</a:t>
             </a:fld>
             <a:endParaRPr lang="en-GB"/>
           </a:p>
@@ -5121,7 +5122,7 @@
           <a:p>
             <a:fld id="{72C3057E-6F7F-48D3-BE23-2D60489F3EB6}" type="datetimeFigureOut">
               <a:rPr lang="en-GB" smtClean="0"/>
-              <a:t>06/12/2019</a:t>
+              <a:t>09/12/2019</a:t>
             </a:fld>
             <a:endParaRPr lang="en-GB"/>
           </a:p>
@@ -5555,7 +5556,7 @@
           <a:p>
             <a:fld id="{72C3057E-6F7F-48D3-BE23-2D60489F3EB6}" type="datetimeFigureOut">
               <a:rPr lang="en-GB" smtClean="0"/>
-              <a:t>06/12/2019</a:t>
+              <a:t>09/12/2019</a:t>
             </a:fld>
             <a:endParaRPr lang="en-GB"/>
           </a:p>
@@ -6101,7 +6102,7 @@
           <a:p>
             <a:fld id="{72C3057E-6F7F-48D3-BE23-2D60489F3EB6}" type="datetimeFigureOut">
               <a:rPr lang="en-GB" smtClean="0"/>
-              <a:t>06/12/2019</a:t>
+              <a:t>09/12/2019</a:t>
             </a:fld>
             <a:endParaRPr lang="en-GB"/>
           </a:p>
@@ -6821,7 +6822,7 @@
           <a:p>
             <a:fld id="{72C3057E-6F7F-48D3-BE23-2D60489F3EB6}" type="datetimeFigureOut">
               <a:rPr lang="en-GB" smtClean="0"/>
-              <a:t>06/12/2019</a:t>
+              <a:t>09/12/2019</a:t>
             </a:fld>
             <a:endParaRPr lang="en-GB"/>
           </a:p>
@@ -6991,7 +6992,7 @@
           <a:p>
             <a:fld id="{72C3057E-6F7F-48D3-BE23-2D60489F3EB6}" type="datetimeFigureOut">
               <a:rPr lang="en-GB" smtClean="0"/>
-              <a:t>06/12/2019</a:t>
+              <a:t>09/12/2019</a:t>
             </a:fld>
             <a:endParaRPr lang="en-GB"/>
           </a:p>
@@ -7171,7 +7172,7 @@
           <a:p>
             <a:fld id="{72C3057E-6F7F-48D3-BE23-2D60489F3EB6}" type="datetimeFigureOut">
               <a:rPr lang="en-GB" smtClean="0"/>
-              <a:t>06/12/2019</a:t>
+              <a:t>09/12/2019</a:t>
             </a:fld>
             <a:endParaRPr lang="en-GB"/>
           </a:p>
@@ -7341,7 +7342,7 @@
           <a:p>
             <a:fld id="{72C3057E-6F7F-48D3-BE23-2D60489F3EB6}" type="datetimeFigureOut">
               <a:rPr lang="en-GB" smtClean="0"/>
-              <a:t>06/12/2019</a:t>
+              <a:t>09/12/2019</a:t>
             </a:fld>
             <a:endParaRPr lang="en-GB"/>
           </a:p>
@@ -7591,7 +7592,7 @@
           <a:p>
             <a:fld id="{72C3057E-6F7F-48D3-BE23-2D60489F3EB6}" type="datetimeFigureOut">
               <a:rPr lang="en-GB" smtClean="0"/>
-              <a:t>06/12/2019</a:t>
+              <a:t>09/12/2019</a:t>
             </a:fld>
             <a:endParaRPr lang="en-GB"/>
           </a:p>
@@ -7823,7 +7824,7 @@
           <a:p>
             <a:fld id="{72C3057E-6F7F-48D3-BE23-2D60489F3EB6}" type="datetimeFigureOut">
               <a:rPr lang="en-GB" smtClean="0"/>
-              <a:t>06/12/2019</a:t>
+              <a:t>09/12/2019</a:t>
             </a:fld>
             <a:endParaRPr lang="en-GB"/>
           </a:p>
@@ -8204,7 +8205,7 @@
           <a:p>
             <a:fld id="{72C3057E-6F7F-48D3-BE23-2D60489F3EB6}" type="datetimeFigureOut">
               <a:rPr lang="en-GB" smtClean="0"/>
-              <a:t>06/12/2019</a:t>
+              <a:t>09/12/2019</a:t>
             </a:fld>
             <a:endParaRPr lang="en-GB"/>
           </a:p>
@@ -8322,7 +8323,7 @@
           <a:p>
             <a:fld id="{72C3057E-6F7F-48D3-BE23-2D60489F3EB6}" type="datetimeFigureOut">
               <a:rPr lang="en-GB" smtClean="0"/>
-              <a:t>06/12/2019</a:t>
+              <a:t>09/12/2019</a:t>
             </a:fld>
             <a:endParaRPr lang="en-GB"/>
           </a:p>
@@ -8417,7 +8418,7 @@
           <a:p>
             <a:fld id="{72C3057E-6F7F-48D3-BE23-2D60489F3EB6}" type="datetimeFigureOut">
               <a:rPr lang="en-GB" smtClean="0"/>
-              <a:t>06/12/2019</a:t>
+              <a:t>09/12/2019</a:t>
             </a:fld>
             <a:endParaRPr lang="en-GB"/>
           </a:p>
@@ -8666,7 +8667,7 @@
           <a:p>
             <a:fld id="{72C3057E-6F7F-48D3-BE23-2D60489F3EB6}" type="datetimeFigureOut">
               <a:rPr lang="en-GB" smtClean="0"/>
-              <a:t>06/12/2019</a:t>
+              <a:t>09/12/2019</a:t>
             </a:fld>
             <a:endParaRPr lang="en-GB"/>
           </a:p>
@@ -8946,7 +8947,7 @@
           <a:p>
             <a:fld id="{72C3057E-6F7F-48D3-BE23-2D60489F3EB6}" type="datetimeFigureOut">
               <a:rPr lang="en-GB" smtClean="0"/>
-              <a:t>06/12/2019</a:t>
+              <a:t>09/12/2019</a:t>
             </a:fld>
             <a:endParaRPr lang="en-GB"/>
           </a:p>
@@ -9062,7 +9063,7 @@
           <a:noFill/>
           <a:extLst>
             <a:ext uri="{909E8E84-426E-40dd-AFC4-6F175D3DCCD1}">
-              <a14:hiddenFill xmlns="" xmlns:a14="http://schemas.microsoft.com/office/drawing/2010/main">
+              <a14:hiddenFill xmlns:a14="http://schemas.microsoft.com/office/drawing/2010/main" xmlns="">
                 <a:solidFill>
                   <a:srgbClr val="FFFFFF"/>
                 </a:solidFill>
@@ -9136,7 +9137,7 @@
               </a:ln>
               <a:extLst>
                 <a:ext uri="{91240B29-F687-4f45-9708-019B960494DF}">
-                  <a14:hiddenLine xmlns="" xmlns:a14="http://schemas.microsoft.com/office/drawing/2010/main" w="9525">
+                  <a14:hiddenLine xmlns:a14="http://schemas.microsoft.com/office/drawing/2010/main" xmlns="" w="9525">
                     <a:solidFill>
                       <a:srgbClr val="000000"/>
                     </a:solidFill>
@@ -9226,7 +9227,7 @@
               </a:ln>
               <a:extLst>
                 <a:ext uri="{91240B29-F687-4f45-9708-019B960494DF}">
-                  <a14:hiddenLine xmlns="" xmlns:a14="http://schemas.microsoft.com/office/drawing/2010/main" w="9525">
+                  <a14:hiddenLine xmlns:a14="http://schemas.microsoft.com/office/drawing/2010/main" xmlns="" w="9525">
                     <a:solidFill>
                       <a:srgbClr val="000000"/>
                     </a:solidFill>
@@ -9316,7 +9317,7 @@
               </a:ln>
               <a:extLst>
                 <a:ext uri="{91240B29-F687-4f45-9708-019B960494DF}">
-                  <a14:hiddenLine xmlns="" xmlns:a14="http://schemas.microsoft.com/office/drawing/2010/main" w="9525">
+                  <a14:hiddenLine xmlns:a14="http://schemas.microsoft.com/office/drawing/2010/main" xmlns="" w="9525">
                     <a:solidFill>
                       <a:srgbClr val="000000"/>
                     </a:solidFill>
@@ -9378,7 +9379,7 @@
               </a:ln>
               <a:extLst>
                 <a:ext uri="{91240B29-F687-4f45-9708-019B960494DF}">
-                  <a14:hiddenLine xmlns="" xmlns:a14="http://schemas.microsoft.com/office/drawing/2010/main" w="9525">
+                  <a14:hiddenLine xmlns:a14="http://schemas.microsoft.com/office/drawing/2010/main" xmlns="" w="9525">
                     <a:solidFill>
                       <a:srgbClr val="000000"/>
                     </a:solidFill>
@@ -9468,7 +9469,7 @@
               </a:ln>
               <a:extLst>
                 <a:ext uri="{91240B29-F687-4f45-9708-019B960494DF}">
-                  <a14:hiddenLine xmlns="" xmlns:a14="http://schemas.microsoft.com/office/drawing/2010/main" w="9525">
+                  <a14:hiddenLine xmlns:a14="http://schemas.microsoft.com/office/drawing/2010/main" xmlns="" w="9525">
                     <a:solidFill>
                       <a:srgbClr val="000000"/>
                     </a:solidFill>
@@ -9530,7 +9531,7 @@
               </a:ln>
               <a:extLst>
                 <a:ext uri="{91240B29-F687-4f45-9708-019B960494DF}">
-                  <a14:hiddenLine xmlns="" xmlns:a14="http://schemas.microsoft.com/office/drawing/2010/main" w="9525">
+                  <a14:hiddenLine xmlns:a14="http://schemas.microsoft.com/office/drawing/2010/main" xmlns="" w="9525">
                     <a:solidFill>
                       <a:srgbClr val="000000"/>
                     </a:solidFill>
@@ -9592,7 +9593,7 @@
               </a:ln>
               <a:extLst>
                 <a:ext uri="{91240B29-F687-4f45-9708-019B960494DF}">
-                  <a14:hiddenLine xmlns="" xmlns:a14="http://schemas.microsoft.com/office/drawing/2010/main" w="9525">
+                  <a14:hiddenLine xmlns:a14="http://schemas.microsoft.com/office/drawing/2010/main" xmlns="" w="9525">
                     <a:solidFill>
                       <a:srgbClr val="000000"/>
                     </a:solidFill>
@@ -9682,7 +9683,7 @@
               </a:ln>
               <a:extLst>
                 <a:ext uri="{91240B29-F687-4f45-9708-019B960494DF}">
-                  <a14:hiddenLine xmlns="" xmlns:a14="http://schemas.microsoft.com/office/drawing/2010/main" w="9525">
+                  <a14:hiddenLine xmlns:a14="http://schemas.microsoft.com/office/drawing/2010/main" xmlns="" w="9525">
                     <a:solidFill>
                       <a:srgbClr val="000000"/>
                     </a:solidFill>
@@ -9772,7 +9773,7 @@
               </a:ln>
               <a:extLst>
                 <a:ext uri="{91240B29-F687-4f45-9708-019B960494DF}">
-                  <a14:hiddenLine xmlns="" xmlns:a14="http://schemas.microsoft.com/office/drawing/2010/main" w="9525">
+                  <a14:hiddenLine xmlns:a14="http://schemas.microsoft.com/office/drawing/2010/main" xmlns="" w="9525">
                     <a:solidFill>
                       <a:srgbClr val="000000"/>
                     </a:solidFill>
@@ -9834,7 +9835,7 @@
               </a:ln>
               <a:extLst>
                 <a:ext uri="{91240B29-F687-4f45-9708-019B960494DF}">
-                  <a14:hiddenLine xmlns="" xmlns:a14="http://schemas.microsoft.com/office/drawing/2010/main" w="9525">
+                  <a14:hiddenLine xmlns:a14="http://schemas.microsoft.com/office/drawing/2010/main" xmlns="" w="9525">
                     <a:solidFill>
                       <a:srgbClr val="000000"/>
                     </a:solidFill>
@@ -9944,7 +9945,7 @@
               </a:ln>
               <a:extLst>
                 <a:ext uri="{91240B29-F687-4f45-9708-019B960494DF}">
-                  <a14:hiddenLine xmlns="" xmlns:a14="http://schemas.microsoft.com/office/drawing/2010/main" w="9525">
+                  <a14:hiddenLine xmlns:a14="http://schemas.microsoft.com/office/drawing/2010/main" xmlns="" w="9525">
                     <a:solidFill>
                       <a:srgbClr val="000000"/>
                     </a:solidFill>
@@ -10028,7 +10029,7 @@
               </a:ln>
               <a:extLst>
                 <a:ext uri="{91240B29-F687-4f45-9708-019B960494DF}">
-                  <a14:hiddenLine xmlns="" xmlns:a14="http://schemas.microsoft.com/office/drawing/2010/main" w="9525">
+                  <a14:hiddenLine xmlns:a14="http://schemas.microsoft.com/office/drawing/2010/main" xmlns="" w="9525">
                     <a:solidFill>
                       <a:srgbClr val="000000"/>
                     </a:solidFill>
@@ -10090,7 +10091,7 @@
               </a:ln>
               <a:extLst>
                 <a:ext uri="{91240B29-F687-4f45-9708-019B960494DF}">
-                  <a14:hiddenLine xmlns="" xmlns:a14="http://schemas.microsoft.com/office/drawing/2010/main" w="9525">
+                  <a14:hiddenLine xmlns:a14="http://schemas.microsoft.com/office/drawing/2010/main" xmlns="" w="9525">
                     <a:solidFill>
                       <a:srgbClr val="000000"/>
                     </a:solidFill>
@@ -10152,7 +10153,7 @@
               </a:ln>
               <a:extLst>
                 <a:ext uri="{91240B29-F687-4f45-9708-019B960494DF}">
-                  <a14:hiddenLine xmlns="" xmlns:a14="http://schemas.microsoft.com/office/drawing/2010/main" w="9525">
+                  <a14:hiddenLine xmlns:a14="http://schemas.microsoft.com/office/drawing/2010/main" xmlns="" w="9525">
                     <a:solidFill>
                       <a:srgbClr val="000000"/>
                     </a:solidFill>
@@ -10242,7 +10243,7 @@
               </a:ln>
               <a:extLst>
                 <a:ext uri="{91240B29-F687-4f45-9708-019B960494DF}">
-                  <a14:hiddenLine xmlns="" xmlns:a14="http://schemas.microsoft.com/office/drawing/2010/main" w="9525">
+                  <a14:hiddenLine xmlns:a14="http://schemas.microsoft.com/office/drawing/2010/main" xmlns="" w="9525">
                     <a:solidFill>
                       <a:srgbClr val="000000"/>
                     </a:solidFill>
@@ -10276,7 +10277,7 @@
               </a:ln>
               <a:extLst>
                 <a:ext uri="{91240B29-F687-4f45-9708-019B960494DF}">
-                  <a14:hiddenLine xmlns="" xmlns:a14="http://schemas.microsoft.com/office/drawing/2010/main" w="9525">
+                  <a14:hiddenLine xmlns:a14="http://schemas.microsoft.com/office/drawing/2010/main" xmlns="" w="9525">
                     <a:solidFill>
                       <a:srgbClr val="000000"/>
                     </a:solidFill>
@@ -10341,7 +10342,7 @@
               </a:ln>
               <a:extLst>
                 <a:ext uri="{91240B29-F687-4f45-9708-019B960494DF}">
-                  <a14:hiddenLine xmlns="" xmlns:a14="http://schemas.microsoft.com/office/drawing/2010/main" w="9525">
+                  <a14:hiddenLine xmlns:a14="http://schemas.microsoft.com/office/drawing/2010/main" xmlns="" w="9525">
                     <a:solidFill>
                       <a:srgbClr val="000000"/>
                     </a:solidFill>
@@ -10431,7 +10432,7 @@
               </a:ln>
               <a:extLst>
                 <a:ext uri="{91240B29-F687-4f45-9708-019B960494DF}">
-                  <a14:hiddenLine xmlns="" xmlns:a14="http://schemas.microsoft.com/office/drawing/2010/main" w="9525">
+                  <a14:hiddenLine xmlns:a14="http://schemas.microsoft.com/office/drawing/2010/main" xmlns="" w="9525">
                     <a:solidFill>
                       <a:srgbClr val="000000"/>
                     </a:solidFill>
@@ -10493,7 +10494,7 @@
               </a:ln>
               <a:extLst>
                 <a:ext uri="{91240B29-F687-4f45-9708-019B960494DF}">
-                  <a14:hiddenLine xmlns="" xmlns:a14="http://schemas.microsoft.com/office/drawing/2010/main" w="9525">
+                  <a14:hiddenLine xmlns:a14="http://schemas.microsoft.com/office/drawing/2010/main" xmlns="" w="9525">
                     <a:solidFill>
                       <a:srgbClr val="000000"/>
                     </a:solidFill>
@@ -10583,7 +10584,7 @@
               </a:ln>
               <a:extLst>
                 <a:ext uri="{91240B29-F687-4f45-9708-019B960494DF}">
-                  <a14:hiddenLine xmlns="" xmlns:a14="http://schemas.microsoft.com/office/drawing/2010/main" w="9525">
+                  <a14:hiddenLine xmlns:a14="http://schemas.microsoft.com/office/drawing/2010/main" xmlns="" w="9525">
                     <a:solidFill>
                       <a:srgbClr val="000000"/>
                     </a:solidFill>
@@ -10648,7 +10649,7 @@
               </a:ln>
               <a:extLst>
                 <a:ext uri="{91240B29-F687-4f45-9708-019B960494DF}">
-                  <a14:hiddenLine xmlns="" xmlns:a14="http://schemas.microsoft.com/office/drawing/2010/main" w="9525">
+                  <a14:hiddenLine xmlns:a14="http://schemas.microsoft.com/office/drawing/2010/main" xmlns="" w="9525">
                     <a:solidFill>
                       <a:srgbClr val="000000"/>
                     </a:solidFill>
@@ -10710,7 +10711,7 @@
               </a:ln>
               <a:extLst>
                 <a:ext uri="{91240B29-F687-4f45-9708-019B960494DF}">
-                  <a14:hiddenLine xmlns="" xmlns:a14="http://schemas.microsoft.com/office/drawing/2010/main" w="9525">
+                  <a14:hiddenLine xmlns:a14="http://schemas.microsoft.com/office/drawing/2010/main" xmlns="" w="9525">
                     <a:solidFill>
                       <a:srgbClr val="000000"/>
                     </a:solidFill>
@@ -10800,7 +10801,7 @@
               </a:ln>
               <a:extLst>
                 <a:ext uri="{91240B29-F687-4f45-9708-019B960494DF}">
-                  <a14:hiddenLine xmlns="" xmlns:a14="http://schemas.microsoft.com/office/drawing/2010/main" w="9525">
+                  <a14:hiddenLine xmlns:a14="http://schemas.microsoft.com/office/drawing/2010/main" xmlns="" w="9525">
                     <a:solidFill>
                       <a:srgbClr val="000000"/>
                     </a:solidFill>
@@ -10890,7 +10891,7 @@
               </a:ln>
               <a:extLst>
                 <a:ext uri="{91240B29-F687-4f45-9708-019B960494DF}">
-                  <a14:hiddenLine xmlns="" xmlns:a14="http://schemas.microsoft.com/office/drawing/2010/main" w="9525">
+                  <a14:hiddenLine xmlns:a14="http://schemas.microsoft.com/office/drawing/2010/main" xmlns="" w="9525">
                     <a:solidFill>
                       <a:srgbClr val="000000"/>
                     </a:solidFill>
@@ -10955,7 +10956,7 @@
               </a:ln>
               <a:extLst>
                 <a:ext uri="{91240B29-F687-4f45-9708-019B960494DF}">
-                  <a14:hiddenLine xmlns="" xmlns:a14="http://schemas.microsoft.com/office/drawing/2010/main" w="9525">
+                  <a14:hiddenLine xmlns:a14="http://schemas.microsoft.com/office/drawing/2010/main" xmlns="" w="9525">
                     <a:solidFill>
                       <a:srgbClr val="000000"/>
                     </a:solidFill>
@@ -11075,7 +11076,7 @@
               </a:ln>
               <a:extLst>
                 <a:ext uri="{91240B29-F687-4f45-9708-019B960494DF}">
-                  <a14:hiddenLine xmlns="" xmlns:a14="http://schemas.microsoft.com/office/drawing/2010/main" w="9525">
+                  <a14:hiddenLine xmlns:a14="http://schemas.microsoft.com/office/drawing/2010/main" xmlns="" w="9525">
                     <a:solidFill>
                       <a:srgbClr val="000000"/>
                     </a:solidFill>
@@ -11173,7 +11174,7 @@
               </a:ln>
               <a:extLst>
                 <a:ext uri="{91240B29-F687-4f45-9708-019B960494DF}">
-                  <a14:hiddenLine xmlns="" xmlns:a14="http://schemas.microsoft.com/office/drawing/2010/main" w="9525">
+                  <a14:hiddenLine xmlns:a14="http://schemas.microsoft.com/office/drawing/2010/main" xmlns="" w="9525">
                     <a:solidFill>
                       <a:srgbClr val="000000"/>
                     </a:solidFill>
@@ -11288,7 +11289,7 @@
               </a:ln>
               <a:extLst>
                 <a:ext uri="{91240B29-F687-4f45-9708-019B960494DF}">
-                  <a14:hiddenLine xmlns="" xmlns:a14="http://schemas.microsoft.com/office/drawing/2010/main" w="9525">
+                  <a14:hiddenLine xmlns:a14="http://schemas.microsoft.com/office/drawing/2010/main" xmlns="" w="9525">
                     <a:solidFill>
                       <a:srgbClr val="000000"/>
                     </a:solidFill>
@@ -11378,7 +11379,7 @@
               </a:ln>
               <a:extLst>
                 <a:ext uri="{91240B29-F687-4f45-9708-019B960494DF}">
-                  <a14:hiddenLine xmlns="" xmlns:a14="http://schemas.microsoft.com/office/drawing/2010/main" w="9525">
+                  <a14:hiddenLine xmlns:a14="http://schemas.microsoft.com/office/drawing/2010/main" xmlns="" w="9525">
                     <a:solidFill>
                       <a:srgbClr val="000000"/>
                     </a:solidFill>
@@ -11443,7 +11444,7 @@
               </a:ln>
               <a:extLst>
                 <a:ext uri="{91240B29-F687-4f45-9708-019B960494DF}">
-                  <a14:hiddenLine xmlns="" xmlns:a14="http://schemas.microsoft.com/office/drawing/2010/main" w="9525">
+                  <a14:hiddenLine xmlns:a14="http://schemas.microsoft.com/office/drawing/2010/main" xmlns="" w="9525">
                     <a:solidFill>
                       <a:srgbClr val="000000"/>
                     </a:solidFill>
@@ -11533,7 +11534,7 @@
               </a:ln>
               <a:extLst>
                 <a:ext uri="{91240B29-F687-4f45-9708-019B960494DF}">
-                  <a14:hiddenLine xmlns="" xmlns:a14="http://schemas.microsoft.com/office/drawing/2010/main" w="9525">
+                  <a14:hiddenLine xmlns:a14="http://schemas.microsoft.com/office/drawing/2010/main" xmlns="" w="9525">
                     <a:solidFill>
                       <a:srgbClr val="000000"/>
                     </a:solidFill>
@@ -11601,7 +11602,7 @@
               </a:ln>
               <a:extLst>
                 <a:ext uri="{91240B29-F687-4f45-9708-019B960494DF}">
-                  <a14:hiddenLine xmlns="" xmlns:a14="http://schemas.microsoft.com/office/drawing/2010/main" w="9525">
+                  <a14:hiddenLine xmlns:a14="http://schemas.microsoft.com/office/drawing/2010/main" xmlns="" w="9525">
                     <a:solidFill>
                       <a:srgbClr val="000000"/>
                     </a:solidFill>
@@ -11691,7 +11692,7 @@
               </a:ln>
               <a:extLst>
                 <a:ext uri="{91240B29-F687-4f45-9708-019B960494DF}">
-                  <a14:hiddenLine xmlns="" xmlns:a14="http://schemas.microsoft.com/office/drawing/2010/main" w="9525">
+                  <a14:hiddenLine xmlns:a14="http://schemas.microsoft.com/office/drawing/2010/main" xmlns="" w="9525">
                     <a:solidFill>
                       <a:srgbClr val="000000"/>
                     </a:solidFill>
@@ -11759,7 +11760,7 @@
               </a:ln>
               <a:extLst>
                 <a:ext uri="{91240B29-F687-4f45-9708-019B960494DF}">
-                  <a14:hiddenLine xmlns="" xmlns:a14="http://schemas.microsoft.com/office/drawing/2010/main" w="9525">
+                  <a14:hiddenLine xmlns:a14="http://schemas.microsoft.com/office/drawing/2010/main" xmlns="" w="9525">
                     <a:solidFill>
                       <a:srgbClr val="000000"/>
                     </a:solidFill>
@@ -11849,7 +11850,7 @@
               </a:ln>
               <a:extLst>
                 <a:ext uri="{91240B29-F687-4f45-9708-019B960494DF}">
-                  <a14:hiddenLine xmlns="" xmlns:a14="http://schemas.microsoft.com/office/drawing/2010/main" w="9525">
+                  <a14:hiddenLine xmlns:a14="http://schemas.microsoft.com/office/drawing/2010/main" xmlns="" w="9525">
                     <a:solidFill>
                       <a:srgbClr val="000000"/>
                     </a:solidFill>
@@ -11883,7 +11884,7 @@
               </a:ln>
               <a:extLst>
                 <a:ext uri="{91240B29-F687-4f45-9708-019B960494DF}">
-                  <a14:hiddenLine xmlns="" xmlns:a14="http://schemas.microsoft.com/office/drawing/2010/main" w="9525">
+                  <a14:hiddenLine xmlns:a14="http://schemas.microsoft.com/office/drawing/2010/main" xmlns="" w="9525">
                     <a:solidFill>
                       <a:srgbClr val="000000"/>
                     </a:solidFill>
@@ -12023,7 +12024,7 @@
           <a:p>
             <a:fld id="{72C3057E-6F7F-48D3-BE23-2D60489F3EB6}" type="datetimeFigureOut">
               <a:rPr lang="en-GB" smtClean="0"/>
-              <a:t>06/12/2019</a:t>
+              <a:t>09/12/2019</a:t>
             </a:fld>
             <a:endParaRPr lang="en-GB"/>
           </a:p>
@@ -12492,18 +12493,7 @@
           <a:bodyPr/>
           <a:lstStyle/>
           <a:p>
-            <a:r>
-              <a:rPr lang="en-GB" dirty="0"/>
-              <a:t>Project overview, Huffman coding, </a:t>
-            </a:r>
-            <a:r>
-              <a:rPr lang="en-GB" dirty="0" err="1"/>
-              <a:t>golomb</a:t>
-            </a:r>
-            <a:r>
-              <a:rPr lang="en-GB" dirty="0"/>
-              <a:t> coding, initial difference and difference recursion, further work?</a:t>
-            </a:r>
+            <a:endParaRPr lang="en-GB" dirty="0"/>
           </a:p>
         </p:txBody>
       </p:sp>
@@ -12677,6 +12667,2518 @@
           <p:cNvPr id="2" name="Title 1">
             <a:extLst>
               <a:ext uri="{FF2B5EF4-FFF2-40B4-BE49-F238E27FC236}">
+                <a16:creationId xmlns:a16="http://schemas.microsoft.com/office/drawing/2014/main" id="{BD7E879C-77C8-4C4A-AE65-2849F0CA3F4B}"/>
+              </a:ext>
+            </a:extLst>
+          </p:cNvPr>
+          <p:cNvSpPr>
+            <a:spLocks noGrp="1"/>
+          </p:cNvSpPr>
+          <p:nvPr>
+            <p:ph type="title"/>
+          </p:nvPr>
+        </p:nvSpPr>
+        <p:spPr>
+          <a:xfrm>
+            <a:off x="1141413" y="385268"/>
+            <a:ext cx="9905998" cy="1478570"/>
+          </a:xfrm>
+        </p:spPr>
+        <p:txBody>
+          <a:bodyPr/>
+          <a:lstStyle/>
+          <a:p>
+            <a:r>
+              <a:rPr lang="en-GB" dirty="0"/>
+              <a:t>Difference encoding</a:t>
+            </a:r>
+          </a:p>
+        </p:txBody>
+      </p:sp>
+      <p:sp>
+        <p:nvSpPr>
+          <p:cNvPr id="3" name="Content Placeholder 2">
+            <a:extLst>
+              <a:ext uri="{FF2B5EF4-FFF2-40B4-BE49-F238E27FC236}">
+                <a16:creationId xmlns:a16="http://schemas.microsoft.com/office/drawing/2014/main" id="{D10499DC-6494-452D-BDEA-915B56DAAF47}"/>
+              </a:ext>
+            </a:extLst>
+          </p:cNvPr>
+          <p:cNvSpPr>
+            <a:spLocks noGrp="1"/>
+          </p:cNvSpPr>
+          <p:nvPr>
+            <p:ph idx="1"/>
+          </p:nvPr>
+        </p:nvSpPr>
+        <p:spPr/>
+        <p:txBody>
+          <a:bodyPr/>
+          <a:lstStyle/>
+          <a:p>
+            <a:endParaRPr lang="en-GB"/>
+          </a:p>
+        </p:txBody>
+      </p:sp>
+      <p:sp>
+        <p:nvSpPr>
+          <p:cNvPr id="19" name="Rectangle 18">
+            <a:extLst>
+              <a:ext uri="{FF2B5EF4-FFF2-40B4-BE49-F238E27FC236}">
+                <a16:creationId xmlns:a16="http://schemas.microsoft.com/office/drawing/2014/main" id="{71C2E5DE-0B5A-41A9-82E4-A88A0AA01B57}"/>
+              </a:ext>
+            </a:extLst>
+          </p:cNvPr>
+          <p:cNvSpPr/>
+          <p:nvPr/>
+        </p:nvSpPr>
+        <p:spPr>
+          <a:xfrm>
+            <a:off x="1264297" y="1819469"/>
+            <a:ext cx="2617237" cy="430018"/>
+          </a:xfrm>
+          <a:prstGeom prst="rect">
+            <a:avLst/>
+          </a:prstGeom>
+        </p:spPr>
+        <p:style>
+          <a:lnRef idx="2">
+            <a:schemeClr val="accent1">
+              <a:shade val="50000"/>
+            </a:schemeClr>
+          </a:lnRef>
+          <a:fillRef idx="1">
+            <a:schemeClr val="accent1"/>
+          </a:fillRef>
+          <a:effectRef idx="0">
+            <a:schemeClr val="accent1"/>
+          </a:effectRef>
+          <a:fontRef idx="minor">
+            <a:schemeClr val="lt1"/>
+          </a:fontRef>
+        </p:style>
+        <p:txBody>
+          <a:bodyPr rtlCol="0" anchor="ctr"/>
+          <a:lstStyle/>
+          <a:p>
+            <a:pPr algn="ctr"/>
+            <a:r>
+              <a:rPr lang="en-GB" dirty="0"/>
+              <a:t>Initial Value Difference</a:t>
+            </a:r>
+          </a:p>
+        </p:txBody>
+      </p:sp>
+      <p:sp>
+        <p:nvSpPr>
+          <p:cNvPr id="21" name="Rectangle 20">
+            <a:extLst>
+              <a:ext uri="{FF2B5EF4-FFF2-40B4-BE49-F238E27FC236}">
+                <a16:creationId xmlns:a16="http://schemas.microsoft.com/office/drawing/2014/main" id="{99A7AC0A-B3D0-4185-9913-415C03D46CFD}"/>
+              </a:ext>
+            </a:extLst>
+          </p:cNvPr>
+          <p:cNvSpPr/>
+          <p:nvPr/>
+        </p:nvSpPr>
+        <p:spPr>
+          <a:xfrm>
+            <a:off x="6949750" y="1851379"/>
+            <a:ext cx="2617237" cy="430018"/>
+          </a:xfrm>
+          <a:prstGeom prst="rect">
+            <a:avLst/>
+          </a:prstGeom>
+        </p:spPr>
+        <p:style>
+          <a:lnRef idx="2">
+            <a:schemeClr val="accent1">
+              <a:shade val="50000"/>
+            </a:schemeClr>
+          </a:lnRef>
+          <a:fillRef idx="1">
+            <a:schemeClr val="accent1"/>
+          </a:fillRef>
+          <a:effectRef idx="0">
+            <a:schemeClr val="accent1"/>
+          </a:effectRef>
+          <a:fontRef idx="minor">
+            <a:schemeClr val="lt1"/>
+          </a:fontRef>
+        </p:style>
+        <p:txBody>
+          <a:bodyPr rtlCol="0" anchor="ctr"/>
+          <a:lstStyle/>
+          <a:p>
+            <a:pPr algn="ctr"/>
+            <a:r>
+              <a:rPr lang="en-GB" dirty="0"/>
+              <a:t>Previous Value Difference</a:t>
+            </a:r>
+          </a:p>
+        </p:txBody>
+      </p:sp>
+      <p:sp>
+        <p:nvSpPr>
+          <p:cNvPr id="22" name="Rectangle 21">
+            <a:extLst>
+              <a:ext uri="{FF2B5EF4-FFF2-40B4-BE49-F238E27FC236}">
+                <a16:creationId xmlns:a16="http://schemas.microsoft.com/office/drawing/2014/main" id="{E3F54A71-1AEF-4A25-98E2-994F0C1FD4B8}"/>
+              </a:ext>
+            </a:extLst>
+          </p:cNvPr>
+          <p:cNvSpPr/>
+          <p:nvPr/>
+        </p:nvSpPr>
+        <p:spPr>
+          <a:xfrm>
+            <a:off x="578163" y="2912701"/>
+            <a:ext cx="933538" cy="368795"/>
+          </a:xfrm>
+          <a:prstGeom prst="rect">
+            <a:avLst/>
+          </a:prstGeom>
+        </p:spPr>
+        <p:style>
+          <a:lnRef idx="2">
+            <a:schemeClr val="accent1">
+              <a:shade val="50000"/>
+            </a:schemeClr>
+          </a:lnRef>
+          <a:fillRef idx="1">
+            <a:schemeClr val="accent1"/>
+          </a:fillRef>
+          <a:effectRef idx="0">
+            <a:schemeClr val="accent1"/>
+          </a:effectRef>
+          <a:fontRef idx="minor">
+            <a:schemeClr val="lt1"/>
+          </a:fontRef>
+        </p:style>
+        <p:txBody>
+          <a:bodyPr rtlCol="0" anchor="ctr"/>
+          <a:lstStyle/>
+          <a:p>
+            <a:pPr algn="ctr"/>
+            <a:r>
+              <a:rPr lang="en-GB" dirty="0"/>
+              <a:t>1200</a:t>
+            </a:r>
+          </a:p>
+        </p:txBody>
+      </p:sp>
+      <p:sp>
+        <p:nvSpPr>
+          <p:cNvPr id="23" name="Rectangle 22">
+            <a:extLst>
+              <a:ext uri="{FF2B5EF4-FFF2-40B4-BE49-F238E27FC236}">
+                <a16:creationId xmlns:a16="http://schemas.microsoft.com/office/drawing/2014/main" id="{7FA9D3A9-1B04-40B9-AACF-70CA113A95D6}"/>
+              </a:ext>
+            </a:extLst>
+          </p:cNvPr>
+          <p:cNvSpPr/>
+          <p:nvPr/>
+        </p:nvSpPr>
+        <p:spPr>
+          <a:xfrm>
+            <a:off x="578163" y="3408822"/>
+            <a:ext cx="933538" cy="368795"/>
+          </a:xfrm>
+          <a:prstGeom prst="rect">
+            <a:avLst/>
+          </a:prstGeom>
+        </p:spPr>
+        <p:style>
+          <a:lnRef idx="2">
+            <a:schemeClr val="accent1">
+              <a:shade val="50000"/>
+            </a:schemeClr>
+          </a:lnRef>
+          <a:fillRef idx="1">
+            <a:schemeClr val="accent1"/>
+          </a:fillRef>
+          <a:effectRef idx="0">
+            <a:schemeClr val="accent1"/>
+          </a:effectRef>
+          <a:fontRef idx="minor">
+            <a:schemeClr val="lt1"/>
+          </a:fontRef>
+        </p:style>
+        <p:txBody>
+          <a:bodyPr rtlCol="0" anchor="ctr"/>
+          <a:lstStyle/>
+          <a:p>
+            <a:pPr algn="ctr"/>
+            <a:r>
+              <a:rPr lang="en-GB" dirty="0"/>
+              <a:t>1205</a:t>
+            </a:r>
+          </a:p>
+        </p:txBody>
+      </p:sp>
+      <p:sp>
+        <p:nvSpPr>
+          <p:cNvPr id="24" name="Rectangle 23">
+            <a:extLst>
+              <a:ext uri="{FF2B5EF4-FFF2-40B4-BE49-F238E27FC236}">
+                <a16:creationId xmlns:a16="http://schemas.microsoft.com/office/drawing/2014/main" id="{9B0B73B2-B43F-4433-AB3A-22A481594BBA}"/>
+              </a:ext>
+            </a:extLst>
+          </p:cNvPr>
+          <p:cNvSpPr/>
+          <p:nvPr/>
+        </p:nvSpPr>
+        <p:spPr>
+          <a:xfrm>
+            <a:off x="578163" y="3922768"/>
+            <a:ext cx="933538" cy="368795"/>
+          </a:xfrm>
+          <a:prstGeom prst="rect">
+            <a:avLst/>
+          </a:prstGeom>
+        </p:spPr>
+        <p:style>
+          <a:lnRef idx="2">
+            <a:schemeClr val="accent1">
+              <a:shade val="50000"/>
+            </a:schemeClr>
+          </a:lnRef>
+          <a:fillRef idx="1">
+            <a:schemeClr val="accent1"/>
+          </a:fillRef>
+          <a:effectRef idx="0">
+            <a:schemeClr val="accent1"/>
+          </a:effectRef>
+          <a:fontRef idx="minor">
+            <a:schemeClr val="lt1"/>
+          </a:fontRef>
+        </p:style>
+        <p:txBody>
+          <a:bodyPr rtlCol="0" anchor="ctr"/>
+          <a:lstStyle/>
+          <a:p>
+            <a:pPr algn="ctr"/>
+            <a:r>
+              <a:rPr lang="en-GB" dirty="0"/>
+              <a:t>1210</a:t>
+            </a:r>
+          </a:p>
+        </p:txBody>
+      </p:sp>
+      <p:sp>
+        <p:nvSpPr>
+          <p:cNvPr id="25" name="Rectangle 24">
+            <a:extLst>
+              <a:ext uri="{FF2B5EF4-FFF2-40B4-BE49-F238E27FC236}">
+                <a16:creationId xmlns:a16="http://schemas.microsoft.com/office/drawing/2014/main" id="{BB68573A-9929-4092-9A08-7F583D1C3BB0}"/>
+              </a:ext>
+            </a:extLst>
+          </p:cNvPr>
+          <p:cNvSpPr/>
+          <p:nvPr/>
+        </p:nvSpPr>
+        <p:spPr>
+          <a:xfrm>
+            <a:off x="578163" y="4421875"/>
+            <a:ext cx="933538" cy="368795"/>
+          </a:xfrm>
+          <a:prstGeom prst="rect">
+            <a:avLst/>
+          </a:prstGeom>
+        </p:spPr>
+        <p:style>
+          <a:lnRef idx="2">
+            <a:schemeClr val="accent1">
+              <a:shade val="50000"/>
+            </a:schemeClr>
+          </a:lnRef>
+          <a:fillRef idx="1">
+            <a:schemeClr val="accent1"/>
+          </a:fillRef>
+          <a:effectRef idx="0">
+            <a:schemeClr val="accent1"/>
+          </a:effectRef>
+          <a:fontRef idx="minor">
+            <a:schemeClr val="lt1"/>
+          </a:fontRef>
+        </p:style>
+        <p:txBody>
+          <a:bodyPr rtlCol="0" anchor="ctr"/>
+          <a:lstStyle/>
+          <a:p>
+            <a:pPr algn="ctr"/>
+            <a:r>
+              <a:rPr lang="en-GB" dirty="0"/>
+              <a:t>1190</a:t>
+            </a:r>
+          </a:p>
+        </p:txBody>
+      </p:sp>
+      <p:sp>
+        <p:nvSpPr>
+          <p:cNvPr id="26" name="Rectangle 25">
+            <a:extLst>
+              <a:ext uri="{FF2B5EF4-FFF2-40B4-BE49-F238E27FC236}">
+                <a16:creationId xmlns:a16="http://schemas.microsoft.com/office/drawing/2014/main" id="{A2F424A3-114C-41A9-AC0E-73FFDFB4AC2B}"/>
+              </a:ext>
+            </a:extLst>
+          </p:cNvPr>
+          <p:cNvSpPr/>
+          <p:nvPr/>
+        </p:nvSpPr>
+        <p:spPr>
+          <a:xfrm>
+            <a:off x="578163" y="4930377"/>
+            <a:ext cx="933538" cy="368795"/>
+          </a:xfrm>
+          <a:prstGeom prst="rect">
+            <a:avLst/>
+          </a:prstGeom>
+        </p:spPr>
+        <p:style>
+          <a:lnRef idx="2">
+            <a:schemeClr val="accent1">
+              <a:shade val="50000"/>
+            </a:schemeClr>
+          </a:lnRef>
+          <a:fillRef idx="1">
+            <a:schemeClr val="accent1"/>
+          </a:fillRef>
+          <a:effectRef idx="0">
+            <a:schemeClr val="accent1"/>
+          </a:effectRef>
+          <a:fontRef idx="minor">
+            <a:schemeClr val="lt1"/>
+          </a:fontRef>
+        </p:style>
+        <p:txBody>
+          <a:bodyPr rtlCol="0" anchor="ctr"/>
+          <a:lstStyle/>
+          <a:p>
+            <a:pPr algn="ctr"/>
+            <a:r>
+              <a:rPr lang="en-GB" dirty="0"/>
+              <a:t>1203</a:t>
+            </a:r>
+          </a:p>
+        </p:txBody>
+      </p:sp>
+      <p:cxnSp>
+        <p:nvCxnSpPr>
+          <p:cNvPr id="27" name="Straight Arrow Connector 26">
+            <a:extLst>
+              <a:ext uri="{FF2B5EF4-FFF2-40B4-BE49-F238E27FC236}">
+                <a16:creationId xmlns:a16="http://schemas.microsoft.com/office/drawing/2014/main" id="{52B5DF34-9801-429D-A029-6188E9109A0E}"/>
+              </a:ext>
+            </a:extLst>
+          </p:cNvPr>
+          <p:cNvCxnSpPr>
+            <a:cxnSpLocks/>
+            <a:stCxn id="22" idx="3"/>
+            <a:endCxn id="32" idx="1"/>
+          </p:cNvCxnSpPr>
+          <p:nvPr/>
+        </p:nvCxnSpPr>
+        <p:spPr>
+          <a:xfrm flipV="1">
+            <a:off x="1511701" y="3096207"/>
+            <a:ext cx="471434" cy="892"/>
+          </a:xfrm>
+          <a:prstGeom prst="straightConnector1">
+            <a:avLst/>
+          </a:prstGeom>
+          <a:ln w="38100">
+            <a:tailEnd type="triangle"/>
+          </a:ln>
+        </p:spPr>
+        <p:style>
+          <a:lnRef idx="1">
+            <a:schemeClr val="accent1"/>
+          </a:lnRef>
+          <a:fillRef idx="0">
+            <a:schemeClr val="accent1"/>
+          </a:fillRef>
+          <a:effectRef idx="0">
+            <a:schemeClr val="accent1"/>
+          </a:effectRef>
+          <a:fontRef idx="minor">
+            <a:schemeClr val="tx1"/>
+          </a:fontRef>
+        </p:style>
+      </p:cxnSp>
+      <p:cxnSp>
+        <p:nvCxnSpPr>
+          <p:cNvPr id="28" name="Straight Arrow Connector 27">
+            <a:extLst>
+              <a:ext uri="{FF2B5EF4-FFF2-40B4-BE49-F238E27FC236}">
+                <a16:creationId xmlns:a16="http://schemas.microsoft.com/office/drawing/2014/main" id="{A2857DF4-391B-4D79-9770-2D10C887E7C9}"/>
+              </a:ext>
+            </a:extLst>
+          </p:cNvPr>
+          <p:cNvCxnSpPr>
+            <a:cxnSpLocks/>
+            <a:stCxn id="23" idx="3"/>
+            <a:endCxn id="33" idx="1"/>
+          </p:cNvCxnSpPr>
+          <p:nvPr/>
+        </p:nvCxnSpPr>
+        <p:spPr>
+          <a:xfrm flipV="1">
+            <a:off x="1511701" y="3592328"/>
+            <a:ext cx="466769" cy="892"/>
+          </a:xfrm>
+          <a:prstGeom prst="straightConnector1">
+            <a:avLst/>
+          </a:prstGeom>
+          <a:ln w="38100">
+            <a:tailEnd type="triangle"/>
+          </a:ln>
+        </p:spPr>
+        <p:style>
+          <a:lnRef idx="1">
+            <a:schemeClr val="accent1"/>
+          </a:lnRef>
+          <a:fillRef idx="0">
+            <a:schemeClr val="accent1"/>
+          </a:fillRef>
+          <a:effectRef idx="0">
+            <a:schemeClr val="accent1"/>
+          </a:effectRef>
+          <a:fontRef idx="minor">
+            <a:schemeClr val="tx1"/>
+          </a:fontRef>
+        </p:style>
+      </p:cxnSp>
+      <p:cxnSp>
+        <p:nvCxnSpPr>
+          <p:cNvPr id="29" name="Straight Arrow Connector 28">
+            <a:extLst>
+              <a:ext uri="{FF2B5EF4-FFF2-40B4-BE49-F238E27FC236}">
+                <a16:creationId xmlns:a16="http://schemas.microsoft.com/office/drawing/2014/main" id="{2D213F0E-AC63-4E10-A47F-98E111DB81FC}"/>
+              </a:ext>
+            </a:extLst>
+          </p:cNvPr>
+          <p:cNvCxnSpPr>
+            <a:cxnSpLocks/>
+            <a:stCxn id="24" idx="3"/>
+            <a:endCxn id="34" idx="1"/>
+          </p:cNvCxnSpPr>
+          <p:nvPr/>
+        </p:nvCxnSpPr>
+        <p:spPr>
+          <a:xfrm flipV="1">
+            <a:off x="1511701" y="4106274"/>
+            <a:ext cx="466769" cy="892"/>
+          </a:xfrm>
+          <a:prstGeom prst="straightConnector1">
+            <a:avLst/>
+          </a:prstGeom>
+          <a:ln w="38100">
+            <a:tailEnd type="triangle"/>
+          </a:ln>
+        </p:spPr>
+        <p:style>
+          <a:lnRef idx="1">
+            <a:schemeClr val="accent1"/>
+          </a:lnRef>
+          <a:fillRef idx="0">
+            <a:schemeClr val="accent1"/>
+          </a:fillRef>
+          <a:effectRef idx="0">
+            <a:schemeClr val="accent1"/>
+          </a:effectRef>
+          <a:fontRef idx="minor">
+            <a:schemeClr val="tx1"/>
+          </a:fontRef>
+        </p:style>
+      </p:cxnSp>
+      <p:cxnSp>
+        <p:nvCxnSpPr>
+          <p:cNvPr id="30" name="Straight Arrow Connector 29">
+            <a:extLst>
+              <a:ext uri="{FF2B5EF4-FFF2-40B4-BE49-F238E27FC236}">
+                <a16:creationId xmlns:a16="http://schemas.microsoft.com/office/drawing/2014/main" id="{41FD85A6-6A99-44EE-A0BE-2E4D3E0170E9}"/>
+              </a:ext>
+            </a:extLst>
+          </p:cNvPr>
+          <p:cNvCxnSpPr>
+            <a:cxnSpLocks/>
+            <a:stCxn id="25" idx="3"/>
+            <a:endCxn id="35" idx="1"/>
+          </p:cNvCxnSpPr>
+          <p:nvPr/>
+        </p:nvCxnSpPr>
+        <p:spPr>
+          <a:xfrm flipV="1">
+            <a:off x="1511701" y="4605381"/>
+            <a:ext cx="466769" cy="892"/>
+          </a:xfrm>
+          <a:prstGeom prst="straightConnector1">
+            <a:avLst/>
+          </a:prstGeom>
+          <a:ln w="38100">
+            <a:tailEnd type="triangle"/>
+          </a:ln>
+        </p:spPr>
+        <p:style>
+          <a:lnRef idx="1">
+            <a:schemeClr val="accent1"/>
+          </a:lnRef>
+          <a:fillRef idx="0">
+            <a:schemeClr val="accent1"/>
+          </a:fillRef>
+          <a:effectRef idx="0">
+            <a:schemeClr val="accent1"/>
+          </a:effectRef>
+          <a:fontRef idx="minor">
+            <a:schemeClr val="tx1"/>
+          </a:fontRef>
+        </p:style>
+      </p:cxnSp>
+      <p:cxnSp>
+        <p:nvCxnSpPr>
+          <p:cNvPr id="31" name="Straight Arrow Connector 30">
+            <a:extLst>
+              <a:ext uri="{FF2B5EF4-FFF2-40B4-BE49-F238E27FC236}">
+                <a16:creationId xmlns:a16="http://schemas.microsoft.com/office/drawing/2014/main" id="{B011BE67-7F39-4002-9CE4-7BB9EDB26AC7}"/>
+              </a:ext>
+            </a:extLst>
+          </p:cNvPr>
+          <p:cNvCxnSpPr>
+            <a:cxnSpLocks/>
+            <a:stCxn id="26" idx="3"/>
+            <a:endCxn id="36" idx="1"/>
+          </p:cNvCxnSpPr>
+          <p:nvPr/>
+        </p:nvCxnSpPr>
+        <p:spPr>
+          <a:xfrm flipV="1">
+            <a:off x="1511701" y="5113883"/>
+            <a:ext cx="466769" cy="892"/>
+          </a:xfrm>
+          <a:prstGeom prst="straightConnector1">
+            <a:avLst/>
+          </a:prstGeom>
+          <a:ln w="38100">
+            <a:tailEnd type="triangle"/>
+          </a:ln>
+        </p:spPr>
+        <p:style>
+          <a:lnRef idx="1">
+            <a:schemeClr val="accent1"/>
+          </a:lnRef>
+          <a:fillRef idx="0">
+            <a:schemeClr val="accent1"/>
+          </a:fillRef>
+          <a:effectRef idx="0">
+            <a:schemeClr val="accent1"/>
+          </a:effectRef>
+          <a:fontRef idx="minor">
+            <a:schemeClr val="tx1"/>
+          </a:fontRef>
+        </p:style>
+      </p:cxnSp>
+      <p:sp>
+        <p:nvSpPr>
+          <p:cNvPr id="32" name="Rectangle 31">
+            <a:extLst>
+              <a:ext uri="{FF2B5EF4-FFF2-40B4-BE49-F238E27FC236}">
+                <a16:creationId xmlns:a16="http://schemas.microsoft.com/office/drawing/2014/main" id="{9C87CDD8-8BF9-45CC-AE5C-CB1123422338}"/>
+              </a:ext>
+            </a:extLst>
+          </p:cNvPr>
+          <p:cNvSpPr/>
+          <p:nvPr/>
+        </p:nvSpPr>
+        <p:spPr>
+          <a:xfrm>
+            <a:off x="1983135" y="2919633"/>
+            <a:ext cx="1651996" cy="353148"/>
+          </a:xfrm>
+          <a:prstGeom prst="rect">
+            <a:avLst/>
+          </a:prstGeom>
+        </p:spPr>
+        <p:style>
+          <a:lnRef idx="2">
+            <a:schemeClr val="accent1">
+              <a:shade val="50000"/>
+            </a:schemeClr>
+          </a:lnRef>
+          <a:fillRef idx="1">
+            <a:schemeClr val="accent1"/>
+          </a:fillRef>
+          <a:effectRef idx="0">
+            <a:schemeClr val="accent1"/>
+          </a:effectRef>
+          <a:fontRef idx="minor">
+            <a:schemeClr val="lt1"/>
+          </a:fontRef>
+        </p:style>
+        <p:txBody>
+          <a:bodyPr rtlCol="0" anchor="ctr"/>
+          <a:lstStyle/>
+          <a:p>
+            <a:pPr algn="ctr"/>
+            <a:r>
+              <a:rPr lang="en-GB" dirty="0"/>
+              <a:t>1200-1200</a:t>
+            </a:r>
+          </a:p>
+        </p:txBody>
+      </p:sp>
+      <p:sp>
+        <p:nvSpPr>
+          <p:cNvPr id="33" name="Rectangle 32">
+            <a:extLst>
+              <a:ext uri="{FF2B5EF4-FFF2-40B4-BE49-F238E27FC236}">
+                <a16:creationId xmlns:a16="http://schemas.microsoft.com/office/drawing/2014/main" id="{F9255145-4B5D-42A7-924D-3E80B51C4178}"/>
+              </a:ext>
+            </a:extLst>
+          </p:cNvPr>
+          <p:cNvSpPr/>
+          <p:nvPr/>
+        </p:nvSpPr>
+        <p:spPr>
+          <a:xfrm>
+            <a:off x="1978470" y="3415754"/>
+            <a:ext cx="1651996" cy="353148"/>
+          </a:xfrm>
+          <a:prstGeom prst="rect">
+            <a:avLst/>
+          </a:prstGeom>
+        </p:spPr>
+        <p:style>
+          <a:lnRef idx="2">
+            <a:schemeClr val="accent1">
+              <a:shade val="50000"/>
+            </a:schemeClr>
+          </a:lnRef>
+          <a:fillRef idx="1">
+            <a:schemeClr val="accent1"/>
+          </a:fillRef>
+          <a:effectRef idx="0">
+            <a:schemeClr val="accent1"/>
+          </a:effectRef>
+          <a:fontRef idx="minor">
+            <a:schemeClr val="lt1"/>
+          </a:fontRef>
+        </p:style>
+        <p:txBody>
+          <a:bodyPr rtlCol="0" anchor="ctr"/>
+          <a:lstStyle/>
+          <a:p>
+            <a:pPr algn="ctr"/>
+            <a:r>
+              <a:rPr lang="en-GB" dirty="0"/>
+              <a:t>1205-1200</a:t>
+            </a:r>
+          </a:p>
+        </p:txBody>
+      </p:sp>
+      <p:sp>
+        <p:nvSpPr>
+          <p:cNvPr id="34" name="Rectangle 33">
+            <a:extLst>
+              <a:ext uri="{FF2B5EF4-FFF2-40B4-BE49-F238E27FC236}">
+                <a16:creationId xmlns:a16="http://schemas.microsoft.com/office/drawing/2014/main" id="{CAB0FBA5-82AB-4340-BF93-9033F3B5D950}"/>
+              </a:ext>
+            </a:extLst>
+          </p:cNvPr>
+          <p:cNvSpPr/>
+          <p:nvPr/>
+        </p:nvSpPr>
+        <p:spPr>
+          <a:xfrm>
+            <a:off x="1978470" y="3929700"/>
+            <a:ext cx="1651996" cy="353148"/>
+          </a:xfrm>
+          <a:prstGeom prst="rect">
+            <a:avLst/>
+          </a:prstGeom>
+        </p:spPr>
+        <p:style>
+          <a:lnRef idx="2">
+            <a:schemeClr val="accent1">
+              <a:shade val="50000"/>
+            </a:schemeClr>
+          </a:lnRef>
+          <a:fillRef idx="1">
+            <a:schemeClr val="accent1"/>
+          </a:fillRef>
+          <a:effectRef idx="0">
+            <a:schemeClr val="accent1"/>
+          </a:effectRef>
+          <a:fontRef idx="minor">
+            <a:schemeClr val="lt1"/>
+          </a:fontRef>
+        </p:style>
+        <p:txBody>
+          <a:bodyPr rtlCol="0" anchor="ctr"/>
+          <a:lstStyle/>
+          <a:p>
+            <a:pPr algn="ctr"/>
+            <a:r>
+              <a:rPr lang="en-GB" dirty="0"/>
+              <a:t>1210-1200</a:t>
+            </a:r>
+          </a:p>
+        </p:txBody>
+      </p:sp>
+      <p:sp>
+        <p:nvSpPr>
+          <p:cNvPr id="35" name="Rectangle 34">
+            <a:extLst>
+              <a:ext uri="{FF2B5EF4-FFF2-40B4-BE49-F238E27FC236}">
+                <a16:creationId xmlns:a16="http://schemas.microsoft.com/office/drawing/2014/main" id="{F979A201-BCD7-4AA5-887F-DC9D467A99C9}"/>
+              </a:ext>
+            </a:extLst>
+          </p:cNvPr>
+          <p:cNvSpPr/>
+          <p:nvPr/>
+        </p:nvSpPr>
+        <p:spPr>
+          <a:xfrm>
+            <a:off x="1978470" y="4428807"/>
+            <a:ext cx="1651996" cy="353148"/>
+          </a:xfrm>
+          <a:prstGeom prst="rect">
+            <a:avLst/>
+          </a:prstGeom>
+        </p:spPr>
+        <p:style>
+          <a:lnRef idx="2">
+            <a:schemeClr val="accent1">
+              <a:shade val="50000"/>
+            </a:schemeClr>
+          </a:lnRef>
+          <a:fillRef idx="1">
+            <a:schemeClr val="accent1"/>
+          </a:fillRef>
+          <a:effectRef idx="0">
+            <a:schemeClr val="accent1"/>
+          </a:effectRef>
+          <a:fontRef idx="minor">
+            <a:schemeClr val="lt1"/>
+          </a:fontRef>
+        </p:style>
+        <p:txBody>
+          <a:bodyPr rtlCol="0" anchor="ctr"/>
+          <a:lstStyle/>
+          <a:p>
+            <a:pPr algn="ctr"/>
+            <a:r>
+              <a:rPr lang="en-GB" dirty="0"/>
+              <a:t>1190-1200</a:t>
+            </a:r>
+          </a:p>
+        </p:txBody>
+      </p:sp>
+      <p:sp>
+        <p:nvSpPr>
+          <p:cNvPr id="36" name="Rectangle 35">
+            <a:extLst>
+              <a:ext uri="{FF2B5EF4-FFF2-40B4-BE49-F238E27FC236}">
+                <a16:creationId xmlns:a16="http://schemas.microsoft.com/office/drawing/2014/main" id="{3754E0A8-CB2B-4236-935C-B401410A89CD}"/>
+              </a:ext>
+            </a:extLst>
+          </p:cNvPr>
+          <p:cNvSpPr/>
+          <p:nvPr/>
+        </p:nvSpPr>
+        <p:spPr>
+          <a:xfrm>
+            <a:off x="1978470" y="4937309"/>
+            <a:ext cx="1651996" cy="353148"/>
+          </a:xfrm>
+          <a:prstGeom prst="rect">
+            <a:avLst/>
+          </a:prstGeom>
+        </p:spPr>
+        <p:style>
+          <a:lnRef idx="2">
+            <a:schemeClr val="accent1">
+              <a:shade val="50000"/>
+            </a:schemeClr>
+          </a:lnRef>
+          <a:fillRef idx="1">
+            <a:schemeClr val="accent1"/>
+          </a:fillRef>
+          <a:effectRef idx="0">
+            <a:schemeClr val="accent1"/>
+          </a:effectRef>
+          <a:fontRef idx="minor">
+            <a:schemeClr val="lt1"/>
+          </a:fontRef>
+        </p:style>
+        <p:txBody>
+          <a:bodyPr rtlCol="0" anchor="ctr"/>
+          <a:lstStyle/>
+          <a:p>
+            <a:pPr algn="ctr"/>
+            <a:r>
+              <a:rPr lang="en-GB" dirty="0"/>
+              <a:t>1203-1200</a:t>
+            </a:r>
+          </a:p>
+        </p:txBody>
+      </p:sp>
+      <p:cxnSp>
+        <p:nvCxnSpPr>
+          <p:cNvPr id="37" name="Straight Arrow Connector 36">
+            <a:extLst>
+              <a:ext uri="{FF2B5EF4-FFF2-40B4-BE49-F238E27FC236}">
+                <a16:creationId xmlns:a16="http://schemas.microsoft.com/office/drawing/2014/main" id="{A6299B40-9EEE-48FE-BFFE-9C4609892912}"/>
+              </a:ext>
+            </a:extLst>
+          </p:cNvPr>
+          <p:cNvCxnSpPr>
+            <a:cxnSpLocks/>
+          </p:cNvCxnSpPr>
+          <p:nvPr/>
+        </p:nvCxnSpPr>
+        <p:spPr>
+          <a:xfrm flipV="1">
+            <a:off x="3630466" y="3077546"/>
+            <a:ext cx="421081" cy="1"/>
+          </a:xfrm>
+          <a:prstGeom prst="straightConnector1">
+            <a:avLst/>
+          </a:prstGeom>
+          <a:ln w="38100">
+            <a:tailEnd type="triangle"/>
+          </a:ln>
+        </p:spPr>
+        <p:style>
+          <a:lnRef idx="1">
+            <a:schemeClr val="accent1"/>
+          </a:lnRef>
+          <a:fillRef idx="0">
+            <a:schemeClr val="accent1"/>
+          </a:fillRef>
+          <a:effectRef idx="0">
+            <a:schemeClr val="accent1"/>
+          </a:effectRef>
+          <a:fontRef idx="minor">
+            <a:schemeClr val="tx1"/>
+          </a:fontRef>
+        </p:style>
+      </p:cxnSp>
+      <p:cxnSp>
+        <p:nvCxnSpPr>
+          <p:cNvPr id="38" name="Straight Arrow Connector 37">
+            <a:extLst>
+              <a:ext uri="{FF2B5EF4-FFF2-40B4-BE49-F238E27FC236}">
+                <a16:creationId xmlns:a16="http://schemas.microsoft.com/office/drawing/2014/main" id="{9C99B02A-E915-47E7-BE6E-AF2A268B5616}"/>
+              </a:ext>
+            </a:extLst>
+          </p:cNvPr>
+          <p:cNvCxnSpPr>
+            <a:cxnSpLocks/>
+            <a:stCxn id="33" idx="3"/>
+            <a:endCxn id="43" idx="1"/>
+          </p:cNvCxnSpPr>
+          <p:nvPr/>
+        </p:nvCxnSpPr>
+        <p:spPr>
+          <a:xfrm>
+            <a:off x="3630466" y="3592328"/>
+            <a:ext cx="421081" cy="7824"/>
+          </a:xfrm>
+          <a:prstGeom prst="straightConnector1">
+            <a:avLst/>
+          </a:prstGeom>
+          <a:ln w="38100">
+            <a:tailEnd type="triangle"/>
+          </a:ln>
+        </p:spPr>
+        <p:style>
+          <a:lnRef idx="1">
+            <a:schemeClr val="accent1"/>
+          </a:lnRef>
+          <a:fillRef idx="0">
+            <a:schemeClr val="accent1"/>
+          </a:fillRef>
+          <a:effectRef idx="0">
+            <a:schemeClr val="accent1"/>
+          </a:effectRef>
+          <a:fontRef idx="minor">
+            <a:schemeClr val="tx1"/>
+          </a:fontRef>
+        </p:style>
+      </p:cxnSp>
+      <p:cxnSp>
+        <p:nvCxnSpPr>
+          <p:cNvPr id="39" name="Straight Arrow Connector 38">
+            <a:extLst>
+              <a:ext uri="{FF2B5EF4-FFF2-40B4-BE49-F238E27FC236}">
+                <a16:creationId xmlns:a16="http://schemas.microsoft.com/office/drawing/2014/main" id="{79CAFFA9-7D40-42AB-99DB-DF7A22BBAB77}"/>
+              </a:ext>
+            </a:extLst>
+          </p:cNvPr>
+          <p:cNvCxnSpPr>
+            <a:cxnSpLocks/>
+            <a:stCxn id="34" idx="3"/>
+            <a:endCxn id="44" idx="1"/>
+          </p:cNvCxnSpPr>
+          <p:nvPr/>
+        </p:nvCxnSpPr>
+        <p:spPr>
+          <a:xfrm>
+            <a:off x="3630466" y="4106274"/>
+            <a:ext cx="421081" cy="7824"/>
+          </a:xfrm>
+          <a:prstGeom prst="straightConnector1">
+            <a:avLst/>
+          </a:prstGeom>
+          <a:ln w="38100">
+            <a:tailEnd type="triangle"/>
+          </a:ln>
+        </p:spPr>
+        <p:style>
+          <a:lnRef idx="1">
+            <a:schemeClr val="accent1"/>
+          </a:lnRef>
+          <a:fillRef idx="0">
+            <a:schemeClr val="accent1"/>
+          </a:fillRef>
+          <a:effectRef idx="0">
+            <a:schemeClr val="accent1"/>
+          </a:effectRef>
+          <a:fontRef idx="minor">
+            <a:schemeClr val="tx1"/>
+          </a:fontRef>
+        </p:style>
+      </p:cxnSp>
+      <p:cxnSp>
+        <p:nvCxnSpPr>
+          <p:cNvPr id="40" name="Straight Arrow Connector 39">
+            <a:extLst>
+              <a:ext uri="{FF2B5EF4-FFF2-40B4-BE49-F238E27FC236}">
+                <a16:creationId xmlns:a16="http://schemas.microsoft.com/office/drawing/2014/main" id="{F5FF6F67-EB73-49C9-BE4A-BC689771D055}"/>
+              </a:ext>
+            </a:extLst>
+          </p:cNvPr>
+          <p:cNvCxnSpPr>
+            <a:cxnSpLocks/>
+            <a:stCxn id="35" idx="3"/>
+            <a:endCxn id="45" idx="1"/>
+          </p:cNvCxnSpPr>
+          <p:nvPr/>
+        </p:nvCxnSpPr>
+        <p:spPr>
+          <a:xfrm>
+            <a:off x="3630466" y="4605381"/>
+            <a:ext cx="421081" cy="7824"/>
+          </a:xfrm>
+          <a:prstGeom prst="straightConnector1">
+            <a:avLst/>
+          </a:prstGeom>
+          <a:ln w="38100">
+            <a:tailEnd type="triangle"/>
+          </a:ln>
+        </p:spPr>
+        <p:style>
+          <a:lnRef idx="1">
+            <a:schemeClr val="accent1"/>
+          </a:lnRef>
+          <a:fillRef idx="0">
+            <a:schemeClr val="accent1"/>
+          </a:fillRef>
+          <a:effectRef idx="0">
+            <a:schemeClr val="accent1"/>
+          </a:effectRef>
+          <a:fontRef idx="minor">
+            <a:schemeClr val="tx1"/>
+          </a:fontRef>
+        </p:style>
+      </p:cxnSp>
+      <p:cxnSp>
+        <p:nvCxnSpPr>
+          <p:cNvPr id="41" name="Straight Arrow Connector 40">
+            <a:extLst>
+              <a:ext uri="{FF2B5EF4-FFF2-40B4-BE49-F238E27FC236}">
+                <a16:creationId xmlns:a16="http://schemas.microsoft.com/office/drawing/2014/main" id="{E8A837B9-51CA-4A00-963B-3713FC21CE3F}"/>
+              </a:ext>
+            </a:extLst>
+          </p:cNvPr>
+          <p:cNvCxnSpPr>
+            <a:cxnSpLocks/>
+            <a:stCxn id="36" idx="3"/>
+            <a:endCxn id="46" idx="1"/>
+          </p:cNvCxnSpPr>
+          <p:nvPr/>
+        </p:nvCxnSpPr>
+        <p:spPr>
+          <a:xfrm>
+            <a:off x="3630466" y="5113883"/>
+            <a:ext cx="421081" cy="7824"/>
+          </a:xfrm>
+          <a:prstGeom prst="straightConnector1">
+            <a:avLst/>
+          </a:prstGeom>
+          <a:ln w="38100">
+            <a:tailEnd type="triangle"/>
+          </a:ln>
+        </p:spPr>
+        <p:style>
+          <a:lnRef idx="1">
+            <a:schemeClr val="accent1"/>
+          </a:lnRef>
+          <a:fillRef idx="0">
+            <a:schemeClr val="accent1"/>
+          </a:fillRef>
+          <a:effectRef idx="0">
+            <a:schemeClr val="accent1"/>
+          </a:effectRef>
+          <a:fontRef idx="minor">
+            <a:schemeClr val="tx1"/>
+          </a:fontRef>
+        </p:style>
+      </p:cxnSp>
+      <p:sp>
+        <p:nvSpPr>
+          <p:cNvPr id="42" name="Rectangle 41">
+            <a:extLst>
+              <a:ext uri="{FF2B5EF4-FFF2-40B4-BE49-F238E27FC236}">
+                <a16:creationId xmlns:a16="http://schemas.microsoft.com/office/drawing/2014/main" id="{D4524FB5-7782-473F-9561-44FDF8873540}"/>
+              </a:ext>
+            </a:extLst>
+          </p:cNvPr>
+          <p:cNvSpPr/>
+          <p:nvPr/>
+        </p:nvSpPr>
+        <p:spPr>
+          <a:xfrm>
+            <a:off x="4051547" y="2919633"/>
+            <a:ext cx="933538" cy="368795"/>
+          </a:xfrm>
+          <a:prstGeom prst="rect">
+            <a:avLst/>
+          </a:prstGeom>
+        </p:spPr>
+        <p:style>
+          <a:lnRef idx="2">
+            <a:schemeClr val="accent1">
+              <a:shade val="50000"/>
+            </a:schemeClr>
+          </a:lnRef>
+          <a:fillRef idx="1">
+            <a:schemeClr val="accent1"/>
+          </a:fillRef>
+          <a:effectRef idx="0">
+            <a:schemeClr val="accent1"/>
+          </a:effectRef>
+          <a:fontRef idx="minor">
+            <a:schemeClr val="lt1"/>
+          </a:fontRef>
+        </p:style>
+        <p:txBody>
+          <a:bodyPr rtlCol="0" anchor="ctr"/>
+          <a:lstStyle/>
+          <a:p>
+            <a:pPr algn="ctr"/>
+            <a:r>
+              <a:rPr lang="en-GB" dirty="0"/>
+              <a:t>0</a:t>
+            </a:r>
+          </a:p>
+        </p:txBody>
+      </p:sp>
+      <p:sp>
+        <p:nvSpPr>
+          <p:cNvPr id="43" name="Rectangle 42">
+            <a:extLst>
+              <a:ext uri="{FF2B5EF4-FFF2-40B4-BE49-F238E27FC236}">
+                <a16:creationId xmlns:a16="http://schemas.microsoft.com/office/drawing/2014/main" id="{EB90F890-27C2-450C-B995-A33DF50B04BF}"/>
+              </a:ext>
+            </a:extLst>
+          </p:cNvPr>
+          <p:cNvSpPr/>
+          <p:nvPr/>
+        </p:nvSpPr>
+        <p:spPr>
+          <a:xfrm>
+            <a:off x="4051547" y="3415754"/>
+            <a:ext cx="933538" cy="368795"/>
+          </a:xfrm>
+          <a:prstGeom prst="rect">
+            <a:avLst/>
+          </a:prstGeom>
+        </p:spPr>
+        <p:style>
+          <a:lnRef idx="2">
+            <a:schemeClr val="accent1">
+              <a:shade val="50000"/>
+            </a:schemeClr>
+          </a:lnRef>
+          <a:fillRef idx="1">
+            <a:schemeClr val="accent1"/>
+          </a:fillRef>
+          <a:effectRef idx="0">
+            <a:schemeClr val="accent1"/>
+          </a:effectRef>
+          <a:fontRef idx="minor">
+            <a:schemeClr val="lt1"/>
+          </a:fontRef>
+        </p:style>
+        <p:txBody>
+          <a:bodyPr rtlCol="0" anchor="ctr"/>
+          <a:lstStyle/>
+          <a:p>
+            <a:pPr algn="ctr"/>
+            <a:r>
+              <a:rPr lang="en-GB" dirty="0"/>
+              <a:t>5</a:t>
+            </a:r>
+          </a:p>
+        </p:txBody>
+      </p:sp>
+      <p:sp>
+        <p:nvSpPr>
+          <p:cNvPr id="44" name="Rectangle 43">
+            <a:extLst>
+              <a:ext uri="{FF2B5EF4-FFF2-40B4-BE49-F238E27FC236}">
+                <a16:creationId xmlns:a16="http://schemas.microsoft.com/office/drawing/2014/main" id="{91252523-80BD-4708-A47C-2F08BFE881DB}"/>
+              </a:ext>
+            </a:extLst>
+          </p:cNvPr>
+          <p:cNvSpPr/>
+          <p:nvPr/>
+        </p:nvSpPr>
+        <p:spPr>
+          <a:xfrm>
+            <a:off x="4051547" y="3929700"/>
+            <a:ext cx="933538" cy="368795"/>
+          </a:xfrm>
+          <a:prstGeom prst="rect">
+            <a:avLst/>
+          </a:prstGeom>
+        </p:spPr>
+        <p:style>
+          <a:lnRef idx="2">
+            <a:schemeClr val="accent1">
+              <a:shade val="50000"/>
+            </a:schemeClr>
+          </a:lnRef>
+          <a:fillRef idx="1">
+            <a:schemeClr val="accent1"/>
+          </a:fillRef>
+          <a:effectRef idx="0">
+            <a:schemeClr val="accent1"/>
+          </a:effectRef>
+          <a:fontRef idx="minor">
+            <a:schemeClr val="lt1"/>
+          </a:fontRef>
+        </p:style>
+        <p:txBody>
+          <a:bodyPr rtlCol="0" anchor="ctr"/>
+          <a:lstStyle/>
+          <a:p>
+            <a:pPr algn="ctr"/>
+            <a:r>
+              <a:rPr lang="en-GB" dirty="0"/>
+              <a:t>10</a:t>
+            </a:r>
+          </a:p>
+        </p:txBody>
+      </p:sp>
+      <p:sp>
+        <p:nvSpPr>
+          <p:cNvPr id="45" name="Rectangle 44">
+            <a:extLst>
+              <a:ext uri="{FF2B5EF4-FFF2-40B4-BE49-F238E27FC236}">
+                <a16:creationId xmlns:a16="http://schemas.microsoft.com/office/drawing/2014/main" id="{2E5332E6-BF50-4F37-A4EE-794B1532BD0A}"/>
+              </a:ext>
+            </a:extLst>
+          </p:cNvPr>
+          <p:cNvSpPr/>
+          <p:nvPr/>
+        </p:nvSpPr>
+        <p:spPr>
+          <a:xfrm>
+            <a:off x="4051547" y="4428807"/>
+            <a:ext cx="933538" cy="368795"/>
+          </a:xfrm>
+          <a:prstGeom prst="rect">
+            <a:avLst/>
+          </a:prstGeom>
+        </p:spPr>
+        <p:style>
+          <a:lnRef idx="2">
+            <a:schemeClr val="accent1">
+              <a:shade val="50000"/>
+            </a:schemeClr>
+          </a:lnRef>
+          <a:fillRef idx="1">
+            <a:schemeClr val="accent1"/>
+          </a:fillRef>
+          <a:effectRef idx="0">
+            <a:schemeClr val="accent1"/>
+          </a:effectRef>
+          <a:fontRef idx="minor">
+            <a:schemeClr val="lt1"/>
+          </a:fontRef>
+        </p:style>
+        <p:txBody>
+          <a:bodyPr rtlCol="0" anchor="ctr"/>
+          <a:lstStyle/>
+          <a:p>
+            <a:pPr algn="ctr"/>
+            <a:r>
+              <a:rPr lang="en-GB" dirty="0"/>
+              <a:t>-10</a:t>
+            </a:r>
+          </a:p>
+        </p:txBody>
+      </p:sp>
+      <p:sp>
+        <p:nvSpPr>
+          <p:cNvPr id="46" name="Rectangle 45">
+            <a:extLst>
+              <a:ext uri="{FF2B5EF4-FFF2-40B4-BE49-F238E27FC236}">
+                <a16:creationId xmlns:a16="http://schemas.microsoft.com/office/drawing/2014/main" id="{A21499EC-67F9-4A14-808D-BB62D23C2A5F}"/>
+              </a:ext>
+            </a:extLst>
+          </p:cNvPr>
+          <p:cNvSpPr/>
+          <p:nvPr/>
+        </p:nvSpPr>
+        <p:spPr>
+          <a:xfrm>
+            <a:off x="4051547" y="4937309"/>
+            <a:ext cx="933538" cy="368795"/>
+          </a:xfrm>
+          <a:prstGeom prst="rect">
+            <a:avLst/>
+          </a:prstGeom>
+        </p:spPr>
+        <p:style>
+          <a:lnRef idx="2">
+            <a:schemeClr val="accent1">
+              <a:shade val="50000"/>
+            </a:schemeClr>
+          </a:lnRef>
+          <a:fillRef idx="1">
+            <a:schemeClr val="accent1"/>
+          </a:fillRef>
+          <a:effectRef idx="0">
+            <a:schemeClr val="accent1"/>
+          </a:effectRef>
+          <a:fontRef idx="minor">
+            <a:schemeClr val="lt1"/>
+          </a:fontRef>
+        </p:style>
+        <p:txBody>
+          <a:bodyPr rtlCol="0" anchor="ctr"/>
+          <a:lstStyle/>
+          <a:p>
+            <a:pPr algn="ctr"/>
+            <a:r>
+              <a:rPr lang="en-GB" dirty="0"/>
+              <a:t>3</a:t>
+            </a:r>
+          </a:p>
+        </p:txBody>
+      </p:sp>
+      <p:sp>
+        <p:nvSpPr>
+          <p:cNvPr id="73" name="Rectangle 72">
+            <a:extLst>
+              <a:ext uri="{FF2B5EF4-FFF2-40B4-BE49-F238E27FC236}">
+                <a16:creationId xmlns:a16="http://schemas.microsoft.com/office/drawing/2014/main" id="{77F969C7-5E8B-4F5F-98DF-138439151396}"/>
+              </a:ext>
+            </a:extLst>
+          </p:cNvPr>
+          <p:cNvSpPr/>
+          <p:nvPr/>
+        </p:nvSpPr>
+        <p:spPr>
+          <a:xfrm>
+            <a:off x="6142825" y="2912701"/>
+            <a:ext cx="933538" cy="368795"/>
+          </a:xfrm>
+          <a:prstGeom prst="rect">
+            <a:avLst/>
+          </a:prstGeom>
+        </p:spPr>
+        <p:style>
+          <a:lnRef idx="2">
+            <a:schemeClr val="accent1">
+              <a:shade val="50000"/>
+            </a:schemeClr>
+          </a:lnRef>
+          <a:fillRef idx="1">
+            <a:schemeClr val="accent1"/>
+          </a:fillRef>
+          <a:effectRef idx="0">
+            <a:schemeClr val="accent1"/>
+          </a:effectRef>
+          <a:fontRef idx="minor">
+            <a:schemeClr val="lt1"/>
+          </a:fontRef>
+        </p:style>
+        <p:txBody>
+          <a:bodyPr rtlCol="0" anchor="ctr"/>
+          <a:lstStyle/>
+          <a:p>
+            <a:pPr algn="ctr"/>
+            <a:r>
+              <a:rPr lang="en-GB" dirty="0"/>
+              <a:t>1200</a:t>
+            </a:r>
+          </a:p>
+        </p:txBody>
+      </p:sp>
+      <p:sp>
+        <p:nvSpPr>
+          <p:cNvPr id="74" name="Rectangle 73">
+            <a:extLst>
+              <a:ext uri="{FF2B5EF4-FFF2-40B4-BE49-F238E27FC236}">
+                <a16:creationId xmlns:a16="http://schemas.microsoft.com/office/drawing/2014/main" id="{5E53607D-694C-4F4E-AAE2-821D027A0812}"/>
+              </a:ext>
+            </a:extLst>
+          </p:cNvPr>
+          <p:cNvSpPr/>
+          <p:nvPr/>
+        </p:nvSpPr>
+        <p:spPr>
+          <a:xfrm>
+            <a:off x="6142825" y="3408822"/>
+            <a:ext cx="933538" cy="368795"/>
+          </a:xfrm>
+          <a:prstGeom prst="rect">
+            <a:avLst/>
+          </a:prstGeom>
+        </p:spPr>
+        <p:style>
+          <a:lnRef idx="2">
+            <a:schemeClr val="accent1">
+              <a:shade val="50000"/>
+            </a:schemeClr>
+          </a:lnRef>
+          <a:fillRef idx="1">
+            <a:schemeClr val="accent1"/>
+          </a:fillRef>
+          <a:effectRef idx="0">
+            <a:schemeClr val="accent1"/>
+          </a:effectRef>
+          <a:fontRef idx="minor">
+            <a:schemeClr val="lt1"/>
+          </a:fontRef>
+        </p:style>
+        <p:txBody>
+          <a:bodyPr rtlCol="0" anchor="ctr"/>
+          <a:lstStyle/>
+          <a:p>
+            <a:pPr algn="ctr"/>
+            <a:r>
+              <a:rPr lang="en-GB" dirty="0"/>
+              <a:t>1205</a:t>
+            </a:r>
+          </a:p>
+        </p:txBody>
+      </p:sp>
+      <p:sp>
+        <p:nvSpPr>
+          <p:cNvPr id="75" name="Rectangle 74">
+            <a:extLst>
+              <a:ext uri="{FF2B5EF4-FFF2-40B4-BE49-F238E27FC236}">
+                <a16:creationId xmlns:a16="http://schemas.microsoft.com/office/drawing/2014/main" id="{ACED2E6F-A1A2-4569-801C-812A6E617672}"/>
+              </a:ext>
+            </a:extLst>
+          </p:cNvPr>
+          <p:cNvSpPr/>
+          <p:nvPr/>
+        </p:nvSpPr>
+        <p:spPr>
+          <a:xfrm>
+            <a:off x="6142825" y="3922768"/>
+            <a:ext cx="933538" cy="368795"/>
+          </a:xfrm>
+          <a:prstGeom prst="rect">
+            <a:avLst/>
+          </a:prstGeom>
+        </p:spPr>
+        <p:style>
+          <a:lnRef idx="2">
+            <a:schemeClr val="accent1">
+              <a:shade val="50000"/>
+            </a:schemeClr>
+          </a:lnRef>
+          <a:fillRef idx="1">
+            <a:schemeClr val="accent1"/>
+          </a:fillRef>
+          <a:effectRef idx="0">
+            <a:schemeClr val="accent1"/>
+          </a:effectRef>
+          <a:fontRef idx="minor">
+            <a:schemeClr val="lt1"/>
+          </a:fontRef>
+        </p:style>
+        <p:txBody>
+          <a:bodyPr rtlCol="0" anchor="ctr"/>
+          <a:lstStyle/>
+          <a:p>
+            <a:pPr algn="ctr"/>
+            <a:r>
+              <a:rPr lang="en-GB" dirty="0"/>
+              <a:t>1210</a:t>
+            </a:r>
+          </a:p>
+        </p:txBody>
+      </p:sp>
+      <p:sp>
+        <p:nvSpPr>
+          <p:cNvPr id="76" name="Rectangle 75">
+            <a:extLst>
+              <a:ext uri="{FF2B5EF4-FFF2-40B4-BE49-F238E27FC236}">
+                <a16:creationId xmlns:a16="http://schemas.microsoft.com/office/drawing/2014/main" id="{842550EA-2066-4016-8E2A-05BDFBAD6CF4}"/>
+              </a:ext>
+            </a:extLst>
+          </p:cNvPr>
+          <p:cNvSpPr/>
+          <p:nvPr/>
+        </p:nvSpPr>
+        <p:spPr>
+          <a:xfrm>
+            <a:off x="6142825" y="4421875"/>
+            <a:ext cx="933538" cy="368795"/>
+          </a:xfrm>
+          <a:prstGeom prst="rect">
+            <a:avLst/>
+          </a:prstGeom>
+        </p:spPr>
+        <p:style>
+          <a:lnRef idx="2">
+            <a:schemeClr val="accent1">
+              <a:shade val="50000"/>
+            </a:schemeClr>
+          </a:lnRef>
+          <a:fillRef idx="1">
+            <a:schemeClr val="accent1"/>
+          </a:fillRef>
+          <a:effectRef idx="0">
+            <a:schemeClr val="accent1"/>
+          </a:effectRef>
+          <a:fontRef idx="minor">
+            <a:schemeClr val="lt1"/>
+          </a:fontRef>
+        </p:style>
+        <p:txBody>
+          <a:bodyPr rtlCol="0" anchor="ctr"/>
+          <a:lstStyle/>
+          <a:p>
+            <a:pPr algn="ctr"/>
+            <a:r>
+              <a:rPr lang="en-GB" dirty="0"/>
+              <a:t>1190</a:t>
+            </a:r>
+          </a:p>
+        </p:txBody>
+      </p:sp>
+      <p:sp>
+        <p:nvSpPr>
+          <p:cNvPr id="77" name="Rectangle 76">
+            <a:extLst>
+              <a:ext uri="{FF2B5EF4-FFF2-40B4-BE49-F238E27FC236}">
+                <a16:creationId xmlns:a16="http://schemas.microsoft.com/office/drawing/2014/main" id="{89D1F85E-4DDB-4B6D-AEAA-A0F9A890F97A}"/>
+              </a:ext>
+            </a:extLst>
+          </p:cNvPr>
+          <p:cNvSpPr/>
+          <p:nvPr/>
+        </p:nvSpPr>
+        <p:spPr>
+          <a:xfrm>
+            <a:off x="6142825" y="4930377"/>
+            <a:ext cx="933538" cy="368795"/>
+          </a:xfrm>
+          <a:prstGeom prst="rect">
+            <a:avLst/>
+          </a:prstGeom>
+        </p:spPr>
+        <p:style>
+          <a:lnRef idx="2">
+            <a:schemeClr val="accent1">
+              <a:shade val="50000"/>
+            </a:schemeClr>
+          </a:lnRef>
+          <a:fillRef idx="1">
+            <a:schemeClr val="accent1"/>
+          </a:fillRef>
+          <a:effectRef idx="0">
+            <a:schemeClr val="accent1"/>
+          </a:effectRef>
+          <a:fontRef idx="minor">
+            <a:schemeClr val="lt1"/>
+          </a:fontRef>
+        </p:style>
+        <p:txBody>
+          <a:bodyPr rtlCol="0" anchor="ctr"/>
+          <a:lstStyle/>
+          <a:p>
+            <a:pPr algn="ctr"/>
+            <a:r>
+              <a:rPr lang="en-GB" dirty="0"/>
+              <a:t>1203</a:t>
+            </a:r>
+          </a:p>
+        </p:txBody>
+      </p:sp>
+      <p:cxnSp>
+        <p:nvCxnSpPr>
+          <p:cNvPr id="78" name="Straight Arrow Connector 77">
+            <a:extLst>
+              <a:ext uri="{FF2B5EF4-FFF2-40B4-BE49-F238E27FC236}">
+                <a16:creationId xmlns:a16="http://schemas.microsoft.com/office/drawing/2014/main" id="{2E56A3F0-C034-441C-9699-6BF04CA1B754}"/>
+              </a:ext>
+            </a:extLst>
+          </p:cNvPr>
+          <p:cNvCxnSpPr>
+            <a:cxnSpLocks/>
+            <a:stCxn id="73" idx="3"/>
+            <a:endCxn id="83" idx="1"/>
+          </p:cNvCxnSpPr>
+          <p:nvPr/>
+        </p:nvCxnSpPr>
+        <p:spPr>
+          <a:xfrm flipV="1">
+            <a:off x="7076363" y="3096207"/>
+            <a:ext cx="471434" cy="892"/>
+          </a:xfrm>
+          <a:prstGeom prst="straightConnector1">
+            <a:avLst/>
+          </a:prstGeom>
+          <a:ln w="38100">
+            <a:tailEnd type="triangle"/>
+          </a:ln>
+        </p:spPr>
+        <p:style>
+          <a:lnRef idx="1">
+            <a:schemeClr val="accent1"/>
+          </a:lnRef>
+          <a:fillRef idx="0">
+            <a:schemeClr val="accent1"/>
+          </a:fillRef>
+          <a:effectRef idx="0">
+            <a:schemeClr val="accent1"/>
+          </a:effectRef>
+          <a:fontRef idx="minor">
+            <a:schemeClr val="tx1"/>
+          </a:fontRef>
+        </p:style>
+      </p:cxnSp>
+      <p:cxnSp>
+        <p:nvCxnSpPr>
+          <p:cNvPr id="79" name="Straight Arrow Connector 78">
+            <a:extLst>
+              <a:ext uri="{FF2B5EF4-FFF2-40B4-BE49-F238E27FC236}">
+                <a16:creationId xmlns:a16="http://schemas.microsoft.com/office/drawing/2014/main" id="{EABEFF1C-9114-40BF-A418-B225C845CA19}"/>
+              </a:ext>
+            </a:extLst>
+          </p:cNvPr>
+          <p:cNvCxnSpPr>
+            <a:cxnSpLocks/>
+            <a:stCxn id="74" idx="3"/>
+            <a:endCxn id="84" idx="1"/>
+          </p:cNvCxnSpPr>
+          <p:nvPr/>
+        </p:nvCxnSpPr>
+        <p:spPr>
+          <a:xfrm flipV="1">
+            <a:off x="7076363" y="3592328"/>
+            <a:ext cx="466769" cy="892"/>
+          </a:xfrm>
+          <a:prstGeom prst="straightConnector1">
+            <a:avLst/>
+          </a:prstGeom>
+          <a:ln w="38100">
+            <a:tailEnd type="triangle"/>
+          </a:ln>
+        </p:spPr>
+        <p:style>
+          <a:lnRef idx="1">
+            <a:schemeClr val="accent1"/>
+          </a:lnRef>
+          <a:fillRef idx="0">
+            <a:schemeClr val="accent1"/>
+          </a:fillRef>
+          <a:effectRef idx="0">
+            <a:schemeClr val="accent1"/>
+          </a:effectRef>
+          <a:fontRef idx="minor">
+            <a:schemeClr val="tx1"/>
+          </a:fontRef>
+        </p:style>
+      </p:cxnSp>
+      <p:cxnSp>
+        <p:nvCxnSpPr>
+          <p:cNvPr id="80" name="Straight Arrow Connector 79">
+            <a:extLst>
+              <a:ext uri="{FF2B5EF4-FFF2-40B4-BE49-F238E27FC236}">
+                <a16:creationId xmlns:a16="http://schemas.microsoft.com/office/drawing/2014/main" id="{75CE8597-D9C8-4D99-9DAE-095DB3046436}"/>
+              </a:ext>
+            </a:extLst>
+          </p:cNvPr>
+          <p:cNvCxnSpPr>
+            <a:cxnSpLocks/>
+            <a:stCxn id="75" idx="3"/>
+            <a:endCxn id="85" idx="1"/>
+          </p:cNvCxnSpPr>
+          <p:nvPr/>
+        </p:nvCxnSpPr>
+        <p:spPr>
+          <a:xfrm flipV="1">
+            <a:off x="7076363" y="4106274"/>
+            <a:ext cx="466769" cy="892"/>
+          </a:xfrm>
+          <a:prstGeom prst="straightConnector1">
+            <a:avLst/>
+          </a:prstGeom>
+          <a:ln w="38100">
+            <a:tailEnd type="triangle"/>
+          </a:ln>
+        </p:spPr>
+        <p:style>
+          <a:lnRef idx="1">
+            <a:schemeClr val="accent1"/>
+          </a:lnRef>
+          <a:fillRef idx="0">
+            <a:schemeClr val="accent1"/>
+          </a:fillRef>
+          <a:effectRef idx="0">
+            <a:schemeClr val="accent1"/>
+          </a:effectRef>
+          <a:fontRef idx="minor">
+            <a:schemeClr val="tx1"/>
+          </a:fontRef>
+        </p:style>
+      </p:cxnSp>
+      <p:cxnSp>
+        <p:nvCxnSpPr>
+          <p:cNvPr id="81" name="Straight Arrow Connector 80">
+            <a:extLst>
+              <a:ext uri="{FF2B5EF4-FFF2-40B4-BE49-F238E27FC236}">
+                <a16:creationId xmlns:a16="http://schemas.microsoft.com/office/drawing/2014/main" id="{141A2C56-FBD5-40D1-8C4B-EF8425FB350D}"/>
+              </a:ext>
+            </a:extLst>
+          </p:cNvPr>
+          <p:cNvCxnSpPr>
+            <a:cxnSpLocks/>
+            <a:stCxn id="76" idx="3"/>
+            <a:endCxn id="86" idx="1"/>
+          </p:cNvCxnSpPr>
+          <p:nvPr/>
+        </p:nvCxnSpPr>
+        <p:spPr>
+          <a:xfrm flipV="1">
+            <a:off x="7076363" y="4605381"/>
+            <a:ext cx="466769" cy="892"/>
+          </a:xfrm>
+          <a:prstGeom prst="straightConnector1">
+            <a:avLst/>
+          </a:prstGeom>
+          <a:ln w="38100">
+            <a:tailEnd type="triangle"/>
+          </a:ln>
+        </p:spPr>
+        <p:style>
+          <a:lnRef idx="1">
+            <a:schemeClr val="accent1"/>
+          </a:lnRef>
+          <a:fillRef idx="0">
+            <a:schemeClr val="accent1"/>
+          </a:fillRef>
+          <a:effectRef idx="0">
+            <a:schemeClr val="accent1"/>
+          </a:effectRef>
+          <a:fontRef idx="minor">
+            <a:schemeClr val="tx1"/>
+          </a:fontRef>
+        </p:style>
+      </p:cxnSp>
+      <p:cxnSp>
+        <p:nvCxnSpPr>
+          <p:cNvPr id="82" name="Straight Arrow Connector 81">
+            <a:extLst>
+              <a:ext uri="{FF2B5EF4-FFF2-40B4-BE49-F238E27FC236}">
+                <a16:creationId xmlns:a16="http://schemas.microsoft.com/office/drawing/2014/main" id="{C294D6BF-D86B-4232-88E8-15AE06F3FAA4}"/>
+              </a:ext>
+            </a:extLst>
+          </p:cNvPr>
+          <p:cNvCxnSpPr>
+            <a:cxnSpLocks/>
+            <a:stCxn id="77" idx="3"/>
+            <a:endCxn id="87" idx="1"/>
+          </p:cNvCxnSpPr>
+          <p:nvPr/>
+        </p:nvCxnSpPr>
+        <p:spPr>
+          <a:xfrm flipV="1">
+            <a:off x="7076363" y="5113883"/>
+            <a:ext cx="466769" cy="892"/>
+          </a:xfrm>
+          <a:prstGeom prst="straightConnector1">
+            <a:avLst/>
+          </a:prstGeom>
+          <a:ln w="38100">
+            <a:tailEnd type="triangle"/>
+          </a:ln>
+        </p:spPr>
+        <p:style>
+          <a:lnRef idx="1">
+            <a:schemeClr val="accent1"/>
+          </a:lnRef>
+          <a:fillRef idx="0">
+            <a:schemeClr val="accent1"/>
+          </a:fillRef>
+          <a:effectRef idx="0">
+            <a:schemeClr val="accent1"/>
+          </a:effectRef>
+          <a:fontRef idx="minor">
+            <a:schemeClr val="tx1"/>
+          </a:fontRef>
+        </p:style>
+      </p:cxnSp>
+      <p:sp>
+        <p:nvSpPr>
+          <p:cNvPr id="83" name="Rectangle 82">
+            <a:extLst>
+              <a:ext uri="{FF2B5EF4-FFF2-40B4-BE49-F238E27FC236}">
+                <a16:creationId xmlns:a16="http://schemas.microsoft.com/office/drawing/2014/main" id="{7D34C4D3-D53A-46DC-BA3B-22022A82D0C1}"/>
+              </a:ext>
+            </a:extLst>
+          </p:cNvPr>
+          <p:cNvSpPr/>
+          <p:nvPr/>
+        </p:nvSpPr>
+        <p:spPr>
+          <a:xfrm>
+            <a:off x="7547797" y="2919633"/>
+            <a:ext cx="1651996" cy="353148"/>
+          </a:xfrm>
+          <a:prstGeom prst="rect">
+            <a:avLst/>
+          </a:prstGeom>
+        </p:spPr>
+        <p:style>
+          <a:lnRef idx="2">
+            <a:schemeClr val="accent1">
+              <a:shade val="50000"/>
+            </a:schemeClr>
+          </a:lnRef>
+          <a:fillRef idx="1">
+            <a:schemeClr val="accent1"/>
+          </a:fillRef>
+          <a:effectRef idx="0">
+            <a:schemeClr val="accent1"/>
+          </a:effectRef>
+          <a:fontRef idx="minor">
+            <a:schemeClr val="lt1"/>
+          </a:fontRef>
+        </p:style>
+        <p:txBody>
+          <a:bodyPr rtlCol="0" anchor="ctr"/>
+          <a:lstStyle/>
+          <a:p>
+            <a:pPr algn="ctr"/>
+            <a:r>
+              <a:rPr lang="en-GB" dirty="0"/>
+              <a:t>1200-1200</a:t>
+            </a:r>
+          </a:p>
+        </p:txBody>
+      </p:sp>
+      <p:sp>
+        <p:nvSpPr>
+          <p:cNvPr id="84" name="Rectangle 83">
+            <a:extLst>
+              <a:ext uri="{FF2B5EF4-FFF2-40B4-BE49-F238E27FC236}">
+                <a16:creationId xmlns:a16="http://schemas.microsoft.com/office/drawing/2014/main" id="{3847F6D2-17D6-4C2C-873B-6D3686475992}"/>
+              </a:ext>
+            </a:extLst>
+          </p:cNvPr>
+          <p:cNvSpPr/>
+          <p:nvPr/>
+        </p:nvSpPr>
+        <p:spPr>
+          <a:xfrm>
+            <a:off x="7543132" y="3415754"/>
+            <a:ext cx="1651996" cy="353148"/>
+          </a:xfrm>
+          <a:prstGeom prst="rect">
+            <a:avLst/>
+          </a:prstGeom>
+        </p:spPr>
+        <p:style>
+          <a:lnRef idx="2">
+            <a:schemeClr val="accent1">
+              <a:shade val="50000"/>
+            </a:schemeClr>
+          </a:lnRef>
+          <a:fillRef idx="1">
+            <a:schemeClr val="accent1"/>
+          </a:fillRef>
+          <a:effectRef idx="0">
+            <a:schemeClr val="accent1"/>
+          </a:effectRef>
+          <a:fontRef idx="minor">
+            <a:schemeClr val="lt1"/>
+          </a:fontRef>
+        </p:style>
+        <p:txBody>
+          <a:bodyPr rtlCol="0" anchor="ctr"/>
+          <a:lstStyle/>
+          <a:p>
+            <a:pPr algn="ctr"/>
+            <a:r>
+              <a:rPr lang="en-GB" dirty="0"/>
+              <a:t>1205-1200</a:t>
+            </a:r>
+          </a:p>
+        </p:txBody>
+      </p:sp>
+      <p:sp>
+        <p:nvSpPr>
+          <p:cNvPr id="85" name="Rectangle 84">
+            <a:extLst>
+              <a:ext uri="{FF2B5EF4-FFF2-40B4-BE49-F238E27FC236}">
+                <a16:creationId xmlns:a16="http://schemas.microsoft.com/office/drawing/2014/main" id="{E84C59B2-3628-4AA3-936E-ABAE2BD94AF1}"/>
+              </a:ext>
+            </a:extLst>
+          </p:cNvPr>
+          <p:cNvSpPr/>
+          <p:nvPr/>
+        </p:nvSpPr>
+        <p:spPr>
+          <a:xfrm>
+            <a:off x="7543132" y="3929700"/>
+            <a:ext cx="1651996" cy="353148"/>
+          </a:xfrm>
+          <a:prstGeom prst="rect">
+            <a:avLst/>
+          </a:prstGeom>
+        </p:spPr>
+        <p:style>
+          <a:lnRef idx="2">
+            <a:schemeClr val="accent1">
+              <a:shade val="50000"/>
+            </a:schemeClr>
+          </a:lnRef>
+          <a:fillRef idx="1">
+            <a:schemeClr val="accent1"/>
+          </a:fillRef>
+          <a:effectRef idx="0">
+            <a:schemeClr val="accent1"/>
+          </a:effectRef>
+          <a:fontRef idx="minor">
+            <a:schemeClr val="lt1"/>
+          </a:fontRef>
+        </p:style>
+        <p:txBody>
+          <a:bodyPr rtlCol="0" anchor="ctr"/>
+          <a:lstStyle/>
+          <a:p>
+            <a:pPr algn="ctr"/>
+            <a:r>
+              <a:rPr lang="en-GB" dirty="0"/>
+              <a:t>1210-1205</a:t>
+            </a:r>
+          </a:p>
+        </p:txBody>
+      </p:sp>
+      <p:sp>
+        <p:nvSpPr>
+          <p:cNvPr id="86" name="Rectangle 85">
+            <a:extLst>
+              <a:ext uri="{FF2B5EF4-FFF2-40B4-BE49-F238E27FC236}">
+                <a16:creationId xmlns:a16="http://schemas.microsoft.com/office/drawing/2014/main" id="{773ABDB7-B16D-4461-8729-0BD9702D0827}"/>
+              </a:ext>
+            </a:extLst>
+          </p:cNvPr>
+          <p:cNvSpPr/>
+          <p:nvPr/>
+        </p:nvSpPr>
+        <p:spPr>
+          <a:xfrm>
+            <a:off x="7543132" y="4428807"/>
+            <a:ext cx="1651996" cy="353148"/>
+          </a:xfrm>
+          <a:prstGeom prst="rect">
+            <a:avLst/>
+          </a:prstGeom>
+        </p:spPr>
+        <p:style>
+          <a:lnRef idx="2">
+            <a:schemeClr val="accent1">
+              <a:shade val="50000"/>
+            </a:schemeClr>
+          </a:lnRef>
+          <a:fillRef idx="1">
+            <a:schemeClr val="accent1"/>
+          </a:fillRef>
+          <a:effectRef idx="0">
+            <a:schemeClr val="accent1"/>
+          </a:effectRef>
+          <a:fontRef idx="minor">
+            <a:schemeClr val="lt1"/>
+          </a:fontRef>
+        </p:style>
+        <p:txBody>
+          <a:bodyPr rtlCol="0" anchor="ctr"/>
+          <a:lstStyle/>
+          <a:p>
+            <a:pPr algn="ctr"/>
+            <a:r>
+              <a:rPr lang="en-GB" dirty="0"/>
+              <a:t>1190-1210</a:t>
+            </a:r>
+          </a:p>
+        </p:txBody>
+      </p:sp>
+      <p:sp>
+        <p:nvSpPr>
+          <p:cNvPr id="87" name="Rectangle 86">
+            <a:extLst>
+              <a:ext uri="{FF2B5EF4-FFF2-40B4-BE49-F238E27FC236}">
+                <a16:creationId xmlns:a16="http://schemas.microsoft.com/office/drawing/2014/main" id="{45E9D1B4-9E0A-495C-8EE6-E797F9984C58}"/>
+              </a:ext>
+            </a:extLst>
+          </p:cNvPr>
+          <p:cNvSpPr/>
+          <p:nvPr/>
+        </p:nvSpPr>
+        <p:spPr>
+          <a:xfrm>
+            <a:off x="7543132" y="4937309"/>
+            <a:ext cx="1651996" cy="353148"/>
+          </a:xfrm>
+          <a:prstGeom prst="rect">
+            <a:avLst/>
+          </a:prstGeom>
+        </p:spPr>
+        <p:style>
+          <a:lnRef idx="2">
+            <a:schemeClr val="accent1">
+              <a:shade val="50000"/>
+            </a:schemeClr>
+          </a:lnRef>
+          <a:fillRef idx="1">
+            <a:schemeClr val="accent1"/>
+          </a:fillRef>
+          <a:effectRef idx="0">
+            <a:schemeClr val="accent1"/>
+          </a:effectRef>
+          <a:fontRef idx="minor">
+            <a:schemeClr val="lt1"/>
+          </a:fontRef>
+        </p:style>
+        <p:txBody>
+          <a:bodyPr rtlCol="0" anchor="ctr"/>
+          <a:lstStyle/>
+          <a:p>
+            <a:pPr algn="ctr"/>
+            <a:r>
+              <a:rPr lang="en-GB" dirty="0"/>
+              <a:t>1203-1190</a:t>
+            </a:r>
+          </a:p>
+        </p:txBody>
+      </p:sp>
+      <p:cxnSp>
+        <p:nvCxnSpPr>
+          <p:cNvPr id="88" name="Straight Arrow Connector 87">
+            <a:extLst>
+              <a:ext uri="{FF2B5EF4-FFF2-40B4-BE49-F238E27FC236}">
+                <a16:creationId xmlns:a16="http://schemas.microsoft.com/office/drawing/2014/main" id="{9FE55A4F-4921-44DE-99F6-14FA739CAD5B}"/>
+              </a:ext>
+            </a:extLst>
+          </p:cNvPr>
+          <p:cNvCxnSpPr>
+            <a:cxnSpLocks/>
+          </p:cNvCxnSpPr>
+          <p:nvPr/>
+        </p:nvCxnSpPr>
+        <p:spPr>
+          <a:xfrm flipV="1">
+            <a:off x="9195128" y="3077546"/>
+            <a:ext cx="421081" cy="1"/>
+          </a:xfrm>
+          <a:prstGeom prst="straightConnector1">
+            <a:avLst/>
+          </a:prstGeom>
+          <a:ln w="38100">
+            <a:tailEnd type="triangle"/>
+          </a:ln>
+        </p:spPr>
+        <p:style>
+          <a:lnRef idx="1">
+            <a:schemeClr val="accent1"/>
+          </a:lnRef>
+          <a:fillRef idx="0">
+            <a:schemeClr val="accent1"/>
+          </a:fillRef>
+          <a:effectRef idx="0">
+            <a:schemeClr val="accent1"/>
+          </a:effectRef>
+          <a:fontRef idx="minor">
+            <a:schemeClr val="tx1"/>
+          </a:fontRef>
+        </p:style>
+      </p:cxnSp>
+      <p:cxnSp>
+        <p:nvCxnSpPr>
+          <p:cNvPr id="89" name="Straight Arrow Connector 88">
+            <a:extLst>
+              <a:ext uri="{FF2B5EF4-FFF2-40B4-BE49-F238E27FC236}">
+                <a16:creationId xmlns:a16="http://schemas.microsoft.com/office/drawing/2014/main" id="{366F5DB5-FFCB-4A49-A890-1F2F8637F4B3}"/>
+              </a:ext>
+            </a:extLst>
+          </p:cNvPr>
+          <p:cNvCxnSpPr>
+            <a:cxnSpLocks/>
+            <a:stCxn id="84" idx="3"/>
+            <a:endCxn id="94" idx="1"/>
+          </p:cNvCxnSpPr>
+          <p:nvPr/>
+        </p:nvCxnSpPr>
+        <p:spPr>
+          <a:xfrm>
+            <a:off x="9195128" y="3592328"/>
+            <a:ext cx="421081" cy="7824"/>
+          </a:xfrm>
+          <a:prstGeom prst="straightConnector1">
+            <a:avLst/>
+          </a:prstGeom>
+          <a:ln w="38100">
+            <a:tailEnd type="triangle"/>
+          </a:ln>
+        </p:spPr>
+        <p:style>
+          <a:lnRef idx="1">
+            <a:schemeClr val="accent1"/>
+          </a:lnRef>
+          <a:fillRef idx="0">
+            <a:schemeClr val="accent1"/>
+          </a:fillRef>
+          <a:effectRef idx="0">
+            <a:schemeClr val="accent1"/>
+          </a:effectRef>
+          <a:fontRef idx="minor">
+            <a:schemeClr val="tx1"/>
+          </a:fontRef>
+        </p:style>
+      </p:cxnSp>
+      <p:cxnSp>
+        <p:nvCxnSpPr>
+          <p:cNvPr id="90" name="Straight Arrow Connector 89">
+            <a:extLst>
+              <a:ext uri="{FF2B5EF4-FFF2-40B4-BE49-F238E27FC236}">
+                <a16:creationId xmlns:a16="http://schemas.microsoft.com/office/drawing/2014/main" id="{A694CB90-AD4A-45BD-8031-4B1E7516E17C}"/>
+              </a:ext>
+            </a:extLst>
+          </p:cNvPr>
+          <p:cNvCxnSpPr>
+            <a:cxnSpLocks/>
+            <a:stCxn id="85" idx="3"/>
+            <a:endCxn id="95" idx="1"/>
+          </p:cNvCxnSpPr>
+          <p:nvPr/>
+        </p:nvCxnSpPr>
+        <p:spPr>
+          <a:xfrm>
+            <a:off x="9195128" y="4106274"/>
+            <a:ext cx="421081" cy="7824"/>
+          </a:xfrm>
+          <a:prstGeom prst="straightConnector1">
+            <a:avLst/>
+          </a:prstGeom>
+          <a:ln w="38100">
+            <a:tailEnd type="triangle"/>
+          </a:ln>
+        </p:spPr>
+        <p:style>
+          <a:lnRef idx="1">
+            <a:schemeClr val="accent1"/>
+          </a:lnRef>
+          <a:fillRef idx="0">
+            <a:schemeClr val="accent1"/>
+          </a:fillRef>
+          <a:effectRef idx="0">
+            <a:schemeClr val="accent1"/>
+          </a:effectRef>
+          <a:fontRef idx="minor">
+            <a:schemeClr val="tx1"/>
+          </a:fontRef>
+        </p:style>
+      </p:cxnSp>
+      <p:cxnSp>
+        <p:nvCxnSpPr>
+          <p:cNvPr id="91" name="Straight Arrow Connector 90">
+            <a:extLst>
+              <a:ext uri="{FF2B5EF4-FFF2-40B4-BE49-F238E27FC236}">
+                <a16:creationId xmlns:a16="http://schemas.microsoft.com/office/drawing/2014/main" id="{E42D4FFB-BA38-45E3-A4E2-5E95345AD9F2}"/>
+              </a:ext>
+            </a:extLst>
+          </p:cNvPr>
+          <p:cNvCxnSpPr>
+            <a:cxnSpLocks/>
+            <a:stCxn id="86" idx="3"/>
+            <a:endCxn id="96" idx="1"/>
+          </p:cNvCxnSpPr>
+          <p:nvPr/>
+        </p:nvCxnSpPr>
+        <p:spPr>
+          <a:xfrm>
+            <a:off x="9195128" y="4605381"/>
+            <a:ext cx="421081" cy="7824"/>
+          </a:xfrm>
+          <a:prstGeom prst="straightConnector1">
+            <a:avLst/>
+          </a:prstGeom>
+          <a:ln w="38100">
+            <a:tailEnd type="triangle"/>
+          </a:ln>
+        </p:spPr>
+        <p:style>
+          <a:lnRef idx="1">
+            <a:schemeClr val="accent1"/>
+          </a:lnRef>
+          <a:fillRef idx="0">
+            <a:schemeClr val="accent1"/>
+          </a:fillRef>
+          <a:effectRef idx="0">
+            <a:schemeClr val="accent1"/>
+          </a:effectRef>
+          <a:fontRef idx="minor">
+            <a:schemeClr val="tx1"/>
+          </a:fontRef>
+        </p:style>
+      </p:cxnSp>
+      <p:cxnSp>
+        <p:nvCxnSpPr>
+          <p:cNvPr id="92" name="Straight Arrow Connector 91">
+            <a:extLst>
+              <a:ext uri="{FF2B5EF4-FFF2-40B4-BE49-F238E27FC236}">
+                <a16:creationId xmlns:a16="http://schemas.microsoft.com/office/drawing/2014/main" id="{F34E0F26-D5D2-4B27-9B7B-D9852926A45F}"/>
+              </a:ext>
+            </a:extLst>
+          </p:cNvPr>
+          <p:cNvCxnSpPr>
+            <a:cxnSpLocks/>
+            <a:stCxn id="87" idx="3"/>
+            <a:endCxn id="97" idx="1"/>
+          </p:cNvCxnSpPr>
+          <p:nvPr/>
+        </p:nvCxnSpPr>
+        <p:spPr>
+          <a:xfrm>
+            <a:off x="9195128" y="5113883"/>
+            <a:ext cx="421081" cy="7824"/>
+          </a:xfrm>
+          <a:prstGeom prst="straightConnector1">
+            <a:avLst/>
+          </a:prstGeom>
+          <a:ln w="38100">
+            <a:tailEnd type="triangle"/>
+          </a:ln>
+        </p:spPr>
+        <p:style>
+          <a:lnRef idx="1">
+            <a:schemeClr val="accent1"/>
+          </a:lnRef>
+          <a:fillRef idx="0">
+            <a:schemeClr val="accent1"/>
+          </a:fillRef>
+          <a:effectRef idx="0">
+            <a:schemeClr val="accent1"/>
+          </a:effectRef>
+          <a:fontRef idx="minor">
+            <a:schemeClr val="tx1"/>
+          </a:fontRef>
+        </p:style>
+      </p:cxnSp>
+      <p:sp>
+        <p:nvSpPr>
+          <p:cNvPr id="93" name="Rectangle 92">
+            <a:extLst>
+              <a:ext uri="{FF2B5EF4-FFF2-40B4-BE49-F238E27FC236}">
+                <a16:creationId xmlns:a16="http://schemas.microsoft.com/office/drawing/2014/main" id="{5EF489AB-36B5-4D58-BEAB-F5983EF8F05F}"/>
+              </a:ext>
+            </a:extLst>
+          </p:cNvPr>
+          <p:cNvSpPr/>
+          <p:nvPr/>
+        </p:nvSpPr>
+        <p:spPr>
+          <a:xfrm>
+            <a:off x="9616209" y="2919633"/>
+            <a:ext cx="933538" cy="368795"/>
+          </a:xfrm>
+          <a:prstGeom prst="rect">
+            <a:avLst/>
+          </a:prstGeom>
+        </p:spPr>
+        <p:style>
+          <a:lnRef idx="2">
+            <a:schemeClr val="accent1">
+              <a:shade val="50000"/>
+            </a:schemeClr>
+          </a:lnRef>
+          <a:fillRef idx="1">
+            <a:schemeClr val="accent1"/>
+          </a:fillRef>
+          <a:effectRef idx="0">
+            <a:schemeClr val="accent1"/>
+          </a:effectRef>
+          <a:fontRef idx="minor">
+            <a:schemeClr val="lt1"/>
+          </a:fontRef>
+        </p:style>
+        <p:txBody>
+          <a:bodyPr rtlCol="0" anchor="ctr"/>
+          <a:lstStyle/>
+          <a:p>
+            <a:pPr algn="ctr"/>
+            <a:r>
+              <a:rPr lang="en-GB" dirty="0"/>
+              <a:t>0</a:t>
+            </a:r>
+          </a:p>
+        </p:txBody>
+      </p:sp>
+      <p:sp>
+        <p:nvSpPr>
+          <p:cNvPr id="94" name="Rectangle 93">
+            <a:extLst>
+              <a:ext uri="{FF2B5EF4-FFF2-40B4-BE49-F238E27FC236}">
+                <a16:creationId xmlns:a16="http://schemas.microsoft.com/office/drawing/2014/main" id="{72AA1B59-AF9B-406A-BCAD-EB225723CD17}"/>
+              </a:ext>
+            </a:extLst>
+          </p:cNvPr>
+          <p:cNvSpPr/>
+          <p:nvPr/>
+        </p:nvSpPr>
+        <p:spPr>
+          <a:xfrm>
+            <a:off x="9616209" y="3415754"/>
+            <a:ext cx="933538" cy="368795"/>
+          </a:xfrm>
+          <a:prstGeom prst="rect">
+            <a:avLst/>
+          </a:prstGeom>
+        </p:spPr>
+        <p:style>
+          <a:lnRef idx="2">
+            <a:schemeClr val="accent1">
+              <a:shade val="50000"/>
+            </a:schemeClr>
+          </a:lnRef>
+          <a:fillRef idx="1">
+            <a:schemeClr val="accent1"/>
+          </a:fillRef>
+          <a:effectRef idx="0">
+            <a:schemeClr val="accent1"/>
+          </a:effectRef>
+          <a:fontRef idx="minor">
+            <a:schemeClr val="lt1"/>
+          </a:fontRef>
+        </p:style>
+        <p:txBody>
+          <a:bodyPr rtlCol="0" anchor="ctr"/>
+          <a:lstStyle/>
+          <a:p>
+            <a:pPr algn="ctr"/>
+            <a:r>
+              <a:rPr lang="en-GB" dirty="0"/>
+              <a:t>5</a:t>
+            </a:r>
+          </a:p>
+        </p:txBody>
+      </p:sp>
+      <p:sp>
+        <p:nvSpPr>
+          <p:cNvPr id="95" name="Rectangle 94">
+            <a:extLst>
+              <a:ext uri="{FF2B5EF4-FFF2-40B4-BE49-F238E27FC236}">
+                <a16:creationId xmlns:a16="http://schemas.microsoft.com/office/drawing/2014/main" id="{D789523A-17DC-4AB1-80E9-21384705FB8B}"/>
+              </a:ext>
+            </a:extLst>
+          </p:cNvPr>
+          <p:cNvSpPr/>
+          <p:nvPr/>
+        </p:nvSpPr>
+        <p:spPr>
+          <a:xfrm>
+            <a:off x="9616209" y="3929700"/>
+            <a:ext cx="933538" cy="368795"/>
+          </a:xfrm>
+          <a:prstGeom prst="rect">
+            <a:avLst/>
+          </a:prstGeom>
+        </p:spPr>
+        <p:style>
+          <a:lnRef idx="2">
+            <a:schemeClr val="accent1">
+              <a:shade val="50000"/>
+            </a:schemeClr>
+          </a:lnRef>
+          <a:fillRef idx="1">
+            <a:schemeClr val="accent1"/>
+          </a:fillRef>
+          <a:effectRef idx="0">
+            <a:schemeClr val="accent1"/>
+          </a:effectRef>
+          <a:fontRef idx="minor">
+            <a:schemeClr val="lt1"/>
+          </a:fontRef>
+        </p:style>
+        <p:txBody>
+          <a:bodyPr rtlCol="0" anchor="ctr"/>
+          <a:lstStyle/>
+          <a:p>
+            <a:pPr algn="ctr"/>
+            <a:r>
+              <a:rPr lang="en-GB" dirty="0"/>
+              <a:t>5</a:t>
+            </a:r>
+          </a:p>
+        </p:txBody>
+      </p:sp>
+      <p:sp>
+        <p:nvSpPr>
+          <p:cNvPr id="96" name="Rectangle 95">
+            <a:extLst>
+              <a:ext uri="{FF2B5EF4-FFF2-40B4-BE49-F238E27FC236}">
+                <a16:creationId xmlns:a16="http://schemas.microsoft.com/office/drawing/2014/main" id="{70322348-C237-4D81-B91D-1113BEBB24F6}"/>
+              </a:ext>
+            </a:extLst>
+          </p:cNvPr>
+          <p:cNvSpPr/>
+          <p:nvPr/>
+        </p:nvSpPr>
+        <p:spPr>
+          <a:xfrm>
+            <a:off x="9616209" y="4428807"/>
+            <a:ext cx="933538" cy="368795"/>
+          </a:xfrm>
+          <a:prstGeom prst="rect">
+            <a:avLst/>
+          </a:prstGeom>
+        </p:spPr>
+        <p:style>
+          <a:lnRef idx="2">
+            <a:schemeClr val="accent1">
+              <a:shade val="50000"/>
+            </a:schemeClr>
+          </a:lnRef>
+          <a:fillRef idx="1">
+            <a:schemeClr val="accent1"/>
+          </a:fillRef>
+          <a:effectRef idx="0">
+            <a:schemeClr val="accent1"/>
+          </a:effectRef>
+          <a:fontRef idx="minor">
+            <a:schemeClr val="lt1"/>
+          </a:fontRef>
+        </p:style>
+        <p:txBody>
+          <a:bodyPr rtlCol="0" anchor="ctr"/>
+          <a:lstStyle/>
+          <a:p>
+            <a:pPr algn="ctr"/>
+            <a:r>
+              <a:rPr lang="en-GB" dirty="0"/>
+              <a:t>-20</a:t>
+            </a:r>
+          </a:p>
+        </p:txBody>
+      </p:sp>
+      <p:sp>
+        <p:nvSpPr>
+          <p:cNvPr id="97" name="Rectangle 96">
+            <a:extLst>
+              <a:ext uri="{FF2B5EF4-FFF2-40B4-BE49-F238E27FC236}">
+                <a16:creationId xmlns:a16="http://schemas.microsoft.com/office/drawing/2014/main" id="{0333FFBC-A844-4F35-893E-DC9B30BF2735}"/>
+              </a:ext>
+            </a:extLst>
+          </p:cNvPr>
+          <p:cNvSpPr/>
+          <p:nvPr/>
+        </p:nvSpPr>
+        <p:spPr>
+          <a:xfrm>
+            <a:off x="9616209" y="4937309"/>
+            <a:ext cx="933538" cy="368795"/>
+          </a:xfrm>
+          <a:prstGeom prst="rect">
+            <a:avLst/>
+          </a:prstGeom>
+        </p:spPr>
+        <p:style>
+          <a:lnRef idx="2">
+            <a:schemeClr val="accent1">
+              <a:shade val="50000"/>
+            </a:schemeClr>
+          </a:lnRef>
+          <a:fillRef idx="1">
+            <a:schemeClr val="accent1"/>
+          </a:fillRef>
+          <a:effectRef idx="0">
+            <a:schemeClr val="accent1"/>
+          </a:effectRef>
+          <a:fontRef idx="minor">
+            <a:schemeClr val="lt1"/>
+          </a:fontRef>
+        </p:style>
+        <p:txBody>
+          <a:bodyPr rtlCol="0" anchor="ctr"/>
+          <a:lstStyle/>
+          <a:p>
+            <a:pPr algn="ctr"/>
+            <a:r>
+              <a:rPr lang="en-GB" dirty="0"/>
+              <a:t>13</a:t>
+            </a:r>
+          </a:p>
+        </p:txBody>
+      </p:sp>
+    </p:spTree>
+    <p:extLst>
+      <p:ext uri="{BB962C8B-B14F-4D97-AF65-F5344CB8AC3E}">
+        <p14:creationId xmlns:p14="http://schemas.microsoft.com/office/powerpoint/2010/main" val="2909838971"/>
+      </p:ext>
+    </p:extLst>
+  </p:cSld>
+  <p:clrMapOvr>
+    <a:masterClrMapping/>
+  </p:clrMapOvr>
+</p:sld>
+</file>
+
+<file path=ppt/slides/slide4.xml><?xml version="1.0" encoding="utf-8"?>
+<p:sld xmlns:a="http://schemas.openxmlformats.org/drawingml/2006/main" xmlns:r="http://schemas.openxmlformats.org/officeDocument/2006/relationships" xmlns:p="http://schemas.openxmlformats.org/presentationml/2006/main">
+  <p:cSld>
+    <p:spTree>
+      <p:nvGrpSpPr>
+        <p:cNvPr id="1" name=""/>
+        <p:cNvGrpSpPr/>
+        <p:nvPr/>
+      </p:nvGrpSpPr>
+      <p:grpSpPr>
+        <a:xfrm>
+          <a:off x="0" y="0"/>
+          <a:ext cx="0" cy="0"/>
+          <a:chOff x="0" y="0"/>
+          <a:chExt cx="0" cy="0"/>
+        </a:xfrm>
+      </p:grpSpPr>
+      <p:sp>
+        <p:nvSpPr>
+          <p:cNvPr id="2" name="Title 1">
+            <a:extLst>
+              <a:ext uri="{FF2B5EF4-FFF2-40B4-BE49-F238E27FC236}">
                 <a16:creationId xmlns:a16="http://schemas.microsoft.com/office/drawing/2014/main" id="{83E9518B-A51A-4C61-BA6F-5776E19AA391}"/>
               </a:ext>
             </a:extLst>
@@ -12795,7 +15297,7 @@
 </p:sld>
 </file>
 
-<file path=ppt/slides/slide4.xml><?xml version="1.0" encoding="utf-8"?>
+<file path=ppt/slides/slide5.xml><?xml version="1.0" encoding="utf-8"?>
 <p:sld xmlns:a="http://schemas.openxmlformats.org/drawingml/2006/main" xmlns:r="http://schemas.openxmlformats.org/officeDocument/2006/relationships" xmlns:p="http://schemas.openxmlformats.org/presentationml/2006/main">
   <p:cSld>
     <p:spTree>
@@ -12986,7 +15488,7 @@
 </p:sld>
 </file>
 
-<file path=ppt/slides/slide5.xml><?xml version="1.0" encoding="utf-8"?>
+<file path=ppt/slides/slide6.xml><?xml version="1.0" encoding="utf-8"?>
 <p:sld xmlns:a="http://schemas.openxmlformats.org/drawingml/2006/main" xmlns:r="http://schemas.openxmlformats.org/officeDocument/2006/relationships" xmlns:p="http://schemas.openxmlformats.org/presentationml/2006/main">
   <p:cSld>
     <p:spTree>
@@ -15304,7 +17806,7 @@
 </p:sld>
 </file>
 
-<file path=ppt/slides/slide6.xml><?xml version="1.0" encoding="utf-8"?>
+<file path=ppt/slides/slide7.xml><?xml version="1.0" encoding="utf-8"?>
 <p:sld xmlns:a="http://schemas.openxmlformats.org/drawingml/2006/main" xmlns:r="http://schemas.openxmlformats.org/officeDocument/2006/relationships" xmlns:p="http://schemas.openxmlformats.org/presentationml/2006/main">
   <p:cSld>
     <p:spTree>
@@ -15337,7 +17839,12 @@
             <p:ph type="title"/>
           </p:nvPr>
         </p:nvSpPr>
-        <p:spPr/>
+        <p:spPr>
+          <a:xfrm>
+            <a:off x="1141413" y="385268"/>
+            <a:ext cx="9905998" cy="1478570"/>
+          </a:xfrm>
+        </p:spPr>
         <p:txBody>
           <a:bodyPr/>
           <a:lstStyle/>
@@ -15436,7 +17943,7 @@
 </p:sld>
 </file>
 
-<file path=ppt/slides/slide7.xml><?xml version="1.0" encoding="utf-8"?>
+<file path=ppt/slides/slide8.xml><?xml version="1.0" encoding="utf-8"?>
 <p:sld xmlns:a="http://schemas.openxmlformats.org/drawingml/2006/main" xmlns:r="http://schemas.openxmlformats.org/officeDocument/2006/relationships" xmlns:p="http://schemas.openxmlformats.org/presentationml/2006/main">
   <p:cSld>
     <p:spTree>
@@ -15510,21 +18017,6 @@
               <a:t>Any Questions?</a:t>
             </a:r>
           </a:p>
-          <a:p>
-            <a:pPr marL="0" indent="0">
-              <a:buNone/>
-            </a:pPr>
-            <a:endParaRPr lang="en-GB" dirty="0"/>
-          </a:p>
-          <a:p>
-            <a:pPr marL="0" indent="0">
-              <a:buNone/>
-            </a:pPr>
-            <a:r>
-              <a:rPr lang="en-GB" dirty="0"/>
-              <a:t>Simplify slides, less graphs, explain algorithms with diagrams not words</a:t>
-            </a:r>
-          </a:p>
         </p:txBody>
       </p:sp>
     </p:spTree>
@@ -15540,7 +18032,7 @@
 </p:sld>
 </file>
 
-<file path=ppt/slides/slide8.xml><?xml version="1.0" encoding="utf-8"?>
+<file path=ppt/slides/slide9.xml><?xml version="1.0" encoding="utf-8"?>
 <p:sld xmlns:a="http://schemas.openxmlformats.org/drawingml/2006/main" xmlns:r="http://schemas.openxmlformats.org/officeDocument/2006/relationships" xmlns:p="http://schemas.openxmlformats.org/presentationml/2006/main">
   <p:cSld>
     <p:spTree>
@@ -17695,7 +20187,7 @@
         </p:nvGrpSpPr>
         <p:grpSpPr>
           <a:xfrm>
-            <a:off x="1003707" y="3398929"/>
+            <a:off x="619279" y="2638782"/>
             <a:ext cx="6140423" cy="1683561"/>
             <a:chOff x="1003707" y="3398929"/>
             <a:chExt cx="6140423" cy="1683561"/>
@@ -18687,6 +21179,2306 @@
           </p:style>
         </p:cxnSp>
       </p:grpSp>
+      <p:sp>
+        <p:nvSpPr>
+          <p:cNvPr id="2" name="Rectangle 1">
+            <a:extLst>
+              <a:ext uri="{FF2B5EF4-FFF2-40B4-BE49-F238E27FC236}">
+                <a16:creationId xmlns:a16="http://schemas.microsoft.com/office/drawing/2014/main" id="{5DA43D83-E825-4500-86B3-7D31DE8CECE8}"/>
+              </a:ext>
+            </a:extLst>
+          </p:cNvPr>
+          <p:cNvSpPr/>
+          <p:nvPr/>
+        </p:nvSpPr>
+        <p:spPr>
+          <a:xfrm>
+            <a:off x="1431914" y="4820812"/>
+            <a:ext cx="933538" cy="256592"/>
+          </a:xfrm>
+          <a:prstGeom prst="rect">
+            <a:avLst/>
+          </a:prstGeom>
+        </p:spPr>
+        <p:style>
+          <a:lnRef idx="2">
+            <a:schemeClr val="accent1">
+              <a:shade val="50000"/>
+            </a:schemeClr>
+          </a:lnRef>
+          <a:fillRef idx="1">
+            <a:schemeClr val="accent1"/>
+          </a:fillRef>
+          <a:effectRef idx="0">
+            <a:schemeClr val="accent1"/>
+          </a:effectRef>
+          <a:fontRef idx="minor">
+            <a:schemeClr val="lt1"/>
+          </a:fontRef>
+        </p:style>
+        <p:txBody>
+          <a:bodyPr rtlCol="0" anchor="ctr"/>
+          <a:lstStyle/>
+          <a:p>
+            <a:pPr algn="ctr"/>
+            <a:r>
+              <a:rPr lang="en-GB" dirty="0"/>
+              <a:t>1200</a:t>
+            </a:r>
+          </a:p>
+        </p:txBody>
+      </p:sp>
+      <p:sp>
+        <p:nvSpPr>
+          <p:cNvPr id="49" name="Rectangle 48">
+            <a:extLst>
+              <a:ext uri="{FF2B5EF4-FFF2-40B4-BE49-F238E27FC236}">
+                <a16:creationId xmlns:a16="http://schemas.microsoft.com/office/drawing/2014/main" id="{53EB39E2-D21B-49D2-919B-54488AFB0F0D}"/>
+              </a:ext>
+            </a:extLst>
+          </p:cNvPr>
+          <p:cNvSpPr/>
+          <p:nvPr/>
+        </p:nvSpPr>
+        <p:spPr>
+          <a:xfrm>
+            <a:off x="1431914" y="5117836"/>
+            <a:ext cx="933538" cy="256592"/>
+          </a:xfrm>
+          <a:prstGeom prst="rect">
+            <a:avLst/>
+          </a:prstGeom>
+        </p:spPr>
+        <p:style>
+          <a:lnRef idx="2">
+            <a:schemeClr val="accent1">
+              <a:shade val="50000"/>
+            </a:schemeClr>
+          </a:lnRef>
+          <a:fillRef idx="1">
+            <a:schemeClr val="accent1"/>
+          </a:fillRef>
+          <a:effectRef idx="0">
+            <a:schemeClr val="accent1"/>
+          </a:effectRef>
+          <a:fontRef idx="minor">
+            <a:schemeClr val="lt1"/>
+          </a:fontRef>
+        </p:style>
+        <p:txBody>
+          <a:bodyPr rtlCol="0" anchor="ctr"/>
+          <a:lstStyle/>
+          <a:p>
+            <a:pPr algn="ctr"/>
+            <a:r>
+              <a:rPr lang="en-GB" dirty="0"/>
+              <a:t>1205</a:t>
+            </a:r>
+          </a:p>
+        </p:txBody>
+      </p:sp>
+      <p:sp>
+        <p:nvSpPr>
+          <p:cNvPr id="50" name="Rectangle 49">
+            <a:extLst>
+              <a:ext uri="{FF2B5EF4-FFF2-40B4-BE49-F238E27FC236}">
+                <a16:creationId xmlns:a16="http://schemas.microsoft.com/office/drawing/2014/main" id="{6E7328CF-3F2C-46AB-9BAF-02AEFDAC51D8}"/>
+              </a:ext>
+            </a:extLst>
+          </p:cNvPr>
+          <p:cNvSpPr/>
+          <p:nvPr/>
+        </p:nvSpPr>
+        <p:spPr>
+          <a:xfrm>
+            <a:off x="1431914" y="5470843"/>
+            <a:ext cx="933538" cy="256592"/>
+          </a:xfrm>
+          <a:prstGeom prst="rect">
+            <a:avLst/>
+          </a:prstGeom>
+        </p:spPr>
+        <p:style>
+          <a:lnRef idx="2">
+            <a:schemeClr val="accent1">
+              <a:shade val="50000"/>
+            </a:schemeClr>
+          </a:lnRef>
+          <a:fillRef idx="1">
+            <a:schemeClr val="accent1"/>
+          </a:fillRef>
+          <a:effectRef idx="0">
+            <a:schemeClr val="accent1"/>
+          </a:effectRef>
+          <a:fontRef idx="minor">
+            <a:schemeClr val="lt1"/>
+          </a:fontRef>
+        </p:style>
+        <p:txBody>
+          <a:bodyPr rtlCol="0" anchor="ctr"/>
+          <a:lstStyle/>
+          <a:p>
+            <a:pPr algn="ctr"/>
+            <a:r>
+              <a:rPr lang="en-GB" dirty="0"/>
+              <a:t>1210</a:t>
+            </a:r>
+          </a:p>
+        </p:txBody>
+      </p:sp>
+      <p:sp>
+        <p:nvSpPr>
+          <p:cNvPr id="51" name="Rectangle 50">
+            <a:extLst>
+              <a:ext uri="{FF2B5EF4-FFF2-40B4-BE49-F238E27FC236}">
+                <a16:creationId xmlns:a16="http://schemas.microsoft.com/office/drawing/2014/main" id="{649FF802-A36F-4451-8729-6A39859642F9}"/>
+              </a:ext>
+            </a:extLst>
+          </p:cNvPr>
+          <p:cNvSpPr/>
+          <p:nvPr/>
+        </p:nvSpPr>
+        <p:spPr>
+          <a:xfrm>
+            <a:off x="1431914" y="5823850"/>
+            <a:ext cx="933538" cy="256592"/>
+          </a:xfrm>
+          <a:prstGeom prst="rect">
+            <a:avLst/>
+          </a:prstGeom>
+        </p:spPr>
+        <p:style>
+          <a:lnRef idx="2">
+            <a:schemeClr val="accent1">
+              <a:shade val="50000"/>
+            </a:schemeClr>
+          </a:lnRef>
+          <a:fillRef idx="1">
+            <a:schemeClr val="accent1"/>
+          </a:fillRef>
+          <a:effectRef idx="0">
+            <a:schemeClr val="accent1"/>
+          </a:effectRef>
+          <a:fontRef idx="minor">
+            <a:schemeClr val="lt1"/>
+          </a:fontRef>
+        </p:style>
+        <p:txBody>
+          <a:bodyPr rtlCol="0" anchor="ctr"/>
+          <a:lstStyle/>
+          <a:p>
+            <a:pPr algn="ctr"/>
+            <a:r>
+              <a:rPr lang="en-GB" dirty="0"/>
+              <a:t>1190</a:t>
+            </a:r>
+          </a:p>
+        </p:txBody>
+      </p:sp>
+      <p:sp>
+        <p:nvSpPr>
+          <p:cNvPr id="52" name="Rectangle 51">
+            <a:extLst>
+              <a:ext uri="{FF2B5EF4-FFF2-40B4-BE49-F238E27FC236}">
+                <a16:creationId xmlns:a16="http://schemas.microsoft.com/office/drawing/2014/main" id="{D8365058-4412-4E7A-AB04-F57E49A5DA07}"/>
+              </a:ext>
+            </a:extLst>
+          </p:cNvPr>
+          <p:cNvSpPr/>
+          <p:nvPr/>
+        </p:nvSpPr>
+        <p:spPr>
+          <a:xfrm>
+            <a:off x="1431914" y="6187742"/>
+            <a:ext cx="933538" cy="256592"/>
+          </a:xfrm>
+          <a:prstGeom prst="rect">
+            <a:avLst/>
+          </a:prstGeom>
+        </p:spPr>
+        <p:style>
+          <a:lnRef idx="2">
+            <a:schemeClr val="accent1">
+              <a:shade val="50000"/>
+            </a:schemeClr>
+          </a:lnRef>
+          <a:fillRef idx="1">
+            <a:schemeClr val="accent1"/>
+          </a:fillRef>
+          <a:effectRef idx="0">
+            <a:schemeClr val="accent1"/>
+          </a:effectRef>
+          <a:fontRef idx="minor">
+            <a:schemeClr val="lt1"/>
+          </a:fontRef>
+        </p:style>
+        <p:txBody>
+          <a:bodyPr rtlCol="0" anchor="ctr"/>
+          <a:lstStyle/>
+          <a:p>
+            <a:pPr algn="ctr"/>
+            <a:r>
+              <a:rPr lang="en-GB" dirty="0"/>
+              <a:t>1203</a:t>
+            </a:r>
+          </a:p>
+        </p:txBody>
+      </p:sp>
+      <p:cxnSp>
+        <p:nvCxnSpPr>
+          <p:cNvPr id="4" name="Straight Arrow Connector 3">
+            <a:extLst>
+              <a:ext uri="{FF2B5EF4-FFF2-40B4-BE49-F238E27FC236}">
+                <a16:creationId xmlns:a16="http://schemas.microsoft.com/office/drawing/2014/main" id="{328525D8-25EB-41AC-931A-CDF2E65F4EA5}"/>
+              </a:ext>
+            </a:extLst>
+          </p:cNvPr>
+          <p:cNvCxnSpPr>
+            <a:cxnSpLocks/>
+            <a:stCxn id="2" idx="3"/>
+          </p:cNvCxnSpPr>
+          <p:nvPr/>
+        </p:nvCxnSpPr>
+        <p:spPr>
+          <a:xfrm>
+            <a:off x="2365452" y="4949108"/>
+            <a:ext cx="466769" cy="0"/>
+          </a:xfrm>
+          <a:prstGeom prst="straightConnector1">
+            <a:avLst/>
+          </a:prstGeom>
+          <a:ln w="38100">
+            <a:tailEnd type="triangle"/>
+          </a:ln>
+        </p:spPr>
+        <p:style>
+          <a:lnRef idx="1">
+            <a:schemeClr val="accent1"/>
+          </a:lnRef>
+          <a:fillRef idx="0">
+            <a:schemeClr val="accent1"/>
+          </a:fillRef>
+          <a:effectRef idx="0">
+            <a:schemeClr val="accent1"/>
+          </a:effectRef>
+          <a:fontRef idx="minor">
+            <a:schemeClr val="tx1"/>
+          </a:fontRef>
+        </p:style>
+      </p:cxnSp>
+      <p:cxnSp>
+        <p:nvCxnSpPr>
+          <p:cNvPr id="61" name="Straight Arrow Connector 60">
+            <a:extLst>
+              <a:ext uri="{FF2B5EF4-FFF2-40B4-BE49-F238E27FC236}">
+                <a16:creationId xmlns:a16="http://schemas.microsoft.com/office/drawing/2014/main" id="{A9263709-A8AD-450C-A31B-3A7C7687D073}"/>
+              </a:ext>
+            </a:extLst>
+          </p:cNvPr>
+          <p:cNvCxnSpPr>
+            <a:cxnSpLocks/>
+            <a:stCxn id="49" idx="3"/>
+          </p:cNvCxnSpPr>
+          <p:nvPr/>
+        </p:nvCxnSpPr>
+        <p:spPr>
+          <a:xfrm>
+            <a:off x="2365452" y="5246132"/>
+            <a:ext cx="466769" cy="0"/>
+          </a:xfrm>
+          <a:prstGeom prst="straightConnector1">
+            <a:avLst/>
+          </a:prstGeom>
+          <a:ln w="38100">
+            <a:tailEnd type="triangle"/>
+          </a:ln>
+        </p:spPr>
+        <p:style>
+          <a:lnRef idx="1">
+            <a:schemeClr val="accent1"/>
+          </a:lnRef>
+          <a:fillRef idx="0">
+            <a:schemeClr val="accent1"/>
+          </a:fillRef>
+          <a:effectRef idx="0">
+            <a:schemeClr val="accent1"/>
+          </a:effectRef>
+          <a:fontRef idx="minor">
+            <a:schemeClr val="tx1"/>
+          </a:fontRef>
+        </p:style>
+      </p:cxnSp>
+      <p:cxnSp>
+        <p:nvCxnSpPr>
+          <p:cNvPr id="62" name="Straight Arrow Connector 61">
+            <a:extLst>
+              <a:ext uri="{FF2B5EF4-FFF2-40B4-BE49-F238E27FC236}">
+                <a16:creationId xmlns:a16="http://schemas.microsoft.com/office/drawing/2014/main" id="{EDE77E9C-BF01-42BE-99E2-0C822CFEDED4}"/>
+              </a:ext>
+            </a:extLst>
+          </p:cNvPr>
+          <p:cNvCxnSpPr>
+            <a:cxnSpLocks/>
+            <a:stCxn id="50" idx="3"/>
+          </p:cNvCxnSpPr>
+          <p:nvPr/>
+        </p:nvCxnSpPr>
+        <p:spPr>
+          <a:xfrm>
+            <a:off x="2365452" y="5599139"/>
+            <a:ext cx="466769" cy="0"/>
+          </a:xfrm>
+          <a:prstGeom prst="straightConnector1">
+            <a:avLst/>
+          </a:prstGeom>
+          <a:ln w="38100">
+            <a:tailEnd type="triangle"/>
+          </a:ln>
+        </p:spPr>
+        <p:style>
+          <a:lnRef idx="1">
+            <a:schemeClr val="accent1"/>
+          </a:lnRef>
+          <a:fillRef idx="0">
+            <a:schemeClr val="accent1"/>
+          </a:fillRef>
+          <a:effectRef idx="0">
+            <a:schemeClr val="accent1"/>
+          </a:effectRef>
+          <a:fontRef idx="minor">
+            <a:schemeClr val="tx1"/>
+          </a:fontRef>
+        </p:style>
+      </p:cxnSp>
+      <p:cxnSp>
+        <p:nvCxnSpPr>
+          <p:cNvPr id="63" name="Straight Arrow Connector 62">
+            <a:extLst>
+              <a:ext uri="{FF2B5EF4-FFF2-40B4-BE49-F238E27FC236}">
+                <a16:creationId xmlns:a16="http://schemas.microsoft.com/office/drawing/2014/main" id="{81592788-22FF-4C28-AA12-13021FE967E2}"/>
+              </a:ext>
+            </a:extLst>
+          </p:cNvPr>
+          <p:cNvCxnSpPr>
+            <a:cxnSpLocks/>
+            <a:stCxn id="51" idx="3"/>
+          </p:cNvCxnSpPr>
+          <p:nvPr/>
+        </p:nvCxnSpPr>
+        <p:spPr>
+          <a:xfrm>
+            <a:off x="2365452" y="5952146"/>
+            <a:ext cx="466769" cy="0"/>
+          </a:xfrm>
+          <a:prstGeom prst="straightConnector1">
+            <a:avLst/>
+          </a:prstGeom>
+          <a:ln w="38100">
+            <a:tailEnd type="triangle"/>
+          </a:ln>
+        </p:spPr>
+        <p:style>
+          <a:lnRef idx="1">
+            <a:schemeClr val="accent1"/>
+          </a:lnRef>
+          <a:fillRef idx="0">
+            <a:schemeClr val="accent1"/>
+          </a:fillRef>
+          <a:effectRef idx="0">
+            <a:schemeClr val="accent1"/>
+          </a:effectRef>
+          <a:fontRef idx="minor">
+            <a:schemeClr val="tx1"/>
+          </a:fontRef>
+        </p:style>
+      </p:cxnSp>
+      <p:cxnSp>
+        <p:nvCxnSpPr>
+          <p:cNvPr id="64" name="Straight Arrow Connector 63">
+            <a:extLst>
+              <a:ext uri="{FF2B5EF4-FFF2-40B4-BE49-F238E27FC236}">
+                <a16:creationId xmlns:a16="http://schemas.microsoft.com/office/drawing/2014/main" id="{ADDF28CE-F990-44F0-861E-2957ECD26AA4}"/>
+              </a:ext>
+            </a:extLst>
+          </p:cNvPr>
+          <p:cNvCxnSpPr>
+            <a:cxnSpLocks/>
+            <a:stCxn id="52" idx="3"/>
+          </p:cNvCxnSpPr>
+          <p:nvPr/>
+        </p:nvCxnSpPr>
+        <p:spPr>
+          <a:xfrm>
+            <a:off x="2365452" y="6316038"/>
+            <a:ext cx="466769" cy="0"/>
+          </a:xfrm>
+          <a:prstGeom prst="straightConnector1">
+            <a:avLst/>
+          </a:prstGeom>
+          <a:ln w="38100">
+            <a:tailEnd type="triangle"/>
+          </a:ln>
+        </p:spPr>
+        <p:style>
+          <a:lnRef idx="1">
+            <a:schemeClr val="accent1"/>
+          </a:lnRef>
+          <a:fillRef idx="0">
+            <a:schemeClr val="accent1"/>
+          </a:fillRef>
+          <a:effectRef idx="0">
+            <a:schemeClr val="accent1"/>
+          </a:effectRef>
+          <a:fontRef idx="minor">
+            <a:schemeClr val="tx1"/>
+          </a:fontRef>
+        </p:style>
+      </p:cxnSp>
+      <p:sp>
+        <p:nvSpPr>
+          <p:cNvPr id="88" name="Rectangle 87">
+            <a:extLst>
+              <a:ext uri="{FF2B5EF4-FFF2-40B4-BE49-F238E27FC236}">
+                <a16:creationId xmlns:a16="http://schemas.microsoft.com/office/drawing/2014/main" id="{0C135311-EAC5-4EF5-8409-082A44BB3A3C}"/>
+              </a:ext>
+            </a:extLst>
+          </p:cNvPr>
+          <p:cNvSpPr/>
+          <p:nvPr/>
+        </p:nvSpPr>
+        <p:spPr>
+          <a:xfrm>
+            <a:off x="2836886" y="4827744"/>
+            <a:ext cx="1651996" cy="245706"/>
+          </a:xfrm>
+          <a:prstGeom prst="rect">
+            <a:avLst/>
+          </a:prstGeom>
+        </p:spPr>
+        <p:style>
+          <a:lnRef idx="2">
+            <a:schemeClr val="accent1">
+              <a:shade val="50000"/>
+            </a:schemeClr>
+          </a:lnRef>
+          <a:fillRef idx="1">
+            <a:schemeClr val="accent1"/>
+          </a:fillRef>
+          <a:effectRef idx="0">
+            <a:schemeClr val="accent1"/>
+          </a:effectRef>
+          <a:fontRef idx="minor">
+            <a:schemeClr val="lt1"/>
+          </a:fontRef>
+        </p:style>
+        <p:txBody>
+          <a:bodyPr rtlCol="0" anchor="ctr"/>
+          <a:lstStyle/>
+          <a:p>
+            <a:pPr algn="ctr"/>
+            <a:r>
+              <a:rPr lang="en-GB" dirty="0"/>
+              <a:t>1200-1200</a:t>
+            </a:r>
+          </a:p>
+        </p:txBody>
+      </p:sp>
+      <p:sp>
+        <p:nvSpPr>
+          <p:cNvPr id="89" name="Rectangle 88">
+            <a:extLst>
+              <a:ext uri="{FF2B5EF4-FFF2-40B4-BE49-F238E27FC236}">
+                <a16:creationId xmlns:a16="http://schemas.microsoft.com/office/drawing/2014/main" id="{070A696A-E961-45E2-9C97-060DDF0E191F}"/>
+              </a:ext>
+            </a:extLst>
+          </p:cNvPr>
+          <p:cNvSpPr/>
+          <p:nvPr/>
+        </p:nvSpPr>
+        <p:spPr>
+          <a:xfrm>
+            <a:off x="2832221" y="5124768"/>
+            <a:ext cx="1651996" cy="245706"/>
+          </a:xfrm>
+          <a:prstGeom prst="rect">
+            <a:avLst/>
+          </a:prstGeom>
+        </p:spPr>
+        <p:style>
+          <a:lnRef idx="2">
+            <a:schemeClr val="accent1">
+              <a:shade val="50000"/>
+            </a:schemeClr>
+          </a:lnRef>
+          <a:fillRef idx="1">
+            <a:schemeClr val="accent1"/>
+          </a:fillRef>
+          <a:effectRef idx="0">
+            <a:schemeClr val="accent1"/>
+          </a:effectRef>
+          <a:fontRef idx="minor">
+            <a:schemeClr val="lt1"/>
+          </a:fontRef>
+        </p:style>
+        <p:txBody>
+          <a:bodyPr rtlCol="0" anchor="ctr"/>
+          <a:lstStyle/>
+          <a:p>
+            <a:pPr algn="ctr"/>
+            <a:r>
+              <a:rPr lang="en-GB" dirty="0"/>
+              <a:t>1205-1200</a:t>
+            </a:r>
+          </a:p>
+        </p:txBody>
+      </p:sp>
+      <p:sp>
+        <p:nvSpPr>
+          <p:cNvPr id="90" name="Rectangle 89">
+            <a:extLst>
+              <a:ext uri="{FF2B5EF4-FFF2-40B4-BE49-F238E27FC236}">
+                <a16:creationId xmlns:a16="http://schemas.microsoft.com/office/drawing/2014/main" id="{F9B709A0-E365-4BA7-AB13-F389DD9DA00A}"/>
+              </a:ext>
+            </a:extLst>
+          </p:cNvPr>
+          <p:cNvSpPr/>
+          <p:nvPr/>
+        </p:nvSpPr>
+        <p:spPr>
+          <a:xfrm>
+            <a:off x="2832221" y="5477775"/>
+            <a:ext cx="1651996" cy="245706"/>
+          </a:xfrm>
+          <a:prstGeom prst="rect">
+            <a:avLst/>
+          </a:prstGeom>
+        </p:spPr>
+        <p:style>
+          <a:lnRef idx="2">
+            <a:schemeClr val="accent1">
+              <a:shade val="50000"/>
+            </a:schemeClr>
+          </a:lnRef>
+          <a:fillRef idx="1">
+            <a:schemeClr val="accent1"/>
+          </a:fillRef>
+          <a:effectRef idx="0">
+            <a:schemeClr val="accent1"/>
+          </a:effectRef>
+          <a:fontRef idx="minor">
+            <a:schemeClr val="lt1"/>
+          </a:fontRef>
+        </p:style>
+        <p:txBody>
+          <a:bodyPr rtlCol="0" anchor="ctr"/>
+          <a:lstStyle/>
+          <a:p>
+            <a:pPr algn="ctr"/>
+            <a:r>
+              <a:rPr lang="en-GB" dirty="0"/>
+              <a:t>1210-1200</a:t>
+            </a:r>
+          </a:p>
+        </p:txBody>
+      </p:sp>
+      <p:sp>
+        <p:nvSpPr>
+          <p:cNvPr id="91" name="Rectangle 90">
+            <a:extLst>
+              <a:ext uri="{FF2B5EF4-FFF2-40B4-BE49-F238E27FC236}">
+                <a16:creationId xmlns:a16="http://schemas.microsoft.com/office/drawing/2014/main" id="{48A19CCA-29CE-4CB1-AF5A-77F4E285784B}"/>
+              </a:ext>
+            </a:extLst>
+          </p:cNvPr>
+          <p:cNvSpPr/>
+          <p:nvPr/>
+        </p:nvSpPr>
+        <p:spPr>
+          <a:xfrm>
+            <a:off x="2832221" y="5830782"/>
+            <a:ext cx="1651996" cy="245706"/>
+          </a:xfrm>
+          <a:prstGeom prst="rect">
+            <a:avLst/>
+          </a:prstGeom>
+        </p:spPr>
+        <p:style>
+          <a:lnRef idx="2">
+            <a:schemeClr val="accent1">
+              <a:shade val="50000"/>
+            </a:schemeClr>
+          </a:lnRef>
+          <a:fillRef idx="1">
+            <a:schemeClr val="accent1"/>
+          </a:fillRef>
+          <a:effectRef idx="0">
+            <a:schemeClr val="accent1"/>
+          </a:effectRef>
+          <a:fontRef idx="minor">
+            <a:schemeClr val="lt1"/>
+          </a:fontRef>
+        </p:style>
+        <p:txBody>
+          <a:bodyPr rtlCol="0" anchor="ctr"/>
+          <a:lstStyle/>
+          <a:p>
+            <a:pPr algn="ctr"/>
+            <a:r>
+              <a:rPr lang="en-GB" dirty="0"/>
+              <a:t>1190-1200</a:t>
+            </a:r>
+          </a:p>
+        </p:txBody>
+      </p:sp>
+      <p:sp>
+        <p:nvSpPr>
+          <p:cNvPr id="92" name="Rectangle 91">
+            <a:extLst>
+              <a:ext uri="{FF2B5EF4-FFF2-40B4-BE49-F238E27FC236}">
+                <a16:creationId xmlns:a16="http://schemas.microsoft.com/office/drawing/2014/main" id="{2170F773-34C6-4C03-A6C8-C49AFC877FB7}"/>
+              </a:ext>
+            </a:extLst>
+          </p:cNvPr>
+          <p:cNvSpPr/>
+          <p:nvPr/>
+        </p:nvSpPr>
+        <p:spPr>
+          <a:xfrm>
+            <a:off x="2832221" y="6194674"/>
+            <a:ext cx="1651996" cy="245706"/>
+          </a:xfrm>
+          <a:prstGeom prst="rect">
+            <a:avLst/>
+          </a:prstGeom>
+        </p:spPr>
+        <p:style>
+          <a:lnRef idx="2">
+            <a:schemeClr val="accent1">
+              <a:shade val="50000"/>
+            </a:schemeClr>
+          </a:lnRef>
+          <a:fillRef idx="1">
+            <a:schemeClr val="accent1"/>
+          </a:fillRef>
+          <a:effectRef idx="0">
+            <a:schemeClr val="accent1"/>
+          </a:effectRef>
+          <a:fontRef idx="minor">
+            <a:schemeClr val="lt1"/>
+          </a:fontRef>
+        </p:style>
+        <p:txBody>
+          <a:bodyPr rtlCol="0" anchor="ctr"/>
+          <a:lstStyle/>
+          <a:p>
+            <a:pPr algn="ctr"/>
+            <a:r>
+              <a:rPr lang="en-GB" dirty="0"/>
+              <a:t>1203-1200</a:t>
+            </a:r>
+          </a:p>
+        </p:txBody>
+      </p:sp>
+      <p:cxnSp>
+        <p:nvCxnSpPr>
+          <p:cNvPr id="93" name="Straight Arrow Connector 92">
+            <a:extLst>
+              <a:ext uri="{FF2B5EF4-FFF2-40B4-BE49-F238E27FC236}">
+                <a16:creationId xmlns:a16="http://schemas.microsoft.com/office/drawing/2014/main" id="{3679E235-E7CD-47B1-B96E-02BCDD3C16DA}"/>
+              </a:ext>
+            </a:extLst>
+          </p:cNvPr>
+          <p:cNvCxnSpPr>
+            <a:cxnSpLocks/>
+          </p:cNvCxnSpPr>
+          <p:nvPr/>
+        </p:nvCxnSpPr>
+        <p:spPr>
+          <a:xfrm>
+            <a:off x="4484217" y="4945154"/>
+            <a:ext cx="466769" cy="0"/>
+          </a:xfrm>
+          <a:prstGeom prst="straightConnector1">
+            <a:avLst/>
+          </a:prstGeom>
+          <a:ln w="38100">
+            <a:tailEnd type="triangle"/>
+          </a:ln>
+        </p:spPr>
+        <p:style>
+          <a:lnRef idx="1">
+            <a:schemeClr val="accent1"/>
+          </a:lnRef>
+          <a:fillRef idx="0">
+            <a:schemeClr val="accent1"/>
+          </a:fillRef>
+          <a:effectRef idx="0">
+            <a:schemeClr val="accent1"/>
+          </a:effectRef>
+          <a:fontRef idx="minor">
+            <a:schemeClr val="tx1"/>
+          </a:fontRef>
+        </p:style>
+      </p:cxnSp>
+      <p:cxnSp>
+        <p:nvCxnSpPr>
+          <p:cNvPr id="94" name="Straight Arrow Connector 93">
+            <a:extLst>
+              <a:ext uri="{FF2B5EF4-FFF2-40B4-BE49-F238E27FC236}">
+                <a16:creationId xmlns:a16="http://schemas.microsoft.com/office/drawing/2014/main" id="{C36D2749-133C-49FC-BF0B-6950BAF994B0}"/>
+              </a:ext>
+            </a:extLst>
+          </p:cNvPr>
+          <p:cNvCxnSpPr>
+            <a:cxnSpLocks/>
+          </p:cNvCxnSpPr>
+          <p:nvPr/>
+        </p:nvCxnSpPr>
+        <p:spPr>
+          <a:xfrm>
+            <a:off x="4484217" y="5242178"/>
+            <a:ext cx="466769" cy="0"/>
+          </a:xfrm>
+          <a:prstGeom prst="straightConnector1">
+            <a:avLst/>
+          </a:prstGeom>
+          <a:ln w="38100">
+            <a:tailEnd type="triangle"/>
+          </a:ln>
+        </p:spPr>
+        <p:style>
+          <a:lnRef idx="1">
+            <a:schemeClr val="accent1"/>
+          </a:lnRef>
+          <a:fillRef idx="0">
+            <a:schemeClr val="accent1"/>
+          </a:fillRef>
+          <a:effectRef idx="0">
+            <a:schemeClr val="accent1"/>
+          </a:effectRef>
+          <a:fontRef idx="minor">
+            <a:schemeClr val="tx1"/>
+          </a:fontRef>
+        </p:style>
+      </p:cxnSp>
+      <p:cxnSp>
+        <p:nvCxnSpPr>
+          <p:cNvPr id="95" name="Straight Arrow Connector 94">
+            <a:extLst>
+              <a:ext uri="{FF2B5EF4-FFF2-40B4-BE49-F238E27FC236}">
+                <a16:creationId xmlns:a16="http://schemas.microsoft.com/office/drawing/2014/main" id="{AF8FBF90-FA65-48FC-9575-25E594E0AB57}"/>
+              </a:ext>
+            </a:extLst>
+          </p:cNvPr>
+          <p:cNvCxnSpPr>
+            <a:cxnSpLocks/>
+          </p:cNvCxnSpPr>
+          <p:nvPr/>
+        </p:nvCxnSpPr>
+        <p:spPr>
+          <a:xfrm>
+            <a:off x="4484217" y="5595185"/>
+            <a:ext cx="466769" cy="0"/>
+          </a:xfrm>
+          <a:prstGeom prst="straightConnector1">
+            <a:avLst/>
+          </a:prstGeom>
+          <a:ln w="38100">
+            <a:tailEnd type="triangle"/>
+          </a:ln>
+        </p:spPr>
+        <p:style>
+          <a:lnRef idx="1">
+            <a:schemeClr val="accent1"/>
+          </a:lnRef>
+          <a:fillRef idx="0">
+            <a:schemeClr val="accent1"/>
+          </a:fillRef>
+          <a:effectRef idx="0">
+            <a:schemeClr val="accent1"/>
+          </a:effectRef>
+          <a:fontRef idx="minor">
+            <a:schemeClr val="tx1"/>
+          </a:fontRef>
+        </p:style>
+      </p:cxnSp>
+      <p:cxnSp>
+        <p:nvCxnSpPr>
+          <p:cNvPr id="96" name="Straight Arrow Connector 95">
+            <a:extLst>
+              <a:ext uri="{FF2B5EF4-FFF2-40B4-BE49-F238E27FC236}">
+                <a16:creationId xmlns:a16="http://schemas.microsoft.com/office/drawing/2014/main" id="{0EA9BC4F-3B87-431F-8B89-1DFCD8BF0550}"/>
+              </a:ext>
+            </a:extLst>
+          </p:cNvPr>
+          <p:cNvCxnSpPr>
+            <a:cxnSpLocks/>
+          </p:cNvCxnSpPr>
+          <p:nvPr/>
+        </p:nvCxnSpPr>
+        <p:spPr>
+          <a:xfrm>
+            <a:off x="4484217" y="5948192"/>
+            <a:ext cx="466769" cy="0"/>
+          </a:xfrm>
+          <a:prstGeom prst="straightConnector1">
+            <a:avLst/>
+          </a:prstGeom>
+          <a:ln w="38100">
+            <a:tailEnd type="triangle"/>
+          </a:ln>
+        </p:spPr>
+        <p:style>
+          <a:lnRef idx="1">
+            <a:schemeClr val="accent1"/>
+          </a:lnRef>
+          <a:fillRef idx="0">
+            <a:schemeClr val="accent1"/>
+          </a:fillRef>
+          <a:effectRef idx="0">
+            <a:schemeClr val="accent1"/>
+          </a:effectRef>
+          <a:fontRef idx="minor">
+            <a:schemeClr val="tx1"/>
+          </a:fontRef>
+        </p:style>
+      </p:cxnSp>
+      <p:cxnSp>
+        <p:nvCxnSpPr>
+          <p:cNvPr id="97" name="Straight Arrow Connector 96">
+            <a:extLst>
+              <a:ext uri="{FF2B5EF4-FFF2-40B4-BE49-F238E27FC236}">
+                <a16:creationId xmlns:a16="http://schemas.microsoft.com/office/drawing/2014/main" id="{00E06B8B-A254-426A-A439-2598E4A4B0DC}"/>
+              </a:ext>
+            </a:extLst>
+          </p:cNvPr>
+          <p:cNvCxnSpPr>
+            <a:cxnSpLocks/>
+          </p:cNvCxnSpPr>
+          <p:nvPr/>
+        </p:nvCxnSpPr>
+        <p:spPr>
+          <a:xfrm>
+            <a:off x="4484217" y="6312084"/>
+            <a:ext cx="466769" cy="0"/>
+          </a:xfrm>
+          <a:prstGeom prst="straightConnector1">
+            <a:avLst/>
+          </a:prstGeom>
+          <a:ln w="38100">
+            <a:tailEnd type="triangle"/>
+          </a:ln>
+        </p:spPr>
+        <p:style>
+          <a:lnRef idx="1">
+            <a:schemeClr val="accent1"/>
+          </a:lnRef>
+          <a:fillRef idx="0">
+            <a:schemeClr val="accent1"/>
+          </a:fillRef>
+          <a:effectRef idx="0">
+            <a:schemeClr val="accent1"/>
+          </a:effectRef>
+          <a:fontRef idx="minor">
+            <a:schemeClr val="tx1"/>
+          </a:fontRef>
+        </p:style>
+      </p:cxnSp>
+      <p:sp>
+        <p:nvSpPr>
+          <p:cNvPr id="103" name="Rectangle 102">
+            <a:extLst>
+              <a:ext uri="{FF2B5EF4-FFF2-40B4-BE49-F238E27FC236}">
+                <a16:creationId xmlns:a16="http://schemas.microsoft.com/office/drawing/2014/main" id="{983E83B8-17BB-44F0-B294-E79CEF18B1EE}"/>
+              </a:ext>
+            </a:extLst>
+          </p:cNvPr>
+          <p:cNvSpPr/>
+          <p:nvPr/>
+        </p:nvSpPr>
+        <p:spPr>
+          <a:xfrm>
+            <a:off x="4905298" y="4827744"/>
+            <a:ext cx="933538" cy="256592"/>
+          </a:xfrm>
+          <a:prstGeom prst="rect">
+            <a:avLst/>
+          </a:prstGeom>
+        </p:spPr>
+        <p:style>
+          <a:lnRef idx="2">
+            <a:schemeClr val="accent1">
+              <a:shade val="50000"/>
+            </a:schemeClr>
+          </a:lnRef>
+          <a:fillRef idx="1">
+            <a:schemeClr val="accent1"/>
+          </a:fillRef>
+          <a:effectRef idx="0">
+            <a:schemeClr val="accent1"/>
+          </a:effectRef>
+          <a:fontRef idx="minor">
+            <a:schemeClr val="lt1"/>
+          </a:fontRef>
+        </p:style>
+        <p:txBody>
+          <a:bodyPr rtlCol="0" anchor="ctr"/>
+          <a:lstStyle/>
+          <a:p>
+            <a:pPr algn="ctr"/>
+            <a:r>
+              <a:rPr lang="en-GB" dirty="0"/>
+              <a:t>0</a:t>
+            </a:r>
+          </a:p>
+        </p:txBody>
+      </p:sp>
+      <p:sp>
+        <p:nvSpPr>
+          <p:cNvPr id="104" name="Rectangle 103">
+            <a:extLst>
+              <a:ext uri="{FF2B5EF4-FFF2-40B4-BE49-F238E27FC236}">
+                <a16:creationId xmlns:a16="http://schemas.microsoft.com/office/drawing/2014/main" id="{F9B69CB6-9E82-4F92-9EA0-FBECB84B44FD}"/>
+              </a:ext>
+            </a:extLst>
+          </p:cNvPr>
+          <p:cNvSpPr/>
+          <p:nvPr/>
+        </p:nvSpPr>
+        <p:spPr>
+          <a:xfrm>
+            <a:off x="4905298" y="5124768"/>
+            <a:ext cx="933538" cy="256592"/>
+          </a:xfrm>
+          <a:prstGeom prst="rect">
+            <a:avLst/>
+          </a:prstGeom>
+        </p:spPr>
+        <p:style>
+          <a:lnRef idx="2">
+            <a:schemeClr val="accent1">
+              <a:shade val="50000"/>
+            </a:schemeClr>
+          </a:lnRef>
+          <a:fillRef idx="1">
+            <a:schemeClr val="accent1"/>
+          </a:fillRef>
+          <a:effectRef idx="0">
+            <a:schemeClr val="accent1"/>
+          </a:effectRef>
+          <a:fontRef idx="minor">
+            <a:schemeClr val="lt1"/>
+          </a:fontRef>
+        </p:style>
+        <p:txBody>
+          <a:bodyPr rtlCol="0" anchor="ctr"/>
+          <a:lstStyle/>
+          <a:p>
+            <a:pPr algn="ctr"/>
+            <a:r>
+              <a:rPr lang="en-GB" dirty="0"/>
+              <a:t>5</a:t>
+            </a:r>
+          </a:p>
+        </p:txBody>
+      </p:sp>
+      <p:sp>
+        <p:nvSpPr>
+          <p:cNvPr id="105" name="Rectangle 104">
+            <a:extLst>
+              <a:ext uri="{FF2B5EF4-FFF2-40B4-BE49-F238E27FC236}">
+                <a16:creationId xmlns:a16="http://schemas.microsoft.com/office/drawing/2014/main" id="{2B404A34-A00B-45A7-B4BE-14AB333E7D92}"/>
+              </a:ext>
+            </a:extLst>
+          </p:cNvPr>
+          <p:cNvSpPr/>
+          <p:nvPr/>
+        </p:nvSpPr>
+        <p:spPr>
+          <a:xfrm>
+            <a:off x="4905298" y="5477775"/>
+            <a:ext cx="933538" cy="256592"/>
+          </a:xfrm>
+          <a:prstGeom prst="rect">
+            <a:avLst/>
+          </a:prstGeom>
+        </p:spPr>
+        <p:style>
+          <a:lnRef idx="2">
+            <a:schemeClr val="accent1">
+              <a:shade val="50000"/>
+            </a:schemeClr>
+          </a:lnRef>
+          <a:fillRef idx="1">
+            <a:schemeClr val="accent1"/>
+          </a:fillRef>
+          <a:effectRef idx="0">
+            <a:schemeClr val="accent1"/>
+          </a:effectRef>
+          <a:fontRef idx="minor">
+            <a:schemeClr val="lt1"/>
+          </a:fontRef>
+        </p:style>
+        <p:txBody>
+          <a:bodyPr rtlCol="0" anchor="ctr"/>
+          <a:lstStyle/>
+          <a:p>
+            <a:pPr algn="ctr"/>
+            <a:r>
+              <a:rPr lang="en-GB" dirty="0"/>
+              <a:t>10</a:t>
+            </a:r>
+          </a:p>
+        </p:txBody>
+      </p:sp>
+      <p:sp>
+        <p:nvSpPr>
+          <p:cNvPr id="106" name="Rectangle 105">
+            <a:extLst>
+              <a:ext uri="{FF2B5EF4-FFF2-40B4-BE49-F238E27FC236}">
+                <a16:creationId xmlns:a16="http://schemas.microsoft.com/office/drawing/2014/main" id="{0EE08892-9565-465C-BE43-35FE615A482F}"/>
+              </a:ext>
+            </a:extLst>
+          </p:cNvPr>
+          <p:cNvSpPr/>
+          <p:nvPr/>
+        </p:nvSpPr>
+        <p:spPr>
+          <a:xfrm>
+            <a:off x="4905298" y="5830782"/>
+            <a:ext cx="933538" cy="256592"/>
+          </a:xfrm>
+          <a:prstGeom prst="rect">
+            <a:avLst/>
+          </a:prstGeom>
+        </p:spPr>
+        <p:style>
+          <a:lnRef idx="2">
+            <a:schemeClr val="accent1">
+              <a:shade val="50000"/>
+            </a:schemeClr>
+          </a:lnRef>
+          <a:fillRef idx="1">
+            <a:schemeClr val="accent1"/>
+          </a:fillRef>
+          <a:effectRef idx="0">
+            <a:schemeClr val="accent1"/>
+          </a:effectRef>
+          <a:fontRef idx="minor">
+            <a:schemeClr val="lt1"/>
+          </a:fontRef>
+        </p:style>
+        <p:txBody>
+          <a:bodyPr rtlCol="0" anchor="ctr"/>
+          <a:lstStyle/>
+          <a:p>
+            <a:pPr algn="ctr"/>
+            <a:r>
+              <a:rPr lang="en-GB" dirty="0"/>
+              <a:t>-10</a:t>
+            </a:r>
+          </a:p>
+        </p:txBody>
+      </p:sp>
+      <p:sp>
+        <p:nvSpPr>
+          <p:cNvPr id="107" name="Rectangle 106">
+            <a:extLst>
+              <a:ext uri="{FF2B5EF4-FFF2-40B4-BE49-F238E27FC236}">
+                <a16:creationId xmlns:a16="http://schemas.microsoft.com/office/drawing/2014/main" id="{8E9C72B3-B020-4ED7-BED2-FF9509E74350}"/>
+              </a:ext>
+            </a:extLst>
+          </p:cNvPr>
+          <p:cNvSpPr/>
+          <p:nvPr/>
+        </p:nvSpPr>
+        <p:spPr>
+          <a:xfrm>
+            <a:off x="4905298" y="6194674"/>
+            <a:ext cx="933538" cy="256592"/>
+          </a:xfrm>
+          <a:prstGeom prst="rect">
+            <a:avLst/>
+          </a:prstGeom>
+        </p:spPr>
+        <p:style>
+          <a:lnRef idx="2">
+            <a:schemeClr val="accent1">
+              <a:shade val="50000"/>
+            </a:schemeClr>
+          </a:lnRef>
+          <a:fillRef idx="1">
+            <a:schemeClr val="accent1"/>
+          </a:fillRef>
+          <a:effectRef idx="0">
+            <a:schemeClr val="accent1"/>
+          </a:effectRef>
+          <a:fontRef idx="minor">
+            <a:schemeClr val="lt1"/>
+          </a:fontRef>
+        </p:style>
+        <p:txBody>
+          <a:bodyPr rtlCol="0" anchor="ctr"/>
+          <a:lstStyle/>
+          <a:p>
+            <a:pPr algn="ctr"/>
+            <a:r>
+              <a:rPr lang="en-GB" dirty="0"/>
+              <a:t>3</a:t>
+            </a:r>
+          </a:p>
+        </p:txBody>
+      </p:sp>
+      <p:sp>
+        <p:nvSpPr>
+          <p:cNvPr id="108" name="Rectangle 107">
+            <a:extLst>
+              <a:ext uri="{FF2B5EF4-FFF2-40B4-BE49-F238E27FC236}">
+                <a16:creationId xmlns:a16="http://schemas.microsoft.com/office/drawing/2014/main" id="{BB206682-DF34-4BB4-B8B5-EAD402B373B2}"/>
+              </a:ext>
+            </a:extLst>
+          </p:cNvPr>
+          <p:cNvSpPr/>
+          <p:nvPr/>
+        </p:nvSpPr>
+        <p:spPr>
+          <a:xfrm>
+            <a:off x="6646171" y="4755335"/>
+            <a:ext cx="933538" cy="256592"/>
+          </a:xfrm>
+          <a:prstGeom prst="rect">
+            <a:avLst/>
+          </a:prstGeom>
+        </p:spPr>
+        <p:style>
+          <a:lnRef idx="2">
+            <a:schemeClr val="accent1">
+              <a:shade val="50000"/>
+            </a:schemeClr>
+          </a:lnRef>
+          <a:fillRef idx="1">
+            <a:schemeClr val="accent1"/>
+          </a:fillRef>
+          <a:effectRef idx="0">
+            <a:schemeClr val="accent1"/>
+          </a:effectRef>
+          <a:fontRef idx="minor">
+            <a:schemeClr val="lt1"/>
+          </a:fontRef>
+        </p:style>
+        <p:txBody>
+          <a:bodyPr rtlCol="0" anchor="ctr"/>
+          <a:lstStyle/>
+          <a:p>
+            <a:pPr algn="ctr"/>
+            <a:r>
+              <a:rPr lang="en-GB" dirty="0"/>
+              <a:t>1200</a:t>
+            </a:r>
+          </a:p>
+        </p:txBody>
+      </p:sp>
+      <p:sp>
+        <p:nvSpPr>
+          <p:cNvPr id="109" name="Rectangle 108">
+            <a:extLst>
+              <a:ext uri="{FF2B5EF4-FFF2-40B4-BE49-F238E27FC236}">
+                <a16:creationId xmlns:a16="http://schemas.microsoft.com/office/drawing/2014/main" id="{A06DEAE9-2D27-4AD3-BF88-8E2E980BDF27}"/>
+              </a:ext>
+            </a:extLst>
+          </p:cNvPr>
+          <p:cNvSpPr/>
+          <p:nvPr/>
+        </p:nvSpPr>
+        <p:spPr>
+          <a:xfrm>
+            <a:off x="6646171" y="5052359"/>
+            <a:ext cx="933538" cy="256592"/>
+          </a:xfrm>
+          <a:prstGeom prst="rect">
+            <a:avLst/>
+          </a:prstGeom>
+        </p:spPr>
+        <p:style>
+          <a:lnRef idx="2">
+            <a:schemeClr val="accent1">
+              <a:shade val="50000"/>
+            </a:schemeClr>
+          </a:lnRef>
+          <a:fillRef idx="1">
+            <a:schemeClr val="accent1"/>
+          </a:fillRef>
+          <a:effectRef idx="0">
+            <a:schemeClr val="accent1"/>
+          </a:effectRef>
+          <a:fontRef idx="minor">
+            <a:schemeClr val="lt1"/>
+          </a:fontRef>
+        </p:style>
+        <p:txBody>
+          <a:bodyPr rtlCol="0" anchor="ctr"/>
+          <a:lstStyle/>
+          <a:p>
+            <a:pPr algn="ctr"/>
+            <a:r>
+              <a:rPr lang="en-GB" dirty="0"/>
+              <a:t>1205</a:t>
+            </a:r>
+          </a:p>
+        </p:txBody>
+      </p:sp>
+      <p:sp>
+        <p:nvSpPr>
+          <p:cNvPr id="110" name="Rectangle 109">
+            <a:extLst>
+              <a:ext uri="{FF2B5EF4-FFF2-40B4-BE49-F238E27FC236}">
+                <a16:creationId xmlns:a16="http://schemas.microsoft.com/office/drawing/2014/main" id="{4F997C23-602E-4FCF-9A20-FC62E8256173}"/>
+              </a:ext>
+            </a:extLst>
+          </p:cNvPr>
+          <p:cNvSpPr/>
+          <p:nvPr/>
+        </p:nvSpPr>
+        <p:spPr>
+          <a:xfrm>
+            <a:off x="6646171" y="5405366"/>
+            <a:ext cx="933538" cy="256592"/>
+          </a:xfrm>
+          <a:prstGeom prst="rect">
+            <a:avLst/>
+          </a:prstGeom>
+        </p:spPr>
+        <p:style>
+          <a:lnRef idx="2">
+            <a:schemeClr val="accent1">
+              <a:shade val="50000"/>
+            </a:schemeClr>
+          </a:lnRef>
+          <a:fillRef idx="1">
+            <a:schemeClr val="accent1"/>
+          </a:fillRef>
+          <a:effectRef idx="0">
+            <a:schemeClr val="accent1"/>
+          </a:effectRef>
+          <a:fontRef idx="minor">
+            <a:schemeClr val="lt1"/>
+          </a:fontRef>
+        </p:style>
+        <p:txBody>
+          <a:bodyPr rtlCol="0" anchor="ctr"/>
+          <a:lstStyle/>
+          <a:p>
+            <a:pPr algn="ctr"/>
+            <a:r>
+              <a:rPr lang="en-GB" dirty="0"/>
+              <a:t>1210</a:t>
+            </a:r>
+          </a:p>
+        </p:txBody>
+      </p:sp>
+      <p:sp>
+        <p:nvSpPr>
+          <p:cNvPr id="111" name="Rectangle 110">
+            <a:extLst>
+              <a:ext uri="{FF2B5EF4-FFF2-40B4-BE49-F238E27FC236}">
+                <a16:creationId xmlns:a16="http://schemas.microsoft.com/office/drawing/2014/main" id="{1F389129-EDF2-44DD-9880-F32684C14C78}"/>
+              </a:ext>
+            </a:extLst>
+          </p:cNvPr>
+          <p:cNvSpPr/>
+          <p:nvPr/>
+        </p:nvSpPr>
+        <p:spPr>
+          <a:xfrm>
+            <a:off x="6646171" y="5758373"/>
+            <a:ext cx="933538" cy="256592"/>
+          </a:xfrm>
+          <a:prstGeom prst="rect">
+            <a:avLst/>
+          </a:prstGeom>
+        </p:spPr>
+        <p:style>
+          <a:lnRef idx="2">
+            <a:schemeClr val="accent1">
+              <a:shade val="50000"/>
+            </a:schemeClr>
+          </a:lnRef>
+          <a:fillRef idx="1">
+            <a:schemeClr val="accent1"/>
+          </a:fillRef>
+          <a:effectRef idx="0">
+            <a:schemeClr val="accent1"/>
+          </a:effectRef>
+          <a:fontRef idx="minor">
+            <a:schemeClr val="lt1"/>
+          </a:fontRef>
+        </p:style>
+        <p:txBody>
+          <a:bodyPr rtlCol="0" anchor="ctr"/>
+          <a:lstStyle/>
+          <a:p>
+            <a:pPr algn="ctr"/>
+            <a:r>
+              <a:rPr lang="en-GB" dirty="0"/>
+              <a:t>1190</a:t>
+            </a:r>
+          </a:p>
+        </p:txBody>
+      </p:sp>
+      <p:sp>
+        <p:nvSpPr>
+          <p:cNvPr id="112" name="Rectangle 111">
+            <a:extLst>
+              <a:ext uri="{FF2B5EF4-FFF2-40B4-BE49-F238E27FC236}">
+                <a16:creationId xmlns:a16="http://schemas.microsoft.com/office/drawing/2014/main" id="{4DE9B474-E7A1-4D24-927E-1FCBA36B39B6}"/>
+              </a:ext>
+            </a:extLst>
+          </p:cNvPr>
+          <p:cNvSpPr/>
+          <p:nvPr/>
+        </p:nvSpPr>
+        <p:spPr>
+          <a:xfrm>
+            <a:off x="6646171" y="6122265"/>
+            <a:ext cx="933538" cy="256592"/>
+          </a:xfrm>
+          <a:prstGeom prst="rect">
+            <a:avLst/>
+          </a:prstGeom>
+        </p:spPr>
+        <p:style>
+          <a:lnRef idx="2">
+            <a:schemeClr val="accent1">
+              <a:shade val="50000"/>
+            </a:schemeClr>
+          </a:lnRef>
+          <a:fillRef idx="1">
+            <a:schemeClr val="accent1"/>
+          </a:fillRef>
+          <a:effectRef idx="0">
+            <a:schemeClr val="accent1"/>
+          </a:effectRef>
+          <a:fontRef idx="minor">
+            <a:schemeClr val="lt1"/>
+          </a:fontRef>
+        </p:style>
+        <p:txBody>
+          <a:bodyPr rtlCol="0" anchor="ctr"/>
+          <a:lstStyle/>
+          <a:p>
+            <a:pPr algn="ctr"/>
+            <a:r>
+              <a:rPr lang="en-GB" dirty="0"/>
+              <a:t>1203</a:t>
+            </a:r>
+          </a:p>
+        </p:txBody>
+      </p:sp>
+      <p:cxnSp>
+        <p:nvCxnSpPr>
+          <p:cNvPr id="113" name="Straight Arrow Connector 112">
+            <a:extLst>
+              <a:ext uri="{FF2B5EF4-FFF2-40B4-BE49-F238E27FC236}">
+                <a16:creationId xmlns:a16="http://schemas.microsoft.com/office/drawing/2014/main" id="{ED60B190-6944-4457-95CA-156B54039354}"/>
+              </a:ext>
+            </a:extLst>
+          </p:cNvPr>
+          <p:cNvCxnSpPr>
+            <a:cxnSpLocks/>
+            <a:stCxn id="108" idx="3"/>
+          </p:cNvCxnSpPr>
+          <p:nvPr/>
+        </p:nvCxnSpPr>
+        <p:spPr>
+          <a:xfrm>
+            <a:off x="7579709" y="4883631"/>
+            <a:ext cx="466769" cy="0"/>
+          </a:xfrm>
+          <a:prstGeom prst="straightConnector1">
+            <a:avLst/>
+          </a:prstGeom>
+          <a:ln w="38100">
+            <a:tailEnd type="triangle"/>
+          </a:ln>
+        </p:spPr>
+        <p:style>
+          <a:lnRef idx="1">
+            <a:schemeClr val="accent1"/>
+          </a:lnRef>
+          <a:fillRef idx="0">
+            <a:schemeClr val="accent1"/>
+          </a:fillRef>
+          <a:effectRef idx="0">
+            <a:schemeClr val="accent1"/>
+          </a:effectRef>
+          <a:fontRef idx="minor">
+            <a:schemeClr val="tx1"/>
+          </a:fontRef>
+        </p:style>
+      </p:cxnSp>
+      <p:cxnSp>
+        <p:nvCxnSpPr>
+          <p:cNvPr id="114" name="Straight Arrow Connector 113">
+            <a:extLst>
+              <a:ext uri="{FF2B5EF4-FFF2-40B4-BE49-F238E27FC236}">
+                <a16:creationId xmlns:a16="http://schemas.microsoft.com/office/drawing/2014/main" id="{02FC0E5F-92C2-4041-9BBF-57BFF6F50424}"/>
+              </a:ext>
+            </a:extLst>
+          </p:cNvPr>
+          <p:cNvCxnSpPr>
+            <a:cxnSpLocks/>
+            <a:stCxn id="109" idx="3"/>
+          </p:cNvCxnSpPr>
+          <p:nvPr/>
+        </p:nvCxnSpPr>
+        <p:spPr>
+          <a:xfrm>
+            <a:off x="7579709" y="5180655"/>
+            <a:ext cx="466769" cy="0"/>
+          </a:xfrm>
+          <a:prstGeom prst="straightConnector1">
+            <a:avLst/>
+          </a:prstGeom>
+          <a:ln w="38100">
+            <a:tailEnd type="triangle"/>
+          </a:ln>
+        </p:spPr>
+        <p:style>
+          <a:lnRef idx="1">
+            <a:schemeClr val="accent1"/>
+          </a:lnRef>
+          <a:fillRef idx="0">
+            <a:schemeClr val="accent1"/>
+          </a:fillRef>
+          <a:effectRef idx="0">
+            <a:schemeClr val="accent1"/>
+          </a:effectRef>
+          <a:fontRef idx="minor">
+            <a:schemeClr val="tx1"/>
+          </a:fontRef>
+        </p:style>
+      </p:cxnSp>
+      <p:cxnSp>
+        <p:nvCxnSpPr>
+          <p:cNvPr id="115" name="Straight Arrow Connector 114">
+            <a:extLst>
+              <a:ext uri="{FF2B5EF4-FFF2-40B4-BE49-F238E27FC236}">
+                <a16:creationId xmlns:a16="http://schemas.microsoft.com/office/drawing/2014/main" id="{257B621A-AE70-4BA8-838C-A3D29BE27961}"/>
+              </a:ext>
+            </a:extLst>
+          </p:cNvPr>
+          <p:cNvCxnSpPr>
+            <a:cxnSpLocks/>
+            <a:stCxn id="110" idx="3"/>
+          </p:cNvCxnSpPr>
+          <p:nvPr/>
+        </p:nvCxnSpPr>
+        <p:spPr>
+          <a:xfrm>
+            <a:off x="7579709" y="5533662"/>
+            <a:ext cx="466769" cy="0"/>
+          </a:xfrm>
+          <a:prstGeom prst="straightConnector1">
+            <a:avLst/>
+          </a:prstGeom>
+          <a:ln w="38100">
+            <a:tailEnd type="triangle"/>
+          </a:ln>
+        </p:spPr>
+        <p:style>
+          <a:lnRef idx="1">
+            <a:schemeClr val="accent1"/>
+          </a:lnRef>
+          <a:fillRef idx="0">
+            <a:schemeClr val="accent1"/>
+          </a:fillRef>
+          <a:effectRef idx="0">
+            <a:schemeClr val="accent1"/>
+          </a:effectRef>
+          <a:fontRef idx="minor">
+            <a:schemeClr val="tx1"/>
+          </a:fontRef>
+        </p:style>
+      </p:cxnSp>
+      <p:cxnSp>
+        <p:nvCxnSpPr>
+          <p:cNvPr id="116" name="Straight Arrow Connector 115">
+            <a:extLst>
+              <a:ext uri="{FF2B5EF4-FFF2-40B4-BE49-F238E27FC236}">
+                <a16:creationId xmlns:a16="http://schemas.microsoft.com/office/drawing/2014/main" id="{8AAF0E80-3CCE-4AB6-9785-2A6EC50A63D2}"/>
+              </a:ext>
+            </a:extLst>
+          </p:cNvPr>
+          <p:cNvCxnSpPr>
+            <a:cxnSpLocks/>
+            <a:stCxn id="111" idx="3"/>
+          </p:cNvCxnSpPr>
+          <p:nvPr/>
+        </p:nvCxnSpPr>
+        <p:spPr>
+          <a:xfrm>
+            <a:off x="7579709" y="5886669"/>
+            <a:ext cx="466769" cy="0"/>
+          </a:xfrm>
+          <a:prstGeom prst="straightConnector1">
+            <a:avLst/>
+          </a:prstGeom>
+          <a:ln w="38100">
+            <a:tailEnd type="triangle"/>
+          </a:ln>
+        </p:spPr>
+        <p:style>
+          <a:lnRef idx="1">
+            <a:schemeClr val="accent1"/>
+          </a:lnRef>
+          <a:fillRef idx="0">
+            <a:schemeClr val="accent1"/>
+          </a:fillRef>
+          <a:effectRef idx="0">
+            <a:schemeClr val="accent1"/>
+          </a:effectRef>
+          <a:fontRef idx="minor">
+            <a:schemeClr val="tx1"/>
+          </a:fontRef>
+        </p:style>
+      </p:cxnSp>
+      <p:cxnSp>
+        <p:nvCxnSpPr>
+          <p:cNvPr id="117" name="Straight Arrow Connector 116">
+            <a:extLst>
+              <a:ext uri="{FF2B5EF4-FFF2-40B4-BE49-F238E27FC236}">
+                <a16:creationId xmlns:a16="http://schemas.microsoft.com/office/drawing/2014/main" id="{1CB77472-0FDD-4427-97B5-F6786572D1C7}"/>
+              </a:ext>
+            </a:extLst>
+          </p:cNvPr>
+          <p:cNvCxnSpPr>
+            <a:cxnSpLocks/>
+            <a:stCxn id="112" idx="3"/>
+          </p:cNvCxnSpPr>
+          <p:nvPr/>
+        </p:nvCxnSpPr>
+        <p:spPr>
+          <a:xfrm>
+            <a:off x="7579709" y="6250561"/>
+            <a:ext cx="466769" cy="0"/>
+          </a:xfrm>
+          <a:prstGeom prst="straightConnector1">
+            <a:avLst/>
+          </a:prstGeom>
+          <a:ln w="38100">
+            <a:tailEnd type="triangle"/>
+          </a:ln>
+        </p:spPr>
+        <p:style>
+          <a:lnRef idx="1">
+            <a:schemeClr val="accent1"/>
+          </a:lnRef>
+          <a:fillRef idx="0">
+            <a:schemeClr val="accent1"/>
+          </a:fillRef>
+          <a:effectRef idx="0">
+            <a:schemeClr val="accent1"/>
+          </a:effectRef>
+          <a:fontRef idx="minor">
+            <a:schemeClr val="tx1"/>
+          </a:fontRef>
+        </p:style>
+      </p:cxnSp>
+      <p:sp>
+        <p:nvSpPr>
+          <p:cNvPr id="118" name="Rectangle 117">
+            <a:extLst>
+              <a:ext uri="{FF2B5EF4-FFF2-40B4-BE49-F238E27FC236}">
+                <a16:creationId xmlns:a16="http://schemas.microsoft.com/office/drawing/2014/main" id="{14278748-4263-46AF-9FBD-B840A82C85FB}"/>
+              </a:ext>
+            </a:extLst>
+          </p:cNvPr>
+          <p:cNvSpPr/>
+          <p:nvPr/>
+        </p:nvSpPr>
+        <p:spPr>
+          <a:xfrm>
+            <a:off x="8051143" y="4762267"/>
+            <a:ext cx="1651996" cy="245706"/>
+          </a:xfrm>
+          <a:prstGeom prst="rect">
+            <a:avLst/>
+          </a:prstGeom>
+        </p:spPr>
+        <p:style>
+          <a:lnRef idx="2">
+            <a:schemeClr val="accent1">
+              <a:shade val="50000"/>
+            </a:schemeClr>
+          </a:lnRef>
+          <a:fillRef idx="1">
+            <a:schemeClr val="accent1"/>
+          </a:fillRef>
+          <a:effectRef idx="0">
+            <a:schemeClr val="accent1"/>
+          </a:effectRef>
+          <a:fontRef idx="minor">
+            <a:schemeClr val="lt1"/>
+          </a:fontRef>
+        </p:style>
+        <p:txBody>
+          <a:bodyPr rtlCol="0" anchor="ctr"/>
+          <a:lstStyle/>
+          <a:p>
+            <a:pPr algn="ctr"/>
+            <a:r>
+              <a:rPr lang="en-GB" dirty="0"/>
+              <a:t>1200-1200</a:t>
+            </a:r>
+          </a:p>
+        </p:txBody>
+      </p:sp>
+      <p:sp>
+        <p:nvSpPr>
+          <p:cNvPr id="119" name="Rectangle 118">
+            <a:extLst>
+              <a:ext uri="{FF2B5EF4-FFF2-40B4-BE49-F238E27FC236}">
+                <a16:creationId xmlns:a16="http://schemas.microsoft.com/office/drawing/2014/main" id="{FF734878-A79F-43F2-B6B6-FAF31F211515}"/>
+              </a:ext>
+            </a:extLst>
+          </p:cNvPr>
+          <p:cNvSpPr/>
+          <p:nvPr/>
+        </p:nvSpPr>
+        <p:spPr>
+          <a:xfrm>
+            <a:off x="8046478" y="5059291"/>
+            <a:ext cx="1651996" cy="245706"/>
+          </a:xfrm>
+          <a:prstGeom prst="rect">
+            <a:avLst/>
+          </a:prstGeom>
+        </p:spPr>
+        <p:style>
+          <a:lnRef idx="2">
+            <a:schemeClr val="accent1">
+              <a:shade val="50000"/>
+            </a:schemeClr>
+          </a:lnRef>
+          <a:fillRef idx="1">
+            <a:schemeClr val="accent1"/>
+          </a:fillRef>
+          <a:effectRef idx="0">
+            <a:schemeClr val="accent1"/>
+          </a:effectRef>
+          <a:fontRef idx="minor">
+            <a:schemeClr val="lt1"/>
+          </a:fontRef>
+        </p:style>
+        <p:txBody>
+          <a:bodyPr rtlCol="0" anchor="ctr"/>
+          <a:lstStyle/>
+          <a:p>
+            <a:pPr algn="ctr"/>
+            <a:r>
+              <a:rPr lang="en-GB" dirty="0"/>
+              <a:t>1205-1200</a:t>
+            </a:r>
+          </a:p>
+        </p:txBody>
+      </p:sp>
+      <p:sp>
+        <p:nvSpPr>
+          <p:cNvPr id="120" name="Rectangle 119">
+            <a:extLst>
+              <a:ext uri="{FF2B5EF4-FFF2-40B4-BE49-F238E27FC236}">
+                <a16:creationId xmlns:a16="http://schemas.microsoft.com/office/drawing/2014/main" id="{ABFE7914-E353-4FE4-ACA2-7FE8A9CCBC31}"/>
+              </a:ext>
+            </a:extLst>
+          </p:cNvPr>
+          <p:cNvSpPr/>
+          <p:nvPr/>
+        </p:nvSpPr>
+        <p:spPr>
+          <a:xfrm>
+            <a:off x="8046478" y="5412298"/>
+            <a:ext cx="1651996" cy="245706"/>
+          </a:xfrm>
+          <a:prstGeom prst="rect">
+            <a:avLst/>
+          </a:prstGeom>
+        </p:spPr>
+        <p:style>
+          <a:lnRef idx="2">
+            <a:schemeClr val="accent1">
+              <a:shade val="50000"/>
+            </a:schemeClr>
+          </a:lnRef>
+          <a:fillRef idx="1">
+            <a:schemeClr val="accent1"/>
+          </a:fillRef>
+          <a:effectRef idx="0">
+            <a:schemeClr val="accent1"/>
+          </a:effectRef>
+          <a:fontRef idx="minor">
+            <a:schemeClr val="lt1"/>
+          </a:fontRef>
+        </p:style>
+        <p:txBody>
+          <a:bodyPr rtlCol="0" anchor="ctr"/>
+          <a:lstStyle/>
+          <a:p>
+            <a:pPr algn="ctr"/>
+            <a:r>
+              <a:rPr lang="en-GB" dirty="0"/>
+              <a:t>1210-1205</a:t>
+            </a:r>
+          </a:p>
+        </p:txBody>
+      </p:sp>
+      <p:sp>
+        <p:nvSpPr>
+          <p:cNvPr id="121" name="Rectangle 120">
+            <a:extLst>
+              <a:ext uri="{FF2B5EF4-FFF2-40B4-BE49-F238E27FC236}">
+                <a16:creationId xmlns:a16="http://schemas.microsoft.com/office/drawing/2014/main" id="{753559BB-DCB2-4352-9792-5084E2D8F5F8}"/>
+              </a:ext>
+            </a:extLst>
+          </p:cNvPr>
+          <p:cNvSpPr/>
+          <p:nvPr/>
+        </p:nvSpPr>
+        <p:spPr>
+          <a:xfrm>
+            <a:off x="8046478" y="5765305"/>
+            <a:ext cx="1651996" cy="245706"/>
+          </a:xfrm>
+          <a:prstGeom prst="rect">
+            <a:avLst/>
+          </a:prstGeom>
+        </p:spPr>
+        <p:style>
+          <a:lnRef idx="2">
+            <a:schemeClr val="accent1">
+              <a:shade val="50000"/>
+            </a:schemeClr>
+          </a:lnRef>
+          <a:fillRef idx="1">
+            <a:schemeClr val="accent1"/>
+          </a:fillRef>
+          <a:effectRef idx="0">
+            <a:schemeClr val="accent1"/>
+          </a:effectRef>
+          <a:fontRef idx="minor">
+            <a:schemeClr val="lt1"/>
+          </a:fontRef>
+        </p:style>
+        <p:txBody>
+          <a:bodyPr rtlCol="0" anchor="ctr"/>
+          <a:lstStyle/>
+          <a:p>
+            <a:pPr algn="ctr"/>
+            <a:r>
+              <a:rPr lang="en-GB" dirty="0"/>
+              <a:t>1190-1210</a:t>
+            </a:r>
+          </a:p>
+        </p:txBody>
+      </p:sp>
+      <p:sp>
+        <p:nvSpPr>
+          <p:cNvPr id="122" name="Rectangle 121">
+            <a:extLst>
+              <a:ext uri="{FF2B5EF4-FFF2-40B4-BE49-F238E27FC236}">
+                <a16:creationId xmlns:a16="http://schemas.microsoft.com/office/drawing/2014/main" id="{D725F054-D34B-436D-823F-3D7BC6A1CE8F}"/>
+              </a:ext>
+            </a:extLst>
+          </p:cNvPr>
+          <p:cNvSpPr/>
+          <p:nvPr/>
+        </p:nvSpPr>
+        <p:spPr>
+          <a:xfrm>
+            <a:off x="8046478" y="6129197"/>
+            <a:ext cx="1651996" cy="245706"/>
+          </a:xfrm>
+          <a:prstGeom prst="rect">
+            <a:avLst/>
+          </a:prstGeom>
+        </p:spPr>
+        <p:style>
+          <a:lnRef idx="2">
+            <a:schemeClr val="accent1">
+              <a:shade val="50000"/>
+            </a:schemeClr>
+          </a:lnRef>
+          <a:fillRef idx="1">
+            <a:schemeClr val="accent1"/>
+          </a:fillRef>
+          <a:effectRef idx="0">
+            <a:schemeClr val="accent1"/>
+          </a:effectRef>
+          <a:fontRef idx="minor">
+            <a:schemeClr val="lt1"/>
+          </a:fontRef>
+        </p:style>
+        <p:txBody>
+          <a:bodyPr rtlCol="0" anchor="ctr"/>
+          <a:lstStyle/>
+          <a:p>
+            <a:pPr algn="ctr"/>
+            <a:r>
+              <a:rPr lang="en-GB" dirty="0"/>
+              <a:t>1203-1190</a:t>
+            </a:r>
+          </a:p>
+        </p:txBody>
+      </p:sp>
+      <p:cxnSp>
+        <p:nvCxnSpPr>
+          <p:cNvPr id="123" name="Straight Arrow Connector 122">
+            <a:extLst>
+              <a:ext uri="{FF2B5EF4-FFF2-40B4-BE49-F238E27FC236}">
+                <a16:creationId xmlns:a16="http://schemas.microsoft.com/office/drawing/2014/main" id="{78D69A9B-0B2D-4580-93BB-F018FFAF8012}"/>
+              </a:ext>
+            </a:extLst>
+          </p:cNvPr>
+          <p:cNvCxnSpPr>
+            <a:cxnSpLocks/>
+          </p:cNvCxnSpPr>
+          <p:nvPr/>
+        </p:nvCxnSpPr>
+        <p:spPr>
+          <a:xfrm>
+            <a:off x="9698474" y="4879677"/>
+            <a:ext cx="466769" cy="0"/>
+          </a:xfrm>
+          <a:prstGeom prst="straightConnector1">
+            <a:avLst/>
+          </a:prstGeom>
+          <a:ln w="38100">
+            <a:tailEnd type="triangle"/>
+          </a:ln>
+        </p:spPr>
+        <p:style>
+          <a:lnRef idx="1">
+            <a:schemeClr val="accent1"/>
+          </a:lnRef>
+          <a:fillRef idx="0">
+            <a:schemeClr val="accent1"/>
+          </a:fillRef>
+          <a:effectRef idx="0">
+            <a:schemeClr val="accent1"/>
+          </a:effectRef>
+          <a:fontRef idx="minor">
+            <a:schemeClr val="tx1"/>
+          </a:fontRef>
+        </p:style>
+      </p:cxnSp>
+      <p:cxnSp>
+        <p:nvCxnSpPr>
+          <p:cNvPr id="124" name="Straight Arrow Connector 123">
+            <a:extLst>
+              <a:ext uri="{FF2B5EF4-FFF2-40B4-BE49-F238E27FC236}">
+                <a16:creationId xmlns:a16="http://schemas.microsoft.com/office/drawing/2014/main" id="{C704928E-5B0B-4E92-AD95-8E0853EF9C32}"/>
+              </a:ext>
+            </a:extLst>
+          </p:cNvPr>
+          <p:cNvCxnSpPr>
+            <a:cxnSpLocks/>
+          </p:cNvCxnSpPr>
+          <p:nvPr/>
+        </p:nvCxnSpPr>
+        <p:spPr>
+          <a:xfrm>
+            <a:off x="9698474" y="5176701"/>
+            <a:ext cx="466769" cy="0"/>
+          </a:xfrm>
+          <a:prstGeom prst="straightConnector1">
+            <a:avLst/>
+          </a:prstGeom>
+          <a:ln w="38100">
+            <a:tailEnd type="triangle"/>
+          </a:ln>
+        </p:spPr>
+        <p:style>
+          <a:lnRef idx="1">
+            <a:schemeClr val="accent1"/>
+          </a:lnRef>
+          <a:fillRef idx="0">
+            <a:schemeClr val="accent1"/>
+          </a:fillRef>
+          <a:effectRef idx="0">
+            <a:schemeClr val="accent1"/>
+          </a:effectRef>
+          <a:fontRef idx="minor">
+            <a:schemeClr val="tx1"/>
+          </a:fontRef>
+        </p:style>
+      </p:cxnSp>
+      <p:cxnSp>
+        <p:nvCxnSpPr>
+          <p:cNvPr id="125" name="Straight Arrow Connector 124">
+            <a:extLst>
+              <a:ext uri="{FF2B5EF4-FFF2-40B4-BE49-F238E27FC236}">
+                <a16:creationId xmlns:a16="http://schemas.microsoft.com/office/drawing/2014/main" id="{4CC16898-9E9C-4E99-A18D-A7A86DC2A696}"/>
+              </a:ext>
+            </a:extLst>
+          </p:cNvPr>
+          <p:cNvCxnSpPr>
+            <a:cxnSpLocks/>
+          </p:cNvCxnSpPr>
+          <p:nvPr/>
+        </p:nvCxnSpPr>
+        <p:spPr>
+          <a:xfrm>
+            <a:off x="9698474" y="5529708"/>
+            <a:ext cx="466769" cy="0"/>
+          </a:xfrm>
+          <a:prstGeom prst="straightConnector1">
+            <a:avLst/>
+          </a:prstGeom>
+          <a:ln w="38100">
+            <a:tailEnd type="triangle"/>
+          </a:ln>
+        </p:spPr>
+        <p:style>
+          <a:lnRef idx="1">
+            <a:schemeClr val="accent1"/>
+          </a:lnRef>
+          <a:fillRef idx="0">
+            <a:schemeClr val="accent1"/>
+          </a:fillRef>
+          <a:effectRef idx="0">
+            <a:schemeClr val="accent1"/>
+          </a:effectRef>
+          <a:fontRef idx="minor">
+            <a:schemeClr val="tx1"/>
+          </a:fontRef>
+        </p:style>
+      </p:cxnSp>
+      <p:cxnSp>
+        <p:nvCxnSpPr>
+          <p:cNvPr id="126" name="Straight Arrow Connector 125">
+            <a:extLst>
+              <a:ext uri="{FF2B5EF4-FFF2-40B4-BE49-F238E27FC236}">
+                <a16:creationId xmlns:a16="http://schemas.microsoft.com/office/drawing/2014/main" id="{9ECC8B7A-5CDC-431D-88B6-DEDC763A8F3A}"/>
+              </a:ext>
+            </a:extLst>
+          </p:cNvPr>
+          <p:cNvCxnSpPr>
+            <a:cxnSpLocks/>
+          </p:cNvCxnSpPr>
+          <p:nvPr/>
+        </p:nvCxnSpPr>
+        <p:spPr>
+          <a:xfrm>
+            <a:off x="9698474" y="5882715"/>
+            <a:ext cx="466769" cy="0"/>
+          </a:xfrm>
+          <a:prstGeom prst="straightConnector1">
+            <a:avLst/>
+          </a:prstGeom>
+          <a:ln w="38100">
+            <a:tailEnd type="triangle"/>
+          </a:ln>
+        </p:spPr>
+        <p:style>
+          <a:lnRef idx="1">
+            <a:schemeClr val="accent1"/>
+          </a:lnRef>
+          <a:fillRef idx="0">
+            <a:schemeClr val="accent1"/>
+          </a:fillRef>
+          <a:effectRef idx="0">
+            <a:schemeClr val="accent1"/>
+          </a:effectRef>
+          <a:fontRef idx="minor">
+            <a:schemeClr val="tx1"/>
+          </a:fontRef>
+        </p:style>
+      </p:cxnSp>
+      <p:cxnSp>
+        <p:nvCxnSpPr>
+          <p:cNvPr id="127" name="Straight Arrow Connector 126">
+            <a:extLst>
+              <a:ext uri="{FF2B5EF4-FFF2-40B4-BE49-F238E27FC236}">
+                <a16:creationId xmlns:a16="http://schemas.microsoft.com/office/drawing/2014/main" id="{281EBD68-4317-422A-9E43-E070AC39885C}"/>
+              </a:ext>
+            </a:extLst>
+          </p:cNvPr>
+          <p:cNvCxnSpPr>
+            <a:cxnSpLocks/>
+          </p:cNvCxnSpPr>
+          <p:nvPr/>
+        </p:nvCxnSpPr>
+        <p:spPr>
+          <a:xfrm>
+            <a:off x="9698474" y="6246607"/>
+            <a:ext cx="466769" cy="0"/>
+          </a:xfrm>
+          <a:prstGeom prst="straightConnector1">
+            <a:avLst/>
+          </a:prstGeom>
+          <a:ln w="38100">
+            <a:tailEnd type="triangle"/>
+          </a:ln>
+        </p:spPr>
+        <p:style>
+          <a:lnRef idx="1">
+            <a:schemeClr val="accent1"/>
+          </a:lnRef>
+          <a:fillRef idx="0">
+            <a:schemeClr val="accent1"/>
+          </a:fillRef>
+          <a:effectRef idx="0">
+            <a:schemeClr val="accent1"/>
+          </a:effectRef>
+          <a:fontRef idx="minor">
+            <a:schemeClr val="tx1"/>
+          </a:fontRef>
+        </p:style>
+      </p:cxnSp>
+      <p:sp>
+        <p:nvSpPr>
+          <p:cNvPr id="128" name="Rectangle 127">
+            <a:extLst>
+              <a:ext uri="{FF2B5EF4-FFF2-40B4-BE49-F238E27FC236}">
+                <a16:creationId xmlns:a16="http://schemas.microsoft.com/office/drawing/2014/main" id="{6BAE0F00-479A-4A42-B5F9-0081F4BB2385}"/>
+              </a:ext>
+            </a:extLst>
+          </p:cNvPr>
+          <p:cNvSpPr/>
+          <p:nvPr/>
+        </p:nvSpPr>
+        <p:spPr>
+          <a:xfrm>
+            <a:off x="10119555" y="4762267"/>
+            <a:ext cx="933538" cy="256592"/>
+          </a:xfrm>
+          <a:prstGeom prst="rect">
+            <a:avLst/>
+          </a:prstGeom>
+        </p:spPr>
+        <p:style>
+          <a:lnRef idx="2">
+            <a:schemeClr val="accent1">
+              <a:shade val="50000"/>
+            </a:schemeClr>
+          </a:lnRef>
+          <a:fillRef idx="1">
+            <a:schemeClr val="accent1"/>
+          </a:fillRef>
+          <a:effectRef idx="0">
+            <a:schemeClr val="accent1"/>
+          </a:effectRef>
+          <a:fontRef idx="minor">
+            <a:schemeClr val="lt1"/>
+          </a:fontRef>
+        </p:style>
+        <p:txBody>
+          <a:bodyPr rtlCol="0" anchor="ctr"/>
+          <a:lstStyle/>
+          <a:p>
+            <a:pPr algn="ctr"/>
+            <a:r>
+              <a:rPr lang="en-GB" dirty="0"/>
+              <a:t>0</a:t>
+            </a:r>
+          </a:p>
+        </p:txBody>
+      </p:sp>
+      <p:sp>
+        <p:nvSpPr>
+          <p:cNvPr id="129" name="Rectangle 128">
+            <a:extLst>
+              <a:ext uri="{FF2B5EF4-FFF2-40B4-BE49-F238E27FC236}">
+                <a16:creationId xmlns:a16="http://schemas.microsoft.com/office/drawing/2014/main" id="{002B18E8-9DF6-4E41-8781-BD67CDB79699}"/>
+              </a:ext>
+            </a:extLst>
+          </p:cNvPr>
+          <p:cNvSpPr/>
+          <p:nvPr/>
+        </p:nvSpPr>
+        <p:spPr>
+          <a:xfrm>
+            <a:off x="10119555" y="5059291"/>
+            <a:ext cx="933538" cy="256592"/>
+          </a:xfrm>
+          <a:prstGeom prst="rect">
+            <a:avLst/>
+          </a:prstGeom>
+        </p:spPr>
+        <p:style>
+          <a:lnRef idx="2">
+            <a:schemeClr val="accent1">
+              <a:shade val="50000"/>
+            </a:schemeClr>
+          </a:lnRef>
+          <a:fillRef idx="1">
+            <a:schemeClr val="accent1"/>
+          </a:fillRef>
+          <a:effectRef idx="0">
+            <a:schemeClr val="accent1"/>
+          </a:effectRef>
+          <a:fontRef idx="minor">
+            <a:schemeClr val="lt1"/>
+          </a:fontRef>
+        </p:style>
+        <p:txBody>
+          <a:bodyPr rtlCol="0" anchor="ctr"/>
+          <a:lstStyle/>
+          <a:p>
+            <a:pPr algn="ctr"/>
+            <a:r>
+              <a:rPr lang="en-GB" dirty="0"/>
+              <a:t>5</a:t>
+            </a:r>
+          </a:p>
+        </p:txBody>
+      </p:sp>
+      <p:sp>
+        <p:nvSpPr>
+          <p:cNvPr id="130" name="Rectangle 129">
+            <a:extLst>
+              <a:ext uri="{FF2B5EF4-FFF2-40B4-BE49-F238E27FC236}">
+                <a16:creationId xmlns:a16="http://schemas.microsoft.com/office/drawing/2014/main" id="{44A552A1-8F35-427F-BB43-688ADE945A43}"/>
+              </a:ext>
+            </a:extLst>
+          </p:cNvPr>
+          <p:cNvSpPr/>
+          <p:nvPr/>
+        </p:nvSpPr>
+        <p:spPr>
+          <a:xfrm>
+            <a:off x="10119555" y="5412298"/>
+            <a:ext cx="933538" cy="256592"/>
+          </a:xfrm>
+          <a:prstGeom prst="rect">
+            <a:avLst/>
+          </a:prstGeom>
+        </p:spPr>
+        <p:style>
+          <a:lnRef idx="2">
+            <a:schemeClr val="accent1">
+              <a:shade val="50000"/>
+            </a:schemeClr>
+          </a:lnRef>
+          <a:fillRef idx="1">
+            <a:schemeClr val="accent1"/>
+          </a:fillRef>
+          <a:effectRef idx="0">
+            <a:schemeClr val="accent1"/>
+          </a:effectRef>
+          <a:fontRef idx="minor">
+            <a:schemeClr val="lt1"/>
+          </a:fontRef>
+        </p:style>
+        <p:txBody>
+          <a:bodyPr rtlCol="0" anchor="ctr"/>
+          <a:lstStyle/>
+          <a:p>
+            <a:pPr algn="ctr"/>
+            <a:r>
+              <a:rPr lang="en-GB" dirty="0"/>
+              <a:t>5</a:t>
+            </a:r>
+          </a:p>
+        </p:txBody>
+      </p:sp>
+      <p:sp>
+        <p:nvSpPr>
+          <p:cNvPr id="131" name="Rectangle 130">
+            <a:extLst>
+              <a:ext uri="{FF2B5EF4-FFF2-40B4-BE49-F238E27FC236}">
+                <a16:creationId xmlns:a16="http://schemas.microsoft.com/office/drawing/2014/main" id="{E789C328-7F93-4144-8D6F-3C4AC83BE2FB}"/>
+              </a:ext>
+            </a:extLst>
+          </p:cNvPr>
+          <p:cNvSpPr/>
+          <p:nvPr/>
+        </p:nvSpPr>
+        <p:spPr>
+          <a:xfrm>
+            <a:off x="10119555" y="5765305"/>
+            <a:ext cx="933538" cy="256592"/>
+          </a:xfrm>
+          <a:prstGeom prst="rect">
+            <a:avLst/>
+          </a:prstGeom>
+        </p:spPr>
+        <p:style>
+          <a:lnRef idx="2">
+            <a:schemeClr val="accent1">
+              <a:shade val="50000"/>
+            </a:schemeClr>
+          </a:lnRef>
+          <a:fillRef idx="1">
+            <a:schemeClr val="accent1"/>
+          </a:fillRef>
+          <a:effectRef idx="0">
+            <a:schemeClr val="accent1"/>
+          </a:effectRef>
+          <a:fontRef idx="minor">
+            <a:schemeClr val="lt1"/>
+          </a:fontRef>
+        </p:style>
+        <p:txBody>
+          <a:bodyPr rtlCol="0" anchor="ctr"/>
+          <a:lstStyle/>
+          <a:p>
+            <a:pPr algn="ctr"/>
+            <a:r>
+              <a:rPr lang="en-GB" dirty="0"/>
+              <a:t>-20</a:t>
+            </a:r>
+          </a:p>
+        </p:txBody>
+      </p:sp>
+      <p:sp>
+        <p:nvSpPr>
+          <p:cNvPr id="132" name="Rectangle 131">
+            <a:extLst>
+              <a:ext uri="{FF2B5EF4-FFF2-40B4-BE49-F238E27FC236}">
+                <a16:creationId xmlns:a16="http://schemas.microsoft.com/office/drawing/2014/main" id="{2D5133C0-35F5-405A-90AD-704325749D74}"/>
+              </a:ext>
+            </a:extLst>
+          </p:cNvPr>
+          <p:cNvSpPr/>
+          <p:nvPr/>
+        </p:nvSpPr>
+        <p:spPr>
+          <a:xfrm>
+            <a:off x="10119555" y="6129197"/>
+            <a:ext cx="933538" cy="256592"/>
+          </a:xfrm>
+          <a:prstGeom prst="rect">
+            <a:avLst/>
+          </a:prstGeom>
+        </p:spPr>
+        <p:style>
+          <a:lnRef idx="2">
+            <a:schemeClr val="accent1">
+              <a:shade val="50000"/>
+            </a:schemeClr>
+          </a:lnRef>
+          <a:fillRef idx="1">
+            <a:schemeClr val="accent1"/>
+          </a:fillRef>
+          <a:effectRef idx="0">
+            <a:schemeClr val="accent1"/>
+          </a:effectRef>
+          <a:fontRef idx="minor">
+            <a:schemeClr val="lt1"/>
+          </a:fontRef>
+        </p:style>
+        <p:txBody>
+          <a:bodyPr rtlCol="0" anchor="ctr"/>
+          <a:lstStyle/>
+          <a:p>
+            <a:pPr algn="ctr"/>
+            <a:r>
+              <a:rPr lang="en-GB" dirty="0"/>
+              <a:t>13</a:t>
+            </a:r>
+          </a:p>
+        </p:txBody>
+      </p:sp>
     </p:spTree>
     <p:extLst>
       <p:ext uri="{BB962C8B-B14F-4D97-AF65-F5344CB8AC3E}">

--- a/Parth viva presentation.pptx
+++ b/Parth viva presentation.pptx
@@ -14,6 +14,7 @@
     <p:sldId id="261" r:id="rId8"/>
     <p:sldId id="262" r:id="rId9"/>
     <p:sldId id="264" r:id="rId10"/>
+    <p:sldId id="266" r:id="rId11"/>
   </p:sldIdLst>
   <p:sldSz cx="12192000" cy="6858000"/>
   <p:notesSz cx="6858000" cy="9144000"/>
@@ -170,7 +171,7 @@
           <a:noFill/>
           <a:extLst>
             <a:ext uri="{909E8E84-426E-40dd-AFC4-6F175D3DCCD1}">
-              <a14:hiddenFill xmlns:a14="http://schemas.microsoft.com/office/drawing/2010/main" xmlns="">
+              <a14:hiddenFill xmlns="" xmlns:a14="http://schemas.microsoft.com/office/drawing/2010/main">
                 <a:solidFill>
                   <a:srgbClr val="FFFFFF"/>
                 </a:solidFill>
@@ -230,7 +231,7 @@
             </a:ln>
             <a:extLst>
               <a:ext uri="{91240B29-F687-4f45-9708-019B960494DF}">
-                <a14:hiddenLine xmlns:a14="http://schemas.microsoft.com/office/drawing/2010/main" xmlns="" w="9525">
+                <a14:hiddenLine xmlns="" xmlns:a14="http://schemas.microsoft.com/office/drawing/2010/main" w="9525">
                   <a:solidFill>
                     <a:srgbClr val="000000"/>
                   </a:solidFill>
@@ -320,7 +321,7 @@
             </a:ln>
             <a:extLst>
               <a:ext uri="{91240B29-F687-4f45-9708-019B960494DF}">
-                <a14:hiddenLine xmlns:a14="http://schemas.microsoft.com/office/drawing/2010/main" xmlns="" w="9525">
+                <a14:hiddenLine xmlns="" xmlns:a14="http://schemas.microsoft.com/office/drawing/2010/main" w="9525">
                   <a:solidFill>
                     <a:srgbClr val="000000"/>
                   </a:solidFill>
@@ -410,7 +411,7 @@
             </a:ln>
             <a:extLst>
               <a:ext uri="{91240B29-F687-4f45-9708-019B960494DF}">
-                <a14:hiddenLine xmlns:a14="http://schemas.microsoft.com/office/drawing/2010/main" xmlns="" w="9525">
+                <a14:hiddenLine xmlns="" xmlns:a14="http://schemas.microsoft.com/office/drawing/2010/main" w="9525">
                   <a:solidFill>
                     <a:srgbClr val="000000"/>
                   </a:solidFill>
@@ -444,7 +445,7 @@
             </a:ln>
             <a:extLst>
               <a:ext uri="{91240B29-F687-4f45-9708-019B960494DF}">
-                <a14:hiddenLine xmlns:a14="http://schemas.microsoft.com/office/drawing/2010/main" xmlns="" w="9525">
+                <a14:hiddenLine xmlns="" xmlns:a14="http://schemas.microsoft.com/office/drawing/2010/main" w="9525">
                   <a:solidFill>
                     <a:srgbClr val="000000"/>
                   </a:solidFill>
@@ -534,7 +535,7 @@
             </a:ln>
             <a:extLst>
               <a:ext uri="{91240B29-F687-4f45-9708-019B960494DF}">
-                <a14:hiddenLine xmlns:a14="http://schemas.microsoft.com/office/drawing/2010/main" xmlns="" w="9525">
+                <a14:hiddenLine xmlns="" xmlns:a14="http://schemas.microsoft.com/office/drawing/2010/main" w="9525">
                   <a:solidFill>
                     <a:srgbClr val="000000"/>
                   </a:solidFill>
@@ -596,7 +597,7 @@
             </a:ln>
             <a:extLst>
               <a:ext uri="{91240B29-F687-4f45-9708-019B960494DF}">
-                <a14:hiddenLine xmlns:a14="http://schemas.microsoft.com/office/drawing/2010/main" xmlns="" w="9525">
+                <a14:hiddenLine xmlns="" xmlns:a14="http://schemas.microsoft.com/office/drawing/2010/main" w="9525">
                   <a:solidFill>
                     <a:srgbClr val="000000"/>
                   </a:solidFill>
@@ -658,7 +659,7 @@
             </a:ln>
             <a:extLst>
               <a:ext uri="{91240B29-F687-4f45-9708-019B960494DF}">
-                <a14:hiddenLine xmlns:a14="http://schemas.microsoft.com/office/drawing/2010/main" xmlns="" w="9525">
+                <a14:hiddenLine xmlns="" xmlns:a14="http://schemas.microsoft.com/office/drawing/2010/main" w="9525">
                   <a:solidFill>
                     <a:srgbClr val="000000"/>
                   </a:solidFill>
@@ -748,7 +749,7 @@
             </a:ln>
             <a:extLst>
               <a:ext uri="{91240B29-F687-4f45-9708-019B960494DF}">
-                <a14:hiddenLine xmlns:a14="http://schemas.microsoft.com/office/drawing/2010/main" xmlns="" w="9525">
+                <a14:hiddenLine xmlns="" xmlns:a14="http://schemas.microsoft.com/office/drawing/2010/main" w="9525">
                   <a:solidFill>
                     <a:srgbClr val="000000"/>
                   </a:solidFill>
@@ -810,7 +811,7 @@
             </a:ln>
             <a:extLst>
               <a:ext uri="{91240B29-F687-4f45-9708-019B960494DF}">
-                <a14:hiddenLine xmlns:a14="http://schemas.microsoft.com/office/drawing/2010/main" xmlns="" w="9525">
+                <a14:hiddenLine xmlns="" xmlns:a14="http://schemas.microsoft.com/office/drawing/2010/main" w="9525">
                   <a:solidFill>
                     <a:srgbClr val="000000"/>
                   </a:solidFill>
@@ -872,7 +873,7 @@
             </a:ln>
             <a:extLst>
               <a:ext uri="{91240B29-F687-4f45-9708-019B960494DF}">
-                <a14:hiddenLine xmlns:a14="http://schemas.microsoft.com/office/drawing/2010/main" xmlns="" w="9525">
+                <a14:hiddenLine xmlns="" xmlns:a14="http://schemas.microsoft.com/office/drawing/2010/main" w="9525">
                   <a:solidFill>
                     <a:srgbClr val="000000"/>
                   </a:solidFill>
@@ -962,7 +963,7 @@
             </a:ln>
             <a:extLst>
               <a:ext uri="{91240B29-F687-4f45-9708-019B960494DF}">
-                <a14:hiddenLine xmlns:a14="http://schemas.microsoft.com/office/drawing/2010/main" xmlns="" w="9525">
+                <a14:hiddenLine xmlns="" xmlns:a14="http://schemas.microsoft.com/office/drawing/2010/main" w="9525">
                   <a:solidFill>
                     <a:srgbClr val="000000"/>
                   </a:solidFill>
@@ -1052,7 +1053,7 @@
             </a:ln>
             <a:extLst>
               <a:ext uri="{91240B29-F687-4f45-9708-019B960494DF}">
-                <a14:hiddenLine xmlns:a14="http://schemas.microsoft.com/office/drawing/2010/main" xmlns="" w="9525">
+                <a14:hiddenLine xmlns="" xmlns:a14="http://schemas.microsoft.com/office/drawing/2010/main" w="9525">
                   <a:solidFill>
                     <a:srgbClr val="000000"/>
                   </a:solidFill>
@@ -1114,7 +1115,7 @@
             </a:ln>
             <a:extLst>
               <a:ext uri="{91240B29-F687-4f45-9708-019B960494DF}">
-                <a14:hiddenLine xmlns:a14="http://schemas.microsoft.com/office/drawing/2010/main" xmlns="" w="9525">
+                <a14:hiddenLine xmlns="" xmlns:a14="http://schemas.microsoft.com/office/drawing/2010/main" w="9525">
                   <a:solidFill>
                     <a:srgbClr val="000000"/>
                   </a:solidFill>
@@ -1224,7 +1225,7 @@
             </a:ln>
             <a:extLst>
               <a:ext uri="{91240B29-F687-4f45-9708-019B960494DF}">
-                <a14:hiddenLine xmlns:a14="http://schemas.microsoft.com/office/drawing/2010/main" xmlns="" w="9525">
+                <a14:hiddenLine xmlns="" xmlns:a14="http://schemas.microsoft.com/office/drawing/2010/main" w="9525">
                   <a:solidFill>
                     <a:srgbClr val="000000"/>
                   </a:solidFill>
@@ -1286,7 +1287,7 @@
             </a:ln>
             <a:extLst>
               <a:ext uri="{91240B29-F687-4f45-9708-019B960494DF}">
-                <a14:hiddenLine xmlns:a14="http://schemas.microsoft.com/office/drawing/2010/main" xmlns="" w="9525">
+                <a14:hiddenLine xmlns="" xmlns:a14="http://schemas.microsoft.com/office/drawing/2010/main" w="9525">
                   <a:solidFill>
                     <a:srgbClr val="000000"/>
                   </a:solidFill>
@@ -1376,7 +1377,7 @@
             </a:ln>
             <a:extLst>
               <a:ext uri="{91240B29-F687-4f45-9708-019B960494DF}">
-                <a14:hiddenLine xmlns:a14="http://schemas.microsoft.com/office/drawing/2010/main" xmlns="" w="9525">
+                <a14:hiddenLine xmlns="" xmlns:a14="http://schemas.microsoft.com/office/drawing/2010/main" w="9525">
                   <a:solidFill>
                     <a:srgbClr val="000000"/>
                   </a:solidFill>
@@ -1466,7 +1467,7 @@
             </a:ln>
             <a:extLst>
               <a:ext uri="{91240B29-F687-4f45-9708-019B960494DF}">
-                <a14:hiddenLine xmlns:a14="http://schemas.microsoft.com/office/drawing/2010/main" xmlns="" w="9525">
+                <a14:hiddenLine xmlns="" xmlns:a14="http://schemas.microsoft.com/office/drawing/2010/main" w="9525">
                   <a:solidFill>
                     <a:srgbClr val="000000"/>
                   </a:solidFill>
@@ -1528,7 +1529,7 @@
             </a:ln>
             <a:extLst>
               <a:ext uri="{91240B29-F687-4f45-9708-019B960494DF}">
-                <a14:hiddenLine xmlns:a14="http://schemas.microsoft.com/office/drawing/2010/main" xmlns="" w="9525">
+                <a14:hiddenLine xmlns="" xmlns:a14="http://schemas.microsoft.com/office/drawing/2010/main" w="9525">
                   <a:solidFill>
                     <a:srgbClr val="000000"/>
                   </a:solidFill>
@@ -1618,7 +1619,7 @@
             </a:ln>
             <a:extLst>
               <a:ext uri="{91240B29-F687-4f45-9708-019B960494DF}">
-                <a14:hiddenLine xmlns:a14="http://schemas.microsoft.com/office/drawing/2010/main" xmlns="" w="9525">
+                <a14:hiddenLine xmlns="" xmlns:a14="http://schemas.microsoft.com/office/drawing/2010/main" w="9525">
                   <a:solidFill>
                     <a:srgbClr val="000000"/>
                   </a:solidFill>
@@ -1708,7 +1709,7 @@
             </a:ln>
             <a:extLst>
               <a:ext uri="{91240B29-F687-4f45-9708-019B960494DF}">
-                <a14:hiddenLine xmlns:a14="http://schemas.microsoft.com/office/drawing/2010/main" xmlns="" w="9525">
+                <a14:hiddenLine xmlns="" xmlns:a14="http://schemas.microsoft.com/office/drawing/2010/main" w="9525">
                   <a:solidFill>
                     <a:srgbClr val="000000"/>
                   </a:solidFill>
@@ -1764,7 +1765,7 @@
             </a:ln>
             <a:extLst>
               <a:ext uri="{91240B29-F687-4f45-9708-019B960494DF}">
-                <a14:hiddenLine xmlns:a14="http://schemas.microsoft.com/office/drawing/2010/main" xmlns="" w="9525">
+                <a14:hiddenLine xmlns="" xmlns:a14="http://schemas.microsoft.com/office/drawing/2010/main" w="9525">
                   <a:solidFill>
                     <a:srgbClr val="000000"/>
                   </a:solidFill>
@@ -1854,7 +1855,7 @@
             </a:ln>
             <a:extLst>
               <a:ext uri="{91240B29-F687-4f45-9708-019B960494DF}">
-                <a14:hiddenLine xmlns:a14="http://schemas.microsoft.com/office/drawing/2010/main" xmlns="" w="9525">
+                <a14:hiddenLine xmlns="" xmlns:a14="http://schemas.microsoft.com/office/drawing/2010/main" w="9525">
                   <a:solidFill>
                     <a:srgbClr val="000000"/>
                   </a:solidFill>
@@ -1910,7 +1911,7 @@
             </a:ln>
             <a:extLst>
               <a:ext uri="{91240B29-F687-4f45-9708-019B960494DF}">
-                <a14:hiddenLine xmlns:a14="http://schemas.microsoft.com/office/drawing/2010/main" xmlns="" w="9525">
+                <a14:hiddenLine xmlns="" xmlns:a14="http://schemas.microsoft.com/office/drawing/2010/main" w="9525">
                   <a:solidFill>
                     <a:srgbClr val="000000"/>
                   </a:solidFill>
@@ -2000,7 +2001,7 @@
             </a:ln>
             <a:extLst>
               <a:ext uri="{91240B29-F687-4f45-9708-019B960494DF}">
-                <a14:hiddenLine xmlns:a14="http://schemas.microsoft.com/office/drawing/2010/main" xmlns="" w="9525">
+                <a14:hiddenLine xmlns="" xmlns:a14="http://schemas.microsoft.com/office/drawing/2010/main" w="9525">
                   <a:solidFill>
                     <a:srgbClr val="000000"/>
                   </a:solidFill>
@@ -2068,7 +2069,7 @@
             </a:ln>
             <a:extLst>
               <a:ext uri="{91240B29-F687-4f45-9708-019B960494DF}">
-                <a14:hiddenLine xmlns:a14="http://schemas.microsoft.com/office/drawing/2010/main" xmlns="" w="9525">
+                <a14:hiddenLine xmlns="" xmlns:a14="http://schemas.microsoft.com/office/drawing/2010/main" w="9525">
                   <a:solidFill>
                     <a:srgbClr val="000000"/>
                   </a:solidFill>
@@ -2158,7 +2159,7 @@
             </a:ln>
             <a:extLst>
               <a:ext uri="{91240B29-F687-4f45-9708-019B960494DF}">
-                <a14:hiddenLine xmlns:a14="http://schemas.microsoft.com/office/drawing/2010/main" xmlns="" w="9525">
+                <a14:hiddenLine xmlns="" xmlns:a14="http://schemas.microsoft.com/office/drawing/2010/main" w="9525">
                   <a:solidFill>
                     <a:srgbClr val="000000"/>
                   </a:solidFill>
@@ -2226,7 +2227,7 @@
             </a:ln>
             <a:extLst>
               <a:ext uri="{91240B29-F687-4f45-9708-019B960494DF}">
-                <a14:hiddenLine xmlns:a14="http://schemas.microsoft.com/office/drawing/2010/main" xmlns="" w="9525">
+                <a14:hiddenLine xmlns="" xmlns:a14="http://schemas.microsoft.com/office/drawing/2010/main" w="9525">
                   <a:solidFill>
                     <a:srgbClr val="000000"/>
                   </a:solidFill>
@@ -2316,7 +2317,7 @@
             </a:ln>
             <a:extLst>
               <a:ext uri="{91240B29-F687-4f45-9708-019B960494DF}">
-                <a14:hiddenLine xmlns:a14="http://schemas.microsoft.com/office/drawing/2010/main" xmlns="" w="9525">
+                <a14:hiddenLine xmlns="" xmlns:a14="http://schemas.microsoft.com/office/drawing/2010/main" w="9525">
                   <a:solidFill>
                     <a:srgbClr val="000000"/>
                   </a:solidFill>
@@ -2350,7 +2351,7 @@
             </a:ln>
             <a:extLst>
               <a:ext uri="{91240B29-F687-4f45-9708-019B960494DF}">
-                <a14:hiddenLine xmlns:a14="http://schemas.microsoft.com/office/drawing/2010/main" xmlns="" w="9525">
+                <a14:hiddenLine xmlns="" xmlns:a14="http://schemas.microsoft.com/office/drawing/2010/main" w="9525">
                   <a:solidFill>
                     <a:srgbClr val="000000"/>
                   </a:solidFill>
@@ -2440,7 +2441,7 @@
             </a:ln>
             <a:extLst>
               <a:ext uri="{91240B29-F687-4f45-9708-019B960494DF}">
-                <a14:hiddenLine xmlns:a14="http://schemas.microsoft.com/office/drawing/2010/main" xmlns="" w="9525">
+                <a14:hiddenLine xmlns="" xmlns:a14="http://schemas.microsoft.com/office/drawing/2010/main" w="9525">
                   <a:solidFill>
                     <a:srgbClr val="000000"/>
                   </a:solidFill>
@@ -2502,7 +2503,7 @@
             </a:ln>
             <a:extLst>
               <a:ext uri="{91240B29-F687-4f45-9708-019B960494DF}">
-                <a14:hiddenLine xmlns:a14="http://schemas.microsoft.com/office/drawing/2010/main" xmlns="" w="9525">
+                <a14:hiddenLine xmlns="" xmlns:a14="http://schemas.microsoft.com/office/drawing/2010/main" w="9525">
                   <a:solidFill>
                     <a:srgbClr val="000000"/>
                   </a:solidFill>
@@ -2564,7 +2565,7 @@
             </a:ln>
             <a:extLst>
               <a:ext uri="{91240B29-F687-4f45-9708-019B960494DF}">
-                <a14:hiddenLine xmlns:a14="http://schemas.microsoft.com/office/drawing/2010/main" xmlns="" w="9525">
+                <a14:hiddenLine xmlns="" xmlns:a14="http://schemas.microsoft.com/office/drawing/2010/main" w="9525">
                   <a:solidFill>
                     <a:srgbClr val="000000"/>
                   </a:solidFill>
@@ -2654,7 +2655,7 @@
             </a:ln>
             <a:extLst>
               <a:ext uri="{91240B29-F687-4f45-9708-019B960494DF}">
-                <a14:hiddenLine xmlns:a14="http://schemas.microsoft.com/office/drawing/2010/main" xmlns="" w="9525">
+                <a14:hiddenLine xmlns="" xmlns:a14="http://schemas.microsoft.com/office/drawing/2010/main" w="9525">
                   <a:solidFill>
                     <a:srgbClr val="000000"/>
                   </a:solidFill>
@@ -2722,7 +2723,7 @@
             </a:ln>
             <a:extLst>
               <a:ext uri="{91240B29-F687-4f45-9708-019B960494DF}">
-                <a14:hiddenLine xmlns:a14="http://schemas.microsoft.com/office/drawing/2010/main" xmlns="" w="9525">
+                <a14:hiddenLine xmlns="" xmlns:a14="http://schemas.microsoft.com/office/drawing/2010/main" w="9525">
                   <a:solidFill>
                     <a:srgbClr val="000000"/>
                   </a:solidFill>
@@ -2784,7 +2785,7 @@
             </a:ln>
             <a:extLst>
               <a:ext uri="{91240B29-F687-4f45-9708-019B960494DF}">
-                <a14:hiddenLine xmlns:a14="http://schemas.microsoft.com/office/drawing/2010/main" xmlns="" w="9525">
+                <a14:hiddenLine xmlns="" xmlns:a14="http://schemas.microsoft.com/office/drawing/2010/main" w="9525">
                   <a:solidFill>
                     <a:srgbClr val="000000"/>
                   </a:solidFill>
@@ -2874,7 +2875,7 @@
             </a:ln>
             <a:extLst>
               <a:ext uri="{91240B29-F687-4f45-9708-019B960494DF}">
-                <a14:hiddenLine xmlns:a14="http://schemas.microsoft.com/office/drawing/2010/main" xmlns="" w="9525">
+                <a14:hiddenLine xmlns="" xmlns:a14="http://schemas.microsoft.com/office/drawing/2010/main" w="9525">
                   <a:solidFill>
                     <a:srgbClr val="000000"/>
                   </a:solidFill>
@@ -2936,7 +2937,7 @@
             </a:ln>
             <a:extLst>
               <a:ext uri="{91240B29-F687-4f45-9708-019B960494DF}">
-                <a14:hiddenLine xmlns:a14="http://schemas.microsoft.com/office/drawing/2010/main" xmlns="" w="9525">
+                <a14:hiddenLine xmlns="" xmlns:a14="http://schemas.microsoft.com/office/drawing/2010/main" w="9525">
                   <a:solidFill>
                     <a:srgbClr val="000000"/>
                   </a:solidFill>
@@ -3026,7 +3027,7 @@
             </a:ln>
             <a:extLst>
               <a:ext uri="{91240B29-F687-4f45-9708-019B960494DF}">
-                <a14:hiddenLine xmlns:a14="http://schemas.microsoft.com/office/drawing/2010/main" xmlns="" w="9525">
+                <a14:hiddenLine xmlns="" xmlns:a14="http://schemas.microsoft.com/office/drawing/2010/main" w="9525">
                   <a:solidFill>
                     <a:srgbClr val="000000"/>
                   </a:solidFill>
@@ -3088,7 +3089,7 @@
             </a:ln>
             <a:extLst>
               <a:ext uri="{91240B29-F687-4f45-9708-019B960494DF}">
-                <a14:hiddenLine xmlns:a14="http://schemas.microsoft.com/office/drawing/2010/main" xmlns="" w="9525">
+                <a14:hiddenLine xmlns="" xmlns:a14="http://schemas.microsoft.com/office/drawing/2010/main" w="9525">
                   <a:solidFill>
                     <a:srgbClr val="000000"/>
                   </a:solidFill>
@@ -3178,7 +3179,7 @@
             </a:ln>
             <a:extLst>
               <a:ext uri="{91240B29-F687-4f45-9708-019B960494DF}">
-                <a14:hiddenLine xmlns:a14="http://schemas.microsoft.com/office/drawing/2010/main" xmlns="" w="9525">
+                <a14:hiddenLine xmlns="" xmlns:a14="http://schemas.microsoft.com/office/drawing/2010/main" w="9525">
                   <a:solidFill>
                     <a:srgbClr val="000000"/>
                   </a:solidFill>
@@ -3212,7 +3213,7 @@
             </a:ln>
             <a:extLst>
               <a:ext uri="{91240B29-F687-4f45-9708-019B960494DF}">
-                <a14:hiddenLine xmlns:a14="http://schemas.microsoft.com/office/drawing/2010/main" xmlns="" w="9525">
+                <a14:hiddenLine xmlns="" xmlns:a14="http://schemas.microsoft.com/office/drawing/2010/main" w="9525">
                   <a:solidFill>
                     <a:srgbClr val="000000"/>
                   </a:solidFill>
@@ -3277,7 +3278,7 @@
             </a:ln>
             <a:extLst>
               <a:ext uri="{91240B29-F687-4f45-9708-019B960494DF}">
-                <a14:hiddenLine xmlns:a14="http://schemas.microsoft.com/office/drawing/2010/main" xmlns="" w="9525">
+                <a14:hiddenLine xmlns="" xmlns:a14="http://schemas.microsoft.com/office/drawing/2010/main" w="9525">
                   <a:solidFill>
                     <a:srgbClr val="000000"/>
                   </a:solidFill>
@@ -3367,7 +3368,7 @@
             </a:ln>
             <a:extLst>
               <a:ext uri="{91240B29-F687-4f45-9708-019B960494DF}">
-                <a14:hiddenLine xmlns:a14="http://schemas.microsoft.com/office/drawing/2010/main" xmlns="" w="9525">
+                <a14:hiddenLine xmlns="" xmlns:a14="http://schemas.microsoft.com/office/drawing/2010/main" w="9525">
                   <a:solidFill>
                     <a:srgbClr val="000000"/>
                   </a:solidFill>
@@ -3429,7 +3430,7 @@
             </a:ln>
             <a:extLst>
               <a:ext uri="{91240B29-F687-4f45-9708-019B960494DF}">
-                <a14:hiddenLine xmlns:a14="http://schemas.microsoft.com/office/drawing/2010/main" xmlns="" w="9525">
+                <a14:hiddenLine xmlns="" xmlns:a14="http://schemas.microsoft.com/office/drawing/2010/main" w="9525">
                   <a:solidFill>
                     <a:srgbClr val="000000"/>
                   </a:solidFill>
@@ -3519,7 +3520,7 @@
             </a:ln>
             <a:extLst>
               <a:ext uri="{91240B29-F687-4f45-9708-019B960494DF}">
-                <a14:hiddenLine xmlns:a14="http://schemas.microsoft.com/office/drawing/2010/main" xmlns="" w="9525">
+                <a14:hiddenLine xmlns="" xmlns:a14="http://schemas.microsoft.com/office/drawing/2010/main" w="9525">
                   <a:solidFill>
                     <a:srgbClr val="000000"/>
                   </a:solidFill>
@@ -3609,7 +3610,7 @@
             </a:ln>
             <a:extLst>
               <a:ext uri="{91240B29-F687-4f45-9708-019B960494DF}">
-                <a14:hiddenLine xmlns:a14="http://schemas.microsoft.com/office/drawing/2010/main" xmlns="" w="9525">
+                <a14:hiddenLine xmlns="" xmlns:a14="http://schemas.microsoft.com/office/drawing/2010/main" w="9525">
                   <a:solidFill>
                     <a:srgbClr val="000000"/>
                   </a:solidFill>
@@ -3674,7 +3675,7 @@
             </a:ln>
             <a:extLst>
               <a:ext uri="{91240B29-F687-4f45-9708-019B960494DF}">
-                <a14:hiddenLine xmlns:a14="http://schemas.microsoft.com/office/drawing/2010/main" xmlns="" w="9525">
+                <a14:hiddenLine xmlns="" xmlns:a14="http://schemas.microsoft.com/office/drawing/2010/main" w="9525">
                   <a:solidFill>
                     <a:srgbClr val="000000"/>
                   </a:solidFill>
@@ -3736,7 +3737,7 @@
             </a:ln>
             <a:extLst>
               <a:ext uri="{91240B29-F687-4f45-9708-019B960494DF}">
-                <a14:hiddenLine xmlns:a14="http://schemas.microsoft.com/office/drawing/2010/main" xmlns="" w="9525">
+                <a14:hiddenLine xmlns="" xmlns:a14="http://schemas.microsoft.com/office/drawing/2010/main" w="9525">
                   <a:solidFill>
                     <a:srgbClr val="000000"/>
                   </a:solidFill>
@@ -3826,7 +3827,7 @@
             </a:ln>
             <a:extLst>
               <a:ext uri="{91240B29-F687-4f45-9708-019B960494DF}">
-                <a14:hiddenLine xmlns:a14="http://schemas.microsoft.com/office/drawing/2010/main" xmlns="" w="9525">
+                <a14:hiddenLine xmlns="" xmlns:a14="http://schemas.microsoft.com/office/drawing/2010/main" w="9525">
                   <a:solidFill>
                     <a:srgbClr val="000000"/>
                   </a:solidFill>
@@ -3916,7 +3917,7 @@
             </a:ln>
             <a:extLst>
               <a:ext uri="{91240B29-F687-4f45-9708-019B960494DF}">
-                <a14:hiddenLine xmlns:a14="http://schemas.microsoft.com/office/drawing/2010/main" xmlns="" w="9525">
+                <a14:hiddenLine xmlns="" xmlns:a14="http://schemas.microsoft.com/office/drawing/2010/main" w="9525">
                   <a:solidFill>
                     <a:srgbClr val="000000"/>
                   </a:solidFill>
@@ -3978,7 +3979,7 @@
             </a:ln>
             <a:extLst>
               <a:ext uri="{91240B29-F687-4f45-9708-019B960494DF}">
-                <a14:hiddenLine xmlns:a14="http://schemas.microsoft.com/office/drawing/2010/main" xmlns="" w="9525">
+                <a14:hiddenLine xmlns="" xmlns:a14="http://schemas.microsoft.com/office/drawing/2010/main" w="9525">
                   <a:solidFill>
                     <a:srgbClr val="000000"/>
                   </a:solidFill>
@@ -4098,7 +4099,7 @@
             </a:ln>
             <a:extLst>
               <a:ext uri="{91240B29-F687-4f45-9708-019B960494DF}">
-                <a14:hiddenLine xmlns:a14="http://schemas.microsoft.com/office/drawing/2010/main" xmlns="" w="9525">
+                <a14:hiddenLine xmlns="" xmlns:a14="http://schemas.microsoft.com/office/drawing/2010/main" w="9525">
                   <a:solidFill>
                     <a:srgbClr val="000000"/>
                   </a:solidFill>
@@ -4166,7 +4167,7 @@
             </a:ln>
             <a:extLst>
               <a:ext uri="{91240B29-F687-4f45-9708-019B960494DF}">
-                <a14:hiddenLine xmlns:a14="http://schemas.microsoft.com/office/drawing/2010/main" xmlns="" w="9525">
+                <a14:hiddenLine xmlns="" xmlns:a14="http://schemas.microsoft.com/office/drawing/2010/main" w="9525">
                   <a:solidFill>
                     <a:srgbClr val="000000"/>
                   </a:solidFill>
@@ -4256,7 +4257,7 @@
             </a:ln>
             <a:extLst>
               <a:ext uri="{91240B29-F687-4f45-9708-019B960494DF}">
-                <a14:hiddenLine xmlns:a14="http://schemas.microsoft.com/office/drawing/2010/main" xmlns="" w="9525">
+                <a14:hiddenLine xmlns="" xmlns:a14="http://schemas.microsoft.com/office/drawing/2010/main" w="9525">
                   <a:solidFill>
                     <a:srgbClr val="000000"/>
                   </a:solidFill>
@@ -4396,7 +4397,7 @@
           <a:p>
             <a:fld id="{72C3057E-6F7F-48D3-BE23-2D60489F3EB6}" type="datetimeFigureOut">
               <a:rPr lang="en-GB" smtClean="0"/>
-              <a:t>09/12/2019</a:t>
+              <a:t>29/12/2019</a:t>
             </a:fld>
             <a:endParaRPr lang="en-GB"/>
           </a:p>
@@ -4663,7 +4664,7 @@
           <a:p>
             <a:fld id="{72C3057E-6F7F-48D3-BE23-2D60489F3EB6}" type="datetimeFigureOut">
               <a:rPr lang="en-GB" smtClean="0"/>
-              <a:t>09/12/2019</a:t>
+              <a:t>29/12/2019</a:t>
             </a:fld>
             <a:endParaRPr lang="en-GB"/>
           </a:p>
@@ -4859,7 +4860,7 @@
           <a:p>
             <a:fld id="{72C3057E-6F7F-48D3-BE23-2D60489F3EB6}" type="datetimeFigureOut">
               <a:rPr lang="en-GB" smtClean="0"/>
-              <a:t>09/12/2019</a:t>
+              <a:t>29/12/2019</a:t>
             </a:fld>
             <a:endParaRPr lang="en-GB"/>
           </a:p>
@@ -5122,7 +5123,7 @@
           <a:p>
             <a:fld id="{72C3057E-6F7F-48D3-BE23-2D60489F3EB6}" type="datetimeFigureOut">
               <a:rPr lang="en-GB" smtClean="0"/>
-              <a:t>09/12/2019</a:t>
+              <a:t>29/12/2019</a:t>
             </a:fld>
             <a:endParaRPr lang="en-GB"/>
           </a:p>
@@ -5556,7 +5557,7 @@
           <a:p>
             <a:fld id="{72C3057E-6F7F-48D3-BE23-2D60489F3EB6}" type="datetimeFigureOut">
               <a:rPr lang="en-GB" smtClean="0"/>
-              <a:t>09/12/2019</a:t>
+              <a:t>29/12/2019</a:t>
             </a:fld>
             <a:endParaRPr lang="en-GB"/>
           </a:p>
@@ -6102,7 +6103,7 @@
           <a:p>
             <a:fld id="{72C3057E-6F7F-48D3-BE23-2D60489F3EB6}" type="datetimeFigureOut">
               <a:rPr lang="en-GB" smtClean="0"/>
-              <a:t>09/12/2019</a:t>
+              <a:t>29/12/2019</a:t>
             </a:fld>
             <a:endParaRPr lang="en-GB"/>
           </a:p>
@@ -6822,7 +6823,7 @@
           <a:p>
             <a:fld id="{72C3057E-6F7F-48D3-BE23-2D60489F3EB6}" type="datetimeFigureOut">
               <a:rPr lang="en-GB" smtClean="0"/>
-              <a:t>09/12/2019</a:t>
+              <a:t>29/12/2019</a:t>
             </a:fld>
             <a:endParaRPr lang="en-GB"/>
           </a:p>
@@ -6992,7 +6993,7 @@
           <a:p>
             <a:fld id="{72C3057E-6F7F-48D3-BE23-2D60489F3EB6}" type="datetimeFigureOut">
               <a:rPr lang="en-GB" smtClean="0"/>
-              <a:t>09/12/2019</a:t>
+              <a:t>29/12/2019</a:t>
             </a:fld>
             <a:endParaRPr lang="en-GB"/>
           </a:p>
@@ -7172,7 +7173,7 @@
           <a:p>
             <a:fld id="{72C3057E-6F7F-48D3-BE23-2D60489F3EB6}" type="datetimeFigureOut">
               <a:rPr lang="en-GB" smtClean="0"/>
-              <a:t>09/12/2019</a:t>
+              <a:t>29/12/2019</a:t>
             </a:fld>
             <a:endParaRPr lang="en-GB"/>
           </a:p>
@@ -7342,7 +7343,7 @@
           <a:p>
             <a:fld id="{72C3057E-6F7F-48D3-BE23-2D60489F3EB6}" type="datetimeFigureOut">
               <a:rPr lang="en-GB" smtClean="0"/>
-              <a:t>09/12/2019</a:t>
+              <a:t>29/12/2019</a:t>
             </a:fld>
             <a:endParaRPr lang="en-GB"/>
           </a:p>
@@ -7592,7 +7593,7 @@
           <a:p>
             <a:fld id="{72C3057E-6F7F-48D3-BE23-2D60489F3EB6}" type="datetimeFigureOut">
               <a:rPr lang="en-GB" smtClean="0"/>
-              <a:t>09/12/2019</a:t>
+              <a:t>29/12/2019</a:t>
             </a:fld>
             <a:endParaRPr lang="en-GB"/>
           </a:p>
@@ -7824,7 +7825,7 @@
           <a:p>
             <a:fld id="{72C3057E-6F7F-48D3-BE23-2D60489F3EB6}" type="datetimeFigureOut">
               <a:rPr lang="en-GB" smtClean="0"/>
-              <a:t>09/12/2019</a:t>
+              <a:t>29/12/2019</a:t>
             </a:fld>
             <a:endParaRPr lang="en-GB"/>
           </a:p>
@@ -8205,7 +8206,7 @@
           <a:p>
             <a:fld id="{72C3057E-6F7F-48D3-BE23-2D60489F3EB6}" type="datetimeFigureOut">
               <a:rPr lang="en-GB" smtClean="0"/>
-              <a:t>09/12/2019</a:t>
+              <a:t>29/12/2019</a:t>
             </a:fld>
             <a:endParaRPr lang="en-GB"/>
           </a:p>
@@ -8323,7 +8324,7 @@
           <a:p>
             <a:fld id="{72C3057E-6F7F-48D3-BE23-2D60489F3EB6}" type="datetimeFigureOut">
               <a:rPr lang="en-GB" smtClean="0"/>
-              <a:t>09/12/2019</a:t>
+              <a:t>29/12/2019</a:t>
             </a:fld>
             <a:endParaRPr lang="en-GB"/>
           </a:p>
@@ -8418,7 +8419,7 @@
           <a:p>
             <a:fld id="{72C3057E-6F7F-48D3-BE23-2D60489F3EB6}" type="datetimeFigureOut">
               <a:rPr lang="en-GB" smtClean="0"/>
-              <a:t>09/12/2019</a:t>
+              <a:t>29/12/2019</a:t>
             </a:fld>
             <a:endParaRPr lang="en-GB"/>
           </a:p>
@@ -8667,7 +8668,7 @@
           <a:p>
             <a:fld id="{72C3057E-6F7F-48D3-BE23-2D60489F3EB6}" type="datetimeFigureOut">
               <a:rPr lang="en-GB" smtClean="0"/>
-              <a:t>09/12/2019</a:t>
+              <a:t>29/12/2019</a:t>
             </a:fld>
             <a:endParaRPr lang="en-GB"/>
           </a:p>
@@ -8947,7 +8948,7 @@
           <a:p>
             <a:fld id="{72C3057E-6F7F-48D3-BE23-2D60489F3EB6}" type="datetimeFigureOut">
               <a:rPr lang="en-GB" smtClean="0"/>
-              <a:t>09/12/2019</a:t>
+              <a:t>29/12/2019</a:t>
             </a:fld>
             <a:endParaRPr lang="en-GB"/>
           </a:p>
@@ -9063,7 +9064,7 @@
           <a:noFill/>
           <a:extLst>
             <a:ext uri="{909E8E84-426E-40dd-AFC4-6F175D3DCCD1}">
-              <a14:hiddenFill xmlns:a14="http://schemas.microsoft.com/office/drawing/2010/main" xmlns="">
+              <a14:hiddenFill xmlns="" xmlns:a14="http://schemas.microsoft.com/office/drawing/2010/main">
                 <a:solidFill>
                   <a:srgbClr val="FFFFFF"/>
                 </a:solidFill>
@@ -9137,7 +9138,7 @@
               </a:ln>
               <a:extLst>
                 <a:ext uri="{91240B29-F687-4f45-9708-019B960494DF}">
-                  <a14:hiddenLine xmlns:a14="http://schemas.microsoft.com/office/drawing/2010/main" xmlns="" w="9525">
+                  <a14:hiddenLine xmlns="" xmlns:a14="http://schemas.microsoft.com/office/drawing/2010/main" w="9525">
                     <a:solidFill>
                       <a:srgbClr val="000000"/>
                     </a:solidFill>
@@ -9227,7 +9228,7 @@
               </a:ln>
               <a:extLst>
                 <a:ext uri="{91240B29-F687-4f45-9708-019B960494DF}">
-                  <a14:hiddenLine xmlns:a14="http://schemas.microsoft.com/office/drawing/2010/main" xmlns="" w="9525">
+                  <a14:hiddenLine xmlns="" xmlns:a14="http://schemas.microsoft.com/office/drawing/2010/main" w="9525">
                     <a:solidFill>
                       <a:srgbClr val="000000"/>
                     </a:solidFill>
@@ -9317,7 +9318,7 @@
               </a:ln>
               <a:extLst>
                 <a:ext uri="{91240B29-F687-4f45-9708-019B960494DF}">
-                  <a14:hiddenLine xmlns:a14="http://schemas.microsoft.com/office/drawing/2010/main" xmlns="" w="9525">
+                  <a14:hiddenLine xmlns="" xmlns:a14="http://schemas.microsoft.com/office/drawing/2010/main" w="9525">
                     <a:solidFill>
                       <a:srgbClr val="000000"/>
                     </a:solidFill>
@@ -9379,7 +9380,7 @@
               </a:ln>
               <a:extLst>
                 <a:ext uri="{91240B29-F687-4f45-9708-019B960494DF}">
-                  <a14:hiddenLine xmlns:a14="http://schemas.microsoft.com/office/drawing/2010/main" xmlns="" w="9525">
+                  <a14:hiddenLine xmlns="" xmlns:a14="http://schemas.microsoft.com/office/drawing/2010/main" w="9525">
                     <a:solidFill>
                       <a:srgbClr val="000000"/>
                     </a:solidFill>
@@ -9469,7 +9470,7 @@
               </a:ln>
               <a:extLst>
                 <a:ext uri="{91240B29-F687-4f45-9708-019B960494DF}">
-                  <a14:hiddenLine xmlns:a14="http://schemas.microsoft.com/office/drawing/2010/main" xmlns="" w="9525">
+                  <a14:hiddenLine xmlns="" xmlns:a14="http://schemas.microsoft.com/office/drawing/2010/main" w="9525">
                     <a:solidFill>
                       <a:srgbClr val="000000"/>
                     </a:solidFill>
@@ -9531,7 +9532,7 @@
               </a:ln>
               <a:extLst>
                 <a:ext uri="{91240B29-F687-4f45-9708-019B960494DF}">
-                  <a14:hiddenLine xmlns:a14="http://schemas.microsoft.com/office/drawing/2010/main" xmlns="" w="9525">
+                  <a14:hiddenLine xmlns="" xmlns:a14="http://schemas.microsoft.com/office/drawing/2010/main" w="9525">
                     <a:solidFill>
                       <a:srgbClr val="000000"/>
                     </a:solidFill>
@@ -9593,7 +9594,7 @@
               </a:ln>
               <a:extLst>
                 <a:ext uri="{91240B29-F687-4f45-9708-019B960494DF}">
-                  <a14:hiddenLine xmlns:a14="http://schemas.microsoft.com/office/drawing/2010/main" xmlns="" w="9525">
+                  <a14:hiddenLine xmlns="" xmlns:a14="http://schemas.microsoft.com/office/drawing/2010/main" w="9525">
                     <a:solidFill>
                       <a:srgbClr val="000000"/>
                     </a:solidFill>
@@ -9683,7 +9684,7 @@
               </a:ln>
               <a:extLst>
                 <a:ext uri="{91240B29-F687-4f45-9708-019B960494DF}">
-                  <a14:hiddenLine xmlns:a14="http://schemas.microsoft.com/office/drawing/2010/main" xmlns="" w="9525">
+                  <a14:hiddenLine xmlns="" xmlns:a14="http://schemas.microsoft.com/office/drawing/2010/main" w="9525">
                     <a:solidFill>
                       <a:srgbClr val="000000"/>
                     </a:solidFill>
@@ -9773,7 +9774,7 @@
               </a:ln>
               <a:extLst>
                 <a:ext uri="{91240B29-F687-4f45-9708-019B960494DF}">
-                  <a14:hiddenLine xmlns:a14="http://schemas.microsoft.com/office/drawing/2010/main" xmlns="" w="9525">
+                  <a14:hiddenLine xmlns="" xmlns:a14="http://schemas.microsoft.com/office/drawing/2010/main" w="9525">
                     <a:solidFill>
                       <a:srgbClr val="000000"/>
                     </a:solidFill>
@@ -9835,7 +9836,7 @@
               </a:ln>
               <a:extLst>
                 <a:ext uri="{91240B29-F687-4f45-9708-019B960494DF}">
-                  <a14:hiddenLine xmlns:a14="http://schemas.microsoft.com/office/drawing/2010/main" xmlns="" w="9525">
+                  <a14:hiddenLine xmlns="" xmlns:a14="http://schemas.microsoft.com/office/drawing/2010/main" w="9525">
                     <a:solidFill>
                       <a:srgbClr val="000000"/>
                     </a:solidFill>
@@ -9945,7 +9946,7 @@
               </a:ln>
               <a:extLst>
                 <a:ext uri="{91240B29-F687-4f45-9708-019B960494DF}">
-                  <a14:hiddenLine xmlns:a14="http://schemas.microsoft.com/office/drawing/2010/main" xmlns="" w="9525">
+                  <a14:hiddenLine xmlns="" xmlns:a14="http://schemas.microsoft.com/office/drawing/2010/main" w="9525">
                     <a:solidFill>
                       <a:srgbClr val="000000"/>
                     </a:solidFill>
@@ -10029,7 +10030,7 @@
               </a:ln>
               <a:extLst>
                 <a:ext uri="{91240B29-F687-4f45-9708-019B960494DF}">
-                  <a14:hiddenLine xmlns:a14="http://schemas.microsoft.com/office/drawing/2010/main" xmlns="" w="9525">
+                  <a14:hiddenLine xmlns="" xmlns:a14="http://schemas.microsoft.com/office/drawing/2010/main" w="9525">
                     <a:solidFill>
                       <a:srgbClr val="000000"/>
                     </a:solidFill>
@@ -10091,7 +10092,7 @@
               </a:ln>
               <a:extLst>
                 <a:ext uri="{91240B29-F687-4f45-9708-019B960494DF}">
-                  <a14:hiddenLine xmlns:a14="http://schemas.microsoft.com/office/drawing/2010/main" xmlns="" w="9525">
+                  <a14:hiddenLine xmlns="" xmlns:a14="http://schemas.microsoft.com/office/drawing/2010/main" w="9525">
                     <a:solidFill>
                       <a:srgbClr val="000000"/>
                     </a:solidFill>
@@ -10153,7 +10154,7 @@
               </a:ln>
               <a:extLst>
                 <a:ext uri="{91240B29-F687-4f45-9708-019B960494DF}">
-                  <a14:hiddenLine xmlns:a14="http://schemas.microsoft.com/office/drawing/2010/main" xmlns="" w="9525">
+                  <a14:hiddenLine xmlns="" xmlns:a14="http://schemas.microsoft.com/office/drawing/2010/main" w="9525">
                     <a:solidFill>
                       <a:srgbClr val="000000"/>
                     </a:solidFill>
@@ -10243,7 +10244,7 @@
               </a:ln>
               <a:extLst>
                 <a:ext uri="{91240B29-F687-4f45-9708-019B960494DF}">
-                  <a14:hiddenLine xmlns:a14="http://schemas.microsoft.com/office/drawing/2010/main" xmlns="" w="9525">
+                  <a14:hiddenLine xmlns="" xmlns:a14="http://schemas.microsoft.com/office/drawing/2010/main" w="9525">
                     <a:solidFill>
                       <a:srgbClr val="000000"/>
                     </a:solidFill>
@@ -10277,7 +10278,7 @@
               </a:ln>
               <a:extLst>
                 <a:ext uri="{91240B29-F687-4f45-9708-019B960494DF}">
-                  <a14:hiddenLine xmlns:a14="http://schemas.microsoft.com/office/drawing/2010/main" xmlns="" w="9525">
+                  <a14:hiddenLine xmlns="" xmlns:a14="http://schemas.microsoft.com/office/drawing/2010/main" w="9525">
                     <a:solidFill>
                       <a:srgbClr val="000000"/>
                     </a:solidFill>
@@ -10342,7 +10343,7 @@
               </a:ln>
               <a:extLst>
                 <a:ext uri="{91240B29-F687-4f45-9708-019B960494DF}">
-                  <a14:hiddenLine xmlns:a14="http://schemas.microsoft.com/office/drawing/2010/main" xmlns="" w="9525">
+                  <a14:hiddenLine xmlns="" xmlns:a14="http://schemas.microsoft.com/office/drawing/2010/main" w="9525">
                     <a:solidFill>
                       <a:srgbClr val="000000"/>
                     </a:solidFill>
@@ -10432,7 +10433,7 @@
               </a:ln>
               <a:extLst>
                 <a:ext uri="{91240B29-F687-4f45-9708-019B960494DF}">
-                  <a14:hiddenLine xmlns:a14="http://schemas.microsoft.com/office/drawing/2010/main" xmlns="" w="9525">
+                  <a14:hiddenLine xmlns="" xmlns:a14="http://schemas.microsoft.com/office/drawing/2010/main" w="9525">
                     <a:solidFill>
                       <a:srgbClr val="000000"/>
                     </a:solidFill>
@@ -10494,7 +10495,7 @@
               </a:ln>
               <a:extLst>
                 <a:ext uri="{91240B29-F687-4f45-9708-019B960494DF}">
-                  <a14:hiddenLine xmlns:a14="http://schemas.microsoft.com/office/drawing/2010/main" xmlns="" w="9525">
+                  <a14:hiddenLine xmlns="" xmlns:a14="http://schemas.microsoft.com/office/drawing/2010/main" w="9525">
                     <a:solidFill>
                       <a:srgbClr val="000000"/>
                     </a:solidFill>
@@ -10584,7 +10585,7 @@
               </a:ln>
               <a:extLst>
                 <a:ext uri="{91240B29-F687-4f45-9708-019B960494DF}">
-                  <a14:hiddenLine xmlns:a14="http://schemas.microsoft.com/office/drawing/2010/main" xmlns="" w="9525">
+                  <a14:hiddenLine xmlns="" xmlns:a14="http://schemas.microsoft.com/office/drawing/2010/main" w="9525">
                     <a:solidFill>
                       <a:srgbClr val="000000"/>
                     </a:solidFill>
@@ -10649,7 +10650,7 @@
               </a:ln>
               <a:extLst>
                 <a:ext uri="{91240B29-F687-4f45-9708-019B960494DF}">
-                  <a14:hiddenLine xmlns:a14="http://schemas.microsoft.com/office/drawing/2010/main" xmlns="" w="9525">
+                  <a14:hiddenLine xmlns="" xmlns:a14="http://schemas.microsoft.com/office/drawing/2010/main" w="9525">
                     <a:solidFill>
                       <a:srgbClr val="000000"/>
                     </a:solidFill>
@@ -10711,7 +10712,7 @@
               </a:ln>
               <a:extLst>
                 <a:ext uri="{91240B29-F687-4f45-9708-019B960494DF}">
-                  <a14:hiddenLine xmlns:a14="http://schemas.microsoft.com/office/drawing/2010/main" xmlns="" w="9525">
+                  <a14:hiddenLine xmlns="" xmlns:a14="http://schemas.microsoft.com/office/drawing/2010/main" w="9525">
                     <a:solidFill>
                       <a:srgbClr val="000000"/>
                     </a:solidFill>
@@ -10801,7 +10802,7 @@
               </a:ln>
               <a:extLst>
                 <a:ext uri="{91240B29-F687-4f45-9708-019B960494DF}">
-                  <a14:hiddenLine xmlns:a14="http://schemas.microsoft.com/office/drawing/2010/main" xmlns="" w="9525">
+                  <a14:hiddenLine xmlns="" xmlns:a14="http://schemas.microsoft.com/office/drawing/2010/main" w="9525">
                     <a:solidFill>
                       <a:srgbClr val="000000"/>
                     </a:solidFill>
@@ -10891,7 +10892,7 @@
               </a:ln>
               <a:extLst>
                 <a:ext uri="{91240B29-F687-4f45-9708-019B960494DF}">
-                  <a14:hiddenLine xmlns:a14="http://schemas.microsoft.com/office/drawing/2010/main" xmlns="" w="9525">
+                  <a14:hiddenLine xmlns="" xmlns:a14="http://schemas.microsoft.com/office/drawing/2010/main" w="9525">
                     <a:solidFill>
                       <a:srgbClr val="000000"/>
                     </a:solidFill>
@@ -10956,7 +10957,7 @@
               </a:ln>
               <a:extLst>
                 <a:ext uri="{91240B29-F687-4f45-9708-019B960494DF}">
-                  <a14:hiddenLine xmlns:a14="http://schemas.microsoft.com/office/drawing/2010/main" xmlns="" w="9525">
+                  <a14:hiddenLine xmlns="" xmlns:a14="http://schemas.microsoft.com/office/drawing/2010/main" w="9525">
                     <a:solidFill>
                       <a:srgbClr val="000000"/>
                     </a:solidFill>
@@ -11076,7 +11077,7 @@
               </a:ln>
               <a:extLst>
                 <a:ext uri="{91240B29-F687-4f45-9708-019B960494DF}">
-                  <a14:hiddenLine xmlns:a14="http://schemas.microsoft.com/office/drawing/2010/main" xmlns="" w="9525">
+                  <a14:hiddenLine xmlns="" xmlns:a14="http://schemas.microsoft.com/office/drawing/2010/main" w="9525">
                     <a:solidFill>
                       <a:srgbClr val="000000"/>
                     </a:solidFill>
@@ -11174,7 +11175,7 @@
               </a:ln>
               <a:extLst>
                 <a:ext uri="{91240B29-F687-4f45-9708-019B960494DF}">
-                  <a14:hiddenLine xmlns:a14="http://schemas.microsoft.com/office/drawing/2010/main" xmlns="" w="9525">
+                  <a14:hiddenLine xmlns="" xmlns:a14="http://schemas.microsoft.com/office/drawing/2010/main" w="9525">
                     <a:solidFill>
                       <a:srgbClr val="000000"/>
                     </a:solidFill>
@@ -11289,7 +11290,7 @@
               </a:ln>
               <a:extLst>
                 <a:ext uri="{91240B29-F687-4f45-9708-019B960494DF}">
-                  <a14:hiddenLine xmlns:a14="http://schemas.microsoft.com/office/drawing/2010/main" xmlns="" w="9525">
+                  <a14:hiddenLine xmlns="" xmlns:a14="http://schemas.microsoft.com/office/drawing/2010/main" w="9525">
                     <a:solidFill>
                       <a:srgbClr val="000000"/>
                     </a:solidFill>
@@ -11379,7 +11380,7 @@
               </a:ln>
               <a:extLst>
                 <a:ext uri="{91240B29-F687-4f45-9708-019B960494DF}">
-                  <a14:hiddenLine xmlns:a14="http://schemas.microsoft.com/office/drawing/2010/main" xmlns="" w="9525">
+                  <a14:hiddenLine xmlns="" xmlns:a14="http://schemas.microsoft.com/office/drawing/2010/main" w="9525">
                     <a:solidFill>
                       <a:srgbClr val="000000"/>
                     </a:solidFill>
@@ -11444,7 +11445,7 @@
               </a:ln>
               <a:extLst>
                 <a:ext uri="{91240B29-F687-4f45-9708-019B960494DF}">
-                  <a14:hiddenLine xmlns:a14="http://schemas.microsoft.com/office/drawing/2010/main" xmlns="" w="9525">
+                  <a14:hiddenLine xmlns="" xmlns:a14="http://schemas.microsoft.com/office/drawing/2010/main" w="9525">
                     <a:solidFill>
                       <a:srgbClr val="000000"/>
                     </a:solidFill>
@@ -11534,7 +11535,7 @@
               </a:ln>
               <a:extLst>
                 <a:ext uri="{91240B29-F687-4f45-9708-019B960494DF}">
-                  <a14:hiddenLine xmlns:a14="http://schemas.microsoft.com/office/drawing/2010/main" xmlns="" w="9525">
+                  <a14:hiddenLine xmlns="" xmlns:a14="http://schemas.microsoft.com/office/drawing/2010/main" w="9525">
                     <a:solidFill>
                       <a:srgbClr val="000000"/>
                     </a:solidFill>
@@ -11602,7 +11603,7 @@
               </a:ln>
               <a:extLst>
                 <a:ext uri="{91240B29-F687-4f45-9708-019B960494DF}">
-                  <a14:hiddenLine xmlns:a14="http://schemas.microsoft.com/office/drawing/2010/main" xmlns="" w="9525">
+                  <a14:hiddenLine xmlns="" xmlns:a14="http://schemas.microsoft.com/office/drawing/2010/main" w="9525">
                     <a:solidFill>
                       <a:srgbClr val="000000"/>
                     </a:solidFill>
@@ -11692,7 +11693,7 @@
               </a:ln>
               <a:extLst>
                 <a:ext uri="{91240B29-F687-4f45-9708-019B960494DF}">
-                  <a14:hiddenLine xmlns:a14="http://schemas.microsoft.com/office/drawing/2010/main" xmlns="" w="9525">
+                  <a14:hiddenLine xmlns="" xmlns:a14="http://schemas.microsoft.com/office/drawing/2010/main" w="9525">
                     <a:solidFill>
                       <a:srgbClr val="000000"/>
                     </a:solidFill>
@@ -11760,7 +11761,7 @@
               </a:ln>
               <a:extLst>
                 <a:ext uri="{91240B29-F687-4f45-9708-019B960494DF}">
-                  <a14:hiddenLine xmlns:a14="http://schemas.microsoft.com/office/drawing/2010/main" xmlns="" w="9525">
+                  <a14:hiddenLine xmlns="" xmlns:a14="http://schemas.microsoft.com/office/drawing/2010/main" w="9525">
                     <a:solidFill>
                       <a:srgbClr val="000000"/>
                     </a:solidFill>
@@ -11850,7 +11851,7 @@
               </a:ln>
               <a:extLst>
                 <a:ext uri="{91240B29-F687-4f45-9708-019B960494DF}">
-                  <a14:hiddenLine xmlns:a14="http://schemas.microsoft.com/office/drawing/2010/main" xmlns="" w="9525">
+                  <a14:hiddenLine xmlns="" xmlns:a14="http://schemas.microsoft.com/office/drawing/2010/main" w="9525">
                     <a:solidFill>
                       <a:srgbClr val="000000"/>
                     </a:solidFill>
@@ -11884,7 +11885,7 @@
               </a:ln>
               <a:extLst>
                 <a:ext uri="{91240B29-F687-4f45-9708-019B960494DF}">
-                  <a14:hiddenLine xmlns:a14="http://schemas.microsoft.com/office/drawing/2010/main" xmlns="" w="9525">
+                  <a14:hiddenLine xmlns="" xmlns:a14="http://schemas.microsoft.com/office/drawing/2010/main" w="9525">
                     <a:solidFill>
                       <a:srgbClr val="000000"/>
                     </a:solidFill>
@@ -12024,7 +12025,7 @@
           <a:p>
             <a:fld id="{72C3057E-6F7F-48D3-BE23-2D60489F3EB6}" type="datetimeFigureOut">
               <a:rPr lang="en-GB" smtClean="0"/>
-              <a:t>09/12/2019</a:t>
+              <a:t>29/12/2019</a:t>
             </a:fld>
             <a:endParaRPr lang="en-GB"/>
           </a:p>
@@ -12501,6 +12502,2068 @@
     <p:extLst>
       <p:ext uri="{BB962C8B-B14F-4D97-AF65-F5344CB8AC3E}">
         <p14:creationId xmlns:p14="http://schemas.microsoft.com/office/powerpoint/2010/main" val="3722433151"/>
+      </p:ext>
+    </p:extLst>
+  </p:cSld>
+  <p:clrMapOvr>
+    <a:masterClrMapping/>
+  </p:clrMapOvr>
+</p:sld>
+</file>
+
+<file path=ppt/slides/slide10.xml><?xml version="1.0" encoding="utf-8"?>
+<p:sld xmlns:a="http://schemas.openxmlformats.org/drawingml/2006/main" xmlns:r="http://schemas.openxmlformats.org/officeDocument/2006/relationships" xmlns:p="http://schemas.openxmlformats.org/presentationml/2006/main">
+  <p:cSld>
+    <p:spTree>
+      <p:nvGrpSpPr>
+        <p:cNvPr id="1" name=""/>
+        <p:cNvGrpSpPr/>
+        <p:nvPr/>
+      </p:nvGrpSpPr>
+      <p:grpSpPr>
+        <a:xfrm>
+          <a:off x="0" y="0"/>
+          <a:ext cx="0" cy="0"/>
+          <a:chOff x="0" y="0"/>
+          <a:chExt cx="0" cy="0"/>
+        </a:xfrm>
+      </p:grpSpPr>
+      <p:grpSp>
+        <p:nvGrpSpPr>
+          <p:cNvPr id="130" name="Group 129">
+            <a:extLst>
+              <a:ext uri="{FF2B5EF4-FFF2-40B4-BE49-F238E27FC236}">
+                <a16:creationId xmlns:a16="http://schemas.microsoft.com/office/drawing/2014/main" id="{7AFF0B88-814F-4950-BCDE-BA36CBD5829B}"/>
+              </a:ext>
+            </a:extLst>
+          </p:cNvPr>
+          <p:cNvGrpSpPr/>
+          <p:nvPr/>
+        </p:nvGrpSpPr>
+        <p:grpSpPr>
+          <a:xfrm>
+            <a:off x="1574694" y="449002"/>
+            <a:ext cx="3034879" cy="2561491"/>
+            <a:chOff x="1574694" y="449002"/>
+            <a:chExt cx="3034879" cy="2561491"/>
+          </a:xfrm>
+        </p:grpSpPr>
+        <p:sp>
+          <p:nvSpPr>
+            <p:cNvPr id="5" name="Rectangle 4">
+              <a:extLst>
+                <a:ext uri="{FF2B5EF4-FFF2-40B4-BE49-F238E27FC236}">
+                  <a16:creationId xmlns:a16="http://schemas.microsoft.com/office/drawing/2014/main" id="{A1399B56-71ED-4C1B-910D-8521CCEDC240}"/>
+                </a:ext>
+              </a:extLst>
+            </p:cNvPr>
+            <p:cNvSpPr/>
+            <p:nvPr/>
+          </p:nvSpPr>
+          <p:spPr>
+            <a:xfrm>
+              <a:off x="2224265" y="449002"/>
+              <a:ext cx="320520" cy="294755"/>
+            </a:xfrm>
+            <a:prstGeom prst="rect">
+              <a:avLst/>
+            </a:prstGeom>
+          </p:spPr>
+          <p:style>
+            <a:lnRef idx="2">
+              <a:schemeClr val="accent1">
+                <a:shade val="50000"/>
+              </a:schemeClr>
+            </a:lnRef>
+            <a:fillRef idx="1">
+              <a:schemeClr val="accent1"/>
+            </a:fillRef>
+            <a:effectRef idx="0">
+              <a:schemeClr val="accent1"/>
+            </a:effectRef>
+            <a:fontRef idx="minor">
+              <a:schemeClr val="lt1"/>
+            </a:fontRef>
+          </p:style>
+          <p:txBody>
+            <a:bodyPr rtlCol="0" anchor="ctr"/>
+            <a:lstStyle/>
+            <a:p>
+              <a:pPr algn="ctr"/>
+              <a:r>
+                <a:rPr lang="en-GB" sz="1100" dirty="0"/>
+                <a:t>N</a:t>
+              </a:r>
+            </a:p>
+          </p:txBody>
+        </p:sp>
+        <p:sp>
+          <p:nvSpPr>
+            <p:cNvPr id="6" name="Rectangle 5">
+              <a:extLst>
+                <a:ext uri="{FF2B5EF4-FFF2-40B4-BE49-F238E27FC236}">
+                  <a16:creationId xmlns:a16="http://schemas.microsoft.com/office/drawing/2014/main" id="{D01B7EF7-CEA8-49F3-B376-9BDE8D87246C}"/>
+                </a:ext>
+              </a:extLst>
+            </p:cNvPr>
+            <p:cNvSpPr/>
+            <p:nvPr/>
+          </p:nvSpPr>
+          <p:spPr>
+            <a:xfrm>
+              <a:off x="1574694" y="888327"/>
+              <a:ext cx="970091" cy="294755"/>
+            </a:xfrm>
+            <a:prstGeom prst="rect">
+              <a:avLst/>
+            </a:prstGeom>
+          </p:spPr>
+          <p:style>
+            <a:lnRef idx="2">
+              <a:schemeClr val="accent1">
+                <a:shade val="50000"/>
+              </a:schemeClr>
+            </a:lnRef>
+            <a:fillRef idx="1">
+              <a:schemeClr val="accent1"/>
+            </a:fillRef>
+            <a:effectRef idx="0">
+              <a:schemeClr val="accent1"/>
+            </a:effectRef>
+            <a:fontRef idx="minor">
+              <a:schemeClr val="lt1"/>
+            </a:fontRef>
+          </p:style>
+          <p:txBody>
+            <a:bodyPr rtlCol="0" anchor="ctr"/>
+            <a:lstStyle/>
+            <a:p>
+              <a:pPr algn="ctr"/>
+              <a:r>
+                <a:rPr lang="en-GB" sz="1100" dirty="0"/>
+                <a:t>q=floor(N/M)</a:t>
+              </a:r>
+            </a:p>
+          </p:txBody>
+        </p:sp>
+        <p:sp>
+          <p:nvSpPr>
+            <p:cNvPr id="7" name="Rectangle 6">
+              <a:extLst>
+                <a:ext uri="{FF2B5EF4-FFF2-40B4-BE49-F238E27FC236}">
+                  <a16:creationId xmlns:a16="http://schemas.microsoft.com/office/drawing/2014/main" id="{570D2E9F-D69E-4902-A21F-F47A58AD6680}"/>
+                </a:ext>
+              </a:extLst>
+            </p:cNvPr>
+            <p:cNvSpPr/>
+            <p:nvPr/>
+          </p:nvSpPr>
+          <p:spPr>
+            <a:xfrm>
+              <a:off x="2830796" y="852264"/>
+              <a:ext cx="677991" cy="294755"/>
+            </a:xfrm>
+            <a:prstGeom prst="rect">
+              <a:avLst/>
+            </a:prstGeom>
+          </p:spPr>
+          <p:style>
+            <a:lnRef idx="2">
+              <a:schemeClr val="accent1">
+                <a:shade val="50000"/>
+              </a:schemeClr>
+            </a:lnRef>
+            <a:fillRef idx="1">
+              <a:schemeClr val="accent1"/>
+            </a:fillRef>
+            <a:effectRef idx="0">
+              <a:schemeClr val="accent1"/>
+            </a:effectRef>
+            <a:fontRef idx="minor">
+              <a:schemeClr val="lt1"/>
+            </a:fontRef>
+          </p:style>
+          <p:txBody>
+            <a:bodyPr rtlCol="0" anchor="ctr"/>
+            <a:lstStyle/>
+            <a:p>
+              <a:pPr algn="ctr"/>
+              <a:r>
+                <a:rPr lang="en-GB" sz="1100" dirty="0"/>
+                <a:t>r=N-</a:t>
+              </a:r>
+              <a:r>
+                <a:rPr lang="en-GB" sz="1100" dirty="0" err="1"/>
+                <a:t>qM</a:t>
+              </a:r>
+              <a:endParaRPr lang="en-GB" sz="1100" dirty="0"/>
+            </a:p>
+          </p:txBody>
+        </p:sp>
+        <p:sp>
+          <p:nvSpPr>
+            <p:cNvPr id="8" name="Rectangle 7">
+              <a:extLst>
+                <a:ext uri="{FF2B5EF4-FFF2-40B4-BE49-F238E27FC236}">
+                  <a16:creationId xmlns:a16="http://schemas.microsoft.com/office/drawing/2014/main" id="{6E09A77A-79F9-4760-8E83-EEEED0E3F89F}"/>
+                </a:ext>
+              </a:extLst>
+            </p:cNvPr>
+            <p:cNvSpPr/>
+            <p:nvPr/>
+          </p:nvSpPr>
+          <p:spPr>
+            <a:xfrm>
+              <a:off x="2802849" y="1346707"/>
+              <a:ext cx="733883" cy="294755"/>
+            </a:xfrm>
+            <a:prstGeom prst="rect">
+              <a:avLst/>
+            </a:prstGeom>
+          </p:spPr>
+          <p:style>
+            <a:lnRef idx="2">
+              <a:schemeClr val="accent1">
+                <a:shade val="50000"/>
+              </a:schemeClr>
+            </a:lnRef>
+            <a:fillRef idx="1">
+              <a:schemeClr val="accent1"/>
+            </a:fillRef>
+            <a:effectRef idx="0">
+              <a:schemeClr val="accent1"/>
+            </a:effectRef>
+            <a:fontRef idx="minor">
+              <a:schemeClr val="lt1"/>
+            </a:fontRef>
+          </p:style>
+          <p:txBody>
+            <a:bodyPr rtlCol="0" anchor="ctr"/>
+            <a:lstStyle/>
+            <a:p>
+              <a:pPr algn="ctr"/>
+              <a:r>
+                <a:rPr lang="en-GB" sz="1100" dirty="0"/>
+                <a:t>If r&lt;2</a:t>
+              </a:r>
+              <a:r>
+                <a:rPr lang="en-GB" sz="1100" baseline="30000" dirty="0"/>
+                <a:t>b</a:t>
+              </a:r>
+              <a:r>
+                <a:rPr lang="en-GB" sz="1100" dirty="0"/>
+                <a:t>-M</a:t>
+              </a:r>
+            </a:p>
+          </p:txBody>
+        </p:sp>
+        <p:sp>
+          <p:nvSpPr>
+            <p:cNvPr id="9" name="Rectangle 8">
+              <a:extLst>
+                <a:ext uri="{FF2B5EF4-FFF2-40B4-BE49-F238E27FC236}">
+                  <a16:creationId xmlns:a16="http://schemas.microsoft.com/office/drawing/2014/main" id="{489CBCEF-B71A-47EC-BCED-F34349047482}"/>
+                </a:ext>
+              </a:extLst>
+            </p:cNvPr>
+            <p:cNvSpPr/>
+            <p:nvPr/>
+          </p:nvSpPr>
+          <p:spPr>
+            <a:xfrm>
+              <a:off x="1578854" y="1395767"/>
+              <a:ext cx="970091" cy="294755"/>
+            </a:xfrm>
+            <a:prstGeom prst="rect">
+              <a:avLst/>
+            </a:prstGeom>
+          </p:spPr>
+          <p:style>
+            <a:lnRef idx="2">
+              <a:schemeClr val="accent1">
+                <a:shade val="50000"/>
+              </a:schemeClr>
+            </a:lnRef>
+            <a:fillRef idx="1">
+              <a:schemeClr val="accent1"/>
+            </a:fillRef>
+            <a:effectRef idx="0">
+              <a:schemeClr val="accent1"/>
+            </a:effectRef>
+            <a:fontRef idx="minor">
+              <a:schemeClr val="lt1"/>
+            </a:fontRef>
+          </p:style>
+          <p:txBody>
+            <a:bodyPr rtlCol="0" anchor="ctr"/>
+            <a:lstStyle/>
+            <a:p>
+              <a:pPr algn="ctr"/>
+              <a:r>
+                <a:rPr lang="en-GB" sz="1100" dirty="0"/>
+                <a:t>Unary code</a:t>
+              </a:r>
+            </a:p>
+          </p:txBody>
+        </p:sp>
+        <p:sp>
+          <p:nvSpPr>
+            <p:cNvPr id="10" name="Rectangle 9">
+              <a:extLst>
+                <a:ext uri="{FF2B5EF4-FFF2-40B4-BE49-F238E27FC236}">
+                  <a16:creationId xmlns:a16="http://schemas.microsoft.com/office/drawing/2014/main" id="{C4464733-1351-42EF-9914-AE7F309BDD35}"/>
+                </a:ext>
+              </a:extLst>
+            </p:cNvPr>
+            <p:cNvSpPr/>
+            <p:nvPr/>
+          </p:nvSpPr>
+          <p:spPr>
+            <a:xfrm>
+              <a:off x="2623155" y="458515"/>
+              <a:ext cx="970091" cy="294755"/>
+            </a:xfrm>
+            <a:prstGeom prst="rect">
+              <a:avLst/>
+            </a:prstGeom>
+          </p:spPr>
+          <p:style>
+            <a:lnRef idx="2">
+              <a:schemeClr val="accent1">
+                <a:shade val="50000"/>
+              </a:schemeClr>
+            </a:lnRef>
+            <a:fillRef idx="1">
+              <a:schemeClr val="accent1"/>
+            </a:fillRef>
+            <a:effectRef idx="0">
+              <a:schemeClr val="accent1"/>
+            </a:effectRef>
+            <a:fontRef idx="minor">
+              <a:schemeClr val="lt1"/>
+            </a:fontRef>
+          </p:style>
+          <p:txBody>
+            <a:bodyPr rtlCol="0" anchor="ctr"/>
+            <a:lstStyle/>
+            <a:p>
+              <a:pPr algn="ctr"/>
+              <a:r>
+                <a:rPr lang="en-GB" sz="1100" dirty="0"/>
+                <a:t>b=ceil(log</a:t>
+              </a:r>
+              <a:r>
+                <a:rPr lang="en-GB" sz="1100" baseline="-25000" dirty="0"/>
+                <a:t>2</a:t>
+              </a:r>
+              <a:r>
+                <a:rPr lang="en-GB" sz="1100" dirty="0"/>
+                <a:t>M)</a:t>
+              </a:r>
+            </a:p>
+          </p:txBody>
+        </p:sp>
+        <p:sp>
+          <p:nvSpPr>
+            <p:cNvPr id="11" name="Rectangle 10">
+              <a:extLst>
+                <a:ext uri="{FF2B5EF4-FFF2-40B4-BE49-F238E27FC236}">
+                  <a16:creationId xmlns:a16="http://schemas.microsoft.com/office/drawing/2014/main" id="{B205231E-C67F-4F92-8020-F2F7CFFFC0E3}"/>
+                </a:ext>
+              </a:extLst>
+            </p:cNvPr>
+            <p:cNvSpPr/>
+            <p:nvPr/>
+          </p:nvSpPr>
+          <p:spPr>
+            <a:xfrm>
+              <a:off x="2802849" y="1820586"/>
+              <a:ext cx="733883" cy="294755"/>
+            </a:xfrm>
+            <a:prstGeom prst="rect">
+              <a:avLst/>
+            </a:prstGeom>
+          </p:spPr>
+          <p:style>
+            <a:lnRef idx="2">
+              <a:schemeClr val="accent1">
+                <a:shade val="50000"/>
+              </a:schemeClr>
+            </a:lnRef>
+            <a:fillRef idx="1">
+              <a:schemeClr val="accent1"/>
+            </a:fillRef>
+            <a:effectRef idx="0">
+              <a:schemeClr val="accent1"/>
+            </a:effectRef>
+            <a:fontRef idx="minor">
+              <a:schemeClr val="lt1"/>
+            </a:fontRef>
+          </p:style>
+          <p:txBody>
+            <a:bodyPr rtlCol="0" anchor="ctr"/>
+            <a:lstStyle/>
+            <a:p>
+              <a:pPr algn="ctr"/>
+              <a:r>
+                <a:rPr lang="en-GB" sz="1100" dirty="0"/>
+                <a:t>Else</a:t>
+              </a:r>
+            </a:p>
+          </p:txBody>
+        </p:sp>
+        <p:sp>
+          <p:nvSpPr>
+            <p:cNvPr id="12" name="Rectangle 11">
+              <a:extLst>
+                <a:ext uri="{FF2B5EF4-FFF2-40B4-BE49-F238E27FC236}">
+                  <a16:creationId xmlns:a16="http://schemas.microsoft.com/office/drawing/2014/main" id="{A6692478-D3F5-490F-AE24-2291E217A556}"/>
+                </a:ext>
+              </a:extLst>
+            </p:cNvPr>
+            <p:cNvSpPr/>
+            <p:nvPr/>
+          </p:nvSpPr>
+          <p:spPr>
+            <a:xfrm>
+              <a:off x="3705583" y="1356164"/>
+              <a:ext cx="903990" cy="294755"/>
+            </a:xfrm>
+            <a:prstGeom prst="rect">
+              <a:avLst/>
+            </a:prstGeom>
+          </p:spPr>
+          <p:style>
+            <a:lnRef idx="2">
+              <a:schemeClr val="accent1">
+                <a:shade val="50000"/>
+              </a:schemeClr>
+            </a:lnRef>
+            <a:fillRef idx="1">
+              <a:schemeClr val="accent1"/>
+            </a:fillRef>
+            <a:effectRef idx="0">
+              <a:schemeClr val="accent1"/>
+            </a:effectRef>
+            <a:fontRef idx="minor">
+              <a:schemeClr val="lt1"/>
+            </a:fontRef>
+          </p:style>
+          <p:txBody>
+            <a:bodyPr rtlCol="0" anchor="ctr"/>
+            <a:lstStyle/>
+            <a:p>
+              <a:pPr algn="ctr"/>
+              <a:r>
+                <a:rPr lang="en-GB" sz="1100" dirty="0"/>
+                <a:t>b-1 bits for r</a:t>
+              </a:r>
+            </a:p>
+          </p:txBody>
+        </p:sp>
+        <p:sp>
+          <p:nvSpPr>
+            <p:cNvPr id="13" name="Rectangle 12">
+              <a:extLst>
+                <a:ext uri="{FF2B5EF4-FFF2-40B4-BE49-F238E27FC236}">
+                  <a16:creationId xmlns:a16="http://schemas.microsoft.com/office/drawing/2014/main" id="{932C37FE-E355-4D80-9E14-EE1823615226}"/>
+                </a:ext>
+              </a:extLst>
+            </p:cNvPr>
+            <p:cNvSpPr/>
+            <p:nvPr/>
+          </p:nvSpPr>
+          <p:spPr>
+            <a:xfrm>
+              <a:off x="2340641" y="2268162"/>
+              <a:ext cx="1154751" cy="294755"/>
+            </a:xfrm>
+            <a:prstGeom prst="rect">
+              <a:avLst/>
+            </a:prstGeom>
+          </p:spPr>
+          <p:style>
+            <a:lnRef idx="2">
+              <a:schemeClr val="accent1">
+                <a:shade val="50000"/>
+              </a:schemeClr>
+            </a:lnRef>
+            <a:fillRef idx="1">
+              <a:schemeClr val="accent1"/>
+            </a:fillRef>
+            <a:effectRef idx="0">
+              <a:schemeClr val="accent1"/>
+            </a:effectRef>
+            <a:fontRef idx="minor">
+              <a:schemeClr val="lt1"/>
+            </a:fontRef>
+          </p:style>
+          <p:txBody>
+            <a:bodyPr rtlCol="0" anchor="ctr"/>
+            <a:lstStyle/>
+            <a:p>
+              <a:pPr algn="ctr"/>
+              <a:r>
+                <a:rPr lang="en-GB" sz="1100" dirty="0"/>
+                <a:t>b bits for r+2</a:t>
+              </a:r>
+              <a:r>
+                <a:rPr lang="en-GB" sz="1100" baseline="30000" dirty="0"/>
+                <a:t>b</a:t>
+              </a:r>
+              <a:r>
+                <a:rPr lang="en-GB" sz="1100" dirty="0"/>
+                <a:t>-M</a:t>
+              </a:r>
+            </a:p>
+          </p:txBody>
+        </p:sp>
+        <p:cxnSp>
+          <p:nvCxnSpPr>
+            <p:cNvPr id="14" name="Straight Arrow Connector 13">
+              <a:extLst>
+                <a:ext uri="{FF2B5EF4-FFF2-40B4-BE49-F238E27FC236}">
+                  <a16:creationId xmlns:a16="http://schemas.microsoft.com/office/drawing/2014/main" id="{439B0218-D87E-4891-A98B-9686F42D5E4C}"/>
+                </a:ext>
+              </a:extLst>
+            </p:cNvPr>
+            <p:cNvCxnSpPr>
+              <a:cxnSpLocks/>
+              <a:stCxn id="5" idx="2"/>
+              <a:endCxn id="6" idx="1"/>
+            </p:cNvCxnSpPr>
+            <p:nvPr/>
+          </p:nvCxnSpPr>
+          <p:spPr>
+            <a:xfrm flipH="1">
+              <a:off x="1574694" y="743757"/>
+              <a:ext cx="809831" cy="291948"/>
+            </a:xfrm>
+            <a:prstGeom prst="straightConnector1">
+              <a:avLst/>
+            </a:prstGeom>
+            <a:ln w="38100">
+              <a:tailEnd type="triangle"/>
+            </a:ln>
+          </p:spPr>
+          <p:style>
+            <a:lnRef idx="1">
+              <a:schemeClr val="accent1"/>
+            </a:lnRef>
+            <a:fillRef idx="0">
+              <a:schemeClr val="accent1"/>
+            </a:fillRef>
+            <a:effectRef idx="0">
+              <a:schemeClr val="accent1"/>
+            </a:effectRef>
+            <a:fontRef idx="minor">
+              <a:schemeClr val="tx1"/>
+            </a:fontRef>
+          </p:style>
+        </p:cxnSp>
+        <p:cxnSp>
+          <p:nvCxnSpPr>
+            <p:cNvPr id="15" name="Straight Arrow Connector 14">
+              <a:extLst>
+                <a:ext uri="{FF2B5EF4-FFF2-40B4-BE49-F238E27FC236}">
+                  <a16:creationId xmlns:a16="http://schemas.microsoft.com/office/drawing/2014/main" id="{8C46841F-1FB9-4D45-8ACB-0245B0A87A4E}"/>
+                </a:ext>
+              </a:extLst>
+            </p:cNvPr>
+            <p:cNvCxnSpPr>
+              <a:cxnSpLocks/>
+              <a:stCxn id="5" idx="2"/>
+              <a:endCxn id="7" idx="1"/>
+            </p:cNvCxnSpPr>
+            <p:nvPr/>
+          </p:nvCxnSpPr>
+          <p:spPr>
+            <a:xfrm>
+              <a:off x="2384525" y="743757"/>
+              <a:ext cx="446271" cy="255885"/>
+            </a:xfrm>
+            <a:prstGeom prst="straightConnector1">
+              <a:avLst/>
+            </a:prstGeom>
+            <a:ln w="38100">
+              <a:tailEnd type="triangle"/>
+            </a:ln>
+          </p:spPr>
+          <p:style>
+            <a:lnRef idx="1">
+              <a:schemeClr val="accent1"/>
+            </a:lnRef>
+            <a:fillRef idx="0">
+              <a:schemeClr val="accent1"/>
+            </a:fillRef>
+            <a:effectRef idx="0">
+              <a:schemeClr val="accent1"/>
+            </a:effectRef>
+            <a:fontRef idx="minor">
+              <a:schemeClr val="tx1"/>
+            </a:fontRef>
+          </p:style>
+        </p:cxnSp>
+        <p:cxnSp>
+          <p:nvCxnSpPr>
+            <p:cNvPr id="16" name="Straight Arrow Connector 15">
+              <a:extLst>
+                <a:ext uri="{FF2B5EF4-FFF2-40B4-BE49-F238E27FC236}">
+                  <a16:creationId xmlns:a16="http://schemas.microsoft.com/office/drawing/2014/main" id="{F10A98DD-5158-4412-AB04-133EE6D04468}"/>
+                </a:ext>
+              </a:extLst>
+            </p:cNvPr>
+            <p:cNvCxnSpPr>
+              <a:cxnSpLocks/>
+              <a:stCxn id="6" idx="2"/>
+              <a:endCxn id="9" idx="0"/>
+            </p:cNvCxnSpPr>
+            <p:nvPr/>
+          </p:nvCxnSpPr>
+          <p:spPr>
+            <a:xfrm>
+              <a:off x="2059740" y="1183082"/>
+              <a:ext cx="4160" cy="212685"/>
+            </a:xfrm>
+            <a:prstGeom prst="straightConnector1">
+              <a:avLst/>
+            </a:prstGeom>
+            <a:ln w="38100">
+              <a:tailEnd type="triangle"/>
+            </a:ln>
+          </p:spPr>
+          <p:style>
+            <a:lnRef idx="1">
+              <a:schemeClr val="accent1"/>
+            </a:lnRef>
+            <a:fillRef idx="0">
+              <a:schemeClr val="accent1"/>
+            </a:fillRef>
+            <a:effectRef idx="0">
+              <a:schemeClr val="accent1"/>
+            </a:effectRef>
+            <a:fontRef idx="minor">
+              <a:schemeClr val="tx1"/>
+            </a:fontRef>
+          </p:style>
+        </p:cxnSp>
+        <p:cxnSp>
+          <p:nvCxnSpPr>
+            <p:cNvPr id="17" name="Straight Arrow Connector 16">
+              <a:extLst>
+                <a:ext uri="{FF2B5EF4-FFF2-40B4-BE49-F238E27FC236}">
+                  <a16:creationId xmlns:a16="http://schemas.microsoft.com/office/drawing/2014/main" id="{C6B0AAD1-48BE-4881-A46D-12FB45E5385D}"/>
+                </a:ext>
+              </a:extLst>
+            </p:cNvPr>
+            <p:cNvCxnSpPr>
+              <a:cxnSpLocks/>
+              <a:stCxn id="7" idx="2"/>
+              <a:endCxn id="8" idx="0"/>
+            </p:cNvCxnSpPr>
+            <p:nvPr/>
+          </p:nvCxnSpPr>
+          <p:spPr>
+            <a:xfrm flipH="1">
+              <a:off x="3169791" y="1147019"/>
+              <a:ext cx="1" cy="199688"/>
+            </a:xfrm>
+            <a:prstGeom prst="straightConnector1">
+              <a:avLst/>
+            </a:prstGeom>
+            <a:ln w="38100">
+              <a:tailEnd type="triangle"/>
+            </a:ln>
+          </p:spPr>
+          <p:style>
+            <a:lnRef idx="1">
+              <a:schemeClr val="accent1"/>
+            </a:lnRef>
+            <a:fillRef idx="0">
+              <a:schemeClr val="accent1"/>
+            </a:fillRef>
+            <a:effectRef idx="0">
+              <a:schemeClr val="accent1"/>
+            </a:effectRef>
+            <a:fontRef idx="minor">
+              <a:schemeClr val="tx1"/>
+            </a:fontRef>
+          </p:style>
+        </p:cxnSp>
+        <p:cxnSp>
+          <p:nvCxnSpPr>
+            <p:cNvPr id="18" name="Straight Arrow Connector 17">
+              <a:extLst>
+                <a:ext uri="{FF2B5EF4-FFF2-40B4-BE49-F238E27FC236}">
+                  <a16:creationId xmlns:a16="http://schemas.microsoft.com/office/drawing/2014/main" id="{F07B31D2-8591-4F66-982A-0A337B4A9AA6}"/>
+                </a:ext>
+              </a:extLst>
+            </p:cNvPr>
+            <p:cNvCxnSpPr>
+              <a:cxnSpLocks/>
+              <a:stCxn id="8" idx="3"/>
+              <a:endCxn id="12" idx="1"/>
+            </p:cNvCxnSpPr>
+            <p:nvPr/>
+          </p:nvCxnSpPr>
+          <p:spPr>
+            <a:xfrm>
+              <a:off x="3536732" y="1494085"/>
+              <a:ext cx="168851" cy="9457"/>
+            </a:xfrm>
+            <a:prstGeom prst="straightConnector1">
+              <a:avLst/>
+            </a:prstGeom>
+            <a:ln w="38100">
+              <a:tailEnd type="triangle"/>
+            </a:ln>
+          </p:spPr>
+          <p:style>
+            <a:lnRef idx="1">
+              <a:schemeClr val="accent1"/>
+            </a:lnRef>
+            <a:fillRef idx="0">
+              <a:schemeClr val="accent1"/>
+            </a:fillRef>
+            <a:effectRef idx="0">
+              <a:schemeClr val="accent1"/>
+            </a:effectRef>
+            <a:fontRef idx="minor">
+              <a:schemeClr val="tx1"/>
+            </a:fontRef>
+          </p:style>
+        </p:cxnSp>
+        <p:cxnSp>
+          <p:nvCxnSpPr>
+            <p:cNvPr id="19" name="Straight Arrow Connector 18">
+              <a:extLst>
+                <a:ext uri="{FF2B5EF4-FFF2-40B4-BE49-F238E27FC236}">
+                  <a16:creationId xmlns:a16="http://schemas.microsoft.com/office/drawing/2014/main" id="{9D29DC95-AF87-4E44-A343-EF00C2FD5A4C}"/>
+                </a:ext>
+              </a:extLst>
+            </p:cNvPr>
+            <p:cNvCxnSpPr>
+              <a:cxnSpLocks/>
+              <a:stCxn id="8" idx="2"/>
+              <a:endCxn id="11" idx="0"/>
+            </p:cNvCxnSpPr>
+            <p:nvPr/>
+          </p:nvCxnSpPr>
+          <p:spPr>
+            <a:xfrm>
+              <a:off x="3169791" y="1641462"/>
+              <a:ext cx="0" cy="179124"/>
+            </a:xfrm>
+            <a:prstGeom prst="straightConnector1">
+              <a:avLst/>
+            </a:prstGeom>
+            <a:ln w="38100">
+              <a:tailEnd type="triangle"/>
+            </a:ln>
+          </p:spPr>
+          <p:style>
+            <a:lnRef idx="1">
+              <a:schemeClr val="accent1"/>
+            </a:lnRef>
+            <a:fillRef idx="0">
+              <a:schemeClr val="accent1"/>
+            </a:fillRef>
+            <a:effectRef idx="0">
+              <a:schemeClr val="accent1"/>
+            </a:effectRef>
+            <a:fontRef idx="minor">
+              <a:schemeClr val="tx1"/>
+            </a:fontRef>
+          </p:style>
+        </p:cxnSp>
+        <p:cxnSp>
+          <p:nvCxnSpPr>
+            <p:cNvPr id="20" name="Straight Arrow Connector 19">
+              <a:extLst>
+                <a:ext uri="{FF2B5EF4-FFF2-40B4-BE49-F238E27FC236}">
+                  <a16:creationId xmlns:a16="http://schemas.microsoft.com/office/drawing/2014/main" id="{286520F0-2C74-409C-80B2-8535924ABCFE}"/>
+                </a:ext>
+              </a:extLst>
+            </p:cNvPr>
+            <p:cNvCxnSpPr>
+              <a:cxnSpLocks/>
+              <a:stCxn id="11" idx="2"/>
+              <a:endCxn id="13" idx="0"/>
+            </p:cNvCxnSpPr>
+            <p:nvPr/>
+          </p:nvCxnSpPr>
+          <p:spPr>
+            <a:xfrm flipH="1">
+              <a:off x="2918017" y="2115341"/>
+              <a:ext cx="251774" cy="152821"/>
+            </a:xfrm>
+            <a:prstGeom prst="straightConnector1">
+              <a:avLst/>
+            </a:prstGeom>
+            <a:ln w="38100">
+              <a:tailEnd type="triangle"/>
+            </a:ln>
+          </p:spPr>
+          <p:style>
+            <a:lnRef idx="1">
+              <a:schemeClr val="accent1"/>
+            </a:lnRef>
+            <a:fillRef idx="0">
+              <a:schemeClr val="accent1"/>
+            </a:fillRef>
+            <a:effectRef idx="0">
+              <a:schemeClr val="accent1"/>
+            </a:effectRef>
+            <a:fontRef idx="minor">
+              <a:schemeClr val="tx1"/>
+            </a:fontRef>
+          </p:style>
+        </p:cxnSp>
+        <p:sp>
+          <p:nvSpPr>
+            <p:cNvPr id="21" name="Rectangle 20">
+              <a:extLst>
+                <a:ext uri="{FF2B5EF4-FFF2-40B4-BE49-F238E27FC236}">
+                  <a16:creationId xmlns:a16="http://schemas.microsoft.com/office/drawing/2014/main" id="{39D276DD-FF59-494C-A32C-019DDDAD0ABE}"/>
+                </a:ext>
+              </a:extLst>
+            </p:cNvPr>
+            <p:cNvSpPr/>
+            <p:nvPr/>
+          </p:nvSpPr>
+          <p:spPr>
+            <a:xfrm>
+              <a:off x="2059740" y="2715738"/>
+              <a:ext cx="1126832" cy="294755"/>
+            </a:xfrm>
+            <a:prstGeom prst="rect">
+              <a:avLst/>
+            </a:prstGeom>
+          </p:spPr>
+          <p:style>
+            <a:lnRef idx="2">
+              <a:schemeClr val="accent1">
+                <a:shade val="50000"/>
+              </a:schemeClr>
+            </a:lnRef>
+            <a:fillRef idx="1">
+              <a:schemeClr val="accent1"/>
+            </a:fillRef>
+            <a:effectRef idx="0">
+              <a:schemeClr val="accent1"/>
+            </a:effectRef>
+            <a:fontRef idx="minor">
+              <a:schemeClr val="lt1"/>
+            </a:fontRef>
+          </p:style>
+          <p:txBody>
+            <a:bodyPr rtlCol="0" anchor="ctr"/>
+            <a:lstStyle/>
+            <a:p>
+              <a:pPr algn="ctr"/>
+              <a:r>
+                <a:rPr lang="en-GB" sz="1100" dirty="0"/>
+                <a:t>Full Binary Form</a:t>
+              </a:r>
+            </a:p>
+          </p:txBody>
+        </p:sp>
+        <p:cxnSp>
+          <p:nvCxnSpPr>
+            <p:cNvPr id="22" name="Straight Arrow Connector 21">
+              <a:extLst>
+                <a:ext uri="{FF2B5EF4-FFF2-40B4-BE49-F238E27FC236}">
+                  <a16:creationId xmlns:a16="http://schemas.microsoft.com/office/drawing/2014/main" id="{090C6100-F12A-4C8F-B1C9-7562CB21F23E}"/>
+                </a:ext>
+              </a:extLst>
+            </p:cNvPr>
+            <p:cNvCxnSpPr>
+              <a:cxnSpLocks/>
+              <a:endCxn id="21" idx="3"/>
+            </p:cNvCxnSpPr>
+            <p:nvPr/>
+          </p:nvCxnSpPr>
+          <p:spPr>
+            <a:xfrm flipH="1">
+              <a:off x="3186572" y="2822496"/>
+              <a:ext cx="649833" cy="40620"/>
+            </a:xfrm>
+            <a:prstGeom prst="straightConnector1">
+              <a:avLst/>
+            </a:prstGeom>
+            <a:ln w="38100">
+              <a:tailEnd type="triangle"/>
+            </a:ln>
+          </p:spPr>
+          <p:style>
+            <a:lnRef idx="1">
+              <a:schemeClr val="accent1"/>
+            </a:lnRef>
+            <a:fillRef idx="0">
+              <a:schemeClr val="accent1"/>
+            </a:fillRef>
+            <a:effectRef idx="0">
+              <a:schemeClr val="accent1"/>
+            </a:effectRef>
+            <a:fontRef idx="minor">
+              <a:schemeClr val="tx1"/>
+            </a:fontRef>
+          </p:style>
+        </p:cxnSp>
+        <p:cxnSp>
+          <p:nvCxnSpPr>
+            <p:cNvPr id="23" name="Straight Arrow Connector 22">
+              <a:extLst>
+                <a:ext uri="{FF2B5EF4-FFF2-40B4-BE49-F238E27FC236}">
+                  <a16:creationId xmlns:a16="http://schemas.microsoft.com/office/drawing/2014/main" id="{6087A1BA-3D9C-4D33-99E6-AB0D5BFF4052}"/>
+                </a:ext>
+              </a:extLst>
+            </p:cNvPr>
+            <p:cNvCxnSpPr>
+              <a:cxnSpLocks/>
+              <a:stCxn id="9" idx="2"/>
+              <a:endCxn id="21" idx="1"/>
+            </p:cNvCxnSpPr>
+            <p:nvPr/>
+          </p:nvCxnSpPr>
+          <p:spPr>
+            <a:xfrm flipH="1">
+              <a:off x="2059740" y="1690522"/>
+              <a:ext cx="4160" cy="1172594"/>
+            </a:xfrm>
+            <a:prstGeom prst="straightConnector1">
+              <a:avLst/>
+            </a:prstGeom>
+            <a:ln w="38100">
+              <a:tailEnd type="triangle"/>
+            </a:ln>
+          </p:spPr>
+          <p:style>
+            <a:lnRef idx="1">
+              <a:schemeClr val="accent1"/>
+            </a:lnRef>
+            <a:fillRef idx="0">
+              <a:schemeClr val="accent1"/>
+            </a:fillRef>
+            <a:effectRef idx="0">
+              <a:schemeClr val="accent1"/>
+            </a:effectRef>
+            <a:fontRef idx="minor">
+              <a:schemeClr val="tx1"/>
+            </a:fontRef>
+          </p:style>
+        </p:cxnSp>
+        <p:cxnSp>
+          <p:nvCxnSpPr>
+            <p:cNvPr id="24" name="Straight Connector 23">
+              <a:extLst>
+                <a:ext uri="{FF2B5EF4-FFF2-40B4-BE49-F238E27FC236}">
+                  <a16:creationId xmlns:a16="http://schemas.microsoft.com/office/drawing/2014/main" id="{2561B2FF-ABD2-447F-8AFA-5AF149EB17A9}"/>
+                </a:ext>
+              </a:extLst>
+            </p:cNvPr>
+            <p:cNvCxnSpPr>
+              <a:cxnSpLocks/>
+              <a:stCxn id="12" idx="2"/>
+            </p:cNvCxnSpPr>
+            <p:nvPr/>
+          </p:nvCxnSpPr>
+          <p:spPr>
+            <a:xfrm flipH="1">
+              <a:off x="3836405" y="1650919"/>
+              <a:ext cx="321173" cy="1169126"/>
+            </a:xfrm>
+            <a:prstGeom prst="line">
+              <a:avLst/>
+            </a:prstGeom>
+            <a:ln w="38100"/>
+          </p:spPr>
+          <p:style>
+            <a:lnRef idx="1">
+              <a:schemeClr val="accent1"/>
+            </a:lnRef>
+            <a:fillRef idx="0">
+              <a:schemeClr val="accent1"/>
+            </a:fillRef>
+            <a:effectRef idx="0">
+              <a:schemeClr val="accent1"/>
+            </a:effectRef>
+            <a:fontRef idx="minor">
+              <a:schemeClr val="tx1"/>
+            </a:fontRef>
+          </p:style>
+        </p:cxnSp>
+        <p:cxnSp>
+          <p:nvCxnSpPr>
+            <p:cNvPr id="25" name="Straight Connector 24">
+              <a:extLst>
+                <a:ext uri="{FF2B5EF4-FFF2-40B4-BE49-F238E27FC236}">
+                  <a16:creationId xmlns:a16="http://schemas.microsoft.com/office/drawing/2014/main" id="{180A9EF0-194E-4FD9-AB04-7174220441EB}"/>
+                </a:ext>
+              </a:extLst>
+            </p:cNvPr>
+            <p:cNvCxnSpPr>
+              <a:cxnSpLocks/>
+              <a:stCxn id="13" idx="3"/>
+            </p:cNvCxnSpPr>
+            <p:nvPr/>
+          </p:nvCxnSpPr>
+          <p:spPr>
+            <a:xfrm>
+              <a:off x="3495392" y="2415540"/>
+              <a:ext cx="341013" cy="397499"/>
+            </a:xfrm>
+            <a:prstGeom prst="line">
+              <a:avLst/>
+            </a:prstGeom>
+            <a:ln w="38100"/>
+          </p:spPr>
+          <p:style>
+            <a:lnRef idx="1">
+              <a:schemeClr val="accent1"/>
+            </a:lnRef>
+            <a:fillRef idx="0">
+              <a:schemeClr val="accent1"/>
+            </a:fillRef>
+            <a:effectRef idx="0">
+              <a:schemeClr val="accent1"/>
+            </a:effectRef>
+            <a:fontRef idx="minor">
+              <a:schemeClr val="tx1"/>
+            </a:fontRef>
+          </p:style>
+        </p:cxnSp>
+      </p:grpSp>
+      <p:grpSp>
+        <p:nvGrpSpPr>
+          <p:cNvPr id="270" name="Group 269">
+            <a:extLst>
+              <a:ext uri="{FF2B5EF4-FFF2-40B4-BE49-F238E27FC236}">
+                <a16:creationId xmlns:a16="http://schemas.microsoft.com/office/drawing/2014/main" id="{F2485B7B-6792-4BC7-8BA0-82677370C292}"/>
+              </a:ext>
+            </a:extLst>
+          </p:cNvPr>
+          <p:cNvGrpSpPr/>
+          <p:nvPr/>
+        </p:nvGrpSpPr>
+        <p:grpSpPr>
+          <a:xfrm>
+            <a:off x="6203635" y="490280"/>
+            <a:ext cx="2228879" cy="2265232"/>
+            <a:chOff x="6203635" y="490280"/>
+            <a:chExt cx="2228879" cy="2265232"/>
+          </a:xfrm>
+        </p:grpSpPr>
+        <p:sp>
+          <p:nvSpPr>
+            <p:cNvPr id="132" name="Rectangle 131">
+              <a:extLst>
+                <a:ext uri="{FF2B5EF4-FFF2-40B4-BE49-F238E27FC236}">
+                  <a16:creationId xmlns:a16="http://schemas.microsoft.com/office/drawing/2014/main" id="{E3B7E1BD-AD50-4B8D-8EFD-D87F124B2F77}"/>
+                </a:ext>
+              </a:extLst>
+            </p:cNvPr>
+            <p:cNvSpPr/>
+            <p:nvPr/>
+          </p:nvSpPr>
+          <p:spPr>
+            <a:xfrm>
+              <a:off x="6203635" y="498014"/>
+              <a:ext cx="566088" cy="285824"/>
+            </a:xfrm>
+            <a:prstGeom prst="rect">
+              <a:avLst/>
+            </a:prstGeom>
+          </p:spPr>
+          <p:style>
+            <a:lnRef idx="2">
+              <a:schemeClr val="accent1">
+                <a:shade val="50000"/>
+              </a:schemeClr>
+            </a:lnRef>
+            <a:fillRef idx="1">
+              <a:schemeClr val="accent1"/>
+            </a:fillRef>
+            <a:effectRef idx="0">
+              <a:schemeClr val="accent1"/>
+            </a:effectRef>
+            <a:fontRef idx="minor">
+              <a:schemeClr val="lt1"/>
+            </a:fontRef>
+          </p:style>
+          <p:txBody>
+            <a:bodyPr rtlCol="0" anchor="ctr"/>
+            <a:lstStyle/>
+            <a:p>
+              <a:pPr algn="ctr"/>
+              <a:r>
+                <a:rPr lang="en-GB" sz="1100" dirty="0"/>
+                <a:t>N=14</a:t>
+              </a:r>
+            </a:p>
+          </p:txBody>
+        </p:sp>
+        <p:sp>
+          <p:nvSpPr>
+            <p:cNvPr id="133" name="Rectangle 132">
+              <a:extLst>
+                <a:ext uri="{FF2B5EF4-FFF2-40B4-BE49-F238E27FC236}">
+                  <a16:creationId xmlns:a16="http://schemas.microsoft.com/office/drawing/2014/main" id="{09E0D60A-473C-44A0-BC0F-7DDC8B91CC9D}"/>
+                </a:ext>
+              </a:extLst>
+            </p:cNvPr>
+            <p:cNvSpPr/>
+            <p:nvPr/>
+          </p:nvSpPr>
+          <p:spPr>
+            <a:xfrm>
+              <a:off x="6204182" y="962304"/>
+              <a:ext cx="566088" cy="237190"/>
+            </a:xfrm>
+            <a:prstGeom prst="rect">
+              <a:avLst/>
+            </a:prstGeom>
+          </p:spPr>
+          <p:style>
+            <a:lnRef idx="2">
+              <a:schemeClr val="accent1">
+                <a:shade val="50000"/>
+              </a:schemeClr>
+            </a:lnRef>
+            <a:fillRef idx="1">
+              <a:schemeClr val="accent1"/>
+            </a:fillRef>
+            <a:effectRef idx="0">
+              <a:schemeClr val="accent1"/>
+            </a:effectRef>
+            <a:fontRef idx="minor">
+              <a:schemeClr val="lt1"/>
+            </a:fontRef>
+          </p:style>
+          <p:txBody>
+            <a:bodyPr rtlCol="0" anchor="ctr"/>
+            <a:lstStyle/>
+            <a:p>
+              <a:pPr algn="ctr"/>
+              <a:r>
+                <a:rPr lang="en-GB" sz="1100" dirty="0"/>
+                <a:t>q=2</a:t>
+              </a:r>
+            </a:p>
+          </p:txBody>
+        </p:sp>
+        <p:sp>
+          <p:nvSpPr>
+            <p:cNvPr id="134" name="Rectangle 133">
+              <a:extLst>
+                <a:ext uri="{FF2B5EF4-FFF2-40B4-BE49-F238E27FC236}">
+                  <a16:creationId xmlns:a16="http://schemas.microsoft.com/office/drawing/2014/main" id="{54BF12D6-3662-48BA-99EC-3DD9A75020F2}"/>
+                </a:ext>
+              </a:extLst>
+            </p:cNvPr>
+            <p:cNvSpPr/>
+            <p:nvPr/>
+          </p:nvSpPr>
+          <p:spPr>
+            <a:xfrm>
+              <a:off x="7071635" y="879754"/>
+              <a:ext cx="516547" cy="237190"/>
+            </a:xfrm>
+            <a:prstGeom prst="rect">
+              <a:avLst/>
+            </a:prstGeom>
+          </p:spPr>
+          <p:style>
+            <a:lnRef idx="2">
+              <a:schemeClr val="accent1">
+                <a:shade val="50000"/>
+              </a:schemeClr>
+            </a:lnRef>
+            <a:fillRef idx="1">
+              <a:schemeClr val="accent1"/>
+            </a:fillRef>
+            <a:effectRef idx="0">
+              <a:schemeClr val="accent1"/>
+            </a:effectRef>
+            <a:fontRef idx="minor">
+              <a:schemeClr val="lt1"/>
+            </a:fontRef>
+          </p:style>
+          <p:txBody>
+            <a:bodyPr rtlCol="0" anchor="ctr"/>
+            <a:lstStyle/>
+            <a:p>
+              <a:pPr algn="ctr"/>
+              <a:r>
+                <a:rPr lang="en-GB" sz="1100" dirty="0"/>
+                <a:t>r=4</a:t>
+              </a:r>
+            </a:p>
+          </p:txBody>
+        </p:sp>
+        <p:sp>
+          <p:nvSpPr>
+            <p:cNvPr id="135" name="Rectangle 134">
+              <a:extLst>
+                <a:ext uri="{FF2B5EF4-FFF2-40B4-BE49-F238E27FC236}">
+                  <a16:creationId xmlns:a16="http://schemas.microsoft.com/office/drawing/2014/main" id="{22BBDD3A-3B79-41AA-BE11-CD83CB96B0CE}"/>
+                </a:ext>
+              </a:extLst>
+            </p:cNvPr>
+            <p:cNvSpPr/>
+            <p:nvPr/>
+          </p:nvSpPr>
+          <p:spPr>
+            <a:xfrm>
+              <a:off x="7016203" y="1260678"/>
+              <a:ext cx="642198" cy="237191"/>
+            </a:xfrm>
+            <a:prstGeom prst="rect">
+              <a:avLst/>
+            </a:prstGeom>
+          </p:spPr>
+          <p:style>
+            <a:lnRef idx="2">
+              <a:schemeClr val="accent1">
+                <a:shade val="50000"/>
+              </a:schemeClr>
+            </a:lnRef>
+            <a:fillRef idx="1">
+              <a:schemeClr val="accent1"/>
+            </a:fillRef>
+            <a:effectRef idx="0">
+              <a:schemeClr val="accent1"/>
+            </a:effectRef>
+            <a:fontRef idx="minor">
+              <a:schemeClr val="lt1"/>
+            </a:fontRef>
+          </p:style>
+          <p:txBody>
+            <a:bodyPr rtlCol="0" anchor="ctr"/>
+            <a:lstStyle/>
+            <a:p>
+              <a:pPr algn="ctr"/>
+              <a:r>
+                <a:rPr lang="en-GB" sz="1100" dirty="0"/>
+                <a:t>If r&lt;3</a:t>
+              </a:r>
+            </a:p>
+          </p:txBody>
+        </p:sp>
+        <p:sp>
+          <p:nvSpPr>
+            <p:cNvPr id="136" name="Rectangle 135">
+              <a:extLst>
+                <a:ext uri="{FF2B5EF4-FFF2-40B4-BE49-F238E27FC236}">
+                  <a16:creationId xmlns:a16="http://schemas.microsoft.com/office/drawing/2014/main" id="{9FE63CEB-CFB5-4606-BEF3-509CA2330F8E}"/>
+                </a:ext>
+              </a:extLst>
+            </p:cNvPr>
+            <p:cNvSpPr/>
+            <p:nvPr/>
+          </p:nvSpPr>
+          <p:spPr>
+            <a:xfrm>
+              <a:off x="6272055" y="1353842"/>
+              <a:ext cx="443042" cy="237191"/>
+            </a:xfrm>
+            <a:prstGeom prst="rect">
+              <a:avLst/>
+            </a:prstGeom>
+          </p:spPr>
+          <p:style>
+            <a:lnRef idx="2">
+              <a:schemeClr val="accent1">
+                <a:shade val="50000"/>
+              </a:schemeClr>
+            </a:lnRef>
+            <a:fillRef idx="1">
+              <a:schemeClr val="accent1"/>
+            </a:fillRef>
+            <a:effectRef idx="0">
+              <a:schemeClr val="accent1"/>
+            </a:effectRef>
+            <a:fontRef idx="minor">
+              <a:schemeClr val="lt1"/>
+            </a:fontRef>
+          </p:style>
+          <p:txBody>
+            <a:bodyPr rtlCol="0" anchor="ctr"/>
+            <a:lstStyle/>
+            <a:p>
+              <a:pPr algn="ctr"/>
+              <a:r>
+                <a:rPr lang="en-GB" sz="1100" dirty="0"/>
+                <a:t>110</a:t>
+              </a:r>
+            </a:p>
+          </p:txBody>
+        </p:sp>
+        <p:sp>
+          <p:nvSpPr>
+            <p:cNvPr id="137" name="Rectangle 136">
+              <a:extLst>
+                <a:ext uri="{FF2B5EF4-FFF2-40B4-BE49-F238E27FC236}">
+                  <a16:creationId xmlns:a16="http://schemas.microsoft.com/office/drawing/2014/main" id="{96D60D04-7C4A-466D-85B3-9CF5B3F651BF}"/>
+                </a:ext>
+              </a:extLst>
+            </p:cNvPr>
+            <p:cNvSpPr/>
+            <p:nvPr/>
+          </p:nvSpPr>
+          <p:spPr>
+            <a:xfrm>
+              <a:off x="7630878" y="510151"/>
+              <a:ext cx="443043" cy="285824"/>
+            </a:xfrm>
+            <a:prstGeom prst="rect">
+              <a:avLst/>
+            </a:prstGeom>
+          </p:spPr>
+          <p:style>
+            <a:lnRef idx="2">
+              <a:schemeClr val="accent1">
+                <a:shade val="50000"/>
+              </a:schemeClr>
+            </a:lnRef>
+            <a:fillRef idx="1">
+              <a:schemeClr val="accent1"/>
+            </a:fillRef>
+            <a:effectRef idx="0">
+              <a:schemeClr val="accent1"/>
+            </a:effectRef>
+            <a:fontRef idx="minor">
+              <a:schemeClr val="lt1"/>
+            </a:fontRef>
+          </p:style>
+          <p:txBody>
+            <a:bodyPr rtlCol="0" anchor="ctr"/>
+            <a:lstStyle/>
+            <a:p>
+              <a:pPr algn="ctr"/>
+              <a:r>
+                <a:rPr lang="en-GB" sz="1100" dirty="0"/>
+                <a:t>b=3</a:t>
+              </a:r>
+            </a:p>
+          </p:txBody>
+        </p:sp>
+        <p:sp>
+          <p:nvSpPr>
+            <p:cNvPr id="138" name="Rectangle 137">
+              <a:extLst>
+                <a:ext uri="{FF2B5EF4-FFF2-40B4-BE49-F238E27FC236}">
+                  <a16:creationId xmlns:a16="http://schemas.microsoft.com/office/drawing/2014/main" id="{7F7E5F0A-F62D-400D-B721-EB4D2D382E3D}"/>
+                </a:ext>
+              </a:extLst>
+            </p:cNvPr>
+            <p:cNvSpPr/>
+            <p:nvPr/>
+          </p:nvSpPr>
+          <p:spPr>
+            <a:xfrm>
+              <a:off x="7059942" y="1632398"/>
+              <a:ext cx="539932" cy="281519"/>
+            </a:xfrm>
+            <a:prstGeom prst="rect">
+              <a:avLst/>
+            </a:prstGeom>
+          </p:spPr>
+          <p:style>
+            <a:lnRef idx="2">
+              <a:schemeClr val="accent1">
+                <a:shade val="50000"/>
+              </a:schemeClr>
+            </a:lnRef>
+            <a:fillRef idx="1">
+              <a:schemeClr val="accent1"/>
+            </a:fillRef>
+            <a:effectRef idx="0">
+              <a:schemeClr val="accent1"/>
+            </a:effectRef>
+            <a:fontRef idx="minor">
+              <a:schemeClr val="lt1"/>
+            </a:fontRef>
+          </p:style>
+          <p:txBody>
+            <a:bodyPr rtlCol="0" anchor="ctr"/>
+            <a:lstStyle/>
+            <a:p>
+              <a:pPr algn="ctr"/>
+              <a:r>
+                <a:rPr lang="en-GB" sz="1100" dirty="0"/>
+                <a:t>Else</a:t>
+              </a:r>
+            </a:p>
+          </p:txBody>
+        </p:sp>
+        <p:sp>
+          <p:nvSpPr>
+            <p:cNvPr id="139" name="Rectangle 138">
+              <a:extLst>
+                <a:ext uri="{FF2B5EF4-FFF2-40B4-BE49-F238E27FC236}">
+                  <a16:creationId xmlns:a16="http://schemas.microsoft.com/office/drawing/2014/main" id="{085E8A7C-EC28-4010-8AF1-EB230DD1FE15}"/>
+                </a:ext>
+              </a:extLst>
+            </p:cNvPr>
+            <p:cNvSpPr/>
+            <p:nvPr/>
+          </p:nvSpPr>
+          <p:spPr>
+            <a:xfrm>
+              <a:off x="7869840" y="1255007"/>
+              <a:ext cx="562674" cy="281519"/>
+            </a:xfrm>
+            <a:prstGeom prst="rect">
+              <a:avLst/>
+            </a:prstGeom>
+          </p:spPr>
+          <p:style>
+            <a:lnRef idx="2">
+              <a:schemeClr val="accent1">
+                <a:shade val="50000"/>
+              </a:schemeClr>
+            </a:lnRef>
+            <a:fillRef idx="1">
+              <a:schemeClr val="accent1"/>
+            </a:fillRef>
+            <a:effectRef idx="0">
+              <a:schemeClr val="accent1"/>
+            </a:effectRef>
+            <a:fontRef idx="minor">
+              <a:schemeClr val="lt1"/>
+            </a:fontRef>
+          </p:style>
+          <p:txBody>
+            <a:bodyPr rtlCol="0" anchor="ctr"/>
+            <a:lstStyle/>
+            <a:p>
+              <a:pPr algn="ctr"/>
+              <a:r>
+                <a:rPr lang="en-GB" sz="1100" dirty="0"/>
+                <a:t>2 bits</a:t>
+              </a:r>
+            </a:p>
+          </p:txBody>
+        </p:sp>
+        <p:sp>
+          <p:nvSpPr>
+            <p:cNvPr id="140" name="Rectangle 139">
+              <a:extLst>
+                <a:ext uri="{FF2B5EF4-FFF2-40B4-BE49-F238E27FC236}">
+                  <a16:creationId xmlns:a16="http://schemas.microsoft.com/office/drawing/2014/main" id="{2E32F79A-E2C5-4985-8526-6D2E62DBECE3}"/>
+                </a:ext>
+              </a:extLst>
+            </p:cNvPr>
+            <p:cNvSpPr/>
+            <p:nvPr/>
+          </p:nvSpPr>
+          <p:spPr>
+            <a:xfrm>
+              <a:off x="6579016" y="2082014"/>
+              <a:ext cx="1552854" cy="211902"/>
+            </a:xfrm>
+            <a:prstGeom prst="rect">
+              <a:avLst/>
+            </a:prstGeom>
+          </p:spPr>
+          <p:style>
+            <a:lnRef idx="2">
+              <a:schemeClr val="accent1">
+                <a:shade val="50000"/>
+              </a:schemeClr>
+            </a:lnRef>
+            <a:fillRef idx="1">
+              <a:schemeClr val="accent1"/>
+            </a:fillRef>
+            <a:effectRef idx="0">
+              <a:schemeClr val="accent1"/>
+            </a:effectRef>
+            <a:fontRef idx="minor">
+              <a:schemeClr val="lt1"/>
+            </a:fontRef>
+          </p:style>
+          <p:txBody>
+            <a:bodyPr rtlCol="0" anchor="ctr"/>
+            <a:lstStyle/>
+            <a:p>
+              <a:pPr algn="ctr"/>
+              <a:r>
+                <a:rPr lang="en-GB" sz="1100" dirty="0"/>
+                <a:t>3 bits for 4+3 (111)</a:t>
+              </a:r>
+            </a:p>
+          </p:txBody>
+        </p:sp>
+        <p:cxnSp>
+          <p:nvCxnSpPr>
+            <p:cNvPr id="141" name="Straight Arrow Connector 140">
+              <a:extLst>
+                <a:ext uri="{FF2B5EF4-FFF2-40B4-BE49-F238E27FC236}">
+                  <a16:creationId xmlns:a16="http://schemas.microsoft.com/office/drawing/2014/main" id="{54D00D68-3C93-4F8A-92D0-6C08B448DD1E}"/>
+                </a:ext>
+              </a:extLst>
+            </p:cNvPr>
+            <p:cNvCxnSpPr>
+              <a:cxnSpLocks/>
+              <a:stCxn id="132" idx="2"/>
+              <a:endCxn id="133" idx="0"/>
+            </p:cNvCxnSpPr>
+            <p:nvPr/>
+          </p:nvCxnSpPr>
+          <p:spPr>
+            <a:xfrm>
+              <a:off x="6486679" y="783838"/>
+              <a:ext cx="547" cy="178466"/>
+            </a:xfrm>
+            <a:prstGeom prst="straightConnector1">
+              <a:avLst/>
+            </a:prstGeom>
+            <a:ln w="38100">
+              <a:tailEnd type="triangle"/>
+            </a:ln>
+          </p:spPr>
+          <p:style>
+            <a:lnRef idx="1">
+              <a:schemeClr val="accent1"/>
+            </a:lnRef>
+            <a:fillRef idx="0">
+              <a:schemeClr val="accent1"/>
+            </a:fillRef>
+            <a:effectRef idx="0">
+              <a:schemeClr val="accent1"/>
+            </a:effectRef>
+            <a:fontRef idx="minor">
+              <a:schemeClr val="tx1"/>
+            </a:fontRef>
+          </p:style>
+        </p:cxnSp>
+        <p:cxnSp>
+          <p:nvCxnSpPr>
+            <p:cNvPr id="142" name="Straight Arrow Connector 141">
+              <a:extLst>
+                <a:ext uri="{FF2B5EF4-FFF2-40B4-BE49-F238E27FC236}">
+                  <a16:creationId xmlns:a16="http://schemas.microsoft.com/office/drawing/2014/main" id="{B44F470C-CEBA-4C9D-B218-C95F028D61AE}"/>
+                </a:ext>
+              </a:extLst>
+            </p:cNvPr>
+            <p:cNvCxnSpPr>
+              <a:cxnSpLocks/>
+              <a:stCxn id="132" idx="2"/>
+              <a:endCxn id="134" idx="1"/>
+            </p:cNvCxnSpPr>
+            <p:nvPr/>
+          </p:nvCxnSpPr>
+          <p:spPr>
+            <a:xfrm>
+              <a:off x="6486679" y="783838"/>
+              <a:ext cx="584956" cy="214511"/>
+            </a:xfrm>
+            <a:prstGeom prst="straightConnector1">
+              <a:avLst/>
+            </a:prstGeom>
+            <a:ln w="38100">
+              <a:tailEnd type="triangle"/>
+            </a:ln>
+          </p:spPr>
+          <p:style>
+            <a:lnRef idx="1">
+              <a:schemeClr val="accent1"/>
+            </a:lnRef>
+            <a:fillRef idx="0">
+              <a:schemeClr val="accent1"/>
+            </a:fillRef>
+            <a:effectRef idx="0">
+              <a:schemeClr val="accent1"/>
+            </a:effectRef>
+            <a:fontRef idx="minor">
+              <a:schemeClr val="tx1"/>
+            </a:fontRef>
+          </p:style>
+        </p:cxnSp>
+        <p:cxnSp>
+          <p:nvCxnSpPr>
+            <p:cNvPr id="143" name="Straight Arrow Connector 142">
+              <a:extLst>
+                <a:ext uri="{FF2B5EF4-FFF2-40B4-BE49-F238E27FC236}">
+                  <a16:creationId xmlns:a16="http://schemas.microsoft.com/office/drawing/2014/main" id="{473A60A0-D99C-4051-A361-3A62F96D7870}"/>
+                </a:ext>
+              </a:extLst>
+            </p:cNvPr>
+            <p:cNvCxnSpPr>
+              <a:cxnSpLocks/>
+              <a:stCxn id="133" idx="2"/>
+              <a:endCxn id="136" idx="0"/>
+            </p:cNvCxnSpPr>
+            <p:nvPr/>
+          </p:nvCxnSpPr>
+          <p:spPr>
+            <a:xfrm>
+              <a:off x="6487226" y="1199494"/>
+              <a:ext cx="6350" cy="154348"/>
+            </a:xfrm>
+            <a:prstGeom prst="straightConnector1">
+              <a:avLst/>
+            </a:prstGeom>
+            <a:ln w="38100">
+              <a:tailEnd type="triangle"/>
+            </a:ln>
+          </p:spPr>
+          <p:style>
+            <a:lnRef idx="1">
+              <a:schemeClr val="accent1"/>
+            </a:lnRef>
+            <a:fillRef idx="0">
+              <a:schemeClr val="accent1"/>
+            </a:fillRef>
+            <a:effectRef idx="0">
+              <a:schemeClr val="accent1"/>
+            </a:effectRef>
+            <a:fontRef idx="minor">
+              <a:schemeClr val="tx1"/>
+            </a:fontRef>
+          </p:style>
+        </p:cxnSp>
+        <p:cxnSp>
+          <p:nvCxnSpPr>
+            <p:cNvPr id="144" name="Straight Arrow Connector 143">
+              <a:extLst>
+                <a:ext uri="{FF2B5EF4-FFF2-40B4-BE49-F238E27FC236}">
+                  <a16:creationId xmlns:a16="http://schemas.microsoft.com/office/drawing/2014/main" id="{E875D5D4-E443-469F-B5A1-EE0A7137C1C0}"/>
+                </a:ext>
+              </a:extLst>
+            </p:cNvPr>
+            <p:cNvCxnSpPr>
+              <a:cxnSpLocks/>
+              <a:stCxn id="134" idx="2"/>
+              <a:endCxn id="135" idx="0"/>
+            </p:cNvCxnSpPr>
+            <p:nvPr/>
+          </p:nvCxnSpPr>
+          <p:spPr>
+            <a:xfrm>
+              <a:off x="7329909" y="1116944"/>
+              <a:ext cx="7393" cy="143734"/>
+            </a:xfrm>
+            <a:prstGeom prst="straightConnector1">
+              <a:avLst/>
+            </a:prstGeom>
+            <a:ln w="38100">
+              <a:tailEnd type="triangle"/>
+            </a:ln>
+          </p:spPr>
+          <p:style>
+            <a:lnRef idx="1">
+              <a:schemeClr val="accent1"/>
+            </a:lnRef>
+            <a:fillRef idx="0">
+              <a:schemeClr val="accent1"/>
+            </a:fillRef>
+            <a:effectRef idx="0">
+              <a:schemeClr val="accent1"/>
+            </a:effectRef>
+            <a:fontRef idx="minor">
+              <a:schemeClr val="tx1"/>
+            </a:fontRef>
+          </p:style>
+        </p:cxnSp>
+        <p:cxnSp>
+          <p:nvCxnSpPr>
+            <p:cNvPr id="145" name="Straight Arrow Connector 144">
+              <a:extLst>
+                <a:ext uri="{FF2B5EF4-FFF2-40B4-BE49-F238E27FC236}">
+                  <a16:creationId xmlns:a16="http://schemas.microsoft.com/office/drawing/2014/main" id="{BB76B584-8F49-4816-9BFA-7215D9DC3421}"/>
+                </a:ext>
+              </a:extLst>
+            </p:cNvPr>
+            <p:cNvCxnSpPr>
+              <a:cxnSpLocks/>
+              <a:stCxn id="135" idx="3"/>
+              <a:endCxn id="139" idx="1"/>
+            </p:cNvCxnSpPr>
+            <p:nvPr/>
+          </p:nvCxnSpPr>
+          <p:spPr>
+            <a:xfrm>
+              <a:off x="7658401" y="1379274"/>
+              <a:ext cx="211439" cy="16493"/>
+            </a:xfrm>
+            <a:prstGeom prst="straightConnector1">
+              <a:avLst/>
+            </a:prstGeom>
+            <a:ln w="38100">
+              <a:tailEnd type="triangle"/>
+            </a:ln>
+          </p:spPr>
+          <p:style>
+            <a:lnRef idx="1">
+              <a:schemeClr val="accent1"/>
+            </a:lnRef>
+            <a:fillRef idx="0">
+              <a:schemeClr val="accent1"/>
+            </a:fillRef>
+            <a:effectRef idx="0">
+              <a:schemeClr val="accent1"/>
+            </a:effectRef>
+            <a:fontRef idx="minor">
+              <a:schemeClr val="tx1"/>
+            </a:fontRef>
+          </p:style>
+        </p:cxnSp>
+        <p:cxnSp>
+          <p:nvCxnSpPr>
+            <p:cNvPr id="146" name="Straight Arrow Connector 145">
+              <a:extLst>
+                <a:ext uri="{FF2B5EF4-FFF2-40B4-BE49-F238E27FC236}">
+                  <a16:creationId xmlns:a16="http://schemas.microsoft.com/office/drawing/2014/main" id="{7F35AF72-13C4-4445-AFC3-33EC29FBDF0F}"/>
+                </a:ext>
+              </a:extLst>
+            </p:cNvPr>
+            <p:cNvCxnSpPr>
+              <a:cxnSpLocks/>
+              <a:stCxn id="135" idx="2"/>
+              <a:endCxn id="138" idx="0"/>
+            </p:cNvCxnSpPr>
+            <p:nvPr/>
+          </p:nvCxnSpPr>
+          <p:spPr>
+            <a:xfrm flipH="1">
+              <a:off x="7329908" y="1497869"/>
+              <a:ext cx="7394" cy="134529"/>
+            </a:xfrm>
+            <a:prstGeom prst="straightConnector1">
+              <a:avLst/>
+            </a:prstGeom>
+            <a:ln w="38100">
+              <a:tailEnd type="triangle"/>
+            </a:ln>
+          </p:spPr>
+          <p:style>
+            <a:lnRef idx="1">
+              <a:schemeClr val="accent1"/>
+            </a:lnRef>
+            <a:fillRef idx="0">
+              <a:schemeClr val="accent1"/>
+            </a:fillRef>
+            <a:effectRef idx="0">
+              <a:schemeClr val="accent1"/>
+            </a:effectRef>
+            <a:fontRef idx="minor">
+              <a:schemeClr val="tx1"/>
+            </a:fontRef>
+          </p:style>
+        </p:cxnSp>
+        <p:cxnSp>
+          <p:nvCxnSpPr>
+            <p:cNvPr id="147" name="Straight Arrow Connector 146">
+              <a:extLst>
+                <a:ext uri="{FF2B5EF4-FFF2-40B4-BE49-F238E27FC236}">
+                  <a16:creationId xmlns:a16="http://schemas.microsoft.com/office/drawing/2014/main" id="{CBA2B00D-29D1-4322-8C08-377D6A2D564D}"/>
+                </a:ext>
+              </a:extLst>
+            </p:cNvPr>
+            <p:cNvCxnSpPr>
+              <a:cxnSpLocks/>
+              <a:stCxn id="138" idx="2"/>
+              <a:endCxn id="140" idx="0"/>
+            </p:cNvCxnSpPr>
+            <p:nvPr/>
+          </p:nvCxnSpPr>
+          <p:spPr>
+            <a:xfrm>
+              <a:off x="7329908" y="1913917"/>
+              <a:ext cx="25535" cy="168097"/>
+            </a:xfrm>
+            <a:prstGeom prst="straightConnector1">
+              <a:avLst/>
+            </a:prstGeom>
+            <a:ln w="38100">
+              <a:tailEnd type="triangle"/>
+            </a:ln>
+          </p:spPr>
+          <p:style>
+            <a:lnRef idx="1">
+              <a:schemeClr val="accent1"/>
+            </a:lnRef>
+            <a:fillRef idx="0">
+              <a:schemeClr val="accent1"/>
+            </a:fillRef>
+            <a:effectRef idx="0">
+              <a:schemeClr val="accent1"/>
+            </a:effectRef>
+            <a:fontRef idx="minor">
+              <a:schemeClr val="tx1"/>
+            </a:fontRef>
+          </p:style>
+        </p:cxnSp>
+        <p:sp>
+          <p:nvSpPr>
+            <p:cNvPr id="148" name="Rectangle 147">
+              <a:extLst>
+                <a:ext uri="{FF2B5EF4-FFF2-40B4-BE49-F238E27FC236}">
+                  <a16:creationId xmlns:a16="http://schemas.microsoft.com/office/drawing/2014/main" id="{BDB492C0-EA1B-4A6C-91EC-82384E971A5B}"/>
+                </a:ext>
+              </a:extLst>
+            </p:cNvPr>
+            <p:cNvSpPr/>
+            <p:nvPr/>
+          </p:nvSpPr>
+          <p:spPr>
+            <a:xfrm>
+              <a:off x="6383948" y="2518320"/>
+              <a:ext cx="1052901" cy="237192"/>
+            </a:xfrm>
+            <a:prstGeom prst="rect">
+              <a:avLst/>
+            </a:prstGeom>
+          </p:spPr>
+          <p:style>
+            <a:lnRef idx="2">
+              <a:schemeClr val="accent1">
+                <a:shade val="50000"/>
+              </a:schemeClr>
+            </a:lnRef>
+            <a:fillRef idx="1">
+              <a:schemeClr val="accent1"/>
+            </a:fillRef>
+            <a:effectRef idx="0">
+              <a:schemeClr val="accent1"/>
+            </a:effectRef>
+            <a:fontRef idx="minor">
+              <a:schemeClr val="lt1"/>
+            </a:fontRef>
+          </p:style>
+          <p:txBody>
+            <a:bodyPr rtlCol="0" anchor="ctr"/>
+            <a:lstStyle/>
+            <a:p>
+              <a:pPr algn="ctr"/>
+              <a:r>
+                <a:rPr lang="en-GB" sz="1100" dirty="0"/>
+                <a:t>110111</a:t>
+              </a:r>
+            </a:p>
+          </p:txBody>
+        </p:sp>
+        <p:cxnSp>
+          <p:nvCxnSpPr>
+            <p:cNvPr id="149" name="Straight Arrow Connector 148">
+              <a:extLst>
+                <a:ext uri="{FF2B5EF4-FFF2-40B4-BE49-F238E27FC236}">
+                  <a16:creationId xmlns:a16="http://schemas.microsoft.com/office/drawing/2014/main" id="{0655C9A7-0065-44B4-901E-AC87A8A99DEB}"/>
+                </a:ext>
+              </a:extLst>
+            </p:cNvPr>
+            <p:cNvCxnSpPr>
+              <a:cxnSpLocks/>
+              <a:endCxn id="148" idx="3"/>
+            </p:cNvCxnSpPr>
+            <p:nvPr/>
+          </p:nvCxnSpPr>
+          <p:spPr>
+            <a:xfrm flipH="1">
+              <a:off x="7436849" y="2594837"/>
+              <a:ext cx="831102" cy="42079"/>
+            </a:xfrm>
+            <a:prstGeom prst="straightConnector1">
+              <a:avLst/>
+            </a:prstGeom>
+            <a:ln w="38100">
+              <a:tailEnd type="triangle"/>
+            </a:ln>
+          </p:spPr>
+          <p:style>
+            <a:lnRef idx="1">
+              <a:schemeClr val="accent1"/>
+            </a:lnRef>
+            <a:fillRef idx="0">
+              <a:schemeClr val="accent1"/>
+            </a:fillRef>
+            <a:effectRef idx="0">
+              <a:schemeClr val="accent1"/>
+            </a:effectRef>
+            <a:fontRef idx="minor">
+              <a:schemeClr val="tx1"/>
+            </a:fontRef>
+          </p:style>
+        </p:cxnSp>
+        <p:cxnSp>
+          <p:nvCxnSpPr>
+            <p:cNvPr id="150" name="Straight Arrow Connector 149">
+              <a:extLst>
+                <a:ext uri="{FF2B5EF4-FFF2-40B4-BE49-F238E27FC236}">
+                  <a16:creationId xmlns:a16="http://schemas.microsoft.com/office/drawing/2014/main" id="{7F7A41E6-CE42-4B54-9A49-855983A68EA8}"/>
+                </a:ext>
+              </a:extLst>
+            </p:cNvPr>
+            <p:cNvCxnSpPr>
+              <a:cxnSpLocks/>
+              <a:stCxn id="136" idx="2"/>
+              <a:endCxn id="148" idx="1"/>
+            </p:cNvCxnSpPr>
+            <p:nvPr/>
+          </p:nvCxnSpPr>
+          <p:spPr>
+            <a:xfrm flipH="1">
+              <a:off x="6383948" y="1591033"/>
+              <a:ext cx="109628" cy="1045883"/>
+            </a:xfrm>
+            <a:prstGeom prst="straightConnector1">
+              <a:avLst/>
+            </a:prstGeom>
+            <a:ln w="38100">
+              <a:tailEnd type="triangle"/>
+            </a:ln>
+          </p:spPr>
+          <p:style>
+            <a:lnRef idx="1">
+              <a:schemeClr val="accent1"/>
+            </a:lnRef>
+            <a:fillRef idx="0">
+              <a:schemeClr val="accent1"/>
+            </a:fillRef>
+            <a:effectRef idx="0">
+              <a:schemeClr val="accent1"/>
+            </a:effectRef>
+            <a:fontRef idx="minor">
+              <a:schemeClr val="tx1"/>
+            </a:fontRef>
+          </p:style>
+        </p:cxnSp>
+        <p:cxnSp>
+          <p:nvCxnSpPr>
+            <p:cNvPr id="151" name="Straight Connector 150">
+              <a:extLst>
+                <a:ext uri="{FF2B5EF4-FFF2-40B4-BE49-F238E27FC236}">
+                  <a16:creationId xmlns:a16="http://schemas.microsoft.com/office/drawing/2014/main" id="{DCCCE1AF-596D-4B93-A1CC-55FEE1849DA6}"/>
+                </a:ext>
+              </a:extLst>
+            </p:cNvPr>
+            <p:cNvCxnSpPr>
+              <a:cxnSpLocks/>
+              <a:stCxn id="139" idx="2"/>
+            </p:cNvCxnSpPr>
+            <p:nvPr/>
+          </p:nvCxnSpPr>
+          <p:spPr>
+            <a:xfrm>
+              <a:off x="8151177" y="1536526"/>
+              <a:ext cx="116774" cy="1058311"/>
+            </a:xfrm>
+            <a:prstGeom prst="line">
+              <a:avLst/>
+            </a:prstGeom>
+            <a:ln w="38100"/>
+          </p:spPr>
+          <p:style>
+            <a:lnRef idx="1">
+              <a:schemeClr val="accent1"/>
+            </a:lnRef>
+            <a:fillRef idx="0">
+              <a:schemeClr val="accent1"/>
+            </a:fillRef>
+            <a:effectRef idx="0">
+              <a:schemeClr val="accent1"/>
+            </a:effectRef>
+            <a:fontRef idx="minor">
+              <a:schemeClr val="tx1"/>
+            </a:fontRef>
+          </p:style>
+        </p:cxnSp>
+        <p:cxnSp>
+          <p:nvCxnSpPr>
+            <p:cNvPr id="152" name="Straight Connector 151">
+              <a:extLst>
+                <a:ext uri="{FF2B5EF4-FFF2-40B4-BE49-F238E27FC236}">
+                  <a16:creationId xmlns:a16="http://schemas.microsoft.com/office/drawing/2014/main" id="{749D48C6-3F6C-4001-97FB-D93C5548EB17}"/>
+                </a:ext>
+              </a:extLst>
+            </p:cNvPr>
+            <p:cNvCxnSpPr>
+              <a:cxnSpLocks/>
+              <a:stCxn id="140" idx="3"/>
+            </p:cNvCxnSpPr>
+            <p:nvPr/>
+          </p:nvCxnSpPr>
+          <p:spPr>
+            <a:xfrm>
+              <a:off x="8131870" y="2187965"/>
+              <a:ext cx="136081" cy="406872"/>
+            </a:xfrm>
+            <a:prstGeom prst="line">
+              <a:avLst/>
+            </a:prstGeom>
+            <a:ln w="38100"/>
+          </p:spPr>
+          <p:style>
+            <a:lnRef idx="1">
+              <a:schemeClr val="accent1"/>
+            </a:lnRef>
+            <a:fillRef idx="0">
+              <a:schemeClr val="accent1"/>
+            </a:fillRef>
+            <a:effectRef idx="0">
+              <a:schemeClr val="accent1"/>
+            </a:effectRef>
+            <a:fontRef idx="minor">
+              <a:schemeClr val="tx1"/>
+            </a:fontRef>
+          </p:style>
+        </p:cxnSp>
+        <p:sp>
+          <p:nvSpPr>
+            <p:cNvPr id="153" name="Rectangle 152">
+              <a:extLst>
+                <a:ext uri="{FF2B5EF4-FFF2-40B4-BE49-F238E27FC236}">
+                  <a16:creationId xmlns:a16="http://schemas.microsoft.com/office/drawing/2014/main" id="{73FC0058-DDEA-4C53-AB35-42500389A03C}"/>
+                </a:ext>
+              </a:extLst>
+            </p:cNvPr>
+            <p:cNvSpPr/>
+            <p:nvPr/>
+          </p:nvSpPr>
+          <p:spPr>
+            <a:xfrm>
+              <a:off x="6966085" y="490280"/>
+              <a:ext cx="513977" cy="285824"/>
+            </a:xfrm>
+            <a:prstGeom prst="rect">
+              <a:avLst/>
+            </a:prstGeom>
+          </p:spPr>
+          <p:style>
+            <a:lnRef idx="2">
+              <a:schemeClr val="accent1">
+                <a:shade val="50000"/>
+              </a:schemeClr>
+            </a:lnRef>
+            <a:fillRef idx="1">
+              <a:schemeClr val="accent1"/>
+            </a:fillRef>
+            <a:effectRef idx="0">
+              <a:schemeClr val="accent1"/>
+            </a:effectRef>
+            <a:fontRef idx="minor">
+              <a:schemeClr val="lt1"/>
+            </a:fontRef>
+          </p:style>
+          <p:txBody>
+            <a:bodyPr rtlCol="0" anchor="ctr"/>
+            <a:lstStyle/>
+            <a:p>
+              <a:pPr algn="ctr"/>
+              <a:r>
+                <a:rPr lang="en-GB" sz="1100" dirty="0"/>
+                <a:t>M=5</a:t>
+              </a:r>
+            </a:p>
+          </p:txBody>
+        </p:sp>
+      </p:grpSp>
+    </p:spTree>
+    <p:extLst>
+      <p:ext uri="{BB962C8B-B14F-4D97-AF65-F5344CB8AC3E}">
+        <p14:creationId xmlns:p14="http://schemas.microsoft.com/office/powerpoint/2010/main" val="373975505"/>
       </p:ext>
     </p:extLst>
   </p:cSld>
